--- a/AIRDSS.pptx
+++ b/AIRDSS.pptx
@@ -4,6 +4,9 @@
   <p:sldMasterIdLst>
     <p:sldMasterId id="2147483648" r:id="rId1"/>
   </p:sldMasterIdLst>
+  <p:notesMasterIdLst>
+    <p:notesMasterId r:id="rId11"/>
+  </p:notesMasterIdLst>
   <p:sldIdLst>
     <p:sldId id="256" r:id="rId2"/>
     <p:sldId id="264" r:id="rId3"/>
@@ -11,8 +14,9 @@
     <p:sldId id="259" r:id="rId5"/>
     <p:sldId id="260" r:id="rId6"/>
     <p:sldId id="261" r:id="rId7"/>
-    <p:sldId id="262" r:id="rId8"/>
-    <p:sldId id="263" r:id="rId9"/>
+    <p:sldId id="265" r:id="rId8"/>
+    <p:sldId id="262" r:id="rId9"/>
+    <p:sldId id="263" r:id="rId10"/>
   </p:sldIdLst>
   <p:sldSz cx="12192000" cy="6858000"/>
   <p:notesSz cx="6858000" cy="9144000"/>
@@ -122,6 +126,7 @@
             <p14:sldId id="259"/>
             <p14:sldId id="260"/>
             <p14:sldId id="261"/>
+            <p14:sldId id="265"/>
             <p14:sldId id="262"/>
             <p14:sldId id="263"/>
           </p14:sldIdLst>
@@ -130,6 +135,355 @@
     </p:ext>
   </p:extLst>
 </p:presentation>
+</file>
+
+<file path=ppt/notesMasters/notesMaster1.xml><?xml version="1.0" encoding="utf-8"?>
+<p:notesMaster xmlns:a="http://schemas.openxmlformats.org/drawingml/2006/main" xmlns:r="http://schemas.openxmlformats.org/officeDocument/2006/relationships" xmlns:p="http://schemas.openxmlformats.org/presentationml/2006/main">
+  <p:cSld>
+    <p:bg>
+      <p:bgRef idx="1001">
+        <a:schemeClr val="bg1"/>
+      </p:bgRef>
+    </p:bg>
+    <p:spTree>
+      <p:nvGrpSpPr>
+        <p:cNvPr id="1" name=""/>
+        <p:cNvGrpSpPr/>
+        <p:nvPr/>
+      </p:nvGrpSpPr>
+      <p:grpSpPr>
+        <a:xfrm>
+          <a:off x="0" y="0"/>
+          <a:ext cx="0" cy="0"/>
+          <a:chOff x="0" y="0"/>
+          <a:chExt cx="0" cy="0"/>
+        </a:xfrm>
+      </p:grpSpPr>
+      <p:sp>
+        <p:nvSpPr>
+          <p:cNvPr id="2" name="Marcador de encabezado 1"/>
+          <p:cNvSpPr>
+            <a:spLocks noGrp="1"/>
+          </p:cNvSpPr>
+          <p:nvPr>
+            <p:ph type="hdr" sz="quarter"/>
+          </p:nvPr>
+        </p:nvSpPr>
+        <p:spPr>
+          <a:xfrm>
+            <a:off x="0" y="0"/>
+            <a:ext cx="2971800" cy="458788"/>
+          </a:xfrm>
+          <a:prstGeom prst="rect">
+            <a:avLst/>
+          </a:prstGeom>
+        </p:spPr>
+        <p:txBody>
+          <a:bodyPr vert="horz" lIns="91440" tIns="45720" rIns="91440" bIns="45720" rtlCol="0"/>
+          <a:lstStyle>
+            <a:lvl1pPr algn="l">
+              <a:defRPr sz="1200"/>
+            </a:lvl1pPr>
+          </a:lstStyle>
+          <a:p>
+            <a:endParaRPr lang="es-ES"/>
+          </a:p>
+        </p:txBody>
+      </p:sp>
+      <p:sp>
+        <p:nvSpPr>
+          <p:cNvPr id="3" name="Marcador de fecha 2"/>
+          <p:cNvSpPr>
+            <a:spLocks noGrp="1"/>
+          </p:cNvSpPr>
+          <p:nvPr>
+            <p:ph type="dt" idx="1"/>
+          </p:nvPr>
+        </p:nvSpPr>
+        <p:spPr>
+          <a:xfrm>
+            <a:off x="3884613" y="0"/>
+            <a:ext cx="2971800" cy="458788"/>
+          </a:xfrm>
+          <a:prstGeom prst="rect">
+            <a:avLst/>
+          </a:prstGeom>
+        </p:spPr>
+        <p:txBody>
+          <a:bodyPr vert="horz" lIns="91440" tIns="45720" rIns="91440" bIns="45720" rtlCol="0"/>
+          <a:lstStyle>
+            <a:lvl1pPr algn="r">
+              <a:defRPr sz="1200"/>
+            </a:lvl1pPr>
+          </a:lstStyle>
+          <a:p>
+            <a:fld id="{7CBE0798-1B1E-4591-B339-08EF5FF535C4}" type="datetimeFigureOut">
+              <a:rPr lang="es-ES" smtClean="0"/>
+              <a:t>05/04/2019</a:t>
+            </a:fld>
+            <a:endParaRPr lang="es-ES"/>
+          </a:p>
+        </p:txBody>
+      </p:sp>
+      <p:sp>
+        <p:nvSpPr>
+          <p:cNvPr id="4" name="Marcador de imagen de diapositiva 3"/>
+          <p:cNvSpPr>
+            <a:spLocks noGrp="1" noRot="1" noChangeAspect="1"/>
+          </p:cNvSpPr>
+          <p:nvPr>
+            <p:ph type="sldImg" idx="2"/>
+          </p:nvPr>
+        </p:nvSpPr>
+        <p:spPr>
+          <a:xfrm>
+            <a:off x="685800" y="1143000"/>
+            <a:ext cx="5486400" cy="3086100"/>
+          </a:xfrm>
+          <a:prstGeom prst="rect">
+            <a:avLst/>
+          </a:prstGeom>
+          <a:noFill/>
+          <a:ln w="12700">
+            <a:solidFill>
+              <a:prstClr val="black"/>
+            </a:solidFill>
+          </a:ln>
+        </p:spPr>
+        <p:txBody>
+          <a:bodyPr vert="horz" lIns="91440" tIns="45720" rIns="91440" bIns="45720" rtlCol="0" anchor="ctr"/>
+          <a:lstStyle/>
+          <a:p>
+            <a:endParaRPr lang="es-ES"/>
+          </a:p>
+        </p:txBody>
+      </p:sp>
+      <p:sp>
+        <p:nvSpPr>
+          <p:cNvPr id="5" name="Marcador de notas 4"/>
+          <p:cNvSpPr>
+            <a:spLocks noGrp="1"/>
+          </p:cNvSpPr>
+          <p:nvPr>
+            <p:ph type="body" sz="quarter" idx="3"/>
+          </p:nvPr>
+        </p:nvSpPr>
+        <p:spPr>
+          <a:xfrm>
+            <a:off x="685800" y="4400550"/>
+            <a:ext cx="5486400" cy="3600450"/>
+          </a:xfrm>
+          <a:prstGeom prst="rect">
+            <a:avLst/>
+          </a:prstGeom>
+        </p:spPr>
+        <p:txBody>
+          <a:bodyPr vert="horz" lIns="91440" tIns="45720" rIns="91440" bIns="45720" rtlCol="0"/>
+          <a:lstStyle/>
+          <a:p>
+            <a:pPr lvl="0"/>
+            <a:r>
+              <a:rPr lang="es-ES"/>
+              <a:t>Editar los estilos de texto del patrón</a:t>
+            </a:r>
+          </a:p>
+          <a:p>
+            <a:pPr lvl="1"/>
+            <a:r>
+              <a:rPr lang="es-ES"/>
+              <a:t>Segundo nivel</a:t>
+            </a:r>
+          </a:p>
+          <a:p>
+            <a:pPr lvl="2"/>
+            <a:r>
+              <a:rPr lang="es-ES"/>
+              <a:t>Tercer nivel</a:t>
+            </a:r>
+          </a:p>
+          <a:p>
+            <a:pPr lvl="3"/>
+            <a:r>
+              <a:rPr lang="es-ES"/>
+              <a:t>Cuarto nivel</a:t>
+            </a:r>
+          </a:p>
+          <a:p>
+            <a:pPr lvl="4"/>
+            <a:r>
+              <a:rPr lang="es-ES"/>
+              <a:t>Quinto nivel</a:t>
+            </a:r>
+          </a:p>
+        </p:txBody>
+      </p:sp>
+      <p:sp>
+        <p:nvSpPr>
+          <p:cNvPr id="6" name="Marcador de pie de página 5"/>
+          <p:cNvSpPr>
+            <a:spLocks noGrp="1"/>
+          </p:cNvSpPr>
+          <p:nvPr>
+            <p:ph type="ftr" sz="quarter" idx="4"/>
+          </p:nvPr>
+        </p:nvSpPr>
+        <p:spPr>
+          <a:xfrm>
+            <a:off x="0" y="8685213"/>
+            <a:ext cx="2971800" cy="458787"/>
+          </a:xfrm>
+          <a:prstGeom prst="rect">
+            <a:avLst/>
+          </a:prstGeom>
+        </p:spPr>
+        <p:txBody>
+          <a:bodyPr vert="horz" lIns="91440" tIns="45720" rIns="91440" bIns="45720" rtlCol="0" anchor="b"/>
+          <a:lstStyle>
+            <a:lvl1pPr algn="l">
+              <a:defRPr sz="1200"/>
+            </a:lvl1pPr>
+          </a:lstStyle>
+          <a:p>
+            <a:endParaRPr lang="es-ES"/>
+          </a:p>
+        </p:txBody>
+      </p:sp>
+      <p:sp>
+        <p:nvSpPr>
+          <p:cNvPr id="7" name="Marcador de número de diapositiva 6"/>
+          <p:cNvSpPr>
+            <a:spLocks noGrp="1"/>
+          </p:cNvSpPr>
+          <p:nvPr>
+            <p:ph type="sldNum" sz="quarter" idx="5"/>
+          </p:nvPr>
+        </p:nvSpPr>
+        <p:spPr>
+          <a:xfrm>
+            <a:off x="3884613" y="8685213"/>
+            <a:ext cx="2971800" cy="458787"/>
+          </a:xfrm>
+          <a:prstGeom prst="rect">
+            <a:avLst/>
+          </a:prstGeom>
+        </p:spPr>
+        <p:txBody>
+          <a:bodyPr vert="horz" lIns="91440" tIns="45720" rIns="91440" bIns="45720" rtlCol="0" anchor="b"/>
+          <a:lstStyle>
+            <a:lvl1pPr algn="r">
+              <a:defRPr sz="1200"/>
+            </a:lvl1pPr>
+          </a:lstStyle>
+          <a:p>
+            <a:fld id="{CBC75974-412D-4FEC-91ED-4725ED7C7218}" type="slidenum">
+              <a:rPr lang="es-ES" smtClean="0"/>
+              <a:t>‹Nº›</a:t>
+            </a:fld>
+            <a:endParaRPr lang="es-ES"/>
+          </a:p>
+        </p:txBody>
+      </p:sp>
+    </p:spTree>
+    <p:extLst>
+      <p:ext uri="{BB962C8B-B14F-4D97-AF65-F5344CB8AC3E}">
+        <p14:creationId xmlns:p14="http://schemas.microsoft.com/office/powerpoint/2010/main" val="2924161799"/>
+      </p:ext>
+    </p:extLst>
+  </p:cSld>
+  <p:clrMap bg1="lt1" tx1="dk1" bg2="lt2" tx2="dk2" accent1="accent1" accent2="accent2" accent3="accent3" accent4="accent4" accent5="accent5" accent6="accent6" hlink="hlink" folHlink="folHlink"/>
+  <p:notesStyle>
+    <a:lvl1pPr marL="0" algn="l" defTabSz="914400" rtl="0" eaLnBrk="1" latinLnBrk="0" hangingPunct="1">
+      <a:defRPr sz="1200" kern="1200">
+        <a:solidFill>
+          <a:schemeClr val="tx1"/>
+        </a:solidFill>
+        <a:latin typeface="+mn-lt"/>
+        <a:ea typeface="+mn-ea"/>
+        <a:cs typeface="+mn-cs"/>
+      </a:defRPr>
+    </a:lvl1pPr>
+    <a:lvl2pPr marL="457200" algn="l" defTabSz="914400" rtl="0" eaLnBrk="1" latinLnBrk="0" hangingPunct="1">
+      <a:defRPr sz="1200" kern="1200">
+        <a:solidFill>
+          <a:schemeClr val="tx1"/>
+        </a:solidFill>
+        <a:latin typeface="+mn-lt"/>
+        <a:ea typeface="+mn-ea"/>
+        <a:cs typeface="+mn-cs"/>
+      </a:defRPr>
+    </a:lvl2pPr>
+    <a:lvl3pPr marL="914400" algn="l" defTabSz="914400" rtl="0" eaLnBrk="1" latinLnBrk="0" hangingPunct="1">
+      <a:defRPr sz="1200" kern="1200">
+        <a:solidFill>
+          <a:schemeClr val="tx1"/>
+        </a:solidFill>
+        <a:latin typeface="+mn-lt"/>
+        <a:ea typeface="+mn-ea"/>
+        <a:cs typeface="+mn-cs"/>
+      </a:defRPr>
+    </a:lvl3pPr>
+    <a:lvl4pPr marL="1371600" algn="l" defTabSz="914400" rtl="0" eaLnBrk="1" latinLnBrk="0" hangingPunct="1">
+      <a:defRPr sz="1200" kern="1200">
+        <a:solidFill>
+          <a:schemeClr val="tx1"/>
+        </a:solidFill>
+        <a:latin typeface="+mn-lt"/>
+        <a:ea typeface="+mn-ea"/>
+        <a:cs typeface="+mn-cs"/>
+      </a:defRPr>
+    </a:lvl4pPr>
+    <a:lvl5pPr marL="1828800" algn="l" defTabSz="914400" rtl="0" eaLnBrk="1" latinLnBrk="0" hangingPunct="1">
+      <a:defRPr sz="1200" kern="1200">
+        <a:solidFill>
+          <a:schemeClr val="tx1"/>
+        </a:solidFill>
+        <a:latin typeface="+mn-lt"/>
+        <a:ea typeface="+mn-ea"/>
+        <a:cs typeface="+mn-cs"/>
+      </a:defRPr>
+    </a:lvl5pPr>
+    <a:lvl6pPr marL="2286000" algn="l" defTabSz="914400" rtl="0" eaLnBrk="1" latinLnBrk="0" hangingPunct="1">
+      <a:defRPr sz="1200" kern="1200">
+        <a:solidFill>
+          <a:schemeClr val="tx1"/>
+        </a:solidFill>
+        <a:latin typeface="+mn-lt"/>
+        <a:ea typeface="+mn-ea"/>
+        <a:cs typeface="+mn-cs"/>
+      </a:defRPr>
+    </a:lvl6pPr>
+    <a:lvl7pPr marL="2743200" algn="l" defTabSz="914400" rtl="0" eaLnBrk="1" latinLnBrk="0" hangingPunct="1">
+      <a:defRPr sz="1200" kern="1200">
+        <a:solidFill>
+          <a:schemeClr val="tx1"/>
+        </a:solidFill>
+        <a:latin typeface="+mn-lt"/>
+        <a:ea typeface="+mn-ea"/>
+        <a:cs typeface="+mn-cs"/>
+      </a:defRPr>
+    </a:lvl7pPr>
+    <a:lvl8pPr marL="3200400" algn="l" defTabSz="914400" rtl="0" eaLnBrk="1" latinLnBrk="0" hangingPunct="1">
+      <a:defRPr sz="1200" kern="1200">
+        <a:solidFill>
+          <a:schemeClr val="tx1"/>
+        </a:solidFill>
+        <a:latin typeface="+mn-lt"/>
+        <a:ea typeface="+mn-ea"/>
+        <a:cs typeface="+mn-cs"/>
+      </a:defRPr>
+    </a:lvl8pPr>
+    <a:lvl9pPr marL="3657600" algn="l" defTabSz="914400" rtl="0" eaLnBrk="1" latinLnBrk="0" hangingPunct="1">
+      <a:defRPr sz="1200" kern="1200">
+        <a:solidFill>
+          <a:schemeClr val="tx1"/>
+        </a:solidFill>
+        <a:latin typeface="+mn-lt"/>
+        <a:ea typeface="+mn-ea"/>
+        <a:cs typeface="+mn-cs"/>
+      </a:defRPr>
+    </a:lvl9pPr>
+  </p:notesStyle>
+</p:notesMaster>
 </file>
 
 <file path=ppt/slideLayouts/slideLayout1.xml><?xml version="1.0" encoding="utf-8"?>
@@ -6295,7 +6649,12 @@
             <p:ph idx="1"/>
           </p:nvPr>
         </p:nvSpPr>
-        <p:spPr/>
+        <p:spPr>
+          <a:xfrm>
+            <a:off x="2189991" y="2052919"/>
+            <a:ext cx="8946541" cy="4195481"/>
+          </a:xfrm>
+        </p:spPr>
         <p:txBody>
           <a:bodyPr/>
           <a:lstStyle/>
@@ -6355,6 +6714,98 @@
               <a:rPr lang="es-ES" dirty="0"/>
               <a:t> Finn</a:t>
             </a:r>
+          </a:p>
+        </p:txBody>
+      </p:sp>
+      <p:sp>
+        <p:nvSpPr>
+          <p:cNvPr id="6" name="CuadroTexto 5">
+            <a:extLst>
+              <a:ext uri="{FF2B5EF4-FFF2-40B4-BE49-F238E27FC236}">
+                <a16:creationId xmlns:a16="http://schemas.microsoft.com/office/drawing/2014/main" id="{930086F3-82F1-4652-8950-1177E83F3B1E}"/>
+              </a:ext>
+            </a:extLst>
+          </p:cNvPr>
+          <p:cNvSpPr txBox="1"/>
+          <p:nvPr/>
+        </p:nvSpPr>
+        <p:spPr>
+          <a:xfrm>
+            <a:off x="135904" y="1853248"/>
+            <a:ext cx="2054087" cy="4801314"/>
+          </a:xfrm>
+          <a:prstGeom prst="rect">
+            <a:avLst/>
+          </a:prstGeom>
+          <a:noFill/>
+        </p:spPr>
+        <p:txBody>
+          <a:bodyPr wrap="square" rtlCol="0">
+            <a:spAutoFit/>
+          </a:bodyPr>
+          <a:lstStyle/>
+          <a:p>
+            <a:pPr marL="285750" indent="-285750">
+              <a:buFont typeface="Wingdings" panose="05000000000000000000" pitchFamily="2" charset="2"/>
+              <a:buChar char="q"/>
+            </a:pPr>
+            <a:r>
+              <a:rPr lang="es-ES" b="1" dirty="0"/>
+              <a:t>Presentación del proyecto y de los miembros. </a:t>
+            </a:r>
+          </a:p>
+          <a:p>
+            <a:pPr marL="285750" indent="-285750">
+              <a:buFont typeface="Wingdings" panose="05000000000000000000" pitchFamily="2" charset="2"/>
+              <a:buChar char="q"/>
+            </a:pPr>
+            <a:r>
+              <a:rPr lang="es-ES" dirty="0"/>
+              <a:t>Objetivo del proyecto.</a:t>
+            </a:r>
+          </a:p>
+          <a:p>
+            <a:pPr marL="285750" indent="-285750">
+              <a:buFont typeface="Wingdings" panose="05000000000000000000" pitchFamily="2" charset="2"/>
+              <a:buChar char="q"/>
+            </a:pPr>
+            <a:r>
+              <a:rPr lang="es-ES" dirty="0"/>
+              <a:t>Funcionalidades que se van a presentar.</a:t>
+            </a:r>
+          </a:p>
+          <a:p>
+            <a:pPr marL="285750" indent="-285750">
+              <a:buFont typeface="Wingdings" panose="05000000000000000000" pitchFamily="2" charset="2"/>
+              <a:buChar char="q"/>
+            </a:pPr>
+            <a:r>
+              <a:rPr lang="es-ES" dirty="0"/>
+              <a:t>Demostración funcional del proyecto.</a:t>
+            </a:r>
+          </a:p>
+          <a:p>
+            <a:pPr marL="285750" indent="-285750">
+              <a:buFont typeface="Wingdings" panose="05000000000000000000" pitchFamily="2" charset="2"/>
+              <a:buChar char="q"/>
+            </a:pPr>
+            <a:r>
+              <a:rPr lang="es-ES" dirty="0"/>
+              <a:t>Aspectos a resaltar.</a:t>
+            </a:r>
+          </a:p>
+          <a:p>
+            <a:pPr marL="285750" indent="-285750">
+              <a:buFont typeface="Wingdings" panose="05000000000000000000" pitchFamily="2" charset="2"/>
+              <a:buChar char="q"/>
+            </a:pPr>
+            <a:r>
+              <a:rPr lang="es-ES" dirty="0"/>
+              <a:t>Conclusiones.</a:t>
+            </a:r>
+          </a:p>
+          <a:p>
+            <a:endParaRPr lang="es-ES" dirty="0"/>
           </a:p>
         </p:txBody>
       </p:sp>
@@ -6440,10 +6891,107 @@
             <p:ph idx="1"/>
           </p:nvPr>
         </p:nvSpPr>
-        <p:spPr/>
+        <p:spPr>
+          <a:xfrm>
+            <a:off x="2680321" y="2105926"/>
+            <a:ext cx="8946541" cy="4195481"/>
+          </a:xfrm>
+        </p:spPr>
         <p:txBody>
           <a:bodyPr/>
           <a:lstStyle/>
+          <a:p>
+            <a:endParaRPr lang="es-ES" dirty="0"/>
+          </a:p>
+        </p:txBody>
+      </p:sp>
+      <p:sp>
+        <p:nvSpPr>
+          <p:cNvPr id="5" name="CuadroTexto 4">
+            <a:extLst>
+              <a:ext uri="{FF2B5EF4-FFF2-40B4-BE49-F238E27FC236}">
+                <a16:creationId xmlns:a16="http://schemas.microsoft.com/office/drawing/2014/main" id="{E1101932-E247-4D17-B230-70D16DCEAD01}"/>
+              </a:ext>
+            </a:extLst>
+          </p:cNvPr>
+          <p:cNvSpPr txBox="1"/>
+          <p:nvPr/>
+        </p:nvSpPr>
+        <p:spPr>
+          <a:xfrm>
+            <a:off x="135904" y="1853248"/>
+            <a:ext cx="2054087" cy="4801314"/>
+          </a:xfrm>
+          <a:prstGeom prst="rect">
+            <a:avLst/>
+          </a:prstGeom>
+          <a:noFill/>
+        </p:spPr>
+        <p:txBody>
+          <a:bodyPr wrap="square" rtlCol="0">
+            <a:spAutoFit/>
+          </a:bodyPr>
+          <a:lstStyle/>
+          <a:p>
+            <a:pPr marL="285750" indent="-285750">
+              <a:buFont typeface="Wingdings" panose="05000000000000000000" pitchFamily="2" charset="2"/>
+              <a:buChar char="q"/>
+            </a:pPr>
+            <a:r>
+              <a:rPr lang="es-ES" dirty="0"/>
+              <a:t>Presentación del proyecto y de los miembros. </a:t>
+            </a:r>
+          </a:p>
+          <a:p>
+            <a:pPr marL="285750" indent="-285750">
+              <a:buFont typeface="Wingdings" panose="05000000000000000000" pitchFamily="2" charset="2"/>
+              <a:buChar char="q"/>
+            </a:pPr>
+            <a:r>
+              <a:rPr lang="es-ES" b="1" dirty="0"/>
+              <a:t>Objetivo del proyecto.</a:t>
+            </a:r>
+          </a:p>
+          <a:p>
+            <a:pPr marL="285750" indent="-285750">
+              <a:buFont typeface="Wingdings" panose="05000000000000000000" pitchFamily="2" charset="2"/>
+              <a:buChar char="q"/>
+            </a:pPr>
+            <a:r>
+              <a:rPr lang="es-ES" dirty="0"/>
+              <a:t>Funcionalidades que se van a presentar.</a:t>
+            </a:r>
+          </a:p>
+          <a:p>
+            <a:pPr marL="285750" indent="-285750">
+              <a:buFont typeface="Wingdings" panose="05000000000000000000" pitchFamily="2" charset="2"/>
+              <a:buChar char="q"/>
+            </a:pPr>
+            <a:r>
+              <a:rPr lang="es-ES" dirty="0"/>
+              <a:t>Demostración funcional del proyecto.</a:t>
+            </a:r>
+          </a:p>
+          <a:p>
+            <a:pPr marL="285750" indent="-285750">
+              <a:buFont typeface="Wingdings" panose="05000000000000000000" pitchFamily="2" charset="2"/>
+              <a:buChar char="q"/>
+            </a:pPr>
+            <a:r>
+              <a:rPr lang="es-ES" dirty="0"/>
+              <a:t>Aspectos a resaltar.</a:t>
+            </a:r>
+          </a:p>
+          <a:p>
+            <a:pPr marL="285750" indent="-285750">
+              <a:buFont typeface="Wingdings" panose="05000000000000000000" pitchFamily="2" charset="2"/>
+              <a:buChar char="q"/>
+            </a:pPr>
+            <a:r>
+              <a:rPr lang="es-ES" dirty="0"/>
+              <a:t>Conclusiones.</a:t>
+            </a:r>
+          </a:p>
           <a:p>
             <a:endParaRPr lang="es-ES" dirty="0"/>
           </a:p>
@@ -6536,7 +7084,99 @@
           <a:bodyPr/>
           <a:lstStyle/>
           <a:p>
-            <a:endParaRPr lang="es-ES"/>
+            <a:endParaRPr lang="es-ES" dirty="0"/>
+          </a:p>
+        </p:txBody>
+      </p:sp>
+      <p:sp>
+        <p:nvSpPr>
+          <p:cNvPr id="4" name="CuadroTexto 3">
+            <a:extLst>
+              <a:ext uri="{FF2B5EF4-FFF2-40B4-BE49-F238E27FC236}">
+                <a16:creationId xmlns:a16="http://schemas.microsoft.com/office/drawing/2014/main" id="{6E2C0E17-9FDE-4ACB-8171-6E51186BAD6A}"/>
+              </a:ext>
+            </a:extLst>
+          </p:cNvPr>
+          <p:cNvSpPr txBox="1"/>
+          <p:nvPr/>
+        </p:nvSpPr>
+        <p:spPr>
+          <a:xfrm>
+            <a:off x="135904" y="1853248"/>
+            <a:ext cx="2054087" cy="4524315"/>
+          </a:xfrm>
+          <a:prstGeom prst="rect">
+            <a:avLst/>
+          </a:prstGeom>
+          <a:noFill/>
+        </p:spPr>
+        <p:txBody>
+          <a:bodyPr wrap="square" rtlCol="0">
+            <a:spAutoFit/>
+          </a:bodyPr>
+          <a:lstStyle/>
+          <a:p>
+            <a:pPr marL="285750" indent="-285750">
+              <a:buFont typeface="Wingdings" panose="05000000000000000000" pitchFamily="2" charset="2"/>
+              <a:buChar char="q"/>
+            </a:pPr>
+            <a:r>
+              <a:rPr lang="es-ES" dirty="0"/>
+              <a:t>Presentación del proyecto y de los miembros. </a:t>
+            </a:r>
+          </a:p>
+          <a:p>
+            <a:pPr marL="285750" indent="-285750">
+              <a:buFont typeface="Wingdings" panose="05000000000000000000" pitchFamily="2" charset="2"/>
+              <a:buChar char="q"/>
+            </a:pPr>
+            <a:r>
+              <a:rPr lang="es-ES" dirty="0"/>
+              <a:t>Objetivo del proyecto.</a:t>
+            </a:r>
+          </a:p>
+          <a:p>
+            <a:pPr marL="285750" indent="-285750">
+              <a:buFont typeface="Wingdings" panose="05000000000000000000" pitchFamily="2" charset="2"/>
+              <a:buChar char="q"/>
+            </a:pPr>
+            <a:r>
+              <a:rPr lang="es-ES" b="1" dirty="0"/>
+              <a:t>Funcionalidades que se van a presentar.</a:t>
+            </a:r>
+          </a:p>
+          <a:p>
+            <a:pPr marL="285750" indent="-285750">
+              <a:buFont typeface="Wingdings" panose="05000000000000000000" pitchFamily="2" charset="2"/>
+              <a:buChar char="q"/>
+            </a:pPr>
+            <a:r>
+              <a:rPr lang="es-ES" dirty="0"/>
+              <a:t>Demostración funcional del proyecto.</a:t>
+            </a:r>
+          </a:p>
+          <a:p>
+            <a:pPr marL="285750" indent="-285750">
+              <a:buFont typeface="Wingdings" panose="05000000000000000000" pitchFamily="2" charset="2"/>
+              <a:buChar char="q"/>
+            </a:pPr>
+            <a:r>
+              <a:rPr lang="es-ES" dirty="0"/>
+              <a:t>Aspectos a resaltar.</a:t>
+            </a:r>
+          </a:p>
+          <a:p>
+            <a:pPr marL="285750" indent="-285750">
+              <a:buFont typeface="Wingdings" panose="05000000000000000000" pitchFamily="2" charset="2"/>
+              <a:buChar char="q"/>
+            </a:pPr>
+            <a:r>
+              <a:rPr lang="es-ES" dirty="0"/>
+              <a:t>Conclusiones.</a:t>
+            </a:r>
+          </a:p>
+          <a:p>
+            <a:endParaRPr lang="es-ES" dirty="0"/>
           </a:p>
         </p:txBody>
       </p:sp>
@@ -6622,12 +7262,184 @@
             <p:ph idx="1"/>
           </p:nvPr>
         </p:nvSpPr>
-        <p:spPr/>
+        <p:spPr>
+          <a:xfrm>
+            <a:off x="2322512" y="1973405"/>
+            <a:ext cx="8946541" cy="4195481"/>
+          </a:xfrm>
+        </p:spPr>
         <p:txBody>
           <a:bodyPr/>
           <a:lstStyle/>
           <a:p>
-            <a:endParaRPr lang="es-ES"/>
+            <a:r>
+              <a:rPr lang="es-ES" dirty="0"/>
+              <a:t>Captura normal</a:t>
+            </a:r>
+          </a:p>
+          <a:p>
+            <a:r>
+              <a:rPr lang="es-ES" dirty="0"/>
+              <a:t>Capturas buscando por nombre y luego por </a:t>
+            </a:r>
+            <a:r>
+              <a:rPr lang="es-ES" dirty="0" err="1"/>
+              <a:t>dni</a:t>
+            </a:r>
+            <a:r>
+              <a:rPr lang="es-ES" dirty="0"/>
+              <a:t>. También ordenando</a:t>
+            </a:r>
+          </a:p>
+          <a:p>
+            <a:r>
+              <a:rPr lang="es-ES" dirty="0"/>
+              <a:t>Capturas ordenando por distintos filtros</a:t>
+            </a:r>
+          </a:p>
+          <a:p>
+            <a:r>
+              <a:rPr lang="es-ES" dirty="0"/>
+              <a:t>Captura de eliminar un cliente (No sé si debería ponerla)</a:t>
+            </a:r>
+          </a:p>
+          <a:p>
+            <a:pPr marL="0" indent="0">
+              <a:buNone/>
+            </a:pPr>
+            <a:endParaRPr lang="es-ES" dirty="0"/>
+          </a:p>
+          <a:p>
+            <a:endParaRPr lang="es-ES" dirty="0"/>
+          </a:p>
+        </p:txBody>
+      </p:sp>
+      <p:sp>
+        <p:nvSpPr>
+          <p:cNvPr id="4" name="CuadroTexto 3">
+            <a:extLst>
+              <a:ext uri="{FF2B5EF4-FFF2-40B4-BE49-F238E27FC236}">
+                <a16:creationId xmlns:a16="http://schemas.microsoft.com/office/drawing/2014/main" id="{922F94FA-5EDC-42AD-A29A-E7B1882F0CD2}"/>
+              </a:ext>
+            </a:extLst>
+          </p:cNvPr>
+          <p:cNvSpPr txBox="1"/>
+          <p:nvPr/>
+        </p:nvSpPr>
+        <p:spPr>
+          <a:xfrm>
+            <a:off x="135904" y="1853248"/>
+            <a:ext cx="2054087" cy="4801314"/>
+          </a:xfrm>
+          <a:prstGeom prst="rect">
+            <a:avLst/>
+          </a:prstGeom>
+          <a:noFill/>
+        </p:spPr>
+        <p:txBody>
+          <a:bodyPr wrap="square" rtlCol="0">
+            <a:spAutoFit/>
+          </a:bodyPr>
+          <a:lstStyle/>
+          <a:p>
+            <a:pPr marL="285750" indent="-285750">
+              <a:buFont typeface="Wingdings" panose="05000000000000000000" pitchFamily="2" charset="2"/>
+              <a:buChar char="q"/>
+            </a:pPr>
+            <a:r>
+              <a:rPr lang="es-ES" dirty="0"/>
+              <a:t>Presentación del proyecto y de los miembros. </a:t>
+            </a:r>
+          </a:p>
+          <a:p>
+            <a:pPr marL="285750" indent="-285750">
+              <a:buFont typeface="Wingdings" panose="05000000000000000000" pitchFamily="2" charset="2"/>
+              <a:buChar char="q"/>
+            </a:pPr>
+            <a:r>
+              <a:rPr lang="es-ES" dirty="0"/>
+              <a:t>Objetivo del proyecto.</a:t>
+            </a:r>
+          </a:p>
+          <a:p>
+            <a:pPr marL="285750" indent="-285750">
+              <a:buFont typeface="Wingdings" panose="05000000000000000000" pitchFamily="2" charset="2"/>
+              <a:buChar char="q"/>
+            </a:pPr>
+            <a:r>
+              <a:rPr lang="es-ES" dirty="0"/>
+              <a:t>Funcionalidades que se van a presentar.</a:t>
+            </a:r>
+          </a:p>
+          <a:p>
+            <a:pPr marL="285750" indent="-285750">
+              <a:buFont typeface="Wingdings" panose="05000000000000000000" pitchFamily="2" charset="2"/>
+              <a:buChar char="q"/>
+            </a:pPr>
+            <a:r>
+              <a:rPr lang="es-ES" b="1" dirty="0"/>
+              <a:t>Demostración funcional del proyecto.</a:t>
+            </a:r>
+          </a:p>
+          <a:p>
+            <a:pPr marL="285750" indent="-285750">
+              <a:buFont typeface="Wingdings" panose="05000000000000000000" pitchFamily="2" charset="2"/>
+              <a:buChar char="q"/>
+            </a:pPr>
+            <a:r>
+              <a:rPr lang="es-ES" dirty="0"/>
+              <a:t>Aspectos a resaltar.</a:t>
+            </a:r>
+          </a:p>
+          <a:p>
+            <a:pPr marL="285750" indent="-285750">
+              <a:buFont typeface="Wingdings" panose="05000000000000000000" pitchFamily="2" charset="2"/>
+              <a:buChar char="q"/>
+            </a:pPr>
+            <a:r>
+              <a:rPr lang="es-ES" dirty="0"/>
+              <a:t>Conclusiones.</a:t>
+            </a:r>
+          </a:p>
+          <a:p>
+            <a:endParaRPr lang="es-ES" dirty="0"/>
+          </a:p>
+        </p:txBody>
+      </p:sp>
+      <p:sp>
+        <p:nvSpPr>
+          <p:cNvPr id="5" name="Rectángulo 4">
+            <a:extLst>
+              <a:ext uri="{FF2B5EF4-FFF2-40B4-BE49-F238E27FC236}">
+                <a16:creationId xmlns:a16="http://schemas.microsoft.com/office/drawing/2014/main" id="{312FA200-B6E2-4364-88F2-EB6C379D3D77}"/>
+              </a:ext>
+            </a:extLst>
+          </p:cNvPr>
+          <p:cNvSpPr/>
+          <p:nvPr/>
+        </p:nvSpPr>
+        <p:spPr>
+          <a:xfrm>
+            <a:off x="5564666" y="1483916"/>
+            <a:ext cx="1531188" cy="369332"/>
+          </a:xfrm>
+          <a:prstGeom prst="rect">
+            <a:avLst/>
+          </a:prstGeom>
+        </p:spPr>
+        <p:txBody>
+          <a:bodyPr wrap="none">
+            <a:spAutoFit/>
+          </a:bodyPr>
+          <a:lstStyle/>
+          <a:p>
+            <a:r>
+              <a:rPr lang="es-ES" altLang="es-ES" dirty="0">
+                <a:latin typeface="Arial" panose="020B0604020202020204" pitchFamily="34" charset="0"/>
+              </a:rPr>
+              <a:t>Listar Cliente</a:t>
+            </a:r>
+            <a:endParaRPr lang="es-ES" dirty="0"/>
           </a:p>
         </p:txBody>
       </p:sp>
@@ -6666,7 +7478,7 @@
           <p:cNvPr id="2" name="Título 1">
             <a:extLst>
               <a:ext uri="{FF2B5EF4-FFF2-40B4-BE49-F238E27FC236}">
-                <a16:creationId xmlns:a16="http://schemas.microsoft.com/office/drawing/2014/main" id="{AC7DBC01-8ECE-41C5-8E3F-384133D4DA41}"/>
+                <a16:creationId xmlns:a16="http://schemas.microsoft.com/office/drawing/2014/main" id="{8FF62F15-7BD9-422B-A2EC-E3956A7F47B1}"/>
               </a:ext>
             </a:extLst>
           </p:cNvPr>
@@ -6683,9 +7495,16 @@
           <a:lstStyle/>
           <a:p>
             <a:r>
-              <a:rPr lang="es-ES" sz="4400" dirty="0"/>
-              <a:t>Aspectos a resaltar:</a:t>
-            </a:r>
+              <a:rPr lang="es-ES" altLang="es-ES" sz="4400" dirty="0">
+                <a:latin typeface="Arial" panose="020B0604020202020204" pitchFamily="34" charset="0"/>
+              </a:rPr>
+              <a:t>Demostración funcional del proyecto.</a:t>
+            </a:r>
+            <a:br>
+              <a:rPr lang="es-ES" altLang="es-ES" sz="4400" dirty="0">
+                <a:latin typeface="Arial" panose="020B0604020202020204" pitchFamily="34" charset="0"/>
+              </a:rPr>
+            </a:br>
             <a:endParaRPr lang="es-ES" dirty="0"/>
           </a:p>
         </p:txBody>
@@ -6695,7 +7514,7 @@
           <p:cNvPr id="3" name="Marcador de contenido 2">
             <a:extLst>
               <a:ext uri="{FF2B5EF4-FFF2-40B4-BE49-F238E27FC236}">
-                <a16:creationId xmlns:a16="http://schemas.microsoft.com/office/drawing/2014/main" id="{4385F995-2760-4091-A3CB-24ACD965BE59}"/>
+                <a16:creationId xmlns:a16="http://schemas.microsoft.com/office/drawing/2014/main" id="{64789340-1343-4D96-9437-593F1DB9B603}"/>
               </a:ext>
             </a:extLst>
           </p:cNvPr>
@@ -6706,19 +7525,171 @@
             <p:ph idx="1"/>
           </p:nvPr>
         </p:nvSpPr>
-        <p:spPr/>
+        <p:spPr>
+          <a:xfrm>
+            <a:off x="2322512" y="1973405"/>
+            <a:ext cx="8946541" cy="4195481"/>
+          </a:xfrm>
+        </p:spPr>
         <p:txBody>
           <a:bodyPr/>
           <a:lstStyle/>
           <a:p>
-            <a:endParaRPr lang="es-ES"/>
+            <a:r>
+              <a:rPr lang="es-ES" dirty="0"/>
+              <a:t>Captura Normal</a:t>
+            </a:r>
+          </a:p>
+          <a:p>
+            <a:r>
+              <a:rPr lang="es-ES" dirty="0"/>
+              <a:t>Captura de Modificar Cliente</a:t>
+            </a:r>
+          </a:p>
+          <a:p>
+            <a:r>
+              <a:rPr lang="es-ES" dirty="0"/>
+              <a:t>Captura de Validación de los datos del Cliente</a:t>
+            </a:r>
+          </a:p>
+          <a:p>
+            <a:endParaRPr lang="es-ES" dirty="0"/>
+          </a:p>
+        </p:txBody>
+      </p:sp>
+      <p:sp>
+        <p:nvSpPr>
+          <p:cNvPr id="4" name="CuadroTexto 3">
+            <a:extLst>
+              <a:ext uri="{FF2B5EF4-FFF2-40B4-BE49-F238E27FC236}">
+                <a16:creationId xmlns:a16="http://schemas.microsoft.com/office/drawing/2014/main" id="{922F94FA-5EDC-42AD-A29A-E7B1882F0CD2}"/>
+              </a:ext>
+            </a:extLst>
+          </p:cNvPr>
+          <p:cNvSpPr txBox="1"/>
+          <p:nvPr/>
+        </p:nvSpPr>
+        <p:spPr>
+          <a:xfrm>
+            <a:off x="135904" y="1853248"/>
+            <a:ext cx="2054087" cy="4801314"/>
+          </a:xfrm>
+          <a:prstGeom prst="rect">
+            <a:avLst/>
+          </a:prstGeom>
+          <a:noFill/>
+        </p:spPr>
+        <p:txBody>
+          <a:bodyPr wrap="square" rtlCol="0">
+            <a:spAutoFit/>
+          </a:bodyPr>
+          <a:lstStyle/>
+          <a:p>
+            <a:pPr marL="285750" indent="-285750">
+              <a:buFont typeface="Wingdings" panose="05000000000000000000" pitchFamily="2" charset="2"/>
+              <a:buChar char="q"/>
+            </a:pPr>
+            <a:r>
+              <a:rPr lang="es-ES" dirty="0"/>
+              <a:t>Presentación del proyecto y de los miembros. </a:t>
+            </a:r>
+          </a:p>
+          <a:p>
+            <a:pPr marL="285750" indent="-285750">
+              <a:buFont typeface="Wingdings" panose="05000000000000000000" pitchFamily="2" charset="2"/>
+              <a:buChar char="q"/>
+            </a:pPr>
+            <a:r>
+              <a:rPr lang="es-ES" dirty="0"/>
+              <a:t>Objetivo del proyecto.</a:t>
+            </a:r>
+          </a:p>
+          <a:p>
+            <a:pPr marL="285750" indent="-285750">
+              <a:buFont typeface="Wingdings" panose="05000000000000000000" pitchFamily="2" charset="2"/>
+              <a:buChar char="q"/>
+            </a:pPr>
+            <a:r>
+              <a:rPr lang="es-ES" dirty="0"/>
+              <a:t>Funcionalidades que se van a presentar.</a:t>
+            </a:r>
+          </a:p>
+          <a:p>
+            <a:pPr marL="285750" indent="-285750">
+              <a:buFont typeface="Wingdings" panose="05000000000000000000" pitchFamily="2" charset="2"/>
+              <a:buChar char="q"/>
+            </a:pPr>
+            <a:r>
+              <a:rPr lang="es-ES" b="1" dirty="0"/>
+              <a:t>Demostración funcional del proyecto.</a:t>
+            </a:r>
+          </a:p>
+          <a:p>
+            <a:pPr marL="285750" indent="-285750">
+              <a:buFont typeface="Wingdings" panose="05000000000000000000" pitchFamily="2" charset="2"/>
+              <a:buChar char="q"/>
+            </a:pPr>
+            <a:r>
+              <a:rPr lang="es-ES" dirty="0"/>
+              <a:t>Aspectos a resaltar.</a:t>
+            </a:r>
+          </a:p>
+          <a:p>
+            <a:pPr marL="285750" indent="-285750">
+              <a:buFont typeface="Wingdings" panose="05000000000000000000" pitchFamily="2" charset="2"/>
+              <a:buChar char="q"/>
+            </a:pPr>
+            <a:r>
+              <a:rPr lang="es-ES" dirty="0"/>
+              <a:t>Conclusiones.</a:t>
+            </a:r>
+          </a:p>
+          <a:p>
+            <a:endParaRPr lang="es-ES" dirty="0"/>
+          </a:p>
+        </p:txBody>
+      </p:sp>
+      <p:sp>
+        <p:nvSpPr>
+          <p:cNvPr id="5" name="Rectángulo 4">
+            <a:extLst>
+              <a:ext uri="{FF2B5EF4-FFF2-40B4-BE49-F238E27FC236}">
+                <a16:creationId xmlns:a16="http://schemas.microsoft.com/office/drawing/2014/main" id="{312FA200-B6E2-4364-88F2-EB6C379D3D77}"/>
+              </a:ext>
+            </a:extLst>
+          </p:cNvPr>
+          <p:cNvSpPr/>
+          <p:nvPr/>
+        </p:nvSpPr>
+        <p:spPr>
+          <a:xfrm>
+            <a:off x="5564666" y="1483916"/>
+            <a:ext cx="2723823" cy="369332"/>
+          </a:xfrm>
+          <a:prstGeom prst="rect">
+            <a:avLst/>
+          </a:prstGeom>
+        </p:spPr>
+        <p:txBody>
+          <a:bodyPr wrap="none">
+            <a:spAutoFit/>
+          </a:bodyPr>
+          <a:lstStyle/>
+          <a:p>
+            <a:r>
+              <a:rPr lang="es-ES" altLang="es-ES" dirty="0">
+                <a:latin typeface="Arial" panose="020B0604020202020204" pitchFamily="34" charset="0"/>
+              </a:rPr>
+              <a:t>Crear y Modificar Cliente</a:t>
+            </a:r>
+            <a:endParaRPr lang="es-ES" dirty="0"/>
           </a:p>
         </p:txBody>
       </p:sp>
     </p:spTree>
     <p:extLst>
       <p:ext uri="{BB962C8B-B14F-4D97-AF65-F5344CB8AC3E}">
-        <p14:creationId xmlns:p14="http://schemas.microsoft.com/office/powerpoint/2010/main" val="1696344510"/>
+        <p14:creationId xmlns:p14="http://schemas.microsoft.com/office/powerpoint/2010/main" val="154651855"/>
       </p:ext>
     </p:extLst>
   </p:cSld>
@@ -6750,6 +7721,258 @@
           <p:cNvPr id="2" name="Título 1">
             <a:extLst>
               <a:ext uri="{FF2B5EF4-FFF2-40B4-BE49-F238E27FC236}">
+                <a16:creationId xmlns:a16="http://schemas.microsoft.com/office/drawing/2014/main" id="{AC7DBC01-8ECE-41C5-8E3F-384133D4DA41}"/>
+              </a:ext>
+            </a:extLst>
+          </p:cNvPr>
+          <p:cNvSpPr>
+            <a:spLocks noGrp="1"/>
+          </p:cNvSpPr>
+          <p:nvPr>
+            <p:ph type="title"/>
+          </p:nvPr>
+        </p:nvSpPr>
+        <p:spPr/>
+        <p:txBody>
+          <a:bodyPr/>
+          <a:lstStyle/>
+          <a:p>
+            <a:r>
+              <a:rPr lang="es-ES" sz="4400" dirty="0"/>
+              <a:t>Aspectos a resaltar:</a:t>
+            </a:r>
+            <a:endParaRPr lang="es-ES" dirty="0"/>
+          </a:p>
+        </p:txBody>
+      </p:sp>
+      <p:sp>
+        <p:nvSpPr>
+          <p:cNvPr id="3" name="Marcador de contenido 2">
+            <a:extLst>
+              <a:ext uri="{FF2B5EF4-FFF2-40B4-BE49-F238E27FC236}">
+                <a16:creationId xmlns:a16="http://schemas.microsoft.com/office/drawing/2014/main" id="{4385F995-2760-4091-A3CB-24ACD965BE59}"/>
+              </a:ext>
+            </a:extLst>
+          </p:cNvPr>
+          <p:cNvSpPr>
+            <a:spLocks noGrp="1"/>
+          </p:cNvSpPr>
+          <p:nvPr>
+            <p:ph idx="1"/>
+          </p:nvPr>
+        </p:nvSpPr>
+        <p:spPr>
+          <a:xfrm>
+            <a:off x="2189991" y="1853248"/>
+            <a:ext cx="8946541" cy="4195481"/>
+          </a:xfrm>
+        </p:spPr>
+        <p:txBody>
+          <a:bodyPr/>
+          <a:lstStyle/>
+          <a:p>
+            <a:r>
+              <a:rPr lang="es-ES" dirty="0"/>
+              <a:t>Uso de </a:t>
+            </a:r>
+            <a:r>
+              <a:rPr lang="es-ES" dirty="0" err="1"/>
+              <a:t>session</a:t>
+            </a:r>
+            <a:r>
+              <a:rPr lang="es-ES" dirty="0"/>
+              <a:t>.</a:t>
+            </a:r>
+          </a:p>
+          <a:p>
+            <a:pPr marL="0" indent="0">
+              <a:buNone/>
+            </a:pPr>
+            <a:endParaRPr lang="es-ES" dirty="0"/>
+          </a:p>
+          <a:p>
+            <a:r>
+              <a:rPr lang="es-ES" dirty="0"/>
+              <a:t>Uso de </a:t>
+            </a:r>
+            <a:r>
+              <a:rPr lang="es-ES" dirty="0" err="1"/>
+              <a:t>trello</a:t>
+            </a:r>
+            <a:r>
+              <a:rPr lang="es-ES" dirty="0"/>
+              <a:t>.</a:t>
+            </a:r>
+          </a:p>
+          <a:p>
+            <a:endParaRPr lang="es-ES" dirty="0"/>
+          </a:p>
+          <a:p>
+            <a:r>
+              <a:rPr lang="es-ES" dirty="0"/>
+              <a:t>Control de versiones:</a:t>
+            </a:r>
+          </a:p>
+          <a:p>
+            <a:pPr lvl="1"/>
+            <a:r>
+              <a:rPr lang="es-ES" dirty="0"/>
+              <a:t>La tradicional: por comandos.</a:t>
+            </a:r>
+          </a:p>
+          <a:p>
+            <a:pPr lvl="1"/>
+            <a:r>
+              <a:rPr lang="es-ES" dirty="0"/>
+              <a:t>La que nos ofrece VSC(Visual Studio </a:t>
+            </a:r>
+            <a:r>
+              <a:rPr lang="es-ES" dirty="0" err="1"/>
+              <a:t>Code</a:t>
+            </a:r>
+            <a:r>
+              <a:rPr lang="es-ES" dirty="0"/>
+              <a:t>).//Poner foto</a:t>
+            </a:r>
+          </a:p>
+          <a:p>
+            <a:endParaRPr lang="es-ES" dirty="0"/>
+          </a:p>
+          <a:p>
+            <a:r>
+              <a:rPr lang="es-ES" dirty="0"/>
+              <a:t>Metodologías de organización.</a:t>
+            </a:r>
+          </a:p>
+        </p:txBody>
+      </p:sp>
+      <p:sp>
+        <p:nvSpPr>
+          <p:cNvPr id="4" name="CuadroTexto 3">
+            <a:extLst>
+              <a:ext uri="{FF2B5EF4-FFF2-40B4-BE49-F238E27FC236}">
+                <a16:creationId xmlns:a16="http://schemas.microsoft.com/office/drawing/2014/main" id="{02F70E22-2195-424C-914B-EF6F3720683E}"/>
+              </a:ext>
+            </a:extLst>
+          </p:cNvPr>
+          <p:cNvSpPr txBox="1"/>
+          <p:nvPr/>
+        </p:nvSpPr>
+        <p:spPr>
+          <a:xfrm>
+            <a:off x="135904" y="1853248"/>
+            <a:ext cx="2054087" cy="4801314"/>
+          </a:xfrm>
+          <a:prstGeom prst="rect">
+            <a:avLst/>
+          </a:prstGeom>
+          <a:noFill/>
+        </p:spPr>
+        <p:txBody>
+          <a:bodyPr wrap="square" rtlCol="0">
+            <a:spAutoFit/>
+          </a:bodyPr>
+          <a:lstStyle/>
+          <a:p>
+            <a:pPr marL="285750" indent="-285750">
+              <a:buFont typeface="Wingdings" panose="05000000000000000000" pitchFamily="2" charset="2"/>
+              <a:buChar char="q"/>
+            </a:pPr>
+            <a:r>
+              <a:rPr lang="es-ES" dirty="0"/>
+              <a:t>Presentación del proyecto y de los miembros. </a:t>
+            </a:r>
+          </a:p>
+          <a:p>
+            <a:pPr marL="285750" indent="-285750">
+              <a:buFont typeface="Wingdings" panose="05000000000000000000" pitchFamily="2" charset="2"/>
+              <a:buChar char="q"/>
+            </a:pPr>
+            <a:r>
+              <a:rPr lang="es-ES" dirty="0"/>
+              <a:t>Objetivo del proyecto.</a:t>
+            </a:r>
+          </a:p>
+          <a:p>
+            <a:pPr marL="285750" indent="-285750">
+              <a:buFont typeface="Wingdings" panose="05000000000000000000" pitchFamily="2" charset="2"/>
+              <a:buChar char="q"/>
+            </a:pPr>
+            <a:r>
+              <a:rPr lang="es-ES" dirty="0"/>
+              <a:t>Funcionalidades que se van a presentar.</a:t>
+            </a:r>
+          </a:p>
+          <a:p>
+            <a:pPr marL="285750" indent="-285750">
+              <a:buFont typeface="Wingdings" panose="05000000000000000000" pitchFamily="2" charset="2"/>
+              <a:buChar char="q"/>
+            </a:pPr>
+            <a:r>
+              <a:rPr lang="es-ES" dirty="0"/>
+              <a:t>Demostración funcional del proyecto.</a:t>
+            </a:r>
+          </a:p>
+          <a:p>
+            <a:pPr marL="285750" indent="-285750">
+              <a:buFont typeface="Wingdings" panose="05000000000000000000" pitchFamily="2" charset="2"/>
+              <a:buChar char="q"/>
+            </a:pPr>
+            <a:r>
+              <a:rPr lang="es-ES" b="1" dirty="0"/>
+              <a:t>Aspectos a resaltar.</a:t>
+            </a:r>
+          </a:p>
+          <a:p>
+            <a:pPr marL="285750" indent="-285750">
+              <a:buFont typeface="Wingdings" panose="05000000000000000000" pitchFamily="2" charset="2"/>
+              <a:buChar char="q"/>
+            </a:pPr>
+            <a:r>
+              <a:rPr lang="es-ES" dirty="0"/>
+              <a:t>Conclusiones.</a:t>
+            </a:r>
+          </a:p>
+          <a:p>
+            <a:endParaRPr lang="es-ES" dirty="0"/>
+          </a:p>
+        </p:txBody>
+      </p:sp>
+    </p:spTree>
+    <p:extLst>
+      <p:ext uri="{BB962C8B-B14F-4D97-AF65-F5344CB8AC3E}">
+        <p14:creationId xmlns:p14="http://schemas.microsoft.com/office/powerpoint/2010/main" val="1696344510"/>
+      </p:ext>
+    </p:extLst>
+  </p:cSld>
+  <p:clrMapOvr>
+    <a:masterClrMapping/>
+  </p:clrMapOvr>
+</p:sld>
+</file>
+
+<file path=ppt/slides/slide9.xml><?xml version="1.0" encoding="utf-8"?>
+<p:sld xmlns:a="http://schemas.openxmlformats.org/drawingml/2006/main" xmlns:r="http://schemas.openxmlformats.org/officeDocument/2006/relationships" xmlns:p="http://schemas.openxmlformats.org/presentationml/2006/main">
+  <p:cSld>
+    <p:spTree>
+      <p:nvGrpSpPr>
+        <p:cNvPr id="1" name=""/>
+        <p:cNvGrpSpPr/>
+        <p:nvPr/>
+      </p:nvGrpSpPr>
+      <p:grpSpPr>
+        <a:xfrm>
+          <a:off x="0" y="0"/>
+          <a:ext cx="0" cy="0"/>
+          <a:chOff x="0" y="0"/>
+          <a:chExt cx="0" cy="0"/>
+        </a:xfrm>
+      </p:grpSpPr>
+      <p:sp>
+        <p:nvSpPr>
+          <p:cNvPr id="2" name="Título 1">
+            <a:extLst>
+              <a:ext uri="{FF2B5EF4-FFF2-40B4-BE49-F238E27FC236}">
                 <a16:creationId xmlns:a16="http://schemas.microsoft.com/office/drawing/2014/main" id="{47AA8914-7CCD-46D9-9D2F-91F987620326}"/>
               </a:ext>
             </a:extLst>
@@ -6772,14 +7995,6 @@
               </a:rPr>
               <a:t>Conclusiones.</a:t>
             </a:r>
-            <a:br>
-              <a:rPr lang="es-ES" altLang="es-ES" sz="4400" dirty="0">
-                <a:solidFill>
-                  <a:schemeClr val="tx1"/>
-                </a:solidFill>
-                <a:latin typeface="Arial" panose="020B0604020202020204" pitchFamily="34" charset="0"/>
-              </a:rPr>
-            </a:br>
             <a:endParaRPr lang="es-ES" dirty="0"/>
           </a:p>
         </p:txBody>
@@ -6805,7 +8020,99 @@
           <a:bodyPr/>
           <a:lstStyle/>
           <a:p>
-            <a:endParaRPr lang="es-ES"/>
+            <a:endParaRPr lang="es-ES" dirty="0"/>
+          </a:p>
+        </p:txBody>
+      </p:sp>
+      <p:sp>
+        <p:nvSpPr>
+          <p:cNvPr id="4" name="CuadroTexto 3">
+            <a:extLst>
+              <a:ext uri="{FF2B5EF4-FFF2-40B4-BE49-F238E27FC236}">
+                <a16:creationId xmlns:a16="http://schemas.microsoft.com/office/drawing/2014/main" id="{50A67839-77B2-4E2F-B756-15412690FB9E}"/>
+              </a:ext>
+            </a:extLst>
+          </p:cNvPr>
+          <p:cNvSpPr txBox="1"/>
+          <p:nvPr/>
+        </p:nvSpPr>
+        <p:spPr>
+          <a:xfrm>
+            <a:off x="135904" y="1853248"/>
+            <a:ext cx="2054087" cy="4801314"/>
+          </a:xfrm>
+          <a:prstGeom prst="rect">
+            <a:avLst/>
+          </a:prstGeom>
+          <a:noFill/>
+        </p:spPr>
+        <p:txBody>
+          <a:bodyPr wrap="square" rtlCol="0">
+            <a:spAutoFit/>
+          </a:bodyPr>
+          <a:lstStyle/>
+          <a:p>
+            <a:pPr marL="285750" indent="-285750">
+              <a:buFont typeface="Wingdings" panose="05000000000000000000" pitchFamily="2" charset="2"/>
+              <a:buChar char="q"/>
+            </a:pPr>
+            <a:r>
+              <a:rPr lang="es-ES" dirty="0"/>
+              <a:t>Presentación del proyecto y de los miembros. </a:t>
+            </a:r>
+          </a:p>
+          <a:p>
+            <a:pPr marL="285750" indent="-285750">
+              <a:buFont typeface="Wingdings" panose="05000000000000000000" pitchFamily="2" charset="2"/>
+              <a:buChar char="q"/>
+            </a:pPr>
+            <a:r>
+              <a:rPr lang="es-ES" dirty="0"/>
+              <a:t>Objetivo del proyecto.</a:t>
+            </a:r>
+          </a:p>
+          <a:p>
+            <a:pPr marL="285750" indent="-285750">
+              <a:buFont typeface="Wingdings" panose="05000000000000000000" pitchFamily="2" charset="2"/>
+              <a:buChar char="q"/>
+            </a:pPr>
+            <a:r>
+              <a:rPr lang="es-ES" dirty="0"/>
+              <a:t>Funcionalidades que se van a presentar.</a:t>
+            </a:r>
+          </a:p>
+          <a:p>
+            <a:pPr marL="285750" indent="-285750">
+              <a:buFont typeface="Wingdings" panose="05000000000000000000" pitchFamily="2" charset="2"/>
+              <a:buChar char="q"/>
+            </a:pPr>
+            <a:r>
+              <a:rPr lang="es-ES" dirty="0"/>
+              <a:t>Demostración funcional del proyecto.</a:t>
+            </a:r>
+          </a:p>
+          <a:p>
+            <a:pPr marL="285750" indent="-285750">
+              <a:buFont typeface="Wingdings" panose="05000000000000000000" pitchFamily="2" charset="2"/>
+              <a:buChar char="q"/>
+            </a:pPr>
+            <a:r>
+              <a:rPr lang="es-ES" dirty="0"/>
+              <a:t>Aspectos a resaltar.</a:t>
+            </a:r>
+          </a:p>
+          <a:p>
+            <a:pPr marL="285750" indent="-285750">
+              <a:buFont typeface="Wingdings" panose="05000000000000000000" pitchFamily="2" charset="2"/>
+              <a:buChar char="q"/>
+            </a:pPr>
+            <a:r>
+              <a:rPr lang="es-ES" b="1" dirty="0"/>
+              <a:t>Conclusiones.</a:t>
+            </a:r>
+          </a:p>
+          <a:p>
+            <a:endParaRPr lang="es-ES" dirty="0"/>
           </a:p>
         </p:txBody>
       </p:sp>
@@ -7086,4 +8393,299 @@
     </a:ext>
   </a:extLst>
 </a:theme>
+</file>
+
+<file path=ppt/theme/theme2.xml><?xml version="1.0" encoding="utf-8"?>
+<a:theme xmlns:a="http://schemas.openxmlformats.org/drawingml/2006/main" name="Tema de Office">
+  <a:themeElements>
+    <a:clrScheme name="Office">
+      <a:dk1>
+        <a:sysClr val="windowText" lastClr="000000"/>
+      </a:dk1>
+      <a:lt1>
+        <a:sysClr val="window" lastClr="FFFFFF"/>
+      </a:lt1>
+      <a:dk2>
+        <a:srgbClr val="44546A"/>
+      </a:dk2>
+      <a:lt2>
+        <a:srgbClr val="E7E6E6"/>
+      </a:lt2>
+      <a:accent1>
+        <a:srgbClr val="4472C4"/>
+      </a:accent1>
+      <a:accent2>
+        <a:srgbClr val="ED7D31"/>
+      </a:accent2>
+      <a:accent3>
+        <a:srgbClr val="A5A5A5"/>
+      </a:accent3>
+      <a:accent4>
+        <a:srgbClr val="FFC000"/>
+      </a:accent4>
+      <a:accent5>
+        <a:srgbClr val="5B9BD5"/>
+      </a:accent5>
+      <a:accent6>
+        <a:srgbClr val="70AD47"/>
+      </a:accent6>
+      <a:hlink>
+        <a:srgbClr val="0563C1"/>
+      </a:hlink>
+      <a:folHlink>
+        <a:srgbClr val="954F72"/>
+      </a:folHlink>
+    </a:clrScheme>
+    <a:fontScheme name="Office">
+      <a:majorFont>
+        <a:latin typeface="Calibri Light" panose="020F0302020204030204"/>
+        <a:ea typeface=""/>
+        <a:cs typeface=""/>
+        <a:font script="Jpan" typeface="游ゴシック Light"/>
+        <a:font script="Hang" typeface="맑은 고딕"/>
+        <a:font script="Hans" typeface="等线 Light"/>
+        <a:font script="Hant" typeface="新細明體"/>
+        <a:font script="Arab" typeface="Times New Roman"/>
+        <a:font script="Hebr" typeface="Times New Roman"/>
+        <a:font script="Thai" typeface="Angsana New"/>
+        <a:font script="Ethi" typeface="Nyala"/>
+        <a:font script="Beng" typeface="Vrinda"/>
+        <a:font script="Gujr" typeface="Shruti"/>
+        <a:font script="Khmr" typeface="MoolBoran"/>
+        <a:font script="Knda" typeface="Tunga"/>
+        <a:font script="Guru" typeface="Raavi"/>
+        <a:font script="Cans" typeface="Euphemia"/>
+        <a:font script="Cher" typeface="Plantagenet Cherokee"/>
+        <a:font script="Yiii" typeface="Microsoft Yi Baiti"/>
+        <a:font script="Tibt" typeface="Microsoft Himalaya"/>
+        <a:font script="Thaa" typeface="MV Boli"/>
+        <a:font script="Deva" typeface="Mangal"/>
+        <a:font script="Telu" typeface="Gautami"/>
+        <a:font script="Taml" typeface="Latha"/>
+        <a:font script="Syrc" typeface="Estrangelo Edessa"/>
+        <a:font script="Orya" typeface="Kalinga"/>
+        <a:font script="Mlym" typeface="Kartika"/>
+        <a:font script="Laoo" typeface="DokChampa"/>
+        <a:font script="Sinh" typeface="Iskoola Pota"/>
+        <a:font script="Mong" typeface="Mongolian Baiti"/>
+        <a:font script="Viet" typeface="Times New Roman"/>
+        <a:font script="Uigh" typeface="Microsoft Uighur"/>
+        <a:font script="Geor" typeface="Sylfaen"/>
+        <a:font script="Armn" typeface="Arial"/>
+        <a:font script="Bugi" typeface="Leelawadee UI"/>
+        <a:font script="Bopo" typeface="Microsoft JhengHei"/>
+        <a:font script="Java" typeface="Javanese Text"/>
+        <a:font script="Lisu" typeface="Segoe UI"/>
+        <a:font script="Mymr" typeface="Myanmar Text"/>
+        <a:font script="Nkoo" typeface="Ebrima"/>
+        <a:font script="Olck" typeface="Nirmala UI"/>
+        <a:font script="Osma" typeface="Ebrima"/>
+        <a:font script="Phag" typeface="Phagspa"/>
+        <a:font script="Syrn" typeface="Estrangelo Edessa"/>
+        <a:font script="Syrj" typeface="Estrangelo Edessa"/>
+        <a:font script="Syre" typeface="Estrangelo Edessa"/>
+        <a:font script="Sora" typeface="Nirmala UI"/>
+        <a:font script="Tale" typeface="Microsoft Tai Le"/>
+        <a:font script="Talu" typeface="Microsoft New Tai Lue"/>
+        <a:font script="Tfng" typeface="Ebrima"/>
+      </a:majorFont>
+      <a:minorFont>
+        <a:latin typeface="Calibri" panose="020F0502020204030204"/>
+        <a:ea typeface=""/>
+        <a:cs typeface=""/>
+        <a:font script="Jpan" typeface="游ゴシック"/>
+        <a:font script="Hang" typeface="맑은 고딕"/>
+        <a:font script="Hans" typeface="等线"/>
+        <a:font script="Hant" typeface="新細明體"/>
+        <a:font script="Arab" typeface="Arial"/>
+        <a:font script="Hebr" typeface="Arial"/>
+        <a:font script="Thai" typeface="Cordia New"/>
+        <a:font script="Ethi" typeface="Nyala"/>
+        <a:font script="Beng" typeface="Vrinda"/>
+        <a:font script="Gujr" typeface="Shruti"/>
+        <a:font script="Khmr" typeface="DaunPenh"/>
+        <a:font script="Knda" typeface="Tunga"/>
+        <a:font script="Guru" typeface="Raavi"/>
+        <a:font script="Cans" typeface="Euphemia"/>
+        <a:font script="Cher" typeface="Plantagenet Cherokee"/>
+        <a:font script="Yiii" typeface="Microsoft Yi Baiti"/>
+        <a:font script="Tibt" typeface="Microsoft Himalaya"/>
+        <a:font script="Thaa" typeface="MV Boli"/>
+        <a:font script="Deva" typeface="Mangal"/>
+        <a:font script="Telu" typeface="Gautami"/>
+        <a:font script="Taml" typeface="Latha"/>
+        <a:font script="Syrc" typeface="Estrangelo Edessa"/>
+        <a:font script="Orya" typeface="Kalinga"/>
+        <a:font script="Mlym" typeface="Kartika"/>
+        <a:font script="Laoo" typeface="DokChampa"/>
+        <a:font script="Sinh" typeface="Iskoola Pota"/>
+        <a:font script="Mong" typeface="Mongolian Baiti"/>
+        <a:font script="Viet" typeface="Arial"/>
+        <a:font script="Uigh" typeface="Microsoft Uighur"/>
+        <a:font script="Geor" typeface="Sylfaen"/>
+        <a:font script="Armn" typeface="Arial"/>
+        <a:font script="Bugi" typeface="Leelawadee UI"/>
+        <a:font script="Bopo" typeface="Microsoft JhengHei"/>
+        <a:font script="Java" typeface="Javanese Text"/>
+        <a:font script="Lisu" typeface="Segoe UI"/>
+        <a:font script="Mymr" typeface="Myanmar Text"/>
+        <a:font script="Nkoo" typeface="Ebrima"/>
+        <a:font script="Olck" typeface="Nirmala UI"/>
+        <a:font script="Osma" typeface="Ebrima"/>
+        <a:font script="Phag" typeface="Phagspa"/>
+        <a:font script="Syrn" typeface="Estrangelo Edessa"/>
+        <a:font script="Syrj" typeface="Estrangelo Edessa"/>
+        <a:font script="Syre" typeface="Estrangelo Edessa"/>
+        <a:font script="Sora" typeface="Nirmala UI"/>
+        <a:font script="Tale" typeface="Microsoft Tai Le"/>
+        <a:font script="Talu" typeface="Microsoft New Tai Lue"/>
+        <a:font script="Tfng" typeface="Ebrima"/>
+      </a:minorFont>
+    </a:fontScheme>
+    <a:fmtScheme name="Office">
+      <a:fillStyleLst>
+        <a:solidFill>
+          <a:schemeClr val="phClr"/>
+        </a:solidFill>
+        <a:gradFill rotWithShape="1">
+          <a:gsLst>
+            <a:gs pos="0">
+              <a:schemeClr val="phClr">
+                <a:lumMod val="110000"/>
+                <a:satMod val="105000"/>
+                <a:tint val="67000"/>
+              </a:schemeClr>
+            </a:gs>
+            <a:gs pos="50000">
+              <a:schemeClr val="phClr">
+                <a:lumMod val="105000"/>
+                <a:satMod val="103000"/>
+                <a:tint val="73000"/>
+              </a:schemeClr>
+            </a:gs>
+            <a:gs pos="100000">
+              <a:schemeClr val="phClr">
+                <a:lumMod val="105000"/>
+                <a:satMod val="109000"/>
+                <a:tint val="81000"/>
+              </a:schemeClr>
+            </a:gs>
+          </a:gsLst>
+          <a:lin ang="5400000" scaled="0"/>
+        </a:gradFill>
+        <a:gradFill rotWithShape="1">
+          <a:gsLst>
+            <a:gs pos="0">
+              <a:schemeClr val="phClr">
+                <a:satMod val="103000"/>
+                <a:lumMod val="102000"/>
+                <a:tint val="94000"/>
+              </a:schemeClr>
+            </a:gs>
+            <a:gs pos="50000">
+              <a:schemeClr val="phClr">
+                <a:satMod val="110000"/>
+                <a:lumMod val="100000"/>
+                <a:shade val="100000"/>
+              </a:schemeClr>
+            </a:gs>
+            <a:gs pos="100000">
+              <a:schemeClr val="phClr">
+                <a:lumMod val="99000"/>
+                <a:satMod val="120000"/>
+                <a:shade val="78000"/>
+              </a:schemeClr>
+            </a:gs>
+          </a:gsLst>
+          <a:lin ang="5400000" scaled="0"/>
+        </a:gradFill>
+      </a:fillStyleLst>
+      <a:lnStyleLst>
+        <a:ln w="6350" cap="flat" cmpd="sng" algn="ctr">
+          <a:solidFill>
+            <a:schemeClr val="phClr"/>
+          </a:solidFill>
+          <a:prstDash val="solid"/>
+          <a:miter lim="800000"/>
+        </a:ln>
+        <a:ln w="12700" cap="flat" cmpd="sng" algn="ctr">
+          <a:solidFill>
+            <a:schemeClr val="phClr"/>
+          </a:solidFill>
+          <a:prstDash val="solid"/>
+          <a:miter lim="800000"/>
+        </a:ln>
+        <a:ln w="19050" cap="flat" cmpd="sng" algn="ctr">
+          <a:solidFill>
+            <a:schemeClr val="phClr"/>
+          </a:solidFill>
+          <a:prstDash val="solid"/>
+          <a:miter lim="800000"/>
+        </a:ln>
+      </a:lnStyleLst>
+      <a:effectStyleLst>
+        <a:effectStyle>
+          <a:effectLst/>
+        </a:effectStyle>
+        <a:effectStyle>
+          <a:effectLst/>
+        </a:effectStyle>
+        <a:effectStyle>
+          <a:effectLst>
+            <a:outerShdw blurRad="57150" dist="19050" dir="5400000" algn="ctr" rotWithShape="0">
+              <a:srgbClr val="000000">
+                <a:alpha val="63000"/>
+              </a:srgbClr>
+            </a:outerShdw>
+          </a:effectLst>
+        </a:effectStyle>
+      </a:effectStyleLst>
+      <a:bgFillStyleLst>
+        <a:solidFill>
+          <a:schemeClr val="phClr"/>
+        </a:solidFill>
+        <a:solidFill>
+          <a:schemeClr val="phClr">
+            <a:tint val="95000"/>
+            <a:satMod val="170000"/>
+          </a:schemeClr>
+        </a:solidFill>
+        <a:gradFill rotWithShape="1">
+          <a:gsLst>
+            <a:gs pos="0">
+              <a:schemeClr val="phClr">
+                <a:tint val="93000"/>
+                <a:satMod val="150000"/>
+                <a:shade val="98000"/>
+                <a:lumMod val="102000"/>
+              </a:schemeClr>
+            </a:gs>
+            <a:gs pos="50000">
+              <a:schemeClr val="phClr">
+                <a:tint val="98000"/>
+                <a:satMod val="130000"/>
+                <a:shade val="90000"/>
+                <a:lumMod val="103000"/>
+              </a:schemeClr>
+            </a:gs>
+            <a:gs pos="100000">
+              <a:schemeClr val="phClr">
+                <a:shade val="63000"/>
+                <a:satMod val="120000"/>
+              </a:schemeClr>
+            </a:gs>
+          </a:gsLst>
+          <a:lin ang="5400000" scaled="0"/>
+        </a:gradFill>
+      </a:bgFillStyleLst>
+    </a:fmtScheme>
+  </a:themeElements>
+  <a:objectDefaults/>
+  <a:extraClrSchemeLst/>
+  <a:extLst>
+    <a:ext uri="{05A4C25C-085E-4340-85A3-A5531E510DB2}">
+      <thm15:themeFamily xmlns:thm15="http://schemas.microsoft.com/office/thememl/2012/main" name="Office Theme" id="{62F939B6-93AF-4DB8-9C6B-D6C7DFDC589F}" vid="{4A3C46E8-61CC-4603-A589-7422A47A8E4A}"/>
+    </a:ext>
+  </a:extLst>
+</a:theme>
 </file>
--- a/AIRDSS.pptx
+++ b/AIRDSS.pptx
@@ -5,7 +5,7 @@
     <p:sldMasterId id="2147483719" r:id="rId1"/>
   </p:sldMasterIdLst>
   <p:notesMasterIdLst>
-    <p:notesMasterId r:id="rId14"/>
+    <p:notesMasterId r:id="rId20"/>
   </p:notesMasterIdLst>
   <p:sldIdLst>
     <p:sldId id="256" r:id="rId2"/>
@@ -18,8 +18,14 @@
     <p:sldId id="266" r:id="rId9"/>
     <p:sldId id="267" r:id="rId10"/>
     <p:sldId id="268" r:id="rId11"/>
-    <p:sldId id="262" r:id="rId12"/>
-    <p:sldId id="263" r:id="rId13"/>
+    <p:sldId id="269" r:id="rId12"/>
+    <p:sldId id="270" r:id="rId13"/>
+    <p:sldId id="271" r:id="rId14"/>
+    <p:sldId id="272" r:id="rId15"/>
+    <p:sldId id="273" r:id="rId16"/>
+    <p:sldId id="274" r:id="rId17"/>
+    <p:sldId id="262" r:id="rId18"/>
+    <p:sldId id="263" r:id="rId19"/>
   </p:sldIdLst>
   <p:sldSz cx="12192000" cy="6858000"/>
   <p:notesSz cx="6858000" cy="9144000"/>
@@ -133,6 +139,12 @@
             <p14:sldId id="266"/>
             <p14:sldId id="267"/>
             <p14:sldId id="268"/>
+            <p14:sldId id="269"/>
+            <p14:sldId id="270"/>
+            <p14:sldId id="271"/>
+            <p14:sldId id="272"/>
+            <p14:sldId id="273"/>
+            <p14:sldId id="274"/>
             <p14:sldId id="262"/>
             <p14:sldId id="263"/>
           </p14:sldIdLst>
@@ -4143,142 +4155,10 @@
       </p:grpSpPr>
       <p:sp>
         <p:nvSpPr>
-          <p:cNvPr id="2" name="Título 1">
+          <p:cNvPr id="7" name="CuadroTexto 6">
             <a:extLst>
               <a:ext uri="{FF2B5EF4-FFF2-40B4-BE49-F238E27FC236}">
-                <a16:creationId xmlns:a16="http://schemas.microsoft.com/office/drawing/2014/main" id="{AC7DBC01-8ECE-41C5-8E3F-384133D4DA41}"/>
-              </a:ext>
-            </a:extLst>
-          </p:cNvPr>
-          <p:cNvSpPr>
-            <a:spLocks noGrp="1"/>
-          </p:cNvSpPr>
-          <p:nvPr>
-            <p:ph type="title"/>
-          </p:nvPr>
-        </p:nvSpPr>
-        <p:spPr/>
-        <p:txBody>
-          <a:bodyPr/>
-          <a:lstStyle/>
-          <a:p>
-            <a:r>
-              <a:rPr lang="es-ES" sz="4400" dirty="0"/>
-              <a:t>Aspectos a resaltar:</a:t>
-            </a:r>
-            <a:endParaRPr lang="es-ES" dirty="0"/>
-          </a:p>
-        </p:txBody>
-      </p:sp>
-      <p:sp>
-        <p:nvSpPr>
-          <p:cNvPr id="3" name="Marcador de contenido 2">
-            <a:extLst>
-              <a:ext uri="{FF2B5EF4-FFF2-40B4-BE49-F238E27FC236}">
-                <a16:creationId xmlns:a16="http://schemas.microsoft.com/office/drawing/2014/main" id="{4385F995-2760-4091-A3CB-24ACD965BE59}"/>
-              </a:ext>
-            </a:extLst>
-          </p:cNvPr>
-          <p:cNvSpPr>
-            <a:spLocks noGrp="1"/>
-          </p:cNvSpPr>
-          <p:nvPr>
-            <p:ph idx="1"/>
-          </p:nvPr>
-        </p:nvSpPr>
-        <p:spPr>
-          <a:xfrm>
-            <a:off x="2189991" y="1853248"/>
-            <a:ext cx="8946541" cy="4195481"/>
-          </a:xfrm>
-        </p:spPr>
-        <p:txBody>
-          <a:bodyPr>
-            <a:normAutofit/>
-          </a:bodyPr>
-          <a:lstStyle/>
-          <a:p>
-            <a:r>
-              <a:rPr lang="es-ES" dirty="0"/>
-              <a:t>Uso de </a:t>
-            </a:r>
-            <a:r>
-              <a:rPr lang="es-ES" dirty="0" err="1"/>
-              <a:t>session</a:t>
-            </a:r>
-            <a:r>
-              <a:rPr lang="es-ES" dirty="0"/>
-              <a:t>.</a:t>
-            </a:r>
-          </a:p>
-          <a:p>
-            <a:pPr marL="0" indent="0">
-              <a:buNone/>
-            </a:pPr>
-            <a:endParaRPr lang="es-ES" dirty="0"/>
-          </a:p>
-          <a:p>
-            <a:r>
-              <a:rPr lang="es-ES" dirty="0"/>
-              <a:t>Uso de </a:t>
-            </a:r>
-            <a:r>
-              <a:rPr lang="es-ES" dirty="0" err="1"/>
-              <a:t>trello</a:t>
-            </a:r>
-            <a:r>
-              <a:rPr lang="es-ES" dirty="0"/>
-              <a:t>.</a:t>
-            </a:r>
-          </a:p>
-          <a:p>
-            <a:endParaRPr lang="es-ES" dirty="0"/>
-          </a:p>
-          <a:p>
-            <a:r>
-              <a:rPr lang="es-ES" dirty="0"/>
-              <a:t>Control de versiones:</a:t>
-            </a:r>
-          </a:p>
-          <a:p>
-            <a:pPr lvl="1"/>
-            <a:r>
-              <a:rPr lang="es-ES" dirty="0"/>
-              <a:t>La tradicional: por comandos.</a:t>
-            </a:r>
-          </a:p>
-          <a:p>
-            <a:pPr lvl="1"/>
-            <a:r>
-              <a:rPr lang="es-ES" dirty="0"/>
-              <a:t>La que nos ofrece VSC(Visual Studio </a:t>
-            </a:r>
-            <a:r>
-              <a:rPr lang="es-ES" dirty="0" err="1"/>
-              <a:t>Code</a:t>
-            </a:r>
-            <a:r>
-              <a:rPr lang="es-ES" dirty="0"/>
-              <a:t>).//Poner foto</a:t>
-            </a:r>
-          </a:p>
-          <a:p>
-            <a:endParaRPr lang="es-ES" dirty="0"/>
-          </a:p>
-          <a:p>
-            <a:r>
-              <a:rPr lang="es-ES" dirty="0"/>
-              <a:t>Metodologías de organización.</a:t>
-            </a:r>
-          </a:p>
-        </p:txBody>
-      </p:sp>
-      <p:sp>
-        <p:nvSpPr>
-          <p:cNvPr id="5" name="CuadroTexto 4">
-            <a:extLst>
-              <a:ext uri="{FF2B5EF4-FFF2-40B4-BE49-F238E27FC236}">
-                <a16:creationId xmlns:a16="http://schemas.microsoft.com/office/drawing/2014/main" id="{C68EC0AD-0AEE-4F4E-AEE1-28A128CF2A1A}"/>
+                <a16:creationId xmlns:a16="http://schemas.microsoft.com/office/drawing/2014/main" id="{67A20B4B-ADE6-40C7-B898-40DAA802D524}"/>
               </a:ext>
             </a:extLst>
           </p:cNvPr>
@@ -4311,6 +4191,1275 @@
               <a:buChar char="q"/>
             </a:pPr>
             <a:r>
+              <a:rPr lang="es-ES"/>
+              <a:t>Presentación</a:t>
+            </a:r>
+          </a:p>
+          <a:p>
+            <a:pPr marL="285750" indent="-285750">
+              <a:buFont typeface="Wingdings" panose="05000000000000000000" pitchFamily="2" charset="2"/>
+              <a:buChar char="q"/>
+            </a:pPr>
+            <a:r>
+              <a:rPr lang="es-ES"/>
+              <a:t>Objetivos</a:t>
+            </a:r>
+          </a:p>
+          <a:p>
+            <a:pPr marL="285750" indent="-285750">
+              <a:buFont typeface="Wingdings" panose="05000000000000000000" pitchFamily="2" charset="2"/>
+              <a:buChar char="q"/>
+            </a:pPr>
+            <a:r>
+              <a:rPr lang="es-ES"/>
+              <a:t>Funcionalidades</a:t>
+            </a:r>
+          </a:p>
+          <a:p>
+            <a:pPr marL="285750" indent="-285750">
+              <a:buFont typeface="Wingdings" panose="05000000000000000000" pitchFamily="2" charset="2"/>
+              <a:buChar char="q"/>
+            </a:pPr>
+            <a:r>
+              <a:rPr lang="es-ES" b="1"/>
+              <a:t>Demostración</a:t>
+            </a:r>
+            <a:endParaRPr lang="es-ES"/>
+          </a:p>
+          <a:p>
+            <a:pPr marL="285750" indent="-285750">
+              <a:buFont typeface="Wingdings" panose="05000000000000000000" pitchFamily="2" charset="2"/>
+              <a:buChar char="q"/>
+            </a:pPr>
+            <a:r>
+              <a:rPr lang="es-ES"/>
+              <a:t>Aspectos</a:t>
+            </a:r>
+          </a:p>
+          <a:p>
+            <a:pPr marL="285750" indent="-285750">
+              <a:buFont typeface="Wingdings" panose="05000000000000000000" pitchFamily="2" charset="2"/>
+              <a:buChar char="q"/>
+            </a:pPr>
+            <a:r>
+              <a:rPr lang="es-ES"/>
+              <a:t>Conclusiones</a:t>
+            </a:r>
+          </a:p>
+          <a:p>
+            <a:endParaRPr lang="es-ES" dirty="0"/>
+          </a:p>
+        </p:txBody>
+      </p:sp>
+      <p:pic>
+        <p:nvPicPr>
+          <p:cNvPr id="23" name="Marcador de contenido 3" descr="Imagen que contiene captura de pantalla&#10;&#10;Descripción generada automáticamente">
+            <a:extLst>
+              <a:ext uri="{FF2B5EF4-FFF2-40B4-BE49-F238E27FC236}">
+                <a16:creationId xmlns:a16="http://schemas.microsoft.com/office/drawing/2014/main" id="{51034500-B65B-412F-9C41-A741BE194C40}"/>
+              </a:ext>
+            </a:extLst>
+          </p:cNvPr>
+          <p:cNvPicPr>
+            <a:picLocks noGrp="1" noChangeAspect="1"/>
+          </p:cNvPicPr>
+          <p:nvPr>
+            <p:ph idx="1"/>
+          </p:nvPr>
+        </p:nvPicPr>
+        <p:blipFill>
+          <a:blip r:embed="rId2"/>
+          <a:stretch>
+            <a:fillRect/>
+          </a:stretch>
+        </p:blipFill>
+        <p:spPr>
+          <a:xfrm>
+            <a:off x="2952925" y="539018"/>
+            <a:ext cx="8618290" cy="5941477"/>
+          </a:xfrm>
+          <a:prstGeom prst="rect">
+            <a:avLst/>
+          </a:prstGeom>
+        </p:spPr>
+      </p:pic>
+      <p:sp>
+        <p:nvSpPr>
+          <p:cNvPr id="25" name="Título 1">
+            <a:extLst>
+              <a:ext uri="{FF2B5EF4-FFF2-40B4-BE49-F238E27FC236}">
+                <a16:creationId xmlns:a16="http://schemas.microsoft.com/office/drawing/2014/main" id="{B3638FC4-25EB-4D4D-AAC4-0F8822FA1BA6}"/>
+              </a:ext>
+            </a:extLst>
+          </p:cNvPr>
+          <p:cNvSpPr>
+            <a:spLocks noGrp="1"/>
+          </p:cNvSpPr>
+          <p:nvPr>
+            <p:ph type="title"/>
+          </p:nvPr>
+        </p:nvSpPr>
+        <p:spPr>
+          <a:xfrm>
+            <a:off x="830510" y="913721"/>
+            <a:ext cx="9821411" cy="1499616"/>
+          </a:xfrm>
+        </p:spPr>
+        <p:txBody>
+          <a:bodyPr>
+            <a:normAutofit/>
+          </a:bodyPr>
+          <a:lstStyle/>
+          <a:p>
+            <a:r>
+              <a:rPr lang="es-ES" altLang="es-ES" sz="4400" dirty="0">
+                <a:latin typeface="Arial" panose="020B0604020202020204" pitchFamily="34" charset="0"/>
+              </a:rPr>
+              <a:t>Avión</a:t>
+            </a:r>
+            <a:br>
+              <a:rPr lang="es-ES" altLang="es-ES" sz="4400" dirty="0">
+                <a:latin typeface="Arial" panose="020B0604020202020204" pitchFamily="34" charset="0"/>
+              </a:rPr>
+            </a:br>
+            <a:endParaRPr lang="es-ES" dirty="0"/>
+          </a:p>
+        </p:txBody>
+      </p:sp>
+    </p:spTree>
+    <p:extLst>
+      <p:ext uri="{BB962C8B-B14F-4D97-AF65-F5344CB8AC3E}">
+        <p14:creationId xmlns:p14="http://schemas.microsoft.com/office/powerpoint/2010/main" val="3835220388"/>
+      </p:ext>
+    </p:extLst>
+  </p:cSld>
+  <p:clrMapOvr>
+    <a:masterClrMapping/>
+  </p:clrMapOvr>
+</p:sld>
+</file>
+
+<file path=ppt/slides/slide12.xml><?xml version="1.0" encoding="utf-8"?>
+<p:sld xmlns:a="http://schemas.openxmlformats.org/drawingml/2006/main" xmlns:r="http://schemas.openxmlformats.org/officeDocument/2006/relationships" xmlns:p="http://schemas.openxmlformats.org/presentationml/2006/main">
+  <p:cSld>
+    <p:spTree>
+      <p:nvGrpSpPr>
+        <p:cNvPr id="1" name=""/>
+        <p:cNvGrpSpPr/>
+        <p:nvPr/>
+      </p:nvGrpSpPr>
+      <p:grpSpPr>
+        <a:xfrm>
+          <a:off x="0" y="0"/>
+          <a:ext cx="0" cy="0"/>
+          <a:chOff x="0" y="0"/>
+          <a:chExt cx="0" cy="0"/>
+        </a:xfrm>
+      </p:grpSpPr>
+      <p:sp>
+        <p:nvSpPr>
+          <p:cNvPr id="7" name="CuadroTexto 6">
+            <a:extLst>
+              <a:ext uri="{FF2B5EF4-FFF2-40B4-BE49-F238E27FC236}">
+                <a16:creationId xmlns:a16="http://schemas.microsoft.com/office/drawing/2014/main" id="{67A20B4B-ADE6-40C7-B898-40DAA802D524}"/>
+              </a:ext>
+            </a:extLst>
+          </p:cNvPr>
+          <p:cNvSpPr txBox="1"/>
+          <p:nvPr/>
+        </p:nvSpPr>
+        <p:spPr>
+          <a:xfrm>
+            <a:off x="135904" y="2413337"/>
+            <a:ext cx="2054087" cy="2031325"/>
+          </a:xfrm>
+          <a:prstGeom prst="rect">
+            <a:avLst/>
+          </a:prstGeom>
+          <a:noFill/>
+          <a:ln>
+            <a:solidFill>
+              <a:schemeClr val="tx1"/>
+            </a:solidFill>
+          </a:ln>
+        </p:spPr>
+        <p:txBody>
+          <a:bodyPr wrap="square" rtlCol="0">
+            <a:spAutoFit/>
+          </a:bodyPr>
+          <a:lstStyle/>
+          <a:p>
+            <a:pPr marL="285750" indent="-285750">
+              <a:buFont typeface="Wingdings" panose="05000000000000000000" pitchFamily="2" charset="2"/>
+              <a:buChar char="q"/>
+            </a:pPr>
+            <a:r>
+              <a:rPr lang="es-ES"/>
+              <a:t>Presentación</a:t>
+            </a:r>
+          </a:p>
+          <a:p>
+            <a:pPr marL="285750" indent="-285750">
+              <a:buFont typeface="Wingdings" panose="05000000000000000000" pitchFamily="2" charset="2"/>
+              <a:buChar char="q"/>
+            </a:pPr>
+            <a:r>
+              <a:rPr lang="es-ES"/>
+              <a:t>Objetivos</a:t>
+            </a:r>
+          </a:p>
+          <a:p>
+            <a:pPr marL="285750" indent="-285750">
+              <a:buFont typeface="Wingdings" panose="05000000000000000000" pitchFamily="2" charset="2"/>
+              <a:buChar char="q"/>
+            </a:pPr>
+            <a:r>
+              <a:rPr lang="es-ES"/>
+              <a:t>Funcionalidades</a:t>
+            </a:r>
+          </a:p>
+          <a:p>
+            <a:pPr marL="285750" indent="-285750">
+              <a:buFont typeface="Wingdings" panose="05000000000000000000" pitchFamily="2" charset="2"/>
+              <a:buChar char="q"/>
+            </a:pPr>
+            <a:r>
+              <a:rPr lang="es-ES" b="1"/>
+              <a:t>Demostración</a:t>
+            </a:r>
+            <a:endParaRPr lang="es-ES"/>
+          </a:p>
+          <a:p>
+            <a:pPr marL="285750" indent="-285750">
+              <a:buFont typeface="Wingdings" panose="05000000000000000000" pitchFamily="2" charset="2"/>
+              <a:buChar char="q"/>
+            </a:pPr>
+            <a:r>
+              <a:rPr lang="es-ES"/>
+              <a:t>Aspectos</a:t>
+            </a:r>
+          </a:p>
+          <a:p>
+            <a:pPr marL="285750" indent="-285750">
+              <a:buFont typeface="Wingdings" panose="05000000000000000000" pitchFamily="2" charset="2"/>
+              <a:buChar char="q"/>
+            </a:pPr>
+            <a:r>
+              <a:rPr lang="es-ES"/>
+              <a:t>Conclusiones</a:t>
+            </a:r>
+          </a:p>
+          <a:p>
+            <a:endParaRPr lang="es-ES" dirty="0"/>
+          </a:p>
+        </p:txBody>
+      </p:sp>
+      <p:pic>
+        <p:nvPicPr>
+          <p:cNvPr id="6" name="Marcador de contenido 5" descr="Imagen que contiene captura de pantalla&#10;&#10;Descripción generada automáticamente">
+            <a:extLst>
+              <a:ext uri="{FF2B5EF4-FFF2-40B4-BE49-F238E27FC236}">
+                <a16:creationId xmlns:a16="http://schemas.microsoft.com/office/drawing/2014/main" id="{92CAE9D1-16CA-4BA7-AD1D-319BE04D34FD}"/>
+              </a:ext>
+            </a:extLst>
+          </p:cNvPr>
+          <p:cNvPicPr>
+            <a:picLocks noGrp="1" noChangeAspect="1"/>
+          </p:cNvPicPr>
+          <p:nvPr>
+            <p:ph idx="1"/>
+          </p:nvPr>
+        </p:nvPicPr>
+        <p:blipFill>
+          <a:blip r:embed="rId2"/>
+          <a:stretch>
+            <a:fillRect/>
+          </a:stretch>
+        </p:blipFill>
+        <p:spPr>
+          <a:xfrm>
+            <a:off x="2613900" y="145493"/>
+            <a:ext cx="8417623" cy="3771664"/>
+          </a:xfrm>
+          <a:prstGeom prst="rect">
+            <a:avLst/>
+          </a:prstGeom>
+          <a:effectLst/>
+        </p:spPr>
+      </p:pic>
+      <p:pic>
+        <p:nvPicPr>
+          <p:cNvPr id="8" name="Marcador de contenido 3" descr="Imagen que contiene captura de pantalla&#10;&#10;Descripción generada automáticamente">
+            <a:extLst>
+              <a:ext uri="{FF2B5EF4-FFF2-40B4-BE49-F238E27FC236}">
+                <a16:creationId xmlns:a16="http://schemas.microsoft.com/office/drawing/2014/main" id="{D3A7FC9D-AC14-4FA4-827D-E8720D6BF355}"/>
+              </a:ext>
+            </a:extLst>
+          </p:cNvPr>
+          <p:cNvPicPr>
+            <a:picLocks noChangeAspect="1"/>
+          </p:cNvPicPr>
+          <p:nvPr/>
+        </p:nvPicPr>
+        <p:blipFill>
+          <a:blip r:embed="rId3"/>
+          <a:stretch>
+            <a:fillRect/>
+          </a:stretch>
+        </p:blipFill>
+        <p:spPr>
+          <a:xfrm>
+            <a:off x="3993160" y="4146880"/>
+            <a:ext cx="7038363" cy="1995529"/>
+          </a:xfrm>
+          <a:prstGeom prst="rect">
+            <a:avLst/>
+          </a:prstGeom>
+          <a:effectLst/>
+        </p:spPr>
+      </p:pic>
+    </p:spTree>
+    <p:extLst>
+      <p:ext uri="{BB962C8B-B14F-4D97-AF65-F5344CB8AC3E}">
+        <p14:creationId xmlns:p14="http://schemas.microsoft.com/office/powerpoint/2010/main" val="3121423524"/>
+      </p:ext>
+    </p:extLst>
+  </p:cSld>
+  <p:clrMapOvr>
+    <a:masterClrMapping/>
+  </p:clrMapOvr>
+</p:sld>
+</file>
+
+<file path=ppt/slides/slide13.xml><?xml version="1.0" encoding="utf-8"?>
+<p:sld xmlns:a="http://schemas.openxmlformats.org/drawingml/2006/main" xmlns:r="http://schemas.openxmlformats.org/officeDocument/2006/relationships" xmlns:p="http://schemas.openxmlformats.org/presentationml/2006/main">
+  <p:cSld>
+    <p:spTree>
+      <p:nvGrpSpPr>
+        <p:cNvPr id="1" name=""/>
+        <p:cNvGrpSpPr/>
+        <p:nvPr/>
+      </p:nvGrpSpPr>
+      <p:grpSpPr>
+        <a:xfrm>
+          <a:off x="0" y="0"/>
+          <a:ext cx="0" cy="0"/>
+          <a:chOff x="0" y="0"/>
+          <a:chExt cx="0" cy="0"/>
+        </a:xfrm>
+      </p:grpSpPr>
+      <p:sp>
+        <p:nvSpPr>
+          <p:cNvPr id="7" name="CuadroTexto 6">
+            <a:extLst>
+              <a:ext uri="{FF2B5EF4-FFF2-40B4-BE49-F238E27FC236}">
+                <a16:creationId xmlns:a16="http://schemas.microsoft.com/office/drawing/2014/main" id="{67A20B4B-ADE6-40C7-B898-40DAA802D524}"/>
+              </a:ext>
+            </a:extLst>
+          </p:cNvPr>
+          <p:cNvSpPr txBox="1"/>
+          <p:nvPr/>
+        </p:nvSpPr>
+        <p:spPr>
+          <a:xfrm>
+            <a:off x="135904" y="2413337"/>
+            <a:ext cx="2054087" cy="2031325"/>
+          </a:xfrm>
+          <a:prstGeom prst="rect">
+            <a:avLst/>
+          </a:prstGeom>
+          <a:noFill/>
+          <a:ln>
+            <a:solidFill>
+              <a:schemeClr val="tx1"/>
+            </a:solidFill>
+          </a:ln>
+        </p:spPr>
+        <p:txBody>
+          <a:bodyPr wrap="square" rtlCol="0">
+            <a:spAutoFit/>
+          </a:bodyPr>
+          <a:lstStyle/>
+          <a:p>
+            <a:pPr marL="285750" indent="-285750">
+              <a:buFont typeface="Wingdings" panose="05000000000000000000" pitchFamily="2" charset="2"/>
+              <a:buChar char="q"/>
+            </a:pPr>
+            <a:r>
+              <a:rPr lang="es-ES"/>
+              <a:t>Presentación</a:t>
+            </a:r>
+          </a:p>
+          <a:p>
+            <a:pPr marL="285750" indent="-285750">
+              <a:buFont typeface="Wingdings" panose="05000000000000000000" pitchFamily="2" charset="2"/>
+              <a:buChar char="q"/>
+            </a:pPr>
+            <a:r>
+              <a:rPr lang="es-ES"/>
+              <a:t>Objetivos</a:t>
+            </a:r>
+          </a:p>
+          <a:p>
+            <a:pPr marL="285750" indent="-285750">
+              <a:buFont typeface="Wingdings" panose="05000000000000000000" pitchFamily="2" charset="2"/>
+              <a:buChar char="q"/>
+            </a:pPr>
+            <a:r>
+              <a:rPr lang="es-ES"/>
+              <a:t>Funcionalidades</a:t>
+            </a:r>
+          </a:p>
+          <a:p>
+            <a:pPr marL="285750" indent="-285750">
+              <a:buFont typeface="Wingdings" panose="05000000000000000000" pitchFamily="2" charset="2"/>
+              <a:buChar char="q"/>
+            </a:pPr>
+            <a:r>
+              <a:rPr lang="es-ES" b="1"/>
+              <a:t>Demostración</a:t>
+            </a:r>
+            <a:endParaRPr lang="es-ES"/>
+          </a:p>
+          <a:p>
+            <a:pPr marL="285750" indent="-285750">
+              <a:buFont typeface="Wingdings" panose="05000000000000000000" pitchFamily="2" charset="2"/>
+              <a:buChar char="q"/>
+            </a:pPr>
+            <a:r>
+              <a:rPr lang="es-ES"/>
+              <a:t>Aspectos</a:t>
+            </a:r>
+          </a:p>
+          <a:p>
+            <a:pPr marL="285750" indent="-285750">
+              <a:buFont typeface="Wingdings" panose="05000000000000000000" pitchFamily="2" charset="2"/>
+              <a:buChar char="q"/>
+            </a:pPr>
+            <a:r>
+              <a:rPr lang="es-ES"/>
+              <a:t>Conclusiones</a:t>
+            </a:r>
+          </a:p>
+          <a:p>
+            <a:endParaRPr lang="es-ES" dirty="0"/>
+          </a:p>
+        </p:txBody>
+      </p:sp>
+      <p:pic>
+        <p:nvPicPr>
+          <p:cNvPr id="9" name="Marcador de contenido 3" descr="Imagen que contiene captura de pantalla&#10;&#10;Descripción generada automáticamente">
+            <a:extLst>
+              <a:ext uri="{FF2B5EF4-FFF2-40B4-BE49-F238E27FC236}">
+                <a16:creationId xmlns:a16="http://schemas.microsoft.com/office/drawing/2014/main" id="{50D6E0F9-B539-453C-A39B-51576BC1DEC5}"/>
+              </a:ext>
+            </a:extLst>
+          </p:cNvPr>
+          <p:cNvPicPr>
+            <a:picLocks noGrp="1" noChangeAspect="1"/>
+          </p:cNvPicPr>
+          <p:nvPr>
+            <p:ph idx="1"/>
+          </p:nvPr>
+        </p:nvPicPr>
+        <p:blipFill>
+          <a:blip r:embed="rId2"/>
+          <a:stretch>
+            <a:fillRect/>
+          </a:stretch>
+        </p:blipFill>
+        <p:spPr>
+          <a:xfrm>
+            <a:off x="2391327" y="687199"/>
+            <a:ext cx="8694559" cy="5168316"/>
+          </a:xfrm>
+          <a:prstGeom prst="rect">
+            <a:avLst/>
+          </a:prstGeom>
+        </p:spPr>
+      </p:pic>
+    </p:spTree>
+    <p:extLst>
+      <p:ext uri="{BB962C8B-B14F-4D97-AF65-F5344CB8AC3E}">
+        <p14:creationId xmlns:p14="http://schemas.microsoft.com/office/powerpoint/2010/main" val="4120472613"/>
+      </p:ext>
+    </p:extLst>
+  </p:cSld>
+  <p:clrMapOvr>
+    <a:masterClrMapping/>
+  </p:clrMapOvr>
+</p:sld>
+</file>
+
+<file path=ppt/slides/slide14.xml><?xml version="1.0" encoding="utf-8"?>
+<p:sld xmlns:a="http://schemas.openxmlformats.org/drawingml/2006/main" xmlns:r="http://schemas.openxmlformats.org/officeDocument/2006/relationships" xmlns:p="http://schemas.openxmlformats.org/presentationml/2006/main">
+  <p:cSld>
+    <p:spTree>
+      <p:nvGrpSpPr>
+        <p:cNvPr id="1" name=""/>
+        <p:cNvGrpSpPr/>
+        <p:nvPr/>
+      </p:nvGrpSpPr>
+      <p:grpSpPr>
+        <a:xfrm>
+          <a:off x="0" y="0"/>
+          <a:ext cx="0" cy="0"/>
+          <a:chOff x="0" y="0"/>
+          <a:chExt cx="0" cy="0"/>
+        </a:xfrm>
+      </p:grpSpPr>
+      <p:sp>
+        <p:nvSpPr>
+          <p:cNvPr id="7" name="CuadroTexto 6">
+            <a:extLst>
+              <a:ext uri="{FF2B5EF4-FFF2-40B4-BE49-F238E27FC236}">
+                <a16:creationId xmlns:a16="http://schemas.microsoft.com/office/drawing/2014/main" id="{67A20B4B-ADE6-40C7-B898-40DAA802D524}"/>
+              </a:ext>
+            </a:extLst>
+          </p:cNvPr>
+          <p:cNvSpPr txBox="1"/>
+          <p:nvPr/>
+        </p:nvSpPr>
+        <p:spPr>
+          <a:xfrm>
+            <a:off x="135904" y="2413337"/>
+            <a:ext cx="2054087" cy="2031325"/>
+          </a:xfrm>
+          <a:prstGeom prst="rect">
+            <a:avLst/>
+          </a:prstGeom>
+          <a:noFill/>
+          <a:ln>
+            <a:solidFill>
+              <a:schemeClr val="tx1"/>
+            </a:solidFill>
+          </a:ln>
+        </p:spPr>
+        <p:txBody>
+          <a:bodyPr wrap="square" rtlCol="0">
+            <a:spAutoFit/>
+          </a:bodyPr>
+          <a:lstStyle/>
+          <a:p>
+            <a:pPr marL="285750" indent="-285750">
+              <a:buFont typeface="Wingdings" panose="05000000000000000000" pitchFamily="2" charset="2"/>
+              <a:buChar char="q"/>
+            </a:pPr>
+            <a:r>
+              <a:rPr lang="es-ES"/>
+              <a:t>Presentación</a:t>
+            </a:r>
+          </a:p>
+          <a:p>
+            <a:pPr marL="285750" indent="-285750">
+              <a:buFont typeface="Wingdings" panose="05000000000000000000" pitchFamily="2" charset="2"/>
+              <a:buChar char="q"/>
+            </a:pPr>
+            <a:r>
+              <a:rPr lang="es-ES"/>
+              <a:t>Objetivos</a:t>
+            </a:r>
+          </a:p>
+          <a:p>
+            <a:pPr marL="285750" indent="-285750">
+              <a:buFont typeface="Wingdings" panose="05000000000000000000" pitchFamily="2" charset="2"/>
+              <a:buChar char="q"/>
+            </a:pPr>
+            <a:r>
+              <a:rPr lang="es-ES"/>
+              <a:t>Funcionalidades</a:t>
+            </a:r>
+          </a:p>
+          <a:p>
+            <a:pPr marL="285750" indent="-285750">
+              <a:buFont typeface="Wingdings" panose="05000000000000000000" pitchFamily="2" charset="2"/>
+              <a:buChar char="q"/>
+            </a:pPr>
+            <a:r>
+              <a:rPr lang="es-ES" b="1"/>
+              <a:t>Demostración</a:t>
+            </a:r>
+            <a:endParaRPr lang="es-ES"/>
+          </a:p>
+          <a:p>
+            <a:pPr marL="285750" indent="-285750">
+              <a:buFont typeface="Wingdings" panose="05000000000000000000" pitchFamily="2" charset="2"/>
+              <a:buChar char="q"/>
+            </a:pPr>
+            <a:r>
+              <a:rPr lang="es-ES"/>
+              <a:t>Aspectos</a:t>
+            </a:r>
+          </a:p>
+          <a:p>
+            <a:pPr marL="285750" indent="-285750">
+              <a:buFont typeface="Wingdings" panose="05000000000000000000" pitchFamily="2" charset="2"/>
+              <a:buChar char="q"/>
+            </a:pPr>
+            <a:r>
+              <a:rPr lang="es-ES"/>
+              <a:t>Conclusiones</a:t>
+            </a:r>
+          </a:p>
+          <a:p>
+            <a:endParaRPr lang="es-ES" dirty="0"/>
+          </a:p>
+        </p:txBody>
+      </p:sp>
+      <p:pic>
+        <p:nvPicPr>
+          <p:cNvPr id="6" name="Marcador de contenido 5">
+            <a:extLst>
+              <a:ext uri="{FF2B5EF4-FFF2-40B4-BE49-F238E27FC236}">
+                <a16:creationId xmlns:a16="http://schemas.microsoft.com/office/drawing/2014/main" id="{39C9F34C-C44C-407B-B205-37C58873C01D}"/>
+              </a:ext>
+            </a:extLst>
+          </p:cNvPr>
+          <p:cNvPicPr>
+            <a:picLocks noGrp="1" noChangeAspect="1"/>
+          </p:cNvPicPr>
+          <p:nvPr>
+            <p:ph idx="1"/>
+          </p:nvPr>
+        </p:nvPicPr>
+        <p:blipFill>
+          <a:blip r:embed="rId2"/>
+          <a:stretch>
+            <a:fillRect/>
+          </a:stretch>
+        </p:blipFill>
+        <p:spPr>
+          <a:xfrm>
+            <a:off x="3192104" y="536704"/>
+            <a:ext cx="7444746" cy="3871710"/>
+          </a:xfrm>
+          <a:prstGeom prst="rect">
+            <a:avLst/>
+          </a:prstGeom>
+        </p:spPr>
+      </p:pic>
+      <p:pic>
+        <p:nvPicPr>
+          <p:cNvPr id="8" name="Marcador de contenido 3">
+            <a:extLst>
+              <a:ext uri="{FF2B5EF4-FFF2-40B4-BE49-F238E27FC236}">
+                <a16:creationId xmlns:a16="http://schemas.microsoft.com/office/drawing/2014/main" id="{E744FC30-8AAD-4040-B01E-FFFBFF817D71}"/>
+              </a:ext>
+            </a:extLst>
+          </p:cNvPr>
+          <p:cNvPicPr>
+            <a:picLocks noChangeAspect="1"/>
+          </p:cNvPicPr>
+          <p:nvPr/>
+        </p:nvPicPr>
+        <p:blipFill rotWithShape="1">
+          <a:blip r:embed="rId3"/>
+          <a:srcRect b="54918"/>
+          <a:stretch/>
+        </p:blipFill>
+        <p:spPr>
+          <a:xfrm>
+            <a:off x="3768978" y="4661507"/>
+            <a:ext cx="6290997" cy="1362966"/>
+          </a:xfrm>
+          <a:prstGeom prst="rect">
+            <a:avLst/>
+          </a:prstGeom>
+        </p:spPr>
+      </p:pic>
+    </p:spTree>
+    <p:extLst>
+      <p:ext uri="{BB962C8B-B14F-4D97-AF65-F5344CB8AC3E}">
+        <p14:creationId xmlns:p14="http://schemas.microsoft.com/office/powerpoint/2010/main" val="3470985900"/>
+      </p:ext>
+    </p:extLst>
+  </p:cSld>
+  <p:clrMapOvr>
+    <a:masterClrMapping/>
+  </p:clrMapOvr>
+</p:sld>
+</file>
+
+<file path=ppt/slides/slide15.xml><?xml version="1.0" encoding="utf-8"?>
+<p:sld xmlns:a="http://schemas.openxmlformats.org/drawingml/2006/main" xmlns:r="http://schemas.openxmlformats.org/officeDocument/2006/relationships" xmlns:p="http://schemas.openxmlformats.org/presentationml/2006/main">
+  <p:cSld>
+    <p:spTree>
+      <p:nvGrpSpPr>
+        <p:cNvPr id="1" name=""/>
+        <p:cNvGrpSpPr/>
+        <p:nvPr/>
+      </p:nvGrpSpPr>
+      <p:grpSpPr>
+        <a:xfrm>
+          <a:off x="0" y="0"/>
+          <a:ext cx="0" cy="0"/>
+          <a:chOff x="0" y="0"/>
+          <a:chExt cx="0" cy="0"/>
+        </a:xfrm>
+      </p:grpSpPr>
+      <p:sp>
+        <p:nvSpPr>
+          <p:cNvPr id="7" name="CuadroTexto 6">
+            <a:extLst>
+              <a:ext uri="{FF2B5EF4-FFF2-40B4-BE49-F238E27FC236}">
+                <a16:creationId xmlns:a16="http://schemas.microsoft.com/office/drawing/2014/main" id="{67A20B4B-ADE6-40C7-B898-40DAA802D524}"/>
+              </a:ext>
+            </a:extLst>
+          </p:cNvPr>
+          <p:cNvSpPr txBox="1"/>
+          <p:nvPr/>
+        </p:nvSpPr>
+        <p:spPr>
+          <a:xfrm>
+            <a:off x="135904" y="2413337"/>
+            <a:ext cx="2054087" cy="2031325"/>
+          </a:xfrm>
+          <a:prstGeom prst="rect">
+            <a:avLst/>
+          </a:prstGeom>
+          <a:noFill/>
+          <a:ln>
+            <a:solidFill>
+              <a:schemeClr val="tx1"/>
+            </a:solidFill>
+          </a:ln>
+        </p:spPr>
+        <p:txBody>
+          <a:bodyPr wrap="square" rtlCol="0">
+            <a:spAutoFit/>
+          </a:bodyPr>
+          <a:lstStyle/>
+          <a:p>
+            <a:pPr marL="285750" indent="-285750">
+              <a:buFont typeface="Wingdings" panose="05000000000000000000" pitchFamily="2" charset="2"/>
+              <a:buChar char="q"/>
+            </a:pPr>
+            <a:r>
+              <a:rPr lang="es-ES"/>
+              <a:t>Presentación</a:t>
+            </a:r>
+          </a:p>
+          <a:p>
+            <a:pPr marL="285750" indent="-285750">
+              <a:buFont typeface="Wingdings" panose="05000000000000000000" pitchFamily="2" charset="2"/>
+              <a:buChar char="q"/>
+            </a:pPr>
+            <a:r>
+              <a:rPr lang="es-ES"/>
+              <a:t>Objetivos</a:t>
+            </a:r>
+          </a:p>
+          <a:p>
+            <a:pPr marL="285750" indent="-285750">
+              <a:buFont typeface="Wingdings" panose="05000000000000000000" pitchFamily="2" charset="2"/>
+              <a:buChar char="q"/>
+            </a:pPr>
+            <a:r>
+              <a:rPr lang="es-ES"/>
+              <a:t>Funcionalidades</a:t>
+            </a:r>
+          </a:p>
+          <a:p>
+            <a:pPr marL="285750" indent="-285750">
+              <a:buFont typeface="Wingdings" panose="05000000000000000000" pitchFamily="2" charset="2"/>
+              <a:buChar char="q"/>
+            </a:pPr>
+            <a:r>
+              <a:rPr lang="es-ES" b="1"/>
+              <a:t>Demostración</a:t>
+            </a:r>
+            <a:endParaRPr lang="es-ES"/>
+          </a:p>
+          <a:p>
+            <a:pPr marL="285750" indent="-285750">
+              <a:buFont typeface="Wingdings" panose="05000000000000000000" pitchFamily="2" charset="2"/>
+              <a:buChar char="q"/>
+            </a:pPr>
+            <a:r>
+              <a:rPr lang="es-ES"/>
+              <a:t>Aspectos</a:t>
+            </a:r>
+          </a:p>
+          <a:p>
+            <a:pPr marL="285750" indent="-285750">
+              <a:buFont typeface="Wingdings" panose="05000000000000000000" pitchFamily="2" charset="2"/>
+              <a:buChar char="q"/>
+            </a:pPr>
+            <a:r>
+              <a:rPr lang="es-ES"/>
+              <a:t>Conclusiones</a:t>
+            </a:r>
+          </a:p>
+          <a:p>
+            <a:endParaRPr lang="es-ES" dirty="0"/>
+          </a:p>
+        </p:txBody>
+      </p:sp>
+      <p:pic>
+        <p:nvPicPr>
+          <p:cNvPr id="9" name="Marcador de contenido 8">
+            <a:extLst>
+              <a:ext uri="{FF2B5EF4-FFF2-40B4-BE49-F238E27FC236}">
+                <a16:creationId xmlns:a16="http://schemas.microsoft.com/office/drawing/2014/main" id="{21DA43AF-F472-46FF-8DF6-DB7FF12B2481}"/>
+              </a:ext>
+            </a:extLst>
+          </p:cNvPr>
+          <p:cNvPicPr>
+            <a:picLocks noGrp="1" noChangeAspect="1"/>
+          </p:cNvPicPr>
+          <p:nvPr>
+            <p:ph idx="1"/>
+          </p:nvPr>
+        </p:nvPicPr>
+        <p:blipFill>
+          <a:blip r:embed="rId2"/>
+          <a:stretch>
+            <a:fillRect/>
+          </a:stretch>
+        </p:blipFill>
+        <p:spPr>
+          <a:xfrm>
+            <a:off x="2213039" y="-19964"/>
+            <a:ext cx="7779846" cy="4464625"/>
+          </a:xfrm>
+          <a:prstGeom prst="rect">
+            <a:avLst/>
+          </a:prstGeom>
+        </p:spPr>
+      </p:pic>
+      <p:pic>
+        <p:nvPicPr>
+          <p:cNvPr id="10" name="Marcador de contenido 7">
+            <a:extLst>
+              <a:ext uri="{FF2B5EF4-FFF2-40B4-BE49-F238E27FC236}">
+                <a16:creationId xmlns:a16="http://schemas.microsoft.com/office/drawing/2014/main" id="{3D6A3C02-325D-4950-919B-894B41AC881F}"/>
+              </a:ext>
+            </a:extLst>
+          </p:cNvPr>
+          <p:cNvPicPr>
+            <a:picLocks noChangeAspect="1"/>
+          </p:cNvPicPr>
+          <p:nvPr/>
+        </p:nvPicPr>
+        <p:blipFill>
+          <a:blip r:embed="rId3"/>
+          <a:stretch>
+            <a:fillRect/>
+          </a:stretch>
+        </p:blipFill>
+        <p:spPr>
+          <a:xfrm>
+            <a:off x="5348311" y="3655439"/>
+            <a:ext cx="6843689" cy="3202561"/>
+          </a:xfrm>
+          <a:prstGeom prst="rect">
+            <a:avLst/>
+          </a:prstGeom>
+        </p:spPr>
+      </p:pic>
+    </p:spTree>
+    <p:extLst>
+      <p:ext uri="{BB962C8B-B14F-4D97-AF65-F5344CB8AC3E}">
+        <p14:creationId xmlns:p14="http://schemas.microsoft.com/office/powerpoint/2010/main" val="4018788393"/>
+      </p:ext>
+    </p:extLst>
+  </p:cSld>
+  <p:clrMapOvr>
+    <a:masterClrMapping/>
+  </p:clrMapOvr>
+</p:sld>
+</file>
+
+<file path=ppt/slides/slide16.xml><?xml version="1.0" encoding="utf-8"?>
+<p:sld xmlns:a="http://schemas.openxmlformats.org/drawingml/2006/main" xmlns:r="http://schemas.openxmlformats.org/officeDocument/2006/relationships" xmlns:p="http://schemas.openxmlformats.org/presentationml/2006/main">
+  <p:cSld>
+    <p:spTree>
+      <p:nvGrpSpPr>
+        <p:cNvPr id="1" name=""/>
+        <p:cNvGrpSpPr/>
+        <p:nvPr/>
+      </p:nvGrpSpPr>
+      <p:grpSpPr>
+        <a:xfrm>
+          <a:off x="0" y="0"/>
+          <a:ext cx="0" cy="0"/>
+          <a:chOff x="0" y="0"/>
+          <a:chExt cx="0" cy="0"/>
+        </a:xfrm>
+      </p:grpSpPr>
+      <p:sp>
+        <p:nvSpPr>
+          <p:cNvPr id="7" name="CuadroTexto 6">
+            <a:extLst>
+              <a:ext uri="{FF2B5EF4-FFF2-40B4-BE49-F238E27FC236}">
+                <a16:creationId xmlns:a16="http://schemas.microsoft.com/office/drawing/2014/main" id="{67A20B4B-ADE6-40C7-B898-40DAA802D524}"/>
+              </a:ext>
+            </a:extLst>
+          </p:cNvPr>
+          <p:cNvSpPr txBox="1"/>
+          <p:nvPr/>
+        </p:nvSpPr>
+        <p:spPr>
+          <a:xfrm>
+            <a:off x="135904" y="2413337"/>
+            <a:ext cx="2054087" cy="2031325"/>
+          </a:xfrm>
+          <a:prstGeom prst="rect">
+            <a:avLst/>
+          </a:prstGeom>
+          <a:noFill/>
+          <a:ln>
+            <a:solidFill>
+              <a:schemeClr val="tx1"/>
+            </a:solidFill>
+          </a:ln>
+        </p:spPr>
+        <p:txBody>
+          <a:bodyPr wrap="square" rtlCol="0">
+            <a:spAutoFit/>
+          </a:bodyPr>
+          <a:lstStyle/>
+          <a:p>
+            <a:pPr marL="285750" indent="-285750">
+              <a:buFont typeface="Wingdings" panose="05000000000000000000" pitchFamily="2" charset="2"/>
+              <a:buChar char="q"/>
+            </a:pPr>
+            <a:r>
+              <a:rPr lang="es-ES"/>
+              <a:t>Presentación</a:t>
+            </a:r>
+          </a:p>
+          <a:p>
+            <a:pPr marL="285750" indent="-285750">
+              <a:buFont typeface="Wingdings" panose="05000000000000000000" pitchFamily="2" charset="2"/>
+              <a:buChar char="q"/>
+            </a:pPr>
+            <a:r>
+              <a:rPr lang="es-ES"/>
+              <a:t>Objetivos</a:t>
+            </a:r>
+          </a:p>
+          <a:p>
+            <a:pPr marL="285750" indent="-285750">
+              <a:buFont typeface="Wingdings" panose="05000000000000000000" pitchFamily="2" charset="2"/>
+              <a:buChar char="q"/>
+            </a:pPr>
+            <a:r>
+              <a:rPr lang="es-ES"/>
+              <a:t>Funcionalidades</a:t>
+            </a:r>
+          </a:p>
+          <a:p>
+            <a:pPr marL="285750" indent="-285750">
+              <a:buFont typeface="Wingdings" panose="05000000000000000000" pitchFamily="2" charset="2"/>
+              <a:buChar char="q"/>
+            </a:pPr>
+            <a:r>
+              <a:rPr lang="es-ES" b="1"/>
+              <a:t>Demostración</a:t>
+            </a:r>
+            <a:endParaRPr lang="es-ES"/>
+          </a:p>
+          <a:p>
+            <a:pPr marL="285750" indent="-285750">
+              <a:buFont typeface="Wingdings" panose="05000000000000000000" pitchFamily="2" charset="2"/>
+              <a:buChar char="q"/>
+            </a:pPr>
+            <a:r>
+              <a:rPr lang="es-ES"/>
+              <a:t>Aspectos</a:t>
+            </a:r>
+          </a:p>
+          <a:p>
+            <a:pPr marL="285750" indent="-285750">
+              <a:buFont typeface="Wingdings" panose="05000000000000000000" pitchFamily="2" charset="2"/>
+              <a:buChar char="q"/>
+            </a:pPr>
+            <a:r>
+              <a:rPr lang="es-ES"/>
+              <a:t>Conclusiones</a:t>
+            </a:r>
+          </a:p>
+          <a:p>
+            <a:endParaRPr lang="es-ES" dirty="0"/>
+          </a:p>
+        </p:txBody>
+      </p:sp>
+      <p:pic>
+        <p:nvPicPr>
+          <p:cNvPr id="8" name="Marcador de contenido 3">
+            <a:extLst>
+              <a:ext uri="{FF2B5EF4-FFF2-40B4-BE49-F238E27FC236}">
+                <a16:creationId xmlns:a16="http://schemas.microsoft.com/office/drawing/2014/main" id="{D19492BC-3457-424B-849E-647EDF22A106}"/>
+              </a:ext>
+            </a:extLst>
+          </p:cNvPr>
+          <p:cNvPicPr>
+            <a:picLocks noGrp="1" noChangeAspect="1"/>
+          </p:cNvPicPr>
+          <p:nvPr>
+            <p:ph idx="1"/>
+          </p:nvPr>
+        </p:nvPicPr>
+        <p:blipFill>
+          <a:blip r:embed="rId2"/>
+          <a:stretch>
+            <a:fillRect/>
+          </a:stretch>
+        </p:blipFill>
+        <p:spPr>
+          <a:xfrm>
+            <a:off x="2357687" y="1900490"/>
+            <a:ext cx="9698409" cy="3874667"/>
+          </a:xfrm>
+          <a:prstGeom prst="rect">
+            <a:avLst/>
+          </a:prstGeom>
+        </p:spPr>
+      </p:pic>
+      <p:sp>
+        <p:nvSpPr>
+          <p:cNvPr id="11" name="Título 1">
+            <a:extLst>
+              <a:ext uri="{FF2B5EF4-FFF2-40B4-BE49-F238E27FC236}">
+                <a16:creationId xmlns:a16="http://schemas.microsoft.com/office/drawing/2014/main" id="{01ABD189-6D78-494B-B880-A499B0B2B099}"/>
+              </a:ext>
+            </a:extLst>
+          </p:cNvPr>
+          <p:cNvSpPr>
+            <a:spLocks noGrp="1"/>
+          </p:cNvSpPr>
+          <p:nvPr>
+            <p:ph type="title"/>
+          </p:nvPr>
+        </p:nvSpPr>
+        <p:spPr>
+          <a:xfrm>
+            <a:off x="746620" y="913721"/>
+            <a:ext cx="9821411" cy="1499616"/>
+          </a:xfrm>
+        </p:spPr>
+        <p:txBody>
+          <a:bodyPr>
+            <a:normAutofit/>
+          </a:bodyPr>
+          <a:lstStyle/>
+          <a:p>
+            <a:r>
+              <a:rPr lang="es-ES" altLang="es-ES" sz="4400" dirty="0">
+                <a:latin typeface="Arial" panose="020B0604020202020204" pitchFamily="34" charset="0"/>
+              </a:rPr>
+              <a:t>Tarjetas de embarque</a:t>
+            </a:r>
+            <a:br>
+              <a:rPr lang="es-ES" altLang="es-ES" sz="4400" dirty="0">
+                <a:latin typeface="Arial" panose="020B0604020202020204" pitchFamily="34" charset="0"/>
+              </a:rPr>
+            </a:br>
+            <a:endParaRPr lang="es-ES" dirty="0"/>
+          </a:p>
+        </p:txBody>
+      </p:sp>
+    </p:spTree>
+    <p:extLst>
+      <p:ext uri="{BB962C8B-B14F-4D97-AF65-F5344CB8AC3E}">
+        <p14:creationId xmlns:p14="http://schemas.microsoft.com/office/powerpoint/2010/main" val="3286443158"/>
+      </p:ext>
+    </p:extLst>
+  </p:cSld>
+  <p:clrMapOvr>
+    <a:masterClrMapping/>
+  </p:clrMapOvr>
+</p:sld>
+</file>
+
+<file path=ppt/slides/slide17.xml><?xml version="1.0" encoding="utf-8"?>
+<p:sld xmlns:a="http://schemas.openxmlformats.org/drawingml/2006/main" xmlns:r="http://schemas.openxmlformats.org/officeDocument/2006/relationships" xmlns:p="http://schemas.openxmlformats.org/presentationml/2006/main">
+  <p:cSld>
+    <p:spTree>
+      <p:nvGrpSpPr>
+        <p:cNvPr id="1" name=""/>
+        <p:cNvGrpSpPr/>
+        <p:nvPr/>
+      </p:nvGrpSpPr>
+      <p:grpSpPr>
+        <a:xfrm>
+          <a:off x="0" y="0"/>
+          <a:ext cx="0" cy="0"/>
+          <a:chOff x="0" y="0"/>
+          <a:chExt cx="0" cy="0"/>
+        </a:xfrm>
+      </p:grpSpPr>
+      <p:sp>
+        <p:nvSpPr>
+          <p:cNvPr id="2" name="Título 1">
+            <a:extLst>
+              <a:ext uri="{FF2B5EF4-FFF2-40B4-BE49-F238E27FC236}">
+                <a16:creationId xmlns:a16="http://schemas.microsoft.com/office/drawing/2014/main" id="{AC7DBC01-8ECE-41C5-8E3F-384133D4DA41}"/>
+              </a:ext>
+            </a:extLst>
+          </p:cNvPr>
+          <p:cNvSpPr>
+            <a:spLocks noGrp="1"/>
+          </p:cNvSpPr>
+          <p:nvPr>
+            <p:ph type="title"/>
+          </p:nvPr>
+        </p:nvSpPr>
+        <p:spPr/>
+        <p:txBody>
+          <a:bodyPr/>
+          <a:lstStyle/>
+          <a:p>
+            <a:r>
+              <a:rPr lang="es-ES" sz="4400" dirty="0"/>
+              <a:t>Aspectos a resaltar:</a:t>
+            </a:r>
+            <a:endParaRPr lang="es-ES" dirty="0"/>
+          </a:p>
+        </p:txBody>
+      </p:sp>
+      <p:sp>
+        <p:nvSpPr>
+          <p:cNvPr id="3" name="Marcador de contenido 2">
+            <a:extLst>
+              <a:ext uri="{FF2B5EF4-FFF2-40B4-BE49-F238E27FC236}">
+                <a16:creationId xmlns:a16="http://schemas.microsoft.com/office/drawing/2014/main" id="{4385F995-2760-4091-A3CB-24ACD965BE59}"/>
+              </a:ext>
+            </a:extLst>
+          </p:cNvPr>
+          <p:cNvSpPr>
+            <a:spLocks noGrp="1"/>
+          </p:cNvSpPr>
+          <p:nvPr>
+            <p:ph idx="1"/>
+          </p:nvPr>
+        </p:nvSpPr>
+        <p:spPr>
+          <a:xfrm>
+            <a:off x="2189991" y="1853248"/>
+            <a:ext cx="8946541" cy="4195481"/>
+          </a:xfrm>
+        </p:spPr>
+        <p:txBody>
+          <a:bodyPr>
+            <a:normAutofit/>
+          </a:bodyPr>
+          <a:lstStyle/>
+          <a:p>
+            <a:r>
+              <a:rPr lang="es-ES" dirty="0"/>
+              <a:t>Uso de </a:t>
+            </a:r>
+            <a:r>
+              <a:rPr lang="es-ES" dirty="0" err="1"/>
+              <a:t>session</a:t>
+            </a:r>
+            <a:r>
+              <a:rPr lang="es-ES" dirty="0"/>
+              <a:t>.</a:t>
+            </a:r>
+          </a:p>
+          <a:p>
+            <a:pPr marL="0" indent="0">
+              <a:buNone/>
+            </a:pPr>
+            <a:endParaRPr lang="es-ES" dirty="0"/>
+          </a:p>
+          <a:p>
+            <a:r>
+              <a:rPr lang="es-ES" dirty="0"/>
+              <a:t>Uso de </a:t>
+            </a:r>
+            <a:r>
+              <a:rPr lang="es-ES" dirty="0" err="1"/>
+              <a:t>trello</a:t>
+            </a:r>
+            <a:r>
+              <a:rPr lang="es-ES" dirty="0"/>
+              <a:t>.</a:t>
+            </a:r>
+          </a:p>
+          <a:p>
+            <a:endParaRPr lang="es-ES" dirty="0"/>
+          </a:p>
+          <a:p>
+            <a:r>
+              <a:rPr lang="es-ES" dirty="0"/>
+              <a:t>Control de versiones:</a:t>
+            </a:r>
+          </a:p>
+          <a:p>
+            <a:pPr lvl="1"/>
+            <a:r>
+              <a:rPr lang="es-ES" dirty="0"/>
+              <a:t>La tradicional: por comandos.</a:t>
+            </a:r>
+          </a:p>
+          <a:p>
+            <a:pPr lvl="1"/>
+            <a:r>
+              <a:rPr lang="es-ES" dirty="0"/>
+              <a:t>La que nos ofrece VSC(Visual Studio </a:t>
+            </a:r>
+            <a:r>
+              <a:rPr lang="es-ES" dirty="0" err="1"/>
+              <a:t>Code</a:t>
+            </a:r>
+            <a:r>
+              <a:rPr lang="es-ES" dirty="0"/>
+              <a:t>).//Poner foto</a:t>
+            </a:r>
+          </a:p>
+          <a:p>
+            <a:endParaRPr lang="es-ES" dirty="0"/>
+          </a:p>
+          <a:p>
+            <a:r>
+              <a:rPr lang="es-ES" dirty="0"/>
+              <a:t>Metodologías de organización.</a:t>
+            </a:r>
+          </a:p>
+        </p:txBody>
+      </p:sp>
+      <p:sp>
+        <p:nvSpPr>
+          <p:cNvPr id="5" name="CuadroTexto 4">
+            <a:extLst>
+              <a:ext uri="{FF2B5EF4-FFF2-40B4-BE49-F238E27FC236}">
+                <a16:creationId xmlns:a16="http://schemas.microsoft.com/office/drawing/2014/main" id="{C68EC0AD-0AEE-4F4E-AEE1-28A128CF2A1A}"/>
+              </a:ext>
+            </a:extLst>
+          </p:cNvPr>
+          <p:cNvSpPr txBox="1"/>
+          <p:nvPr/>
+        </p:nvSpPr>
+        <p:spPr>
+          <a:xfrm>
+            <a:off x="135904" y="2413337"/>
+            <a:ext cx="2054087" cy="2031325"/>
+          </a:xfrm>
+          <a:prstGeom prst="rect">
+            <a:avLst/>
+          </a:prstGeom>
+          <a:noFill/>
+          <a:ln>
+            <a:solidFill>
+              <a:schemeClr val="tx1"/>
+            </a:solidFill>
+          </a:ln>
+        </p:spPr>
+        <p:txBody>
+          <a:bodyPr wrap="square" rtlCol="0">
+            <a:spAutoFit/>
+          </a:bodyPr>
+          <a:lstStyle/>
+          <a:p>
+            <a:pPr marL="285750" indent="-285750">
+              <a:buFont typeface="Wingdings" panose="05000000000000000000" pitchFamily="2" charset="2"/>
+              <a:buChar char="q"/>
+            </a:pPr>
+            <a:r>
               <a:rPr lang="es-ES" dirty="0"/>
               <a:t>Presentación</a:t>
             </a:r>
@@ -4384,7 +5533,7 @@
 </p:sld>
 </file>
 
-<file path=ppt/slides/slide12.xml><?xml version="1.0" encoding="utf-8"?>
+<file path=ppt/slides/slide18.xml><?xml version="1.0" encoding="utf-8"?>
 <p:sld xmlns:a="http://schemas.openxmlformats.org/drawingml/2006/main" xmlns:r="http://schemas.openxmlformats.org/officeDocument/2006/relationships" xmlns:p="http://schemas.openxmlformats.org/presentationml/2006/main">
   <p:cSld>
     <p:spTree>
@@ -4795,7 +5944,7 @@
         </p:nvSpPr>
         <p:spPr>
           <a:xfrm>
-            <a:off x="2189991" y="2052919"/>
+            <a:off x="2844332" y="2077303"/>
             <a:ext cx="8946541" cy="4195481"/>
           </a:xfrm>
         </p:spPr>
@@ -4838,7 +5987,7 @@
             </a:r>
             <a:r>
               <a:rPr lang="es-ES" dirty="0" err="1"/>
-              <a:t>Panagitidis</a:t>
+              <a:t>Panagiotidis</a:t>
             </a:r>
             <a:r>
               <a:rPr lang="es-ES" dirty="0"/>

--- a/AIRDSS.pptx
+++ b/AIRDSS.pptx
@@ -240,7 +240,7 @@
           <a:p>
             <a:fld id="{7CBE0798-1B1E-4591-B339-08EF5FF535C4}" type="datetimeFigureOut">
               <a:rPr lang="es-ES" smtClean="0"/>
-              <a:t>07/04/2019</a:t>
+              <a:t>08/04/2019</a:t>
             </a:fld>
             <a:endParaRPr lang="es-ES"/>
           </a:p>
@@ -697,7 +697,7 @@
           <a:p>
             <a:fld id="{4AAD347D-5ACD-4C99-B74B-A9C85AD731AF}" type="datetimeFigureOut">
               <a:rPr lang="en-US" smtClean="0"/>
-              <a:t>4/7/2019</a:t>
+              <a:t>4/8/2019</a:t>
             </a:fld>
             <a:endParaRPr lang="en-US" dirty="0"/>
           </a:p>
@@ -902,7 +902,7 @@
           <a:p>
             <a:fld id="{4509A250-FF31-4206-8172-F9D3106AACB1}" type="datetimeFigureOut">
               <a:rPr lang="en-US" smtClean="0"/>
-              <a:t>4/7/2019</a:t>
+              <a:t>4/8/2019</a:t>
             </a:fld>
             <a:endParaRPr lang="en-US" dirty="0"/>
           </a:p>
@@ -1082,7 +1082,7 @@
           <a:p>
             <a:fld id="{4509A250-FF31-4206-8172-F9D3106AACB1}" type="datetimeFigureOut">
               <a:rPr lang="en-US" smtClean="0"/>
-              <a:t>4/7/2019</a:t>
+              <a:t>4/8/2019</a:t>
             </a:fld>
             <a:endParaRPr lang="en-US" dirty="0"/>
           </a:p>
@@ -1287,7 +1287,7 @@
           <a:p>
             <a:fld id="{4509A250-FF31-4206-8172-F9D3106AACB1}" type="datetimeFigureOut">
               <a:rPr lang="en-US" smtClean="0"/>
-              <a:t>4/7/2019</a:t>
+              <a:t>4/8/2019</a:t>
             </a:fld>
             <a:endParaRPr lang="en-US" dirty="0"/>
           </a:p>
@@ -1582,7 +1582,7 @@
           <a:p>
             <a:fld id="{9796027F-7875-4030-9381-8BD8C4F21935}" type="datetimeFigureOut">
               <a:rPr lang="en-US" smtClean="0"/>
-              <a:t>4/7/2019</a:t>
+              <a:t>4/8/2019</a:t>
             </a:fld>
             <a:endParaRPr lang="en-US" dirty="0"/>
           </a:p>
@@ -1854,7 +1854,7 @@
           <a:p>
             <a:fld id="{9796027F-7875-4030-9381-8BD8C4F21935}" type="datetimeFigureOut">
               <a:rPr lang="en-US" smtClean="0"/>
-              <a:t>4/7/2019</a:t>
+              <a:t>4/8/2019</a:t>
             </a:fld>
             <a:endParaRPr lang="en-US" dirty="0"/>
           </a:p>
@@ -2261,7 +2261,7 @@
           <a:p>
             <a:fld id="{9796027F-7875-4030-9381-8BD8C4F21935}" type="datetimeFigureOut">
               <a:rPr lang="en-US" smtClean="0"/>
-              <a:t>4/7/2019</a:t>
+              <a:t>4/8/2019</a:t>
             </a:fld>
             <a:endParaRPr lang="en-US" dirty="0"/>
           </a:p>
@@ -2379,7 +2379,7 @@
           <a:p>
             <a:fld id="{4509A250-FF31-4206-8172-F9D3106AACB1}" type="datetimeFigureOut">
               <a:rPr lang="en-US" smtClean="0"/>
-              <a:t>4/7/2019</a:t>
+              <a:t>4/8/2019</a:t>
             </a:fld>
             <a:endParaRPr lang="en-US" dirty="0"/>
           </a:p>
@@ -2474,7 +2474,7 @@
           <a:p>
             <a:fld id="{4509A250-FF31-4206-8172-F9D3106AACB1}" type="datetimeFigureOut">
               <a:rPr lang="en-US" smtClean="0"/>
-              <a:t>4/7/2019</a:t>
+              <a:t>4/8/2019</a:t>
             </a:fld>
             <a:endParaRPr lang="en-US" dirty="0"/>
           </a:p>
@@ -2764,7 +2764,7 @@
           <a:p>
             <a:fld id="{4509A250-FF31-4206-8172-F9D3106AACB1}" type="datetimeFigureOut">
               <a:rPr lang="en-US" smtClean="0"/>
-              <a:t>4/7/2019</a:t>
+              <a:t>4/8/2019</a:t>
             </a:fld>
             <a:endParaRPr lang="en-US" dirty="0"/>
           </a:p>
@@ -3044,7 +3044,7 @@
           <a:p>
             <a:fld id="{4509A250-FF31-4206-8172-F9D3106AACB1}" type="datetimeFigureOut">
               <a:rPr lang="en-US" smtClean="0"/>
-              <a:t>4/7/2019</a:t>
+              <a:t>4/8/2019</a:t>
             </a:fld>
             <a:endParaRPr lang="en-US" dirty="0"/>
           </a:p>
@@ -3294,7 +3294,7 @@
           <a:p>
             <a:fld id="{4AAD347D-5ACD-4C99-B74B-A9C85AD731AF}" type="datetimeFigureOut">
               <a:rPr lang="en-US" smtClean="0"/>
-              <a:t>4/7/2019</a:t>
+              <a:t>4/8/2019</a:t>
             </a:fld>
             <a:endParaRPr lang="en-US" dirty="0"/>
           </a:p>
@@ -5490,18 +5490,17 @@
               <a:buChar char="q"/>
             </a:pPr>
             <a:r>
+              <a:rPr lang="es-ES" dirty="0"/>
+              <a:t>Demostración</a:t>
+            </a:r>
+          </a:p>
+          <a:p>
+            <a:pPr marL="285750" indent="-285750">
+              <a:buFont typeface="Wingdings" panose="05000000000000000000" pitchFamily="2" charset="2"/>
+              <a:buChar char="q"/>
+            </a:pPr>
+            <a:r>
               <a:rPr lang="es-ES" b="1" dirty="0"/>
-              <a:t>Demostración</a:t>
-            </a:r>
-            <a:endParaRPr lang="es-ES" dirty="0"/>
-          </a:p>
-          <a:p>
-            <a:pPr marL="285750" indent="-285750">
-              <a:buFont typeface="Wingdings" panose="05000000000000000000" pitchFamily="2" charset="2"/>
-              <a:buChar char="q"/>
-            </a:pPr>
-            <a:r>
-              <a:rPr lang="es-ES" dirty="0"/>
               <a:t>Aspectos</a:t>
             </a:r>
           </a:p>
@@ -5679,28 +5678,27 @@
               <a:buChar char="q"/>
             </a:pPr>
             <a:r>
+              <a:rPr lang="es-ES" dirty="0"/>
+              <a:t>Demostración</a:t>
+            </a:r>
+          </a:p>
+          <a:p>
+            <a:pPr marL="285750" indent="-285750">
+              <a:buFont typeface="Wingdings" panose="05000000000000000000" pitchFamily="2" charset="2"/>
+              <a:buChar char="q"/>
+            </a:pPr>
+            <a:r>
+              <a:rPr lang="es-ES" dirty="0"/>
+              <a:t>Aspectos</a:t>
+            </a:r>
+          </a:p>
+          <a:p>
+            <a:pPr marL="285750" indent="-285750">
+              <a:buFont typeface="Wingdings" panose="05000000000000000000" pitchFamily="2" charset="2"/>
+              <a:buChar char="q"/>
+            </a:pPr>
+            <a:r>
               <a:rPr lang="es-ES" b="1" dirty="0"/>
-              <a:t>Demostración</a:t>
-            </a:r>
-            <a:endParaRPr lang="es-ES" dirty="0"/>
-          </a:p>
-          <a:p>
-            <a:pPr marL="285750" indent="-285750">
-              <a:buFont typeface="Wingdings" panose="05000000000000000000" pitchFamily="2" charset="2"/>
-              <a:buChar char="q"/>
-            </a:pPr>
-            <a:r>
-              <a:rPr lang="es-ES" dirty="0"/>
-              <a:t>Aspectos</a:t>
-            </a:r>
-          </a:p>
-          <a:p>
-            <a:pPr marL="285750" indent="-285750">
-              <a:buFont typeface="Wingdings" panose="05000000000000000000" pitchFamily="2" charset="2"/>
-              <a:buChar char="q"/>
-            </a:pPr>
-            <a:r>
-              <a:rPr lang="es-ES" dirty="0"/>
               <a:t>Conclusiones</a:t>
             </a:r>
           </a:p>

--- a/AIRDSS.pptx
+++ b/AIRDSS.pptx
@@ -1,34 +1,34 @@
 
 <file path=ppt/presentation.xml><?xml version="1.0" encoding="utf-8"?>
-<p:presentation xmlns:a="http://schemas.openxmlformats.org/drawingml/2006/main" xmlns:r="http://schemas.openxmlformats.org/officeDocument/2006/relationships" xmlns:p="http://schemas.openxmlformats.org/presentationml/2006/main" xmlns:m="http://schemas.openxmlformats.org/officeDocument/2006/math" xmlns:a14="http://schemas.microsoft.com/office/drawing/2010/main">
+<p:presentation xmlns:a="http://schemas.openxmlformats.org/drawingml/2006/main" xmlns:r="http://schemas.openxmlformats.org/officeDocument/2006/relationships" xmlns:p="http://schemas.openxmlformats.org/presentationml/2006/main">
   <p:sldMasterIdLst>
-    <p:sldMasterId id="2147483648" r:id="rId5"/>
+    <p:sldMasterId id="2147483648" r:id="rId1"/>
   </p:sldMasterIdLst>
   <p:notesMasterIdLst>
-    <p:notesMasterId r:id="rId7"/>
+    <p:notesMasterId r:id="rId23"/>
   </p:notesMasterIdLst>
   <p:sldIdLst>
-    <p:sldId id="256" r:id="rId8"/>
-    <p:sldId id="257" r:id="rId9"/>
-    <p:sldId id="258" r:id="rId10"/>
-    <p:sldId id="259" r:id="rId11"/>
-    <p:sldId id="260" r:id="rId12"/>
-    <p:sldId id="261" r:id="rId13"/>
-    <p:sldId id="262" r:id="rId14"/>
-    <p:sldId id="263" r:id="rId15"/>
-    <p:sldId id="264" r:id="rId16"/>
-    <p:sldId id="265" r:id="rId17"/>
-    <p:sldId id="266" r:id="rId18"/>
-    <p:sldId id="267" r:id="rId19"/>
-    <p:sldId id="268" r:id="rId20"/>
-    <p:sldId id="269" r:id="rId21"/>
-    <p:sldId id="270" r:id="rId22"/>
-    <p:sldId id="271" r:id="rId23"/>
-    <p:sldId id="272" r:id="rId24"/>
-    <p:sldId id="273" r:id="rId25"/>
-    <p:sldId id="274" r:id="rId26"/>
-    <p:sldId id="275" r:id="rId27"/>
-    <p:sldId id="276" r:id="rId28"/>
+    <p:sldId id="256" r:id="rId2"/>
+    <p:sldId id="257" r:id="rId3"/>
+    <p:sldId id="258" r:id="rId4"/>
+    <p:sldId id="259" r:id="rId5"/>
+    <p:sldId id="260" r:id="rId6"/>
+    <p:sldId id="261" r:id="rId7"/>
+    <p:sldId id="262" r:id="rId8"/>
+    <p:sldId id="263" r:id="rId9"/>
+    <p:sldId id="264" r:id="rId10"/>
+    <p:sldId id="265" r:id="rId11"/>
+    <p:sldId id="266" r:id="rId12"/>
+    <p:sldId id="267" r:id="rId13"/>
+    <p:sldId id="268" r:id="rId14"/>
+    <p:sldId id="269" r:id="rId15"/>
+    <p:sldId id="270" r:id="rId16"/>
+    <p:sldId id="271" r:id="rId17"/>
+    <p:sldId id="272" r:id="rId18"/>
+    <p:sldId id="273" r:id="rId19"/>
+    <p:sldId id="274" r:id="rId20"/>
+    <p:sldId id="275" r:id="rId21"/>
+    <p:sldId id="276" r:id="rId22"/>
   </p:sldIdLst>
   <p:sldSz cx="12192000" cy="6858000"/>
   <p:notesSz cx="6858000" cy="9144000"/>
@@ -48,7 +48,7 @@
       <a:buFontTx/>
       <a:buNone/>
       <a:tabLst/>
-      <a:defRPr b="0" baseline="0" cap="none" i="0" spc="0" strike="noStrike" sz="1800" u="none" kumimoji="0" normalizeH="0">
+      <a:defRPr kumimoji="0" sz="1800" b="0" i="0" u="none" strike="noStrike" cap="none" spc="0" normalizeH="0" baseline="0">
         <a:ln>
           <a:noFill/>
         </a:ln>
@@ -74,7 +74,7 @@
       <a:buFontTx/>
       <a:buNone/>
       <a:tabLst/>
-      <a:defRPr b="0" baseline="0" cap="none" i="0" spc="0" strike="noStrike" sz="1800" u="none" kumimoji="0" normalizeH="0">
+      <a:defRPr kumimoji="0" sz="1800" b="0" i="0" u="none" strike="noStrike" cap="none" spc="0" normalizeH="0" baseline="0">
         <a:ln>
           <a:noFill/>
         </a:ln>
@@ -104,7 +104,7 @@
       <a:buFontTx/>
       <a:buNone/>
       <a:tabLst/>
-      <a:defRPr b="0" baseline="0" cap="none" i="0" spc="0" strike="noStrike" sz="1800" u="none" kumimoji="0" normalizeH="0">
+      <a:defRPr kumimoji="0" sz="1800" b="0" i="0" u="none" strike="noStrike" cap="none" spc="0" normalizeH="0" baseline="0">
         <a:ln>
           <a:noFill/>
         </a:ln>
@@ -134,7 +134,7 @@
       <a:buFontTx/>
       <a:buNone/>
       <a:tabLst/>
-      <a:defRPr b="0" baseline="0" cap="none" i="0" spc="0" strike="noStrike" sz="1800" u="none" kumimoji="0" normalizeH="0">
+      <a:defRPr kumimoji="0" sz="1800" b="0" i="0" u="none" strike="noStrike" cap="none" spc="0" normalizeH="0" baseline="0">
         <a:ln>
           <a:noFill/>
         </a:ln>
@@ -164,7 +164,7 @@
       <a:buFontTx/>
       <a:buNone/>
       <a:tabLst/>
-      <a:defRPr b="0" baseline="0" cap="none" i="0" spc="0" strike="noStrike" sz="1800" u="none" kumimoji="0" normalizeH="0">
+      <a:defRPr kumimoji="0" sz="1800" b="0" i="0" u="none" strike="noStrike" cap="none" spc="0" normalizeH="0" baseline="0">
         <a:ln>
           <a:noFill/>
         </a:ln>
@@ -194,7 +194,7 @@
       <a:buFontTx/>
       <a:buNone/>
       <a:tabLst/>
-      <a:defRPr b="0" baseline="0" cap="none" i="0" spc="0" strike="noStrike" sz="1800" u="none" kumimoji="0" normalizeH="0">
+      <a:defRPr kumimoji="0" sz="1800" b="0" i="0" u="none" strike="noStrike" cap="none" spc="0" normalizeH="0" baseline="0">
         <a:ln>
           <a:noFill/>
         </a:ln>
@@ -224,7 +224,7 @@
       <a:buFontTx/>
       <a:buNone/>
       <a:tabLst/>
-      <a:defRPr b="0" baseline="0" cap="none" i="0" spc="0" strike="noStrike" sz="1800" u="none" kumimoji="0" normalizeH="0">
+      <a:defRPr kumimoji="0" sz="1800" b="0" i="0" u="none" strike="noStrike" cap="none" spc="0" normalizeH="0" baseline="0">
         <a:ln>
           <a:noFill/>
         </a:ln>
@@ -254,7 +254,7 @@
       <a:buFontTx/>
       <a:buNone/>
       <a:tabLst/>
-      <a:defRPr b="0" baseline="0" cap="none" i="0" spc="0" strike="noStrike" sz="1800" u="none" kumimoji="0" normalizeH="0">
+      <a:defRPr kumimoji="0" sz="1800" b="0" i="0" u="none" strike="noStrike" cap="none" spc="0" normalizeH="0" baseline="0">
         <a:ln>
           <a:noFill/>
         </a:ln>
@@ -284,7 +284,7 @@
       <a:buFontTx/>
       <a:buNone/>
       <a:tabLst/>
-      <a:defRPr b="0" baseline="0" cap="none" i="0" spc="0" strike="noStrike" sz="1800" u="none" kumimoji="0" normalizeH="0">
+      <a:defRPr kumimoji="0" sz="1800" b="0" i="0" u="none" strike="noStrike" cap="none" spc="0" normalizeH="0" baseline="0">
         <a:ln>
           <a:noFill/>
         </a:ln>
@@ -314,7 +314,7 @@
       <a:buFontTx/>
       <a:buNone/>
       <a:tabLst/>
-      <a:defRPr b="0" baseline="0" cap="none" i="0" spc="0" strike="noStrike" sz="1800" u="none" kumimoji="0" normalizeH="0">
+      <a:defRPr kumimoji="0" sz="1800" b="0" i="0" u="none" strike="noStrike" cap="none" spc="0" normalizeH="0" baseline="0">
         <a:ln>
           <a:noFill/>
         </a:ln>
@@ -333,13 +333,14 @@
 </p:presentation>
 </file>
 
-<file path=ppt/commentAuthors.xml><?xml version="1.0" encoding="utf-8"?>
-<p:cmAuthorLst xmlns:a="http://schemas.openxmlformats.org/drawingml/2006/main" xmlns:r="http://schemas.openxmlformats.org/officeDocument/2006/relationships" xmlns:p="http://schemas.openxmlformats.org/presentationml/2006/main" xmlns:m="http://schemas.openxmlformats.org/officeDocument/2006/math" xmlns:a14="http://schemas.microsoft.com/office/drawing/2010/main"/>
-</file>
-
 <file path=ppt/notesMasters/notesMaster1.xml><?xml version="1.0" encoding="utf-8"?>
-<p:notesMaster xmlns:a="http://schemas.openxmlformats.org/drawingml/2006/main" xmlns:r="http://schemas.openxmlformats.org/officeDocument/2006/relationships" xmlns:p="http://schemas.openxmlformats.org/presentationml/2006/main" xmlns:m="http://schemas.openxmlformats.org/officeDocument/2006/math" xmlns:a14="http://schemas.microsoft.com/office/drawing/2010/main">
+<p:notesMaster xmlns:a="http://schemas.openxmlformats.org/drawingml/2006/main" xmlns:r="http://schemas.openxmlformats.org/officeDocument/2006/relationships" xmlns:p="http://schemas.openxmlformats.org/presentationml/2006/main">
   <p:cSld>
+    <p:bg>
+      <p:bgRef idx="1001">
+        <a:schemeClr val="bg1"/>
+      </p:bgRef>
+    </p:bg>
     <p:spTree>
       <p:nvGrpSpPr>
         <p:cNvPr id="1" name=""/>
@@ -357,7 +358,9 @@
       <p:sp>
         <p:nvSpPr>
           <p:cNvPr id="101" name="Shape 101"/>
-          <p:cNvSpPr/>
+          <p:cNvSpPr>
+            <a:spLocks noGrp="1" noRot="1" noChangeAspect="1"/>
+          </p:cNvSpPr>
           <p:nvPr>
             <p:ph type="sldImg"/>
           </p:nvPr>
@@ -375,14 +378,16 @@
           <a:bodyPr/>
           <a:lstStyle/>
           <a:p>
-            <a:pPr/>
+            <a:endParaRPr/>
           </a:p>
         </p:txBody>
       </p:sp>
       <p:sp>
         <p:nvSpPr>
           <p:cNvPr id="102" name="Shape 102"/>
-          <p:cNvSpPr/>
+          <p:cNvSpPr>
+            <a:spLocks noGrp="1"/>
+          </p:cNvSpPr>
           <p:nvPr>
             <p:ph type="body" sz="quarter" idx="1"/>
           </p:nvPr>
@@ -400,7 +405,7 @@
           <a:bodyPr/>
           <a:lstStyle/>
           <a:p>
-            <a:pPr/>
+            <a:endParaRPr/>
           </a:p>
         </p:txBody>
       </p:sp>
@@ -485,7 +490,7 @@
 </file>
 
 <file path=ppt/slideLayouts/slideLayout1.xml><?xml version="1.0" encoding="utf-8"?>
-<p:sldLayout xmlns:a="http://schemas.openxmlformats.org/drawingml/2006/main" xmlns:r="http://schemas.openxmlformats.org/officeDocument/2006/relationships" xmlns:p="http://schemas.openxmlformats.org/presentationml/2006/main" xmlns:m="http://schemas.openxmlformats.org/officeDocument/2006/math" xmlns:a14="http://schemas.microsoft.com/office/drawing/2010/main" type="title" showMasterSp="1" showMasterPhAnim="1">
+<p:sldLayout xmlns:a="http://schemas.openxmlformats.org/drawingml/2006/main" xmlns:r="http://schemas.openxmlformats.org/officeDocument/2006/relationships" xmlns:p="http://schemas.openxmlformats.org/presentationml/2006/main" type="title">
   <p:cSld name="Diapositiva de título">
     <p:spTree>
       <p:nvGrpSpPr>
@@ -526,14 +531,16 @@
           <a:bodyPr lIns="45719" rIns="45719"/>
           <a:lstStyle/>
           <a:p>
-            <a:pPr/>
+            <a:endParaRPr/>
           </a:p>
         </p:txBody>
       </p:sp>
       <p:sp>
         <p:nvSpPr>
           <p:cNvPr id="12" name="Texto del título"/>
-          <p:cNvSpPr txBox="1"/>
+          <p:cNvSpPr txBox="1">
+            <a:spLocks noGrp="1"/>
+          </p:cNvSpPr>
           <p:nvPr>
             <p:ph type="title"/>
           </p:nvPr>
@@ -555,7 +562,6 @@
             </a:lvl1pPr>
           </a:lstStyle>
           <a:p>
-            <a:pPr/>
             <a:r>
               <a:t>Texto del título</a:t>
             </a:r>
@@ -565,7 +571,9 @@
       <p:sp>
         <p:nvSpPr>
           <p:cNvPr id="13" name="Nivel de texto 1…"/>
-          <p:cNvSpPr txBox="1"/>
+          <p:cNvSpPr txBox="1">
+            <a:spLocks noGrp="1"/>
+          </p:cNvSpPr>
           <p:nvPr>
             <p:ph type="body" sz="quarter" idx="1"/>
           </p:nvPr>
@@ -669,7 +677,6 @@
             </a:lvl5pPr>
           </a:lstStyle>
           <a:p>
-            <a:pPr/>
             <a:r>
               <a:t>Nivel de texto 1</a:t>
             </a:r>
@@ -724,14 +731,16 @@
           <a:bodyPr lIns="45719" rIns="45719"/>
           <a:lstStyle/>
           <a:p>
-            <a:pPr/>
+            <a:endParaRPr/>
           </a:p>
         </p:txBody>
       </p:sp>
       <p:sp>
         <p:nvSpPr>
           <p:cNvPr id="15" name="Número de diapositiva"/>
-          <p:cNvSpPr txBox="1"/>
+          <p:cNvSpPr txBox="1">
+            <a:spLocks noGrp="1"/>
+          </p:cNvSpPr>
           <p:nvPr>
             <p:ph type="sldNum" sz="quarter" idx="2"/>
           </p:nvPr>
@@ -745,8 +754,10 @@
           <a:bodyPr/>
           <a:lstStyle/>
           <a:p>
-            <a:pPr/>
-            <a:fld id="{86CB4B4D-7CA3-9044-876B-883B54F8677D}" type="slidenum"/>
+            <a:fld id="{86CB4B4D-7CA3-9044-876B-883B54F8677D}" type="slidenum">
+              <a:t>‹Nº›</a:t>
+            </a:fld>
+            <a:endParaRPr/>
           </a:p>
         </p:txBody>
       </p:sp>
@@ -755,12 +766,12 @@
   <p:clrMapOvr>
     <a:masterClrMapping/>
   </p:clrMapOvr>
-  <p:transition xmlns:p14="http://schemas.microsoft.com/office/powerpoint/2010/main" spd="med" advClick="1"/>
+  <p:transition spd="med"/>
 </p:sldLayout>
 </file>
 
 <file path=ppt/slideLayouts/slideLayout2.xml><?xml version="1.0" encoding="utf-8"?>
-<p:sldLayout xmlns:a="http://schemas.openxmlformats.org/drawingml/2006/main" xmlns:r="http://schemas.openxmlformats.org/officeDocument/2006/relationships" xmlns:p="http://schemas.openxmlformats.org/presentationml/2006/main" xmlns:m="http://schemas.openxmlformats.org/officeDocument/2006/math" xmlns:a14="http://schemas.microsoft.com/office/drawing/2010/main" type="tx" showMasterSp="1" showMasterPhAnim="1">
+<p:sldLayout xmlns:a="http://schemas.openxmlformats.org/drawingml/2006/main" xmlns:r="http://schemas.openxmlformats.org/officeDocument/2006/relationships" xmlns:p="http://schemas.openxmlformats.org/presentationml/2006/main" type="tx">
   <p:cSld name="Título y objetos">
     <p:spTree>
       <p:nvGrpSpPr>
@@ -800,14 +811,16 @@
           <a:bodyPr lIns="45719" rIns="45719"/>
           <a:lstStyle/>
           <a:p>
-            <a:pPr/>
+            <a:endParaRPr/>
           </a:p>
         </p:txBody>
       </p:sp>
       <p:sp>
         <p:nvSpPr>
           <p:cNvPr id="23" name="Texto del título"/>
-          <p:cNvSpPr txBox="1"/>
+          <p:cNvSpPr txBox="1">
+            <a:spLocks noGrp="1"/>
+          </p:cNvSpPr>
           <p:nvPr>
             <p:ph type="title"/>
           </p:nvPr>
@@ -825,7 +838,6 @@
           <a:bodyPr/>
           <a:lstStyle/>
           <a:p>
-            <a:pPr/>
             <a:r>
               <a:t>Texto del título</a:t>
             </a:r>
@@ -835,7 +847,9 @@
       <p:sp>
         <p:nvSpPr>
           <p:cNvPr id="24" name="Nivel de texto 1…"/>
-          <p:cNvSpPr txBox="1"/>
+          <p:cNvSpPr txBox="1">
+            <a:spLocks noGrp="1"/>
+          </p:cNvSpPr>
           <p:nvPr>
             <p:ph type="body" idx="1"/>
           </p:nvPr>
@@ -853,7 +867,6 @@
           <a:bodyPr/>
           <a:lstStyle/>
           <a:p>
-            <a:pPr/>
             <a:r>
               <a:t>Nivel de texto 1</a:t>
             </a:r>
@@ -887,7 +900,9 @@
       <p:sp>
         <p:nvSpPr>
           <p:cNvPr id="25" name="Número de diapositiva"/>
-          <p:cNvSpPr txBox="1"/>
+          <p:cNvSpPr txBox="1">
+            <a:spLocks noGrp="1"/>
+          </p:cNvSpPr>
           <p:nvPr>
             <p:ph type="sldNum" sz="quarter" idx="2"/>
           </p:nvPr>
@@ -901,8 +916,10 @@
           <a:bodyPr/>
           <a:lstStyle/>
           <a:p>
-            <a:pPr/>
-            <a:fld id="{86CB4B4D-7CA3-9044-876B-883B54F8677D}" type="slidenum"/>
+            <a:fld id="{86CB4B4D-7CA3-9044-876B-883B54F8677D}" type="slidenum">
+              <a:t>‹Nº›</a:t>
+            </a:fld>
+            <a:endParaRPr/>
           </a:p>
         </p:txBody>
       </p:sp>
@@ -911,12 +928,12 @@
   <p:clrMapOvr>
     <a:masterClrMapping/>
   </p:clrMapOvr>
-  <p:transition xmlns:p14="http://schemas.microsoft.com/office/powerpoint/2010/main" spd="med" advClick="1"/>
+  <p:transition spd="med"/>
 </p:sldLayout>
 </file>
 
 <file path=ppt/slideLayouts/slideLayout3.xml><?xml version="1.0" encoding="utf-8"?>
-<p:sldLayout xmlns:a="http://schemas.openxmlformats.org/drawingml/2006/main" xmlns:r="http://schemas.openxmlformats.org/officeDocument/2006/relationships" xmlns:p="http://schemas.openxmlformats.org/presentationml/2006/main" xmlns:m="http://schemas.openxmlformats.org/officeDocument/2006/math" xmlns:a14="http://schemas.microsoft.com/office/drawing/2010/main" type="tx" showMasterSp="1" showMasterPhAnim="1">
+<p:sldLayout xmlns:a="http://schemas.openxmlformats.org/drawingml/2006/main" xmlns:r="http://schemas.openxmlformats.org/officeDocument/2006/relationships" xmlns:p="http://schemas.openxmlformats.org/presentationml/2006/main" type="tx">
   <p:cSld name="Encabezado de sección">
     <p:spTree>
       <p:nvGrpSpPr>
@@ -957,14 +974,16 @@
           <a:bodyPr lIns="45719" rIns="45719"/>
           <a:lstStyle/>
           <a:p>
-            <a:pPr/>
+            <a:endParaRPr/>
           </a:p>
         </p:txBody>
       </p:sp>
       <p:sp>
         <p:nvSpPr>
           <p:cNvPr id="33" name="Texto del título"/>
-          <p:cNvSpPr txBox="1"/>
+          <p:cNvSpPr txBox="1">
+            <a:spLocks noGrp="1"/>
+          </p:cNvSpPr>
           <p:nvPr>
             <p:ph type="title"/>
           </p:nvPr>
@@ -986,7 +1005,6 @@
             </a:lvl1pPr>
           </a:lstStyle>
           <a:p>
-            <a:pPr/>
             <a:r>
               <a:t>Texto del título</a:t>
             </a:r>
@@ -996,7 +1014,9 @@
       <p:sp>
         <p:nvSpPr>
           <p:cNvPr id="34" name="Nivel de texto 1…"/>
-          <p:cNvSpPr txBox="1"/>
+          <p:cNvSpPr txBox="1">
+            <a:spLocks noGrp="1"/>
+          </p:cNvSpPr>
           <p:nvPr>
             <p:ph type="body" sz="quarter" idx="1"/>
           </p:nvPr>
@@ -1100,7 +1120,6 @@
             </a:lvl5pPr>
           </a:lstStyle>
           <a:p>
-            <a:pPr/>
             <a:r>
               <a:t>Nivel de texto 1</a:t>
             </a:r>
@@ -1155,14 +1174,16 @@
           <a:bodyPr lIns="45719" rIns="45719"/>
           <a:lstStyle/>
           <a:p>
-            <a:pPr/>
+            <a:endParaRPr/>
           </a:p>
         </p:txBody>
       </p:sp>
       <p:sp>
         <p:nvSpPr>
           <p:cNvPr id="36" name="Número de diapositiva"/>
-          <p:cNvSpPr txBox="1"/>
+          <p:cNvSpPr txBox="1">
+            <a:spLocks noGrp="1"/>
+          </p:cNvSpPr>
           <p:nvPr>
             <p:ph type="sldNum" sz="quarter" idx="2"/>
           </p:nvPr>
@@ -1176,8 +1197,10 @@
           <a:bodyPr/>
           <a:lstStyle/>
           <a:p>
-            <a:pPr/>
-            <a:fld id="{86CB4B4D-7CA3-9044-876B-883B54F8677D}" type="slidenum"/>
+            <a:fld id="{86CB4B4D-7CA3-9044-876B-883B54F8677D}" type="slidenum">
+              <a:t>‹Nº›</a:t>
+            </a:fld>
+            <a:endParaRPr/>
           </a:p>
         </p:txBody>
       </p:sp>
@@ -1186,12 +1209,12 @@
   <p:clrMapOvr>
     <a:masterClrMapping/>
   </p:clrMapOvr>
-  <p:transition xmlns:p14="http://schemas.microsoft.com/office/powerpoint/2010/main" spd="med" advClick="1"/>
+  <p:transition spd="med"/>
 </p:sldLayout>
 </file>
 
 <file path=ppt/slideLayouts/slideLayout4.xml><?xml version="1.0" encoding="utf-8"?>
-<p:sldLayout xmlns:a="http://schemas.openxmlformats.org/drawingml/2006/main" xmlns:r="http://schemas.openxmlformats.org/officeDocument/2006/relationships" xmlns:p="http://schemas.openxmlformats.org/presentationml/2006/main" xmlns:m="http://schemas.openxmlformats.org/officeDocument/2006/math" xmlns:a14="http://schemas.microsoft.com/office/drawing/2010/main" type="tx" showMasterSp="1" showMasterPhAnim="1">
+<p:sldLayout xmlns:a="http://schemas.openxmlformats.org/drawingml/2006/main" xmlns:r="http://schemas.openxmlformats.org/officeDocument/2006/relationships" xmlns:p="http://schemas.openxmlformats.org/presentationml/2006/main" type="tx">
   <p:cSld name="Dos objetos">
     <p:spTree>
       <p:nvGrpSpPr>
@@ -1231,14 +1254,16 @@
           <a:bodyPr lIns="45719" rIns="45719"/>
           <a:lstStyle/>
           <a:p>
-            <a:pPr/>
+            <a:endParaRPr/>
           </a:p>
         </p:txBody>
       </p:sp>
       <p:sp>
         <p:nvSpPr>
           <p:cNvPr id="44" name="Texto del título"/>
-          <p:cNvSpPr txBox="1"/>
+          <p:cNvSpPr txBox="1">
+            <a:spLocks noGrp="1"/>
+          </p:cNvSpPr>
           <p:nvPr>
             <p:ph type="title"/>
           </p:nvPr>
@@ -1256,7 +1281,6 @@
           <a:bodyPr/>
           <a:lstStyle/>
           <a:p>
-            <a:pPr/>
             <a:r>
               <a:t>Texto del título</a:t>
             </a:r>
@@ -1266,7 +1290,9 @@
       <p:sp>
         <p:nvSpPr>
           <p:cNvPr id="45" name="Nivel de texto 1…"/>
-          <p:cNvSpPr txBox="1"/>
+          <p:cNvSpPr txBox="1">
+            <a:spLocks noGrp="1"/>
+          </p:cNvSpPr>
           <p:nvPr>
             <p:ph type="body" sz="half" idx="1"/>
           </p:nvPr>
@@ -1284,7 +1310,6 @@
           <a:bodyPr/>
           <a:lstStyle/>
           <a:p>
-            <a:pPr/>
             <a:r>
               <a:t>Nivel de texto 1</a:t>
             </a:r>
@@ -1318,7 +1343,9 @@
       <p:sp>
         <p:nvSpPr>
           <p:cNvPr id="46" name="Número de diapositiva"/>
-          <p:cNvSpPr txBox="1"/>
+          <p:cNvSpPr txBox="1">
+            <a:spLocks noGrp="1"/>
+          </p:cNvSpPr>
           <p:nvPr>
             <p:ph type="sldNum" sz="quarter" idx="2"/>
           </p:nvPr>
@@ -1332,8 +1359,10 @@
           <a:bodyPr/>
           <a:lstStyle/>
           <a:p>
-            <a:pPr/>
-            <a:fld id="{86CB4B4D-7CA3-9044-876B-883B54F8677D}" type="slidenum"/>
+            <a:fld id="{86CB4B4D-7CA3-9044-876B-883B54F8677D}" type="slidenum">
+              <a:t>‹Nº›</a:t>
+            </a:fld>
+            <a:endParaRPr/>
           </a:p>
         </p:txBody>
       </p:sp>
@@ -1342,12 +1371,12 @@
   <p:clrMapOvr>
     <a:masterClrMapping/>
   </p:clrMapOvr>
-  <p:transition xmlns:p14="http://schemas.microsoft.com/office/powerpoint/2010/main" spd="med" advClick="1"/>
+  <p:transition spd="med"/>
 </p:sldLayout>
 </file>
 
 <file path=ppt/slideLayouts/slideLayout5.xml><?xml version="1.0" encoding="utf-8"?>
-<p:sldLayout xmlns:a="http://schemas.openxmlformats.org/drawingml/2006/main" xmlns:r="http://schemas.openxmlformats.org/officeDocument/2006/relationships" xmlns:p="http://schemas.openxmlformats.org/presentationml/2006/main" xmlns:m="http://schemas.openxmlformats.org/officeDocument/2006/math" xmlns:a14="http://schemas.microsoft.com/office/drawing/2010/main" type="tx" showMasterSp="1" showMasterPhAnim="1">
+<p:sldLayout xmlns:a="http://schemas.openxmlformats.org/drawingml/2006/main" xmlns:r="http://schemas.openxmlformats.org/officeDocument/2006/relationships" xmlns:p="http://schemas.openxmlformats.org/presentationml/2006/main" type="tx">
   <p:cSld name="Comparación">
     <p:spTree>
       <p:nvGrpSpPr>
@@ -1387,14 +1416,16 @@
           <a:bodyPr lIns="45719" rIns="45719"/>
           <a:lstStyle/>
           <a:p>
-            <a:pPr/>
+            <a:endParaRPr/>
           </a:p>
         </p:txBody>
       </p:sp>
       <p:sp>
         <p:nvSpPr>
           <p:cNvPr id="54" name="Texto del título"/>
-          <p:cNvSpPr txBox="1"/>
+          <p:cNvSpPr txBox="1">
+            <a:spLocks noGrp="1"/>
+          </p:cNvSpPr>
           <p:nvPr>
             <p:ph type="title"/>
           </p:nvPr>
@@ -1412,7 +1443,6 @@
           <a:bodyPr/>
           <a:lstStyle/>
           <a:p>
-            <a:pPr/>
             <a:r>
               <a:t>Texto del título</a:t>
             </a:r>
@@ -1422,7 +1452,9 @@
       <p:sp>
         <p:nvSpPr>
           <p:cNvPr id="55" name="Nivel de texto 1…"/>
-          <p:cNvSpPr txBox="1"/>
+          <p:cNvSpPr txBox="1">
+            <a:spLocks noGrp="1"/>
+          </p:cNvSpPr>
           <p:nvPr>
             <p:ph type="body" sz="quarter" idx="1"/>
           </p:nvPr>
@@ -1511,7 +1543,6 @@
             </a:lvl5pPr>
           </a:lstStyle>
           <a:p>
-            <a:pPr/>
             <a:r>
               <a:t>Nivel de texto 1</a:t>
             </a:r>
@@ -1545,7 +1576,9 @@
       <p:sp>
         <p:nvSpPr>
           <p:cNvPr id="56" name="Text Placeholder 4"/>
-          <p:cNvSpPr/>
+          <p:cNvSpPr>
+            <a:spLocks noGrp="1"/>
+          </p:cNvSpPr>
           <p:nvPr>
             <p:ph type="body" sz="quarter" idx="13"/>
           </p:nvPr>
@@ -1577,13 +1610,16 @@
                 </a:solidFill>
               </a:defRPr>
             </a:pPr>
+            <a:endParaRPr/>
           </a:p>
         </p:txBody>
       </p:sp>
       <p:sp>
         <p:nvSpPr>
           <p:cNvPr id="57" name="Número de diapositiva"/>
-          <p:cNvSpPr txBox="1"/>
+          <p:cNvSpPr txBox="1">
+            <a:spLocks noGrp="1"/>
+          </p:cNvSpPr>
           <p:nvPr>
             <p:ph type="sldNum" sz="quarter" idx="2"/>
           </p:nvPr>
@@ -1597,8 +1633,10 @@
           <a:bodyPr/>
           <a:lstStyle/>
           <a:p>
-            <a:pPr/>
-            <a:fld id="{86CB4B4D-7CA3-9044-876B-883B54F8677D}" type="slidenum"/>
+            <a:fld id="{86CB4B4D-7CA3-9044-876B-883B54F8677D}" type="slidenum">
+              <a:t>‹Nº›</a:t>
+            </a:fld>
+            <a:endParaRPr/>
           </a:p>
         </p:txBody>
       </p:sp>
@@ -1607,12 +1645,12 @@
   <p:clrMapOvr>
     <a:masterClrMapping/>
   </p:clrMapOvr>
-  <p:transition xmlns:p14="http://schemas.microsoft.com/office/powerpoint/2010/main" spd="med" advClick="1"/>
+  <p:transition spd="med"/>
 </p:sldLayout>
 </file>
 
 <file path=ppt/slideLayouts/slideLayout6.xml><?xml version="1.0" encoding="utf-8"?>
-<p:sldLayout xmlns:a="http://schemas.openxmlformats.org/drawingml/2006/main" xmlns:r="http://schemas.openxmlformats.org/officeDocument/2006/relationships" xmlns:p="http://schemas.openxmlformats.org/presentationml/2006/main" xmlns:m="http://schemas.openxmlformats.org/officeDocument/2006/math" xmlns:a14="http://schemas.microsoft.com/office/drawing/2010/main" type="tx" showMasterSp="1" showMasterPhAnim="1">
+<p:sldLayout xmlns:a="http://schemas.openxmlformats.org/drawingml/2006/main" xmlns:r="http://schemas.openxmlformats.org/officeDocument/2006/relationships" xmlns:p="http://schemas.openxmlformats.org/presentationml/2006/main" type="tx">
   <p:cSld name="Solo el título">
     <p:spTree>
       <p:nvGrpSpPr>
@@ -1652,14 +1690,16 @@
           <a:bodyPr lIns="45719" rIns="45719"/>
           <a:lstStyle/>
           <a:p>
-            <a:pPr/>
+            <a:endParaRPr/>
           </a:p>
         </p:txBody>
       </p:sp>
       <p:sp>
         <p:nvSpPr>
           <p:cNvPr id="65" name="Texto del título"/>
-          <p:cNvSpPr txBox="1"/>
+          <p:cNvSpPr txBox="1">
+            <a:spLocks noGrp="1"/>
+          </p:cNvSpPr>
           <p:nvPr>
             <p:ph type="title"/>
           </p:nvPr>
@@ -1677,7 +1717,6 @@
           <a:bodyPr/>
           <a:lstStyle/>
           <a:p>
-            <a:pPr/>
             <a:r>
               <a:t>Texto del título</a:t>
             </a:r>
@@ -1687,7 +1726,9 @@
       <p:sp>
         <p:nvSpPr>
           <p:cNvPr id="66" name="Número de diapositiva"/>
-          <p:cNvSpPr txBox="1"/>
+          <p:cNvSpPr txBox="1">
+            <a:spLocks noGrp="1"/>
+          </p:cNvSpPr>
           <p:nvPr>
             <p:ph type="sldNum" sz="quarter" idx="2"/>
           </p:nvPr>
@@ -1701,8 +1742,10 @@
           <a:bodyPr/>
           <a:lstStyle/>
           <a:p>
-            <a:pPr/>
-            <a:fld id="{86CB4B4D-7CA3-9044-876B-883B54F8677D}" type="slidenum"/>
+            <a:fld id="{86CB4B4D-7CA3-9044-876B-883B54F8677D}" type="slidenum">
+              <a:t>‹Nº›</a:t>
+            </a:fld>
+            <a:endParaRPr/>
           </a:p>
         </p:txBody>
       </p:sp>
@@ -1711,12 +1754,12 @@
   <p:clrMapOvr>
     <a:masterClrMapping/>
   </p:clrMapOvr>
-  <p:transition xmlns:p14="http://schemas.microsoft.com/office/powerpoint/2010/main" spd="med" advClick="1"/>
+  <p:transition spd="med"/>
 </p:sldLayout>
 </file>
 
 <file path=ppt/slideLayouts/slideLayout7.xml><?xml version="1.0" encoding="utf-8"?>
-<p:sldLayout xmlns:a="http://schemas.openxmlformats.org/drawingml/2006/main" xmlns:r="http://schemas.openxmlformats.org/officeDocument/2006/relationships" xmlns:p="http://schemas.openxmlformats.org/presentationml/2006/main" xmlns:m="http://schemas.openxmlformats.org/officeDocument/2006/math" xmlns:a14="http://schemas.microsoft.com/office/drawing/2010/main" type="tx" showMasterSp="1" showMasterPhAnim="1">
+<p:sldLayout xmlns:a="http://schemas.openxmlformats.org/drawingml/2006/main" xmlns:r="http://schemas.openxmlformats.org/officeDocument/2006/relationships" xmlns:p="http://schemas.openxmlformats.org/presentationml/2006/main" type="tx">
   <p:cSld name="En blanco">
     <p:spTree>
       <p:nvGrpSpPr>
@@ -1735,7 +1778,9 @@
       <p:sp>
         <p:nvSpPr>
           <p:cNvPr id="73" name="Número de diapositiva"/>
-          <p:cNvSpPr txBox="1"/>
+          <p:cNvSpPr txBox="1">
+            <a:spLocks noGrp="1"/>
+          </p:cNvSpPr>
           <p:nvPr>
             <p:ph type="sldNum" sz="quarter" idx="2"/>
           </p:nvPr>
@@ -1749,8 +1794,10 @@
           <a:bodyPr/>
           <a:lstStyle/>
           <a:p>
-            <a:pPr/>
-            <a:fld id="{86CB4B4D-7CA3-9044-876B-883B54F8677D}" type="slidenum"/>
+            <a:fld id="{86CB4B4D-7CA3-9044-876B-883B54F8677D}" type="slidenum">
+              <a:t>‹Nº›</a:t>
+            </a:fld>
+            <a:endParaRPr/>
           </a:p>
         </p:txBody>
       </p:sp>
@@ -1759,12 +1806,12 @@
   <p:clrMapOvr>
     <a:masterClrMapping/>
   </p:clrMapOvr>
-  <p:transition xmlns:p14="http://schemas.microsoft.com/office/powerpoint/2010/main" spd="med" advClick="1"/>
+  <p:transition spd="med"/>
 </p:sldLayout>
 </file>
 
 <file path=ppt/slideLayouts/slideLayout8.xml><?xml version="1.0" encoding="utf-8"?>
-<p:sldLayout xmlns:a="http://schemas.openxmlformats.org/drawingml/2006/main" xmlns:r="http://schemas.openxmlformats.org/officeDocument/2006/relationships" xmlns:p="http://schemas.openxmlformats.org/presentationml/2006/main" xmlns:m="http://schemas.openxmlformats.org/officeDocument/2006/math" xmlns:a14="http://schemas.microsoft.com/office/drawing/2010/main" type="tx" showMasterSp="1" showMasterPhAnim="1">
+<p:sldLayout xmlns:a="http://schemas.openxmlformats.org/drawingml/2006/main" xmlns:r="http://schemas.openxmlformats.org/officeDocument/2006/relationships" xmlns:p="http://schemas.openxmlformats.org/presentationml/2006/main" type="tx">
   <p:cSld name="Contenido con título">
     <p:spTree>
       <p:nvGrpSpPr>
@@ -1804,14 +1851,16 @@
           <a:bodyPr lIns="45719" rIns="45719"/>
           <a:lstStyle/>
           <a:p>
-            <a:pPr/>
+            <a:endParaRPr/>
           </a:p>
         </p:txBody>
       </p:sp>
       <p:sp>
         <p:nvSpPr>
           <p:cNvPr id="81" name="Texto del título"/>
-          <p:cNvSpPr txBox="1"/>
+          <p:cNvSpPr txBox="1">
+            <a:spLocks noGrp="1"/>
+          </p:cNvSpPr>
           <p:nvPr>
             <p:ph type="title"/>
           </p:nvPr>
@@ -1833,7 +1882,6 @@
             </a:lvl1pPr>
           </a:lstStyle>
           <a:p>
-            <a:pPr/>
             <a:r>
               <a:t>Texto del título</a:t>
             </a:r>
@@ -1843,7 +1891,9 @@
       <p:sp>
         <p:nvSpPr>
           <p:cNvPr id="82" name="Nivel de texto 1…"/>
-          <p:cNvSpPr txBox="1"/>
+          <p:cNvSpPr txBox="1">
+            <a:spLocks noGrp="1"/>
+          </p:cNvSpPr>
           <p:nvPr>
             <p:ph type="body" sz="half" idx="1"/>
           </p:nvPr>
@@ -1877,7 +1927,6 @@
             </a:lvl5pPr>
           </a:lstStyle>
           <a:p>
-            <a:pPr/>
             <a:r>
               <a:t>Nivel de texto 1</a:t>
             </a:r>
@@ -1911,7 +1960,9 @@
       <p:sp>
         <p:nvSpPr>
           <p:cNvPr id="83" name="Text Placeholder 3"/>
-          <p:cNvSpPr/>
+          <p:cNvSpPr>
+            <a:spLocks noGrp="1"/>
+          </p:cNvSpPr>
           <p:nvPr>
             <p:ph type="body" sz="quarter" idx="13"/>
           </p:nvPr>
@@ -1942,13 +1993,16 @@
               <a:buNone/>
               <a:defRPr sz="1600"/>
             </a:pPr>
+            <a:endParaRPr/>
           </a:p>
         </p:txBody>
       </p:sp>
       <p:sp>
         <p:nvSpPr>
           <p:cNvPr id="84" name="Número de diapositiva"/>
-          <p:cNvSpPr txBox="1"/>
+          <p:cNvSpPr txBox="1">
+            <a:spLocks noGrp="1"/>
+          </p:cNvSpPr>
           <p:nvPr>
             <p:ph type="sldNum" sz="quarter" idx="2"/>
           </p:nvPr>
@@ -1962,8 +2016,10 @@
           <a:bodyPr/>
           <a:lstStyle/>
           <a:p>
-            <a:pPr/>
-            <a:fld id="{86CB4B4D-7CA3-9044-876B-883B54F8677D}" type="slidenum"/>
+            <a:fld id="{86CB4B4D-7CA3-9044-876B-883B54F8677D}" type="slidenum">
+              <a:t>‹Nº›</a:t>
+            </a:fld>
+            <a:endParaRPr/>
           </a:p>
         </p:txBody>
       </p:sp>
@@ -1972,12 +2028,12 @@
   <p:clrMapOvr>
     <a:masterClrMapping/>
   </p:clrMapOvr>
-  <p:transition xmlns:p14="http://schemas.microsoft.com/office/powerpoint/2010/main" spd="med" advClick="1"/>
+  <p:transition spd="med"/>
 </p:sldLayout>
 </file>
 
 <file path=ppt/slideLayouts/slideLayout9.xml><?xml version="1.0" encoding="utf-8"?>
-<p:sldLayout xmlns:a="http://schemas.openxmlformats.org/drawingml/2006/main" xmlns:r="http://schemas.openxmlformats.org/officeDocument/2006/relationships" xmlns:p="http://schemas.openxmlformats.org/presentationml/2006/main" xmlns:m="http://schemas.openxmlformats.org/officeDocument/2006/math" xmlns:a14="http://schemas.microsoft.com/office/drawing/2010/main" type="tx" showMasterSp="1" showMasterPhAnim="1">
+<p:sldLayout xmlns:a="http://schemas.openxmlformats.org/drawingml/2006/main" xmlns:r="http://schemas.openxmlformats.org/officeDocument/2006/relationships" xmlns:p="http://schemas.openxmlformats.org/presentationml/2006/main" type="tx">
   <p:cSld name="Imagen con título">
     <p:spTree>
       <p:nvGrpSpPr>
@@ -1996,7 +2052,9 @@
       <p:sp>
         <p:nvSpPr>
           <p:cNvPr id="91" name="Texto del título"/>
-          <p:cNvSpPr txBox="1"/>
+          <p:cNvSpPr txBox="1">
+            <a:spLocks noGrp="1"/>
+          </p:cNvSpPr>
           <p:nvPr>
             <p:ph type="title"/>
           </p:nvPr>
@@ -2018,7 +2076,6 @@
             </a:lvl1pPr>
           </a:lstStyle>
           <a:p>
-            <a:pPr/>
             <a:r>
               <a:t>Texto del título</a:t>
             </a:r>
@@ -2028,7 +2085,9 @@
       <p:sp>
         <p:nvSpPr>
           <p:cNvPr id="92" name="Picture Placeholder 2"/>
-          <p:cNvSpPr/>
+          <p:cNvSpPr>
+            <a:spLocks noGrp="1"/>
+          </p:cNvSpPr>
           <p:nvPr>
             <p:ph type="pic" idx="13"/>
           </p:nvPr>
@@ -2048,14 +2107,16 @@
           </a:bodyPr>
           <a:lstStyle/>
           <a:p>
-            <a:pPr/>
+            <a:endParaRPr/>
           </a:p>
         </p:txBody>
       </p:sp>
       <p:sp>
         <p:nvSpPr>
           <p:cNvPr id="93" name="Nivel de texto 1…"/>
-          <p:cNvSpPr txBox="1"/>
+          <p:cNvSpPr txBox="1">
+            <a:spLocks noGrp="1"/>
+          </p:cNvSpPr>
           <p:nvPr>
             <p:ph type="body" sz="quarter" idx="1"/>
           </p:nvPr>
@@ -2159,7 +2220,6 @@
             </a:lvl5pPr>
           </a:lstStyle>
           <a:p>
-            <a:pPr/>
             <a:r>
               <a:t>Nivel de texto 1</a:t>
             </a:r>
@@ -2214,14 +2274,16 @@
           <a:bodyPr lIns="45719" rIns="45719"/>
           <a:lstStyle/>
           <a:p>
-            <a:pPr/>
+            <a:endParaRPr/>
           </a:p>
         </p:txBody>
       </p:sp>
       <p:sp>
         <p:nvSpPr>
           <p:cNvPr id="95" name="Número de diapositiva"/>
-          <p:cNvSpPr txBox="1"/>
+          <p:cNvSpPr txBox="1">
+            <a:spLocks noGrp="1"/>
+          </p:cNvSpPr>
           <p:nvPr>
             <p:ph type="sldNum" sz="quarter" idx="2"/>
           </p:nvPr>
@@ -2235,8 +2297,10 @@
           <a:bodyPr/>
           <a:lstStyle/>
           <a:p>
-            <a:pPr/>
-            <a:fld id="{86CB4B4D-7CA3-9044-876B-883B54F8677D}" type="slidenum"/>
+            <a:fld id="{86CB4B4D-7CA3-9044-876B-883B54F8677D}" type="slidenum">
+              <a:t>‹Nº›</a:t>
+            </a:fld>
+            <a:endParaRPr/>
           </a:p>
         </p:txBody>
       </p:sp>
@@ -2245,18 +2309,19 @@
   <p:clrMapOvr>
     <a:masterClrMapping/>
   </p:clrMapOvr>
-  <p:transition xmlns:p14="http://schemas.microsoft.com/office/powerpoint/2010/main" spd="med" advClick="1"/>
+  <p:transition spd="med"/>
 </p:sldLayout>
 </file>
 
 <file path=ppt/slideMasters/slideMaster1.xml><?xml version="1.0" encoding="utf-8"?>
-<p:sldMaster xmlns:a="http://schemas.openxmlformats.org/drawingml/2006/main" xmlns:r="http://schemas.openxmlformats.org/officeDocument/2006/relationships" xmlns:p="http://schemas.openxmlformats.org/presentationml/2006/main" xmlns:m="http://schemas.openxmlformats.org/officeDocument/2006/math" xmlns:a14="http://schemas.microsoft.com/office/drawing/2010/main">
+<p:sldMaster xmlns:a="http://schemas.openxmlformats.org/drawingml/2006/main" xmlns:r="http://schemas.openxmlformats.org/officeDocument/2006/relationships" xmlns:p="http://schemas.openxmlformats.org/presentationml/2006/main">
   <p:cSld>
     <p:bg>
       <p:bgPr>
         <a:solidFill>
           <a:srgbClr val="FFFFFF"/>
         </a:solidFill>
+        <a:effectLst/>
       </p:bgPr>
     </p:bg>
     <p:spTree>
@@ -2276,7 +2341,9 @@
       <p:sp>
         <p:nvSpPr>
           <p:cNvPr id="2" name="Texto del título"/>
-          <p:cNvSpPr txBox="1"/>
+          <p:cNvSpPr txBox="1">
+            <a:spLocks noGrp="1"/>
+          </p:cNvSpPr>
           <p:nvPr>
             <p:ph type="title"/>
           </p:nvPr>
@@ -2294,17 +2361,16 @@
           </a:ln>
           <a:extLst>
             <a:ext uri="{C572A759-6A51-4108-AA02-DFA0A04FC94B}">
-              <ma14:wrappingTextBoxFlag xmlns:ma14="http://schemas.microsoft.com/office/mac/drawingml/2011/main" val="1"/>
+              <ma14:wrappingTextBoxFlag xmlns:ma14="http://schemas.microsoft.com/office/mac/drawingml/2011/main" xmlns:a14="http://schemas.microsoft.com/office/drawing/2010/main" xmlns:m="http://schemas.openxmlformats.org/officeDocument/2006/math" xmlns="" val="1"/>
             </a:ext>
           </a:extLst>
         </p:spPr>
         <p:txBody>
           <a:bodyPr lIns="45719" rIns="45719" anchor="ctr">
-            <a:normAutofit fontScale="100000" lnSpcReduction="0"/>
+            <a:normAutofit/>
           </a:bodyPr>
           <a:lstStyle/>
           <a:p>
-            <a:pPr/>
             <a:r>
               <a:t>Texto del título</a:t>
             </a:r>
@@ -2314,7 +2380,9 @@
       <p:sp>
         <p:nvSpPr>
           <p:cNvPr id="3" name="Nivel de texto 1…"/>
-          <p:cNvSpPr txBox="1"/>
+          <p:cNvSpPr txBox="1">
+            <a:spLocks noGrp="1"/>
+          </p:cNvSpPr>
           <p:nvPr>
             <p:ph type="body" idx="1"/>
           </p:nvPr>
@@ -2332,17 +2400,16 @@
           </a:ln>
           <a:extLst>
             <a:ext uri="{C572A759-6A51-4108-AA02-DFA0A04FC94B}">
-              <ma14:wrappingTextBoxFlag xmlns:ma14="http://schemas.microsoft.com/office/mac/drawingml/2011/main" val="1"/>
+              <ma14:wrappingTextBoxFlag xmlns:ma14="http://schemas.microsoft.com/office/mac/drawingml/2011/main" xmlns:a14="http://schemas.microsoft.com/office/drawing/2010/main" xmlns:m="http://schemas.openxmlformats.org/officeDocument/2006/math" xmlns="" val="1"/>
             </a:ext>
           </a:extLst>
         </p:spPr>
         <p:txBody>
           <a:bodyPr lIns="45719" rIns="45719">
-            <a:normAutofit fontScale="100000" lnSpcReduction="0"/>
+            <a:normAutofit/>
           </a:bodyPr>
           <a:lstStyle/>
           <a:p>
-            <a:pPr/>
             <a:r>
               <a:t>Nivel de texto 1</a:t>
             </a:r>
@@ -2376,7 +2443,9 @@
       <p:sp>
         <p:nvSpPr>
           <p:cNvPr id="4" name="Número de diapositiva"/>
-          <p:cNvSpPr txBox="1"/>
+          <p:cNvSpPr txBox="1">
+            <a:spLocks noGrp="1"/>
+          </p:cNvSpPr>
           <p:nvPr>
             <p:ph type="sldNum" sz="quarter" idx="2"/>
           </p:nvPr>
@@ -2411,8 +2480,10 @@
             </a:lvl1pPr>
           </a:lstStyle>
           <a:p>
-            <a:pPr/>
-            <a:fld id="{86CB4B4D-7CA3-9044-876B-883B54F8677D}" type="slidenum"/>
+            <a:fld id="{86CB4B4D-7CA3-9044-876B-883B54F8677D}" type="slidenum">
+              <a:t>‹Nº›</a:t>
+            </a:fld>
+            <a:endParaRPr/>
           </a:p>
         </p:txBody>
       </p:sp>
@@ -2420,17 +2491,17 @@
   </p:cSld>
   <p:clrMap bg1="lt1" tx1="dk1" bg2="lt2" tx2="dk2" accent1="accent1" accent2="accent2" accent3="accent3" accent4="accent4" accent5="accent5" accent6="accent6" hlink="hlink" folHlink="folHlink"/>
   <p:sldLayoutIdLst>
-    <p:sldLayoutId id="2147483649" r:id="rId2"/>
-    <p:sldLayoutId id="2147483650" r:id="rId3"/>
-    <p:sldLayoutId id="2147483651" r:id="rId4"/>
-    <p:sldLayoutId id="2147483652" r:id="rId5"/>
-    <p:sldLayoutId id="2147483653" r:id="rId6"/>
-    <p:sldLayoutId id="2147483654" r:id="rId7"/>
-    <p:sldLayoutId id="2147483655" r:id="rId8"/>
-    <p:sldLayoutId id="2147483656" r:id="rId9"/>
-    <p:sldLayoutId id="2147483657" r:id="rId10"/>
+    <p:sldLayoutId id="2147483649" r:id="rId1"/>
+    <p:sldLayoutId id="2147483650" r:id="rId2"/>
+    <p:sldLayoutId id="2147483651" r:id="rId3"/>
+    <p:sldLayoutId id="2147483652" r:id="rId4"/>
+    <p:sldLayoutId id="2147483653" r:id="rId5"/>
+    <p:sldLayoutId id="2147483654" r:id="rId6"/>
+    <p:sldLayoutId id="2147483655" r:id="rId7"/>
+    <p:sldLayoutId id="2147483656" r:id="rId8"/>
+    <p:sldLayoutId id="2147483657" r:id="rId9"/>
   </p:sldLayoutIdLst>
-  <p:transition xmlns:p14="http://schemas.microsoft.com/office/powerpoint/2010/main" spd="med" advClick="1"/>
+  <p:transition spd="med"/>
   <p:txStyles>
     <p:titleStyle>
       <a:lvl1pPr marL="0" marR="0" indent="0" algn="l" defTabSz="914400" rtl="0" latinLnBrk="0">
@@ -2448,7 +2519,7 @@
         <a:buFontTx/>
         <a:buNone/>
         <a:tabLst/>
-        <a:defRPr b="0" baseline="0" cap="all" i="0" spc="100" strike="noStrike" sz="5000" u="none">
+        <a:defRPr sz="5000" b="0" i="0" u="none" strike="noStrike" cap="all" spc="100" baseline="0">
           <a:ln>
             <a:noFill/>
           </a:ln>
@@ -2477,7 +2548,7 @@
         <a:buFontTx/>
         <a:buNone/>
         <a:tabLst/>
-        <a:defRPr b="0" baseline="0" cap="all" i="0" spc="100" strike="noStrike" sz="5000" u="none">
+        <a:defRPr sz="5000" b="0" i="0" u="none" strike="noStrike" cap="all" spc="100" baseline="0">
           <a:ln>
             <a:noFill/>
           </a:ln>
@@ -2506,7 +2577,7 @@
         <a:buFontTx/>
         <a:buNone/>
         <a:tabLst/>
-        <a:defRPr b="0" baseline="0" cap="all" i="0" spc="100" strike="noStrike" sz="5000" u="none">
+        <a:defRPr sz="5000" b="0" i="0" u="none" strike="noStrike" cap="all" spc="100" baseline="0">
           <a:ln>
             <a:noFill/>
           </a:ln>
@@ -2535,7 +2606,7 @@
         <a:buFontTx/>
         <a:buNone/>
         <a:tabLst/>
-        <a:defRPr b="0" baseline="0" cap="all" i="0" spc="100" strike="noStrike" sz="5000" u="none">
+        <a:defRPr sz="5000" b="0" i="0" u="none" strike="noStrike" cap="all" spc="100" baseline="0">
           <a:ln>
             <a:noFill/>
           </a:ln>
@@ -2564,7 +2635,7 @@
         <a:buFontTx/>
         <a:buNone/>
         <a:tabLst/>
-        <a:defRPr b="0" baseline="0" cap="all" i="0" spc="100" strike="noStrike" sz="5000" u="none">
+        <a:defRPr sz="5000" b="0" i="0" u="none" strike="noStrike" cap="all" spc="100" baseline="0">
           <a:ln>
             <a:noFill/>
           </a:ln>
@@ -2593,7 +2664,7 @@
         <a:buFontTx/>
         <a:buNone/>
         <a:tabLst/>
-        <a:defRPr b="0" baseline="0" cap="all" i="0" spc="100" strike="noStrike" sz="5000" u="none">
+        <a:defRPr sz="5000" b="0" i="0" u="none" strike="noStrike" cap="all" spc="100" baseline="0">
           <a:ln>
             <a:noFill/>
           </a:ln>
@@ -2622,7 +2693,7 @@
         <a:buFontTx/>
         <a:buNone/>
         <a:tabLst/>
-        <a:defRPr b="0" baseline="0" cap="all" i="0" spc="100" strike="noStrike" sz="5000" u="none">
+        <a:defRPr sz="5000" b="0" i="0" u="none" strike="noStrike" cap="all" spc="100" baseline="0">
           <a:ln>
             <a:noFill/>
           </a:ln>
@@ -2651,7 +2722,7 @@
         <a:buFontTx/>
         <a:buNone/>
         <a:tabLst/>
-        <a:defRPr b="0" baseline="0" cap="all" i="0" spc="100" strike="noStrike" sz="5000" u="none">
+        <a:defRPr sz="5000" b="0" i="0" u="none" strike="noStrike" cap="all" spc="100" baseline="0">
           <a:ln>
             <a:noFill/>
           </a:ln>
@@ -2680,7 +2751,7 @@
         <a:buFontTx/>
         <a:buNone/>
         <a:tabLst/>
-        <a:defRPr b="0" baseline="0" cap="all" i="0" spc="100" strike="noStrike" sz="5000" u="none">
+        <a:defRPr sz="5000" b="0" i="0" u="none" strike="noStrike" cap="all" spc="100" baseline="0">
           <a:ln>
             <a:noFill/>
           </a:ln>
@@ -2713,7 +2784,7 @@
         <a:buFont typeface="Tw Cen MT"/>
         <a:buChar char=" "/>
         <a:tabLst/>
-        <a:defRPr b="0" baseline="0" cap="none" i="0" spc="0" strike="noStrike" sz="2200" u="none">
+        <a:defRPr sz="2200" b="0" i="0" u="none" strike="noStrike" cap="none" spc="0" baseline="0">
           <a:ln>
             <a:noFill/>
           </a:ln>
@@ -2744,7 +2815,7 @@
         <a:buFont typeface="Tw Cen MT"/>
         <a:buChar char=""/>
         <a:tabLst/>
-        <a:defRPr b="0" baseline="0" cap="none" i="0" spc="0" strike="noStrike" sz="2200" u="none">
+        <a:defRPr sz="2200" b="0" i="0" u="none" strike="noStrike" cap="none" spc="0" baseline="0">
           <a:ln>
             <a:noFill/>
           </a:ln>
@@ -2775,7 +2846,7 @@
         <a:buFont typeface="Tw Cen MT"/>
         <a:buChar char=""/>
         <a:tabLst/>
-        <a:defRPr b="0" baseline="0" cap="none" i="0" spc="0" strike="noStrike" sz="2200" u="none">
+        <a:defRPr sz="2200" b="0" i="0" u="none" strike="noStrike" cap="none" spc="0" baseline="0">
           <a:ln>
             <a:noFill/>
           </a:ln>
@@ -2806,7 +2877,7 @@
         <a:buFont typeface="Tw Cen MT"/>
         <a:buChar char=""/>
         <a:tabLst/>
-        <a:defRPr b="0" baseline="0" cap="none" i="0" spc="0" strike="noStrike" sz="2200" u="none">
+        <a:defRPr sz="2200" b="0" i="0" u="none" strike="noStrike" cap="none" spc="0" baseline="0">
           <a:ln>
             <a:noFill/>
           </a:ln>
@@ -2837,7 +2908,7 @@
         <a:buFont typeface="Tw Cen MT"/>
         <a:buChar char=""/>
         <a:tabLst/>
-        <a:defRPr b="0" baseline="0" cap="none" i="0" spc="0" strike="noStrike" sz="2200" u="none">
+        <a:defRPr sz="2200" b="0" i="0" u="none" strike="noStrike" cap="none" spc="0" baseline="0">
           <a:ln>
             <a:noFill/>
           </a:ln>
@@ -2868,7 +2939,7 @@
         <a:buFont typeface="Tw Cen MT"/>
         <a:buChar char=""/>
         <a:tabLst/>
-        <a:defRPr b="0" baseline="0" cap="none" i="0" spc="0" strike="noStrike" sz="2200" u="none">
+        <a:defRPr sz="2200" b="0" i="0" u="none" strike="noStrike" cap="none" spc="0" baseline="0">
           <a:ln>
             <a:noFill/>
           </a:ln>
@@ -2899,7 +2970,7 @@
         <a:buFont typeface="Tw Cen MT"/>
         <a:buChar char=""/>
         <a:tabLst/>
-        <a:defRPr b="0" baseline="0" cap="none" i="0" spc="0" strike="noStrike" sz="2200" u="none">
+        <a:defRPr sz="2200" b="0" i="0" u="none" strike="noStrike" cap="none" spc="0" baseline="0">
           <a:ln>
             <a:noFill/>
           </a:ln>
@@ -2930,7 +3001,7 @@
         <a:buFont typeface="Tw Cen MT"/>
         <a:buChar char=""/>
         <a:tabLst/>
-        <a:defRPr b="0" baseline="0" cap="none" i="0" spc="0" strike="noStrike" sz="2200" u="none">
+        <a:defRPr sz="2200" b="0" i="0" u="none" strike="noStrike" cap="none" spc="0" baseline="0">
           <a:ln>
             <a:noFill/>
           </a:ln>
@@ -2961,7 +3032,7 @@
         <a:buFont typeface="Tw Cen MT"/>
         <a:buChar char=""/>
         <a:tabLst/>
-        <a:defRPr b="0" baseline="0" cap="none" i="0" spc="0" strike="noStrike" sz="2200" u="none">
+        <a:defRPr sz="2200" b="0" i="0" u="none" strike="noStrike" cap="none" spc="0" baseline="0">
           <a:ln>
             <a:noFill/>
           </a:ln>
@@ -2992,7 +3063,7 @@
         <a:buFontTx/>
         <a:buNone/>
         <a:tabLst/>
-        <a:defRPr b="0" baseline="0" cap="none" i="0" spc="0" strike="noStrike" sz="1000" u="none">
+        <a:defRPr sz="1000" b="0" i="0" u="none" strike="noStrike" cap="none" spc="0" baseline="0">
           <a:ln>
             <a:noFill/>
           </a:ln>
@@ -3021,7 +3092,7 @@
         <a:buFontTx/>
         <a:buNone/>
         <a:tabLst/>
-        <a:defRPr b="0" baseline="0" cap="none" i="0" spc="0" strike="noStrike" sz="1000" u="none">
+        <a:defRPr sz="1000" b="0" i="0" u="none" strike="noStrike" cap="none" spc="0" baseline="0">
           <a:ln>
             <a:noFill/>
           </a:ln>
@@ -3050,7 +3121,7 @@
         <a:buFontTx/>
         <a:buNone/>
         <a:tabLst/>
-        <a:defRPr b="0" baseline="0" cap="none" i="0" spc="0" strike="noStrike" sz="1000" u="none">
+        <a:defRPr sz="1000" b="0" i="0" u="none" strike="noStrike" cap="none" spc="0" baseline="0">
           <a:ln>
             <a:noFill/>
           </a:ln>
@@ -3079,7 +3150,7 @@
         <a:buFontTx/>
         <a:buNone/>
         <a:tabLst/>
-        <a:defRPr b="0" baseline="0" cap="none" i="0" spc="0" strike="noStrike" sz="1000" u="none">
+        <a:defRPr sz="1000" b="0" i="0" u="none" strike="noStrike" cap="none" spc="0" baseline="0">
           <a:ln>
             <a:noFill/>
           </a:ln>
@@ -3108,7 +3179,7 @@
         <a:buFontTx/>
         <a:buNone/>
         <a:tabLst/>
-        <a:defRPr b="0" baseline="0" cap="none" i="0" spc="0" strike="noStrike" sz="1000" u="none">
+        <a:defRPr sz="1000" b="0" i="0" u="none" strike="noStrike" cap="none" spc="0" baseline="0">
           <a:ln>
             <a:noFill/>
           </a:ln>
@@ -3137,7 +3208,7 @@
         <a:buFontTx/>
         <a:buNone/>
         <a:tabLst/>
-        <a:defRPr b="0" baseline="0" cap="none" i="0" spc="0" strike="noStrike" sz="1000" u="none">
+        <a:defRPr sz="1000" b="0" i="0" u="none" strike="noStrike" cap="none" spc="0" baseline="0">
           <a:ln>
             <a:noFill/>
           </a:ln>
@@ -3166,7 +3237,7 @@
         <a:buFontTx/>
         <a:buNone/>
         <a:tabLst/>
-        <a:defRPr b="0" baseline="0" cap="none" i="0" spc="0" strike="noStrike" sz="1000" u="none">
+        <a:defRPr sz="1000" b="0" i="0" u="none" strike="noStrike" cap="none" spc="0" baseline="0">
           <a:ln>
             <a:noFill/>
           </a:ln>
@@ -3195,7 +3266,7 @@
         <a:buFontTx/>
         <a:buNone/>
         <a:tabLst/>
-        <a:defRPr b="0" baseline="0" cap="none" i="0" spc="0" strike="noStrike" sz="1000" u="none">
+        <a:defRPr sz="1000" b="0" i="0" u="none" strike="noStrike" cap="none" spc="0" baseline="0">
           <a:ln>
             <a:noFill/>
           </a:ln>
@@ -3224,7 +3295,7 @@
         <a:buFontTx/>
         <a:buNone/>
         <a:tabLst/>
-        <a:defRPr b="0" baseline="0" cap="none" i="0" spc="0" strike="noStrike" sz="1000" u="none">
+        <a:defRPr sz="1000" b="0" i="0" u="none" strike="noStrike" cap="none" spc="0" baseline="0">
           <a:ln>
             <a:noFill/>
           </a:ln>
@@ -3244,7 +3315,7 @@
 </file>
 
 <file path=ppt/slides/slide1.xml><?xml version="1.0" encoding="utf-8"?>
-<p:sld xmlns:a="http://schemas.openxmlformats.org/drawingml/2006/main" xmlns:r="http://schemas.openxmlformats.org/officeDocument/2006/relationships" xmlns:p="http://schemas.openxmlformats.org/presentationml/2006/main" xmlns:m="http://schemas.openxmlformats.org/officeDocument/2006/math" xmlns:a14="http://schemas.microsoft.com/office/drawing/2010/main" showMasterSp="1" showMasterPhAnim="1">
+<p:sld xmlns:a="http://schemas.openxmlformats.org/drawingml/2006/main" xmlns:r="http://schemas.openxmlformats.org/officeDocument/2006/relationships" xmlns:p="http://schemas.openxmlformats.org/presentationml/2006/main">
   <p:cSld>
     <p:spTree>
       <p:nvGrpSpPr>
@@ -3263,7 +3334,9 @@
       <p:sp>
         <p:nvSpPr>
           <p:cNvPr id="104" name="Título 1"/>
-          <p:cNvSpPr txBox="1"/>
+          <p:cNvSpPr txBox="1">
+            <a:spLocks noGrp="1"/>
+          </p:cNvSpPr>
           <p:nvPr>
             <p:ph type="ctrTitle"/>
           </p:nvPr>
@@ -3281,7 +3354,6 @@
           <a:bodyPr/>
           <a:lstStyle/>
           <a:p>
-            <a:pPr/>
             <a:r>
               <a:t>AIRDSS</a:t>
             </a:r>
@@ -3292,13 +3364,16 @@
             <a:br>
               <a:rPr b="0"/>
             </a:br>
+            <a:endParaRPr b="0"/>
           </a:p>
         </p:txBody>
       </p:sp>
       <p:sp>
         <p:nvSpPr>
           <p:cNvPr id="105" name="Subtítulo 2"/>
-          <p:cNvSpPr txBox="1"/>
+          <p:cNvSpPr txBox="1">
+            <a:spLocks noGrp="1"/>
+          </p:cNvSpPr>
           <p:nvPr>
             <p:ph type="subTitle" sz="quarter" idx="1"/>
           </p:nvPr>
@@ -3316,11 +3391,10 @@
           <a:bodyPr/>
           <a:lstStyle>
             <a:lvl1pPr>
-              <a:defRPr i="1" sz="1900"/>
+              <a:defRPr sz="1900" i="1"/>
             </a:lvl1pPr>
           </a:lstStyle>
           <a:p>
-            <a:pPr/>
             <a:r>
               <a:t>Le damos vuelo a tus sueños</a:t>
             </a:r>
@@ -3332,12 +3406,12 @@
   <p:clrMapOvr>
     <a:masterClrMapping/>
   </p:clrMapOvr>
-  <p:transition xmlns:p14="http://schemas.microsoft.com/office/powerpoint/2010/main" spd="med" advClick="1"/>
+  <p:transition spd="med"/>
 </p:sld>
 </file>
 
 <file path=ppt/slides/slide10.xml><?xml version="1.0" encoding="utf-8"?>
-<p:sld xmlns:a="http://schemas.openxmlformats.org/drawingml/2006/main" xmlns:r="http://schemas.openxmlformats.org/officeDocument/2006/relationships" xmlns:p="http://schemas.openxmlformats.org/presentationml/2006/main" xmlns:m="http://schemas.openxmlformats.org/officeDocument/2006/math" xmlns:a14="http://schemas.microsoft.com/office/drawing/2010/main" showMasterSp="1" showMasterPhAnim="1">
+<p:sld xmlns:a="http://schemas.openxmlformats.org/drawingml/2006/main" xmlns:r="http://schemas.openxmlformats.org/officeDocument/2006/relationships" xmlns:p="http://schemas.openxmlformats.org/presentationml/2006/main">
   <p:cSld>
     <p:spTree>
       <p:nvGrpSpPr>
@@ -3356,7 +3430,9 @@
       <p:sp>
         <p:nvSpPr>
           <p:cNvPr id="142" name="Título 1"/>
-          <p:cNvSpPr txBox="1"/>
+          <p:cNvSpPr txBox="1">
+            <a:spLocks noGrp="1"/>
+          </p:cNvSpPr>
           <p:nvPr>
             <p:ph type="title"/>
           </p:nvPr>
@@ -3375,7 +3451,7 @@
           <a:lstStyle/>
           <a:p>
             <a:pPr defTabSz="886968">
-              <a:defRPr spc="97" sz="3783">
+              <a:defRPr sz="3783" spc="97">
                 <a:latin typeface="Arial"/>
                 <a:ea typeface="Arial"/>
                 <a:cs typeface="Arial"/>
@@ -3383,60 +3459,39 @@
               </a:defRPr>
             </a:pPr>
             <a:r>
-              <a:t>Demostración funcional del proyecto.</a:t>
-            </a:r>
-            <a:br/>
-          </a:p>
-        </p:txBody>
-      </p:sp>
-      <p:sp>
-        <p:nvSpPr>
-          <p:cNvPr id="143" name="Rectángulo 4"/>
-          <p:cNvSpPr txBox="1"/>
-          <p:nvPr/>
-        </p:nvSpPr>
-        <p:spPr>
-          <a:xfrm>
-            <a:off x="5564666" y="1483916"/>
-            <a:ext cx="1031489" cy="350662"/>
-          </a:xfrm>
-          <a:prstGeom prst="rect">
-            <a:avLst/>
-          </a:prstGeom>
-          <a:ln w="12700">
-            <a:miter lim="400000"/>
-          </a:ln>
-          <a:extLst>
-            <a:ext uri="{C572A759-6A51-4108-AA02-DFA0A04FC94B}">
-              <ma14:wrappingTextBoxFlag xmlns:ma14="http://schemas.microsoft.com/office/mac/drawingml/2011/main" val="1"/>
-            </a:ext>
-          </a:extLst>
-        </p:spPr>
-        <p:txBody>
-          <a:bodyPr wrap="none" lIns="45719" rIns="45719">
-            <a:spAutoFit/>
-          </a:bodyPr>
-          <a:lstStyle>
-            <a:lvl1pPr>
-              <a:defRPr>
-                <a:latin typeface="Arial"/>
-                <a:ea typeface="Arial"/>
-                <a:cs typeface="Arial"/>
-                <a:sym typeface="Arial"/>
-              </a:defRPr>
-            </a:lvl1pPr>
-          </a:lstStyle>
-          <a:p>
-            <a:pPr/>
-            <a:r>
-              <a:t>Modificar</a:t>
-            </a:r>
+              <a:rPr dirty="0" err="1"/>
+              <a:t>Demostración</a:t>
+            </a:r>
+            <a:r>
+              <a:rPr dirty="0"/>
+              <a:t> </a:t>
+            </a:r>
+            <a:r>
+              <a:rPr dirty="0" err="1"/>
+              <a:t>funcional</a:t>
+            </a:r>
+            <a:r>
+              <a:rPr dirty="0"/>
+              <a:t> del </a:t>
+            </a:r>
+            <a:r>
+              <a:rPr dirty="0" err="1"/>
+              <a:t>proyecto</a:t>
+            </a:r>
+            <a:r>
+              <a:rPr dirty="0"/>
+              <a:t>.</a:t>
+            </a:r>
+            <a:br>
+              <a:rPr dirty="0"/>
+            </a:br>
+            <a:endParaRPr dirty="0"/>
           </a:p>
         </p:txBody>
       </p:sp>
       <p:pic>
         <p:nvPicPr>
-          <p:cNvPr id="144" name="Marcador de contenido 4" descr="Marcador de contenido 4"/>
+          <p:cNvPr id="144" name="Marcador de contenido 4"/>
           <p:cNvPicPr>
             <a:picLocks noChangeAspect="1"/>
           </p:cNvPicPr>
@@ -3444,7 +3499,11 @@
         </p:nvPicPr>
         <p:blipFill>
           <a:blip r:embed="rId2">
-            <a:extLst/>
+            <a:extLst>
+              <a:ext uri="{28A0092B-C50C-407E-A947-70E740481C1C}">
+                <a14:useLocalDpi xmlns:a14="http://schemas.microsoft.com/office/drawing/2010/main" val="0"/>
+              </a:ext>
+            </a:extLst>
           </a:blip>
           <a:stretch>
             <a:fillRect/>
@@ -3452,8 +3511,8 @@
         </p:blipFill>
         <p:spPr>
           <a:xfrm>
-            <a:off x="2189990" y="2538860"/>
-            <a:ext cx="8936102" cy="2382083"/>
+            <a:off x="2753621" y="1913597"/>
+            <a:ext cx="7110543" cy="2859571"/>
           </a:xfrm>
           <a:prstGeom prst="rect">
             <a:avLst/>
@@ -3484,7 +3543,7 @@
           </a:ln>
           <a:extLst>
             <a:ext uri="{C572A759-6A51-4108-AA02-DFA0A04FC94B}">
-              <ma14:wrappingTextBoxFlag xmlns:ma14="http://schemas.microsoft.com/office/mac/drawingml/2011/main" val="1"/>
+              <ma14:wrappingTextBoxFlag xmlns:ma14="http://schemas.microsoft.com/office/mac/drawingml/2011/main" xmlns:a14="http://schemas.microsoft.com/office/drawing/2010/main" xmlns:m="http://schemas.openxmlformats.org/officeDocument/2006/math" xmlns="" val="1"/>
             </a:ext>
           </a:extLst>
         </p:spPr>
@@ -3555,12 +3614,12 @@
   <p:clrMapOvr>
     <a:masterClrMapping/>
   </p:clrMapOvr>
-  <p:transition xmlns:p14="http://schemas.microsoft.com/office/powerpoint/2010/main" spd="med" advClick="1"/>
+  <p:transition spd="med"/>
 </p:sld>
 </file>
 
 <file path=ppt/slides/slide11.xml><?xml version="1.0" encoding="utf-8"?>
-<p:sld xmlns:a="http://schemas.openxmlformats.org/drawingml/2006/main" xmlns:r="http://schemas.openxmlformats.org/officeDocument/2006/relationships" xmlns:p="http://schemas.openxmlformats.org/presentationml/2006/main" xmlns:m="http://schemas.openxmlformats.org/officeDocument/2006/math" xmlns:a14="http://schemas.microsoft.com/office/drawing/2010/main" showMasterSp="1" showMasterPhAnim="1">
+<p:sld xmlns:a="http://schemas.openxmlformats.org/drawingml/2006/main" xmlns:r="http://schemas.openxmlformats.org/officeDocument/2006/relationships" xmlns:p="http://schemas.openxmlformats.org/presentationml/2006/main">
   <p:cSld>
     <p:spTree>
       <p:nvGrpSpPr>
@@ -3576,54 +3635,9 @@
           <a:chExt cx="0" cy="0"/>
         </a:xfrm>
       </p:grpSpPr>
-      <p:sp>
-        <p:nvSpPr>
-          <p:cNvPr id="147" name="Rectángulo 4"/>
-          <p:cNvSpPr txBox="1"/>
-          <p:nvPr/>
-        </p:nvSpPr>
-        <p:spPr>
-          <a:xfrm>
-            <a:off x="5564666" y="1483916"/>
-            <a:ext cx="1031489" cy="350662"/>
-          </a:xfrm>
-          <a:prstGeom prst="rect">
-            <a:avLst/>
-          </a:prstGeom>
-          <a:ln w="12700">
-            <a:miter lim="400000"/>
-          </a:ln>
-          <a:extLst>
-            <a:ext uri="{C572A759-6A51-4108-AA02-DFA0A04FC94B}">
-              <ma14:wrappingTextBoxFlag xmlns:ma14="http://schemas.microsoft.com/office/mac/drawingml/2011/main" val="1"/>
-            </a:ext>
-          </a:extLst>
-        </p:spPr>
-        <p:txBody>
-          <a:bodyPr wrap="none" lIns="45719" rIns="45719">
-            <a:spAutoFit/>
-          </a:bodyPr>
-          <a:lstStyle>
-            <a:lvl1pPr>
-              <a:defRPr>
-                <a:latin typeface="Arial"/>
-                <a:ea typeface="Arial"/>
-                <a:cs typeface="Arial"/>
-                <a:sym typeface="Arial"/>
-              </a:defRPr>
-            </a:lvl1pPr>
-          </a:lstStyle>
-          <a:p>
-            <a:pPr/>
-            <a:r>
-              <a:t>Modificar</a:t>
-            </a:r>
-          </a:p>
-        </p:txBody>
-      </p:sp>
       <p:pic>
         <p:nvPicPr>
-          <p:cNvPr id="148" name="Marcador de contenido 4" descr="Marcador de contenido 4"/>
+          <p:cNvPr id="148" name="Marcador de contenido 4"/>
           <p:cNvPicPr>
             <a:picLocks noChangeAspect="1"/>
           </p:cNvPicPr>
@@ -3631,7 +3645,11 @@
         </p:nvPicPr>
         <p:blipFill>
           <a:blip r:embed="rId2">
-            <a:extLst/>
+            <a:extLst>
+              <a:ext uri="{28A0092B-C50C-407E-A947-70E740481C1C}">
+                <a14:useLocalDpi xmlns:a14="http://schemas.microsoft.com/office/drawing/2010/main" val="0"/>
+              </a:ext>
+            </a:extLst>
           </a:blip>
           <a:stretch>
             <a:fillRect/>
@@ -3639,8 +3657,8 @@
         </p:blipFill>
         <p:spPr>
           <a:xfrm>
-            <a:off x="2275021" y="2186934"/>
-            <a:ext cx="8820928" cy="2484130"/>
+            <a:off x="2787325" y="1923341"/>
+            <a:ext cx="6617349" cy="3011318"/>
           </a:xfrm>
           <a:prstGeom prst="rect">
             <a:avLst/>
@@ -3671,7 +3689,7 @@
           </a:ln>
           <a:extLst>
             <a:ext uri="{C572A759-6A51-4108-AA02-DFA0A04FC94B}">
-              <ma14:wrappingTextBoxFlag xmlns:ma14="http://schemas.microsoft.com/office/mac/drawingml/2011/main" val="1"/>
+              <ma14:wrappingTextBoxFlag xmlns:ma14="http://schemas.microsoft.com/office/mac/drawingml/2011/main" xmlns:a14="http://schemas.microsoft.com/office/drawing/2010/main" xmlns:m="http://schemas.openxmlformats.org/officeDocument/2006/math" xmlns="" val="1"/>
             </a:ext>
           </a:extLst>
         </p:spPr>
@@ -3739,41 +3757,35 @@
       </p:sp>
       <p:sp>
         <p:nvSpPr>
-          <p:cNvPr id="150" name="Título 1"/>
-          <p:cNvSpPr txBox="1"/>
-          <p:nvPr/>
+          <p:cNvPr id="6" name="Título 1">
+            <a:extLst>
+              <a:ext uri="{FF2B5EF4-FFF2-40B4-BE49-F238E27FC236}">
+                <a16:creationId xmlns:a16="http://schemas.microsoft.com/office/drawing/2014/main" id="{F0F8D5E1-01A6-48D4-BC54-8A6E037EC8C0}"/>
+              </a:ext>
+            </a:extLst>
+          </p:cNvPr>
+          <p:cNvSpPr txBox="1">
+            <a:spLocks noGrp="1"/>
+          </p:cNvSpPr>
+          <p:nvPr>
+            <p:ph type="title"/>
+          </p:nvPr>
         </p:nvSpPr>
         <p:spPr>
           <a:xfrm>
-            <a:off x="1044006" y="520475"/>
+            <a:off x="1024128" y="585216"/>
             <a:ext cx="9720072" cy="1499617"/>
           </a:xfrm>
           <a:prstGeom prst="rect">
             <a:avLst/>
           </a:prstGeom>
-          <a:ln w="12700">
-            <a:miter lim="400000"/>
-          </a:ln>
-          <a:extLst>
-            <a:ext uri="{C572A759-6A51-4108-AA02-DFA0A04FC94B}">
-              <ma14:wrappingTextBoxFlag xmlns:ma14="http://schemas.microsoft.com/office/mac/drawingml/2011/main" val="1"/>
-            </a:ext>
-          </a:extLst>
         </p:spPr>
         <p:txBody>
-          <a:bodyPr lIns="45719" rIns="45719" anchor="ctr">
-            <a:normAutofit fontScale="100000" lnSpcReduction="0"/>
-          </a:bodyPr>
+          <a:bodyPr/>
           <a:lstStyle/>
           <a:p>
-            <a:pPr defTabSz="914400">
-              <a:lnSpc>
-                <a:spcPct val="72000"/>
-              </a:lnSpc>
-              <a:defRPr cap="all" sz="3900">
-                <a:solidFill>
-                  <a:srgbClr val="474233"/>
-                </a:solidFill>
+            <a:pPr defTabSz="886968">
+              <a:defRPr sz="3783" spc="97">
                 <a:latin typeface="Arial"/>
                 <a:ea typeface="Arial"/>
                 <a:cs typeface="Arial"/>
@@ -3781,9 +3793,33 @@
               </a:defRPr>
             </a:pPr>
             <a:r>
-              <a:t>Demostración funcional del proyecto.</a:t>
-            </a:r>
-            <a:br/>
+              <a:rPr dirty="0" err="1"/>
+              <a:t>Demostración</a:t>
+            </a:r>
+            <a:r>
+              <a:rPr dirty="0"/>
+              <a:t> </a:t>
+            </a:r>
+            <a:r>
+              <a:rPr dirty="0" err="1"/>
+              <a:t>funcional</a:t>
+            </a:r>
+            <a:r>
+              <a:rPr dirty="0"/>
+              <a:t> del </a:t>
+            </a:r>
+            <a:r>
+              <a:rPr dirty="0" err="1"/>
+              <a:t>proyecto</a:t>
+            </a:r>
+            <a:r>
+              <a:rPr dirty="0"/>
+              <a:t>.</a:t>
+            </a:r>
+            <a:br>
+              <a:rPr dirty="0"/>
+            </a:br>
+            <a:endParaRPr dirty="0"/>
           </a:p>
         </p:txBody>
       </p:sp>
@@ -3792,12 +3828,12 @@
   <p:clrMapOvr>
     <a:masterClrMapping/>
   </p:clrMapOvr>
-  <p:transition xmlns:p14="http://schemas.microsoft.com/office/powerpoint/2010/main" spd="med" advClick="1"/>
+  <p:transition spd="med"/>
 </p:sld>
 </file>
 
 <file path=ppt/slides/slide12.xml><?xml version="1.0" encoding="utf-8"?>
-<p:sld xmlns:a="http://schemas.openxmlformats.org/drawingml/2006/main" xmlns:r="http://schemas.openxmlformats.org/officeDocument/2006/relationships" xmlns:p="http://schemas.openxmlformats.org/presentationml/2006/main" xmlns:m="http://schemas.openxmlformats.org/officeDocument/2006/math" xmlns:a14="http://schemas.microsoft.com/office/drawing/2010/main" showMasterSp="1" showMasterPhAnim="1">
+<p:sld xmlns:a="http://schemas.openxmlformats.org/drawingml/2006/main" xmlns:r="http://schemas.openxmlformats.org/officeDocument/2006/relationships" xmlns:p="http://schemas.openxmlformats.org/presentationml/2006/main">
   <p:cSld>
     <p:spTree>
       <p:nvGrpSpPr>
@@ -3834,7 +3870,7 @@
           </a:ln>
           <a:extLst>
             <a:ext uri="{C572A759-6A51-4108-AA02-DFA0A04FC94B}">
-              <ma14:wrappingTextBoxFlag xmlns:ma14="http://schemas.microsoft.com/office/mac/drawingml/2011/main" val="1"/>
+              <ma14:wrappingTextBoxFlag xmlns:ma14="http://schemas.microsoft.com/office/mac/drawingml/2011/main" xmlns:a14="http://schemas.microsoft.com/office/drawing/2010/main" xmlns:m="http://schemas.openxmlformats.org/officeDocument/2006/math" xmlns="" val="1"/>
             </a:ext>
           </a:extLst>
         </p:spPr>
@@ -3932,7 +3968,9 @@
       <p:sp>
         <p:nvSpPr>
           <p:cNvPr id="154" name="Título 1"/>
-          <p:cNvSpPr txBox="1"/>
+          <p:cNvSpPr txBox="1">
+            <a:spLocks noGrp="1"/>
+          </p:cNvSpPr>
           <p:nvPr>
             <p:ph type="title"/>
           </p:nvPr>
@@ -3962,6 +4000,7 @@
               <a:t>Avión</a:t>
             </a:r>
             <a:br/>
+            <a:endParaRPr/>
           </a:p>
         </p:txBody>
       </p:sp>
@@ -3970,12 +4009,12 @@
   <p:clrMapOvr>
     <a:masterClrMapping/>
   </p:clrMapOvr>
-  <p:transition xmlns:p14="http://schemas.microsoft.com/office/powerpoint/2010/main" spd="med" advClick="1"/>
+  <p:transition spd="med"/>
 </p:sld>
 </file>
 
 <file path=ppt/slides/slide13.xml><?xml version="1.0" encoding="utf-8"?>
-<p:sld xmlns:a="http://schemas.openxmlformats.org/drawingml/2006/main" xmlns:r="http://schemas.openxmlformats.org/officeDocument/2006/relationships" xmlns:p="http://schemas.openxmlformats.org/presentationml/2006/main" xmlns:m="http://schemas.openxmlformats.org/officeDocument/2006/math" xmlns:a14="http://schemas.microsoft.com/office/drawing/2010/main" showMasterSp="1" showMasterPhAnim="1">
+<p:sld xmlns:a="http://schemas.openxmlformats.org/drawingml/2006/main" xmlns:r="http://schemas.openxmlformats.org/officeDocument/2006/relationships" xmlns:p="http://schemas.openxmlformats.org/presentationml/2006/main">
   <p:cSld>
     <p:spTree>
       <p:nvGrpSpPr>
@@ -4012,7 +4051,7 @@
           </a:ln>
           <a:extLst>
             <a:ext uri="{C572A759-6A51-4108-AA02-DFA0A04FC94B}">
-              <ma14:wrappingTextBoxFlag xmlns:ma14="http://schemas.microsoft.com/office/mac/drawingml/2011/main" val="1"/>
+              <ma14:wrappingTextBoxFlag xmlns:ma14="http://schemas.microsoft.com/office/mac/drawingml/2011/main" xmlns:a14="http://schemas.microsoft.com/office/drawing/2010/main" xmlns:m="http://schemas.openxmlformats.org/officeDocument/2006/math" xmlns="" val="1"/>
             </a:ext>
           </a:extLst>
         </p:spPr>
@@ -4141,12 +4180,12 @@
   <p:clrMapOvr>
     <a:masterClrMapping/>
   </p:clrMapOvr>
-  <p:transition xmlns:p14="http://schemas.microsoft.com/office/powerpoint/2010/main" spd="med" advClick="1"/>
+  <p:transition spd="med"/>
 </p:sld>
 </file>
 
 <file path=ppt/slides/slide14.xml><?xml version="1.0" encoding="utf-8"?>
-<p:sld xmlns:a="http://schemas.openxmlformats.org/drawingml/2006/main" xmlns:r="http://schemas.openxmlformats.org/officeDocument/2006/relationships" xmlns:p="http://schemas.openxmlformats.org/presentationml/2006/main" xmlns:m="http://schemas.openxmlformats.org/officeDocument/2006/math" xmlns:a14="http://schemas.microsoft.com/office/drawing/2010/main" showMasterSp="1" showMasterPhAnim="1">
+<p:sld xmlns:a="http://schemas.openxmlformats.org/drawingml/2006/main" xmlns:r="http://schemas.openxmlformats.org/officeDocument/2006/relationships" xmlns:p="http://schemas.openxmlformats.org/presentationml/2006/main">
   <p:cSld>
     <p:spTree>
       <p:nvGrpSpPr>
@@ -4183,7 +4222,7 @@
           </a:ln>
           <a:extLst>
             <a:ext uri="{C572A759-6A51-4108-AA02-DFA0A04FC94B}">
-              <ma14:wrappingTextBoxFlag xmlns:ma14="http://schemas.microsoft.com/office/mac/drawingml/2011/main" val="1"/>
+              <ma14:wrappingTextBoxFlag xmlns:ma14="http://schemas.microsoft.com/office/mac/drawingml/2011/main" xmlns:a14="http://schemas.microsoft.com/office/drawing/2010/main" xmlns:m="http://schemas.openxmlformats.org/officeDocument/2006/math" xmlns="" val="1"/>
             </a:ext>
           </a:extLst>
         </p:spPr>
@@ -4283,12 +4322,12 @@
   <p:clrMapOvr>
     <a:masterClrMapping/>
   </p:clrMapOvr>
-  <p:transition xmlns:p14="http://schemas.microsoft.com/office/powerpoint/2010/main" spd="med" advClick="1"/>
+  <p:transition spd="med"/>
 </p:sld>
 </file>
 
 <file path=ppt/slides/slide15.xml><?xml version="1.0" encoding="utf-8"?>
-<p:sld xmlns:a="http://schemas.openxmlformats.org/drawingml/2006/main" xmlns:r="http://schemas.openxmlformats.org/officeDocument/2006/relationships" xmlns:p="http://schemas.openxmlformats.org/presentationml/2006/main" xmlns:m="http://schemas.openxmlformats.org/officeDocument/2006/math" xmlns:a14="http://schemas.microsoft.com/office/drawing/2010/main" showMasterSp="1" showMasterPhAnim="1">
+<p:sld xmlns:a="http://schemas.openxmlformats.org/drawingml/2006/main" xmlns:r="http://schemas.openxmlformats.org/officeDocument/2006/relationships" xmlns:p="http://schemas.openxmlformats.org/presentationml/2006/main">
   <p:cSld>
     <p:spTree>
       <p:nvGrpSpPr>
@@ -4325,7 +4364,7 @@
           </a:ln>
           <a:extLst>
             <a:ext uri="{C572A759-6A51-4108-AA02-DFA0A04FC94B}">
-              <ma14:wrappingTextBoxFlag xmlns:ma14="http://schemas.microsoft.com/office/mac/drawingml/2011/main" val="1"/>
+              <ma14:wrappingTextBoxFlag xmlns:ma14="http://schemas.microsoft.com/office/mac/drawingml/2011/main" xmlns:a14="http://schemas.microsoft.com/office/drawing/2010/main" xmlns:m="http://schemas.openxmlformats.org/officeDocument/2006/math" xmlns="" val="1"/>
             </a:ext>
           </a:extLst>
         </p:spPr>
@@ -4432,7 +4471,7 @@
           <a:blip r:embed="rId3">
             <a:extLst/>
           </a:blip>
-          <a:srcRect l="0" t="0" r="0" b="54917"/>
+          <a:srcRect b="54917"/>
           <a:stretch>
             <a:fillRect/>
           </a:stretch>
@@ -4455,12 +4494,12 @@
   <p:clrMapOvr>
     <a:masterClrMapping/>
   </p:clrMapOvr>
-  <p:transition xmlns:p14="http://schemas.microsoft.com/office/powerpoint/2010/main" spd="med" advClick="1"/>
+  <p:transition spd="med"/>
 </p:sld>
 </file>
 
 <file path=ppt/slides/slide16.xml><?xml version="1.0" encoding="utf-8"?>
-<p:sld xmlns:a="http://schemas.openxmlformats.org/drawingml/2006/main" xmlns:r="http://schemas.openxmlformats.org/officeDocument/2006/relationships" xmlns:p="http://schemas.openxmlformats.org/presentationml/2006/main" xmlns:m="http://schemas.openxmlformats.org/officeDocument/2006/math" xmlns:a14="http://schemas.microsoft.com/office/drawing/2010/main" showMasterSp="1" showMasterPhAnim="1">
+<p:sld xmlns:a="http://schemas.openxmlformats.org/drawingml/2006/main" xmlns:r="http://schemas.openxmlformats.org/officeDocument/2006/relationships" xmlns:p="http://schemas.openxmlformats.org/presentationml/2006/main">
   <p:cSld>
     <p:spTree>
       <p:nvGrpSpPr>
@@ -4497,7 +4536,7 @@
           </a:ln>
           <a:extLst>
             <a:ext uri="{C572A759-6A51-4108-AA02-DFA0A04FC94B}">
-              <ma14:wrappingTextBoxFlag xmlns:ma14="http://schemas.microsoft.com/office/mac/drawingml/2011/main" val="1"/>
+              <ma14:wrappingTextBoxFlag xmlns:ma14="http://schemas.microsoft.com/office/mac/drawingml/2011/main" xmlns:a14="http://schemas.microsoft.com/office/drawing/2010/main" xmlns:m="http://schemas.openxmlformats.org/officeDocument/2006/math" xmlns="" val="1"/>
             </a:ext>
           </a:extLst>
         </p:spPr>
@@ -4626,12 +4665,12 @@
   <p:clrMapOvr>
     <a:masterClrMapping/>
   </p:clrMapOvr>
-  <p:transition xmlns:p14="http://schemas.microsoft.com/office/powerpoint/2010/main" spd="med" advClick="1"/>
+  <p:transition spd="med"/>
 </p:sld>
 </file>
 
 <file path=ppt/slides/slide17.xml><?xml version="1.0" encoding="utf-8"?>
-<p:sld xmlns:a="http://schemas.openxmlformats.org/drawingml/2006/main" xmlns:r="http://schemas.openxmlformats.org/officeDocument/2006/relationships" xmlns:p="http://schemas.openxmlformats.org/presentationml/2006/main" xmlns:m="http://schemas.openxmlformats.org/officeDocument/2006/math" xmlns:a14="http://schemas.microsoft.com/office/drawing/2010/main" showMasterSp="1" showMasterPhAnim="1">
+<p:sld xmlns:a="http://schemas.openxmlformats.org/drawingml/2006/main" xmlns:r="http://schemas.openxmlformats.org/officeDocument/2006/relationships" xmlns:p="http://schemas.openxmlformats.org/presentationml/2006/main">
   <p:cSld>
     <p:spTree>
       <p:nvGrpSpPr>
@@ -4650,7 +4689,9 @@
       <p:sp>
         <p:nvSpPr>
           <p:cNvPr id="171" name="TICKET"/>
-          <p:cNvSpPr txBox="1"/>
+          <p:cNvSpPr txBox="1">
+            <a:spLocks noGrp="1"/>
+          </p:cNvSpPr>
           <p:nvPr>
             <p:ph type="title"/>
           </p:nvPr>
@@ -4668,7 +4709,7 @@
           <a:bodyPr/>
           <a:lstStyle>
             <a:lvl1pPr>
-              <a:defRPr spc="112" sz="4400">
+              <a:defRPr sz="4400" spc="112">
                 <a:latin typeface="Arial"/>
                 <a:ea typeface="Arial"/>
                 <a:cs typeface="Arial"/>
@@ -4677,7 +4718,6 @@
             </a:lvl1pPr>
           </a:lstStyle>
           <a:p>
-            <a:pPr/>
             <a:r>
               <a:t>TICKET</a:t>
             </a:r>
@@ -4705,7 +4745,7 @@
           </a:ln>
           <a:extLst>
             <a:ext uri="{C572A759-6A51-4108-AA02-DFA0A04FC94B}">
-              <ma14:wrappingTextBoxFlag xmlns:ma14="http://schemas.microsoft.com/office/mac/drawingml/2011/main" val="1"/>
+              <ma14:wrappingTextBoxFlag xmlns:ma14="http://schemas.microsoft.com/office/mac/drawingml/2011/main" xmlns:a14="http://schemas.microsoft.com/office/drawing/2010/main" xmlns:m="http://schemas.openxmlformats.org/officeDocument/2006/math" xmlns="" val="1"/>
             </a:ext>
           </a:extLst>
         </p:spPr>
@@ -4790,7 +4830,7 @@
           </a:ln>
           <a:extLst>
             <a:ext uri="{C572A759-6A51-4108-AA02-DFA0A04FC94B}">
-              <ma14:wrappingTextBoxFlag xmlns:ma14="http://schemas.microsoft.com/office/mac/drawingml/2011/main" val="1"/>
+              <ma14:wrappingTextBoxFlag xmlns:ma14="http://schemas.microsoft.com/office/mac/drawingml/2011/main" xmlns:a14="http://schemas.microsoft.com/office/drawing/2010/main" xmlns:m="http://schemas.openxmlformats.org/officeDocument/2006/math" xmlns="" val="1"/>
             </a:ext>
           </a:extLst>
         </p:spPr>
@@ -4809,7 +4849,6 @@
             </a:lvl1pPr>
           </a:lstStyle>
           <a:p>
-            <a:pPr/>
             <a:r>
               <a:t>Listar Tickets</a:t>
             </a:r>
@@ -4851,12 +4890,12 @@
   <p:clrMapOvr>
     <a:masterClrMapping/>
   </p:clrMapOvr>
-  <p:transition xmlns:p14="http://schemas.microsoft.com/office/powerpoint/2010/main" spd="med" advClick="1"/>
+  <p:transition spd="med"/>
 </p:sld>
 </file>
 
 <file path=ppt/slides/slide18.xml><?xml version="1.0" encoding="utf-8"?>
-<p:sld xmlns:a="http://schemas.openxmlformats.org/drawingml/2006/main" xmlns:r="http://schemas.openxmlformats.org/officeDocument/2006/relationships" xmlns:p="http://schemas.openxmlformats.org/presentationml/2006/main" xmlns:m="http://schemas.openxmlformats.org/officeDocument/2006/math" xmlns:a14="http://schemas.microsoft.com/office/drawing/2010/main" showMasterSp="1" showMasterPhAnim="1">
+<p:sld xmlns:a="http://schemas.openxmlformats.org/drawingml/2006/main" xmlns:r="http://schemas.openxmlformats.org/officeDocument/2006/relationships" xmlns:p="http://schemas.openxmlformats.org/presentationml/2006/main">
   <p:cSld>
     <p:spTree>
       <p:nvGrpSpPr>
@@ -4875,7 +4914,9 @@
       <p:sp>
         <p:nvSpPr>
           <p:cNvPr id="176" name="Equipajes"/>
-          <p:cNvSpPr txBox="1"/>
+          <p:cNvSpPr txBox="1">
+            <a:spLocks noGrp="1"/>
+          </p:cNvSpPr>
           <p:nvPr>
             <p:ph type="title"/>
           </p:nvPr>
@@ -4893,7 +4934,7 @@
           <a:bodyPr/>
           <a:lstStyle>
             <a:lvl1pPr>
-              <a:defRPr spc="112" sz="4400">
+              <a:defRPr sz="4400" spc="112">
                 <a:latin typeface="Arial"/>
                 <a:ea typeface="Arial"/>
                 <a:cs typeface="Arial"/>
@@ -4902,7 +4943,6 @@
             </a:lvl1pPr>
           </a:lstStyle>
           <a:p>
-            <a:pPr/>
             <a:r>
               <a:t>Equipajes</a:t>
             </a:r>
@@ -4930,7 +4970,7 @@
           </a:ln>
           <a:extLst>
             <a:ext uri="{C572A759-6A51-4108-AA02-DFA0A04FC94B}">
-              <ma14:wrappingTextBoxFlag xmlns:ma14="http://schemas.microsoft.com/office/mac/drawingml/2011/main" val="1"/>
+              <ma14:wrappingTextBoxFlag xmlns:ma14="http://schemas.microsoft.com/office/mac/drawingml/2011/main" xmlns:a14="http://schemas.microsoft.com/office/drawing/2010/main" xmlns:m="http://schemas.openxmlformats.org/officeDocument/2006/math" xmlns="" val="1"/>
             </a:ext>
           </a:extLst>
         </p:spPr>
@@ -5015,7 +5055,7 @@
           </a:ln>
           <a:extLst>
             <a:ext uri="{C572A759-6A51-4108-AA02-DFA0A04FC94B}">
-              <ma14:wrappingTextBoxFlag xmlns:ma14="http://schemas.microsoft.com/office/mac/drawingml/2011/main" val="1"/>
+              <ma14:wrappingTextBoxFlag xmlns:ma14="http://schemas.microsoft.com/office/mac/drawingml/2011/main" xmlns:a14="http://schemas.microsoft.com/office/drawing/2010/main" xmlns:m="http://schemas.openxmlformats.org/officeDocument/2006/math" xmlns="" val="1"/>
             </a:ext>
           </a:extLst>
         </p:spPr>
@@ -5034,7 +5074,6 @@
             </a:lvl1pPr>
           </a:lstStyle>
           <a:p>
-            <a:pPr/>
             <a:r>
               <a:t>Listar Equipajes</a:t>
             </a:r>
@@ -5053,7 +5092,7 @@
           <a:blip r:embed="rId2">
             <a:extLst/>
           </a:blip>
-          <a:srcRect l="1187" t="0" r="14744" b="0"/>
+          <a:srcRect l="1187" r="14744"/>
           <a:stretch>
             <a:fillRect/>
           </a:stretch>
@@ -5083,7 +5122,7 @@
           <a:blip r:embed="rId3">
             <a:extLst/>
           </a:blip>
-          <a:srcRect l="14561" t="20532" r="14561" b="0"/>
+          <a:srcRect l="14561" t="20532" r="14561"/>
           <a:stretch>
             <a:fillRect/>
           </a:stretch>
@@ -5106,12 +5145,12 @@
   <p:clrMapOvr>
     <a:masterClrMapping/>
   </p:clrMapOvr>
-  <p:transition xmlns:p14="http://schemas.microsoft.com/office/powerpoint/2010/main" spd="med" advClick="1"/>
+  <p:transition spd="med"/>
 </p:sld>
 </file>
 
 <file path=ppt/slides/slide19.xml><?xml version="1.0" encoding="utf-8"?>
-<p:sld xmlns:a="http://schemas.openxmlformats.org/drawingml/2006/main" xmlns:r="http://schemas.openxmlformats.org/officeDocument/2006/relationships" xmlns:p="http://schemas.openxmlformats.org/presentationml/2006/main" xmlns:m="http://schemas.openxmlformats.org/officeDocument/2006/math" xmlns:a14="http://schemas.microsoft.com/office/drawing/2010/main" showMasterSp="1" showMasterPhAnim="1">
+<p:sld xmlns:a="http://schemas.openxmlformats.org/drawingml/2006/main" xmlns:r="http://schemas.openxmlformats.org/officeDocument/2006/relationships" xmlns:p="http://schemas.openxmlformats.org/presentationml/2006/main">
   <p:cSld>
     <p:spTree>
       <p:nvGrpSpPr>
@@ -5148,7 +5187,7 @@
           </a:ln>
           <a:extLst>
             <a:ext uri="{C572A759-6A51-4108-AA02-DFA0A04FC94B}">
-              <ma14:wrappingTextBoxFlag xmlns:ma14="http://schemas.microsoft.com/office/mac/drawingml/2011/main" val="1"/>
+              <ma14:wrappingTextBoxFlag xmlns:ma14="http://schemas.microsoft.com/office/mac/drawingml/2011/main" xmlns:a14="http://schemas.microsoft.com/office/drawing/2010/main" xmlns:m="http://schemas.openxmlformats.org/officeDocument/2006/math" xmlns="" val="1"/>
             </a:ext>
           </a:extLst>
         </p:spPr>
@@ -5246,7 +5285,9 @@
       <p:sp>
         <p:nvSpPr>
           <p:cNvPr id="184" name="Título 1"/>
-          <p:cNvSpPr txBox="1"/>
+          <p:cNvSpPr txBox="1">
+            <a:spLocks noGrp="1"/>
+          </p:cNvSpPr>
           <p:nvPr>
             <p:ph type="title"/>
           </p:nvPr>
@@ -5276,6 +5317,7 @@
               <a:t>Tarjetas de embarque</a:t>
             </a:r>
             <a:br/>
+            <a:endParaRPr/>
           </a:p>
         </p:txBody>
       </p:sp>
@@ -5284,12 +5326,12 @@
   <p:clrMapOvr>
     <a:masterClrMapping/>
   </p:clrMapOvr>
-  <p:transition xmlns:p14="http://schemas.microsoft.com/office/powerpoint/2010/main" spd="med" advClick="1"/>
+  <p:transition spd="med"/>
 </p:sld>
 </file>
 
 <file path=ppt/slides/slide2.xml><?xml version="1.0" encoding="utf-8"?>
-<p:sld xmlns:a="http://schemas.openxmlformats.org/drawingml/2006/main" xmlns:r="http://schemas.openxmlformats.org/officeDocument/2006/relationships" xmlns:p="http://schemas.openxmlformats.org/presentationml/2006/main" xmlns:m="http://schemas.openxmlformats.org/officeDocument/2006/math" xmlns:a14="http://schemas.microsoft.com/office/drawing/2010/main" showMasterSp="1" showMasterPhAnim="1">
+<p:sld xmlns:a="http://schemas.openxmlformats.org/drawingml/2006/main" xmlns:r="http://schemas.openxmlformats.org/officeDocument/2006/relationships" xmlns:p="http://schemas.openxmlformats.org/presentationml/2006/main">
   <p:cSld>
     <p:spTree>
       <p:nvGrpSpPr>
@@ -5308,7 +5350,9 @@
       <p:sp>
         <p:nvSpPr>
           <p:cNvPr id="107" name="Título 1"/>
-          <p:cNvSpPr txBox="1"/>
+          <p:cNvSpPr txBox="1">
+            <a:spLocks noGrp="1"/>
+          </p:cNvSpPr>
           <p:nvPr>
             <p:ph type="title"/>
           </p:nvPr>
@@ -5326,7 +5370,6 @@
           <a:bodyPr/>
           <a:lstStyle/>
           <a:p>
-            <a:pPr/>
             <a:r>
               <a:t>Índice</a:t>
             </a:r>
@@ -5336,7 +5379,9 @@
       <p:sp>
         <p:nvSpPr>
           <p:cNvPr id="108" name="Marcador de contenido 2"/>
-          <p:cNvSpPr txBox="1"/>
+          <p:cNvSpPr txBox="1">
+            <a:spLocks noGrp="1"/>
+          </p:cNvSpPr>
           <p:nvPr>
             <p:ph type="body" idx="1"/>
           </p:nvPr>
@@ -5356,7 +5401,7 @@
           <a:p>
             <a:pPr marL="457200" indent="-457200">
               <a:buFontTx/>
-              <a:buAutoNum type="arabicPeriod" startAt="1"/>
+              <a:buAutoNum type="arabicPeriod"/>
             </a:pPr>
             <a:r>
               <a:t>Presentación del proyecto y de los miembros. </a:t>
@@ -5365,7 +5410,7 @@
           <a:p>
             <a:pPr marL="457200" indent="-457200">
               <a:buFontTx/>
-              <a:buAutoNum type="arabicPeriod" startAt="1"/>
+              <a:buAutoNum type="arabicPeriod"/>
             </a:pPr>
             <a:r>
               <a:t>Objetivo del proyecto.</a:t>
@@ -5374,7 +5419,7 @@
           <a:p>
             <a:pPr marL="457200" indent="-457200">
               <a:buFontTx/>
-              <a:buAutoNum type="arabicPeriod" startAt="1"/>
+              <a:buAutoNum type="arabicPeriod"/>
             </a:pPr>
             <a:r>
               <a:t>Funcionalidades que se van a presentar.</a:t>
@@ -5383,7 +5428,7 @@
           <a:p>
             <a:pPr marL="457200" indent="-457200">
               <a:buFontTx/>
-              <a:buAutoNum type="arabicPeriod" startAt="1"/>
+              <a:buAutoNum type="arabicPeriod"/>
             </a:pPr>
             <a:r>
               <a:t>Demostración funcional del proyecto.</a:t>
@@ -5392,7 +5437,7 @@
           <a:p>
             <a:pPr marL="457200" indent="-457200">
               <a:buFontTx/>
-              <a:buAutoNum type="arabicPeriod" startAt="1"/>
+              <a:buAutoNum type="arabicPeriod"/>
             </a:pPr>
             <a:r>
               <a:t>Aspectos a resaltar.</a:t>
@@ -5401,7 +5446,7 @@
           <a:p>
             <a:pPr marL="457200" indent="-457200">
               <a:buFontTx/>
-              <a:buAutoNum type="arabicPeriod" startAt="1"/>
+              <a:buAutoNum type="arabicPeriod"/>
             </a:pPr>
             <a:r>
               <a:t>Conclusiones.</a:t>
@@ -5414,12 +5459,12 @@
   <p:clrMapOvr>
     <a:masterClrMapping/>
   </p:clrMapOvr>
-  <p:transition xmlns:p14="http://schemas.microsoft.com/office/powerpoint/2010/main" spd="med" advClick="1"/>
+  <p:transition spd="med"/>
 </p:sld>
 </file>
 
 <file path=ppt/slides/slide20.xml><?xml version="1.0" encoding="utf-8"?>
-<p:sld xmlns:a="http://schemas.openxmlformats.org/drawingml/2006/main" xmlns:r="http://schemas.openxmlformats.org/officeDocument/2006/relationships" xmlns:p="http://schemas.openxmlformats.org/presentationml/2006/main" xmlns:m="http://schemas.openxmlformats.org/officeDocument/2006/math" xmlns:a14="http://schemas.microsoft.com/office/drawing/2010/main" showMasterSp="1" showMasterPhAnim="1">
+<p:sld xmlns:a="http://schemas.openxmlformats.org/drawingml/2006/main" xmlns:r="http://schemas.openxmlformats.org/officeDocument/2006/relationships" xmlns:p="http://schemas.openxmlformats.org/presentationml/2006/main">
   <p:cSld>
     <p:spTree>
       <p:nvGrpSpPr>
@@ -5438,7 +5483,9 @@
       <p:sp>
         <p:nvSpPr>
           <p:cNvPr id="186" name="Título 1"/>
-          <p:cNvSpPr txBox="1"/>
+          <p:cNvSpPr txBox="1">
+            <a:spLocks noGrp="1"/>
+          </p:cNvSpPr>
           <p:nvPr>
             <p:ph type="title"/>
           </p:nvPr>
@@ -5460,7 +5507,6 @@
             </a:lvl1pPr>
           </a:lstStyle>
           <a:p>
-            <a:pPr/>
             <a:r>
               <a:t>Aspectos a resaltar:</a:t>
             </a:r>
@@ -5470,7 +5516,9 @@
       <p:sp>
         <p:nvSpPr>
           <p:cNvPr id="187" name="Marcador de contenido 2"/>
-          <p:cNvSpPr txBox="1"/>
+          <p:cNvSpPr txBox="1">
+            <a:spLocks noGrp="1"/>
+          </p:cNvSpPr>
           <p:nvPr>
             <p:ph type="body" idx="1"/>
           </p:nvPr>
@@ -5488,7 +5536,6 @@
           <a:bodyPr/>
           <a:lstStyle/>
           <a:p>
-            <a:pPr/>
             <a:r>
               <a:t>Uso de session.</a:t>
             </a:r>
@@ -5498,24 +5545,23 @@
               <a:buSzTx/>
               <a:buNone/>
             </a:pPr>
-          </a:p>
-          <a:p>
-            <a:pPr/>
+            <a:endParaRPr/>
+          </a:p>
+          <a:p>
             <a:r>
               <a:t>Uso de trello.</a:t>
             </a:r>
           </a:p>
           <a:p>
-            <a:pPr/>
-          </a:p>
-          <a:p>
-            <a:pPr/>
+            <a:endParaRPr/>
+          </a:p>
+          <a:p>
             <a:r>
               <a:t>Control de versiones:</a:t>
             </a:r>
           </a:p>
           <a:p>
-            <a:pPr lvl="1" marL="265175" indent="-137160">
+            <a:pPr marL="265175" lvl="1" indent="-137160">
               <a:spcBef>
                 <a:spcPts val="400"/>
               </a:spcBef>
@@ -5527,7 +5573,7 @@
             </a:r>
           </a:p>
           <a:p>
-            <a:pPr lvl="1" marL="265175" indent="-137160">
+            <a:pPr marL="265175" lvl="1" indent="-137160">
               <a:spcBef>
                 <a:spcPts val="400"/>
               </a:spcBef>
@@ -5539,11 +5585,9 @@
             </a:r>
           </a:p>
           <a:p>
-            <a:pPr/>
             <a:endParaRPr sz="1800"/>
           </a:p>
           <a:p>
-            <a:pPr/>
             <a:r>
               <a:t>Metodologías de organización.</a:t>
             </a:r>
@@ -5571,7 +5615,7 @@
           </a:ln>
           <a:extLst>
             <a:ext uri="{C572A759-6A51-4108-AA02-DFA0A04FC94B}">
-              <ma14:wrappingTextBoxFlag xmlns:ma14="http://schemas.microsoft.com/office/mac/drawingml/2011/main" val="1"/>
+              <ma14:wrappingTextBoxFlag xmlns:ma14="http://schemas.microsoft.com/office/mac/drawingml/2011/main" xmlns:a14="http://schemas.microsoft.com/office/drawing/2010/main" xmlns:m="http://schemas.openxmlformats.org/officeDocument/2006/math" xmlns="" val="1"/>
             </a:ext>
           </a:extLst>
         </p:spPr>
@@ -5642,12 +5686,12 @@
   <p:clrMapOvr>
     <a:masterClrMapping/>
   </p:clrMapOvr>
-  <p:transition xmlns:p14="http://schemas.microsoft.com/office/powerpoint/2010/main" spd="med" advClick="1"/>
+  <p:transition spd="med"/>
 </p:sld>
 </file>
 
 <file path=ppt/slides/slide21.xml><?xml version="1.0" encoding="utf-8"?>
-<p:sld xmlns:a="http://schemas.openxmlformats.org/drawingml/2006/main" xmlns:r="http://schemas.openxmlformats.org/officeDocument/2006/relationships" xmlns:p="http://schemas.openxmlformats.org/presentationml/2006/main" xmlns:m="http://schemas.openxmlformats.org/officeDocument/2006/math" xmlns:a14="http://schemas.microsoft.com/office/drawing/2010/main" showMasterSp="1" showMasterPhAnim="1">
+<p:sld xmlns:a="http://schemas.openxmlformats.org/drawingml/2006/main" xmlns:r="http://schemas.openxmlformats.org/officeDocument/2006/relationships" xmlns:p="http://schemas.openxmlformats.org/presentationml/2006/main">
   <p:cSld>
     <p:spTree>
       <p:nvGrpSpPr>
@@ -5666,7 +5710,9 @@
       <p:sp>
         <p:nvSpPr>
           <p:cNvPr id="190" name="Título 1"/>
-          <p:cNvSpPr txBox="1"/>
+          <p:cNvSpPr txBox="1">
+            <a:spLocks noGrp="1"/>
+          </p:cNvSpPr>
           <p:nvPr>
             <p:ph type="title"/>
           </p:nvPr>
@@ -5693,7 +5739,6 @@
             </a:lvl1pPr>
           </a:lstStyle>
           <a:p>
-            <a:pPr/>
             <a:r>
               <a:t>Conclusiones.</a:t>
             </a:r>
@@ -5721,7 +5766,7 @@
           </a:ln>
           <a:extLst>
             <a:ext uri="{C572A759-6A51-4108-AA02-DFA0A04FC94B}">
-              <ma14:wrappingTextBoxFlag xmlns:ma14="http://schemas.microsoft.com/office/mac/drawingml/2011/main" val="1"/>
+              <ma14:wrappingTextBoxFlag xmlns:ma14="http://schemas.microsoft.com/office/mac/drawingml/2011/main" xmlns:a14="http://schemas.microsoft.com/office/drawing/2010/main" xmlns:m="http://schemas.openxmlformats.org/officeDocument/2006/math" xmlns="" val="1"/>
             </a:ext>
           </a:extLst>
         </p:spPr>
@@ -5790,7 +5835,9 @@
       <p:sp>
         <p:nvSpPr>
           <p:cNvPr id="192" name="Marcador de contenido 2"/>
-          <p:cNvSpPr txBox="1"/>
+          <p:cNvSpPr txBox="1">
+            <a:spLocks noGrp="1"/>
+          </p:cNvSpPr>
           <p:nvPr>
             <p:ph type="body" idx="1"/>
           </p:nvPr>
@@ -5805,7 +5852,9 @@
           </a:prstGeom>
         </p:spPr>
         <p:txBody>
-          <a:bodyPr/>
+          <a:bodyPr>
+            <a:normAutofit lnSpcReduction="10000"/>
+          </a:bodyPr>
           <a:lstStyle/>
           <a:p>
             <a:pPr>
@@ -5839,6 +5888,7 @@
               <a:buFont typeface="Arial"/>
               <a:buChar char="•"/>
             </a:pPr>
+            <a:endParaRPr/>
           </a:p>
           <a:p>
             <a:pPr>
@@ -5857,7 +5907,7 @@
             </a:r>
           </a:p>
           <a:p>
-            <a:pPr lvl="1" marL="219455" indent="-91439">
+            <a:pPr marL="219455" lvl="1" indent="-91439">
               <a:buFont typeface="Arial"/>
               <a:buChar char="•"/>
             </a:pPr>
@@ -5866,10 +5916,11 @@
             </a:r>
           </a:p>
           <a:p>
-            <a:pPr lvl="1" marL="219455" indent="-91439">
+            <a:pPr marL="219455" lvl="1" indent="-91439">
               <a:buFont typeface="Arial"/>
               <a:buChar char="•"/>
             </a:pPr>
+            <a:endParaRPr/>
           </a:p>
           <a:p>
             <a:pPr>
@@ -5882,7 +5933,7 @@
             </a:r>
           </a:p>
           <a:p>
-            <a:pPr lvl="1" marL="219455" indent="-91439">
+            <a:pPr marL="219455" lvl="1" indent="-91439">
               <a:buFont typeface="Arial"/>
               <a:buChar char="•"/>
             </a:pPr>
@@ -5897,12 +5948,12 @@
   <p:clrMapOvr>
     <a:masterClrMapping/>
   </p:clrMapOvr>
-  <p:transition xmlns:p14="http://schemas.microsoft.com/office/powerpoint/2010/main" spd="med" advClick="1"/>
+  <p:transition spd="med"/>
 </p:sld>
 </file>
 
 <file path=ppt/slides/slide3.xml><?xml version="1.0" encoding="utf-8"?>
-<p:sld xmlns:a="http://schemas.openxmlformats.org/drawingml/2006/main" xmlns:r="http://schemas.openxmlformats.org/officeDocument/2006/relationships" xmlns:p="http://schemas.openxmlformats.org/presentationml/2006/main" xmlns:m="http://schemas.openxmlformats.org/officeDocument/2006/math" xmlns:a14="http://schemas.microsoft.com/office/drawing/2010/main" showMasterSp="1" showMasterPhAnim="1">
+<p:sld xmlns:a="http://schemas.openxmlformats.org/drawingml/2006/main" xmlns:r="http://schemas.openxmlformats.org/officeDocument/2006/relationships" xmlns:p="http://schemas.openxmlformats.org/presentationml/2006/main">
   <p:cSld>
     <p:spTree>
       <p:nvGrpSpPr>
@@ -5921,7 +5972,9 @@
       <p:sp>
         <p:nvSpPr>
           <p:cNvPr id="110" name="Título 1"/>
-          <p:cNvSpPr txBox="1"/>
+          <p:cNvSpPr txBox="1">
+            <a:spLocks noGrp="1"/>
+          </p:cNvSpPr>
           <p:nvPr>
             <p:ph type="title"/>
           </p:nvPr>
@@ -5940,7 +5993,7 @@
           <a:lstStyle/>
           <a:p>
             <a:pPr defTabSz="886968">
-              <a:defRPr spc="97" sz="3783">
+              <a:defRPr sz="3783" spc="97">
                 <a:solidFill>
                   <a:srgbClr val="2E2B21"/>
                 </a:solidFill>
@@ -5954,13 +6007,16 @@
               <a:t>Presentación del proyecto y de los miembros. </a:t>
             </a:r>
             <a:br/>
+            <a:endParaRPr/>
           </a:p>
         </p:txBody>
       </p:sp>
       <p:sp>
         <p:nvSpPr>
           <p:cNvPr id="111" name="Marcador de contenido 2"/>
-          <p:cNvSpPr txBox="1"/>
+          <p:cNvSpPr txBox="1">
+            <a:spLocks noGrp="1"/>
+          </p:cNvSpPr>
           <p:nvPr>
             <p:ph type="body" idx="1"/>
           </p:nvPr>
@@ -5991,6 +6047,7 @@
               <a:buFontTx/>
               <a:buChar char="▪"/>
             </a:pPr>
+            <a:endParaRPr/>
           </a:p>
           <a:p>
             <a:pPr>
@@ -6006,6 +6063,7 @@
               <a:buFontTx/>
               <a:buChar char="▪"/>
             </a:pPr>
+            <a:endParaRPr/>
           </a:p>
           <a:p>
             <a:pPr>
@@ -6021,6 +6079,7 @@
               <a:buFontTx/>
               <a:buChar char="▪"/>
             </a:pPr>
+            <a:endParaRPr/>
           </a:p>
           <a:p>
             <a:pPr>
@@ -6054,7 +6113,7 @@
           </a:ln>
           <a:extLst>
             <a:ext uri="{C572A759-6A51-4108-AA02-DFA0A04FC94B}">
-              <ma14:wrappingTextBoxFlag xmlns:ma14="http://schemas.microsoft.com/office/mac/drawingml/2011/main" val="1"/>
+              <ma14:wrappingTextBoxFlag xmlns:ma14="http://schemas.microsoft.com/office/mac/drawingml/2011/main" xmlns:a14="http://schemas.microsoft.com/office/drawing/2010/main" xmlns:m="http://schemas.openxmlformats.org/officeDocument/2006/math" xmlns="" val="1"/>
             </a:ext>
           </a:extLst>
         </p:spPr>
@@ -6125,12 +6184,12 @@
   <p:clrMapOvr>
     <a:masterClrMapping/>
   </p:clrMapOvr>
-  <p:transition xmlns:p14="http://schemas.microsoft.com/office/powerpoint/2010/main" spd="med" advClick="1"/>
+  <p:transition spd="med"/>
 </p:sld>
 </file>
 
 <file path=ppt/slides/slide4.xml><?xml version="1.0" encoding="utf-8"?>
-<p:sld xmlns:a="http://schemas.openxmlformats.org/drawingml/2006/main" xmlns:r="http://schemas.openxmlformats.org/officeDocument/2006/relationships" xmlns:p="http://schemas.openxmlformats.org/presentationml/2006/main" xmlns:m="http://schemas.openxmlformats.org/officeDocument/2006/math" xmlns:a14="http://schemas.microsoft.com/office/drawing/2010/main" showMasterSp="1" showMasterPhAnim="1">
+<p:sld xmlns:a="http://schemas.openxmlformats.org/drawingml/2006/main" xmlns:r="http://schemas.openxmlformats.org/officeDocument/2006/relationships" xmlns:p="http://schemas.openxmlformats.org/presentationml/2006/main">
   <p:cSld>
     <p:spTree>
       <p:nvGrpSpPr>
@@ -6149,7 +6208,9 @@
       <p:sp>
         <p:nvSpPr>
           <p:cNvPr id="114" name="Título 1"/>
-          <p:cNvSpPr txBox="1"/>
+          <p:cNvSpPr txBox="1">
+            <a:spLocks noGrp="1"/>
+          </p:cNvSpPr>
           <p:nvPr>
             <p:ph type="title"/>
           </p:nvPr>
@@ -6168,7 +6229,7 @@
           <a:lstStyle/>
           <a:p>
             <a:pPr defTabSz="905255">
-              <a:defRPr spc="99" sz="4356">
+              <a:defRPr sz="4356" spc="99">
                 <a:latin typeface="Arial"/>
                 <a:ea typeface="Arial"/>
                 <a:cs typeface="Arial"/>
@@ -6179,6 +6240,7 @@
               <a:t>Objetivo del proyecto.</a:t>
             </a:r>
             <a:br/>
+            <a:endParaRPr/>
           </a:p>
         </p:txBody>
       </p:sp>
@@ -6203,7 +6265,7 @@
           </a:ln>
           <a:extLst>
             <a:ext uri="{C572A759-6A51-4108-AA02-DFA0A04FC94B}">
-              <ma14:wrappingTextBoxFlag xmlns:ma14="http://schemas.microsoft.com/office/mac/drawingml/2011/main" val="1"/>
+              <ma14:wrappingTextBoxFlag xmlns:ma14="http://schemas.microsoft.com/office/mac/drawingml/2011/main" xmlns:a14="http://schemas.microsoft.com/office/drawing/2010/main" xmlns:m="http://schemas.openxmlformats.org/officeDocument/2006/math" xmlns="" val="1"/>
             </a:ext>
           </a:extLst>
         </p:spPr>
@@ -6272,7 +6334,9 @@
       <p:sp>
         <p:nvSpPr>
           <p:cNvPr id="116" name="Marcador de contenido 2"/>
-          <p:cNvSpPr txBox="1"/>
+          <p:cNvSpPr txBox="1">
+            <a:spLocks noGrp="1"/>
+          </p:cNvSpPr>
           <p:nvPr>
             <p:ph type="body" idx="1"/>
           </p:nvPr>
@@ -6308,7 +6372,7 @@
             </a:r>
           </a:p>
           <a:p>
-            <a:pPr lvl="1" marL="219455" indent="-91439">
+            <a:pPr marL="219455" lvl="1" indent="-91439">
               <a:buFont typeface="Arial"/>
               <a:buChar char="•"/>
               <a:defRPr b="1"/>
@@ -6318,7 +6382,7 @@
             </a:r>
           </a:p>
           <a:p>
-            <a:pPr lvl="2" marL="402336" indent="-91440">
+            <a:pPr marL="402336" lvl="2" indent="-91440">
               <a:buFont typeface="Arial"/>
               <a:buChar char="•"/>
             </a:pPr>
@@ -6327,7 +6391,7 @@
             </a:r>
           </a:p>
           <a:p>
-            <a:pPr lvl="1" marL="219455" indent="-91439">
+            <a:pPr marL="219455" lvl="1" indent="-91439">
               <a:buFont typeface="Arial"/>
               <a:buChar char="•"/>
               <a:defRPr b="1"/>
@@ -6337,7 +6401,7 @@
             </a:r>
           </a:p>
           <a:p>
-            <a:pPr lvl="2" marL="402336" indent="-91440">
+            <a:pPr marL="402336" lvl="2" indent="-91440">
               <a:buFont typeface="Arial"/>
               <a:buChar char="•"/>
             </a:pPr>
@@ -6346,7 +6410,7 @@
             </a:r>
           </a:p>
           <a:p>
-            <a:pPr lvl="2" marL="402336" indent="-91440">
+            <a:pPr marL="402336" lvl="2" indent="-91440">
               <a:buFont typeface="Arial"/>
               <a:buChar char="•"/>
             </a:pPr>
@@ -6361,12 +6425,12 @@
   <p:clrMapOvr>
     <a:masterClrMapping/>
   </p:clrMapOvr>
-  <p:transition xmlns:p14="http://schemas.microsoft.com/office/powerpoint/2010/main" spd="med" advClick="1"/>
+  <p:transition spd="med"/>
 </p:sld>
 </file>
 
 <file path=ppt/slides/slide5.xml><?xml version="1.0" encoding="utf-8"?>
-<p:sld xmlns:a="http://schemas.openxmlformats.org/drawingml/2006/main" xmlns:r="http://schemas.openxmlformats.org/officeDocument/2006/relationships" xmlns:p="http://schemas.openxmlformats.org/presentationml/2006/main" xmlns:m="http://schemas.openxmlformats.org/officeDocument/2006/math" xmlns:a14="http://schemas.microsoft.com/office/drawing/2010/main" showMasterSp="1" showMasterPhAnim="1">
+<p:sld xmlns:a="http://schemas.openxmlformats.org/drawingml/2006/main" xmlns:r="http://schemas.openxmlformats.org/officeDocument/2006/relationships" xmlns:p="http://schemas.openxmlformats.org/presentationml/2006/main">
   <p:cSld>
     <p:spTree>
       <p:nvGrpSpPr>
@@ -6385,7 +6449,9 @@
       <p:sp>
         <p:nvSpPr>
           <p:cNvPr id="118" name="Título 1"/>
-          <p:cNvSpPr txBox="1"/>
+          <p:cNvSpPr txBox="1">
+            <a:spLocks noGrp="1"/>
+          </p:cNvSpPr>
           <p:nvPr>
             <p:ph type="title"/>
           </p:nvPr>
@@ -6404,7 +6470,7 @@
           <a:lstStyle/>
           <a:p>
             <a:pPr defTabSz="886968">
-              <a:defRPr spc="97" sz="3783">
+              <a:defRPr sz="3783" spc="97">
                 <a:latin typeface="Arial"/>
                 <a:ea typeface="Arial"/>
                 <a:cs typeface="Arial"/>
@@ -6415,20 +6481,23 @@
               <a:t>Funcionalidades que se van a presentar.</a:t>
             </a:r>
             <a:br/>
+            <a:endParaRPr/>
           </a:p>
         </p:txBody>
       </p:sp>
       <p:sp>
         <p:nvSpPr>
           <p:cNvPr id="119" name="Marcador de contenido 2"/>
-          <p:cNvSpPr txBox="1"/>
+          <p:cNvSpPr txBox="1">
+            <a:spLocks noGrp="1"/>
+          </p:cNvSpPr>
           <p:nvPr>
             <p:ph type="body" idx="1"/>
           </p:nvPr>
         </p:nvSpPr>
         <p:spPr>
           <a:xfrm>
-            <a:off x="2190749" y="1852613"/>
+            <a:off x="2495549" y="1932824"/>
             <a:ext cx="8945565" cy="4195763"/>
           </a:xfrm>
           <a:prstGeom prst="rect">
@@ -6444,8 +6513,58 @@
               <a:buChar char="•"/>
             </a:pPr>
             <a:r>
-              <a:t>Listados de todos objetos: aviones, clientes, vuelos….etc</a:t>
-            </a:r>
+              <a:rPr dirty="0" err="1"/>
+              <a:t>Listados</a:t>
+            </a:r>
+            <a:r>
+              <a:rPr dirty="0"/>
+              <a:t> de </a:t>
+            </a:r>
+            <a:r>
+              <a:rPr dirty="0" err="1"/>
+              <a:t>todos</a:t>
+            </a:r>
+            <a:r>
+              <a:rPr dirty="0"/>
+              <a:t> </a:t>
+            </a:r>
+            <a:r>
+              <a:rPr dirty="0" err="1"/>
+              <a:t>objetos</a:t>
+            </a:r>
+            <a:r>
+              <a:rPr dirty="0"/>
+              <a:t>: </a:t>
+            </a:r>
+            <a:r>
+              <a:rPr dirty="0" err="1"/>
+              <a:t>aviones</a:t>
+            </a:r>
+            <a:r>
+              <a:rPr dirty="0"/>
+              <a:t>, </a:t>
+            </a:r>
+            <a:r>
+              <a:rPr dirty="0" err="1"/>
+              <a:t>clientes</a:t>
+            </a:r>
+            <a:r>
+              <a:rPr dirty="0"/>
+              <a:t>, </a:t>
+            </a:r>
+            <a:r>
+              <a:rPr dirty="0" err="1"/>
+              <a:t>vuelos</a:t>
+            </a:r>
+            <a:r>
+              <a:rPr dirty="0"/>
+              <a:t>….</a:t>
+            </a:r>
+            <a:r>
+              <a:rPr dirty="0" err="1"/>
+              <a:t>etc</a:t>
+            </a:r>
+            <a:endParaRPr dirty="0"/>
           </a:p>
           <a:p>
             <a:pPr>
@@ -6453,8 +6572,26 @@
               <a:buChar char="•"/>
             </a:pPr>
             <a:r>
-              <a:t>Borrar cualquier objeto</a:t>
-            </a:r>
+              <a:rPr dirty="0" err="1"/>
+              <a:t>Borrar</a:t>
+            </a:r>
+            <a:r>
+              <a:rPr dirty="0"/>
+              <a:t> </a:t>
+            </a:r>
+            <a:r>
+              <a:rPr dirty="0" err="1"/>
+              <a:t>cualquier</a:t>
+            </a:r>
+            <a:r>
+              <a:rPr dirty="0"/>
+              <a:t> </a:t>
+            </a:r>
+            <a:r>
+              <a:rPr dirty="0" err="1"/>
+              <a:t>objeto</a:t>
+            </a:r>
+            <a:endParaRPr dirty="0"/>
           </a:p>
           <a:p>
             <a:pPr>
@@ -6462,8 +6599,50 @@
               <a:buChar char="•"/>
             </a:pPr>
             <a:r>
-              <a:t>Crear y modificar para 3 tipos distintos: ticket, vuelo y cliente</a:t>
-            </a:r>
+              <a:rPr dirty="0" err="1"/>
+              <a:t>Crear</a:t>
+            </a:r>
+            <a:r>
+              <a:rPr dirty="0"/>
+              <a:t> y </a:t>
+            </a:r>
+            <a:r>
+              <a:rPr dirty="0" err="1"/>
+              <a:t>modificar</a:t>
+            </a:r>
+            <a:r>
+              <a:rPr dirty="0"/>
+              <a:t> para 3 </a:t>
+            </a:r>
+            <a:r>
+              <a:rPr dirty="0" err="1"/>
+              <a:t>tipos</a:t>
+            </a:r>
+            <a:r>
+              <a:rPr dirty="0"/>
+              <a:t> </a:t>
+            </a:r>
+            <a:r>
+              <a:rPr dirty="0" err="1"/>
+              <a:t>distintos</a:t>
+            </a:r>
+            <a:r>
+              <a:rPr dirty="0"/>
+              <a:t>: ticket, </a:t>
+            </a:r>
+            <a:r>
+              <a:rPr dirty="0" err="1"/>
+              <a:t>vuelo</a:t>
+            </a:r>
+            <a:r>
+              <a:rPr dirty="0"/>
+              <a:t> y </a:t>
+            </a:r>
+            <a:r>
+              <a:rPr dirty="0" err="1"/>
+              <a:t>cliente</a:t>
+            </a:r>
+            <a:endParaRPr dirty="0"/>
           </a:p>
           <a:p>
             <a:pPr>
@@ -6471,8 +6650,10 @@
               <a:buChar char="•"/>
             </a:pPr>
             <a:r>
+              <a:rPr dirty="0" err="1"/>
               <a:t>Paginación</a:t>
             </a:r>
+            <a:endParaRPr dirty="0"/>
           </a:p>
           <a:p>
             <a:pPr>
@@ -6480,7 +6661,28 @@
               <a:buChar char="•"/>
             </a:pPr>
             <a:r>
-              <a:t>Ordenar listados por algún campo</a:t>
+              <a:rPr dirty="0" err="1"/>
+              <a:t>Ordenar</a:t>
+            </a:r>
+            <a:r>
+              <a:rPr dirty="0"/>
+              <a:t> </a:t>
+            </a:r>
+            <a:r>
+              <a:rPr dirty="0" err="1"/>
+              <a:t>listados</a:t>
+            </a:r>
+            <a:r>
+              <a:rPr dirty="0"/>
+              <a:t> por </a:t>
+            </a:r>
+            <a:r>
+              <a:rPr dirty="0" err="1"/>
+              <a:t>algún</a:t>
+            </a:r>
+            <a:r>
+              <a:rPr dirty="0"/>
+              <a:t> campo</a:t>
             </a:r>
           </a:p>
           <a:p>
@@ -6489,7 +6691,36 @@
               <a:buChar char="•"/>
             </a:pPr>
             <a:r>
-              <a:t>Realizar búsqueda con 2 criterios distintos.</a:t>
+              <a:rPr dirty="0" err="1"/>
+              <a:t>Realizar</a:t>
+            </a:r>
+            <a:r>
+              <a:rPr dirty="0"/>
+              <a:t> </a:t>
+            </a:r>
+            <a:r>
+              <a:rPr dirty="0" err="1"/>
+              <a:t>búsqueda</a:t>
+            </a:r>
+            <a:r>
+              <a:rPr dirty="0"/>
+              <a:t> con 2 </a:t>
+            </a:r>
+            <a:r>
+              <a:rPr dirty="0" err="1"/>
+              <a:t>criterios</a:t>
+            </a:r>
+            <a:r>
+              <a:rPr dirty="0"/>
+              <a:t> </a:t>
+            </a:r>
+            <a:r>
+              <a:rPr dirty="0" err="1"/>
+              <a:t>distintos</a:t>
+            </a:r>
+            <a:r>
+              <a:rPr dirty="0"/>
+              <a:t>.</a:t>
             </a:r>
           </a:p>
         </p:txBody>
@@ -6515,7 +6746,7 @@
           </a:ln>
           <a:extLst>
             <a:ext uri="{C572A759-6A51-4108-AA02-DFA0A04FC94B}">
-              <ma14:wrappingTextBoxFlag xmlns:ma14="http://schemas.microsoft.com/office/mac/drawingml/2011/main" val="1"/>
+              <ma14:wrappingTextBoxFlag xmlns:ma14="http://schemas.microsoft.com/office/mac/drawingml/2011/main" xmlns:a14="http://schemas.microsoft.com/office/drawing/2010/main" xmlns:m="http://schemas.openxmlformats.org/officeDocument/2006/math" xmlns="" val="1"/>
             </a:ext>
           </a:extLst>
         </p:spPr>
@@ -6586,12 +6817,12 @@
   <p:clrMapOvr>
     <a:masterClrMapping/>
   </p:clrMapOvr>
-  <p:transition xmlns:p14="http://schemas.microsoft.com/office/powerpoint/2010/main" spd="med" advClick="1"/>
+  <p:transition spd="med"/>
 </p:sld>
 </file>
 
 <file path=ppt/slides/slide6.xml><?xml version="1.0" encoding="utf-8"?>
-<p:sld xmlns:a="http://schemas.openxmlformats.org/drawingml/2006/main" xmlns:r="http://schemas.openxmlformats.org/officeDocument/2006/relationships" xmlns:p="http://schemas.openxmlformats.org/presentationml/2006/main" xmlns:m="http://schemas.openxmlformats.org/officeDocument/2006/math" xmlns:a14="http://schemas.microsoft.com/office/drawing/2010/main" showMasterSp="1" showMasterPhAnim="1">
+<p:sld xmlns:a="http://schemas.openxmlformats.org/drawingml/2006/main" xmlns:r="http://schemas.openxmlformats.org/officeDocument/2006/relationships" xmlns:p="http://schemas.openxmlformats.org/presentationml/2006/main">
   <p:cSld>
     <p:spTree>
       <p:nvGrpSpPr>
@@ -6610,7 +6841,9 @@
       <p:sp>
         <p:nvSpPr>
           <p:cNvPr id="122" name="Título 1"/>
-          <p:cNvSpPr txBox="1"/>
+          <p:cNvSpPr txBox="1">
+            <a:spLocks noGrp="1"/>
+          </p:cNvSpPr>
           <p:nvPr>
             <p:ph type="title"/>
           </p:nvPr>
@@ -6629,7 +6862,7 @@
           <a:lstStyle/>
           <a:p>
             <a:pPr defTabSz="886968">
-              <a:defRPr spc="97" sz="3783">
+              <a:defRPr sz="3783" spc="97">
                 <a:latin typeface="Arial"/>
                 <a:ea typeface="Arial"/>
                 <a:cs typeface="Arial"/>
@@ -6640,6 +6873,7 @@
               <a:t>Demostración funcional del proyecto.</a:t>
             </a:r>
             <a:br/>
+            <a:endParaRPr/>
           </a:p>
         </p:txBody>
       </p:sp>
@@ -6662,7 +6896,7 @@
           </a:ln>
           <a:extLst>
             <a:ext uri="{C572A759-6A51-4108-AA02-DFA0A04FC94B}">
-              <ma14:wrappingTextBoxFlag xmlns:ma14="http://schemas.microsoft.com/office/mac/drawingml/2011/main" val="1"/>
+              <ma14:wrappingTextBoxFlag xmlns:ma14="http://schemas.microsoft.com/office/mac/drawingml/2011/main" xmlns:a14="http://schemas.microsoft.com/office/drawing/2010/main" xmlns:m="http://schemas.openxmlformats.org/officeDocument/2006/math" xmlns="" val="1"/>
             </a:ext>
           </a:extLst>
         </p:spPr>
@@ -6681,7 +6915,6 @@
             </a:lvl1pPr>
           </a:lstStyle>
           <a:p>
-            <a:pPr/>
             <a:r>
               <a:t>Página de inicio</a:t>
             </a:r>
@@ -6709,7 +6942,7 @@
           </a:ln>
           <a:extLst>
             <a:ext uri="{C572A759-6A51-4108-AA02-DFA0A04FC94B}">
-              <ma14:wrappingTextBoxFlag xmlns:ma14="http://schemas.microsoft.com/office/mac/drawingml/2011/main" val="1"/>
+              <ma14:wrappingTextBoxFlag xmlns:ma14="http://schemas.microsoft.com/office/mac/drawingml/2011/main" xmlns:a14="http://schemas.microsoft.com/office/drawing/2010/main" xmlns:m="http://schemas.openxmlformats.org/officeDocument/2006/math" xmlns="" val="1"/>
             </a:ext>
           </a:extLst>
         </p:spPr>
@@ -6809,12 +7042,12 @@
   <p:clrMapOvr>
     <a:masterClrMapping/>
   </p:clrMapOvr>
-  <p:transition xmlns:p14="http://schemas.microsoft.com/office/powerpoint/2010/main" spd="med" advClick="1"/>
+  <p:transition spd="med"/>
 </p:sld>
 </file>
 
 <file path=ppt/slides/slide7.xml><?xml version="1.0" encoding="utf-8"?>
-<p:sld xmlns:a="http://schemas.openxmlformats.org/drawingml/2006/main" xmlns:r="http://schemas.openxmlformats.org/officeDocument/2006/relationships" xmlns:p="http://schemas.openxmlformats.org/presentationml/2006/main" xmlns:m="http://schemas.openxmlformats.org/officeDocument/2006/math" xmlns:a14="http://schemas.microsoft.com/office/drawing/2010/main" showMasterSp="1" showMasterPhAnim="1">
+<p:sld xmlns:a="http://schemas.openxmlformats.org/drawingml/2006/main" xmlns:r="http://schemas.openxmlformats.org/officeDocument/2006/relationships" xmlns:p="http://schemas.openxmlformats.org/presentationml/2006/main">
   <p:cSld>
     <p:spTree>
       <p:nvGrpSpPr>
@@ -6833,7 +7066,9 @@
       <p:sp>
         <p:nvSpPr>
           <p:cNvPr id="127" name="Título 1"/>
-          <p:cNvSpPr txBox="1"/>
+          <p:cNvSpPr txBox="1">
+            <a:spLocks noGrp="1"/>
+          </p:cNvSpPr>
           <p:nvPr>
             <p:ph type="title"/>
           </p:nvPr>
@@ -6852,7 +7087,7 @@
           <a:lstStyle/>
           <a:p>
             <a:pPr defTabSz="886968">
-              <a:defRPr spc="97" sz="3783">
+              <a:defRPr sz="3783" spc="97">
                 <a:latin typeface="Arial"/>
                 <a:ea typeface="Arial"/>
                 <a:cs typeface="Arial"/>
@@ -6863,13 +7098,16 @@
               <a:t>Demostración funcional del proyecto.</a:t>
             </a:r>
             <a:br/>
+            <a:endParaRPr/>
           </a:p>
         </p:txBody>
       </p:sp>
       <p:sp>
         <p:nvSpPr>
           <p:cNvPr id="128" name="Marcador de contenido 2"/>
-          <p:cNvSpPr txBox="1"/>
+          <p:cNvSpPr txBox="1">
+            <a:spLocks noGrp="1"/>
+          </p:cNvSpPr>
           <p:nvPr>
             <p:ph type="body" idx="1"/>
           </p:nvPr>
@@ -6887,25 +7125,21 @@
           <a:bodyPr/>
           <a:lstStyle/>
           <a:p>
-            <a:pPr/>
             <a:r>
               <a:t>Captura normal</a:t>
             </a:r>
           </a:p>
           <a:p>
-            <a:pPr/>
             <a:r>
               <a:t>Capturas buscando por nombre y luego por dni. También ordenando</a:t>
             </a:r>
           </a:p>
           <a:p>
-            <a:pPr/>
             <a:r>
               <a:t>Capturas ordenando por distintos filtros</a:t>
             </a:r>
           </a:p>
           <a:p>
-            <a:pPr/>
             <a:r>
               <a:t>Captura de eliminar un cliente (No sé si debería ponerla)</a:t>
             </a:r>
@@ -6931,7 +7165,7 @@
           </a:ln>
           <a:extLst>
             <a:ext uri="{C572A759-6A51-4108-AA02-DFA0A04FC94B}">
-              <ma14:wrappingTextBoxFlag xmlns:ma14="http://schemas.microsoft.com/office/mac/drawingml/2011/main" val="1"/>
+              <ma14:wrappingTextBoxFlag xmlns:ma14="http://schemas.microsoft.com/office/mac/drawingml/2011/main" xmlns:a14="http://schemas.microsoft.com/office/drawing/2010/main" xmlns:m="http://schemas.openxmlformats.org/officeDocument/2006/math" xmlns="" val="1"/>
             </a:ext>
           </a:extLst>
         </p:spPr>
@@ -6950,7 +7184,6 @@
             </a:lvl1pPr>
           </a:lstStyle>
           <a:p>
-            <a:pPr/>
             <a:r>
               <a:t>Listar Cliente</a:t>
             </a:r>
@@ -6978,7 +7211,7 @@
           </a:ln>
           <a:extLst>
             <a:ext uri="{C572A759-6A51-4108-AA02-DFA0A04FC94B}">
-              <ma14:wrappingTextBoxFlag xmlns:ma14="http://schemas.microsoft.com/office/mac/drawingml/2011/main" val="1"/>
+              <ma14:wrappingTextBoxFlag xmlns:ma14="http://schemas.microsoft.com/office/mac/drawingml/2011/main" xmlns:a14="http://schemas.microsoft.com/office/drawing/2010/main" xmlns:m="http://schemas.openxmlformats.org/officeDocument/2006/math" xmlns="" val="1"/>
             </a:ext>
           </a:extLst>
         </p:spPr>
@@ -7049,12 +7282,12 @@
   <p:clrMapOvr>
     <a:masterClrMapping/>
   </p:clrMapOvr>
-  <p:transition xmlns:p14="http://schemas.microsoft.com/office/powerpoint/2010/main" spd="med" advClick="1"/>
+  <p:transition spd="med"/>
 </p:sld>
 </file>
 
 <file path=ppt/slides/slide8.xml><?xml version="1.0" encoding="utf-8"?>
-<p:sld xmlns:a="http://schemas.openxmlformats.org/drawingml/2006/main" xmlns:r="http://schemas.openxmlformats.org/officeDocument/2006/relationships" xmlns:p="http://schemas.openxmlformats.org/presentationml/2006/main" xmlns:m="http://schemas.openxmlformats.org/officeDocument/2006/math" xmlns:a14="http://schemas.microsoft.com/office/drawing/2010/main" showMasterSp="1" showMasterPhAnim="1">
+<p:sld xmlns:a="http://schemas.openxmlformats.org/drawingml/2006/main" xmlns:r="http://schemas.openxmlformats.org/officeDocument/2006/relationships" xmlns:p="http://schemas.openxmlformats.org/presentationml/2006/main">
   <p:cSld>
     <p:spTree>
       <p:nvGrpSpPr>
@@ -7073,7 +7306,9 @@
       <p:sp>
         <p:nvSpPr>
           <p:cNvPr id="132" name="Título 1"/>
-          <p:cNvSpPr txBox="1"/>
+          <p:cNvSpPr txBox="1">
+            <a:spLocks noGrp="1"/>
+          </p:cNvSpPr>
           <p:nvPr>
             <p:ph type="title"/>
           </p:nvPr>
@@ -7092,7 +7327,7 @@
           <a:lstStyle/>
           <a:p>
             <a:pPr defTabSz="886968">
-              <a:defRPr spc="97" sz="3783">
+              <a:defRPr sz="3783" spc="97">
                 <a:latin typeface="Arial"/>
                 <a:ea typeface="Arial"/>
                 <a:cs typeface="Arial"/>
@@ -7103,13 +7338,16 @@
               <a:t>Demostración funcional del proyecto.</a:t>
             </a:r>
             <a:br/>
+            <a:endParaRPr/>
           </a:p>
         </p:txBody>
       </p:sp>
       <p:sp>
         <p:nvSpPr>
           <p:cNvPr id="133" name="Marcador de contenido 2"/>
-          <p:cNvSpPr txBox="1"/>
+          <p:cNvSpPr txBox="1">
+            <a:spLocks noGrp="1"/>
+          </p:cNvSpPr>
           <p:nvPr>
             <p:ph type="body" idx="1"/>
           </p:nvPr>
@@ -7127,19 +7365,16 @@
           <a:bodyPr/>
           <a:lstStyle/>
           <a:p>
-            <a:pPr/>
             <a:r>
               <a:t>Captura Normal</a:t>
             </a:r>
           </a:p>
           <a:p>
-            <a:pPr/>
             <a:r>
               <a:t>Captura de Modificar Cliente</a:t>
             </a:r>
           </a:p>
           <a:p>
-            <a:pPr/>
             <a:r>
               <a:t>Captura de Validación de los datos del Cliente</a:t>
             </a:r>
@@ -7165,7 +7400,7 @@
           </a:ln>
           <a:extLst>
             <a:ext uri="{C572A759-6A51-4108-AA02-DFA0A04FC94B}">
-              <ma14:wrappingTextBoxFlag xmlns:ma14="http://schemas.microsoft.com/office/mac/drawingml/2011/main" val="1"/>
+              <ma14:wrappingTextBoxFlag xmlns:ma14="http://schemas.microsoft.com/office/mac/drawingml/2011/main" xmlns:a14="http://schemas.microsoft.com/office/drawing/2010/main" xmlns:m="http://schemas.openxmlformats.org/officeDocument/2006/math" xmlns="" val="1"/>
             </a:ext>
           </a:extLst>
         </p:spPr>
@@ -7184,7 +7419,6 @@
             </a:lvl1pPr>
           </a:lstStyle>
           <a:p>
-            <a:pPr/>
             <a:r>
               <a:t>Crear y Modificar Cliente</a:t>
             </a:r>
@@ -7212,7 +7446,7 @@
           </a:ln>
           <a:extLst>
             <a:ext uri="{C572A759-6A51-4108-AA02-DFA0A04FC94B}">
-              <ma14:wrappingTextBoxFlag xmlns:ma14="http://schemas.microsoft.com/office/mac/drawingml/2011/main" val="1"/>
+              <ma14:wrappingTextBoxFlag xmlns:ma14="http://schemas.microsoft.com/office/mac/drawingml/2011/main" xmlns:a14="http://schemas.microsoft.com/office/drawing/2010/main" xmlns:m="http://schemas.openxmlformats.org/officeDocument/2006/math" xmlns="" val="1"/>
             </a:ext>
           </a:extLst>
         </p:spPr>
@@ -7283,12 +7517,12 @@
   <p:clrMapOvr>
     <a:masterClrMapping/>
   </p:clrMapOvr>
-  <p:transition xmlns:p14="http://schemas.microsoft.com/office/powerpoint/2010/main" spd="med" advClick="1"/>
+  <p:transition spd="med"/>
 </p:sld>
 </file>
 
 <file path=ppt/slides/slide9.xml><?xml version="1.0" encoding="utf-8"?>
-<p:sld xmlns:a="http://schemas.openxmlformats.org/drawingml/2006/main" xmlns:r="http://schemas.openxmlformats.org/officeDocument/2006/relationships" xmlns:p="http://schemas.openxmlformats.org/presentationml/2006/main" xmlns:m="http://schemas.openxmlformats.org/officeDocument/2006/math" xmlns:a14="http://schemas.microsoft.com/office/drawing/2010/main" showMasterSp="1" showMasterPhAnim="1">
+<p:sld xmlns:a="http://schemas.openxmlformats.org/drawingml/2006/main" xmlns:r="http://schemas.openxmlformats.org/officeDocument/2006/relationships" xmlns:p="http://schemas.openxmlformats.org/presentationml/2006/main">
   <p:cSld>
     <p:spTree>
       <p:nvGrpSpPr>
@@ -7307,7 +7541,9 @@
       <p:sp>
         <p:nvSpPr>
           <p:cNvPr id="137" name="Título 1"/>
-          <p:cNvSpPr txBox="1"/>
+          <p:cNvSpPr txBox="1">
+            <a:spLocks noGrp="1"/>
+          </p:cNvSpPr>
           <p:nvPr>
             <p:ph type="title"/>
           </p:nvPr>
@@ -7326,7 +7562,7 @@
           <a:lstStyle/>
           <a:p>
             <a:pPr defTabSz="886968">
-              <a:defRPr spc="97" sz="3783">
+              <a:defRPr sz="3783" spc="97">
                 <a:latin typeface="Arial"/>
                 <a:ea typeface="Arial"/>
                 <a:cs typeface="Arial"/>
@@ -7337,6 +7573,7 @@
               <a:t>Demostración funcional del proyecto.</a:t>
             </a:r>
             <a:br/>
+            <a:endParaRPr/>
           </a:p>
         </p:txBody>
       </p:sp>
@@ -7359,7 +7596,7 @@
           </a:ln>
           <a:extLst>
             <a:ext uri="{C572A759-6A51-4108-AA02-DFA0A04FC94B}">
-              <ma14:wrappingTextBoxFlag xmlns:ma14="http://schemas.microsoft.com/office/mac/drawingml/2011/main" val="1"/>
+              <ma14:wrappingTextBoxFlag xmlns:ma14="http://schemas.microsoft.com/office/mac/drawingml/2011/main" xmlns:a14="http://schemas.microsoft.com/office/drawing/2010/main" xmlns:m="http://schemas.openxmlformats.org/officeDocument/2006/math" xmlns="" val="1"/>
             </a:ext>
           </a:extLst>
         </p:spPr>
@@ -7378,7 +7615,6 @@
             </a:lvl1pPr>
           </a:lstStyle>
           <a:p>
-            <a:pPr/>
             <a:r>
               <a:t>Vuelos</a:t>
             </a:r>
@@ -7435,7 +7671,7 @@
           </a:ln>
           <a:extLst>
             <a:ext uri="{C572A759-6A51-4108-AA02-DFA0A04FC94B}">
-              <ma14:wrappingTextBoxFlag xmlns:ma14="http://schemas.microsoft.com/office/mac/drawingml/2011/main" val="1"/>
+              <ma14:wrappingTextBoxFlag xmlns:ma14="http://schemas.microsoft.com/office/mac/drawingml/2011/main" xmlns:a14="http://schemas.microsoft.com/office/drawing/2010/main" xmlns:m="http://schemas.openxmlformats.org/officeDocument/2006/math" xmlns="" val="1"/>
             </a:ext>
           </a:extLst>
         </p:spPr>
@@ -7506,12 +7742,12 @@
   <p:clrMapOvr>
     <a:masterClrMapping/>
   </p:clrMapOvr>
-  <p:transition xmlns:p14="http://schemas.microsoft.com/office/powerpoint/2010/main" spd="med" advClick="1"/>
+  <p:transition spd="med"/>
 </p:sld>
 </file>
 
 <file path=ppt/theme/theme1.xml><?xml version="1.0" encoding="utf-8"?>
-<a:theme xmlns:a="http://schemas.openxmlformats.org/drawingml/2006/main" xmlns:r="http://schemas.openxmlformats.org/officeDocument/2006/relationships" name="Integral">
+<a:theme xmlns:a="http://schemas.openxmlformats.org/drawingml/2006/main" name="Integral">
   <a:themeElements>
     <a:clrScheme name="Integral">
       <a:dk1>
@@ -7637,7 +7873,7 @@
       <a:effectStyleLst>
         <a:effectStyle>
           <a:effectLst>
-            <a:outerShdw sx="100000" sy="100000" kx="0" ky="0" algn="b" rotWithShape="0" blurRad="50800" dist="12700" dir="5400000">
+            <a:outerShdw blurRad="50800" dist="12700" dir="5400000" rotWithShape="0">
               <a:srgbClr val="000000">
                 <a:alpha val="50000"/>
               </a:srgbClr>
@@ -7646,7 +7882,7 @@
         </a:effectStyle>
         <a:effectStyle>
           <a:effectLst>
-            <a:outerShdw sx="100000" sy="100000" kx="0" ky="0" algn="b" rotWithShape="0" blurRad="50800" dist="12700" dir="5400000">
+            <a:outerShdw blurRad="50800" dist="12700" dir="5400000" rotWithShape="0">
               <a:srgbClr val="000000">
                 <a:alpha val="50000"/>
               </a:srgbClr>
@@ -7723,7 +7959,7 @@
           <a:round/>
         </a:ln>
         <a:effectLst>
-          <a:outerShdw sx="100000" sy="100000" kx="0" ky="0" algn="b" rotWithShape="0" blurRad="50800" dist="12700" dir="5400000">
+          <a:outerShdw blurRad="50800" dist="12700" dir="5400000" rotWithShape="0">
             <a:srgbClr val="000000">
               <a:alpha val="50000"/>
             </a:srgbClr>
@@ -7731,7 +7967,7 @@
         </a:effectLst>
         <a:sp3d/>
       </a:spPr>
-      <a:bodyPr rot="0" spcFirstLastPara="1" vertOverflow="overflow" horzOverflow="overflow" vert="horz" wrap="square" lIns="45719" tIns="45719" rIns="45719" bIns="45719" numCol="1" spcCol="38100" rtlCol="0" anchor="ctr" upright="0">
+      <a:bodyPr rot="0" spcFirstLastPara="1" vertOverflow="overflow" horzOverflow="overflow" vert="horz" wrap="square" lIns="45719" tIns="45719" rIns="45719" bIns="45719" numCol="1" spcCol="38100" rtlCol="0" anchor="ctr">
         <a:spAutoFit/>
       </a:bodyPr>
       <a:lstStyle>
@@ -7750,7 +7986,7 @@
           <a:buFontTx/>
           <a:buNone/>
           <a:tabLst/>
-          <a:defRPr b="0" baseline="0" cap="none" i="0" spc="0" strike="noStrike" sz="1800" u="none" kumimoji="0" normalizeH="0">
+          <a:defRPr kumimoji="0" sz="1800" b="0" i="0" u="none" strike="noStrike" cap="none" spc="0" normalizeH="0" baseline="0">
             <a:ln>
               <a:noFill/>
             </a:ln>
@@ -7780,7 +8016,7 @@
           <a:buFontTx/>
           <a:buNone/>
           <a:tabLst/>
-          <a:defRPr b="0" baseline="0" cap="none" i="0" spc="0" strike="noStrike" sz="1800" u="none" kumimoji="0" normalizeH="0">
+          <a:defRPr kumimoji="0" sz="1800" b="0" i="0" u="none" strike="noStrike" cap="none" spc="0" normalizeH="0" baseline="0">
             <a:ln>
               <a:noFill/>
             </a:ln>
@@ -7806,7 +8042,7 @@
           <a:buFontTx/>
           <a:buNone/>
           <a:tabLst/>
-          <a:defRPr b="0" baseline="0" cap="none" i="0" spc="0" strike="noStrike" sz="1800" u="none" kumimoji="0" normalizeH="0">
+          <a:defRPr kumimoji="0" sz="1800" b="0" i="0" u="none" strike="noStrike" cap="none" spc="0" normalizeH="0" baseline="0">
             <a:ln>
               <a:noFill/>
             </a:ln>
@@ -7832,7 +8068,7 @@
           <a:buFontTx/>
           <a:buNone/>
           <a:tabLst/>
-          <a:defRPr b="0" baseline="0" cap="none" i="0" spc="0" strike="noStrike" sz="1800" u="none" kumimoji="0" normalizeH="0">
+          <a:defRPr kumimoji="0" sz="1800" b="0" i="0" u="none" strike="noStrike" cap="none" spc="0" normalizeH="0" baseline="0">
             <a:ln>
               <a:noFill/>
             </a:ln>
@@ -7858,7 +8094,7 @@
           <a:buFontTx/>
           <a:buNone/>
           <a:tabLst/>
-          <a:defRPr b="0" baseline="0" cap="none" i="0" spc="0" strike="noStrike" sz="1800" u="none" kumimoji="0" normalizeH="0">
+          <a:defRPr kumimoji="0" sz="1800" b="0" i="0" u="none" strike="noStrike" cap="none" spc="0" normalizeH="0" baseline="0">
             <a:ln>
               <a:noFill/>
             </a:ln>
@@ -7884,7 +8120,7 @@
           <a:buFontTx/>
           <a:buNone/>
           <a:tabLst/>
-          <a:defRPr b="0" baseline="0" cap="none" i="0" spc="0" strike="noStrike" sz="1800" u="none" kumimoji="0" normalizeH="0">
+          <a:defRPr kumimoji="0" sz="1800" b="0" i="0" u="none" strike="noStrike" cap="none" spc="0" normalizeH="0" baseline="0">
             <a:ln>
               <a:noFill/>
             </a:ln>
@@ -7910,7 +8146,7 @@
           <a:buFontTx/>
           <a:buNone/>
           <a:tabLst/>
-          <a:defRPr b="0" baseline="0" cap="none" i="0" spc="0" strike="noStrike" sz="1800" u="none" kumimoji="0" normalizeH="0">
+          <a:defRPr kumimoji="0" sz="1800" b="0" i="0" u="none" strike="noStrike" cap="none" spc="0" normalizeH="0" baseline="0">
             <a:ln>
               <a:noFill/>
             </a:ln>
@@ -7936,7 +8172,7 @@
           <a:buFontTx/>
           <a:buNone/>
           <a:tabLst/>
-          <a:defRPr b="0" baseline="0" cap="none" i="0" spc="0" strike="noStrike" sz="1800" u="none" kumimoji="0" normalizeH="0">
+          <a:defRPr kumimoji="0" sz="1800" b="0" i="0" u="none" strike="noStrike" cap="none" spc="0" normalizeH="0" baseline="0">
             <a:ln>
               <a:noFill/>
             </a:ln>
@@ -7962,7 +8198,7 @@
           <a:buFontTx/>
           <a:buNone/>
           <a:tabLst/>
-          <a:defRPr b="0" baseline="0" cap="none" i="0" spc="0" strike="noStrike" sz="1800" u="none" kumimoji="0" normalizeH="0">
+          <a:defRPr kumimoji="0" sz="1800" b="0" i="0" u="none" strike="noStrike" cap="none" spc="0" normalizeH="0" baseline="0">
             <a:ln>
               <a:noFill/>
             </a:ln>
@@ -7988,7 +8224,7 @@
           <a:buFontTx/>
           <a:buNone/>
           <a:tabLst/>
-          <a:defRPr b="0" baseline="0" cap="none" i="0" spc="0" strike="noStrike" sz="1800" u="none" kumimoji="0" normalizeH="0">
+          <a:defRPr kumimoji="0" sz="1800" b="0" i="0" u="none" strike="noStrike" cap="none" spc="0" normalizeH="0" baseline="0">
             <a:ln>
               <a:noFill/>
             </a:ln>
@@ -8001,9 +8237,15 @@
         </a:lvl9pPr>
       </a:lstStyle>
       <a:style>
-        <a:lnRef idx="0"/>
-        <a:fillRef idx="0"/>
-        <a:effectRef idx="0"/>
+        <a:lnRef idx="0">
+          <a:scrgbClr r="0" g="0" b="0"/>
+        </a:lnRef>
+        <a:fillRef idx="0">
+          <a:scrgbClr r="0" g="0" b="0"/>
+        </a:fillRef>
+        <a:effectRef idx="0">
+          <a:scrgbClr r="0" g="0" b="0"/>
+        </a:effectRef>
         <a:fontRef idx="none"/>
       </a:style>
     </a:spDef>
@@ -8020,7 +8262,7 @@
         <a:effectLst/>
         <a:sp3d/>
       </a:spPr>
-      <a:bodyPr rot="0" spcFirstLastPara="1" vertOverflow="overflow" horzOverflow="overflow" vert="horz" wrap="square" lIns="91439" tIns="45719" rIns="91439" bIns="45719" numCol="1" spcCol="38100" rtlCol="0" anchor="t" upright="0">
+      <a:bodyPr rot="0" spcFirstLastPara="1" vertOverflow="overflow" horzOverflow="overflow" vert="horz" wrap="square" lIns="91439" tIns="45719" rIns="91439" bIns="45719" numCol="1" spcCol="38100" rtlCol="0" anchor="t">
         <a:noAutofit/>
       </a:bodyPr>
       <a:lstStyle>
@@ -8039,7 +8281,7 @@
           <a:buFontTx/>
           <a:buNone/>
           <a:tabLst/>
-          <a:defRPr b="0" baseline="0" cap="none" i="0" spc="0" strike="noStrike" sz="1800" u="none" kumimoji="0" normalizeH="0">
+          <a:defRPr kumimoji="0" sz="1800" b="0" i="0" u="none" strike="noStrike" cap="none" spc="0" normalizeH="0" baseline="0">
             <a:ln>
               <a:noFill/>
             </a:ln>
@@ -8065,7 +8307,7 @@
           <a:buFontTx/>
           <a:buNone/>
           <a:tabLst/>
-          <a:defRPr b="0" baseline="0" cap="none" i="0" spc="0" strike="noStrike" sz="1800" u="none" kumimoji="0" normalizeH="0">
+          <a:defRPr kumimoji="0" sz="1800" b="0" i="0" u="none" strike="noStrike" cap="none" spc="0" normalizeH="0" baseline="0">
             <a:ln>
               <a:noFill/>
             </a:ln>
@@ -8091,7 +8333,7 @@
           <a:buFontTx/>
           <a:buNone/>
           <a:tabLst/>
-          <a:defRPr b="0" baseline="0" cap="none" i="0" spc="0" strike="noStrike" sz="1800" u="none" kumimoji="0" normalizeH="0">
+          <a:defRPr kumimoji="0" sz="1800" b="0" i="0" u="none" strike="noStrike" cap="none" spc="0" normalizeH="0" baseline="0">
             <a:ln>
               <a:noFill/>
             </a:ln>
@@ -8117,7 +8359,7 @@
           <a:buFontTx/>
           <a:buNone/>
           <a:tabLst/>
-          <a:defRPr b="0" baseline="0" cap="none" i="0" spc="0" strike="noStrike" sz="1800" u="none" kumimoji="0" normalizeH="0">
+          <a:defRPr kumimoji="0" sz="1800" b="0" i="0" u="none" strike="noStrike" cap="none" spc="0" normalizeH="0" baseline="0">
             <a:ln>
               <a:noFill/>
             </a:ln>
@@ -8143,7 +8385,7 @@
           <a:buFontTx/>
           <a:buNone/>
           <a:tabLst/>
-          <a:defRPr b="0" baseline="0" cap="none" i="0" spc="0" strike="noStrike" sz="1800" u="none" kumimoji="0" normalizeH="0">
+          <a:defRPr kumimoji="0" sz="1800" b="0" i="0" u="none" strike="noStrike" cap="none" spc="0" normalizeH="0" baseline="0">
             <a:ln>
               <a:noFill/>
             </a:ln>
@@ -8169,7 +8411,7 @@
           <a:buFontTx/>
           <a:buNone/>
           <a:tabLst/>
-          <a:defRPr b="0" baseline="0" cap="none" i="0" spc="0" strike="noStrike" sz="1800" u="none" kumimoji="0" normalizeH="0">
+          <a:defRPr kumimoji="0" sz="1800" b="0" i="0" u="none" strike="noStrike" cap="none" spc="0" normalizeH="0" baseline="0">
             <a:ln>
               <a:noFill/>
             </a:ln>
@@ -8195,7 +8437,7 @@
           <a:buFontTx/>
           <a:buNone/>
           <a:tabLst/>
-          <a:defRPr b="0" baseline="0" cap="none" i="0" spc="0" strike="noStrike" sz="1800" u="none" kumimoji="0" normalizeH="0">
+          <a:defRPr kumimoji="0" sz="1800" b="0" i="0" u="none" strike="noStrike" cap="none" spc="0" normalizeH="0" baseline="0">
             <a:ln>
               <a:noFill/>
             </a:ln>
@@ -8221,7 +8463,7 @@
           <a:buFontTx/>
           <a:buNone/>
           <a:tabLst/>
-          <a:defRPr b="0" baseline="0" cap="none" i="0" spc="0" strike="noStrike" sz="1800" u="none" kumimoji="0" normalizeH="0">
+          <a:defRPr kumimoji="0" sz="1800" b="0" i="0" u="none" strike="noStrike" cap="none" spc="0" normalizeH="0" baseline="0">
             <a:ln>
               <a:noFill/>
             </a:ln>
@@ -8247,7 +8489,7 @@
           <a:buFontTx/>
           <a:buNone/>
           <a:tabLst/>
-          <a:defRPr b="0" baseline="0" cap="none" i="0" spc="0" strike="noStrike" sz="1800" u="none" kumimoji="0" normalizeH="0">
+          <a:defRPr kumimoji="0" sz="1800" b="0" i="0" u="none" strike="noStrike" cap="none" spc="0" normalizeH="0" baseline="0">
             <a:ln>
               <a:noFill/>
             </a:ln>
@@ -8273,7 +8515,7 @@
           <a:buFontTx/>
           <a:buNone/>
           <a:tabLst/>
-          <a:defRPr b="0" baseline="0" cap="none" i="0" spc="0" strike="noStrike" sz="1800" u="none" kumimoji="0" normalizeH="0">
+          <a:defRPr kumimoji="0" sz="1800" b="0" i="0" u="none" strike="noStrike" cap="none" spc="0" normalizeH="0" baseline="0">
             <a:ln>
               <a:noFill/>
             </a:ln>
@@ -8286,9 +8528,15 @@
         </a:lvl9pPr>
       </a:lstStyle>
       <a:style>
-        <a:lnRef idx="0"/>
-        <a:fillRef idx="0"/>
-        <a:effectRef idx="0"/>
+        <a:lnRef idx="0">
+          <a:scrgbClr r="0" g="0" b="0"/>
+        </a:lnRef>
+        <a:fillRef idx="0">
+          <a:scrgbClr r="0" g="0" b="0"/>
+        </a:fillRef>
+        <a:effectRef idx="0">
+          <a:scrgbClr r="0" g="0" b="0"/>
+        </a:effectRef>
         <a:fontRef idx="none"/>
       </a:style>
     </a:lnDef>
@@ -8302,7 +8550,7 @@
         <a:effectLst/>
         <a:sp3d/>
       </a:spPr>
-      <a:bodyPr rot="0" spcFirstLastPara="1" vertOverflow="overflow" horzOverflow="overflow" vert="horz" wrap="square" lIns="45719" tIns="45719" rIns="45719" bIns="45719" numCol="1" spcCol="38100" rtlCol="0" anchor="t" upright="0">
+      <a:bodyPr rot="0" spcFirstLastPara="1" vertOverflow="overflow" horzOverflow="overflow" vert="horz" wrap="square" lIns="45719" tIns="45719" rIns="45719" bIns="45719" numCol="1" spcCol="38100" rtlCol="0" anchor="t">
         <a:spAutoFit/>
       </a:bodyPr>
       <a:lstStyle>
@@ -8321,7 +8569,7 @@
           <a:buFontTx/>
           <a:buNone/>
           <a:tabLst/>
-          <a:defRPr b="0" baseline="0" cap="none" i="0" spc="0" strike="noStrike" sz="1800" u="none" kumimoji="0" normalizeH="0">
+          <a:defRPr kumimoji="0" sz="1800" b="0" i="0" u="none" strike="noStrike" cap="none" spc="0" normalizeH="0" baseline="0">
             <a:ln>
               <a:noFill/>
             </a:ln>
@@ -8351,7 +8599,7 @@
           <a:buFontTx/>
           <a:buNone/>
           <a:tabLst/>
-          <a:defRPr b="0" baseline="0" cap="none" i="0" spc="0" strike="noStrike" sz="1800" u="none" kumimoji="0" normalizeH="0">
+          <a:defRPr kumimoji="0" sz="1800" b="0" i="0" u="none" strike="noStrike" cap="none" spc="0" normalizeH="0" baseline="0">
             <a:ln>
               <a:noFill/>
             </a:ln>
@@ -8377,7 +8625,7 @@
           <a:buFontTx/>
           <a:buNone/>
           <a:tabLst/>
-          <a:defRPr b="0" baseline="0" cap="none" i="0" spc="0" strike="noStrike" sz="1800" u="none" kumimoji="0" normalizeH="0">
+          <a:defRPr kumimoji="0" sz="1800" b="0" i="0" u="none" strike="noStrike" cap="none" spc="0" normalizeH="0" baseline="0">
             <a:ln>
               <a:noFill/>
             </a:ln>
@@ -8403,7 +8651,7 @@
           <a:buFontTx/>
           <a:buNone/>
           <a:tabLst/>
-          <a:defRPr b="0" baseline="0" cap="none" i="0" spc="0" strike="noStrike" sz="1800" u="none" kumimoji="0" normalizeH="0">
+          <a:defRPr kumimoji="0" sz="1800" b="0" i="0" u="none" strike="noStrike" cap="none" spc="0" normalizeH="0" baseline="0">
             <a:ln>
               <a:noFill/>
             </a:ln>
@@ -8429,7 +8677,7 @@
           <a:buFontTx/>
           <a:buNone/>
           <a:tabLst/>
-          <a:defRPr b="0" baseline="0" cap="none" i="0" spc="0" strike="noStrike" sz="1800" u="none" kumimoji="0" normalizeH="0">
+          <a:defRPr kumimoji="0" sz="1800" b="0" i="0" u="none" strike="noStrike" cap="none" spc="0" normalizeH="0" baseline="0">
             <a:ln>
               <a:noFill/>
             </a:ln>
@@ -8455,7 +8703,7 @@
           <a:buFontTx/>
           <a:buNone/>
           <a:tabLst/>
-          <a:defRPr b="0" baseline="0" cap="none" i="0" spc="0" strike="noStrike" sz="1800" u="none" kumimoji="0" normalizeH="0">
+          <a:defRPr kumimoji="0" sz="1800" b="0" i="0" u="none" strike="noStrike" cap="none" spc="0" normalizeH="0" baseline="0">
             <a:ln>
               <a:noFill/>
             </a:ln>
@@ -8481,7 +8729,7 @@
           <a:buFontTx/>
           <a:buNone/>
           <a:tabLst/>
-          <a:defRPr b="0" baseline="0" cap="none" i="0" spc="0" strike="noStrike" sz="1800" u="none" kumimoji="0" normalizeH="0">
+          <a:defRPr kumimoji="0" sz="1800" b="0" i="0" u="none" strike="noStrike" cap="none" spc="0" normalizeH="0" baseline="0">
             <a:ln>
               <a:noFill/>
             </a:ln>
@@ -8507,7 +8755,7 @@
           <a:buFontTx/>
           <a:buNone/>
           <a:tabLst/>
-          <a:defRPr b="0" baseline="0" cap="none" i="0" spc="0" strike="noStrike" sz="1800" u="none" kumimoji="0" normalizeH="0">
+          <a:defRPr kumimoji="0" sz="1800" b="0" i="0" u="none" strike="noStrike" cap="none" spc="0" normalizeH="0" baseline="0">
             <a:ln>
               <a:noFill/>
             </a:ln>
@@ -8533,7 +8781,7 @@
           <a:buFontTx/>
           <a:buNone/>
           <a:tabLst/>
-          <a:defRPr b="0" baseline="0" cap="none" i="0" spc="0" strike="noStrike" sz="1800" u="none" kumimoji="0" normalizeH="0">
+          <a:defRPr kumimoji="0" sz="1800" b="0" i="0" u="none" strike="noStrike" cap="none" spc="0" normalizeH="0" baseline="0">
             <a:ln>
               <a:noFill/>
             </a:ln>
@@ -8559,7 +8807,7 @@
           <a:buFontTx/>
           <a:buNone/>
           <a:tabLst/>
-          <a:defRPr b="0" baseline="0" cap="none" i="0" spc="0" strike="noStrike" sz="1800" u="none" kumimoji="0" normalizeH="0">
+          <a:defRPr kumimoji="0" sz="1800" b="0" i="0" u="none" strike="noStrike" cap="none" spc="0" normalizeH="0" baseline="0">
             <a:ln>
               <a:noFill/>
             </a:ln>
@@ -8572,18 +8820,25 @@
         </a:lvl9pPr>
       </a:lstStyle>
       <a:style>
-        <a:lnRef idx="0"/>
-        <a:fillRef idx="0"/>
-        <a:effectRef idx="0"/>
+        <a:lnRef idx="0">
+          <a:scrgbClr r="0" g="0" b="0"/>
+        </a:lnRef>
+        <a:fillRef idx="0">
+          <a:scrgbClr r="0" g="0" b="0"/>
+        </a:fillRef>
+        <a:effectRef idx="0">
+          <a:scrgbClr r="0" g="0" b="0"/>
+        </a:effectRef>
         <a:fontRef idx="none"/>
       </a:style>
     </a:txDef>
   </a:objectDefaults>
+  <a:extraClrSchemeLst/>
 </a:theme>
 </file>
 
 <file path=ppt/theme/theme2.xml><?xml version="1.0" encoding="utf-8"?>
-<a:theme xmlns:a="http://schemas.openxmlformats.org/drawingml/2006/main" xmlns:r="http://schemas.openxmlformats.org/officeDocument/2006/relationships" name="Integral">
+<a:theme xmlns:a="http://schemas.openxmlformats.org/drawingml/2006/main" name="Integral">
   <a:themeElements>
     <a:clrScheme name="Integral">
       <a:dk1>
@@ -8709,7 +8964,7 @@
       <a:effectStyleLst>
         <a:effectStyle>
           <a:effectLst>
-            <a:outerShdw sx="100000" sy="100000" kx="0" ky="0" algn="b" rotWithShape="0" blurRad="50800" dist="12700" dir="5400000">
+            <a:outerShdw blurRad="50800" dist="12700" dir="5400000" rotWithShape="0">
               <a:srgbClr val="000000">
                 <a:alpha val="50000"/>
               </a:srgbClr>
@@ -8718,7 +8973,7 @@
         </a:effectStyle>
         <a:effectStyle>
           <a:effectLst>
-            <a:outerShdw sx="100000" sy="100000" kx="0" ky="0" algn="b" rotWithShape="0" blurRad="50800" dist="12700" dir="5400000">
+            <a:outerShdw blurRad="50800" dist="12700" dir="5400000" rotWithShape="0">
               <a:srgbClr val="000000">
                 <a:alpha val="50000"/>
               </a:srgbClr>
@@ -8795,7 +9050,7 @@
           <a:round/>
         </a:ln>
         <a:effectLst>
-          <a:outerShdw sx="100000" sy="100000" kx="0" ky="0" algn="b" rotWithShape="0" blurRad="50800" dist="12700" dir="5400000">
+          <a:outerShdw blurRad="50800" dist="12700" dir="5400000" rotWithShape="0">
             <a:srgbClr val="000000">
               <a:alpha val="50000"/>
             </a:srgbClr>
@@ -8803,7 +9058,7 @@
         </a:effectLst>
         <a:sp3d/>
       </a:spPr>
-      <a:bodyPr rot="0" spcFirstLastPara="1" vertOverflow="overflow" horzOverflow="overflow" vert="horz" wrap="square" lIns="45719" tIns="45719" rIns="45719" bIns="45719" numCol="1" spcCol="38100" rtlCol="0" anchor="ctr" upright="0">
+      <a:bodyPr rot="0" spcFirstLastPara="1" vertOverflow="overflow" horzOverflow="overflow" vert="horz" wrap="square" lIns="45719" tIns="45719" rIns="45719" bIns="45719" numCol="1" spcCol="38100" rtlCol="0" anchor="ctr">
         <a:spAutoFit/>
       </a:bodyPr>
       <a:lstStyle>
@@ -8822,7 +9077,7 @@
           <a:buFontTx/>
           <a:buNone/>
           <a:tabLst/>
-          <a:defRPr b="0" baseline="0" cap="none" i="0" spc="0" strike="noStrike" sz="1800" u="none" kumimoji="0" normalizeH="0">
+          <a:defRPr kumimoji="0" sz="1800" b="0" i="0" u="none" strike="noStrike" cap="none" spc="0" normalizeH="0" baseline="0">
             <a:ln>
               <a:noFill/>
             </a:ln>
@@ -8852,7 +9107,7 @@
           <a:buFontTx/>
           <a:buNone/>
           <a:tabLst/>
-          <a:defRPr b="0" baseline="0" cap="none" i="0" spc="0" strike="noStrike" sz="1800" u="none" kumimoji="0" normalizeH="0">
+          <a:defRPr kumimoji="0" sz="1800" b="0" i="0" u="none" strike="noStrike" cap="none" spc="0" normalizeH="0" baseline="0">
             <a:ln>
               <a:noFill/>
             </a:ln>
@@ -8878,7 +9133,7 @@
           <a:buFontTx/>
           <a:buNone/>
           <a:tabLst/>
-          <a:defRPr b="0" baseline="0" cap="none" i="0" spc="0" strike="noStrike" sz="1800" u="none" kumimoji="0" normalizeH="0">
+          <a:defRPr kumimoji="0" sz="1800" b="0" i="0" u="none" strike="noStrike" cap="none" spc="0" normalizeH="0" baseline="0">
             <a:ln>
               <a:noFill/>
             </a:ln>
@@ -8904,7 +9159,7 @@
           <a:buFontTx/>
           <a:buNone/>
           <a:tabLst/>
-          <a:defRPr b="0" baseline="0" cap="none" i="0" spc="0" strike="noStrike" sz="1800" u="none" kumimoji="0" normalizeH="0">
+          <a:defRPr kumimoji="0" sz="1800" b="0" i="0" u="none" strike="noStrike" cap="none" spc="0" normalizeH="0" baseline="0">
             <a:ln>
               <a:noFill/>
             </a:ln>
@@ -8930,7 +9185,7 @@
           <a:buFontTx/>
           <a:buNone/>
           <a:tabLst/>
-          <a:defRPr b="0" baseline="0" cap="none" i="0" spc="0" strike="noStrike" sz="1800" u="none" kumimoji="0" normalizeH="0">
+          <a:defRPr kumimoji="0" sz="1800" b="0" i="0" u="none" strike="noStrike" cap="none" spc="0" normalizeH="0" baseline="0">
             <a:ln>
               <a:noFill/>
             </a:ln>
@@ -8956,7 +9211,7 @@
           <a:buFontTx/>
           <a:buNone/>
           <a:tabLst/>
-          <a:defRPr b="0" baseline="0" cap="none" i="0" spc="0" strike="noStrike" sz="1800" u="none" kumimoji="0" normalizeH="0">
+          <a:defRPr kumimoji="0" sz="1800" b="0" i="0" u="none" strike="noStrike" cap="none" spc="0" normalizeH="0" baseline="0">
             <a:ln>
               <a:noFill/>
             </a:ln>
@@ -8982,7 +9237,7 @@
           <a:buFontTx/>
           <a:buNone/>
           <a:tabLst/>
-          <a:defRPr b="0" baseline="0" cap="none" i="0" spc="0" strike="noStrike" sz="1800" u="none" kumimoji="0" normalizeH="0">
+          <a:defRPr kumimoji="0" sz="1800" b="0" i="0" u="none" strike="noStrike" cap="none" spc="0" normalizeH="0" baseline="0">
             <a:ln>
               <a:noFill/>
             </a:ln>
@@ -9008,7 +9263,7 @@
           <a:buFontTx/>
           <a:buNone/>
           <a:tabLst/>
-          <a:defRPr b="0" baseline="0" cap="none" i="0" spc="0" strike="noStrike" sz="1800" u="none" kumimoji="0" normalizeH="0">
+          <a:defRPr kumimoji="0" sz="1800" b="0" i="0" u="none" strike="noStrike" cap="none" spc="0" normalizeH="0" baseline="0">
             <a:ln>
               <a:noFill/>
             </a:ln>
@@ -9034,7 +9289,7 @@
           <a:buFontTx/>
           <a:buNone/>
           <a:tabLst/>
-          <a:defRPr b="0" baseline="0" cap="none" i="0" spc="0" strike="noStrike" sz="1800" u="none" kumimoji="0" normalizeH="0">
+          <a:defRPr kumimoji="0" sz="1800" b="0" i="0" u="none" strike="noStrike" cap="none" spc="0" normalizeH="0" baseline="0">
             <a:ln>
               <a:noFill/>
             </a:ln>
@@ -9060,7 +9315,7 @@
           <a:buFontTx/>
           <a:buNone/>
           <a:tabLst/>
-          <a:defRPr b="0" baseline="0" cap="none" i="0" spc="0" strike="noStrike" sz="1800" u="none" kumimoji="0" normalizeH="0">
+          <a:defRPr kumimoji="0" sz="1800" b="0" i="0" u="none" strike="noStrike" cap="none" spc="0" normalizeH="0" baseline="0">
             <a:ln>
               <a:noFill/>
             </a:ln>
@@ -9073,9 +9328,15 @@
         </a:lvl9pPr>
       </a:lstStyle>
       <a:style>
-        <a:lnRef idx="0"/>
-        <a:fillRef idx="0"/>
-        <a:effectRef idx="0"/>
+        <a:lnRef idx="0">
+          <a:scrgbClr r="0" g="0" b="0"/>
+        </a:lnRef>
+        <a:fillRef idx="0">
+          <a:scrgbClr r="0" g="0" b="0"/>
+        </a:fillRef>
+        <a:effectRef idx="0">
+          <a:scrgbClr r="0" g="0" b="0"/>
+        </a:effectRef>
         <a:fontRef idx="none"/>
       </a:style>
     </a:spDef>
@@ -9092,7 +9353,7 @@
         <a:effectLst/>
         <a:sp3d/>
       </a:spPr>
-      <a:bodyPr rot="0" spcFirstLastPara="1" vertOverflow="overflow" horzOverflow="overflow" vert="horz" wrap="square" lIns="91439" tIns="45719" rIns="91439" bIns="45719" numCol="1" spcCol="38100" rtlCol="0" anchor="t" upright="0">
+      <a:bodyPr rot="0" spcFirstLastPara="1" vertOverflow="overflow" horzOverflow="overflow" vert="horz" wrap="square" lIns="91439" tIns="45719" rIns="91439" bIns="45719" numCol="1" spcCol="38100" rtlCol="0" anchor="t">
         <a:noAutofit/>
       </a:bodyPr>
       <a:lstStyle>
@@ -9111,7 +9372,7 @@
           <a:buFontTx/>
           <a:buNone/>
           <a:tabLst/>
-          <a:defRPr b="0" baseline="0" cap="none" i="0" spc="0" strike="noStrike" sz="1800" u="none" kumimoji="0" normalizeH="0">
+          <a:defRPr kumimoji="0" sz="1800" b="0" i="0" u="none" strike="noStrike" cap="none" spc="0" normalizeH="0" baseline="0">
             <a:ln>
               <a:noFill/>
             </a:ln>
@@ -9137,7 +9398,7 @@
           <a:buFontTx/>
           <a:buNone/>
           <a:tabLst/>
-          <a:defRPr b="0" baseline="0" cap="none" i="0" spc="0" strike="noStrike" sz="1800" u="none" kumimoji="0" normalizeH="0">
+          <a:defRPr kumimoji="0" sz="1800" b="0" i="0" u="none" strike="noStrike" cap="none" spc="0" normalizeH="0" baseline="0">
             <a:ln>
               <a:noFill/>
             </a:ln>
@@ -9163,7 +9424,7 @@
           <a:buFontTx/>
           <a:buNone/>
           <a:tabLst/>
-          <a:defRPr b="0" baseline="0" cap="none" i="0" spc="0" strike="noStrike" sz="1800" u="none" kumimoji="0" normalizeH="0">
+          <a:defRPr kumimoji="0" sz="1800" b="0" i="0" u="none" strike="noStrike" cap="none" spc="0" normalizeH="0" baseline="0">
             <a:ln>
               <a:noFill/>
             </a:ln>
@@ -9189,7 +9450,7 @@
           <a:buFontTx/>
           <a:buNone/>
           <a:tabLst/>
-          <a:defRPr b="0" baseline="0" cap="none" i="0" spc="0" strike="noStrike" sz="1800" u="none" kumimoji="0" normalizeH="0">
+          <a:defRPr kumimoji="0" sz="1800" b="0" i="0" u="none" strike="noStrike" cap="none" spc="0" normalizeH="0" baseline="0">
             <a:ln>
               <a:noFill/>
             </a:ln>
@@ -9215,7 +9476,7 @@
           <a:buFontTx/>
           <a:buNone/>
           <a:tabLst/>
-          <a:defRPr b="0" baseline="0" cap="none" i="0" spc="0" strike="noStrike" sz="1800" u="none" kumimoji="0" normalizeH="0">
+          <a:defRPr kumimoji="0" sz="1800" b="0" i="0" u="none" strike="noStrike" cap="none" spc="0" normalizeH="0" baseline="0">
             <a:ln>
               <a:noFill/>
             </a:ln>
@@ -9241,7 +9502,7 @@
           <a:buFontTx/>
           <a:buNone/>
           <a:tabLst/>
-          <a:defRPr b="0" baseline="0" cap="none" i="0" spc="0" strike="noStrike" sz="1800" u="none" kumimoji="0" normalizeH="0">
+          <a:defRPr kumimoji="0" sz="1800" b="0" i="0" u="none" strike="noStrike" cap="none" spc="0" normalizeH="0" baseline="0">
             <a:ln>
               <a:noFill/>
             </a:ln>
@@ -9267,7 +9528,7 @@
           <a:buFontTx/>
           <a:buNone/>
           <a:tabLst/>
-          <a:defRPr b="0" baseline="0" cap="none" i="0" spc="0" strike="noStrike" sz="1800" u="none" kumimoji="0" normalizeH="0">
+          <a:defRPr kumimoji="0" sz="1800" b="0" i="0" u="none" strike="noStrike" cap="none" spc="0" normalizeH="0" baseline="0">
             <a:ln>
               <a:noFill/>
             </a:ln>
@@ -9293,7 +9554,7 @@
           <a:buFontTx/>
           <a:buNone/>
           <a:tabLst/>
-          <a:defRPr b="0" baseline="0" cap="none" i="0" spc="0" strike="noStrike" sz="1800" u="none" kumimoji="0" normalizeH="0">
+          <a:defRPr kumimoji="0" sz="1800" b="0" i="0" u="none" strike="noStrike" cap="none" spc="0" normalizeH="0" baseline="0">
             <a:ln>
               <a:noFill/>
             </a:ln>
@@ -9319,7 +9580,7 @@
           <a:buFontTx/>
           <a:buNone/>
           <a:tabLst/>
-          <a:defRPr b="0" baseline="0" cap="none" i="0" spc="0" strike="noStrike" sz="1800" u="none" kumimoji="0" normalizeH="0">
+          <a:defRPr kumimoji="0" sz="1800" b="0" i="0" u="none" strike="noStrike" cap="none" spc="0" normalizeH="0" baseline="0">
             <a:ln>
               <a:noFill/>
             </a:ln>
@@ -9345,7 +9606,7 @@
           <a:buFontTx/>
           <a:buNone/>
           <a:tabLst/>
-          <a:defRPr b="0" baseline="0" cap="none" i="0" spc="0" strike="noStrike" sz="1800" u="none" kumimoji="0" normalizeH="0">
+          <a:defRPr kumimoji="0" sz="1800" b="0" i="0" u="none" strike="noStrike" cap="none" spc="0" normalizeH="0" baseline="0">
             <a:ln>
               <a:noFill/>
             </a:ln>
@@ -9358,9 +9619,15 @@
         </a:lvl9pPr>
       </a:lstStyle>
       <a:style>
-        <a:lnRef idx="0"/>
-        <a:fillRef idx="0"/>
-        <a:effectRef idx="0"/>
+        <a:lnRef idx="0">
+          <a:scrgbClr r="0" g="0" b="0"/>
+        </a:lnRef>
+        <a:fillRef idx="0">
+          <a:scrgbClr r="0" g="0" b="0"/>
+        </a:fillRef>
+        <a:effectRef idx="0">
+          <a:scrgbClr r="0" g="0" b="0"/>
+        </a:effectRef>
         <a:fontRef idx="none"/>
       </a:style>
     </a:lnDef>
@@ -9374,7 +9641,7 @@
         <a:effectLst/>
         <a:sp3d/>
       </a:spPr>
-      <a:bodyPr rot="0" spcFirstLastPara="1" vertOverflow="overflow" horzOverflow="overflow" vert="horz" wrap="square" lIns="45719" tIns="45719" rIns="45719" bIns="45719" numCol="1" spcCol="38100" rtlCol="0" anchor="t" upright="0">
+      <a:bodyPr rot="0" spcFirstLastPara="1" vertOverflow="overflow" horzOverflow="overflow" vert="horz" wrap="square" lIns="45719" tIns="45719" rIns="45719" bIns="45719" numCol="1" spcCol="38100" rtlCol="0" anchor="t">
         <a:spAutoFit/>
       </a:bodyPr>
       <a:lstStyle>
@@ -9393,7 +9660,7 @@
           <a:buFontTx/>
           <a:buNone/>
           <a:tabLst/>
-          <a:defRPr b="0" baseline="0" cap="none" i="0" spc="0" strike="noStrike" sz="1800" u="none" kumimoji="0" normalizeH="0">
+          <a:defRPr kumimoji="0" sz="1800" b="0" i="0" u="none" strike="noStrike" cap="none" spc="0" normalizeH="0" baseline="0">
             <a:ln>
               <a:noFill/>
             </a:ln>
@@ -9423,7 +9690,7 @@
           <a:buFontTx/>
           <a:buNone/>
           <a:tabLst/>
-          <a:defRPr b="0" baseline="0" cap="none" i="0" spc="0" strike="noStrike" sz="1800" u="none" kumimoji="0" normalizeH="0">
+          <a:defRPr kumimoji="0" sz="1800" b="0" i="0" u="none" strike="noStrike" cap="none" spc="0" normalizeH="0" baseline="0">
             <a:ln>
               <a:noFill/>
             </a:ln>
@@ -9449,7 +9716,7 @@
           <a:buFontTx/>
           <a:buNone/>
           <a:tabLst/>
-          <a:defRPr b="0" baseline="0" cap="none" i="0" spc="0" strike="noStrike" sz="1800" u="none" kumimoji="0" normalizeH="0">
+          <a:defRPr kumimoji="0" sz="1800" b="0" i="0" u="none" strike="noStrike" cap="none" spc="0" normalizeH="0" baseline="0">
             <a:ln>
               <a:noFill/>
             </a:ln>
@@ -9475,7 +9742,7 @@
           <a:buFontTx/>
           <a:buNone/>
           <a:tabLst/>
-          <a:defRPr b="0" baseline="0" cap="none" i="0" spc="0" strike="noStrike" sz="1800" u="none" kumimoji="0" normalizeH="0">
+          <a:defRPr kumimoji="0" sz="1800" b="0" i="0" u="none" strike="noStrike" cap="none" spc="0" normalizeH="0" baseline="0">
             <a:ln>
               <a:noFill/>
             </a:ln>
@@ -9501,7 +9768,7 @@
           <a:buFontTx/>
           <a:buNone/>
           <a:tabLst/>
-          <a:defRPr b="0" baseline="0" cap="none" i="0" spc="0" strike="noStrike" sz="1800" u="none" kumimoji="0" normalizeH="0">
+          <a:defRPr kumimoji="0" sz="1800" b="0" i="0" u="none" strike="noStrike" cap="none" spc="0" normalizeH="0" baseline="0">
             <a:ln>
               <a:noFill/>
             </a:ln>
@@ -9527,7 +9794,7 @@
           <a:buFontTx/>
           <a:buNone/>
           <a:tabLst/>
-          <a:defRPr b="0" baseline="0" cap="none" i="0" spc="0" strike="noStrike" sz="1800" u="none" kumimoji="0" normalizeH="0">
+          <a:defRPr kumimoji="0" sz="1800" b="0" i="0" u="none" strike="noStrike" cap="none" spc="0" normalizeH="0" baseline="0">
             <a:ln>
               <a:noFill/>
             </a:ln>
@@ -9553,7 +9820,7 @@
           <a:buFontTx/>
           <a:buNone/>
           <a:tabLst/>
-          <a:defRPr b="0" baseline="0" cap="none" i="0" spc="0" strike="noStrike" sz="1800" u="none" kumimoji="0" normalizeH="0">
+          <a:defRPr kumimoji="0" sz="1800" b="0" i="0" u="none" strike="noStrike" cap="none" spc="0" normalizeH="0" baseline="0">
             <a:ln>
               <a:noFill/>
             </a:ln>
@@ -9579,7 +9846,7 @@
           <a:buFontTx/>
           <a:buNone/>
           <a:tabLst/>
-          <a:defRPr b="0" baseline="0" cap="none" i="0" spc="0" strike="noStrike" sz="1800" u="none" kumimoji="0" normalizeH="0">
+          <a:defRPr kumimoji="0" sz="1800" b="0" i="0" u="none" strike="noStrike" cap="none" spc="0" normalizeH="0" baseline="0">
             <a:ln>
               <a:noFill/>
             </a:ln>
@@ -9605,7 +9872,7 @@
           <a:buFontTx/>
           <a:buNone/>
           <a:tabLst/>
-          <a:defRPr b="0" baseline="0" cap="none" i="0" spc="0" strike="noStrike" sz="1800" u="none" kumimoji="0" normalizeH="0">
+          <a:defRPr kumimoji="0" sz="1800" b="0" i="0" u="none" strike="noStrike" cap="none" spc="0" normalizeH="0" baseline="0">
             <a:ln>
               <a:noFill/>
             </a:ln>
@@ -9631,7 +9898,7 @@
           <a:buFontTx/>
           <a:buNone/>
           <a:tabLst/>
-          <a:defRPr b="0" baseline="0" cap="none" i="0" spc="0" strike="noStrike" sz="1800" u="none" kumimoji="0" normalizeH="0">
+          <a:defRPr kumimoji="0" sz="1800" b="0" i="0" u="none" strike="noStrike" cap="none" spc="0" normalizeH="0" baseline="0">
             <a:ln>
               <a:noFill/>
             </a:ln>
@@ -9644,12 +9911,19 @@
         </a:lvl9pPr>
       </a:lstStyle>
       <a:style>
-        <a:lnRef idx="0"/>
-        <a:fillRef idx="0"/>
-        <a:effectRef idx="0"/>
+        <a:lnRef idx="0">
+          <a:scrgbClr r="0" g="0" b="0"/>
+        </a:lnRef>
+        <a:fillRef idx="0">
+          <a:scrgbClr r="0" g="0" b="0"/>
+        </a:fillRef>
+        <a:effectRef idx="0">
+          <a:scrgbClr r="0" g="0" b="0"/>
+        </a:effectRef>
         <a:fontRef idx="none"/>
       </a:style>
     </a:txDef>
   </a:objectDefaults>
+  <a:extraClrSchemeLst/>
 </a:theme>
 </file>
--- a/AIRDSS.pptx
+++ b/AIRDSS.pptx
@@ -5,7 +5,7 @@
     <p:sldMasterId id="2147483648" r:id="rId1"/>
   </p:sldMasterIdLst>
   <p:notesMasterIdLst>
-    <p:notesMasterId r:id="rId23"/>
+    <p:notesMasterId r:id="rId29"/>
   </p:notesMasterIdLst>
   <p:sldIdLst>
     <p:sldId id="256" r:id="rId2"/>
@@ -14,21 +14,27 @@
     <p:sldId id="259" r:id="rId5"/>
     <p:sldId id="260" r:id="rId6"/>
     <p:sldId id="261" r:id="rId7"/>
-    <p:sldId id="262" r:id="rId8"/>
-    <p:sldId id="263" r:id="rId9"/>
-    <p:sldId id="264" r:id="rId10"/>
-    <p:sldId id="265" r:id="rId11"/>
-    <p:sldId id="266" r:id="rId12"/>
-    <p:sldId id="267" r:id="rId13"/>
-    <p:sldId id="268" r:id="rId14"/>
-    <p:sldId id="269" r:id="rId15"/>
-    <p:sldId id="270" r:id="rId16"/>
-    <p:sldId id="271" r:id="rId17"/>
-    <p:sldId id="272" r:id="rId18"/>
-    <p:sldId id="273" r:id="rId19"/>
-    <p:sldId id="274" r:id="rId20"/>
-    <p:sldId id="275" r:id="rId21"/>
-    <p:sldId id="276" r:id="rId22"/>
+    <p:sldId id="278" r:id="rId8"/>
+    <p:sldId id="279" r:id="rId9"/>
+    <p:sldId id="280" r:id="rId10"/>
+    <p:sldId id="281" r:id="rId11"/>
+    <p:sldId id="282" r:id="rId12"/>
+    <p:sldId id="283" r:id="rId13"/>
+    <p:sldId id="284" r:id="rId14"/>
+    <p:sldId id="264" r:id="rId15"/>
+    <p:sldId id="265" r:id="rId16"/>
+    <p:sldId id="266" r:id="rId17"/>
+    <p:sldId id="267" r:id="rId18"/>
+    <p:sldId id="268" r:id="rId19"/>
+    <p:sldId id="269" r:id="rId20"/>
+    <p:sldId id="270" r:id="rId21"/>
+    <p:sldId id="271" r:id="rId22"/>
+    <p:sldId id="272" r:id="rId23"/>
+    <p:sldId id="273" r:id="rId24"/>
+    <p:sldId id="274" r:id="rId25"/>
+    <p:sldId id="275" r:id="rId26"/>
+    <p:sldId id="277" r:id="rId27"/>
+    <p:sldId id="276" r:id="rId28"/>
   </p:sldIdLst>
   <p:sldSz cx="12192000" cy="6858000"/>
   <p:notesSz cx="6858000" cy="9144000"/>
@@ -330,6 +336,11 @@
       </a:defRPr>
     </a:lvl9pPr>
   </p:defaultTextStyle>
+  <p:extLst>
+    <p:ext uri="{EFAFB233-063F-42B5-8137-9DF3F51BA10A}">
+      <p15:sldGuideLst xmlns:p15="http://schemas.microsoft.com/office/powerpoint/2012/main"/>
+    </p:ext>
+  </p:extLst>
 </p:presentation>
 </file>
 
@@ -2361,7 +2372,7 @@
           </a:ln>
           <a:extLst>
             <a:ext uri="{C572A759-6A51-4108-AA02-DFA0A04FC94B}">
-              <ma14:wrappingTextBoxFlag xmlns:ma14="http://schemas.microsoft.com/office/mac/drawingml/2011/main" xmlns:a14="http://schemas.microsoft.com/office/drawing/2010/main" xmlns:m="http://schemas.openxmlformats.org/officeDocument/2006/math" xmlns="" val="1"/>
+              <ma14:wrappingTextBoxFlag xmlns="" xmlns:m="http://schemas.openxmlformats.org/officeDocument/2006/math" xmlns:a14="http://schemas.microsoft.com/office/drawing/2010/main" xmlns:ma14="http://schemas.microsoft.com/office/mac/drawingml/2011/main" val="1"/>
             </a:ext>
           </a:extLst>
         </p:spPr>
@@ -2400,7 +2411,7 @@
           </a:ln>
           <a:extLst>
             <a:ext uri="{C572A759-6A51-4108-AA02-DFA0A04FC94B}">
-              <ma14:wrappingTextBoxFlag xmlns:ma14="http://schemas.microsoft.com/office/mac/drawingml/2011/main" xmlns:a14="http://schemas.microsoft.com/office/drawing/2010/main" xmlns:m="http://schemas.openxmlformats.org/officeDocument/2006/math" xmlns="" val="1"/>
+              <ma14:wrappingTextBoxFlag xmlns="" xmlns:m="http://schemas.openxmlformats.org/officeDocument/2006/math" xmlns:a14="http://schemas.microsoft.com/office/drawing/2010/main" xmlns:ma14="http://schemas.microsoft.com/office/mac/drawingml/2011/main" val="1"/>
             </a:ext>
           </a:extLst>
         </p:spPr>
@@ -3429,6 +3440,1197 @@
       </p:grpSpPr>
       <p:sp>
         <p:nvSpPr>
+          <p:cNvPr id="2" name="Título 1">
+            <a:extLst>
+              <a:ext uri="{FF2B5EF4-FFF2-40B4-BE49-F238E27FC236}">
+                <a16:creationId xmlns:a16="http://schemas.microsoft.com/office/drawing/2014/main" id="{8FF62F15-7BD9-422B-A2EC-E3956A7F47B1}"/>
+              </a:ext>
+            </a:extLst>
+          </p:cNvPr>
+          <p:cNvSpPr>
+            <a:spLocks noGrp="1"/>
+          </p:cNvSpPr>
+          <p:nvPr>
+            <p:ph type="title"/>
+          </p:nvPr>
+        </p:nvSpPr>
+        <p:spPr/>
+        <p:txBody>
+          <a:bodyPr>
+            <a:normAutofit fontScale="90000"/>
+          </a:bodyPr>
+          <a:lstStyle/>
+          <a:p>
+            <a:r>
+              <a:rPr lang="es-ES" altLang="es-ES" sz="4400" dirty="0">
+                <a:latin typeface="Arial" panose="020B0604020202020204" pitchFamily="34" charset="0"/>
+              </a:rPr>
+              <a:t>Demostración funcional del proyecto.</a:t>
+            </a:r>
+            <a:br>
+              <a:rPr lang="es-ES" altLang="es-ES" sz="4400" dirty="0">
+                <a:latin typeface="Arial" panose="020B0604020202020204" pitchFamily="34" charset="0"/>
+              </a:rPr>
+            </a:br>
+            <a:endParaRPr lang="es-ES" dirty="0"/>
+          </a:p>
+        </p:txBody>
+      </p:sp>
+      <p:sp>
+        <p:nvSpPr>
+          <p:cNvPr id="5" name="Rectángulo 4">
+            <a:extLst>
+              <a:ext uri="{FF2B5EF4-FFF2-40B4-BE49-F238E27FC236}">
+                <a16:creationId xmlns:a16="http://schemas.microsoft.com/office/drawing/2014/main" id="{312FA200-B6E2-4364-88F2-EB6C379D3D77}"/>
+              </a:ext>
+            </a:extLst>
+          </p:cNvPr>
+          <p:cNvSpPr/>
+          <p:nvPr/>
+        </p:nvSpPr>
+        <p:spPr>
+          <a:xfrm>
+            <a:off x="5564666" y="1483916"/>
+            <a:ext cx="6692922" cy="369332"/>
+          </a:xfrm>
+          <a:prstGeom prst="rect">
+            <a:avLst/>
+          </a:prstGeom>
+        </p:spPr>
+        <p:txBody>
+          <a:bodyPr wrap="none">
+            <a:spAutoFit/>
+          </a:bodyPr>
+          <a:lstStyle/>
+          <a:p>
+            <a:r>
+              <a:rPr lang="es-ES" altLang="es-ES" dirty="0">
+                <a:latin typeface="Arial" panose="020B0604020202020204" pitchFamily="34" charset="0"/>
+              </a:rPr>
+              <a:t>Listar Cliente: Buscador, DNI=65, Fecha Descendente. Eliminar</a:t>
+            </a:r>
+            <a:endParaRPr lang="es-ES" dirty="0"/>
+          </a:p>
+        </p:txBody>
+      </p:sp>
+      <p:sp>
+        <p:nvSpPr>
+          <p:cNvPr id="6" name="CuadroTexto 5">
+            <a:extLst>
+              <a:ext uri="{FF2B5EF4-FFF2-40B4-BE49-F238E27FC236}">
+                <a16:creationId xmlns:a16="http://schemas.microsoft.com/office/drawing/2014/main" id="{AABA6C94-33E3-43D6-9A79-403F3A3D4888}"/>
+              </a:ext>
+            </a:extLst>
+          </p:cNvPr>
+          <p:cNvSpPr txBox="1"/>
+          <p:nvPr/>
+        </p:nvSpPr>
+        <p:spPr>
+          <a:xfrm>
+            <a:off x="135904" y="2413337"/>
+            <a:ext cx="2054087" cy="2031325"/>
+          </a:xfrm>
+          <a:prstGeom prst="rect">
+            <a:avLst/>
+          </a:prstGeom>
+          <a:noFill/>
+          <a:ln>
+            <a:solidFill>
+              <a:schemeClr val="tx1"/>
+            </a:solidFill>
+          </a:ln>
+        </p:spPr>
+        <p:txBody>
+          <a:bodyPr wrap="square" rtlCol="0">
+            <a:spAutoFit/>
+          </a:bodyPr>
+          <a:lstStyle/>
+          <a:p>
+            <a:pPr marL="285750" indent="-285750">
+              <a:buFont typeface="Wingdings" panose="05000000000000000000" pitchFamily="2" charset="2"/>
+              <a:buChar char="q"/>
+            </a:pPr>
+            <a:r>
+              <a:rPr lang="es-ES" dirty="0"/>
+              <a:t>Presentación</a:t>
+            </a:r>
+          </a:p>
+          <a:p>
+            <a:pPr marL="285750" indent="-285750">
+              <a:buFont typeface="Wingdings" panose="05000000000000000000" pitchFamily="2" charset="2"/>
+              <a:buChar char="q"/>
+            </a:pPr>
+            <a:r>
+              <a:rPr lang="es-ES" dirty="0"/>
+              <a:t>Objetivos</a:t>
+            </a:r>
+          </a:p>
+          <a:p>
+            <a:pPr marL="285750" indent="-285750">
+              <a:buFont typeface="Wingdings" panose="05000000000000000000" pitchFamily="2" charset="2"/>
+              <a:buChar char="q"/>
+            </a:pPr>
+            <a:r>
+              <a:rPr lang="es-ES" dirty="0"/>
+              <a:t>Funcionalidades</a:t>
+            </a:r>
+          </a:p>
+          <a:p>
+            <a:pPr marL="285750" indent="-285750">
+              <a:buFont typeface="Wingdings" panose="05000000000000000000" pitchFamily="2" charset="2"/>
+              <a:buChar char="q"/>
+            </a:pPr>
+            <a:r>
+              <a:rPr lang="es-ES" b="1" dirty="0"/>
+              <a:t>Demostración</a:t>
+            </a:r>
+            <a:endParaRPr lang="es-ES" dirty="0"/>
+          </a:p>
+          <a:p>
+            <a:pPr marL="285750" indent="-285750">
+              <a:buFont typeface="Wingdings" panose="05000000000000000000" pitchFamily="2" charset="2"/>
+              <a:buChar char="q"/>
+            </a:pPr>
+            <a:r>
+              <a:rPr lang="es-ES" dirty="0"/>
+              <a:t>Aspectos</a:t>
+            </a:r>
+          </a:p>
+          <a:p>
+            <a:pPr marL="285750" indent="-285750">
+              <a:buFont typeface="Wingdings" panose="05000000000000000000" pitchFamily="2" charset="2"/>
+              <a:buChar char="q"/>
+            </a:pPr>
+            <a:r>
+              <a:rPr lang="es-ES" dirty="0"/>
+              <a:t>Conclusiones</a:t>
+            </a:r>
+          </a:p>
+          <a:p>
+            <a:endParaRPr lang="es-ES" dirty="0"/>
+          </a:p>
+        </p:txBody>
+      </p:sp>
+      <p:pic>
+        <p:nvPicPr>
+          <p:cNvPr id="7" name="Imagen 6">
+            <a:extLst>
+              <a:ext uri="{FF2B5EF4-FFF2-40B4-BE49-F238E27FC236}">
+                <a16:creationId xmlns:a16="http://schemas.microsoft.com/office/drawing/2014/main" id="{D8060873-B2DB-4CAE-A833-B03F7DAF6200}"/>
+              </a:ext>
+            </a:extLst>
+          </p:cNvPr>
+          <p:cNvPicPr>
+            <a:picLocks noChangeAspect="1"/>
+          </p:cNvPicPr>
+          <p:nvPr/>
+        </p:nvPicPr>
+        <p:blipFill>
+          <a:blip r:embed="rId2"/>
+          <a:stretch>
+            <a:fillRect/>
+          </a:stretch>
+        </p:blipFill>
+        <p:spPr>
+          <a:xfrm>
+            <a:off x="2961239" y="1853248"/>
+            <a:ext cx="8734425" cy="3295650"/>
+          </a:xfrm>
+          <a:prstGeom prst="rect">
+            <a:avLst/>
+          </a:prstGeom>
+        </p:spPr>
+      </p:pic>
+      <p:pic>
+        <p:nvPicPr>
+          <p:cNvPr id="10" name="Imagen 9">
+            <a:extLst>
+              <a:ext uri="{FF2B5EF4-FFF2-40B4-BE49-F238E27FC236}">
+                <a16:creationId xmlns:a16="http://schemas.microsoft.com/office/drawing/2014/main" id="{1837B190-2CE1-4D17-8D06-DA697B042E46}"/>
+              </a:ext>
+            </a:extLst>
+          </p:cNvPr>
+          <p:cNvPicPr>
+            <a:picLocks noChangeAspect="1"/>
+          </p:cNvPicPr>
+          <p:nvPr/>
+        </p:nvPicPr>
+        <p:blipFill>
+          <a:blip r:embed="rId3"/>
+          <a:stretch>
+            <a:fillRect/>
+          </a:stretch>
+        </p:blipFill>
+        <p:spPr>
+          <a:xfrm>
+            <a:off x="3220277" y="5220485"/>
+            <a:ext cx="8216348" cy="1123886"/>
+          </a:xfrm>
+          <a:prstGeom prst="rect">
+            <a:avLst/>
+          </a:prstGeom>
+        </p:spPr>
+      </p:pic>
+    </p:spTree>
+    <p:extLst>
+      <p:ext uri="{BB962C8B-B14F-4D97-AF65-F5344CB8AC3E}">
+        <p14:creationId xmlns:p14="http://schemas.microsoft.com/office/powerpoint/2010/main" val="3310340125"/>
+      </p:ext>
+    </p:extLst>
+  </p:cSld>
+  <p:clrMapOvr>
+    <a:masterClrMapping/>
+  </p:clrMapOvr>
+  <p:transition spd="med"/>
+</p:sld>
+</file>
+
+<file path=ppt/slides/slide11.xml><?xml version="1.0" encoding="utf-8"?>
+<p:sld xmlns:a="http://schemas.openxmlformats.org/drawingml/2006/main" xmlns:r="http://schemas.openxmlformats.org/officeDocument/2006/relationships" xmlns:p="http://schemas.openxmlformats.org/presentationml/2006/main">
+  <p:cSld>
+    <p:spTree>
+      <p:nvGrpSpPr>
+        <p:cNvPr id="1" name=""/>
+        <p:cNvGrpSpPr/>
+        <p:nvPr/>
+      </p:nvGrpSpPr>
+      <p:grpSpPr>
+        <a:xfrm>
+          <a:off x="0" y="0"/>
+          <a:ext cx="0" cy="0"/>
+          <a:chOff x="0" y="0"/>
+          <a:chExt cx="0" cy="0"/>
+        </a:xfrm>
+      </p:grpSpPr>
+      <p:sp>
+        <p:nvSpPr>
+          <p:cNvPr id="2" name="Título 1">
+            <a:extLst>
+              <a:ext uri="{FF2B5EF4-FFF2-40B4-BE49-F238E27FC236}">
+                <a16:creationId xmlns:a16="http://schemas.microsoft.com/office/drawing/2014/main" id="{8FF62F15-7BD9-422B-A2EC-E3956A7F47B1}"/>
+              </a:ext>
+            </a:extLst>
+          </p:cNvPr>
+          <p:cNvSpPr>
+            <a:spLocks noGrp="1"/>
+          </p:cNvSpPr>
+          <p:nvPr>
+            <p:ph type="title"/>
+          </p:nvPr>
+        </p:nvSpPr>
+        <p:spPr/>
+        <p:txBody>
+          <a:bodyPr>
+            <a:normAutofit fontScale="90000"/>
+          </a:bodyPr>
+          <a:lstStyle/>
+          <a:p>
+            <a:r>
+              <a:rPr lang="es-ES" altLang="es-ES" sz="4400" dirty="0">
+                <a:latin typeface="Arial" panose="020B0604020202020204" pitchFamily="34" charset="0"/>
+              </a:rPr>
+              <a:t>Demostración funcional del proyecto.</a:t>
+            </a:r>
+            <a:br>
+              <a:rPr lang="es-ES" altLang="es-ES" sz="4400" dirty="0">
+                <a:latin typeface="Arial" panose="020B0604020202020204" pitchFamily="34" charset="0"/>
+              </a:rPr>
+            </a:br>
+            <a:endParaRPr lang="es-ES" dirty="0"/>
+          </a:p>
+        </p:txBody>
+      </p:sp>
+      <p:sp>
+        <p:nvSpPr>
+          <p:cNvPr id="5" name="Rectángulo 4">
+            <a:extLst>
+              <a:ext uri="{FF2B5EF4-FFF2-40B4-BE49-F238E27FC236}">
+                <a16:creationId xmlns:a16="http://schemas.microsoft.com/office/drawing/2014/main" id="{312FA200-B6E2-4364-88F2-EB6C379D3D77}"/>
+              </a:ext>
+            </a:extLst>
+          </p:cNvPr>
+          <p:cNvSpPr/>
+          <p:nvPr/>
+        </p:nvSpPr>
+        <p:spPr>
+          <a:xfrm>
+            <a:off x="5564666" y="1483916"/>
+            <a:ext cx="5731121" cy="369332"/>
+          </a:xfrm>
+          <a:prstGeom prst="rect">
+            <a:avLst/>
+          </a:prstGeom>
+        </p:spPr>
+        <p:txBody>
+          <a:bodyPr wrap="none">
+            <a:spAutoFit/>
+          </a:bodyPr>
+          <a:lstStyle/>
+          <a:p>
+            <a:r>
+              <a:rPr lang="es-ES" altLang="es-ES" dirty="0">
+                <a:latin typeface="Arial" panose="020B0604020202020204" pitchFamily="34" charset="0"/>
+              </a:rPr>
+              <a:t>Listar Cliente: Buscador, DNI=65, Fecha Descendente</a:t>
+            </a:r>
+            <a:endParaRPr lang="es-ES" dirty="0"/>
+          </a:p>
+        </p:txBody>
+      </p:sp>
+      <p:sp>
+        <p:nvSpPr>
+          <p:cNvPr id="6" name="CuadroTexto 5">
+            <a:extLst>
+              <a:ext uri="{FF2B5EF4-FFF2-40B4-BE49-F238E27FC236}">
+                <a16:creationId xmlns:a16="http://schemas.microsoft.com/office/drawing/2014/main" id="{AABA6C94-33E3-43D6-9A79-403F3A3D4888}"/>
+              </a:ext>
+            </a:extLst>
+          </p:cNvPr>
+          <p:cNvSpPr txBox="1"/>
+          <p:nvPr/>
+        </p:nvSpPr>
+        <p:spPr>
+          <a:xfrm>
+            <a:off x="135904" y="2413337"/>
+            <a:ext cx="2054087" cy="2031325"/>
+          </a:xfrm>
+          <a:prstGeom prst="rect">
+            <a:avLst/>
+          </a:prstGeom>
+          <a:noFill/>
+          <a:ln>
+            <a:solidFill>
+              <a:schemeClr val="tx1"/>
+            </a:solidFill>
+          </a:ln>
+        </p:spPr>
+        <p:txBody>
+          <a:bodyPr wrap="square" rtlCol="0">
+            <a:spAutoFit/>
+          </a:bodyPr>
+          <a:lstStyle/>
+          <a:p>
+            <a:pPr marL="285750" indent="-285750">
+              <a:buFont typeface="Wingdings" panose="05000000000000000000" pitchFamily="2" charset="2"/>
+              <a:buChar char="q"/>
+            </a:pPr>
+            <a:r>
+              <a:rPr lang="es-ES" dirty="0"/>
+              <a:t>Presentación</a:t>
+            </a:r>
+          </a:p>
+          <a:p>
+            <a:pPr marL="285750" indent="-285750">
+              <a:buFont typeface="Wingdings" panose="05000000000000000000" pitchFamily="2" charset="2"/>
+              <a:buChar char="q"/>
+            </a:pPr>
+            <a:r>
+              <a:rPr lang="es-ES" dirty="0"/>
+              <a:t>Objetivos</a:t>
+            </a:r>
+          </a:p>
+          <a:p>
+            <a:pPr marL="285750" indent="-285750">
+              <a:buFont typeface="Wingdings" panose="05000000000000000000" pitchFamily="2" charset="2"/>
+              <a:buChar char="q"/>
+            </a:pPr>
+            <a:r>
+              <a:rPr lang="es-ES" dirty="0"/>
+              <a:t>Funcionalidades</a:t>
+            </a:r>
+          </a:p>
+          <a:p>
+            <a:pPr marL="285750" indent="-285750">
+              <a:buFont typeface="Wingdings" panose="05000000000000000000" pitchFamily="2" charset="2"/>
+              <a:buChar char="q"/>
+            </a:pPr>
+            <a:r>
+              <a:rPr lang="es-ES" b="1" dirty="0"/>
+              <a:t>Demostración</a:t>
+            </a:r>
+            <a:endParaRPr lang="es-ES" dirty="0"/>
+          </a:p>
+          <a:p>
+            <a:pPr marL="285750" indent="-285750">
+              <a:buFont typeface="Wingdings" panose="05000000000000000000" pitchFamily="2" charset="2"/>
+              <a:buChar char="q"/>
+            </a:pPr>
+            <a:r>
+              <a:rPr lang="es-ES" dirty="0"/>
+              <a:t>Aspectos</a:t>
+            </a:r>
+          </a:p>
+          <a:p>
+            <a:pPr marL="285750" indent="-285750">
+              <a:buFont typeface="Wingdings" panose="05000000000000000000" pitchFamily="2" charset="2"/>
+              <a:buChar char="q"/>
+            </a:pPr>
+            <a:r>
+              <a:rPr lang="es-ES" dirty="0"/>
+              <a:t>Conclusiones</a:t>
+            </a:r>
+          </a:p>
+          <a:p>
+            <a:endParaRPr lang="es-ES" dirty="0"/>
+          </a:p>
+        </p:txBody>
+      </p:sp>
+      <p:pic>
+        <p:nvPicPr>
+          <p:cNvPr id="4" name="Imagen 3">
+            <a:extLst>
+              <a:ext uri="{FF2B5EF4-FFF2-40B4-BE49-F238E27FC236}">
+                <a16:creationId xmlns:a16="http://schemas.microsoft.com/office/drawing/2014/main" id="{DB463CD2-F730-42C3-8E08-1DC27402456D}"/>
+              </a:ext>
+            </a:extLst>
+          </p:cNvPr>
+          <p:cNvPicPr>
+            <a:picLocks noChangeAspect="1"/>
+          </p:cNvPicPr>
+          <p:nvPr/>
+        </p:nvPicPr>
+        <p:blipFill>
+          <a:blip r:embed="rId2"/>
+          <a:stretch>
+            <a:fillRect/>
+          </a:stretch>
+        </p:blipFill>
+        <p:spPr>
+          <a:xfrm>
+            <a:off x="2823955" y="2249556"/>
+            <a:ext cx="8743950" cy="3657600"/>
+          </a:xfrm>
+          <a:prstGeom prst="rect">
+            <a:avLst/>
+          </a:prstGeom>
+        </p:spPr>
+      </p:pic>
+    </p:spTree>
+    <p:extLst>
+      <p:ext uri="{BB962C8B-B14F-4D97-AF65-F5344CB8AC3E}">
+        <p14:creationId xmlns:p14="http://schemas.microsoft.com/office/powerpoint/2010/main" val="4281170398"/>
+      </p:ext>
+    </p:extLst>
+  </p:cSld>
+  <p:clrMapOvr>
+    <a:masterClrMapping/>
+  </p:clrMapOvr>
+  <p:transition spd="med"/>
+</p:sld>
+</file>
+
+<file path=ppt/slides/slide12.xml><?xml version="1.0" encoding="utf-8"?>
+<p:sld xmlns:a="http://schemas.openxmlformats.org/drawingml/2006/main" xmlns:r="http://schemas.openxmlformats.org/officeDocument/2006/relationships" xmlns:p="http://schemas.openxmlformats.org/presentationml/2006/main">
+  <p:cSld>
+    <p:spTree>
+      <p:nvGrpSpPr>
+        <p:cNvPr id="1" name=""/>
+        <p:cNvGrpSpPr/>
+        <p:nvPr/>
+      </p:nvGrpSpPr>
+      <p:grpSpPr>
+        <a:xfrm>
+          <a:off x="0" y="0"/>
+          <a:ext cx="0" cy="0"/>
+          <a:chOff x="0" y="0"/>
+          <a:chExt cx="0" cy="0"/>
+        </a:xfrm>
+      </p:grpSpPr>
+      <p:sp>
+        <p:nvSpPr>
+          <p:cNvPr id="2" name="Título 1">
+            <a:extLst>
+              <a:ext uri="{FF2B5EF4-FFF2-40B4-BE49-F238E27FC236}">
+                <a16:creationId xmlns:a16="http://schemas.microsoft.com/office/drawing/2014/main" id="{8FF62F15-7BD9-422B-A2EC-E3956A7F47B1}"/>
+              </a:ext>
+            </a:extLst>
+          </p:cNvPr>
+          <p:cNvSpPr>
+            <a:spLocks noGrp="1"/>
+          </p:cNvSpPr>
+          <p:nvPr>
+            <p:ph type="title"/>
+          </p:nvPr>
+        </p:nvSpPr>
+        <p:spPr/>
+        <p:txBody>
+          <a:bodyPr>
+            <a:normAutofit fontScale="90000"/>
+          </a:bodyPr>
+          <a:lstStyle/>
+          <a:p>
+            <a:r>
+              <a:rPr lang="es-ES" altLang="es-ES" sz="4400" dirty="0">
+                <a:latin typeface="Arial" panose="020B0604020202020204" pitchFamily="34" charset="0"/>
+              </a:rPr>
+              <a:t>Demostración funcional del proyecto.</a:t>
+            </a:r>
+            <a:br>
+              <a:rPr lang="es-ES" altLang="es-ES" sz="4400" dirty="0">
+                <a:latin typeface="Arial" panose="020B0604020202020204" pitchFamily="34" charset="0"/>
+              </a:rPr>
+            </a:br>
+            <a:endParaRPr lang="es-ES" dirty="0"/>
+          </a:p>
+        </p:txBody>
+      </p:sp>
+      <p:sp>
+        <p:nvSpPr>
+          <p:cNvPr id="5" name="Rectángulo 4">
+            <a:extLst>
+              <a:ext uri="{FF2B5EF4-FFF2-40B4-BE49-F238E27FC236}">
+                <a16:creationId xmlns:a16="http://schemas.microsoft.com/office/drawing/2014/main" id="{312FA200-B6E2-4364-88F2-EB6C379D3D77}"/>
+              </a:ext>
+            </a:extLst>
+          </p:cNvPr>
+          <p:cNvSpPr/>
+          <p:nvPr/>
+        </p:nvSpPr>
+        <p:spPr>
+          <a:xfrm>
+            <a:off x="5564666" y="1483916"/>
+            <a:ext cx="2723823" cy="369332"/>
+          </a:xfrm>
+          <a:prstGeom prst="rect">
+            <a:avLst/>
+          </a:prstGeom>
+        </p:spPr>
+        <p:txBody>
+          <a:bodyPr wrap="none">
+            <a:spAutoFit/>
+          </a:bodyPr>
+          <a:lstStyle/>
+          <a:p>
+            <a:r>
+              <a:rPr lang="es-ES" altLang="es-ES" dirty="0">
+                <a:latin typeface="Arial" panose="020B0604020202020204" pitchFamily="34" charset="0"/>
+              </a:rPr>
+              <a:t>Crear y Modificar Cliente</a:t>
+            </a:r>
+            <a:endParaRPr lang="es-ES" dirty="0"/>
+          </a:p>
+        </p:txBody>
+      </p:sp>
+      <p:sp>
+        <p:nvSpPr>
+          <p:cNvPr id="6" name="CuadroTexto 5">
+            <a:extLst>
+              <a:ext uri="{FF2B5EF4-FFF2-40B4-BE49-F238E27FC236}">
+                <a16:creationId xmlns:a16="http://schemas.microsoft.com/office/drawing/2014/main" id="{7E93C880-2314-44D5-93BF-99221BD2874E}"/>
+              </a:ext>
+            </a:extLst>
+          </p:cNvPr>
+          <p:cNvSpPr txBox="1"/>
+          <p:nvPr/>
+        </p:nvSpPr>
+        <p:spPr>
+          <a:xfrm>
+            <a:off x="135904" y="2413337"/>
+            <a:ext cx="2054087" cy="2031325"/>
+          </a:xfrm>
+          <a:prstGeom prst="rect">
+            <a:avLst/>
+          </a:prstGeom>
+          <a:noFill/>
+          <a:ln>
+            <a:solidFill>
+              <a:schemeClr val="tx1"/>
+            </a:solidFill>
+          </a:ln>
+        </p:spPr>
+        <p:txBody>
+          <a:bodyPr wrap="square" rtlCol="0">
+            <a:spAutoFit/>
+          </a:bodyPr>
+          <a:lstStyle/>
+          <a:p>
+            <a:pPr marL="285750" indent="-285750">
+              <a:buFont typeface="Wingdings" panose="05000000000000000000" pitchFamily="2" charset="2"/>
+              <a:buChar char="q"/>
+            </a:pPr>
+            <a:r>
+              <a:rPr lang="es-ES" dirty="0"/>
+              <a:t>Presentación</a:t>
+            </a:r>
+          </a:p>
+          <a:p>
+            <a:pPr marL="285750" indent="-285750">
+              <a:buFont typeface="Wingdings" panose="05000000000000000000" pitchFamily="2" charset="2"/>
+              <a:buChar char="q"/>
+            </a:pPr>
+            <a:r>
+              <a:rPr lang="es-ES" dirty="0"/>
+              <a:t>Objetivos</a:t>
+            </a:r>
+          </a:p>
+          <a:p>
+            <a:pPr marL="285750" indent="-285750">
+              <a:buFont typeface="Wingdings" panose="05000000000000000000" pitchFamily="2" charset="2"/>
+              <a:buChar char="q"/>
+            </a:pPr>
+            <a:r>
+              <a:rPr lang="es-ES" dirty="0"/>
+              <a:t>Funcionalidades</a:t>
+            </a:r>
+          </a:p>
+          <a:p>
+            <a:pPr marL="285750" indent="-285750">
+              <a:buFont typeface="Wingdings" panose="05000000000000000000" pitchFamily="2" charset="2"/>
+              <a:buChar char="q"/>
+            </a:pPr>
+            <a:r>
+              <a:rPr lang="es-ES" b="1" dirty="0"/>
+              <a:t>Demostración</a:t>
+            </a:r>
+            <a:endParaRPr lang="es-ES" dirty="0"/>
+          </a:p>
+          <a:p>
+            <a:pPr marL="285750" indent="-285750">
+              <a:buFont typeface="Wingdings" panose="05000000000000000000" pitchFamily="2" charset="2"/>
+              <a:buChar char="q"/>
+            </a:pPr>
+            <a:r>
+              <a:rPr lang="es-ES" dirty="0"/>
+              <a:t>Aspectos</a:t>
+            </a:r>
+          </a:p>
+          <a:p>
+            <a:pPr marL="285750" indent="-285750">
+              <a:buFont typeface="Wingdings" panose="05000000000000000000" pitchFamily="2" charset="2"/>
+              <a:buChar char="q"/>
+            </a:pPr>
+            <a:r>
+              <a:rPr lang="es-ES" dirty="0"/>
+              <a:t>Conclusiones</a:t>
+            </a:r>
+          </a:p>
+          <a:p>
+            <a:endParaRPr lang="es-ES" dirty="0"/>
+          </a:p>
+        </p:txBody>
+      </p:sp>
+      <p:pic>
+        <p:nvPicPr>
+          <p:cNvPr id="7" name="Imagen 6">
+            <a:extLst>
+              <a:ext uri="{FF2B5EF4-FFF2-40B4-BE49-F238E27FC236}">
+                <a16:creationId xmlns:a16="http://schemas.microsoft.com/office/drawing/2014/main" id="{09FFCC4B-3B01-4C08-A09B-3DE6622108E0}"/>
+              </a:ext>
+            </a:extLst>
+          </p:cNvPr>
+          <p:cNvPicPr>
+            <a:picLocks noChangeAspect="1"/>
+          </p:cNvPicPr>
+          <p:nvPr/>
+        </p:nvPicPr>
+        <p:blipFill>
+          <a:blip r:embed="rId2"/>
+          <a:stretch>
+            <a:fillRect/>
+          </a:stretch>
+        </p:blipFill>
+        <p:spPr>
+          <a:xfrm>
+            <a:off x="2564127" y="2295317"/>
+            <a:ext cx="8724900" cy="3857625"/>
+          </a:xfrm>
+          <a:prstGeom prst="rect">
+            <a:avLst/>
+          </a:prstGeom>
+        </p:spPr>
+      </p:pic>
+    </p:spTree>
+    <p:extLst>
+      <p:ext uri="{BB962C8B-B14F-4D97-AF65-F5344CB8AC3E}">
+        <p14:creationId xmlns:p14="http://schemas.microsoft.com/office/powerpoint/2010/main" val="154651855"/>
+      </p:ext>
+    </p:extLst>
+  </p:cSld>
+  <p:clrMapOvr>
+    <a:masterClrMapping/>
+  </p:clrMapOvr>
+  <p:transition spd="med"/>
+</p:sld>
+</file>
+
+<file path=ppt/slides/slide13.xml><?xml version="1.0" encoding="utf-8"?>
+<p:sld xmlns:a="http://schemas.openxmlformats.org/drawingml/2006/main" xmlns:r="http://schemas.openxmlformats.org/officeDocument/2006/relationships" xmlns:p="http://schemas.openxmlformats.org/presentationml/2006/main">
+  <p:cSld>
+    <p:spTree>
+      <p:nvGrpSpPr>
+        <p:cNvPr id="1" name=""/>
+        <p:cNvGrpSpPr/>
+        <p:nvPr/>
+      </p:nvGrpSpPr>
+      <p:grpSpPr>
+        <a:xfrm>
+          <a:off x="0" y="0"/>
+          <a:ext cx="0" cy="0"/>
+          <a:chOff x="0" y="0"/>
+          <a:chExt cx="0" cy="0"/>
+        </a:xfrm>
+      </p:grpSpPr>
+      <p:sp>
+        <p:nvSpPr>
+          <p:cNvPr id="2" name="Título 1">
+            <a:extLst>
+              <a:ext uri="{FF2B5EF4-FFF2-40B4-BE49-F238E27FC236}">
+                <a16:creationId xmlns:a16="http://schemas.microsoft.com/office/drawing/2014/main" id="{8FF62F15-7BD9-422B-A2EC-E3956A7F47B1}"/>
+              </a:ext>
+            </a:extLst>
+          </p:cNvPr>
+          <p:cNvSpPr>
+            <a:spLocks noGrp="1"/>
+          </p:cNvSpPr>
+          <p:nvPr>
+            <p:ph type="title"/>
+          </p:nvPr>
+        </p:nvSpPr>
+        <p:spPr/>
+        <p:txBody>
+          <a:bodyPr>
+            <a:normAutofit fontScale="90000"/>
+          </a:bodyPr>
+          <a:lstStyle/>
+          <a:p>
+            <a:r>
+              <a:rPr lang="es-ES" altLang="es-ES" sz="4400" dirty="0">
+                <a:latin typeface="Arial" panose="020B0604020202020204" pitchFamily="34" charset="0"/>
+              </a:rPr>
+              <a:t>Demostración funcional del proyecto.</a:t>
+            </a:r>
+            <a:br>
+              <a:rPr lang="es-ES" altLang="es-ES" sz="4400" dirty="0">
+                <a:latin typeface="Arial" panose="020B0604020202020204" pitchFamily="34" charset="0"/>
+              </a:rPr>
+            </a:br>
+            <a:endParaRPr lang="es-ES" dirty="0"/>
+          </a:p>
+        </p:txBody>
+      </p:sp>
+      <p:sp>
+        <p:nvSpPr>
+          <p:cNvPr id="5" name="Rectángulo 4">
+            <a:extLst>
+              <a:ext uri="{FF2B5EF4-FFF2-40B4-BE49-F238E27FC236}">
+                <a16:creationId xmlns:a16="http://schemas.microsoft.com/office/drawing/2014/main" id="{312FA200-B6E2-4364-88F2-EB6C379D3D77}"/>
+              </a:ext>
+            </a:extLst>
+          </p:cNvPr>
+          <p:cNvSpPr/>
+          <p:nvPr/>
+        </p:nvSpPr>
+        <p:spPr>
+          <a:xfrm>
+            <a:off x="5564666" y="1483916"/>
+            <a:ext cx="3899337" cy="369332"/>
+          </a:xfrm>
+          <a:prstGeom prst="rect">
+            <a:avLst/>
+          </a:prstGeom>
+        </p:spPr>
+        <p:txBody>
+          <a:bodyPr wrap="none">
+            <a:spAutoFit/>
+          </a:bodyPr>
+          <a:lstStyle/>
+          <a:p>
+            <a:r>
+              <a:rPr lang="es-ES" altLang="es-ES" dirty="0">
+                <a:latin typeface="Arial" panose="020B0604020202020204" pitchFamily="34" charset="0"/>
+              </a:rPr>
+              <a:t>Crear y Modificar Cliente: Validación</a:t>
+            </a:r>
+            <a:endParaRPr lang="es-ES" dirty="0"/>
+          </a:p>
+        </p:txBody>
+      </p:sp>
+      <p:sp>
+        <p:nvSpPr>
+          <p:cNvPr id="6" name="CuadroTexto 5">
+            <a:extLst>
+              <a:ext uri="{FF2B5EF4-FFF2-40B4-BE49-F238E27FC236}">
+                <a16:creationId xmlns:a16="http://schemas.microsoft.com/office/drawing/2014/main" id="{7E93C880-2314-44D5-93BF-99221BD2874E}"/>
+              </a:ext>
+            </a:extLst>
+          </p:cNvPr>
+          <p:cNvSpPr txBox="1"/>
+          <p:nvPr/>
+        </p:nvSpPr>
+        <p:spPr>
+          <a:xfrm>
+            <a:off x="135904" y="2413337"/>
+            <a:ext cx="2054087" cy="2031325"/>
+          </a:xfrm>
+          <a:prstGeom prst="rect">
+            <a:avLst/>
+          </a:prstGeom>
+          <a:noFill/>
+          <a:ln>
+            <a:solidFill>
+              <a:schemeClr val="tx1"/>
+            </a:solidFill>
+          </a:ln>
+        </p:spPr>
+        <p:txBody>
+          <a:bodyPr wrap="square" rtlCol="0">
+            <a:spAutoFit/>
+          </a:bodyPr>
+          <a:lstStyle/>
+          <a:p>
+            <a:pPr marL="285750" indent="-285750">
+              <a:buFont typeface="Wingdings" panose="05000000000000000000" pitchFamily="2" charset="2"/>
+              <a:buChar char="q"/>
+            </a:pPr>
+            <a:r>
+              <a:rPr lang="es-ES" dirty="0"/>
+              <a:t>Presentación</a:t>
+            </a:r>
+          </a:p>
+          <a:p>
+            <a:pPr marL="285750" indent="-285750">
+              <a:buFont typeface="Wingdings" panose="05000000000000000000" pitchFamily="2" charset="2"/>
+              <a:buChar char="q"/>
+            </a:pPr>
+            <a:r>
+              <a:rPr lang="es-ES" dirty="0"/>
+              <a:t>Objetivos</a:t>
+            </a:r>
+          </a:p>
+          <a:p>
+            <a:pPr marL="285750" indent="-285750">
+              <a:buFont typeface="Wingdings" panose="05000000000000000000" pitchFamily="2" charset="2"/>
+              <a:buChar char="q"/>
+            </a:pPr>
+            <a:r>
+              <a:rPr lang="es-ES" dirty="0"/>
+              <a:t>Funcionalidades</a:t>
+            </a:r>
+          </a:p>
+          <a:p>
+            <a:pPr marL="285750" indent="-285750">
+              <a:buFont typeface="Wingdings" panose="05000000000000000000" pitchFamily="2" charset="2"/>
+              <a:buChar char="q"/>
+            </a:pPr>
+            <a:r>
+              <a:rPr lang="es-ES" b="1" dirty="0"/>
+              <a:t>Demostración</a:t>
+            </a:r>
+            <a:endParaRPr lang="es-ES" dirty="0"/>
+          </a:p>
+          <a:p>
+            <a:pPr marL="285750" indent="-285750">
+              <a:buFont typeface="Wingdings" panose="05000000000000000000" pitchFamily="2" charset="2"/>
+              <a:buChar char="q"/>
+            </a:pPr>
+            <a:r>
+              <a:rPr lang="es-ES" dirty="0"/>
+              <a:t>Aspectos</a:t>
+            </a:r>
+          </a:p>
+          <a:p>
+            <a:pPr marL="285750" indent="-285750">
+              <a:buFont typeface="Wingdings" panose="05000000000000000000" pitchFamily="2" charset="2"/>
+              <a:buChar char="q"/>
+            </a:pPr>
+            <a:r>
+              <a:rPr lang="es-ES" dirty="0"/>
+              <a:t>Conclusiones</a:t>
+            </a:r>
+          </a:p>
+          <a:p>
+            <a:endParaRPr lang="es-ES" dirty="0"/>
+          </a:p>
+        </p:txBody>
+      </p:sp>
+      <p:pic>
+        <p:nvPicPr>
+          <p:cNvPr id="4" name="Imagen 3">
+            <a:extLst>
+              <a:ext uri="{FF2B5EF4-FFF2-40B4-BE49-F238E27FC236}">
+                <a16:creationId xmlns:a16="http://schemas.microsoft.com/office/drawing/2014/main" id="{3D20370A-579B-46D4-933B-4E4530F7B0C4}"/>
+              </a:ext>
+            </a:extLst>
+          </p:cNvPr>
+          <p:cNvPicPr>
+            <a:picLocks noChangeAspect="1"/>
+          </p:cNvPicPr>
+          <p:nvPr/>
+        </p:nvPicPr>
+        <p:blipFill>
+          <a:blip r:embed="rId2"/>
+          <a:stretch>
+            <a:fillRect/>
+          </a:stretch>
+        </p:blipFill>
+        <p:spPr>
+          <a:xfrm>
+            <a:off x="2830374" y="1853248"/>
+            <a:ext cx="8810625" cy="4724400"/>
+          </a:xfrm>
+          <a:prstGeom prst="rect">
+            <a:avLst/>
+          </a:prstGeom>
+        </p:spPr>
+      </p:pic>
+    </p:spTree>
+    <p:extLst>
+      <p:ext uri="{BB962C8B-B14F-4D97-AF65-F5344CB8AC3E}">
+        <p14:creationId xmlns:p14="http://schemas.microsoft.com/office/powerpoint/2010/main" val="1966341265"/>
+      </p:ext>
+    </p:extLst>
+  </p:cSld>
+  <p:clrMapOvr>
+    <a:masterClrMapping/>
+  </p:clrMapOvr>
+  <p:transition spd="med"/>
+</p:sld>
+</file>
+
+<file path=ppt/slides/slide14.xml><?xml version="1.0" encoding="utf-8"?>
+<p:sld xmlns:a="http://schemas.openxmlformats.org/drawingml/2006/main" xmlns:r="http://schemas.openxmlformats.org/officeDocument/2006/relationships" xmlns:p="http://schemas.openxmlformats.org/presentationml/2006/main">
+  <p:cSld>
+    <p:spTree>
+      <p:nvGrpSpPr>
+        <p:cNvPr id="1" name=""/>
+        <p:cNvGrpSpPr/>
+        <p:nvPr/>
+      </p:nvGrpSpPr>
+      <p:grpSpPr>
+        <a:xfrm>
+          <a:off x="0" y="0"/>
+          <a:ext cx="0" cy="0"/>
+          <a:chOff x="0" y="0"/>
+          <a:chExt cx="0" cy="0"/>
+        </a:xfrm>
+      </p:grpSpPr>
+      <p:sp>
+        <p:nvSpPr>
+          <p:cNvPr id="137" name="Título 1"/>
+          <p:cNvSpPr txBox="1">
+            <a:spLocks noGrp="1"/>
+          </p:cNvSpPr>
+          <p:nvPr>
+            <p:ph type="title"/>
+          </p:nvPr>
+        </p:nvSpPr>
+        <p:spPr>
+          <a:xfrm>
+            <a:off x="1024128" y="585216"/>
+            <a:ext cx="9720072" cy="1499617"/>
+          </a:xfrm>
+          <a:prstGeom prst="rect">
+            <a:avLst/>
+          </a:prstGeom>
+        </p:spPr>
+        <p:txBody>
+          <a:bodyPr/>
+          <a:lstStyle/>
+          <a:p>
+            <a:pPr defTabSz="886968">
+              <a:defRPr sz="3783" spc="97">
+                <a:latin typeface="Arial"/>
+                <a:ea typeface="Arial"/>
+                <a:cs typeface="Arial"/>
+                <a:sym typeface="Arial"/>
+              </a:defRPr>
+            </a:pPr>
+            <a:r>
+              <a:t>Demostración funcional del proyecto.</a:t>
+            </a:r>
+            <a:br/>
+            <a:endParaRPr/>
+          </a:p>
+        </p:txBody>
+      </p:sp>
+      <p:sp>
+        <p:nvSpPr>
+          <p:cNvPr id="138" name="Rectángulo 4"/>
+          <p:cNvSpPr txBox="1"/>
+          <p:nvPr/>
+        </p:nvSpPr>
+        <p:spPr>
+          <a:xfrm>
+            <a:off x="5564666" y="1483916"/>
+            <a:ext cx="794629" cy="350662"/>
+          </a:xfrm>
+          <a:prstGeom prst="rect">
+            <a:avLst/>
+          </a:prstGeom>
+          <a:ln w="12700">
+            <a:miter lim="400000"/>
+          </a:ln>
+          <a:extLst>
+            <a:ext uri="{C572A759-6A51-4108-AA02-DFA0A04FC94B}">
+              <ma14:wrappingTextBoxFlag xmlns="" xmlns:m="http://schemas.openxmlformats.org/officeDocument/2006/math" xmlns:a14="http://schemas.microsoft.com/office/drawing/2010/main" xmlns:ma14="http://schemas.microsoft.com/office/mac/drawingml/2011/main" val="1"/>
+            </a:ext>
+          </a:extLst>
+        </p:spPr>
+        <p:txBody>
+          <a:bodyPr wrap="none" lIns="45719" rIns="45719">
+            <a:spAutoFit/>
+          </a:bodyPr>
+          <a:lstStyle>
+            <a:lvl1pPr>
+              <a:defRPr>
+                <a:latin typeface="Arial"/>
+                <a:ea typeface="Arial"/>
+                <a:cs typeface="Arial"/>
+                <a:sym typeface="Arial"/>
+              </a:defRPr>
+            </a:lvl1pPr>
+          </a:lstStyle>
+          <a:p>
+            <a:r>
+              <a:t>Vuelos</a:t>
+            </a:r>
+          </a:p>
+        </p:txBody>
+      </p:sp>
+      <p:pic>
+        <p:nvPicPr>
+          <p:cNvPr id="139" name="Marcador de contenido 4" descr="Marcador de contenido 4"/>
+          <p:cNvPicPr>
+            <a:picLocks noChangeAspect="1"/>
+          </p:cNvPicPr>
+          <p:nvPr/>
+        </p:nvPicPr>
+        <p:blipFill>
+          <a:blip r:embed="rId2">
+            <a:extLst/>
+          </a:blip>
+          <a:stretch>
+            <a:fillRect/>
+          </a:stretch>
+        </p:blipFill>
+        <p:spPr>
+          <a:xfrm>
+            <a:off x="2189990" y="1973404"/>
+            <a:ext cx="8936102" cy="3512996"/>
+          </a:xfrm>
+          <a:prstGeom prst="rect">
+            <a:avLst/>
+          </a:prstGeom>
+          <a:ln w="12700">
+            <a:miter lim="400000"/>
+          </a:ln>
+        </p:spPr>
+      </p:pic>
+      <p:sp>
+        <p:nvSpPr>
+          <p:cNvPr id="140" name="CuadroTexto 8"/>
+          <p:cNvSpPr txBox="1"/>
+          <p:nvPr/>
+        </p:nvSpPr>
+        <p:spPr>
+          <a:xfrm>
+            <a:off x="135903" y="2413336"/>
+            <a:ext cx="2054089" cy="1790066"/>
+          </a:xfrm>
+          <a:prstGeom prst="rect">
+            <a:avLst/>
+          </a:prstGeom>
+          <a:ln>
+            <a:solidFill>
+              <a:srgbClr val="2E2B21"/>
+            </a:solidFill>
+          </a:ln>
+          <a:extLst>
+            <a:ext uri="{C572A759-6A51-4108-AA02-DFA0A04FC94B}">
+              <ma14:wrappingTextBoxFlag xmlns="" xmlns:m="http://schemas.openxmlformats.org/officeDocument/2006/math" xmlns:a14="http://schemas.microsoft.com/office/drawing/2010/main" xmlns:ma14="http://schemas.microsoft.com/office/mac/drawingml/2011/main" val="1"/>
+            </a:ext>
+          </a:extLst>
+        </p:spPr>
+        <p:txBody>
+          <a:bodyPr lIns="45719" rIns="45719">
+            <a:spAutoFit/>
+          </a:bodyPr>
+          <a:lstStyle/>
+          <a:p>
+            <a:pPr marL="285750" indent="-285750">
+              <a:buSzPct val="100000"/>
+              <a:buChar char="❑"/>
+            </a:pPr>
+            <a:r>
+              <a:t>Presentación</a:t>
+            </a:r>
+          </a:p>
+          <a:p>
+            <a:pPr marL="285750" indent="-285750">
+              <a:buSzPct val="100000"/>
+              <a:buChar char="❑"/>
+            </a:pPr>
+            <a:r>
+              <a:t>Objetivos</a:t>
+            </a:r>
+          </a:p>
+          <a:p>
+            <a:pPr marL="285750" indent="-285750">
+              <a:buSzPct val="100000"/>
+              <a:buChar char="❑"/>
+            </a:pPr>
+            <a:r>
+              <a:t>Funcionalidades</a:t>
+            </a:r>
+          </a:p>
+          <a:p>
+            <a:pPr marL="285750" indent="-285750">
+              <a:buSzPct val="100000"/>
+              <a:buChar char="❑"/>
+              <a:defRPr b="1"/>
+            </a:pPr>
+            <a:r>
+              <a:t>Demostración</a:t>
+            </a:r>
+          </a:p>
+          <a:p>
+            <a:pPr marL="285750" indent="-285750">
+              <a:buSzPct val="100000"/>
+              <a:buChar char="❑"/>
+            </a:pPr>
+            <a:r>
+              <a:t>Aspectos</a:t>
+            </a:r>
+          </a:p>
+          <a:p>
+            <a:pPr marL="285750" indent="-285750">
+              <a:buSzPct val="100000"/>
+              <a:buChar char="❑"/>
+            </a:pPr>
+            <a:r>
+              <a:t>Conclusiones</a:t>
+            </a:r>
+          </a:p>
+        </p:txBody>
+      </p:sp>
+    </p:spTree>
+  </p:cSld>
+  <p:clrMapOvr>
+    <a:masterClrMapping/>
+  </p:clrMapOvr>
+  <p:transition spd="med"/>
+</p:sld>
+</file>
+
+<file path=ppt/slides/slide15.xml><?xml version="1.0" encoding="utf-8"?>
+<p:sld xmlns:a="http://schemas.openxmlformats.org/drawingml/2006/main" xmlns:r="http://schemas.openxmlformats.org/officeDocument/2006/relationships" xmlns:p="http://schemas.openxmlformats.org/presentationml/2006/main">
+  <p:cSld>
+    <p:spTree>
+      <p:nvGrpSpPr>
+        <p:cNvPr id="1" name=""/>
+        <p:cNvGrpSpPr/>
+        <p:nvPr/>
+      </p:nvGrpSpPr>
+      <p:grpSpPr>
+        <a:xfrm>
+          <a:off x="0" y="0"/>
+          <a:ext cx="0" cy="0"/>
+          <a:chOff x="0" y="0"/>
+          <a:chExt cx="0" cy="0"/>
+        </a:xfrm>
+      </p:grpSpPr>
+      <p:sp>
+        <p:nvSpPr>
           <p:cNvPr id="142" name="Título 1"/>
           <p:cNvSpPr txBox="1">
             <a:spLocks noGrp="1"/>
@@ -3543,7 +4745,7 @@
           </a:ln>
           <a:extLst>
             <a:ext uri="{C572A759-6A51-4108-AA02-DFA0A04FC94B}">
-              <ma14:wrappingTextBoxFlag xmlns:ma14="http://schemas.microsoft.com/office/mac/drawingml/2011/main" xmlns:a14="http://schemas.microsoft.com/office/drawing/2010/main" xmlns:m="http://schemas.openxmlformats.org/officeDocument/2006/math" xmlns="" val="1"/>
+              <ma14:wrappingTextBoxFlag xmlns="" xmlns:m="http://schemas.openxmlformats.org/officeDocument/2006/math" xmlns:a14="http://schemas.microsoft.com/office/drawing/2010/main" xmlns:ma14="http://schemas.microsoft.com/office/mac/drawingml/2011/main" val="1"/>
             </a:ext>
           </a:extLst>
         </p:spPr>
@@ -3618,7 +4820,7 @@
 </p:sld>
 </file>
 
-<file path=ppt/slides/slide11.xml><?xml version="1.0" encoding="utf-8"?>
+<file path=ppt/slides/slide16.xml><?xml version="1.0" encoding="utf-8"?>
 <p:sld xmlns:a="http://schemas.openxmlformats.org/drawingml/2006/main" xmlns:r="http://schemas.openxmlformats.org/officeDocument/2006/relationships" xmlns:p="http://schemas.openxmlformats.org/presentationml/2006/main">
   <p:cSld>
     <p:spTree>
@@ -3689,7 +4891,7 @@
           </a:ln>
           <a:extLst>
             <a:ext uri="{C572A759-6A51-4108-AA02-DFA0A04FC94B}">
-              <ma14:wrappingTextBoxFlag xmlns:ma14="http://schemas.microsoft.com/office/mac/drawingml/2011/main" xmlns:a14="http://schemas.microsoft.com/office/drawing/2010/main" xmlns:m="http://schemas.openxmlformats.org/officeDocument/2006/math" xmlns="" val="1"/>
+              <ma14:wrappingTextBoxFlag xmlns="" xmlns:m="http://schemas.openxmlformats.org/officeDocument/2006/math" xmlns:a14="http://schemas.microsoft.com/office/drawing/2010/main" xmlns:ma14="http://schemas.microsoft.com/office/mac/drawingml/2011/main" val="1"/>
             </a:ext>
           </a:extLst>
         </p:spPr>
@@ -3823,843 +5025,6 @@
           </a:p>
         </p:txBody>
       </p:sp>
-    </p:spTree>
-  </p:cSld>
-  <p:clrMapOvr>
-    <a:masterClrMapping/>
-  </p:clrMapOvr>
-  <p:transition spd="med"/>
-</p:sld>
-</file>
-
-<file path=ppt/slides/slide12.xml><?xml version="1.0" encoding="utf-8"?>
-<p:sld xmlns:a="http://schemas.openxmlformats.org/drawingml/2006/main" xmlns:r="http://schemas.openxmlformats.org/officeDocument/2006/relationships" xmlns:p="http://schemas.openxmlformats.org/presentationml/2006/main">
-  <p:cSld>
-    <p:spTree>
-      <p:nvGrpSpPr>
-        <p:cNvPr id="1" name=""/>
-        <p:cNvGrpSpPr/>
-        <p:nvPr/>
-      </p:nvGrpSpPr>
-      <p:grpSpPr>
-        <a:xfrm>
-          <a:off x="0" y="0"/>
-          <a:ext cx="0" cy="0"/>
-          <a:chOff x="0" y="0"/>
-          <a:chExt cx="0" cy="0"/>
-        </a:xfrm>
-      </p:grpSpPr>
-      <p:sp>
-        <p:nvSpPr>
-          <p:cNvPr id="152" name="CuadroTexto 6"/>
-          <p:cNvSpPr txBox="1"/>
-          <p:nvPr/>
-        </p:nvSpPr>
-        <p:spPr>
-          <a:xfrm>
-            <a:off x="135903" y="2413336"/>
-            <a:ext cx="2054089" cy="1790066"/>
-          </a:xfrm>
-          <a:prstGeom prst="rect">
-            <a:avLst/>
-          </a:prstGeom>
-          <a:ln>
-            <a:solidFill>
-              <a:srgbClr val="2E2B21"/>
-            </a:solidFill>
-          </a:ln>
-          <a:extLst>
-            <a:ext uri="{C572A759-6A51-4108-AA02-DFA0A04FC94B}">
-              <ma14:wrappingTextBoxFlag xmlns:ma14="http://schemas.microsoft.com/office/mac/drawingml/2011/main" xmlns:a14="http://schemas.microsoft.com/office/drawing/2010/main" xmlns:m="http://schemas.openxmlformats.org/officeDocument/2006/math" xmlns="" val="1"/>
-            </a:ext>
-          </a:extLst>
-        </p:spPr>
-        <p:txBody>
-          <a:bodyPr lIns="45719" rIns="45719">
-            <a:spAutoFit/>
-          </a:bodyPr>
-          <a:lstStyle/>
-          <a:p>
-            <a:pPr marL="285750" indent="-285750">
-              <a:buSzPct val="100000"/>
-              <a:buChar char="❑"/>
-            </a:pPr>
-            <a:r>
-              <a:t>Presentación</a:t>
-            </a:r>
-          </a:p>
-          <a:p>
-            <a:pPr marL="285750" indent="-285750">
-              <a:buSzPct val="100000"/>
-              <a:buChar char="❑"/>
-            </a:pPr>
-            <a:r>
-              <a:t>Objetivos</a:t>
-            </a:r>
-          </a:p>
-          <a:p>
-            <a:pPr marL="285750" indent="-285750">
-              <a:buSzPct val="100000"/>
-              <a:buChar char="❑"/>
-            </a:pPr>
-            <a:r>
-              <a:t>Funcionalidades</a:t>
-            </a:r>
-          </a:p>
-          <a:p>
-            <a:pPr marL="285750" indent="-285750">
-              <a:buSzPct val="100000"/>
-              <a:buChar char="❑"/>
-              <a:defRPr b="1"/>
-            </a:pPr>
-            <a:r>
-              <a:t>Demostración</a:t>
-            </a:r>
-          </a:p>
-          <a:p>
-            <a:pPr marL="285750" indent="-285750">
-              <a:buSzPct val="100000"/>
-              <a:buChar char="❑"/>
-            </a:pPr>
-            <a:r>
-              <a:t>Aspectos</a:t>
-            </a:r>
-          </a:p>
-          <a:p>
-            <a:pPr marL="285750" indent="-285750">
-              <a:buSzPct val="100000"/>
-              <a:buChar char="❑"/>
-            </a:pPr>
-            <a:r>
-              <a:t>Conclusiones</a:t>
-            </a:r>
-          </a:p>
-        </p:txBody>
-      </p:sp>
-      <p:pic>
-        <p:nvPicPr>
-          <p:cNvPr id="153" name="Marcador de contenido 3" descr="Marcador de contenido 3"/>
-          <p:cNvPicPr>
-            <a:picLocks noChangeAspect="1"/>
-          </p:cNvPicPr>
-          <p:nvPr/>
-        </p:nvPicPr>
-        <p:blipFill>
-          <a:blip r:embed="rId2">
-            <a:extLst/>
-          </a:blip>
-          <a:stretch>
-            <a:fillRect/>
-          </a:stretch>
-        </p:blipFill>
-        <p:spPr>
-          <a:xfrm>
-            <a:off x="2952924" y="539018"/>
-            <a:ext cx="8618292" cy="5941477"/>
-          </a:xfrm>
-          <a:prstGeom prst="rect">
-            <a:avLst/>
-          </a:prstGeom>
-          <a:ln w="12700">
-            <a:miter lim="400000"/>
-          </a:ln>
-        </p:spPr>
-      </p:pic>
-      <p:sp>
-        <p:nvSpPr>
-          <p:cNvPr id="154" name="Título 1"/>
-          <p:cNvSpPr txBox="1">
-            <a:spLocks noGrp="1"/>
-          </p:cNvSpPr>
-          <p:nvPr>
-            <p:ph type="title"/>
-          </p:nvPr>
-        </p:nvSpPr>
-        <p:spPr>
-          <a:xfrm>
-            <a:off x="830509" y="913720"/>
-            <a:ext cx="9821413" cy="1499617"/>
-          </a:xfrm>
-          <a:prstGeom prst="rect">
-            <a:avLst/>
-          </a:prstGeom>
-        </p:spPr>
-        <p:txBody>
-          <a:bodyPr/>
-          <a:lstStyle/>
-          <a:p>
-            <a:pPr>
-              <a:defRPr sz="4400">
-                <a:latin typeface="Arial"/>
-                <a:ea typeface="Arial"/>
-                <a:cs typeface="Arial"/>
-                <a:sym typeface="Arial"/>
-              </a:defRPr>
-            </a:pPr>
-            <a:r>
-              <a:t>Avión</a:t>
-            </a:r>
-            <a:br/>
-            <a:endParaRPr/>
-          </a:p>
-        </p:txBody>
-      </p:sp>
-    </p:spTree>
-  </p:cSld>
-  <p:clrMapOvr>
-    <a:masterClrMapping/>
-  </p:clrMapOvr>
-  <p:transition spd="med"/>
-</p:sld>
-</file>
-
-<file path=ppt/slides/slide13.xml><?xml version="1.0" encoding="utf-8"?>
-<p:sld xmlns:a="http://schemas.openxmlformats.org/drawingml/2006/main" xmlns:r="http://schemas.openxmlformats.org/officeDocument/2006/relationships" xmlns:p="http://schemas.openxmlformats.org/presentationml/2006/main">
-  <p:cSld>
-    <p:spTree>
-      <p:nvGrpSpPr>
-        <p:cNvPr id="1" name=""/>
-        <p:cNvGrpSpPr/>
-        <p:nvPr/>
-      </p:nvGrpSpPr>
-      <p:grpSpPr>
-        <a:xfrm>
-          <a:off x="0" y="0"/>
-          <a:ext cx="0" cy="0"/>
-          <a:chOff x="0" y="0"/>
-          <a:chExt cx="0" cy="0"/>
-        </a:xfrm>
-      </p:grpSpPr>
-      <p:sp>
-        <p:nvSpPr>
-          <p:cNvPr id="156" name="CuadroTexto 6"/>
-          <p:cNvSpPr txBox="1"/>
-          <p:nvPr/>
-        </p:nvSpPr>
-        <p:spPr>
-          <a:xfrm>
-            <a:off x="135903" y="2413336"/>
-            <a:ext cx="2054089" cy="1790066"/>
-          </a:xfrm>
-          <a:prstGeom prst="rect">
-            <a:avLst/>
-          </a:prstGeom>
-          <a:ln>
-            <a:solidFill>
-              <a:srgbClr val="2E2B21"/>
-            </a:solidFill>
-          </a:ln>
-          <a:extLst>
-            <a:ext uri="{C572A759-6A51-4108-AA02-DFA0A04FC94B}">
-              <ma14:wrappingTextBoxFlag xmlns:ma14="http://schemas.microsoft.com/office/mac/drawingml/2011/main" xmlns:a14="http://schemas.microsoft.com/office/drawing/2010/main" xmlns:m="http://schemas.openxmlformats.org/officeDocument/2006/math" xmlns="" val="1"/>
-            </a:ext>
-          </a:extLst>
-        </p:spPr>
-        <p:txBody>
-          <a:bodyPr lIns="45719" rIns="45719">
-            <a:spAutoFit/>
-          </a:bodyPr>
-          <a:lstStyle/>
-          <a:p>
-            <a:pPr marL="285750" indent="-285750">
-              <a:buSzPct val="100000"/>
-              <a:buChar char="❑"/>
-            </a:pPr>
-            <a:r>
-              <a:t>Presentación</a:t>
-            </a:r>
-          </a:p>
-          <a:p>
-            <a:pPr marL="285750" indent="-285750">
-              <a:buSzPct val="100000"/>
-              <a:buChar char="❑"/>
-            </a:pPr>
-            <a:r>
-              <a:t>Objetivos</a:t>
-            </a:r>
-          </a:p>
-          <a:p>
-            <a:pPr marL="285750" indent="-285750">
-              <a:buSzPct val="100000"/>
-              <a:buChar char="❑"/>
-            </a:pPr>
-            <a:r>
-              <a:t>Funcionalidades</a:t>
-            </a:r>
-          </a:p>
-          <a:p>
-            <a:pPr marL="285750" indent="-285750">
-              <a:buSzPct val="100000"/>
-              <a:buChar char="❑"/>
-              <a:defRPr b="1"/>
-            </a:pPr>
-            <a:r>
-              <a:t>Demostración</a:t>
-            </a:r>
-          </a:p>
-          <a:p>
-            <a:pPr marL="285750" indent="-285750">
-              <a:buSzPct val="100000"/>
-              <a:buChar char="❑"/>
-            </a:pPr>
-            <a:r>
-              <a:t>Aspectos</a:t>
-            </a:r>
-          </a:p>
-          <a:p>
-            <a:pPr marL="285750" indent="-285750">
-              <a:buSzPct val="100000"/>
-              <a:buChar char="❑"/>
-            </a:pPr>
-            <a:r>
-              <a:t>Conclusiones</a:t>
-            </a:r>
-          </a:p>
-        </p:txBody>
-      </p:sp>
-      <p:pic>
-        <p:nvPicPr>
-          <p:cNvPr id="157" name="Marcador de contenido 5" descr="Marcador de contenido 5"/>
-          <p:cNvPicPr>
-            <a:picLocks noChangeAspect="1"/>
-          </p:cNvPicPr>
-          <p:nvPr/>
-        </p:nvPicPr>
-        <p:blipFill>
-          <a:blip r:embed="rId2">
-            <a:extLst/>
-          </a:blip>
-          <a:stretch>
-            <a:fillRect/>
-          </a:stretch>
-        </p:blipFill>
-        <p:spPr>
-          <a:xfrm>
-            <a:off x="2613899" y="145492"/>
-            <a:ext cx="8417624" cy="3771665"/>
-          </a:xfrm>
-          <a:prstGeom prst="rect">
-            <a:avLst/>
-          </a:prstGeom>
-          <a:ln w="12700">
-            <a:miter lim="400000"/>
-          </a:ln>
-        </p:spPr>
-      </p:pic>
-      <p:pic>
-        <p:nvPicPr>
-          <p:cNvPr id="158" name="Marcador de contenido 3" descr="Marcador de contenido 3"/>
-          <p:cNvPicPr>
-            <a:picLocks noChangeAspect="1"/>
-          </p:cNvPicPr>
-          <p:nvPr/>
-        </p:nvPicPr>
-        <p:blipFill>
-          <a:blip r:embed="rId3">
-            <a:extLst/>
-          </a:blip>
-          <a:stretch>
-            <a:fillRect/>
-          </a:stretch>
-        </p:blipFill>
-        <p:spPr>
-          <a:xfrm>
-            <a:off x="3993160" y="4146879"/>
-            <a:ext cx="7038363" cy="1995530"/>
-          </a:xfrm>
-          <a:prstGeom prst="rect">
-            <a:avLst/>
-          </a:prstGeom>
-          <a:ln w="12700">
-            <a:miter lim="400000"/>
-          </a:ln>
-        </p:spPr>
-      </p:pic>
-    </p:spTree>
-  </p:cSld>
-  <p:clrMapOvr>
-    <a:masterClrMapping/>
-  </p:clrMapOvr>
-  <p:transition spd="med"/>
-</p:sld>
-</file>
-
-<file path=ppt/slides/slide14.xml><?xml version="1.0" encoding="utf-8"?>
-<p:sld xmlns:a="http://schemas.openxmlformats.org/drawingml/2006/main" xmlns:r="http://schemas.openxmlformats.org/officeDocument/2006/relationships" xmlns:p="http://schemas.openxmlformats.org/presentationml/2006/main">
-  <p:cSld>
-    <p:spTree>
-      <p:nvGrpSpPr>
-        <p:cNvPr id="1" name=""/>
-        <p:cNvGrpSpPr/>
-        <p:nvPr/>
-      </p:nvGrpSpPr>
-      <p:grpSpPr>
-        <a:xfrm>
-          <a:off x="0" y="0"/>
-          <a:ext cx="0" cy="0"/>
-          <a:chOff x="0" y="0"/>
-          <a:chExt cx="0" cy="0"/>
-        </a:xfrm>
-      </p:grpSpPr>
-      <p:sp>
-        <p:nvSpPr>
-          <p:cNvPr id="160" name="CuadroTexto 6"/>
-          <p:cNvSpPr txBox="1"/>
-          <p:nvPr/>
-        </p:nvSpPr>
-        <p:spPr>
-          <a:xfrm>
-            <a:off x="135903" y="2413336"/>
-            <a:ext cx="2054089" cy="1790066"/>
-          </a:xfrm>
-          <a:prstGeom prst="rect">
-            <a:avLst/>
-          </a:prstGeom>
-          <a:ln>
-            <a:solidFill>
-              <a:srgbClr val="2E2B21"/>
-            </a:solidFill>
-          </a:ln>
-          <a:extLst>
-            <a:ext uri="{C572A759-6A51-4108-AA02-DFA0A04FC94B}">
-              <ma14:wrappingTextBoxFlag xmlns:ma14="http://schemas.microsoft.com/office/mac/drawingml/2011/main" xmlns:a14="http://schemas.microsoft.com/office/drawing/2010/main" xmlns:m="http://schemas.openxmlformats.org/officeDocument/2006/math" xmlns="" val="1"/>
-            </a:ext>
-          </a:extLst>
-        </p:spPr>
-        <p:txBody>
-          <a:bodyPr lIns="45719" rIns="45719">
-            <a:spAutoFit/>
-          </a:bodyPr>
-          <a:lstStyle/>
-          <a:p>
-            <a:pPr marL="285750" indent="-285750">
-              <a:buSzPct val="100000"/>
-              <a:buChar char="❑"/>
-            </a:pPr>
-            <a:r>
-              <a:t>Presentación</a:t>
-            </a:r>
-          </a:p>
-          <a:p>
-            <a:pPr marL="285750" indent="-285750">
-              <a:buSzPct val="100000"/>
-              <a:buChar char="❑"/>
-            </a:pPr>
-            <a:r>
-              <a:t>Objetivos</a:t>
-            </a:r>
-          </a:p>
-          <a:p>
-            <a:pPr marL="285750" indent="-285750">
-              <a:buSzPct val="100000"/>
-              <a:buChar char="❑"/>
-            </a:pPr>
-            <a:r>
-              <a:t>Funcionalidades</a:t>
-            </a:r>
-          </a:p>
-          <a:p>
-            <a:pPr marL="285750" indent="-285750">
-              <a:buSzPct val="100000"/>
-              <a:buChar char="❑"/>
-              <a:defRPr b="1"/>
-            </a:pPr>
-            <a:r>
-              <a:t>Demostración</a:t>
-            </a:r>
-          </a:p>
-          <a:p>
-            <a:pPr marL="285750" indent="-285750">
-              <a:buSzPct val="100000"/>
-              <a:buChar char="❑"/>
-            </a:pPr>
-            <a:r>
-              <a:t>Aspectos</a:t>
-            </a:r>
-          </a:p>
-          <a:p>
-            <a:pPr marL="285750" indent="-285750">
-              <a:buSzPct val="100000"/>
-              <a:buChar char="❑"/>
-            </a:pPr>
-            <a:r>
-              <a:t>Conclusiones</a:t>
-            </a:r>
-          </a:p>
-        </p:txBody>
-      </p:sp>
-      <p:pic>
-        <p:nvPicPr>
-          <p:cNvPr id="161" name="Marcador de contenido 3" descr="Marcador de contenido 3"/>
-          <p:cNvPicPr>
-            <a:picLocks noChangeAspect="1"/>
-          </p:cNvPicPr>
-          <p:nvPr/>
-        </p:nvPicPr>
-        <p:blipFill>
-          <a:blip r:embed="rId2">
-            <a:extLst/>
-          </a:blip>
-          <a:stretch>
-            <a:fillRect/>
-          </a:stretch>
-        </p:blipFill>
-        <p:spPr>
-          <a:xfrm>
-            <a:off x="2391326" y="687198"/>
-            <a:ext cx="8694561" cy="5168317"/>
-          </a:xfrm>
-          <a:prstGeom prst="rect">
-            <a:avLst/>
-          </a:prstGeom>
-          <a:ln w="12700">
-            <a:miter lim="400000"/>
-          </a:ln>
-        </p:spPr>
-      </p:pic>
-    </p:spTree>
-  </p:cSld>
-  <p:clrMapOvr>
-    <a:masterClrMapping/>
-  </p:clrMapOvr>
-  <p:transition spd="med"/>
-</p:sld>
-</file>
-
-<file path=ppt/slides/slide15.xml><?xml version="1.0" encoding="utf-8"?>
-<p:sld xmlns:a="http://schemas.openxmlformats.org/drawingml/2006/main" xmlns:r="http://schemas.openxmlformats.org/officeDocument/2006/relationships" xmlns:p="http://schemas.openxmlformats.org/presentationml/2006/main">
-  <p:cSld>
-    <p:spTree>
-      <p:nvGrpSpPr>
-        <p:cNvPr id="1" name=""/>
-        <p:cNvGrpSpPr/>
-        <p:nvPr/>
-      </p:nvGrpSpPr>
-      <p:grpSpPr>
-        <a:xfrm>
-          <a:off x="0" y="0"/>
-          <a:ext cx="0" cy="0"/>
-          <a:chOff x="0" y="0"/>
-          <a:chExt cx="0" cy="0"/>
-        </a:xfrm>
-      </p:grpSpPr>
-      <p:sp>
-        <p:nvSpPr>
-          <p:cNvPr id="163" name="CuadroTexto 6"/>
-          <p:cNvSpPr txBox="1"/>
-          <p:nvPr/>
-        </p:nvSpPr>
-        <p:spPr>
-          <a:xfrm>
-            <a:off x="135903" y="2413336"/>
-            <a:ext cx="2054089" cy="1790066"/>
-          </a:xfrm>
-          <a:prstGeom prst="rect">
-            <a:avLst/>
-          </a:prstGeom>
-          <a:ln>
-            <a:solidFill>
-              <a:srgbClr val="2E2B21"/>
-            </a:solidFill>
-          </a:ln>
-          <a:extLst>
-            <a:ext uri="{C572A759-6A51-4108-AA02-DFA0A04FC94B}">
-              <ma14:wrappingTextBoxFlag xmlns:ma14="http://schemas.microsoft.com/office/mac/drawingml/2011/main" xmlns:a14="http://schemas.microsoft.com/office/drawing/2010/main" xmlns:m="http://schemas.openxmlformats.org/officeDocument/2006/math" xmlns="" val="1"/>
-            </a:ext>
-          </a:extLst>
-        </p:spPr>
-        <p:txBody>
-          <a:bodyPr lIns="45719" rIns="45719">
-            <a:spAutoFit/>
-          </a:bodyPr>
-          <a:lstStyle/>
-          <a:p>
-            <a:pPr marL="285750" indent="-285750">
-              <a:buSzPct val="100000"/>
-              <a:buChar char="❑"/>
-            </a:pPr>
-            <a:r>
-              <a:t>Presentación</a:t>
-            </a:r>
-          </a:p>
-          <a:p>
-            <a:pPr marL="285750" indent="-285750">
-              <a:buSzPct val="100000"/>
-              <a:buChar char="❑"/>
-            </a:pPr>
-            <a:r>
-              <a:t>Objetivos</a:t>
-            </a:r>
-          </a:p>
-          <a:p>
-            <a:pPr marL="285750" indent="-285750">
-              <a:buSzPct val="100000"/>
-              <a:buChar char="❑"/>
-            </a:pPr>
-            <a:r>
-              <a:t>Funcionalidades</a:t>
-            </a:r>
-          </a:p>
-          <a:p>
-            <a:pPr marL="285750" indent="-285750">
-              <a:buSzPct val="100000"/>
-              <a:buChar char="❑"/>
-              <a:defRPr b="1"/>
-            </a:pPr>
-            <a:r>
-              <a:t>Demostración</a:t>
-            </a:r>
-          </a:p>
-          <a:p>
-            <a:pPr marL="285750" indent="-285750">
-              <a:buSzPct val="100000"/>
-              <a:buChar char="❑"/>
-            </a:pPr>
-            <a:r>
-              <a:t>Aspectos</a:t>
-            </a:r>
-          </a:p>
-          <a:p>
-            <a:pPr marL="285750" indent="-285750">
-              <a:buSzPct val="100000"/>
-              <a:buChar char="❑"/>
-            </a:pPr>
-            <a:r>
-              <a:t>Conclusiones</a:t>
-            </a:r>
-          </a:p>
-        </p:txBody>
-      </p:sp>
-      <p:pic>
-        <p:nvPicPr>
-          <p:cNvPr id="164" name="Marcador de contenido 5" descr="Marcador de contenido 5"/>
-          <p:cNvPicPr>
-            <a:picLocks noChangeAspect="1"/>
-          </p:cNvPicPr>
-          <p:nvPr/>
-        </p:nvPicPr>
-        <p:blipFill>
-          <a:blip r:embed="rId2">
-            <a:extLst/>
-          </a:blip>
-          <a:stretch>
-            <a:fillRect/>
-          </a:stretch>
-        </p:blipFill>
-        <p:spPr>
-          <a:xfrm>
-            <a:off x="3192103" y="536704"/>
-            <a:ext cx="7444748" cy="3871711"/>
-          </a:xfrm>
-          <a:prstGeom prst="rect">
-            <a:avLst/>
-          </a:prstGeom>
-          <a:ln w="12700">
-            <a:miter lim="400000"/>
-          </a:ln>
-        </p:spPr>
-      </p:pic>
-      <p:pic>
-        <p:nvPicPr>
-          <p:cNvPr id="165" name="Marcador de contenido 3" descr="Marcador de contenido 3"/>
-          <p:cNvPicPr>
-            <a:picLocks noChangeAspect="1"/>
-          </p:cNvPicPr>
-          <p:nvPr/>
-        </p:nvPicPr>
-        <p:blipFill>
-          <a:blip r:embed="rId3">
-            <a:extLst/>
-          </a:blip>
-          <a:srcRect b="54917"/>
-          <a:stretch>
-            <a:fillRect/>
-          </a:stretch>
-        </p:blipFill>
-        <p:spPr>
-          <a:xfrm>
-            <a:off x="3768978" y="4661506"/>
-            <a:ext cx="6290998" cy="1362967"/>
-          </a:xfrm>
-          <a:prstGeom prst="rect">
-            <a:avLst/>
-          </a:prstGeom>
-          <a:ln w="12700">
-            <a:miter lim="400000"/>
-          </a:ln>
-        </p:spPr>
-      </p:pic>
-    </p:spTree>
-  </p:cSld>
-  <p:clrMapOvr>
-    <a:masterClrMapping/>
-  </p:clrMapOvr>
-  <p:transition spd="med"/>
-</p:sld>
-</file>
-
-<file path=ppt/slides/slide16.xml><?xml version="1.0" encoding="utf-8"?>
-<p:sld xmlns:a="http://schemas.openxmlformats.org/drawingml/2006/main" xmlns:r="http://schemas.openxmlformats.org/officeDocument/2006/relationships" xmlns:p="http://schemas.openxmlformats.org/presentationml/2006/main">
-  <p:cSld>
-    <p:spTree>
-      <p:nvGrpSpPr>
-        <p:cNvPr id="1" name=""/>
-        <p:cNvGrpSpPr/>
-        <p:nvPr/>
-      </p:nvGrpSpPr>
-      <p:grpSpPr>
-        <a:xfrm>
-          <a:off x="0" y="0"/>
-          <a:ext cx="0" cy="0"/>
-          <a:chOff x="0" y="0"/>
-          <a:chExt cx="0" cy="0"/>
-        </a:xfrm>
-      </p:grpSpPr>
-      <p:sp>
-        <p:nvSpPr>
-          <p:cNvPr id="167" name="CuadroTexto 6"/>
-          <p:cNvSpPr txBox="1"/>
-          <p:nvPr/>
-        </p:nvSpPr>
-        <p:spPr>
-          <a:xfrm>
-            <a:off x="135903" y="2413336"/>
-            <a:ext cx="2054089" cy="1790066"/>
-          </a:xfrm>
-          <a:prstGeom prst="rect">
-            <a:avLst/>
-          </a:prstGeom>
-          <a:ln>
-            <a:solidFill>
-              <a:srgbClr val="2E2B21"/>
-            </a:solidFill>
-          </a:ln>
-          <a:extLst>
-            <a:ext uri="{C572A759-6A51-4108-AA02-DFA0A04FC94B}">
-              <ma14:wrappingTextBoxFlag xmlns:ma14="http://schemas.microsoft.com/office/mac/drawingml/2011/main" xmlns:a14="http://schemas.microsoft.com/office/drawing/2010/main" xmlns:m="http://schemas.openxmlformats.org/officeDocument/2006/math" xmlns="" val="1"/>
-            </a:ext>
-          </a:extLst>
-        </p:spPr>
-        <p:txBody>
-          <a:bodyPr lIns="45719" rIns="45719">
-            <a:spAutoFit/>
-          </a:bodyPr>
-          <a:lstStyle/>
-          <a:p>
-            <a:pPr marL="285750" indent="-285750">
-              <a:buSzPct val="100000"/>
-              <a:buChar char="❑"/>
-            </a:pPr>
-            <a:r>
-              <a:t>Presentación</a:t>
-            </a:r>
-          </a:p>
-          <a:p>
-            <a:pPr marL="285750" indent="-285750">
-              <a:buSzPct val="100000"/>
-              <a:buChar char="❑"/>
-            </a:pPr>
-            <a:r>
-              <a:t>Objetivos</a:t>
-            </a:r>
-          </a:p>
-          <a:p>
-            <a:pPr marL="285750" indent="-285750">
-              <a:buSzPct val="100000"/>
-              <a:buChar char="❑"/>
-            </a:pPr>
-            <a:r>
-              <a:t>Funcionalidades</a:t>
-            </a:r>
-          </a:p>
-          <a:p>
-            <a:pPr marL="285750" indent="-285750">
-              <a:buSzPct val="100000"/>
-              <a:buChar char="❑"/>
-              <a:defRPr b="1"/>
-            </a:pPr>
-            <a:r>
-              <a:t>Demostración</a:t>
-            </a:r>
-          </a:p>
-          <a:p>
-            <a:pPr marL="285750" indent="-285750">
-              <a:buSzPct val="100000"/>
-              <a:buChar char="❑"/>
-            </a:pPr>
-            <a:r>
-              <a:t>Aspectos</a:t>
-            </a:r>
-          </a:p>
-          <a:p>
-            <a:pPr marL="285750" indent="-285750">
-              <a:buSzPct val="100000"/>
-              <a:buChar char="❑"/>
-            </a:pPr>
-            <a:r>
-              <a:t>Conclusiones</a:t>
-            </a:r>
-          </a:p>
-        </p:txBody>
-      </p:sp>
-      <p:pic>
-        <p:nvPicPr>
-          <p:cNvPr id="168" name="Marcador de contenido 8" descr="Marcador de contenido 8"/>
-          <p:cNvPicPr>
-            <a:picLocks noChangeAspect="1"/>
-          </p:cNvPicPr>
-          <p:nvPr/>
-        </p:nvPicPr>
-        <p:blipFill>
-          <a:blip r:embed="rId2">
-            <a:extLst/>
-          </a:blip>
-          <a:stretch>
-            <a:fillRect/>
-          </a:stretch>
-        </p:blipFill>
-        <p:spPr>
-          <a:xfrm>
-            <a:off x="2213038" y="-19965"/>
-            <a:ext cx="7779848" cy="4464627"/>
-          </a:xfrm>
-          <a:prstGeom prst="rect">
-            <a:avLst/>
-          </a:prstGeom>
-          <a:ln w="12700">
-            <a:miter lim="400000"/>
-          </a:ln>
-        </p:spPr>
-      </p:pic>
-      <p:pic>
-        <p:nvPicPr>
-          <p:cNvPr id="169" name="Marcador de contenido 7" descr="Marcador de contenido 7"/>
-          <p:cNvPicPr>
-            <a:picLocks noChangeAspect="1"/>
-          </p:cNvPicPr>
-          <p:nvPr/>
-        </p:nvPicPr>
-        <p:blipFill>
-          <a:blip r:embed="rId3">
-            <a:extLst/>
-          </a:blip>
-          <a:stretch>
-            <a:fillRect/>
-          </a:stretch>
-        </p:blipFill>
-        <p:spPr>
-          <a:xfrm>
-            <a:off x="5348311" y="3655438"/>
-            <a:ext cx="6843690" cy="3202562"/>
-          </a:xfrm>
-          <a:prstGeom prst="rect">
-            <a:avLst/>
-          </a:prstGeom>
-          <a:ln w="12700">
-            <a:miter lim="400000"/>
-          </a:ln>
-        </p:spPr>
-      </p:pic>
     </p:spTree>
   </p:cSld>
   <p:clrMapOvr>
@@ -4688,45 +5053,7 @@
       </p:grpSpPr>
       <p:sp>
         <p:nvSpPr>
-          <p:cNvPr id="171" name="TICKET"/>
-          <p:cNvSpPr txBox="1">
-            <a:spLocks noGrp="1"/>
-          </p:cNvSpPr>
-          <p:nvPr>
-            <p:ph type="title"/>
-          </p:nvPr>
-        </p:nvSpPr>
-        <p:spPr>
-          <a:xfrm>
-            <a:off x="1024127" y="533715"/>
-            <a:ext cx="9720073" cy="1499617"/>
-          </a:xfrm>
-          <a:prstGeom prst="rect">
-            <a:avLst/>
-          </a:prstGeom>
-        </p:spPr>
-        <p:txBody>
-          <a:bodyPr/>
-          <a:lstStyle>
-            <a:lvl1pPr>
-              <a:defRPr sz="4400" spc="112">
-                <a:latin typeface="Arial"/>
-                <a:ea typeface="Arial"/>
-                <a:cs typeface="Arial"/>
-                <a:sym typeface="Arial"/>
-              </a:defRPr>
-            </a:lvl1pPr>
-          </a:lstStyle>
-          <a:p>
-            <a:r>
-              <a:t>TICKET</a:t>
-            </a:r>
-          </a:p>
-        </p:txBody>
-      </p:sp>
-      <p:sp>
-        <p:nvSpPr>
-          <p:cNvPr id="172" name="CuadroTexto 5"/>
+          <p:cNvPr id="152" name="CuadroTexto 6"/>
           <p:cNvSpPr txBox="1"/>
           <p:nvPr/>
         </p:nvSpPr>
@@ -4745,7 +5072,7 @@
           </a:ln>
           <a:extLst>
             <a:ext uri="{C572A759-6A51-4108-AA02-DFA0A04FC94B}">
-              <ma14:wrappingTextBoxFlag xmlns:ma14="http://schemas.microsoft.com/office/mac/drawingml/2011/main" xmlns:a14="http://schemas.microsoft.com/office/drawing/2010/main" xmlns:m="http://schemas.openxmlformats.org/officeDocument/2006/math" xmlns="" val="1"/>
+              <ma14:wrappingTextBoxFlag xmlns="" xmlns:m="http://schemas.openxmlformats.org/officeDocument/2006/math" xmlns:a14="http://schemas.microsoft.com/office/drawing/2010/main" xmlns:ma14="http://schemas.microsoft.com/office/mac/drawingml/2011/main" val="1"/>
             </a:ext>
           </a:extLst>
         </p:spPr>
@@ -4811,53 +5138,9 @@
           </a:p>
         </p:txBody>
       </p:sp>
-      <p:sp>
-        <p:nvSpPr>
-          <p:cNvPr id="173" name="Rectángulo 4"/>
-          <p:cNvSpPr txBox="1"/>
-          <p:nvPr/>
-        </p:nvSpPr>
-        <p:spPr>
-          <a:xfrm>
-            <a:off x="5376993" y="1903016"/>
-            <a:ext cx="1438014" cy="350662"/>
-          </a:xfrm>
-          <a:prstGeom prst="rect">
-            <a:avLst/>
-          </a:prstGeom>
-          <a:ln w="12700">
-            <a:miter lim="400000"/>
-          </a:ln>
-          <a:extLst>
-            <a:ext uri="{C572A759-6A51-4108-AA02-DFA0A04FC94B}">
-              <ma14:wrappingTextBoxFlag xmlns:ma14="http://schemas.microsoft.com/office/mac/drawingml/2011/main" xmlns:a14="http://schemas.microsoft.com/office/drawing/2010/main" xmlns:m="http://schemas.openxmlformats.org/officeDocument/2006/math" xmlns="" val="1"/>
-            </a:ext>
-          </a:extLst>
-        </p:spPr>
-        <p:txBody>
-          <a:bodyPr wrap="none" lIns="45719" rIns="45719">
-            <a:spAutoFit/>
-          </a:bodyPr>
-          <a:lstStyle>
-            <a:lvl1pPr>
-              <a:defRPr>
-                <a:latin typeface="Arial"/>
-                <a:ea typeface="Arial"/>
-                <a:cs typeface="Arial"/>
-                <a:sym typeface="Arial"/>
-              </a:defRPr>
-            </a:lvl1pPr>
-          </a:lstStyle>
-          <a:p>
-            <a:r>
-              <a:t>Listar Tickets</a:t>
-            </a:r>
-          </a:p>
-        </p:txBody>
-      </p:sp>
       <p:pic>
         <p:nvPicPr>
-          <p:cNvPr id="174" name="Captura de pantalla 2019-04-08 a las 10.07.46.png" descr="Captura de pantalla 2019-04-08 a las 10.07.46.png"/>
+          <p:cNvPr id="153" name="Marcador de contenido 3" descr="Marcador de contenido 3"/>
           <p:cNvPicPr>
             <a:picLocks noChangeAspect="1"/>
           </p:cNvPicPr>
@@ -4867,15 +5150,14 @@
           <a:blip r:embed="rId2">
             <a:extLst/>
           </a:blip>
-          <a:srcRect l="1346" t="2690" r="8997" b="2690"/>
           <a:stretch>
             <a:fillRect/>
           </a:stretch>
         </p:blipFill>
         <p:spPr>
           <a:xfrm>
-            <a:off x="2280443" y="2323870"/>
-            <a:ext cx="7630920" cy="3550422"/>
+            <a:off x="2952924" y="539018"/>
+            <a:ext cx="8618292" cy="5941477"/>
           </a:xfrm>
           <a:prstGeom prst="rect">
             <a:avLst/>
@@ -4885,6 +5167,45 @@
           </a:ln>
         </p:spPr>
       </p:pic>
+      <p:sp>
+        <p:nvSpPr>
+          <p:cNvPr id="154" name="Título 1"/>
+          <p:cNvSpPr txBox="1">
+            <a:spLocks noGrp="1"/>
+          </p:cNvSpPr>
+          <p:nvPr>
+            <p:ph type="title"/>
+          </p:nvPr>
+        </p:nvSpPr>
+        <p:spPr>
+          <a:xfrm>
+            <a:off x="830509" y="913720"/>
+            <a:ext cx="9821413" cy="1499617"/>
+          </a:xfrm>
+          <a:prstGeom prst="rect">
+            <a:avLst/>
+          </a:prstGeom>
+        </p:spPr>
+        <p:txBody>
+          <a:bodyPr/>
+          <a:lstStyle/>
+          <a:p>
+            <a:pPr>
+              <a:defRPr sz="4400">
+                <a:latin typeface="Arial"/>
+                <a:ea typeface="Arial"/>
+                <a:cs typeface="Arial"/>
+                <a:sym typeface="Arial"/>
+              </a:defRPr>
+            </a:pPr>
+            <a:r>
+              <a:t>Avión</a:t>
+            </a:r>
+            <a:br/>
+            <a:endParaRPr/>
+          </a:p>
+        </p:txBody>
+      </p:sp>
     </p:spTree>
   </p:cSld>
   <p:clrMapOvr>
@@ -4913,45 +5234,7 @@
       </p:grpSpPr>
       <p:sp>
         <p:nvSpPr>
-          <p:cNvPr id="176" name="Equipajes"/>
-          <p:cNvSpPr txBox="1">
-            <a:spLocks noGrp="1"/>
-          </p:cNvSpPr>
-          <p:nvPr>
-            <p:ph type="title"/>
-          </p:nvPr>
-        </p:nvSpPr>
-        <p:spPr>
-          <a:xfrm>
-            <a:off x="1024127" y="533715"/>
-            <a:ext cx="9720073" cy="1499617"/>
-          </a:xfrm>
-          <a:prstGeom prst="rect">
-            <a:avLst/>
-          </a:prstGeom>
-        </p:spPr>
-        <p:txBody>
-          <a:bodyPr/>
-          <a:lstStyle>
-            <a:lvl1pPr>
-              <a:defRPr sz="4400" spc="112">
-                <a:latin typeface="Arial"/>
-                <a:ea typeface="Arial"/>
-                <a:cs typeface="Arial"/>
-                <a:sym typeface="Arial"/>
-              </a:defRPr>
-            </a:lvl1pPr>
-          </a:lstStyle>
-          <a:p>
-            <a:r>
-              <a:t>Equipajes</a:t>
-            </a:r>
-          </a:p>
-        </p:txBody>
-      </p:sp>
-      <p:sp>
-        <p:nvSpPr>
-          <p:cNvPr id="177" name="CuadroTexto 5"/>
+          <p:cNvPr id="156" name="CuadroTexto 6"/>
           <p:cNvSpPr txBox="1"/>
           <p:nvPr/>
         </p:nvSpPr>
@@ -4970,7 +5253,7 @@
           </a:ln>
           <a:extLst>
             <a:ext uri="{C572A759-6A51-4108-AA02-DFA0A04FC94B}">
-              <ma14:wrappingTextBoxFlag xmlns:ma14="http://schemas.microsoft.com/office/mac/drawingml/2011/main" xmlns:a14="http://schemas.microsoft.com/office/drawing/2010/main" xmlns:m="http://schemas.openxmlformats.org/officeDocument/2006/math" xmlns="" val="1"/>
+              <ma14:wrappingTextBoxFlag xmlns="" xmlns:m="http://schemas.openxmlformats.org/officeDocument/2006/math" xmlns:a14="http://schemas.microsoft.com/office/drawing/2010/main" xmlns:ma14="http://schemas.microsoft.com/office/mac/drawingml/2011/main" val="1"/>
             </a:ext>
           </a:extLst>
         </p:spPr>
@@ -5036,53 +5319,9 @@
           </a:p>
         </p:txBody>
       </p:sp>
-      <p:sp>
-        <p:nvSpPr>
-          <p:cNvPr id="178" name="Rectángulo 4"/>
-          <p:cNvSpPr txBox="1"/>
-          <p:nvPr/>
-        </p:nvSpPr>
-        <p:spPr>
-          <a:xfrm>
-            <a:off x="5376993" y="1903016"/>
-            <a:ext cx="1730684" cy="350662"/>
-          </a:xfrm>
-          <a:prstGeom prst="rect">
-            <a:avLst/>
-          </a:prstGeom>
-          <a:ln w="12700">
-            <a:miter lim="400000"/>
-          </a:ln>
-          <a:extLst>
-            <a:ext uri="{C572A759-6A51-4108-AA02-DFA0A04FC94B}">
-              <ma14:wrappingTextBoxFlag xmlns:ma14="http://schemas.microsoft.com/office/mac/drawingml/2011/main" xmlns:a14="http://schemas.microsoft.com/office/drawing/2010/main" xmlns:m="http://schemas.openxmlformats.org/officeDocument/2006/math" xmlns="" val="1"/>
-            </a:ext>
-          </a:extLst>
-        </p:spPr>
-        <p:txBody>
-          <a:bodyPr wrap="none" lIns="45719" rIns="45719">
-            <a:spAutoFit/>
-          </a:bodyPr>
-          <a:lstStyle>
-            <a:lvl1pPr>
-              <a:defRPr>
-                <a:latin typeface="Arial"/>
-                <a:ea typeface="Arial"/>
-                <a:cs typeface="Arial"/>
-                <a:sym typeface="Arial"/>
-              </a:defRPr>
-            </a:lvl1pPr>
-          </a:lstStyle>
-          <a:p>
-            <a:r>
-              <a:t>Listar Equipajes</a:t>
-            </a:r>
-          </a:p>
-        </p:txBody>
-      </p:sp>
       <p:pic>
         <p:nvPicPr>
-          <p:cNvPr id="179" name="Captura de pantalla 2019-04-08 a las 10.08.39.png" descr="Captura de pantalla 2019-04-08 a las 10.08.39.png"/>
+          <p:cNvPr id="157" name="Marcador de contenido 5" descr="Marcador de contenido 5"/>
           <p:cNvPicPr>
             <a:picLocks noChangeAspect="1"/>
           </p:cNvPicPr>
@@ -5092,15 +5331,14 @@
           <a:blip r:embed="rId2">
             <a:extLst/>
           </a:blip>
-          <a:srcRect l="1187" r="14744"/>
           <a:stretch>
             <a:fillRect/>
           </a:stretch>
         </p:blipFill>
         <p:spPr>
           <a:xfrm>
-            <a:off x="2279642" y="2227335"/>
-            <a:ext cx="8171466" cy="2629003"/>
+            <a:off x="2613899" y="145492"/>
+            <a:ext cx="8417624" cy="3771665"/>
           </a:xfrm>
           <a:prstGeom prst="rect">
             <a:avLst/>
@@ -5112,7 +5350,7 @@
       </p:pic>
       <p:pic>
         <p:nvPicPr>
-          <p:cNvPr id="180" name="Captura de pantalla 2019-04-08 a las 10.08.05.png" descr="Captura de pantalla 2019-04-08 a las 10.08.05.png"/>
+          <p:cNvPr id="158" name="Marcador de contenido 3" descr="Marcador de contenido 3"/>
           <p:cNvPicPr>
             <a:picLocks noChangeAspect="1"/>
           </p:cNvPicPr>
@@ -5122,15 +5360,14 @@
           <a:blip r:embed="rId3">
             <a:extLst/>
           </a:blip>
-          <a:srcRect l="14561" t="20532" r="14561"/>
           <a:stretch>
             <a:fillRect/>
           </a:stretch>
         </p:blipFill>
         <p:spPr>
           <a:xfrm>
-            <a:off x="5638174" y="4606011"/>
-            <a:ext cx="6245703" cy="1915602"/>
+            <a:off x="3993160" y="4146879"/>
+            <a:ext cx="7038363" cy="1995530"/>
           </a:xfrm>
           <a:prstGeom prst="rect">
             <a:avLst/>
@@ -5168,7 +5405,7 @@
       </p:grpSpPr>
       <p:sp>
         <p:nvSpPr>
-          <p:cNvPr id="182" name="CuadroTexto 6"/>
+          <p:cNvPr id="160" name="CuadroTexto 6"/>
           <p:cNvSpPr txBox="1"/>
           <p:nvPr/>
         </p:nvSpPr>
@@ -5187,7 +5424,7 @@
           </a:ln>
           <a:extLst>
             <a:ext uri="{C572A759-6A51-4108-AA02-DFA0A04FC94B}">
-              <ma14:wrappingTextBoxFlag xmlns:ma14="http://schemas.microsoft.com/office/mac/drawingml/2011/main" xmlns:a14="http://schemas.microsoft.com/office/drawing/2010/main" xmlns:m="http://schemas.openxmlformats.org/officeDocument/2006/math" xmlns="" val="1"/>
+              <ma14:wrappingTextBoxFlag xmlns="" xmlns:m="http://schemas.openxmlformats.org/officeDocument/2006/math" xmlns:a14="http://schemas.microsoft.com/office/drawing/2010/main" xmlns:ma14="http://schemas.microsoft.com/office/mac/drawingml/2011/main" val="1"/>
             </a:ext>
           </a:extLst>
         </p:spPr>
@@ -5255,7 +5492,7 @@
       </p:sp>
       <p:pic>
         <p:nvPicPr>
-          <p:cNvPr id="183" name="Marcador de contenido 3" descr="Marcador de contenido 3"/>
+          <p:cNvPr id="161" name="Marcador de contenido 3" descr="Marcador de contenido 3"/>
           <p:cNvPicPr>
             <a:picLocks noChangeAspect="1"/>
           </p:cNvPicPr>
@@ -5271,8 +5508,8 @@
         </p:blipFill>
         <p:spPr>
           <a:xfrm>
-            <a:off x="2357686" y="1900490"/>
-            <a:ext cx="9698410" cy="3874667"/>
+            <a:off x="2391326" y="687198"/>
+            <a:ext cx="8694561" cy="5168317"/>
           </a:xfrm>
           <a:prstGeom prst="rect">
             <a:avLst/>
@@ -5282,45 +5519,6 @@
           </a:ln>
         </p:spPr>
       </p:pic>
-      <p:sp>
-        <p:nvSpPr>
-          <p:cNvPr id="184" name="Título 1"/>
-          <p:cNvSpPr txBox="1">
-            <a:spLocks noGrp="1"/>
-          </p:cNvSpPr>
-          <p:nvPr>
-            <p:ph type="title"/>
-          </p:nvPr>
-        </p:nvSpPr>
-        <p:spPr>
-          <a:xfrm>
-            <a:off x="746619" y="913720"/>
-            <a:ext cx="9821413" cy="1499617"/>
-          </a:xfrm>
-          <a:prstGeom prst="rect">
-            <a:avLst/>
-          </a:prstGeom>
-        </p:spPr>
-        <p:txBody>
-          <a:bodyPr/>
-          <a:lstStyle/>
-          <a:p>
-            <a:pPr>
-              <a:defRPr sz="4400">
-                <a:latin typeface="Arial"/>
-                <a:ea typeface="Arial"/>
-                <a:cs typeface="Arial"/>
-                <a:sym typeface="Arial"/>
-              </a:defRPr>
-            </a:pPr>
-            <a:r>
-              <a:t>Tarjetas de embarque</a:t>
-            </a:r>
-            <a:br/>
-            <a:endParaRPr/>
-          </a:p>
-        </p:txBody>
-      </p:sp>
     </p:spTree>
   </p:cSld>
   <p:clrMapOvr>
@@ -5482,121 +5680,7 @@
       </p:grpSpPr>
       <p:sp>
         <p:nvSpPr>
-          <p:cNvPr id="186" name="Título 1"/>
-          <p:cNvSpPr txBox="1">
-            <a:spLocks noGrp="1"/>
-          </p:cNvSpPr>
-          <p:nvPr>
-            <p:ph type="title"/>
-          </p:nvPr>
-        </p:nvSpPr>
-        <p:spPr>
-          <a:xfrm>
-            <a:off x="1024128" y="585216"/>
-            <a:ext cx="9720072" cy="1499617"/>
-          </a:xfrm>
-          <a:prstGeom prst="rect">
-            <a:avLst/>
-          </a:prstGeom>
-        </p:spPr>
-        <p:txBody>
-          <a:bodyPr/>
-          <a:lstStyle>
-            <a:lvl1pPr>
-              <a:defRPr sz="4400"/>
-            </a:lvl1pPr>
-          </a:lstStyle>
-          <a:p>
-            <a:r>
-              <a:t>Aspectos a resaltar:</a:t>
-            </a:r>
-          </a:p>
-        </p:txBody>
-      </p:sp>
-      <p:sp>
-        <p:nvSpPr>
-          <p:cNvPr id="187" name="Marcador de contenido 2"/>
-          <p:cNvSpPr txBox="1">
-            <a:spLocks noGrp="1"/>
-          </p:cNvSpPr>
-          <p:nvPr>
-            <p:ph type="body" idx="1"/>
-          </p:nvPr>
-        </p:nvSpPr>
-        <p:spPr>
-          <a:xfrm>
-            <a:off x="2189990" y="1853247"/>
-            <a:ext cx="8946543" cy="4195482"/>
-          </a:xfrm>
-          <a:prstGeom prst="rect">
-            <a:avLst/>
-          </a:prstGeom>
-        </p:spPr>
-        <p:txBody>
-          <a:bodyPr/>
-          <a:lstStyle/>
-          <a:p>
-            <a:r>
-              <a:t>Uso de session.</a:t>
-            </a:r>
-          </a:p>
-          <a:p>
-            <a:pPr marL="0" indent="0">
-              <a:buSzTx/>
-              <a:buNone/>
-            </a:pPr>
-            <a:endParaRPr/>
-          </a:p>
-          <a:p>
-            <a:r>
-              <a:t>Uso de trello.</a:t>
-            </a:r>
-          </a:p>
-          <a:p>
-            <a:endParaRPr/>
-          </a:p>
-          <a:p>
-            <a:r>
-              <a:t>Control de versiones:</a:t>
-            </a:r>
-          </a:p>
-          <a:p>
-            <a:pPr marL="265175" lvl="1" indent="-137160">
-              <a:spcBef>
-                <a:spcPts val="400"/>
-              </a:spcBef>
-              <a:buFontTx/>
-              <a:defRPr sz="1800"/>
-            </a:pPr>
-            <a:r>
-              <a:t>La tradicional: por comandos.</a:t>
-            </a:r>
-          </a:p>
-          <a:p>
-            <a:pPr marL="265175" lvl="1" indent="-137160">
-              <a:spcBef>
-                <a:spcPts val="400"/>
-              </a:spcBef>
-              <a:buFontTx/>
-              <a:defRPr sz="1800"/>
-            </a:pPr>
-            <a:r>
-              <a:t>La que nos ofrece VSC(Visual Studio Code).//Poner foto</a:t>
-            </a:r>
-          </a:p>
-          <a:p>
-            <a:endParaRPr sz="1800"/>
-          </a:p>
-          <a:p>
-            <a:r>
-              <a:t>Metodologías de organización.</a:t>
-            </a:r>
-          </a:p>
-        </p:txBody>
-      </p:sp>
-      <p:sp>
-        <p:nvSpPr>
-          <p:cNvPr id="188" name="CuadroTexto 4"/>
+          <p:cNvPr id="163" name="CuadroTexto 6"/>
           <p:cNvSpPr txBox="1"/>
           <p:nvPr/>
         </p:nvSpPr>
@@ -5615,7 +5699,7 @@
           </a:ln>
           <a:extLst>
             <a:ext uri="{C572A759-6A51-4108-AA02-DFA0A04FC94B}">
-              <ma14:wrappingTextBoxFlag xmlns:ma14="http://schemas.microsoft.com/office/mac/drawingml/2011/main" xmlns:a14="http://schemas.microsoft.com/office/drawing/2010/main" xmlns:m="http://schemas.openxmlformats.org/officeDocument/2006/math" xmlns="" val="1"/>
+              <ma14:wrappingTextBoxFlag xmlns="" xmlns:m="http://schemas.openxmlformats.org/officeDocument/2006/math" xmlns:a14="http://schemas.microsoft.com/office/drawing/2010/main" xmlns:ma14="http://schemas.microsoft.com/office/mac/drawingml/2011/main" val="1"/>
             </a:ext>
           </a:extLst>
         </p:spPr>
@@ -5655,6 +5739,7 @@
             <a:pPr marL="285750" indent="-285750">
               <a:buSzPct val="100000"/>
               <a:buChar char="❑"/>
+              <a:defRPr b="1"/>
             </a:pPr>
             <a:r>
               <a:t>Demostración</a:t>
@@ -5664,7 +5749,6 @@
             <a:pPr marL="285750" indent="-285750">
               <a:buSzPct val="100000"/>
               <a:buChar char="❑"/>
-              <a:defRPr b="1"/>
             </a:pPr>
             <a:r>
               <a:t>Aspectos</a:t>
@@ -5681,6 +5765,65 @@
           </a:p>
         </p:txBody>
       </p:sp>
+      <p:pic>
+        <p:nvPicPr>
+          <p:cNvPr id="164" name="Marcador de contenido 5" descr="Marcador de contenido 5"/>
+          <p:cNvPicPr>
+            <a:picLocks noChangeAspect="1"/>
+          </p:cNvPicPr>
+          <p:nvPr/>
+        </p:nvPicPr>
+        <p:blipFill>
+          <a:blip r:embed="rId2">
+            <a:extLst/>
+          </a:blip>
+          <a:stretch>
+            <a:fillRect/>
+          </a:stretch>
+        </p:blipFill>
+        <p:spPr>
+          <a:xfrm>
+            <a:off x="3192103" y="536704"/>
+            <a:ext cx="7444748" cy="3871711"/>
+          </a:xfrm>
+          <a:prstGeom prst="rect">
+            <a:avLst/>
+          </a:prstGeom>
+          <a:ln w="12700">
+            <a:miter lim="400000"/>
+          </a:ln>
+        </p:spPr>
+      </p:pic>
+      <p:pic>
+        <p:nvPicPr>
+          <p:cNvPr id="165" name="Marcador de contenido 3" descr="Marcador de contenido 3"/>
+          <p:cNvPicPr>
+            <a:picLocks noChangeAspect="1"/>
+          </p:cNvPicPr>
+          <p:nvPr/>
+        </p:nvPicPr>
+        <p:blipFill>
+          <a:blip r:embed="rId3">
+            <a:extLst/>
+          </a:blip>
+          <a:srcRect b="54917"/>
+          <a:stretch>
+            <a:fillRect/>
+          </a:stretch>
+        </p:blipFill>
+        <p:spPr>
+          <a:xfrm>
+            <a:off x="3768978" y="4661506"/>
+            <a:ext cx="6290998" cy="1362967"/>
+          </a:xfrm>
+          <a:prstGeom prst="rect">
+            <a:avLst/>
+          </a:prstGeom>
+          <a:ln w="12700">
+            <a:miter lim="400000"/>
+          </a:ln>
+        </p:spPr>
+      </p:pic>
     </p:spTree>
   </p:cSld>
   <p:clrMapOvr>
@@ -5709,6 +5852,1352 @@
       </p:grpSpPr>
       <p:sp>
         <p:nvSpPr>
+          <p:cNvPr id="167" name="CuadroTexto 6"/>
+          <p:cNvSpPr txBox="1"/>
+          <p:nvPr/>
+        </p:nvSpPr>
+        <p:spPr>
+          <a:xfrm>
+            <a:off x="135903" y="2413336"/>
+            <a:ext cx="2054089" cy="1790066"/>
+          </a:xfrm>
+          <a:prstGeom prst="rect">
+            <a:avLst/>
+          </a:prstGeom>
+          <a:ln>
+            <a:solidFill>
+              <a:srgbClr val="2E2B21"/>
+            </a:solidFill>
+          </a:ln>
+          <a:extLst>
+            <a:ext uri="{C572A759-6A51-4108-AA02-DFA0A04FC94B}">
+              <ma14:wrappingTextBoxFlag xmlns="" xmlns:m="http://schemas.openxmlformats.org/officeDocument/2006/math" xmlns:a14="http://schemas.microsoft.com/office/drawing/2010/main" xmlns:ma14="http://schemas.microsoft.com/office/mac/drawingml/2011/main" val="1"/>
+            </a:ext>
+          </a:extLst>
+        </p:spPr>
+        <p:txBody>
+          <a:bodyPr lIns="45719" rIns="45719">
+            <a:spAutoFit/>
+          </a:bodyPr>
+          <a:lstStyle/>
+          <a:p>
+            <a:pPr marL="285750" indent="-285750">
+              <a:buSzPct val="100000"/>
+              <a:buChar char="❑"/>
+            </a:pPr>
+            <a:r>
+              <a:t>Presentación</a:t>
+            </a:r>
+          </a:p>
+          <a:p>
+            <a:pPr marL="285750" indent="-285750">
+              <a:buSzPct val="100000"/>
+              <a:buChar char="❑"/>
+            </a:pPr>
+            <a:r>
+              <a:t>Objetivos</a:t>
+            </a:r>
+          </a:p>
+          <a:p>
+            <a:pPr marL="285750" indent="-285750">
+              <a:buSzPct val="100000"/>
+              <a:buChar char="❑"/>
+            </a:pPr>
+            <a:r>
+              <a:t>Funcionalidades</a:t>
+            </a:r>
+          </a:p>
+          <a:p>
+            <a:pPr marL="285750" indent="-285750">
+              <a:buSzPct val="100000"/>
+              <a:buChar char="❑"/>
+              <a:defRPr b="1"/>
+            </a:pPr>
+            <a:r>
+              <a:t>Demostración</a:t>
+            </a:r>
+          </a:p>
+          <a:p>
+            <a:pPr marL="285750" indent="-285750">
+              <a:buSzPct val="100000"/>
+              <a:buChar char="❑"/>
+            </a:pPr>
+            <a:r>
+              <a:t>Aspectos</a:t>
+            </a:r>
+          </a:p>
+          <a:p>
+            <a:pPr marL="285750" indent="-285750">
+              <a:buSzPct val="100000"/>
+              <a:buChar char="❑"/>
+            </a:pPr>
+            <a:r>
+              <a:t>Conclusiones</a:t>
+            </a:r>
+          </a:p>
+        </p:txBody>
+      </p:sp>
+      <p:pic>
+        <p:nvPicPr>
+          <p:cNvPr id="168" name="Marcador de contenido 8" descr="Marcador de contenido 8"/>
+          <p:cNvPicPr>
+            <a:picLocks noChangeAspect="1"/>
+          </p:cNvPicPr>
+          <p:nvPr/>
+        </p:nvPicPr>
+        <p:blipFill>
+          <a:blip r:embed="rId2">
+            <a:extLst/>
+          </a:blip>
+          <a:stretch>
+            <a:fillRect/>
+          </a:stretch>
+        </p:blipFill>
+        <p:spPr>
+          <a:xfrm>
+            <a:off x="2213038" y="-19965"/>
+            <a:ext cx="7779848" cy="4464627"/>
+          </a:xfrm>
+          <a:prstGeom prst="rect">
+            <a:avLst/>
+          </a:prstGeom>
+          <a:ln w="12700">
+            <a:miter lim="400000"/>
+          </a:ln>
+        </p:spPr>
+      </p:pic>
+      <p:pic>
+        <p:nvPicPr>
+          <p:cNvPr id="169" name="Marcador de contenido 7" descr="Marcador de contenido 7"/>
+          <p:cNvPicPr>
+            <a:picLocks noChangeAspect="1"/>
+          </p:cNvPicPr>
+          <p:nvPr/>
+        </p:nvPicPr>
+        <p:blipFill>
+          <a:blip r:embed="rId3">
+            <a:extLst/>
+          </a:blip>
+          <a:stretch>
+            <a:fillRect/>
+          </a:stretch>
+        </p:blipFill>
+        <p:spPr>
+          <a:xfrm>
+            <a:off x="5348311" y="3655438"/>
+            <a:ext cx="6843690" cy="3202562"/>
+          </a:xfrm>
+          <a:prstGeom prst="rect">
+            <a:avLst/>
+          </a:prstGeom>
+          <a:ln w="12700">
+            <a:miter lim="400000"/>
+          </a:ln>
+        </p:spPr>
+      </p:pic>
+    </p:spTree>
+  </p:cSld>
+  <p:clrMapOvr>
+    <a:masterClrMapping/>
+  </p:clrMapOvr>
+  <p:transition spd="med"/>
+</p:sld>
+</file>
+
+<file path=ppt/slides/slide22.xml><?xml version="1.0" encoding="utf-8"?>
+<p:sld xmlns:a="http://schemas.openxmlformats.org/drawingml/2006/main" xmlns:r="http://schemas.openxmlformats.org/officeDocument/2006/relationships" xmlns:p="http://schemas.openxmlformats.org/presentationml/2006/main">
+  <p:cSld>
+    <p:spTree>
+      <p:nvGrpSpPr>
+        <p:cNvPr id="1" name=""/>
+        <p:cNvGrpSpPr/>
+        <p:nvPr/>
+      </p:nvGrpSpPr>
+      <p:grpSpPr>
+        <a:xfrm>
+          <a:off x="0" y="0"/>
+          <a:ext cx="0" cy="0"/>
+          <a:chOff x="0" y="0"/>
+          <a:chExt cx="0" cy="0"/>
+        </a:xfrm>
+      </p:grpSpPr>
+      <p:sp>
+        <p:nvSpPr>
+          <p:cNvPr id="171" name="TICKET"/>
+          <p:cNvSpPr txBox="1">
+            <a:spLocks noGrp="1"/>
+          </p:cNvSpPr>
+          <p:nvPr>
+            <p:ph type="title"/>
+          </p:nvPr>
+        </p:nvSpPr>
+        <p:spPr>
+          <a:xfrm>
+            <a:off x="1024127" y="533715"/>
+            <a:ext cx="9720073" cy="1499617"/>
+          </a:xfrm>
+          <a:prstGeom prst="rect">
+            <a:avLst/>
+          </a:prstGeom>
+        </p:spPr>
+        <p:txBody>
+          <a:bodyPr/>
+          <a:lstStyle>
+            <a:lvl1pPr>
+              <a:defRPr sz="4400" spc="112">
+                <a:latin typeface="Arial"/>
+                <a:ea typeface="Arial"/>
+                <a:cs typeface="Arial"/>
+                <a:sym typeface="Arial"/>
+              </a:defRPr>
+            </a:lvl1pPr>
+          </a:lstStyle>
+          <a:p>
+            <a:r>
+              <a:t>TICKET</a:t>
+            </a:r>
+          </a:p>
+        </p:txBody>
+      </p:sp>
+      <p:sp>
+        <p:nvSpPr>
+          <p:cNvPr id="172" name="CuadroTexto 5"/>
+          <p:cNvSpPr txBox="1"/>
+          <p:nvPr/>
+        </p:nvSpPr>
+        <p:spPr>
+          <a:xfrm>
+            <a:off x="135903" y="2413336"/>
+            <a:ext cx="2054089" cy="1790066"/>
+          </a:xfrm>
+          <a:prstGeom prst="rect">
+            <a:avLst/>
+          </a:prstGeom>
+          <a:ln>
+            <a:solidFill>
+              <a:srgbClr val="2E2B21"/>
+            </a:solidFill>
+          </a:ln>
+          <a:extLst>
+            <a:ext uri="{C572A759-6A51-4108-AA02-DFA0A04FC94B}">
+              <ma14:wrappingTextBoxFlag xmlns="" xmlns:m="http://schemas.openxmlformats.org/officeDocument/2006/math" xmlns:a14="http://schemas.microsoft.com/office/drawing/2010/main" xmlns:ma14="http://schemas.microsoft.com/office/mac/drawingml/2011/main" val="1"/>
+            </a:ext>
+          </a:extLst>
+        </p:spPr>
+        <p:txBody>
+          <a:bodyPr lIns="45719" rIns="45719">
+            <a:spAutoFit/>
+          </a:bodyPr>
+          <a:lstStyle/>
+          <a:p>
+            <a:pPr marL="285750" indent="-285750">
+              <a:buSzPct val="100000"/>
+              <a:buChar char="❑"/>
+            </a:pPr>
+            <a:r>
+              <a:t>Presentación</a:t>
+            </a:r>
+          </a:p>
+          <a:p>
+            <a:pPr marL="285750" indent="-285750">
+              <a:buSzPct val="100000"/>
+              <a:buChar char="❑"/>
+            </a:pPr>
+            <a:r>
+              <a:t>Objetivos</a:t>
+            </a:r>
+          </a:p>
+          <a:p>
+            <a:pPr marL="285750" indent="-285750">
+              <a:buSzPct val="100000"/>
+              <a:buChar char="❑"/>
+            </a:pPr>
+            <a:r>
+              <a:t>Funcionalidades</a:t>
+            </a:r>
+          </a:p>
+          <a:p>
+            <a:pPr marL="285750" indent="-285750">
+              <a:buSzPct val="100000"/>
+              <a:buChar char="❑"/>
+              <a:defRPr b="1"/>
+            </a:pPr>
+            <a:r>
+              <a:t>Demostración</a:t>
+            </a:r>
+          </a:p>
+          <a:p>
+            <a:pPr marL="285750" indent="-285750">
+              <a:buSzPct val="100000"/>
+              <a:buChar char="❑"/>
+            </a:pPr>
+            <a:r>
+              <a:t>Aspectos</a:t>
+            </a:r>
+          </a:p>
+          <a:p>
+            <a:pPr marL="285750" indent="-285750">
+              <a:buSzPct val="100000"/>
+              <a:buChar char="❑"/>
+            </a:pPr>
+            <a:r>
+              <a:t>Conclusiones</a:t>
+            </a:r>
+          </a:p>
+        </p:txBody>
+      </p:sp>
+      <p:sp>
+        <p:nvSpPr>
+          <p:cNvPr id="173" name="Rectángulo 4"/>
+          <p:cNvSpPr txBox="1"/>
+          <p:nvPr/>
+        </p:nvSpPr>
+        <p:spPr>
+          <a:xfrm>
+            <a:off x="5376993" y="1903016"/>
+            <a:ext cx="1438014" cy="350662"/>
+          </a:xfrm>
+          <a:prstGeom prst="rect">
+            <a:avLst/>
+          </a:prstGeom>
+          <a:ln w="12700">
+            <a:miter lim="400000"/>
+          </a:ln>
+          <a:extLst>
+            <a:ext uri="{C572A759-6A51-4108-AA02-DFA0A04FC94B}">
+              <ma14:wrappingTextBoxFlag xmlns="" xmlns:m="http://schemas.openxmlformats.org/officeDocument/2006/math" xmlns:a14="http://schemas.microsoft.com/office/drawing/2010/main" xmlns:ma14="http://schemas.microsoft.com/office/mac/drawingml/2011/main" val="1"/>
+            </a:ext>
+          </a:extLst>
+        </p:spPr>
+        <p:txBody>
+          <a:bodyPr wrap="none" lIns="45719" rIns="45719">
+            <a:spAutoFit/>
+          </a:bodyPr>
+          <a:lstStyle>
+            <a:lvl1pPr>
+              <a:defRPr>
+                <a:latin typeface="Arial"/>
+                <a:ea typeface="Arial"/>
+                <a:cs typeface="Arial"/>
+                <a:sym typeface="Arial"/>
+              </a:defRPr>
+            </a:lvl1pPr>
+          </a:lstStyle>
+          <a:p>
+            <a:r>
+              <a:t>Listar Tickets</a:t>
+            </a:r>
+          </a:p>
+        </p:txBody>
+      </p:sp>
+      <p:pic>
+        <p:nvPicPr>
+          <p:cNvPr id="174" name="Captura de pantalla 2019-04-08 a las 10.07.46.png" descr="Captura de pantalla 2019-04-08 a las 10.07.46.png"/>
+          <p:cNvPicPr>
+            <a:picLocks noChangeAspect="1"/>
+          </p:cNvPicPr>
+          <p:nvPr/>
+        </p:nvPicPr>
+        <p:blipFill>
+          <a:blip r:embed="rId2">
+            <a:extLst/>
+          </a:blip>
+          <a:srcRect l="1346" t="2690" r="8997" b="2690"/>
+          <a:stretch>
+            <a:fillRect/>
+          </a:stretch>
+        </p:blipFill>
+        <p:spPr>
+          <a:xfrm>
+            <a:off x="2280443" y="2323870"/>
+            <a:ext cx="7630920" cy="3550422"/>
+          </a:xfrm>
+          <a:prstGeom prst="rect">
+            <a:avLst/>
+          </a:prstGeom>
+          <a:ln w="12700">
+            <a:miter lim="400000"/>
+          </a:ln>
+        </p:spPr>
+      </p:pic>
+    </p:spTree>
+  </p:cSld>
+  <p:clrMapOvr>
+    <a:masterClrMapping/>
+  </p:clrMapOvr>
+  <p:transition spd="med"/>
+</p:sld>
+</file>
+
+<file path=ppt/slides/slide23.xml><?xml version="1.0" encoding="utf-8"?>
+<p:sld xmlns:a="http://schemas.openxmlformats.org/drawingml/2006/main" xmlns:r="http://schemas.openxmlformats.org/officeDocument/2006/relationships" xmlns:p="http://schemas.openxmlformats.org/presentationml/2006/main">
+  <p:cSld>
+    <p:spTree>
+      <p:nvGrpSpPr>
+        <p:cNvPr id="1" name=""/>
+        <p:cNvGrpSpPr/>
+        <p:nvPr/>
+      </p:nvGrpSpPr>
+      <p:grpSpPr>
+        <a:xfrm>
+          <a:off x="0" y="0"/>
+          <a:ext cx="0" cy="0"/>
+          <a:chOff x="0" y="0"/>
+          <a:chExt cx="0" cy="0"/>
+        </a:xfrm>
+      </p:grpSpPr>
+      <p:sp>
+        <p:nvSpPr>
+          <p:cNvPr id="176" name="Equipajes"/>
+          <p:cNvSpPr txBox="1">
+            <a:spLocks noGrp="1"/>
+          </p:cNvSpPr>
+          <p:nvPr>
+            <p:ph type="title"/>
+          </p:nvPr>
+        </p:nvSpPr>
+        <p:spPr>
+          <a:xfrm>
+            <a:off x="1024127" y="533715"/>
+            <a:ext cx="9720073" cy="1499617"/>
+          </a:xfrm>
+          <a:prstGeom prst="rect">
+            <a:avLst/>
+          </a:prstGeom>
+        </p:spPr>
+        <p:txBody>
+          <a:bodyPr/>
+          <a:lstStyle>
+            <a:lvl1pPr>
+              <a:defRPr sz="4400" spc="112">
+                <a:latin typeface="Arial"/>
+                <a:ea typeface="Arial"/>
+                <a:cs typeface="Arial"/>
+                <a:sym typeface="Arial"/>
+              </a:defRPr>
+            </a:lvl1pPr>
+          </a:lstStyle>
+          <a:p>
+            <a:r>
+              <a:t>Equipajes</a:t>
+            </a:r>
+          </a:p>
+        </p:txBody>
+      </p:sp>
+      <p:sp>
+        <p:nvSpPr>
+          <p:cNvPr id="177" name="CuadroTexto 5"/>
+          <p:cNvSpPr txBox="1"/>
+          <p:nvPr/>
+        </p:nvSpPr>
+        <p:spPr>
+          <a:xfrm>
+            <a:off x="135903" y="2413336"/>
+            <a:ext cx="2054089" cy="1790066"/>
+          </a:xfrm>
+          <a:prstGeom prst="rect">
+            <a:avLst/>
+          </a:prstGeom>
+          <a:ln>
+            <a:solidFill>
+              <a:srgbClr val="2E2B21"/>
+            </a:solidFill>
+          </a:ln>
+          <a:extLst>
+            <a:ext uri="{C572A759-6A51-4108-AA02-DFA0A04FC94B}">
+              <ma14:wrappingTextBoxFlag xmlns="" xmlns:m="http://schemas.openxmlformats.org/officeDocument/2006/math" xmlns:a14="http://schemas.microsoft.com/office/drawing/2010/main" xmlns:ma14="http://schemas.microsoft.com/office/mac/drawingml/2011/main" val="1"/>
+            </a:ext>
+          </a:extLst>
+        </p:spPr>
+        <p:txBody>
+          <a:bodyPr lIns="45719" rIns="45719">
+            <a:spAutoFit/>
+          </a:bodyPr>
+          <a:lstStyle/>
+          <a:p>
+            <a:pPr marL="285750" indent="-285750">
+              <a:buSzPct val="100000"/>
+              <a:buChar char="❑"/>
+            </a:pPr>
+            <a:r>
+              <a:t>Presentación</a:t>
+            </a:r>
+          </a:p>
+          <a:p>
+            <a:pPr marL="285750" indent="-285750">
+              <a:buSzPct val="100000"/>
+              <a:buChar char="❑"/>
+            </a:pPr>
+            <a:r>
+              <a:t>Objetivos</a:t>
+            </a:r>
+          </a:p>
+          <a:p>
+            <a:pPr marL="285750" indent="-285750">
+              <a:buSzPct val="100000"/>
+              <a:buChar char="❑"/>
+            </a:pPr>
+            <a:r>
+              <a:t>Funcionalidades</a:t>
+            </a:r>
+          </a:p>
+          <a:p>
+            <a:pPr marL="285750" indent="-285750">
+              <a:buSzPct val="100000"/>
+              <a:buChar char="❑"/>
+              <a:defRPr b="1"/>
+            </a:pPr>
+            <a:r>
+              <a:t>Demostración</a:t>
+            </a:r>
+          </a:p>
+          <a:p>
+            <a:pPr marL="285750" indent="-285750">
+              <a:buSzPct val="100000"/>
+              <a:buChar char="❑"/>
+            </a:pPr>
+            <a:r>
+              <a:t>Aspectos</a:t>
+            </a:r>
+          </a:p>
+          <a:p>
+            <a:pPr marL="285750" indent="-285750">
+              <a:buSzPct val="100000"/>
+              <a:buChar char="❑"/>
+            </a:pPr>
+            <a:r>
+              <a:t>Conclusiones</a:t>
+            </a:r>
+          </a:p>
+        </p:txBody>
+      </p:sp>
+      <p:sp>
+        <p:nvSpPr>
+          <p:cNvPr id="178" name="Rectángulo 4"/>
+          <p:cNvSpPr txBox="1"/>
+          <p:nvPr/>
+        </p:nvSpPr>
+        <p:spPr>
+          <a:xfrm>
+            <a:off x="5376993" y="1903016"/>
+            <a:ext cx="1730684" cy="350662"/>
+          </a:xfrm>
+          <a:prstGeom prst="rect">
+            <a:avLst/>
+          </a:prstGeom>
+          <a:ln w="12700">
+            <a:miter lim="400000"/>
+          </a:ln>
+          <a:extLst>
+            <a:ext uri="{C572A759-6A51-4108-AA02-DFA0A04FC94B}">
+              <ma14:wrappingTextBoxFlag xmlns="" xmlns:m="http://schemas.openxmlformats.org/officeDocument/2006/math" xmlns:a14="http://schemas.microsoft.com/office/drawing/2010/main" xmlns:ma14="http://schemas.microsoft.com/office/mac/drawingml/2011/main" val="1"/>
+            </a:ext>
+          </a:extLst>
+        </p:spPr>
+        <p:txBody>
+          <a:bodyPr wrap="none" lIns="45719" rIns="45719">
+            <a:spAutoFit/>
+          </a:bodyPr>
+          <a:lstStyle>
+            <a:lvl1pPr>
+              <a:defRPr>
+                <a:latin typeface="Arial"/>
+                <a:ea typeface="Arial"/>
+                <a:cs typeface="Arial"/>
+                <a:sym typeface="Arial"/>
+              </a:defRPr>
+            </a:lvl1pPr>
+          </a:lstStyle>
+          <a:p>
+            <a:r>
+              <a:t>Listar Equipajes</a:t>
+            </a:r>
+          </a:p>
+        </p:txBody>
+      </p:sp>
+      <p:pic>
+        <p:nvPicPr>
+          <p:cNvPr id="179" name="Captura de pantalla 2019-04-08 a las 10.08.39.png" descr="Captura de pantalla 2019-04-08 a las 10.08.39.png"/>
+          <p:cNvPicPr>
+            <a:picLocks noChangeAspect="1"/>
+          </p:cNvPicPr>
+          <p:nvPr/>
+        </p:nvPicPr>
+        <p:blipFill>
+          <a:blip r:embed="rId2">
+            <a:extLst/>
+          </a:blip>
+          <a:srcRect l="1187" r="14744"/>
+          <a:stretch>
+            <a:fillRect/>
+          </a:stretch>
+        </p:blipFill>
+        <p:spPr>
+          <a:xfrm>
+            <a:off x="2279642" y="2227335"/>
+            <a:ext cx="8171466" cy="2629003"/>
+          </a:xfrm>
+          <a:prstGeom prst="rect">
+            <a:avLst/>
+          </a:prstGeom>
+          <a:ln w="12700">
+            <a:miter lim="400000"/>
+          </a:ln>
+        </p:spPr>
+      </p:pic>
+      <p:pic>
+        <p:nvPicPr>
+          <p:cNvPr id="180" name="Captura de pantalla 2019-04-08 a las 10.08.05.png" descr="Captura de pantalla 2019-04-08 a las 10.08.05.png"/>
+          <p:cNvPicPr>
+            <a:picLocks noChangeAspect="1"/>
+          </p:cNvPicPr>
+          <p:nvPr/>
+        </p:nvPicPr>
+        <p:blipFill>
+          <a:blip r:embed="rId3">
+            <a:extLst/>
+          </a:blip>
+          <a:srcRect l="14561" t="20532" r="14561"/>
+          <a:stretch>
+            <a:fillRect/>
+          </a:stretch>
+        </p:blipFill>
+        <p:spPr>
+          <a:xfrm>
+            <a:off x="5638174" y="4606011"/>
+            <a:ext cx="6245703" cy="1915602"/>
+          </a:xfrm>
+          <a:prstGeom prst="rect">
+            <a:avLst/>
+          </a:prstGeom>
+          <a:ln w="12700">
+            <a:miter lim="400000"/>
+          </a:ln>
+        </p:spPr>
+      </p:pic>
+    </p:spTree>
+  </p:cSld>
+  <p:clrMapOvr>
+    <a:masterClrMapping/>
+  </p:clrMapOvr>
+  <p:transition spd="med"/>
+</p:sld>
+</file>
+
+<file path=ppt/slides/slide24.xml><?xml version="1.0" encoding="utf-8"?>
+<p:sld xmlns:a="http://schemas.openxmlformats.org/drawingml/2006/main" xmlns:r="http://schemas.openxmlformats.org/officeDocument/2006/relationships" xmlns:p="http://schemas.openxmlformats.org/presentationml/2006/main">
+  <p:cSld>
+    <p:spTree>
+      <p:nvGrpSpPr>
+        <p:cNvPr id="1" name=""/>
+        <p:cNvGrpSpPr/>
+        <p:nvPr/>
+      </p:nvGrpSpPr>
+      <p:grpSpPr>
+        <a:xfrm>
+          <a:off x="0" y="0"/>
+          <a:ext cx="0" cy="0"/>
+          <a:chOff x="0" y="0"/>
+          <a:chExt cx="0" cy="0"/>
+        </a:xfrm>
+      </p:grpSpPr>
+      <p:sp>
+        <p:nvSpPr>
+          <p:cNvPr id="182" name="CuadroTexto 6"/>
+          <p:cNvSpPr txBox="1"/>
+          <p:nvPr/>
+        </p:nvSpPr>
+        <p:spPr>
+          <a:xfrm>
+            <a:off x="135903" y="2413336"/>
+            <a:ext cx="2054089" cy="1790066"/>
+          </a:xfrm>
+          <a:prstGeom prst="rect">
+            <a:avLst/>
+          </a:prstGeom>
+          <a:ln>
+            <a:solidFill>
+              <a:srgbClr val="2E2B21"/>
+            </a:solidFill>
+          </a:ln>
+          <a:extLst>
+            <a:ext uri="{C572A759-6A51-4108-AA02-DFA0A04FC94B}">
+              <ma14:wrappingTextBoxFlag xmlns="" xmlns:m="http://schemas.openxmlformats.org/officeDocument/2006/math" xmlns:a14="http://schemas.microsoft.com/office/drawing/2010/main" xmlns:ma14="http://schemas.microsoft.com/office/mac/drawingml/2011/main" val="1"/>
+            </a:ext>
+          </a:extLst>
+        </p:spPr>
+        <p:txBody>
+          <a:bodyPr lIns="45719" rIns="45719">
+            <a:spAutoFit/>
+          </a:bodyPr>
+          <a:lstStyle/>
+          <a:p>
+            <a:pPr marL="285750" indent="-285750">
+              <a:buSzPct val="100000"/>
+              <a:buChar char="❑"/>
+            </a:pPr>
+            <a:r>
+              <a:t>Presentación</a:t>
+            </a:r>
+          </a:p>
+          <a:p>
+            <a:pPr marL="285750" indent="-285750">
+              <a:buSzPct val="100000"/>
+              <a:buChar char="❑"/>
+            </a:pPr>
+            <a:r>
+              <a:t>Objetivos</a:t>
+            </a:r>
+          </a:p>
+          <a:p>
+            <a:pPr marL="285750" indent="-285750">
+              <a:buSzPct val="100000"/>
+              <a:buChar char="❑"/>
+            </a:pPr>
+            <a:r>
+              <a:t>Funcionalidades</a:t>
+            </a:r>
+          </a:p>
+          <a:p>
+            <a:pPr marL="285750" indent="-285750">
+              <a:buSzPct val="100000"/>
+              <a:buChar char="❑"/>
+              <a:defRPr b="1"/>
+            </a:pPr>
+            <a:r>
+              <a:t>Demostración</a:t>
+            </a:r>
+          </a:p>
+          <a:p>
+            <a:pPr marL="285750" indent="-285750">
+              <a:buSzPct val="100000"/>
+              <a:buChar char="❑"/>
+            </a:pPr>
+            <a:r>
+              <a:t>Aspectos</a:t>
+            </a:r>
+          </a:p>
+          <a:p>
+            <a:pPr marL="285750" indent="-285750">
+              <a:buSzPct val="100000"/>
+              <a:buChar char="❑"/>
+            </a:pPr>
+            <a:r>
+              <a:t>Conclusiones</a:t>
+            </a:r>
+          </a:p>
+        </p:txBody>
+      </p:sp>
+      <p:pic>
+        <p:nvPicPr>
+          <p:cNvPr id="183" name="Marcador de contenido 3" descr="Marcador de contenido 3"/>
+          <p:cNvPicPr>
+            <a:picLocks noChangeAspect="1"/>
+          </p:cNvPicPr>
+          <p:nvPr/>
+        </p:nvPicPr>
+        <p:blipFill>
+          <a:blip r:embed="rId2">
+            <a:extLst/>
+          </a:blip>
+          <a:stretch>
+            <a:fillRect/>
+          </a:stretch>
+        </p:blipFill>
+        <p:spPr>
+          <a:xfrm>
+            <a:off x="2357686" y="1900490"/>
+            <a:ext cx="9698410" cy="3874667"/>
+          </a:xfrm>
+          <a:prstGeom prst="rect">
+            <a:avLst/>
+          </a:prstGeom>
+          <a:ln w="12700">
+            <a:miter lim="400000"/>
+          </a:ln>
+        </p:spPr>
+      </p:pic>
+      <p:sp>
+        <p:nvSpPr>
+          <p:cNvPr id="184" name="Título 1"/>
+          <p:cNvSpPr txBox="1">
+            <a:spLocks noGrp="1"/>
+          </p:cNvSpPr>
+          <p:nvPr>
+            <p:ph type="title"/>
+          </p:nvPr>
+        </p:nvSpPr>
+        <p:spPr>
+          <a:xfrm>
+            <a:off x="746619" y="913720"/>
+            <a:ext cx="9821413" cy="1499617"/>
+          </a:xfrm>
+          <a:prstGeom prst="rect">
+            <a:avLst/>
+          </a:prstGeom>
+        </p:spPr>
+        <p:txBody>
+          <a:bodyPr/>
+          <a:lstStyle/>
+          <a:p>
+            <a:pPr>
+              <a:defRPr sz="4400">
+                <a:latin typeface="Arial"/>
+                <a:ea typeface="Arial"/>
+                <a:cs typeface="Arial"/>
+                <a:sym typeface="Arial"/>
+              </a:defRPr>
+            </a:pPr>
+            <a:r>
+              <a:t>Tarjetas de embarque</a:t>
+            </a:r>
+            <a:br/>
+            <a:endParaRPr/>
+          </a:p>
+        </p:txBody>
+      </p:sp>
+    </p:spTree>
+  </p:cSld>
+  <p:clrMapOvr>
+    <a:masterClrMapping/>
+  </p:clrMapOvr>
+  <p:transition spd="med"/>
+</p:sld>
+</file>
+
+<file path=ppt/slides/slide25.xml><?xml version="1.0" encoding="utf-8"?>
+<p:sld xmlns:a="http://schemas.openxmlformats.org/drawingml/2006/main" xmlns:r="http://schemas.openxmlformats.org/officeDocument/2006/relationships" xmlns:p="http://schemas.openxmlformats.org/presentationml/2006/main">
+  <p:cSld>
+    <p:spTree>
+      <p:nvGrpSpPr>
+        <p:cNvPr id="1" name=""/>
+        <p:cNvGrpSpPr/>
+        <p:nvPr/>
+      </p:nvGrpSpPr>
+      <p:grpSpPr>
+        <a:xfrm>
+          <a:off x="0" y="0"/>
+          <a:ext cx="0" cy="0"/>
+          <a:chOff x="0" y="0"/>
+          <a:chExt cx="0" cy="0"/>
+        </a:xfrm>
+      </p:grpSpPr>
+      <p:sp>
+        <p:nvSpPr>
+          <p:cNvPr id="186" name="Título 1"/>
+          <p:cNvSpPr txBox="1">
+            <a:spLocks noGrp="1"/>
+          </p:cNvSpPr>
+          <p:nvPr>
+            <p:ph type="title"/>
+          </p:nvPr>
+        </p:nvSpPr>
+        <p:spPr>
+          <a:xfrm>
+            <a:off x="1024128" y="585216"/>
+            <a:ext cx="9720072" cy="1499617"/>
+          </a:xfrm>
+          <a:prstGeom prst="rect">
+            <a:avLst/>
+          </a:prstGeom>
+        </p:spPr>
+        <p:txBody>
+          <a:bodyPr/>
+          <a:lstStyle>
+            <a:lvl1pPr>
+              <a:defRPr sz="4400"/>
+            </a:lvl1pPr>
+          </a:lstStyle>
+          <a:p>
+            <a:r>
+              <a:t>Aspectos a resaltar:</a:t>
+            </a:r>
+          </a:p>
+        </p:txBody>
+      </p:sp>
+      <p:sp>
+        <p:nvSpPr>
+          <p:cNvPr id="187" name="Marcador de contenido 2"/>
+          <p:cNvSpPr txBox="1">
+            <a:spLocks noGrp="1"/>
+          </p:cNvSpPr>
+          <p:nvPr>
+            <p:ph type="body" idx="1"/>
+          </p:nvPr>
+        </p:nvSpPr>
+        <p:spPr>
+          <a:xfrm>
+            <a:off x="2189990" y="1853247"/>
+            <a:ext cx="8946543" cy="4195482"/>
+          </a:xfrm>
+          <a:prstGeom prst="rect">
+            <a:avLst/>
+          </a:prstGeom>
+        </p:spPr>
+        <p:txBody>
+          <a:bodyPr/>
+          <a:lstStyle/>
+          <a:p>
+            <a:r>
+              <a:t>Uso de session.</a:t>
+            </a:r>
+          </a:p>
+          <a:p>
+            <a:pPr marL="0" indent="0">
+              <a:buSzTx/>
+              <a:buNone/>
+            </a:pPr>
+            <a:endParaRPr/>
+          </a:p>
+          <a:p>
+            <a:r>
+              <a:t>Uso de trello.</a:t>
+            </a:r>
+          </a:p>
+          <a:p>
+            <a:endParaRPr/>
+          </a:p>
+          <a:p>
+            <a:r>
+              <a:t>Control de versiones:</a:t>
+            </a:r>
+          </a:p>
+          <a:p>
+            <a:pPr marL="265175" lvl="1" indent="-137160">
+              <a:spcBef>
+                <a:spcPts val="400"/>
+              </a:spcBef>
+              <a:buFontTx/>
+              <a:defRPr sz="1800"/>
+            </a:pPr>
+            <a:r>
+              <a:t>La tradicional: por comandos.</a:t>
+            </a:r>
+          </a:p>
+          <a:p>
+            <a:pPr marL="265175" lvl="1" indent="-137160">
+              <a:spcBef>
+                <a:spcPts val="400"/>
+              </a:spcBef>
+              <a:buFontTx/>
+              <a:defRPr sz="1800"/>
+            </a:pPr>
+            <a:r>
+              <a:t>La que nos ofrece VSC(Visual Studio Code).//Poner foto</a:t>
+            </a:r>
+          </a:p>
+          <a:p>
+            <a:endParaRPr sz="1800"/>
+          </a:p>
+          <a:p>
+            <a:r>
+              <a:t>Metodologías de organización.</a:t>
+            </a:r>
+          </a:p>
+        </p:txBody>
+      </p:sp>
+      <p:sp>
+        <p:nvSpPr>
+          <p:cNvPr id="188" name="CuadroTexto 4"/>
+          <p:cNvSpPr txBox="1"/>
+          <p:nvPr/>
+        </p:nvSpPr>
+        <p:spPr>
+          <a:xfrm>
+            <a:off x="135903" y="2413336"/>
+            <a:ext cx="2054089" cy="1790066"/>
+          </a:xfrm>
+          <a:prstGeom prst="rect">
+            <a:avLst/>
+          </a:prstGeom>
+          <a:ln>
+            <a:solidFill>
+              <a:srgbClr val="2E2B21"/>
+            </a:solidFill>
+          </a:ln>
+          <a:extLst>
+            <a:ext uri="{C572A759-6A51-4108-AA02-DFA0A04FC94B}">
+              <ma14:wrappingTextBoxFlag xmlns="" xmlns:m="http://schemas.openxmlformats.org/officeDocument/2006/math" xmlns:a14="http://schemas.microsoft.com/office/drawing/2010/main" xmlns:ma14="http://schemas.microsoft.com/office/mac/drawingml/2011/main" val="1"/>
+            </a:ext>
+          </a:extLst>
+        </p:spPr>
+        <p:txBody>
+          <a:bodyPr lIns="45719" rIns="45719">
+            <a:spAutoFit/>
+          </a:bodyPr>
+          <a:lstStyle/>
+          <a:p>
+            <a:pPr marL="285750" indent="-285750">
+              <a:buSzPct val="100000"/>
+              <a:buChar char="❑"/>
+            </a:pPr>
+            <a:r>
+              <a:t>Presentación</a:t>
+            </a:r>
+          </a:p>
+          <a:p>
+            <a:pPr marL="285750" indent="-285750">
+              <a:buSzPct val="100000"/>
+              <a:buChar char="❑"/>
+            </a:pPr>
+            <a:r>
+              <a:t>Objetivos</a:t>
+            </a:r>
+          </a:p>
+          <a:p>
+            <a:pPr marL="285750" indent="-285750">
+              <a:buSzPct val="100000"/>
+              <a:buChar char="❑"/>
+            </a:pPr>
+            <a:r>
+              <a:t>Funcionalidades</a:t>
+            </a:r>
+          </a:p>
+          <a:p>
+            <a:pPr marL="285750" indent="-285750">
+              <a:buSzPct val="100000"/>
+              <a:buChar char="❑"/>
+            </a:pPr>
+            <a:r>
+              <a:t>Demostración</a:t>
+            </a:r>
+          </a:p>
+          <a:p>
+            <a:pPr marL="285750" indent="-285750">
+              <a:buSzPct val="100000"/>
+              <a:buChar char="❑"/>
+              <a:defRPr b="1"/>
+            </a:pPr>
+            <a:r>
+              <a:t>Aspectos</a:t>
+            </a:r>
+          </a:p>
+          <a:p>
+            <a:pPr marL="285750" indent="-285750">
+              <a:buSzPct val="100000"/>
+              <a:buChar char="❑"/>
+            </a:pPr>
+            <a:r>
+              <a:t>Conclusiones</a:t>
+            </a:r>
+          </a:p>
+        </p:txBody>
+      </p:sp>
+    </p:spTree>
+  </p:cSld>
+  <p:clrMapOvr>
+    <a:masterClrMapping/>
+  </p:clrMapOvr>
+  <p:transition spd="med"/>
+</p:sld>
+</file>
+
+<file path=ppt/slides/slide26.xml><?xml version="1.0" encoding="utf-8"?>
+<p:sld xmlns:a="http://schemas.openxmlformats.org/drawingml/2006/main" xmlns:r="http://schemas.openxmlformats.org/officeDocument/2006/relationships" xmlns:p="http://schemas.openxmlformats.org/presentationml/2006/main">
+  <p:cSld>
+    <p:spTree>
+      <p:nvGrpSpPr>
+        <p:cNvPr id="1" name=""/>
+        <p:cNvGrpSpPr/>
+        <p:nvPr/>
+      </p:nvGrpSpPr>
+      <p:grpSpPr>
+        <a:xfrm>
+          <a:off x="0" y="0"/>
+          <a:ext cx="0" cy="0"/>
+          <a:chOff x="0" y="0"/>
+          <a:chExt cx="0" cy="0"/>
+        </a:xfrm>
+      </p:grpSpPr>
+      <p:sp>
+        <p:nvSpPr>
+          <p:cNvPr id="2" name="Título 1">
+            <a:extLst>
+              <a:ext uri="{FF2B5EF4-FFF2-40B4-BE49-F238E27FC236}">
+                <a16:creationId xmlns:a16="http://schemas.microsoft.com/office/drawing/2014/main" id="{AC7DBC01-8ECE-41C5-8E3F-384133D4DA41}"/>
+              </a:ext>
+            </a:extLst>
+          </p:cNvPr>
+          <p:cNvSpPr>
+            <a:spLocks noGrp="1"/>
+          </p:cNvSpPr>
+          <p:nvPr>
+            <p:ph type="title"/>
+          </p:nvPr>
+        </p:nvSpPr>
+        <p:spPr/>
+        <p:txBody>
+          <a:bodyPr/>
+          <a:lstStyle/>
+          <a:p>
+            <a:r>
+              <a:rPr lang="es-ES" sz="4400" dirty="0"/>
+              <a:t>Aspectos a resaltar:</a:t>
+            </a:r>
+            <a:endParaRPr lang="es-ES" dirty="0"/>
+          </a:p>
+        </p:txBody>
+      </p:sp>
+      <p:sp>
+        <p:nvSpPr>
+          <p:cNvPr id="3" name="Marcador de contenido 2">
+            <a:extLst>
+              <a:ext uri="{FF2B5EF4-FFF2-40B4-BE49-F238E27FC236}">
+                <a16:creationId xmlns:a16="http://schemas.microsoft.com/office/drawing/2014/main" id="{4385F995-2760-4091-A3CB-24ACD965BE59}"/>
+              </a:ext>
+            </a:extLst>
+          </p:cNvPr>
+          <p:cNvSpPr>
+            <a:spLocks noGrp="1"/>
+          </p:cNvSpPr>
+          <p:nvPr>
+            <p:ph idx="1"/>
+          </p:nvPr>
+        </p:nvSpPr>
+        <p:spPr>
+          <a:xfrm>
+            <a:off x="2189991" y="1853248"/>
+            <a:ext cx="8946541" cy="4195481"/>
+          </a:xfrm>
+        </p:spPr>
+        <p:txBody>
+          <a:bodyPr>
+            <a:normAutofit/>
+          </a:bodyPr>
+          <a:lstStyle/>
+          <a:p>
+            <a:r>
+              <a:rPr lang="es-ES" dirty="0"/>
+              <a:t>Uso de </a:t>
+            </a:r>
+            <a:r>
+              <a:rPr lang="es-ES" dirty="0" err="1"/>
+              <a:t>session</a:t>
+            </a:r>
+            <a:r>
+              <a:rPr lang="es-ES" dirty="0"/>
+              <a:t>.</a:t>
+            </a:r>
+          </a:p>
+          <a:p>
+            <a:pPr marL="0" indent="0">
+              <a:buNone/>
+            </a:pPr>
+            <a:endParaRPr lang="es-ES" dirty="0"/>
+          </a:p>
+          <a:p>
+            <a:r>
+              <a:rPr lang="es-ES" dirty="0"/>
+              <a:t>Uso de </a:t>
+            </a:r>
+            <a:r>
+              <a:rPr lang="es-ES" dirty="0" err="1"/>
+              <a:t>trello</a:t>
+            </a:r>
+            <a:r>
+              <a:rPr lang="es-ES" dirty="0"/>
+              <a:t>.</a:t>
+            </a:r>
+          </a:p>
+          <a:p>
+            <a:endParaRPr lang="es-ES" dirty="0"/>
+          </a:p>
+          <a:p>
+            <a:r>
+              <a:rPr lang="es-ES" dirty="0"/>
+              <a:t>Control de versiones:</a:t>
+            </a:r>
+          </a:p>
+          <a:p>
+            <a:pPr lvl="1"/>
+            <a:r>
+              <a:rPr lang="es-ES" dirty="0"/>
+              <a:t>La tradicional: por comandos.</a:t>
+            </a:r>
+          </a:p>
+          <a:p>
+            <a:pPr lvl="1"/>
+            <a:r>
+              <a:rPr lang="es-ES" dirty="0"/>
+              <a:t>La que nos ofrece VSC(Visual Studio </a:t>
+            </a:r>
+            <a:r>
+              <a:rPr lang="es-ES" dirty="0" err="1"/>
+              <a:t>Code</a:t>
+            </a:r>
+            <a:r>
+              <a:rPr lang="es-ES" dirty="0"/>
+              <a:t>).</a:t>
+            </a:r>
+          </a:p>
+          <a:p>
+            <a:r>
+              <a:rPr lang="es-ES" dirty="0"/>
+              <a:t>Metodologías de organización.</a:t>
+            </a:r>
+          </a:p>
+        </p:txBody>
+      </p:sp>
+      <p:sp>
+        <p:nvSpPr>
+          <p:cNvPr id="5" name="CuadroTexto 4">
+            <a:extLst>
+              <a:ext uri="{FF2B5EF4-FFF2-40B4-BE49-F238E27FC236}">
+                <a16:creationId xmlns:a16="http://schemas.microsoft.com/office/drawing/2014/main" id="{C68EC0AD-0AEE-4F4E-AEE1-28A128CF2A1A}"/>
+              </a:ext>
+            </a:extLst>
+          </p:cNvPr>
+          <p:cNvSpPr txBox="1"/>
+          <p:nvPr/>
+        </p:nvSpPr>
+        <p:spPr>
+          <a:xfrm>
+            <a:off x="135904" y="2413337"/>
+            <a:ext cx="2054087" cy="2031325"/>
+          </a:xfrm>
+          <a:prstGeom prst="rect">
+            <a:avLst/>
+          </a:prstGeom>
+          <a:noFill/>
+          <a:ln>
+            <a:solidFill>
+              <a:schemeClr val="tx1"/>
+            </a:solidFill>
+          </a:ln>
+        </p:spPr>
+        <p:txBody>
+          <a:bodyPr wrap="square" rtlCol="0">
+            <a:spAutoFit/>
+          </a:bodyPr>
+          <a:lstStyle/>
+          <a:p>
+            <a:pPr marL="285750" indent="-285750">
+              <a:buFont typeface="Wingdings" panose="05000000000000000000" pitchFamily="2" charset="2"/>
+              <a:buChar char="q"/>
+            </a:pPr>
+            <a:r>
+              <a:rPr lang="es-ES" dirty="0"/>
+              <a:t>Presentación</a:t>
+            </a:r>
+          </a:p>
+          <a:p>
+            <a:pPr marL="285750" indent="-285750">
+              <a:buFont typeface="Wingdings" panose="05000000000000000000" pitchFamily="2" charset="2"/>
+              <a:buChar char="q"/>
+            </a:pPr>
+            <a:r>
+              <a:rPr lang="es-ES" dirty="0"/>
+              <a:t>Objetivos</a:t>
+            </a:r>
+          </a:p>
+          <a:p>
+            <a:pPr marL="285750" indent="-285750">
+              <a:buFont typeface="Wingdings" panose="05000000000000000000" pitchFamily="2" charset="2"/>
+              <a:buChar char="q"/>
+            </a:pPr>
+            <a:r>
+              <a:rPr lang="es-ES" dirty="0"/>
+              <a:t>Funcionalidades</a:t>
+            </a:r>
+          </a:p>
+          <a:p>
+            <a:pPr marL="285750" indent="-285750">
+              <a:buFont typeface="Wingdings" panose="05000000000000000000" pitchFamily="2" charset="2"/>
+              <a:buChar char="q"/>
+            </a:pPr>
+            <a:r>
+              <a:rPr lang="es-ES" dirty="0"/>
+              <a:t>Demostración</a:t>
+            </a:r>
+          </a:p>
+          <a:p>
+            <a:pPr marL="285750" indent="-285750">
+              <a:buFont typeface="Wingdings" panose="05000000000000000000" pitchFamily="2" charset="2"/>
+              <a:buChar char="q"/>
+            </a:pPr>
+            <a:r>
+              <a:rPr lang="es-ES" b="1" dirty="0"/>
+              <a:t>Aspectos</a:t>
+            </a:r>
+          </a:p>
+          <a:p>
+            <a:pPr marL="285750" indent="-285750">
+              <a:buFont typeface="Wingdings" panose="05000000000000000000" pitchFamily="2" charset="2"/>
+              <a:buChar char="q"/>
+            </a:pPr>
+            <a:r>
+              <a:rPr lang="es-ES" dirty="0"/>
+              <a:t>Conclusiones</a:t>
+            </a:r>
+          </a:p>
+          <a:p>
+            <a:endParaRPr lang="es-ES" dirty="0"/>
+          </a:p>
+        </p:txBody>
+      </p:sp>
+      <p:pic>
+        <p:nvPicPr>
+          <p:cNvPr id="4" name="Imagen 3">
+            <a:extLst>
+              <a:ext uri="{FF2B5EF4-FFF2-40B4-BE49-F238E27FC236}">
+                <a16:creationId xmlns:a16="http://schemas.microsoft.com/office/drawing/2014/main" id="{C1277353-BE1E-4E91-BB9B-360EBA303211}"/>
+              </a:ext>
+            </a:extLst>
+          </p:cNvPr>
+          <p:cNvPicPr>
+            <a:picLocks noChangeAspect="1"/>
+          </p:cNvPicPr>
+          <p:nvPr/>
+        </p:nvPicPr>
+        <p:blipFill>
+          <a:blip r:embed="rId2"/>
+          <a:stretch>
+            <a:fillRect/>
+          </a:stretch>
+        </p:blipFill>
+        <p:spPr>
+          <a:xfrm>
+            <a:off x="8148221" y="2084832"/>
+            <a:ext cx="3907875" cy="4023709"/>
+          </a:xfrm>
+          <a:prstGeom prst="rect">
+            <a:avLst/>
+          </a:prstGeom>
+        </p:spPr>
+      </p:pic>
+    </p:spTree>
+    <p:extLst>
+      <p:ext uri="{BB962C8B-B14F-4D97-AF65-F5344CB8AC3E}">
+        <p14:creationId xmlns:p14="http://schemas.microsoft.com/office/powerpoint/2010/main" val="1696344510"/>
+      </p:ext>
+    </p:extLst>
+  </p:cSld>
+  <p:clrMapOvr>
+    <a:masterClrMapping/>
+  </p:clrMapOvr>
+  <p:transition spd="med"/>
+</p:sld>
+</file>
+
+<file path=ppt/slides/slide27.xml><?xml version="1.0" encoding="utf-8"?>
+<p:sld xmlns:a="http://schemas.openxmlformats.org/drawingml/2006/main" xmlns:r="http://schemas.openxmlformats.org/officeDocument/2006/relationships" xmlns:p="http://schemas.openxmlformats.org/presentationml/2006/main">
+  <p:cSld>
+    <p:spTree>
+      <p:nvGrpSpPr>
+        <p:cNvPr id="1" name=""/>
+        <p:cNvGrpSpPr/>
+        <p:nvPr/>
+      </p:nvGrpSpPr>
+      <p:grpSpPr>
+        <a:xfrm>
+          <a:off x="0" y="0"/>
+          <a:ext cx="0" cy="0"/>
+          <a:chOff x="0" y="0"/>
+          <a:chExt cx="0" cy="0"/>
+        </a:xfrm>
+      </p:grpSpPr>
+      <p:sp>
+        <p:nvSpPr>
           <p:cNvPr id="190" name="Título 1"/>
           <p:cNvSpPr txBox="1">
             <a:spLocks noGrp="1"/>
@@ -5766,7 +7255,7 @@
           </a:ln>
           <a:extLst>
             <a:ext uri="{C572A759-6A51-4108-AA02-DFA0A04FC94B}">
-              <ma14:wrappingTextBoxFlag xmlns:ma14="http://schemas.microsoft.com/office/mac/drawingml/2011/main" xmlns:a14="http://schemas.microsoft.com/office/drawing/2010/main" xmlns:m="http://schemas.openxmlformats.org/officeDocument/2006/math" xmlns="" val="1"/>
+              <ma14:wrappingTextBoxFlag xmlns="" xmlns:m="http://schemas.openxmlformats.org/officeDocument/2006/math" xmlns:a14="http://schemas.microsoft.com/office/drawing/2010/main" xmlns:ma14="http://schemas.microsoft.com/office/mac/drawingml/2011/main" val="1"/>
             </a:ext>
           </a:extLst>
         </p:spPr>
@@ -6113,7 +7602,7 @@
           </a:ln>
           <a:extLst>
             <a:ext uri="{C572A759-6A51-4108-AA02-DFA0A04FC94B}">
-              <ma14:wrappingTextBoxFlag xmlns:ma14="http://schemas.microsoft.com/office/mac/drawingml/2011/main" xmlns:a14="http://schemas.microsoft.com/office/drawing/2010/main" xmlns:m="http://schemas.openxmlformats.org/officeDocument/2006/math" xmlns="" val="1"/>
+              <ma14:wrappingTextBoxFlag xmlns="" xmlns:m="http://schemas.openxmlformats.org/officeDocument/2006/math" xmlns:a14="http://schemas.microsoft.com/office/drawing/2010/main" xmlns:ma14="http://schemas.microsoft.com/office/mac/drawingml/2011/main" val="1"/>
             </a:ext>
           </a:extLst>
         </p:spPr>
@@ -6265,7 +7754,7 @@
           </a:ln>
           <a:extLst>
             <a:ext uri="{C572A759-6A51-4108-AA02-DFA0A04FC94B}">
-              <ma14:wrappingTextBoxFlag xmlns:ma14="http://schemas.microsoft.com/office/mac/drawingml/2011/main" xmlns:a14="http://schemas.microsoft.com/office/drawing/2010/main" xmlns:m="http://schemas.openxmlformats.org/officeDocument/2006/math" xmlns="" val="1"/>
+              <ma14:wrappingTextBoxFlag xmlns="" xmlns:m="http://schemas.openxmlformats.org/officeDocument/2006/math" xmlns:a14="http://schemas.microsoft.com/office/drawing/2010/main" xmlns:ma14="http://schemas.microsoft.com/office/mac/drawingml/2011/main" val="1"/>
             </a:ext>
           </a:extLst>
         </p:spPr>
@@ -6746,7 +8235,7 @@
           </a:ln>
           <a:extLst>
             <a:ext uri="{C572A759-6A51-4108-AA02-DFA0A04FC94B}">
-              <ma14:wrappingTextBoxFlag xmlns:ma14="http://schemas.microsoft.com/office/mac/drawingml/2011/main" xmlns:a14="http://schemas.microsoft.com/office/drawing/2010/main" xmlns:m="http://schemas.openxmlformats.org/officeDocument/2006/math" xmlns="" val="1"/>
+              <ma14:wrappingTextBoxFlag xmlns="" xmlns:m="http://schemas.openxmlformats.org/officeDocument/2006/math" xmlns:a14="http://schemas.microsoft.com/office/drawing/2010/main" xmlns:ma14="http://schemas.microsoft.com/office/mac/drawingml/2011/main" val="1"/>
             </a:ext>
           </a:extLst>
         </p:spPr>
@@ -6896,7 +8385,7 @@
           </a:ln>
           <a:extLst>
             <a:ext uri="{C572A759-6A51-4108-AA02-DFA0A04FC94B}">
-              <ma14:wrappingTextBoxFlag xmlns:ma14="http://schemas.microsoft.com/office/mac/drawingml/2011/main" xmlns:a14="http://schemas.microsoft.com/office/drawing/2010/main" xmlns:m="http://schemas.openxmlformats.org/officeDocument/2006/math" xmlns="" val="1"/>
+              <ma14:wrappingTextBoxFlag xmlns="" xmlns:m="http://schemas.openxmlformats.org/officeDocument/2006/math" xmlns:a14="http://schemas.microsoft.com/office/drawing/2010/main" xmlns:ma14="http://schemas.microsoft.com/office/mac/drawingml/2011/main" val="1"/>
             </a:ext>
           </a:extLst>
         </p:spPr>
@@ -6942,7 +8431,7 @@
           </a:ln>
           <a:extLst>
             <a:ext uri="{C572A759-6A51-4108-AA02-DFA0A04FC94B}">
-              <ma14:wrappingTextBoxFlag xmlns:ma14="http://schemas.microsoft.com/office/mac/drawingml/2011/main" xmlns:a14="http://schemas.microsoft.com/office/drawing/2010/main" xmlns:m="http://schemas.openxmlformats.org/officeDocument/2006/math" xmlns="" val="1"/>
+              <ma14:wrappingTextBoxFlag xmlns="" xmlns:m="http://schemas.openxmlformats.org/officeDocument/2006/math" xmlns:a14="http://schemas.microsoft.com/office/drawing/2010/main" xmlns:ma14="http://schemas.microsoft.com/office/mac/drawingml/2011/main" val="1"/>
             </a:ext>
           </a:extLst>
         </p:spPr>
@@ -7065,219 +8554,212 @@
       </p:grpSpPr>
       <p:sp>
         <p:nvSpPr>
-          <p:cNvPr id="127" name="Título 1"/>
-          <p:cNvSpPr txBox="1">
+          <p:cNvPr id="2" name="Título 1">
+            <a:extLst>
+              <a:ext uri="{FF2B5EF4-FFF2-40B4-BE49-F238E27FC236}">
+                <a16:creationId xmlns:a16="http://schemas.microsoft.com/office/drawing/2014/main" id="{8FF62F15-7BD9-422B-A2EC-E3956A7F47B1}"/>
+              </a:ext>
+            </a:extLst>
+          </p:cNvPr>
+          <p:cNvSpPr>
             <a:spLocks noGrp="1"/>
           </p:cNvSpPr>
           <p:nvPr>
             <p:ph type="title"/>
           </p:nvPr>
         </p:nvSpPr>
-        <p:spPr>
-          <a:xfrm>
-            <a:off x="1024128" y="585216"/>
-            <a:ext cx="9720072" cy="1499617"/>
-          </a:xfrm>
-          <a:prstGeom prst="rect">
-            <a:avLst/>
-          </a:prstGeom>
-        </p:spPr>
+        <p:spPr/>
         <p:txBody>
-          <a:bodyPr/>
+          <a:bodyPr>
+            <a:normAutofit fontScale="90000"/>
+          </a:bodyPr>
           <a:lstStyle/>
           <a:p>
-            <a:pPr defTabSz="886968">
-              <a:defRPr sz="3783" spc="97">
-                <a:latin typeface="Arial"/>
-                <a:ea typeface="Arial"/>
-                <a:cs typeface="Arial"/>
-                <a:sym typeface="Arial"/>
-              </a:defRPr>
-            </a:pPr>
-            <a:r>
+            <a:r>
+              <a:rPr lang="es-ES" altLang="es-ES" sz="4400" dirty="0">
+                <a:latin typeface="Arial" panose="020B0604020202020204" pitchFamily="34" charset="0"/>
+              </a:rPr>
               <a:t>Demostración funcional del proyecto.</a:t>
             </a:r>
-            <a:br/>
-            <a:endParaRPr/>
+            <a:br>
+              <a:rPr lang="es-ES" altLang="es-ES" sz="4400" dirty="0">
+                <a:latin typeface="Arial" panose="020B0604020202020204" pitchFamily="34" charset="0"/>
+              </a:rPr>
+            </a:br>
+            <a:endParaRPr lang="es-ES" dirty="0"/>
           </a:p>
         </p:txBody>
       </p:sp>
       <p:sp>
         <p:nvSpPr>
-          <p:cNvPr id="128" name="Marcador de contenido 2"/>
-          <p:cNvSpPr txBox="1">
-            <a:spLocks noGrp="1"/>
-          </p:cNvSpPr>
-          <p:nvPr>
-            <p:ph type="body" idx="1"/>
-          </p:nvPr>
+          <p:cNvPr id="5" name="Rectángulo 4">
+            <a:extLst>
+              <a:ext uri="{FF2B5EF4-FFF2-40B4-BE49-F238E27FC236}">
+                <a16:creationId xmlns:a16="http://schemas.microsoft.com/office/drawing/2014/main" id="{312FA200-B6E2-4364-88F2-EB6C379D3D77}"/>
+              </a:ext>
+            </a:extLst>
+          </p:cNvPr>
+          <p:cNvSpPr/>
+          <p:nvPr/>
         </p:nvSpPr>
         <p:spPr>
           <a:xfrm>
-            <a:off x="2322511" y="1973404"/>
-            <a:ext cx="8946543" cy="4195482"/>
+            <a:off x="5564666" y="1483916"/>
+            <a:ext cx="1531188" cy="369332"/>
           </a:xfrm>
           <a:prstGeom prst="rect">
             <a:avLst/>
           </a:prstGeom>
         </p:spPr>
         <p:txBody>
-          <a:bodyPr/>
+          <a:bodyPr wrap="none">
+            <a:spAutoFit/>
+          </a:bodyPr>
           <a:lstStyle/>
           <a:p>
             <a:r>
-              <a:t>Captura normal</a:t>
-            </a:r>
-          </a:p>
-          <a:p>
-            <a:r>
-              <a:t>Capturas buscando por nombre y luego por dni. También ordenando</a:t>
-            </a:r>
-          </a:p>
-          <a:p>
-            <a:r>
-              <a:t>Capturas ordenando por distintos filtros</a:t>
-            </a:r>
-          </a:p>
-          <a:p>
-            <a:r>
-              <a:t>Captura de eliminar un cliente (No sé si debería ponerla)</a:t>
-            </a:r>
+              <a:rPr lang="es-ES" altLang="es-ES" dirty="0">
+                <a:latin typeface="Arial" panose="020B0604020202020204" pitchFamily="34" charset="0"/>
+              </a:rPr>
+              <a:t>Listar Cliente</a:t>
+            </a:r>
+            <a:endParaRPr lang="es-ES" dirty="0"/>
           </a:p>
         </p:txBody>
       </p:sp>
       <p:sp>
         <p:nvSpPr>
-          <p:cNvPr id="129" name="Rectángulo 4"/>
+          <p:cNvPr id="6" name="CuadroTexto 5">
+            <a:extLst>
+              <a:ext uri="{FF2B5EF4-FFF2-40B4-BE49-F238E27FC236}">
+                <a16:creationId xmlns:a16="http://schemas.microsoft.com/office/drawing/2014/main" id="{AABA6C94-33E3-43D6-9A79-403F3A3D4888}"/>
+              </a:ext>
+            </a:extLst>
+          </p:cNvPr>
           <p:cNvSpPr txBox="1"/>
           <p:nvPr/>
         </p:nvSpPr>
         <p:spPr>
           <a:xfrm>
-            <a:off x="5564666" y="1483916"/>
-            <a:ext cx="1438236" cy="350662"/>
-          </a:xfrm>
-          <a:prstGeom prst="rect">
-            <a:avLst/>
-          </a:prstGeom>
-          <a:ln w="12700">
-            <a:miter lim="400000"/>
-          </a:ln>
-          <a:extLst>
-            <a:ext uri="{C572A759-6A51-4108-AA02-DFA0A04FC94B}">
-              <ma14:wrappingTextBoxFlag xmlns:ma14="http://schemas.microsoft.com/office/mac/drawingml/2011/main" xmlns:a14="http://schemas.microsoft.com/office/drawing/2010/main" xmlns:m="http://schemas.openxmlformats.org/officeDocument/2006/math" xmlns="" val="1"/>
-            </a:ext>
-          </a:extLst>
-        </p:spPr>
-        <p:txBody>
-          <a:bodyPr wrap="none" lIns="45719" rIns="45719">
-            <a:spAutoFit/>
-          </a:bodyPr>
-          <a:lstStyle>
-            <a:lvl1pPr>
-              <a:defRPr>
-                <a:latin typeface="Arial"/>
-                <a:ea typeface="Arial"/>
-                <a:cs typeface="Arial"/>
-                <a:sym typeface="Arial"/>
-              </a:defRPr>
-            </a:lvl1pPr>
-          </a:lstStyle>
-          <a:p>
-            <a:r>
-              <a:t>Listar Cliente</a:t>
-            </a:r>
-          </a:p>
-        </p:txBody>
-      </p:sp>
-      <p:sp>
-        <p:nvSpPr>
-          <p:cNvPr id="130" name="CuadroTexto 5"/>
-          <p:cNvSpPr txBox="1"/>
-          <p:nvPr/>
-        </p:nvSpPr>
-        <p:spPr>
-          <a:xfrm>
-            <a:off x="135903" y="2413336"/>
-            <a:ext cx="2054089" cy="1790066"/>
-          </a:xfrm>
-          <a:prstGeom prst="rect">
-            <a:avLst/>
-          </a:prstGeom>
+            <a:off x="135904" y="2413337"/>
+            <a:ext cx="2054087" cy="2031325"/>
+          </a:xfrm>
+          <a:prstGeom prst="rect">
+            <a:avLst/>
+          </a:prstGeom>
+          <a:noFill/>
           <a:ln>
             <a:solidFill>
-              <a:srgbClr val="2E2B21"/>
+              <a:schemeClr val="tx1"/>
             </a:solidFill>
           </a:ln>
-          <a:extLst>
-            <a:ext uri="{C572A759-6A51-4108-AA02-DFA0A04FC94B}">
-              <ma14:wrappingTextBoxFlag xmlns:ma14="http://schemas.microsoft.com/office/mac/drawingml/2011/main" xmlns:a14="http://schemas.microsoft.com/office/drawing/2010/main" xmlns:m="http://schemas.openxmlformats.org/officeDocument/2006/math" xmlns="" val="1"/>
-            </a:ext>
-          </a:extLst>
         </p:spPr>
         <p:txBody>
-          <a:bodyPr lIns="45719" rIns="45719">
+          <a:bodyPr wrap="square" rtlCol="0">
             <a:spAutoFit/>
           </a:bodyPr>
           <a:lstStyle/>
           <a:p>
             <a:pPr marL="285750" indent="-285750">
-              <a:buSzPct val="100000"/>
-              <a:buChar char="❑"/>
-            </a:pPr>
-            <a:r>
+              <a:buFont typeface="Wingdings" panose="05000000000000000000" pitchFamily="2" charset="2"/>
+              <a:buChar char="q"/>
+            </a:pPr>
+            <a:r>
+              <a:rPr lang="es-ES" dirty="0"/>
               <a:t>Presentación</a:t>
             </a:r>
           </a:p>
           <a:p>
             <a:pPr marL="285750" indent="-285750">
-              <a:buSzPct val="100000"/>
-              <a:buChar char="❑"/>
-            </a:pPr>
-            <a:r>
+              <a:buFont typeface="Wingdings" panose="05000000000000000000" pitchFamily="2" charset="2"/>
+              <a:buChar char="q"/>
+            </a:pPr>
+            <a:r>
+              <a:rPr lang="es-ES" dirty="0"/>
               <a:t>Objetivos</a:t>
             </a:r>
           </a:p>
           <a:p>
             <a:pPr marL="285750" indent="-285750">
-              <a:buSzPct val="100000"/>
-              <a:buChar char="❑"/>
-            </a:pPr>
-            <a:r>
+              <a:buFont typeface="Wingdings" panose="05000000000000000000" pitchFamily="2" charset="2"/>
+              <a:buChar char="q"/>
+            </a:pPr>
+            <a:r>
+              <a:rPr lang="es-ES" dirty="0"/>
               <a:t>Funcionalidades</a:t>
             </a:r>
           </a:p>
           <a:p>
             <a:pPr marL="285750" indent="-285750">
-              <a:buSzPct val="100000"/>
-              <a:buChar char="❑"/>
-              <a:defRPr b="1"/>
-            </a:pPr>
-            <a:r>
+              <a:buFont typeface="Wingdings" panose="05000000000000000000" pitchFamily="2" charset="2"/>
+              <a:buChar char="q"/>
+            </a:pPr>
+            <a:r>
+              <a:rPr lang="es-ES" b="1" dirty="0"/>
               <a:t>Demostración</a:t>
             </a:r>
-          </a:p>
-          <a:p>
-            <a:pPr marL="285750" indent="-285750">
-              <a:buSzPct val="100000"/>
-              <a:buChar char="❑"/>
-            </a:pPr>
-            <a:r>
+            <a:endParaRPr lang="es-ES" dirty="0"/>
+          </a:p>
+          <a:p>
+            <a:pPr marL="285750" indent="-285750">
+              <a:buFont typeface="Wingdings" panose="05000000000000000000" pitchFamily="2" charset="2"/>
+              <a:buChar char="q"/>
+            </a:pPr>
+            <a:r>
+              <a:rPr lang="es-ES" dirty="0"/>
               <a:t>Aspectos</a:t>
             </a:r>
           </a:p>
           <a:p>
             <a:pPr marL="285750" indent="-285750">
-              <a:buSzPct val="100000"/>
-              <a:buChar char="❑"/>
-            </a:pPr>
-            <a:r>
+              <a:buFont typeface="Wingdings" panose="05000000000000000000" pitchFamily="2" charset="2"/>
+              <a:buChar char="q"/>
+            </a:pPr>
+            <a:r>
+              <a:rPr lang="es-ES" dirty="0"/>
               <a:t>Conclusiones</a:t>
             </a:r>
+          </a:p>
+          <a:p>
+            <a:endParaRPr lang="es-ES" dirty="0"/>
           </a:p>
         </p:txBody>
       </p:sp>
+      <p:pic>
+        <p:nvPicPr>
+          <p:cNvPr id="11" name="Marcador de contenido 10">
+            <a:extLst>
+              <a:ext uri="{FF2B5EF4-FFF2-40B4-BE49-F238E27FC236}">
+                <a16:creationId xmlns:a16="http://schemas.microsoft.com/office/drawing/2014/main" id="{3FDC33AF-EFF4-4F7B-B3F3-D41879025853}"/>
+              </a:ext>
+            </a:extLst>
+          </p:cNvPr>
+          <p:cNvPicPr>
+            <a:picLocks noGrp="1" noChangeAspect="1"/>
+          </p:cNvPicPr>
+          <p:nvPr>
+            <p:ph idx="1"/>
+          </p:nvPr>
+        </p:nvPicPr>
+        <p:blipFill>
+          <a:blip r:embed="rId2"/>
+          <a:stretch>
+            <a:fillRect/>
+          </a:stretch>
+        </p:blipFill>
+        <p:spPr>
+          <a:xfrm>
+            <a:off x="2305877" y="1987826"/>
+            <a:ext cx="8613913" cy="4320899"/>
+          </a:xfrm>
+        </p:spPr>
+      </p:pic>
     </p:spTree>
+    <p:extLst>
+      <p:ext uri="{BB962C8B-B14F-4D97-AF65-F5344CB8AC3E}">
+        <p14:creationId xmlns:p14="http://schemas.microsoft.com/office/powerpoint/2010/main" val="3720470230"/>
+      </p:ext>
+    </p:extLst>
   </p:cSld>
   <p:clrMapOvr>
     <a:masterClrMapping/>
@@ -7305,214 +8787,213 @@
       </p:grpSpPr>
       <p:sp>
         <p:nvSpPr>
-          <p:cNvPr id="132" name="Título 1"/>
-          <p:cNvSpPr txBox="1">
+          <p:cNvPr id="2" name="Título 1">
+            <a:extLst>
+              <a:ext uri="{FF2B5EF4-FFF2-40B4-BE49-F238E27FC236}">
+                <a16:creationId xmlns:a16="http://schemas.microsoft.com/office/drawing/2014/main" id="{8FF62F15-7BD9-422B-A2EC-E3956A7F47B1}"/>
+              </a:ext>
+            </a:extLst>
+          </p:cNvPr>
+          <p:cNvSpPr>
             <a:spLocks noGrp="1"/>
           </p:cNvSpPr>
           <p:nvPr>
             <p:ph type="title"/>
           </p:nvPr>
         </p:nvSpPr>
-        <p:spPr>
-          <a:xfrm>
-            <a:off x="1024128" y="585216"/>
-            <a:ext cx="9720072" cy="1499617"/>
-          </a:xfrm>
-          <a:prstGeom prst="rect">
-            <a:avLst/>
-          </a:prstGeom>
-        </p:spPr>
+        <p:spPr/>
         <p:txBody>
-          <a:bodyPr/>
+          <a:bodyPr>
+            <a:normAutofit fontScale="90000"/>
+          </a:bodyPr>
           <a:lstStyle/>
           <a:p>
-            <a:pPr defTabSz="886968">
-              <a:defRPr sz="3783" spc="97">
-                <a:latin typeface="Arial"/>
-                <a:ea typeface="Arial"/>
-                <a:cs typeface="Arial"/>
-                <a:sym typeface="Arial"/>
-              </a:defRPr>
-            </a:pPr>
-            <a:r>
+            <a:r>
+              <a:rPr lang="es-ES" altLang="es-ES" sz="4400" dirty="0">
+                <a:latin typeface="Arial" panose="020B0604020202020204" pitchFamily="34" charset="0"/>
+              </a:rPr>
               <a:t>Demostración funcional del proyecto.</a:t>
             </a:r>
-            <a:br/>
-            <a:endParaRPr/>
+            <a:br>
+              <a:rPr lang="es-ES" altLang="es-ES" sz="4400" dirty="0">
+                <a:latin typeface="Arial" panose="020B0604020202020204" pitchFamily="34" charset="0"/>
+              </a:rPr>
+            </a:br>
+            <a:endParaRPr lang="es-ES" dirty="0"/>
           </a:p>
         </p:txBody>
       </p:sp>
       <p:sp>
         <p:nvSpPr>
-          <p:cNvPr id="133" name="Marcador de contenido 2"/>
-          <p:cNvSpPr txBox="1">
-            <a:spLocks noGrp="1"/>
-          </p:cNvSpPr>
-          <p:nvPr>
-            <p:ph type="body" idx="1"/>
-          </p:nvPr>
+          <p:cNvPr id="5" name="Rectángulo 4">
+            <a:extLst>
+              <a:ext uri="{FF2B5EF4-FFF2-40B4-BE49-F238E27FC236}">
+                <a16:creationId xmlns:a16="http://schemas.microsoft.com/office/drawing/2014/main" id="{312FA200-B6E2-4364-88F2-EB6C379D3D77}"/>
+              </a:ext>
+            </a:extLst>
+          </p:cNvPr>
+          <p:cNvSpPr/>
+          <p:nvPr/>
         </p:nvSpPr>
         <p:spPr>
           <a:xfrm>
-            <a:off x="2322511" y="1973404"/>
-            <a:ext cx="8946543" cy="4195482"/>
+            <a:off x="5564666" y="1483916"/>
+            <a:ext cx="3749809" cy="369332"/>
           </a:xfrm>
           <a:prstGeom prst="rect">
             <a:avLst/>
           </a:prstGeom>
         </p:spPr>
         <p:txBody>
-          <a:bodyPr/>
+          <a:bodyPr wrap="none">
+            <a:spAutoFit/>
+          </a:bodyPr>
           <a:lstStyle/>
           <a:p>
             <a:r>
-              <a:t>Captura Normal</a:t>
-            </a:r>
-          </a:p>
-          <a:p>
-            <a:r>
-              <a:t>Captura de Modificar Cliente</a:t>
-            </a:r>
-          </a:p>
-          <a:p>
-            <a:r>
-              <a:t>Captura de Validación de los datos del Cliente</a:t>
-            </a:r>
+              <a:rPr lang="es-ES" altLang="es-ES" dirty="0">
+                <a:latin typeface="Arial" panose="020B0604020202020204" pitchFamily="34" charset="0"/>
+              </a:rPr>
+              <a:t>Listar Cliente: Nombre Ascendente</a:t>
+            </a:r>
+            <a:endParaRPr lang="es-ES" dirty="0"/>
           </a:p>
         </p:txBody>
       </p:sp>
       <p:sp>
         <p:nvSpPr>
-          <p:cNvPr id="134" name="Rectángulo 4"/>
+          <p:cNvPr id="6" name="CuadroTexto 5">
+            <a:extLst>
+              <a:ext uri="{FF2B5EF4-FFF2-40B4-BE49-F238E27FC236}">
+                <a16:creationId xmlns:a16="http://schemas.microsoft.com/office/drawing/2014/main" id="{AABA6C94-33E3-43D6-9A79-403F3A3D4888}"/>
+              </a:ext>
+            </a:extLst>
+          </p:cNvPr>
           <p:cNvSpPr txBox="1"/>
           <p:nvPr/>
         </p:nvSpPr>
         <p:spPr>
           <a:xfrm>
-            <a:off x="5564666" y="1483916"/>
-            <a:ext cx="2619522" cy="350662"/>
-          </a:xfrm>
-          <a:prstGeom prst="rect">
-            <a:avLst/>
-          </a:prstGeom>
-          <a:ln w="12700">
-            <a:miter lim="400000"/>
-          </a:ln>
-          <a:extLst>
-            <a:ext uri="{C572A759-6A51-4108-AA02-DFA0A04FC94B}">
-              <ma14:wrappingTextBoxFlag xmlns:ma14="http://schemas.microsoft.com/office/mac/drawingml/2011/main" xmlns:a14="http://schemas.microsoft.com/office/drawing/2010/main" xmlns:m="http://schemas.openxmlformats.org/officeDocument/2006/math" xmlns="" val="1"/>
-            </a:ext>
-          </a:extLst>
-        </p:spPr>
-        <p:txBody>
-          <a:bodyPr wrap="none" lIns="45719" rIns="45719">
-            <a:spAutoFit/>
-          </a:bodyPr>
-          <a:lstStyle>
-            <a:lvl1pPr>
-              <a:defRPr>
-                <a:latin typeface="Arial"/>
-                <a:ea typeface="Arial"/>
-                <a:cs typeface="Arial"/>
-                <a:sym typeface="Arial"/>
-              </a:defRPr>
-            </a:lvl1pPr>
-          </a:lstStyle>
-          <a:p>
-            <a:r>
-              <a:t>Crear y Modificar Cliente</a:t>
-            </a:r>
-          </a:p>
-        </p:txBody>
-      </p:sp>
-      <p:sp>
-        <p:nvSpPr>
-          <p:cNvPr id="135" name="CuadroTexto 5"/>
-          <p:cNvSpPr txBox="1"/>
-          <p:nvPr/>
-        </p:nvSpPr>
-        <p:spPr>
-          <a:xfrm>
-            <a:off x="135903" y="2413336"/>
-            <a:ext cx="2054089" cy="1790066"/>
-          </a:xfrm>
-          <a:prstGeom prst="rect">
-            <a:avLst/>
-          </a:prstGeom>
+            <a:off x="135904" y="2413337"/>
+            <a:ext cx="2054087" cy="2031325"/>
+          </a:xfrm>
+          <a:prstGeom prst="rect">
+            <a:avLst/>
+          </a:prstGeom>
+          <a:noFill/>
           <a:ln>
             <a:solidFill>
-              <a:srgbClr val="2E2B21"/>
+              <a:schemeClr val="tx1"/>
             </a:solidFill>
           </a:ln>
-          <a:extLst>
-            <a:ext uri="{C572A759-6A51-4108-AA02-DFA0A04FC94B}">
-              <ma14:wrappingTextBoxFlag xmlns:ma14="http://schemas.microsoft.com/office/mac/drawingml/2011/main" xmlns:a14="http://schemas.microsoft.com/office/drawing/2010/main" xmlns:m="http://schemas.openxmlformats.org/officeDocument/2006/math" xmlns="" val="1"/>
-            </a:ext>
-          </a:extLst>
         </p:spPr>
         <p:txBody>
-          <a:bodyPr lIns="45719" rIns="45719">
+          <a:bodyPr wrap="square" rtlCol="0">
             <a:spAutoFit/>
           </a:bodyPr>
           <a:lstStyle/>
           <a:p>
             <a:pPr marL="285750" indent="-285750">
-              <a:buSzPct val="100000"/>
-              <a:buChar char="❑"/>
-            </a:pPr>
-            <a:r>
+              <a:buFont typeface="Wingdings" panose="05000000000000000000" pitchFamily="2" charset="2"/>
+              <a:buChar char="q"/>
+            </a:pPr>
+            <a:r>
+              <a:rPr lang="es-ES" dirty="0"/>
               <a:t>Presentación</a:t>
             </a:r>
           </a:p>
           <a:p>
             <a:pPr marL="285750" indent="-285750">
-              <a:buSzPct val="100000"/>
-              <a:buChar char="❑"/>
-            </a:pPr>
-            <a:r>
+              <a:buFont typeface="Wingdings" panose="05000000000000000000" pitchFamily="2" charset="2"/>
+              <a:buChar char="q"/>
+            </a:pPr>
+            <a:r>
+              <a:rPr lang="es-ES" dirty="0"/>
               <a:t>Objetivos</a:t>
             </a:r>
           </a:p>
           <a:p>
             <a:pPr marL="285750" indent="-285750">
-              <a:buSzPct val="100000"/>
-              <a:buChar char="❑"/>
-            </a:pPr>
-            <a:r>
+              <a:buFont typeface="Wingdings" panose="05000000000000000000" pitchFamily="2" charset="2"/>
+              <a:buChar char="q"/>
+            </a:pPr>
+            <a:r>
+              <a:rPr lang="es-ES" dirty="0"/>
               <a:t>Funcionalidades</a:t>
             </a:r>
           </a:p>
           <a:p>
             <a:pPr marL="285750" indent="-285750">
-              <a:buSzPct val="100000"/>
-              <a:buChar char="❑"/>
-              <a:defRPr b="1"/>
-            </a:pPr>
-            <a:r>
+              <a:buFont typeface="Wingdings" panose="05000000000000000000" pitchFamily="2" charset="2"/>
+              <a:buChar char="q"/>
+            </a:pPr>
+            <a:r>
+              <a:rPr lang="es-ES" b="1" dirty="0"/>
               <a:t>Demostración</a:t>
             </a:r>
-          </a:p>
-          <a:p>
-            <a:pPr marL="285750" indent="-285750">
-              <a:buSzPct val="100000"/>
-              <a:buChar char="❑"/>
-            </a:pPr>
-            <a:r>
+            <a:endParaRPr lang="es-ES" dirty="0"/>
+          </a:p>
+          <a:p>
+            <a:pPr marL="285750" indent="-285750">
+              <a:buFont typeface="Wingdings" panose="05000000000000000000" pitchFamily="2" charset="2"/>
+              <a:buChar char="q"/>
+            </a:pPr>
+            <a:r>
+              <a:rPr lang="es-ES" dirty="0"/>
               <a:t>Aspectos</a:t>
             </a:r>
           </a:p>
           <a:p>
             <a:pPr marL="285750" indent="-285750">
-              <a:buSzPct val="100000"/>
-              <a:buChar char="❑"/>
-            </a:pPr>
-            <a:r>
+              <a:buFont typeface="Wingdings" panose="05000000000000000000" pitchFamily="2" charset="2"/>
+              <a:buChar char="q"/>
+            </a:pPr>
+            <a:r>
+              <a:rPr lang="es-ES" dirty="0"/>
               <a:t>Conclusiones</a:t>
             </a:r>
+          </a:p>
+          <a:p>
+            <a:endParaRPr lang="es-ES" dirty="0"/>
           </a:p>
         </p:txBody>
       </p:sp>
+      <p:pic>
+        <p:nvPicPr>
+          <p:cNvPr id="4" name="Imagen 3">
+            <a:extLst>
+              <a:ext uri="{FF2B5EF4-FFF2-40B4-BE49-F238E27FC236}">
+                <a16:creationId xmlns:a16="http://schemas.microsoft.com/office/drawing/2014/main" id="{FE9A8A67-2B50-4296-96A5-BB9492B775D8}"/>
+              </a:ext>
+            </a:extLst>
+          </p:cNvPr>
+          <p:cNvPicPr>
+            <a:picLocks noChangeAspect="1"/>
+          </p:cNvPicPr>
+          <p:nvPr/>
+        </p:nvPicPr>
+        <p:blipFill>
+          <a:blip r:embed="rId2"/>
+          <a:stretch>
+            <a:fillRect/>
+          </a:stretch>
+        </p:blipFill>
+        <p:spPr>
+          <a:xfrm>
+            <a:off x="2282756" y="2084832"/>
+            <a:ext cx="9115425" cy="4229100"/>
+          </a:xfrm>
+          <a:prstGeom prst="rect">
+            <a:avLst/>
+          </a:prstGeom>
+        </p:spPr>
+      </p:pic>
     </p:spTree>
+    <p:extLst>
+      <p:ext uri="{BB962C8B-B14F-4D97-AF65-F5344CB8AC3E}">
+        <p14:creationId xmlns:p14="http://schemas.microsoft.com/office/powerpoint/2010/main" val="4078549304"/>
+      </p:ext>
+    </p:extLst>
   </p:cSld>
   <p:clrMapOvr>
     <a:masterClrMapping/>
@@ -7540,204 +9021,213 @@
       </p:grpSpPr>
       <p:sp>
         <p:nvSpPr>
-          <p:cNvPr id="137" name="Título 1"/>
-          <p:cNvSpPr txBox="1">
+          <p:cNvPr id="2" name="Título 1">
+            <a:extLst>
+              <a:ext uri="{FF2B5EF4-FFF2-40B4-BE49-F238E27FC236}">
+                <a16:creationId xmlns:a16="http://schemas.microsoft.com/office/drawing/2014/main" id="{8FF62F15-7BD9-422B-A2EC-E3956A7F47B1}"/>
+              </a:ext>
+            </a:extLst>
+          </p:cNvPr>
+          <p:cNvSpPr>
             <a:spLocks noGrp="1"/>
           </p:cNvSpPr>
           <p:nvPr>
             <p:ph type="title"/>
           </p:nvPr>
         </p:nvSpPr>
-        <p:spPr>
-          <a:xfrm>
-            <a:off x="1024128" y="585216"/>
-            <a:ext cx="9720072" cy="1499617"/>
-          </a:xfrm>
-          <a:prstGeom prst="rect">
-            <a:avLst/>
-          </a:prstGeom>
-        </p:spPr>
+        <p:spPr/>
         <p:txBody>
-          <a:bodyPr/>
+          <a:bodyPr>
+            <a:normAutofit fontScale="90000"/>
+          </a:bodyPr>
           <a:lstStyle/>
           <a:p>
-            <a:pPr defTabSz="886968">
-              <a:defRPr sz="3783" spc="97">
-                <a:latin typeface="Arial"/>
-                <a:ea typeface="Arial"/>
-                <a:cs typeface="Arial"/>
-                <a:sym typeface="Arial"/>
-              </a:defRPr>
-            </a:pPr>
-            <a:r>
+            <a:r>
+              <a:rPr lang="es-ES" altLang="es-ES" sz="4400" dirty="0">
+                <a:latin typeface="Arial" panose="020B0604020202020204" pitchFamily="34" charset="0"/>
+              </a:rPr>
               <a:t>Demostración funcional del proyecto.</a:t>
             </a:r>
-            <a:br/>
-            <a:endParaRPr/>
+            <a:br>
+              <a:rPr lang="es-ES" altLang="es-ES" sz="4400" dirty="0">
+                <a:latin typeface="Arial" panose="020B0604020202020204" pitchFamily="34" charset="0"/>
+              </a:rPr>
+            </a:br>
+            <a:endParaRPr lang="es-ES" dirty="0"/>
           </a:p>
         </p:txBody>
       </p:sp>
       <p:sp>
         <p:nvSpPr>
-          <p:cNvPr id="138" name="Rectángulo 4"/>
+          <p:cNvPr id="5" name="Rectángulo 4">
+            <a:extLst>
+              <a:ext uri="{FF2B5EF4-FFF2-40B4-BE49-F238E27FC236}">
+                <a16:creationId xmlns:a16="http://schemas.microsoft.com/office/drawing/2014/main" id="{312FA200-B6E2-4364-88F2-EB6C379D3D77}"/>
+              </a:ext>
+            </a:extLst>
+          </p:cNvPr>
+          <p:cNvSpPr/>
+          <p:nvPr/>
+        </p:nvSpPr>
+        <p:spPr>
+          <a:xfrm>
+            <a:off x="5564666" y="1483916"/>
+            <a:ext cx="3768980" cy="369332"/>
+          </a:xfrm>
+          <a:prstGeom prst="rect">
+            <a:avLst/>
+          </a:prstGeom>
+        </p:spPr>
+        <p:txBody>
+          <a:bodyPr wrap="none">
+            <a:spAutoFit/>
+          </a:bodyPr>
+          <a:lstStyle/>
+          <a:p>
+            <a:r>
+              <a:rPr lang="es-ES" altLang="es-ES" dirty="0">
+                <a:latin typeface="Arial" panose="020B0604020202020204" pitchFamily="34" charset="0"/>
+              </a:rPr>
+              <a:t>Listar Cliente: Buscador: Nombre=j</a:t>
+            </a:r>
+            <a:endParaRPr lang="es-ES" dirty="0"/>
+          </a:p>
+        </p:txBody>
+      </p:sp>
+      <p:sp>
+        <p:nvSpPr>
+          <p:cNvPr id="6" name="CuadroTexto 5">
+            <a:extLst>
+              <a:ext uri="{FF2B5EF4-FFF2-40B4-BE49-F238E27FC236}">
+                <a16:creationId xmlns:a16="http://schemas.microsoft.com/office/drawing/2014/main" id="{AABA6C94-33E3-43D6-9A79-403F3A3D4888}"/>
+              </a:ext>
+            </a:extLst>
+          </p:cNvPr>
           <p:cNvSpPr txBox="1"/>
           <p:nvPr/>
         </p:nvSpPr>
         <p:spPr>
           <a:xfrm>
-            <a:off x="5564666" y="1483916"/>
-            <a:ext cx="794629" cy="350662"/>
-          </a:xfrm>
-          <a:prstGeom prst="rect">
-            <a:avLst/>
-          </a:prstGeom>
-          <a:ln w="12700">
-            <a:miter lim="400000"/>
+            <a:off x="135904" y="2413337"/>
+            <a:ext cx="2054087" cy="2031325"/>
+          </a:xfrm>
+          <a:prstGeom prst="rect">
+            <a:avLst/>
+          </a:prstGeom>
+          <a:noFill/>
+          <a:ln>
+            <a:solidFill>
+              <a:schemeClr val="tx1"/>
+            </a:solidFill>
           </a:ln>
-          <a:extLst>
-            <a:ext uri="{C572A759-6A51-4108-AA02-DFA0A04FC94B}">
-              <ma14:wrappingTextBoxFlag xmlns:ma14="http://schemas.microsoft.com/office/mac/drawingml/2011/main" xmlns:a14="http://schemas.microsoft.com/office/drawing/2010/main" xmlns:m="http://schemas.openxmlformats.org/officeDocument/2006/math" xmlns="" val="1"/>
-            </a:ext>
-          </a:extLst>
         </p:spPr>
         <p:txBody>
-          <a:bodyPr wrap="none" lIns="45719" rIns="45719">
+          <a:bodyPr wrap="square" rtlCol="0">
             <a:spAutoFit/>
           </a:bodyPr>
-          <a:lstStyle>
-            <a:lvl1pPr>
-              <a:defRPr>
-                <a:latin typeface="Arial"/>
-                <a:ea typeface="Arial"/>
-                <a:cs typeface="Arial"/>
-                <a:sym typeface="Arial"/>
-              </a:defRPr>
-            </a:lvl1pPr>
-          </a:lstStyle>
-          <a:p>
-            <a:r>
-              <a:t>Vuelos</a:t>
-            </a:r>
+          <a:lstStyle/>
+          <a:p>
+            <a:pPr marL="285750" indent="-285750">
+              <a:buFont typeface="Wingdings" panose="05000000000000000000" pitchFamily="2" charset="2"/>
+              <a:buChar char="q"/>
+            </a:pPr>
+            <a:r>
+              <a:rPr lang="es-ES" dirty="0"/>
+              <a:t>Presentación</a:t>
+            </a:r>
+          </a:p>
+          <a:p>
+            <a:pPr marL="285750" indent="-285750">
+              <a:buFont typeface="Wingdings" panose="05000000000000000000" pitchFamily="2" charset="2"/>
+              <a:buChar char="q"/>
+            </a:pPr>
+            <a:r>
+              <a:rPr lang="es-ES" dirty="0"/>
+              <a:t>Objetivos</a:t>
+            </a:r>
+          </a:p>
+          <a:p>
+            <a:pPr marL="285750" indent="-285750">
+              <a:buFont typeface="Wingdings" panose="05000000000000000000" pitchFamily="2" charset="2"/>
+              <a:buChar char="q"/>
+            </a:pPr>
+            <a:r>
+              <a:rPr lang="es-ES" dirty="0"/>
+              <a:t>Funcionalidades</a:t>
+            </a:r>
+          </a:p>
+          <a:p>
+            <a:pPr marL="285750" indent="-285750">
+              <a:buFont typeface="Wingdings" panose="05000000000000000000" pitchFamily="2" charset="2"/>
+              <a:buChar char="q"/>
+            </a:pPr>
+            <a:r>
+              <a:rPr lang="es-ES" b="1" dirty="0"/>
+              <a:t>Demostración</a:t>
+            </a:r>
+            <a:endParaRPr lang="es-ES" dirty="0"/>
+          </a:p>
+          <a:p>
+            <a:pPr marL="285750" indent="-285750">
+              <a:buFont typeface="Wingdings" panose="05000000000000000000" pitchFamily="2" charset="2"/>
+              <a:buChar char="q"/>
+            </a:pPr>
+            <a:r>
+              <a:rPr lang="es-ES" dirty="0"/>
+              <a:t>Aspectos</a:t>
+            </a:r>
+          </a:p>
+          <a:p>
+            <a:pPr marL="285750" indent="-285750">
+              <a:buFont typeface="Wingdings" panose="05000000000000000000" pitchFamily="2" charset="2"/>
+              <a:buChar char="q"/>
+            </a:pPr>
+            <a:r>
+              <a:rPr lang="es-ES" dirty="0"/>
+              <a:t>Conclusiones</a:t>
+            </a:r>
+          </a:p>
+          <a:p>
+            <a:endParaRPr lang="es-ES" dirty="0"/>
           </a:p>
         </p:txBody>
       </p:sp>
       <p:pic>
         <p:nvPicPr>
-          <p:cNvPr id="139" name="Marcador de contenido 4" descr="Marcador de contenido 4"/>
+          <p:cNvPr id="4" name="Imagen 3">
+            <a:extLst>
+              <a:ext uri="{FF2B5EF4-FFF2-40B4-BE49-F238E27FC236}">
+                <a16:creationId xmlns:a16="http://schemas.microsoft.com/office/drawing/2014/main" id="{DB463CD2-F730-42C3-8E08-1DC27402456D}"/>
+              </a:ext>
+            </a:extLst>
+          </p:cNvPr>
           <p:cNvPicPr>
             <a:picLocks noChangeAspect="1"/>
           </p:cNvPicPr>
           <p:nvPr/>
         </p:nvPicPr>
         <p:blipFill>
-          <a:blip r:embed="rId2">
-            <a:extLst/>
-          </a:blip>
+          <a:blip r:embed="rId2"/>
           <a:stretch>
             <a:fillRect/>
           </a:stretch>
         </p:blipFill>
         <p:spPr>
           <a:xfrm>
-            <a:off x="2189990" y="1973404"/>
-            <a:ext cx="8936102" cy="3512996"/>
-          </a:xfrm>
-          <a:prstGeom prst="rect">
-            <a:avLst/>
-          </a:prstGeom>
-          <a:ln w="12700">
-            <a:miter lim="400000"/>
-          </a:ln>
+            <a:off x="2823955" y="2249556"/>
+            <a:ext cx="8743950" cy="3657600"/>
+          </a:xfrm>
+          <a:prstGeom prst="rect">
+            <a:avLst/>
+          </a:prstGeom>
         </p:spPr>
       </p:pic>
-      <p:sp>
-        <p:nvSpPr>
-          <p:cNvPr id="140" name="CuadroTexto 8"/>
-          <p:cNvSpPr txBox="1"/>
-          <p:nvPr/>
-        </p:nvSpPr>
-        <p:spPr>
-          <a:xfrm>
-            <a:off x="135903" y="2413336"/>
-            <a:ext cx="2054089" cy="1790066"/>
-          </a:xfrm>
-          <a:prstGeom prst="rect">
-            <a:avLst/>
-          </a:prstGeom>
-          <a:ln>
-            <a:solidFill>
-              <a:srgbClr val="2E2B21"/>
-            </a:solidFill>
-          </a:ln>
-          <a:extLst>
-            <a:ext uri="{C572A759-6A51-4108-AA02-DFA0A04FC94B}">
-              <ma14:wrappingTextBoxFlag xmlns:ma14="http://schemas.microsoft.com/office/mac/drawingml/2011/main" xmlns:a14="http://schemas.microsoft.com/office/drawing/2010/main" xmlns:m="http://schemas.openxmlformats.org/officeDocument/2006/math" xmlns="" val="1"/>
-            </a:ext>
-          </a:extLst>
-        </p:spPr>
-        <p:txBody>
-          <a:bodyPr lIns="45719" rIns="45719">
-            <a:spAutoFit/>
-          </a:bodyPr>
-          <a:lstStyle/>
-          <a:p>
-            <a:pPr marL="285750" indent="-285750">
-              <a:buSzPct val="100000"/>
-              <a:buChar char="❑"/>
-            </a:pPr>
-            <a:r>
-              <a:t>Presentación</a:t>
-            </a:r>
-          </a:p>
-          <a:p>
-            <a:pPr marL="285750" indent="-285750">
-              <a:buSzPct val="100000"/>
-              <a:buChar char="❑"/>
-            </a:pPr>
-            <a:r>
-              <a:t>Objetivos</a:t>
-            </a:r>
-          </a:p>
-          <a:p>
-            <a:pPr marL="285750" indent="-285750">
-              <a:buSzPct val="100000"/>
-              <a:buChar char="❑"/>
-            </a:pPr>
-            <a:r>
-              <a:t>Funcionalidades</a:t>
-            </a:r>
-          </a:p>
-          <a:p>
-            <a:pPr marL="285750" indent="-285750">
-              <a:buSzPct val="100000"/>
-              <a:buChar char="❑"/>
-              <a:defRPr b="1"/>
-            </a:pPr>
-            <a:r>
-              <a:t>Demostración</a:t>
-            </a:r>
-          </a:p>
-          <a:p>
-            <a:pPr marL="285750" indent="-285750">
-              <a:buSzPct val="100000"/>
-              <a:buChar char="❑"/>
-            </a:pPr>
-            <a:r>
-              <a:t>Aspectos</a:t>
-            </a:r>
-          </a:p>
-          <a:p>
-            <a:pPr marL="285750" indent="-285750">
-              <a:buSzPct val="100000"/>
-              <a:buChar char="❑"/>
-            </a:pPr>
-            <a:r>
-              <a:t>Conclusiones</a:t>
-            </a:r>
-          </a:p>
-        </p:txBody>
-      </p:sp>
     </p:spTree>
+    <p:extLst>
+      <p:ext uri="{BB962C8B-B14F-4D97-AF65-F5344CB8AC3E}">
+        <p14:creationId xmlns:p14="http://schemas.microsoft.com/office/powerpoint/2010/main" val="2559233053"/>
+      </p:ext>
+    </p:extLst>
   </p:cSld>
   <p:clrMapOvr>
     <a:masterClrMapping/>

--- a/AIRDSS.pptx
+++ b/AIRDSS.pptx
@@ -5,7 +5,7 @@
     <p:sldMasterId id="2147483648" r:id="rId1"/>
   </p:sldMasterIdLst>
   <p:notesMasterIdLst>
-    <p:notesMasterId r:id="rId29"/>
+    <p:notesMasterId r:id="rId28"/>
   </p:notesMasterIdLst>
   <p:sldIdLst>
     <p:sldId id="256" r:id="rId2"/>
@@ -32,9 +32,8 @@
     <p:sldId id="272" r:id="rId23"/>
     <p:sldId id="273" r:id="rId24"/>
     <p:sldId id="274" r:id="rId25"/>
-    <p:sldId id="275" r:id="rId26"/>
-    <p:sldId id="277" r:id="rId27"/>
-    <p:sldId id="276" r:id="rId28"/>
+    <p:sldId id="277" r:id="rId26"/>
+    <p:sldId id="276" r:id="rId27"/>
   </p:sldIdLst>
   <p:sldSz cx="12192000" cy="6858000"/>
   <p:notesSz cx="6858000" cy="9144000"/>
@@ -2372,7 +2371,7 @@
           </a:ln>
           <a:extLst>
             <a:ext uri="{C572A759-6A51-4108-AA02-DFA0A04FC94B}">
-              <ma14:wrappingTextBoxFlag xmlns="" xmlns:m="http://schemas.openxmlformats.org/officeDocument/2006/math" xmlns:a14="http://schemas.microsoft.com/office/drawing/2010/main" xmlns:ma14="http://schemas.microsoft.com/office/mac/drawingml/2011/main" val="1"/>
+              <ma14:wrappingTextBoxFlag xmlns:ma14="http://schemas.microsoft.com/office/mac/drawingml/2011/main" xmlns:a14="http://schemas.microsoft.com/office/drawing/2010/main" xmlns:m="http://schemas.openxmlformats.org/officeDocument/2006/math" xmlns="" val="1"/>
             </a:ext>
           </a:extLst>
         </p:spPr>
@@ -2411,7 +2410,7 @@
           </a:ln>
           <a:extLst>
             <a:ext uri="{C572A759-6A51-4108-AA02-DFA0A04FC94B}">
-              <ma14:wrappingTextBoxFlag xmlns="" xmlns:m="http://schemas.openxmlformats.org/officeDocument/2006/math" xmlns:a14="http://schemas.microsoft.com/office/drawing/2010/main" xmlns:ma14="http://schemas.microsoft.com/office/mac/drawingml/2011/main" val="1"/>
+              <ma14:wrappingTextBoxFlag xmlns:ma14="http://schemas.microsoft.com/office/mac/drawingml/2011/main" xmlns:a14="http://schemas.microsoft.com/office/drawing/2010/main" xmlns:m="http://schemas.openxmlformats.org/officeDocument/2006/math" xmlns="" val="1"/>
             </a:ext>
           </a:extLst>
         </p:spPr>
@@ -3528,7 +3527,7 @@
         <p:spPr>
           <a:xfrm>
             <a:off x="135904" y="2413337"/>
-            <a:ext cx="2054087" cy="2031325"/>
+            <a:ext cx="2054087" cy="1754326"/>
           </a:xfrm>
           <a:prstGeom prst="rect">
             <a:avLst/>
@@ -3605,9 +3604,6 @@
               <a:rPr lang="es-ES" dirty="0"/>
               <a:t>Conclusiones</a:t>
             </a:r>
-          </a:p>
-          <a:p>
-            <a:endParaRPr lang="es-ES" dirty="0"/>
           </a:p>
         </p:txBody>
       </p:sp>
@@ -3755,7 +3751,7 @@
         <p:spPr>
           <a:xfrm>
             <a:off x="5564666" y="1483916"/>
-            <a:ext cx="5731121" cy="369332"/>
+            <a:ext cx="5602816" cy="369332"/>
           </a:xfrm>
           <a:prstGeom prst="rect">
             <a:avLst/>
@@ -3771,7 +3767,7 @@
               <a:rPr lang="es-ES" altLang="es-ES" dirty="0">
                 <a:latin typeface="Arial" panose="020B0604020202020204" pitchFamily="34" charset="0"/>
               </a:rPr>
-              <a:t>Listar Cliente: Buscador, DNI=65, Fecha Descendente</a:t>
+              <a:t>Listar Cliente: Buscador, DNI=65, Fecha Ascendente</a:t>
             </a:r>
             <a:endParaRPr lang="es-ES" dirty="0"/>
           </a:p>
@@ -3792,7 +3788,7 @@
         <p:spPr>
           <a:xfrm>
             <a:off x="135904" y="2413337"/>
-            <a:ext cx="2054087" cy="2031325"/>
+            <a:ext cx="2054087" cy="1754326"/>
           </a:xfrm>
           <a:prstGeom prst="rect">
             <a:avLst/>
@@ -3869,9 +3865,6 @@
               <a:rPr lang="es-ES" dirty="0"/>
               <a:t>Conclusiones</a:t>
             </a:r>
-          </a:p>
-          <a:p>
-            <a:endParaRPr lang="es-ES" dirty="0"/>
           </a:p>
         </p:txBody>
       </p:sp>
@@ -4026,7 +4019,7 @@
         <p:spPr>
           <a:xfrm>
             <a:off x="135904" y="2413337"/>
-            <a:ext cx="2054087" cy="2031325"/>
+            <a:ext cx="2054087" cy="1754326"/>
           </a:xfrm>
           <a:prstGeom prst="rect">
             <a:avLst/>
@@ -4103,9 +4096,6 @@
               <a:rPr lang="es-ES" dirty="0"/>
               <a:t>Conclusiones</a:t>
             </a:r>
-          </a:p>
-          <a:p>
-            <a:endParaRPr lang="es-ES" dirty="0"/>
           </a:p>
         </p:txBody>
       </p:sp>
@@ -4260,7 +4250,7 @@
         <p:spPr>
           <a:xfrm>
             <a:off x="135904" y="2413337"/>
-            <a:ext cx="2054087" cy="2031325"/>
+            <a:ext cx="2054087" cy="1754326"/>
           </a:xfrm>
           <a:prstGeom prst="rect">
             <a:avLst/>
@@ -4337,9 +4327,6 @@
               <a:rPr lang="es-ES" dirty="0"/>
               <a:t>Conclusiones</a:t>
             </a:r>
-          </a:p>
-          <a:p>
-            <a:endParaRPr lang="es-ES" dirty="0"/>
           </a:p>
         </p:txBody>
       </p:sp>
@@ -4462,7 +4449,7 @@
           </a:ln>
           <a:extLst>
             <a:ext uri="{C572A759-6A51-4108-AA02-DFA0A04FC94B}">
-              <ma14:wrappingTextBoxFlag xmlns="" xmlns:m="http://schemas.openxmlformats.org/officeDocument/2006/math" xmlns:a14="http://schemas.microsoft.com/office/drawing/2010/main" xmlns:ma14="http://schemas.microsoft.com/office/mac/drawingml/2011/main" val="1"/>
+              <ma14:wrappingTextBoxFlag xmlns:ma14="http://schemas.microsoft.com/office/mac/drawingml/2011/main" xmlns:a14="http://schemas.microsoft.com/office/drawing/2010/main" xmlns:m="http://schemas.openxmlformats.org/officeDocument/2006/math" xmlns="" val="1"/>
             </a:ext>
           </a:extLst>
         </p:spPr>
@@ -4537,7 +4524,7 @@
           </a:ln>
           <a:extLst>
             <a:ext uri="{C572A759-6A51-4108-AA02-DFA0A04FC94B}">
-              <ma14:wrappingTextBoxFlag xmlns="" xmlns:m="http://schemas.openxmlformats.org/officeDocument/2006/math" xmlns:a14="http://schemas.microsoft.com/office/drawing/2010/main" xmlns:ma14="http://schemas.microsoft.com/office/mac/drawingml/2011/main" val="1"/>
+              <ma14:wrappingTextBoxFlag xmlns:ma14="http://schemas.microsoft.com/office/mac/drawingml/2011/main" xmlns:a14="http://schemas.microsoft.com/office/drawing/2010/main" xmlns:m="http://schemas.openxmlformats.org/officeDocument/2006/math" xmlns="" val="1"/>
             </a:ext>
           </a:extLst>
         </p:spPr>
@@ -4745,7 +4732,7 @@
           </a:ln>
           <a:extLst>
             <a:ext uri="{C572A759-6A51-4108-AA02-DFA0A04FC94B}">
-              <ma14:wrappingTextBoxFlag xmlns="" xmlns:m="http://schemas.openxmlformats.org/officeDocument/2006/math" xmlns:a14="http://schemas.microsoft.com/office/drawing/2010/main" xmlns:ma14="http://schemas.microsoft.com/office/mac/drawingml/2011/main" val="1"/>
+              <ma14:wrappingTextBoxFlag xmlns:ma14="http://schemas.microsoft.com/office/mac/drawingml/2011/main" xmlns:a14="http://schemas.microsoft.com/office/drawing/2010/main" xmlns:m="http://schemas.openxmlformats.org/officeDocument/2006/math" xmlns="" val="1"/>
             </a:ext>
           </a:extLst>
         </p:spPr>
@@ -4891,7 +4878,7 @@
           </a:ln>
           <a:extLst>
             <a:ext uri="{C572A759-6A51-4108-AA02-DFA0A04FC94B}">
-              <ma14:wrappingTextBoxFlag xmlns="" xmlns:m="http://schemas.openxmlformats.org/officeDocument/2006/math" xmlns:a14="http://schemas.microsoft.com/office/drawing/2010/main" xmlns:ma14="http://schemas.microsoft.com/office/mac/drawingml/2011/main" val="1"/>
+              <ma14:wrappingTextBoxFlag xmlns:ma14="http://schemas.microsoft.com/office/mac/drawingml/2011/main" xmlns:a14="http://schemas.microsoft.com/office/drawing/2010/main" xmlns:m="http://schemas.openxmlformats.org/officeDocument/2006/math" xmlns="" val="1"/>
             </a:ext>
           </a:extLst>
         </p:spPr>
@@ -5072,7 +5059,7 @@
           </a:ln>
           <a:extLst>
             <a:ext uri="{C572A759-6A51-4108-AA02-DFA0A04FC94B}">
-              <ma14:wrappingTextBoxFlag xmlns="" xmlns:m="http://schemas.openxmlformats.org/officeDocument/2006/math" xmlns:a14="http://schemas.microsoft.com/office/drawing/2010/main" xmlns:ma14="http://schemas.microsoft.com/office/mac/drawingml/2011/main" val="1"/>
+              <ma14:wrappingTextBoxFlag xmlns:ma14="http://schemas.microsoft.com/office/mac/drawingml/2011/main" xmlns:a14="http://schemas.microsoft.com/office/drawing/2010/main" xmlns:m="http://schemas.openxmlformats.org/officeDocument/2006/math" xmlns="" val="1"/>
             </a:ext>
           </a:extLst>
         </p:spPr>
@@ -5253,7 +5240,7 @@
           </a:ln>
           <a:extLst>
             <a:ext uri="{C572A759-6A51-4108-AA02-DFA0A04FC94B}">
-              <ma14:wrappingTextBoxFlag xmlns="" xmlns:m="http://schemas.openxmlformats.org/officeDocument/2006/math" xmlns:a14="http://schemas.microsoft.com/office/drawing/2010/main" xmlns:ma14="http://schemas.microsoft.com/office/mac/drawingml/2011/main" val="1"/>
+              <ma14:wrappingTextBoxFlag xmlns:ma14="http://schemas.microsoft.com/office/mac/drawingml/2011/main" xmlns:a14="http://schemas.microsoft.com/office/drawing/2010/main" xmlns:m="http://schemas.openxmlformats.org/officeDocument/2006/math" xmlns="" val="1"/>
             </a:ext>
           </a:extLst>
         </p:spPr>
@@ -5424,7 +5411,7 @@
           </a:ln>
           <a:extLst>
             <a:ext uri="{C572A759-6A51-4108-AA02-DFA0A04FC94B}">
-              <ma14:wrappingTextBoxFlag xmlns="" xmlns:m="http://schemas.openxmlformats.org/officeDocument/2006/math" xmlns:a14="http://schemas.microsoft.com/office/drawing/2010/main" xmlns:ma14="http://schemas.microsoft.com/office/mac/drawingml/2011/main" val="1"/>
+              <ma14:wrappingTextBoxFlag xmlns:ma14="http://schemas.microsoft.com/office/mac/drawingml/2011/main" xmlns:a14="http://schemas.microsoft.com/office/drawing/2010/main" xmlns:m="http://schemas.openxmlformats.org/officeDocument/2006/math" xmlns="" val="1"/>
             </a:ext>
           </a:extLst>
         </p:spPr>
@@ -5699,7 +5686,7 @@
           </a:ln>
           <a:extLst>
             <a:ext uri="{C572A759-6A51-4108-AA02-DFA0A04FC94B}">
-              <ma14:wrappingTextBoxFlag xmlns="" xmlns:m="http://schemas.openxmlformats.org/officeDocument/2006/math" xmlns:a14="http://schemas.microsoft.com/office/drawing/2010/main" xmlns:ma14="http://schemas.microsoft.com/office/mac/drawingml/2011/main" val="1"/>
+              <ma14:wrappingTextBoxFlag xmlns:ma14="http://schemas.microsoft.com/office/mac/drawingml/2011/main" xmlns:a14="http://schemas.microsoft.com/office/drawing/2010/main" xmlns:m="http://schemas.openxmlformats.org/officeDocument/2006/math" xmlns="" val="1"/>
             </a:ext>
           </a:extLst>
         </p:spPr>
@@ -5871,7 +5858,7 @@
           </a:ln>
           <a:extLst>
             <a:ext uri="{C572A759-6A51-4108-AA02-DFA0A04FC94B}">
-              <ma14:wrappingTextBoxFlag xmlns="" xmlns:m="http://schemas.openxmlformats.org/officeDocument/2006/math" xmlns:a14="http://schemas.microsoft.com/office/drawing/2010/main" xmlns:ma14="http://schemas.microsoft.com/office/mac/drawingml/2011/main" val="1"/>
+              <ma14:wrappingTextBoxFlag xmlns:ma14="http://schemas.microsoft.com/office/mac/drawingml/2011/main" xmlns:a14="http://schemas.microsoft.com/office/drawing/2010/main" xmlns:m="http://schemas.openxmlformats.org/officeDocument/2006/math" xmlns="" val="1"/>
             </a:ext>
           </a:extLst>
         </p:spPr>
@@ -6080,7 +6067,7 @@
           </a:ln>
           <a:extLst>
             <a:ext uri="{C572A759-6A51-4108-AA02-DFA0A04FC94B}">
-              <ma14:wrappingTextBoxFlag xmlns="" xmlns:m="http://schemas.openxmlformats.org/officeDocument/2006/math" xmlns:a14="http://schemas.microsoft.com/office/drawing/2010/main" xmlns:ma14="http://schemas.microsoft.com/office/mac/drawingml/2011/main" val="1"/>
+              <ma14:wrappingTextBoxFlag xmlns:ma14="http://schemas.microsoft.com/office/mac/drawingml/2011/main" xmlns:a14="http://schemas.microsoft.com/office/drawing/2010/main" xmlns:m="http://schemas.openxmlformats.org/officeDocument/2006/math" xmlns="" val="1"/>
             </a:ext>
           </a:extLst>
         </p:spPr>
@@ -6165,7 +6152,7 @@
           </a:ln>
           <a:extLst>
             <a:ext uri="{C572A759-6A51-4108-AA02-DFA0A04FC94B}">
-              <ma14:wrappingTextBoxFlag xmlns="" xmlns:m="http://schemas.openxmlformats.org/officeDocument/2006/math" xmlns:a14="http://schemas.microsoft.com/office/drawing/2010/main" xmlns:ma14="http://schemas.microsoft.com/office/mac/drawingml/2011/main" val="1"/>
+              <ma14:wrappingTextBoxFlag xmlns:ma14="http://schemas.microsoft.com/office/mac/drawingml/2011/main" xmlns:a14="http://schemas.microsoft.com/office/drawing/2010/main" xmlns:m="http://schemas.openxmlformats.org/officeDocument/2006/math" xmlns="" val="1"/>
             </a:ext>
           </a:extLst>
         </p:spPr>
@@ -6305,7 +6292,7 @@
           </a:ln>
           <a:extLst>
             <a:ext uri="{C572A759-6A51-4108-AA02-DFA0A04FC94B}">
-              <ma14:wrappingTextBoxFlag xmlns="" xmlns:m="http://schemas.openxmlformats.org/officeDocument/2006/math" xmlns:a14="http://schemas.microsoft.com/office/drawing/2010/main" xmlns:ma14="http://schemas.microsoft.com/office/mac/drawingml/2011/main" val="1"/>
+              <ma14:wrappingTextBoxFlag xmlns:ma14="http://schemas.microsoft.com/office/mac/drawingml/2011/main" xmlns:a14="http://schemas.microsoft.com/office/drawing/2010/main" xmlns:m="http://schemas.openxmlformats.org/officeDocument/2006/math" xmlns="" val="1"/>
             </a:ext>
           </a:extLst>
         </p:spPr>
@@ -6390,7 +6377,7 @@
           </a:ln>
           <a:extLst>
             <a:ext uri="{C572A759-6A51-4108-AA02-DFA0A04FC94B}">
-              <ma14:wrappingTextBoxFlag xmlns="" xmlns:m="http://schemas.openxmlformats.org/officeDocument/2006/math" xmlns:a14="http://schemas.microsoft.com/office/drawing/2010/main" xmlns:ma14="http://schemas.microsoft.com/office/mac/drawingml/2011/main" val="1"/>
+              <ma14:wrappingTextBoxFlag xmlns:ma14="http://schemas.microsoft.com/office/mac/drawingml/2011/main" xmlns:a14="http://schemas.microsoft.com/office/drawing/2010/main" xmlns:m="http://schemas.openxmlformats.org/officeDocument/2006/math" xmlns="" val="1"/>
             </a:ext>
           </a:extLst>
         </p:spPr>
@@ -6522,7 +6509,7 @@
           </a:ln>
           <a:extLst>
             <a:ext uri="{C572A759-6A51-4108-AA02-DFA0A04FC94B}">
-              <ma14:wrappingTextBoxFlag xmlns="" xmlns:m="http://schemas.openxmlformats.org/officeDocument/2006/math" xmlns:a14="http://schemas.microsoft.com/office/drawing/2010/main" xmlns:ma14="http://schemas.microsoft.com/office/mac/drawingml/2011/main" val="1"/>
+              <ma14:wrappingTextBoxFlag xmlns:ma14="http://schemas.microsoft.com/office/mac/drawingml/2011/main" xmlns:a14="http://schemas.microsoft.com/office/drawing/2010/main" xmlns:m="http://schemas.openxmlformats.org/officeDocument/2006/math" xmlns="" val="1"/>
             </a:ext>
           </a:extLst>
         </p:spPr>
@@ -6666,233 +6653,6 @@
 </file>
 
 <file path=ppt/slides/slide25.xml><?xml version="1.0" encoding="utf-8"?>
-<p:sld xmlns:a="http://schemas.openxmlformats.org/drawingml/2006/main" xmlns:r="http://schemas.openxmlformats.org/officeDocument/2006/relationships" xmlns:p="http://schemas.openxmlformats.org/presentationml/2006/main">
-  <p:cSld>
-    <p:spTree>
-      <p:nvGrpSpPr>
-        <p:cNvPr id="1" name=""/>
-        <p:cNvGrpSpPr/>
-        <p:nvPr/>
-      </p:nvGrpSpPr>
-      <p:grpSpPr>
-        <a:xfrm>
-          <a:off x="0" y="0"/>
-          <a:ext cx="0" cy="0"/>
-          <a:chOff x="0" y="0"/>
-          <a:chExt cx="0" cy="0"/>
-        </a:xfrm>
-      </p:grpSpPr>
-      <p:sp>
-        <p:nvSpPr>
-          <p:cNvPr id="186" name="Título 1"/>
-          <p:cNvSpPr txBox="1">
-            <a:spLocks noGrp="1"/>
-          </p:cNvSpPr>
-          <p:nvPr>
-            <p:ph type="title"/>
-          </p:nvPr>
-        </p:nvSpPr>
-        <p:spPr>
-          <a:xfrm>
-            <a:off x="1024128" y="585216"/>
-            <a:ext cx="9720072" cy="1499617"/>
-          </a:xfrm>
-          <a:prstGeom prst="rect">
-            <a:avLst/>
-          </a:prstGeom>
-        </p:spPr>
-        <p:txBody>
-          <a:bodyPr/>
-          <a:lstStyle>
-            <a:lvl1pPr>
-              <a:defRPr sz="4400"/>
-            </a:lvl1pPr>
-          </a:lstStyle>
-          <a:p>
-            <a:r>
-              <a:t>Aspectos a resaltar:</a:t>
-            </a:r>
-          </a:p>
-        </p:txBody>
-      </p:sp>
-      <p:sp>
-        <p:nvSpPr>
-          <p:cNvPr id="187" name="Marcador de contenido 2"/>
-          <p:cNvSpPr txBox="1">
-            <a:spLocks noGrp="1"/>
-          </p:cNvSpPr>
-          <p:nvPr>
-            <p:ph type="body" idx="1"/>
-          </p:nvPr>
-        </p:nvSpPr>
-        <p:spPr>
-          <a:xfrm>
-            <a:off x="2189990" y="1853247"/>
-            <a:ext cx="8946543" cy="4195482"/>
-          </a:xfrm>
-          <a:prstGeom prst="rect">
-            <a:avLst/>
-          </a:prstGeom>
-        </p:spPr>
-        <p:txBody>
-          <a:bodyPr/>
-          <a:lstStyle/>
-          <a:p>
-            <a:r>
-              <a:t>Uso de session.</a:t>
-            </a:r>
-          </a:p>
-          <a:p>
-            <a:pPr marL="0" indent="0">
-              <a:buSzTx/>
-              <a:buNone/>
-            </a:pPr>
-            <a:endParaRPr/>
-          </a:p>
-          <a:p>
-            <a:r>
-              <a:t>Uso de trello.</a:t>
-            </a:r>
-          </a:p>
-          <a:p>
-            <a:endParaRPr/>
-          </a:p>
-          <a:p>
-            <a:r>
-              <a:t>Control de versiones:</a:t>
-            </a:r>
-          </a:p>
-          <a:p>
-            <a:pPr marL="265175" lvl="1" indent="-137160">
-              <a:spcBef>
-                <a:spcPts val="400"/>
-              </a:spcBef>
-              <a:buFontTx/>
-              <a:defRPr sz="1800"/>
-            </a:pPr>
-            <a:r>
-              <a:t>La tradicional: por comandos.</a:t>
-            </a:r>
-          </a:p>
-          <a:p>
-            <a:pPr marL="265175" lvl="1" indent="-137160">
-              <a:spcBef>
-                <a:spcPts val="400"/>
-              </a:spcBef>
-              <a:buFontTx/>
-              <a:defRPr sz="1800"/>
-            </a:pPr>
-            <a:r>
-              <a:t>La que nos ofrece VSC(Visual Studio Code).//Poner foto</a:t>
-            </a:r>
-          </a:p>
-          <a:p>
-            <a:endParaRPr sz="1800"/>
-          </a:p>
-          <a:p>
-            <a:r>
-              <a:t>Metodologías de organización.</a:t>
-            </a:r>
-          </a:p>
-        </p:txBody>
-      </p:sp>
-      <p:sp>
-        <p:nvSpPr>
-          <p:cNvPr id="188" name="CuadroTexto 4"/>
-          <p:cNvSpPr txBox="1"/>
-          <p:nvPr/>
-        </p:nvSpPr>
-        <p:spPr>
-          <a:xfrm>
-            <a:off x="135903" y="2413336"/>
-            <a:ext cx="2054089" cy="1790066"/>
-          </a:xfrm>
-          <a:prstGeom prst="rect">
-            <a:avLst/>
-          </a:prstGeom>
-          <a:ln>
-            <a:solidFill>
-              <a:srgbClr val="2E2B21"/>
-            </a:solidFill>
-          </a:ln>
-          <a:extLst>
-            <a:ext uri="{C572A759-6A51-4108-AA02-DFA0A04FC94B}">
-              <ma14:wrappingTextBoxFlag xmlns="" xmlns:m="http://schemas.openxmlformats.org/officeDocument/2006/math" xmlns:a14="http://schemas.microsoft.com/office/drawing/2010/main" xmlns:ma14="http://schemas.microsoft.com/office/mac/drawingml/2011/main" val="1"/>
-            </a:ext>
-          </a:extLst>
-        </p:spPr>
-        <p:txBody>
-          <a:bodyPr lIns="45719" rIns="45719">
-            <a:spAutoFit/>
-          </a:bodyPr>
-          <a:lstStyle/>
-          <a:p>
-            <a:pPr marL="285750" indent="-285750">
-              <a:buSzPct val="100000"/>
-              <a:buChar char="❑"/>
-            </a:pPr>
-            <a:r>
-              <a:t>Presentación</a:t>
-            </a:r>
-          </a:p>
-          <a:p>
-            <a:pPr marL="285750" indent="-285750">
-              <a:buSzPct val="100000"/>
-              <a:buChar char="❑"/>
-            </a:pPr>
-            <a:r>
-              <a:t>Objetivos</a:t>
-            </a:r>
-          </a:p>
-          <a:p>
-            <a:pPr marL="285750" indent="-285750">
-              <a:buSzPct val="100000"/>
-              <a:buChar char="❑"/>
-            </a:pPr>
-            <a:r>
-              <a:t>Funcionalidades</a:t>
-            </a:r>
-          </a:p>
-          <a:p>
-            <a:pPr marL="285750" indent="-285750">
-              <a:buSzPct val="100000"/>
-              <a:buChar char="❑"/>
-            </a:pPr>
-            <a:r>
-              <a:t>Demostración</a:t>
-            </a:r>
-          </a:p>
-          <a:p>
-            <a:pPr marL="285750" indent="-285750">
-              <a:buSzPct val="100000"/>
-              <a:buChar char="❑"/>
-              <a:defRPr b="1"/>
-            </a:pPr>
-            <a:r>
-              <a:t>Aspectos</a:t>
-            </a:r>
-          </a:p>
-          <a:p>
-            <a:pPr marL="285750" indent="-285750">
-              <a:buSzPct val="100000"/>
-              <a:buChar char="❑"/>
-            </a:pPr>
-            <a:r>
-              <a:t>Conclusiones</a:t>
-            </a:r>
-          </a:p>
-        </p:txBody>
-      </p:sp>
-    </p:spTree>
-  </p:cSld>
-  <p:clrMapOvr>
-    <a:masterClrMapping/>
-  </p:clrMapOvr>
-  <p:transition spd="med"/>
-</p:sld>
-</file>
-
-<file path=ppt/slides/slide26.xml><?xml version="1.0" encoding="utf-8"?>
 <p:sld xmlns:a="http://schemas.openxmlformats.org/drawingml/2006/main" xmlns:r="http://schemas.openxmlformats.org/officeDocument/2006/relationships" xmlns:p="http://schemas.openxmlformats.org/presentationml/2006/main">
   <p:cSld>
     <p:spTree>
@@ -6962,7 +6722,7 @@
         </p:spPr>
         <p:txBody>
           <a:bodyPr>
-            <a:normAutofit/>
+            <a:normAutofit fontScale="92500" lnSpcReduction="10000"/>
           </a:bodyPr>
           <a:lstStyle/>
           <a:p>
@@ -6980,6 +6740,23 @@
             </a:r>
           </a:p>
           <a:p>
+            <a:endParaRPr lang="es-ES" dirty="0"/>
+          </a:p>
+          <a:p>
+            <a:r>
+              <a:rPr lang="es-ES" dirty="0"/>
+              <a:t>Uso de </a:t>
+            </a:r>
+            <a:r>
+              <a:rPr lang="es-ES" dirty="0" err="1"/>
+              <a:t>ninjamock</a:t>
+            </a:r>
+            <a:r>
+              <a:rPr lang="es-ES" dirty="0"/>
+              <a:t>.</a:t>
+            </a:r>
+          </a:p>
+          <a:p>
             <a:pPr marL="0" indent="0">
               <a:buNone/>
             </a:pPr>
@@ -6988,18 +6765,25 @@
           <a:p>
             <a:r>
               <a:rPr lang="es-ES" dirty="0"/>
+              <a:t>Metodologías de organización:</a:t>
+            </a:r>
+          </a:p>
+          <a:p>
+            <a:pPr lvl="1"/>
+            <a:r>
+              <a:rPr lang="es-ES" dirty="0"/>
               <a:t>Uso de </a:t>
             </a:r>
             <a:r>
               <a:rPr lang="es-ES" dirty="0" err="1"/>
               <a:t>trello</a:t>
             </a:r>
-            <a:r>
-              <a:rPr lang="es-ES" dirty="0"/>
-              <a:t>.</a:t>
-            </a:r>
-          </a:p>
-          <a:p>
+            <a:endParaRPr lang="es-ES" dirty="0"/>
+          </a:p>
+          <a:p>
+            <a:pPr marL="0" indent="0">
+              <a:buNone/>
+            </a:pPr>
             <a:endParaRPr lang="es-ES" dirty="0"/>
           </a:p>
           <a:p>
@@ -7028,12 +6812,6 @@
             <a:r>
               <a:rPr lang="es-ES" dirty="0"/>
               <a:t>).</a:t>
-            </a:r>
-          </a:p>
-          <a:p>
-            <a:r>
-              <a:rPr lang="es-ES" dirty="0"/>
-              <a:t>Metodologías de organización.</a:t>
             </a:r>
           </a:p>
         </p:txBody>
@@ -7053,7 +6831,7 @@
         <p:spPr>
           <a:xfrm>
             <a:off x="135904" y="2413337"/>
-            <a:ext cx="2054087" cy="2031325"/>
+            <a:ext cx="2054087" cy="1754326"/>
           </a:xfrm>
           <a:prstGeom prst="rect">
             <a:avLst/>
@@ -7129,9 +6907,6 @@
               <a:rPr lang="es-ES" dirty="0"/>
               <a:t>Conclusiones</a:t>
             </a:r>
-          </a:p>
-          <a:p>
-            <a:endParaRPr lang="es-ES" dirty="0"/>
           </a:p>
         </p:txBody>
       </p:sp>
@@ -7157,8 +6932,38 @@
         </p:blipFill>
         <p:spPr>
           <a:xfrm>
-            <a:off x="8148221" y="2084832"/>
+            <a:off x="8148221" y="2577201"/>
             <a:ext cx="3907875" cy="4023709"/>
+          </a:xfrm>
+          <a:prstGeom prst="rect">
+            <a:avLst/>
+          </a:prstGeom>
+        </p:spPr>
+      </p:pic>
+      <p:pic>
+        <p:nvPicPr>
+          <p:cNvPr id="6" name="Imagen 5">
+            <a:extLst>
+              <a:ext uri="{FF2B5EF4-FFF2-40B4-BE49-F238E27FC236}">
+                <a16:creationId xmlns:a16="http://schemas.microsoft.com/office/drawing/2014/main" id="{1B559CD6-9550-471A-ACF9-B0ADCDDC181D}"/>
+              </a:ext>
+            </a:extLst>
+          </p:cNvPr>
+          <p:cNvPicPr>
+            <a:picLocks noChangeAspect="1"/>
+          </p:cNvPicPr>
+          <p:nvPr/>
+        </p:nvPicPr>
+        <p:blipFill>
+          <a:blip r:embed="rId3"/>
+          <a:stretch>
+            <a:fillRect/>
+          </a:stretch>
+        </p:blipFill>
+        <p:spPr>
+          <a:xfrm>
+            <a:off x="5286375" y="2587752"/>
+            <a:ext cx="1619250" cy="390525"/>
           </a:xfrm>
           <a:prstGeom prst="rect">
             <a:avLst/>
@@ -7179,7 +6984,7 @@
 </p:sld>
 </file>
 
-<file path=ppt/slides/slide27.xml><?xml version="1.0" encoding="utf-8"?>
+<file path=ppt/slides/slide26.xml><?xml version="1.0" encoding="utf-8"?>
 <p:sld xmlns:a="http://schemas.openxmlformats.org/drawingml/2006/main" xmlns:r="http://schemas.openxmlformats.org/officeDocument/2006/relationships" xmlns:p="http://schemas.openxmlformats.org/presentationml/2006/main">
   <p:cSld>
     <p:spTree>
@@ -7255,7 +7060,7 @@
           </a:ln>
           <a:extLst>
             <a:ext uri="{C572A759-6A51-4108-AA02-DFA0A04FC94B}">
-              <ma14:wrappingTextBoxFlag xmlns="" xmlns:m="http://schemas.openxmlformats.org/officeDocument/2006/math" xmlns:a14="http://schemas.microsoft.com/office/drawing/2010/main" xmlns:ma14="http://schemas.microsoft.com/office/mac/drawingml/2011/main" val="1"/>
+              <ma14:wrappingTextBoxFlag xmlns:ma14="http://schemas.microsoft.com/office/mac/drawingml/2011/main" xmlns:a14="http://schemas.microsoft.com/office/drawing/2010/main" xmlns:m="http://schemas.openxmlformats.org/officeDocument/2006/math" xmlns="" val="1"/>
             </a:ext>
           </a:extLst>
         </p:spPr>
@@ -7602,7 +7407,7 @@
           </a:ln>
           <a:extLst>
             <a:ext uri="{C572A759-6A51-4108-AA02-DFA0A04FC94B}">
-              <ma14:wrappingTextBoxFlag xmlns="" xmlns:m="http://schemas.openxmlformats.org/officeDocument/2006/math" xmlns:a14="http://schemas.microsoft.com/office/drawing/2010/main" xmlns:ma14="http://schemas.microsoft.com/office/mac/drawingml/2011/main" val="1"/>
+              <ma14:wrappingTextBoxFlag xmlns:ma14="http://schemas.microsoft.com/office/mac/drawingml/2011/main" xmlns:a14="http://schemas.microsoft.com/office/drawing/2010/main" xmlns:m="http://schemas.openxmlformats.org/officeDocument/2006/math" xmlns="" val="1"/>
             </a:ext>
           </a:extLst>
         </p:spPr>
@@ -7754,7 +7559,7 @@
           </a:ln>
           <a:extLst>
             <a:ext uri="{C572A759-6A51-4108-AA02-DFA0A04FC94B}">
-              <ma14:wrappingTextBoxFlag xmlns="" xmlns:m="http://schemas.openxmlformats.org/officeDocument/2006/math" xmlns:a14="http://schemas.microsoft.com/office/drawing/2010/main" xmlns:ma14="http://schemas.microsoft.com/office/mac/drawingml/2011/main" val="1"/>
+              <ma14:wrappingTextBoxFlag xmlns:ma14="http://schemas.microsoft.com/office/mac/drawingml/2011/main" xmlns:a14="http://schemas.microsoft.com/office/drawing/2010/main" xmlns:m="http://schemas.openxmlformats.org/officeDocument/2006/math" xmlns="" val="1"/>
             </a:ext>
           </a:extLst>
         </p:spPr>
@@ -8235,7 +8040,7 @@
           </a:ln>
           <a:extLst>
             <a:ext uri="{C572A759-6A51-4108-AA02-DFA0A04FC94B}">
-              <ma14:wrappingTextBoxFlag xmlns="" xmlns:m="http://schemas.openxmlformats.org/officeDocument/2006/math" xmlns:a14="http://schemas.microsoft.com/office/drawing/2010/main" xmlns:ma14="http://schemas.microsoft.com/office/mac/drawingml/2011/main" val="1"/>
+              <ma14:wrappingTextBoxFlag xmlns:ma14="http://schemas.microsoft.com/office/mac/drawingml/2011/main" xmlns:a14="http://schemas.microsoft.com/office/drawing/2010/main" xmlns:m="http://schemas.openxmlformats.org/officeDocument/2006/math" xmlns="" val="1"/>
             </a:ext>
           </a:extLst>
         </p:spPr>
@@ -8385,7 +8190,7 @@
           </a:ln>
           <a:extLst>
             <a:ext uri="{C572A759-6A51-4108-AA02-DFA0A04FC94B}">
-              <ma14:wrappingTextBoxFlag xmlns="" xmlns:m="http://schemas.openxmlformats.org/officeDocument/2006/math" xmlns:a14="http://schemas.microsoft.com/office/drawing/2010/main" xmlns:ma14="http://schemas.microsoft.com/office/mac/drawingml/2011/main" val="1"/>
+              <ma14:wrappingTextBoxFlag xmlns:ma14="http://schemas.microsoft.com/office/mac/drawingml/2011/main" xmlns:a14="http://schemas.microsoft.com/office/drawing/2010/main" xmlns:m="http://schemas.openxmlformats.org/officeDocument/2006/math" xmlns="" val="1"/>
             </a:ext>
           </a:extLst>
         </p:spPr>
@@ -8431,7 +8236,7 @@
           </a:ln>
           <a:extLst>
             <a:ext uri="{C572A759-6A51-4108-AA02-DFA0A04FC94B}">
-              <ma14:wrappingTextBoxFlag xmlns="" xmlns:m="http://schemas.openxmlformats.org/officeDocument/2006/math" xmlns:a14="http://schemas.microsoft.com/office/drawing/2010/main" xmlns:ma14="http://schemas.microsoft.com/office/mac/drawingml/2011/main" val="1"/>
+              <ma14:wrappingTextBoxFlag xmlns:ma14="http://schemas.microsoft.com/office/mac/drawingml/2011/main" xmlns:a14="http://schemas.microsoft.com/office/drawing/2010/main" xmlns:m="http://schemas.openxmlformats.org/officeDocument/2006/math" xmlns="" val="1"/>
             </a:ext>
           </a:extLst>
         </p:spPr>
@@ -8642,7 +8447,7 @@
         <p:spPr>
           <a:xfrm>
             <a:off x="135904" y="2413337"/>
-            <a:ext cx="2054087" cy="2031325"/>
+            <a:ext cx="2054087" cy="1754326"/>
           </a:xfrm>
           <a:prstGeom prst="rect">
             <a:avLst/>
@@ -8719,9 +8524,6 @@
               <a:rPr lang="es-ES" dirty="0"/>
               <a:t>Conclusiones</a:t>
             </a:r>
-          </a:p>
-          <a:p>
-            <a:endParaRPr lang="es-ES" dirty="0"/>
           </a:p>
         </p:txBody>
       </p:sp>
@@ -8875,7 +8677,7 @@
         <p:spPr>
           <a:xfrm>
             <a:off x="135904" y="2413337"/>
-            <a:ext cx="2054087" cy="2031325"/>
+            <a:ext cx="2054087" cy="1754326"/>
           </a:xfrm>
           <a:prstGeom prst="rect">
             <a:avLst/>
@@ -8952,9 +8754,6 @@
               <a:rPr lang="es-ES" dirty="0"/>
               <a:t>Conclusiones</a:t>
             </a:r>
-          </a:p>
-          <a:p>
-            <a:endParaRPr lang="es-ES" dirty="0"/>
           </a:p>
         </p:txBody>
       </p:sp>
@@ -9109,7 +8908,7 @@
         <p:spPr>
           <a:xfrm>
             <a:off x="135904" y="2413337"/>
-            <a:ext cx="2054087" cy="2031325"/>
+            <a:ext cx="2054087" cy="1754326"/>
           </a:xfrm>
           <a:prstGeom prst="rect">
             <a:avLst/>
@@ -9186,9 +8985,6 @@
               <a:rPr lang="es-ES" dirty="0"/>
               <a:t>Conclusiones</a:t>
             </a:r>
-          </a:p>
-          <a:p>
-            <a:endParaRPr lang="es-ES" dirty="0"/>
           </a:p>
         </p:txBody>
       </p:sp>

--- a/AIRDSS.pptx
+++ b/AIRDSS.pptx
@@ -5,35 +5,16 @@
     <p:sldMasterId id="2147483648" r:id="rId1"/>
   </p:sldMasterIdLst>
   <p:notesMasterIdLst>
-    <p:notesMasterId r:id="rId28"/>
+    <p:notesMasterId r:id="rId9"/>
   </p:notesMasterIdLst>
   <p:sldIdLst>
     <p:sldId id="256" r:id="rId2"/>
     <p:sldId id="257" r:id="rId3"/>
-    <p:sldId id="258" r:id="rId4"/>
-    <p:sldId id="259" r:id="rId5"/>
-    <p:sldId id="260" r:id="rId6"/>
-    <p:sldId id="261" r:id="rId7"/>
-    <p:sldId id="278" r:id="rId8"/>
-    <p:sldId id="279" r:id="rId9"/>
-    <p:sldId id="280" r:id="rId10"/>
-    <p:sldId id="281" r:id="rId11"/>
-    <p:sldId id="282" r:id="rId12"/>
-    <p:sldId id="283" r:id="rId13"/>
-    <p:sldId id="284" r:id="rId14"/>
-    <p:sldId id="264" r:id="rId15"/>
-    <p:sldId id="265" r:id="rId16"/>
-    <p:sldId id="266" r:id="rId17"/>
-    <p:sldId id="267" r:id="rId18"/>
-    <p:sldId id="268" r:id="rId19"/>
-    <p:sldId id="269" r:id="rId20"/>
-    <p:sldId id="270" r:id="rId21"/>
-    <p:sldId id="271" r:id="rId22"/>
-    <p:sldId id="272" r:id="rId23"/>
-    <p:sldId id="273" r:id="rId24"/>
-    <p:sldId id="274" r:id="rId25"/>
-    <p:sldId id="277" r:id="rId26"/>
-    <p:sldId id="276" r:id="rId27"/>
+    <p:sldId id="278" r:id="rId4"/>
+    <p:sldId id="260" r:id="rId5"/>
+    <p:sldId id="261" r:id="rId6"/>
+    <p:sldId id="277" r:id="rId7"/>
+    <p:sldId id="276" r:id="rId8"/>
   </p:sldIdLst>
   <p:sldSz cx="12192000" cy="6858000"/>
   <p:notesSz cx="6858000" cy="9144000"/>
@@ -2371,7 +2352,7 @@
           </a:ln>
           <a:extLst>
             <a:ext uri="{C572A759-6A51-4108-AA02-DFA0A04FC94B}">
-              <ma14:wrappingTextBoxFlag xmlns:ma14="http://schemas.microsoft.com/office/mac/drawingml/2011/main" xmlns:a14="http://schemas.microsoft.com/office/drawing/2010/main" xmlns:m="http://schemas.openxmlformats.org/officeDocument/2006/math" xmlns="" val="1"/>
+              <ma14:wrappingTextBoxFlag xmlns="" xmlns:m="http://schemas.openxmlformats.org/officeDocument/2006/math" xmlns:a14="http://schemas.microsoft.com/office/drawing/2010/main" xmlns:ma14="http://schemas.microsoft.com/office/mac/drawingml/2011/main" val="1"/>
             </a:ext>
           </a:extLst>
         </p:spPr>
@@ -2410,7 +2391,7 @@
           </a:ln>
           <a:extLst>
             <a:ext uri="{C572A759-6A51-4108-AA02-DFA0A04FC94B}">
-              <ma14:wrappingTextBoxFlag xmlns:ma14="http://schemas.microsoft.com/office/mac/drawingml/2011/main" xmlns:a14="http://schemas.microsoft.com/office/drawing/2010/main" xmlns:m="http://schemas.openxmlformats.org/officeDocument/2006/math" xmlns="" val="1"/>
+              <ma14:wrappingTextBoxFlag xmlns="" xmlns:m="http://schemas.openxmlformats.org/officeDocument/2006/math" xmlns:a14="http://schemas.microsoft.com/office/drawing/2010/main" xmlns:ma14="http://schemas.microsoft.com/office/mac/drawingml/2011/main" val="1"/>
             </a:ext>
           </a:extLst>
         </p:spPr>
@@ -3353,8 +3334,8 @@
         </p:nvSpPr>
         <p:spPr>
           <a:xfrm>
-            <a:off x="496600" y="5264937"/>
-            <a:ext cx="7666485" cy="1463041"/>
+            <a:off x="445249" y="5394959"/>
+            <a:ext cx="2551400" cy="1463041"/>
           </a:xfrm>
           <a:prstGeom prst="rect">
             <a:avLst/>
@@ -3364,17 +3345,19 @@
           <a:bodyPr/>
           <a:lstStyle/>
           <a:p>
-            <a:r>
+            <a:pPr algn="l"/>
+            <a:r>
+              <a:rPr dirty="0"/>
               <a:t>AIRDSS</a:t>
             </a:r>
             <a:r>
-              <a:rPr b="0"/>
+              <a:rPr b="0" dirty="0"/>
               <a:t> </a:t>
             </a:r>
             <a:br>
-              <a:rPr b="0"/>
+              <a:rPr b="0" dirty="0"/>
             </a:br>
-            <a:endParaRPr b="0"/>
+            <a:endParaRPr b="0" dirty="0"/>
           </a:p>
         </p:txBody>
       </p:sp>
@@ -3390,7 +3373,7 @@
         </p:nvSpPr>
         <p:spPr>
           <a:xfrm>
-            <a:off x="8610600" y="4960137"/>
+            <a:off x="3475893" y="5112536"/>
             <a:ext cx="3200400" cy="1463041"/>
           </a:xfrm>
           <a:prstGeom prst="rect">
@@ -3406,81 +3389,47 @@
           </a:lstStyle>
           <a:p>
             <a:r>
-              <a:t>Le damos vuelo a tus sueños</a:t>
-            </a:r>
-          </a:p>
-        </p:txBody>
-      </p:sp>
-    </p:spTree>
-  </p:cSld>
-  <p:clrMapOvr>
-    <a:masterClrMapping/>
-  </p:clrMapOvr>
-  <p:transition spd="med"/>
-</p:sld>
-</file>
-
-<file path=ppt/slides/slide10.xml><?xml version="1.0" encoding="utf-8"?>
-<p:sld xmlns:a="http://schemas.openxmlformats.org/drawingml/2006/main" xmlns:r="http://schemas.openxmlformats.org/officeDocument/2006/relationships" xmlns:p="http://schemas.openxmlformats.org/presentationml/2006/main">
-  <p:cSld>
-    <p:spTree>
-      <p:nvGrpSpPr>
-        <p:cNvPr id="1" name=""/>
-        <p:cNvGrpSpPr/>
-        <p:nvPr/>
-      </p:nvGrpSpPr>
-      <p:grpSpPr>
-        <a:xfrm>
-          <a:off x="0" y="0"/>
-          <a:ext cx="0" cy="0"/>
-          <a:chOff x="0" y="0"/>
-          <a:chExt cx="0" cy="0"/>
-        </a:xfrm>
-      </p:grpSpPr>
-      <p:sp>
-        <p:nvSpPr>
-          <p:cNvPr id="2" name="Título 1">
-            <a:extLst>
-              <a:ext uri="{FF2B5EF4-FFF2-40B4-BE49-F238E27FC236}">
-                <a16:creationId xmlns:a16="http://schemas.microsoft.com/office/drawing/2014/main" id="{8FF62F15-7BD9-422B-A2EC-E3956A7F47B1}"/>
-              </a:ext>
-            </a:extLst>
-          </p:cNvPr>
-          <p:cNvSpPr>
-            <a:spLocks noGrp="1"/>
-          </p:cNvSpPr>
-          <p:nvPr>
-            <p:ph type="title"/>
-          </p:nvPr>
-        </p:nvSpPr>
-        <p:spPr/>
-        <p:txBody>
-          <a:bodyPr>
-            <a:normAutofit fontScale="90000"/>
-          </a:bodyPr>
-          <a:lstStyle/>
-          <a:p>
-            <a:r>
-              <a:rPr lang="es-ES" altLang="es-ES" sz="4400" dirty="0">
-                <a:latin typeface="Arial" panose="020B0604020202020204" pitchFamily="34" charset="0"/>
-              </a:rPr>
-              <a:t>Demostración funcional del proyecto.</a:t>
-            </a:r>
-            <a:br>
-              <a:rPr lang="es-ES" altLang="es-ES" sz="4400" dirty="0">
-                <a:latin typeface="Arial" panose="020B0604020202020204" pitchFamily="34" charset="0"/>
-              </a:rPr>
-            </a:br>
-            <a:endParaRPr lang="es-ES" dirty="0"/>
+              <a:rPr dirty="0"/>
+              <a:t>Le </a:t>
+            </a:r>
+            <a:r>
+              <a:rPr dirty="0" err="1"/>
+              <a:t>damos</a:t>
+            </a:r>
+            <a:r>
+              <a:rPr dirty="0"/>
+              <a:t> </a:t>
+            </a:r>
+            <a:r>
+              <a:rPr dirty="0" err="1"/>
+              <a:t>vuelo</a:t>
+            </a:r>
+            <a:r>
+              <a:rPr dirty="0"/>
+              <a:t> a </a:t>
+            </a:r>
+            <a:r>
+              <a:rPr dirty="0" err="1"/>
+              <a:t>tus</a:t>
+            </a:r>
+            <a:r>
+              <a:rPr dirty="0"/>
+              <a:t> </a:t>
+            </a:r>
+            <a:r>
+              <a:rPr dirty="0" err="1"/>
+              <a:t>sueños</a:t>
+            </a:r>
+            <a:endParaRPr dirty="0"/>
           </a:p>
         </p:txBody>
       </p:sp>
       <p:sp>
         <p:nvSpPr>
-          <p:cNvPr id="5" name="Rectángulo 4">
+          <p:cNvPr id="2" name="Rectángulo 1">
             <a:extLst>
               <a:ext uri="{FF2B5EF4-FFF2-40B4-BE49-F238E27FC236}">
-                <a16:creationId xmlns:a16="http://schemas.microsoft.com/office/drawing/2014/main" id="{312FA200-B6E2-4364-88F2-EB6C379D3D77}"/>
+                <a16:creationId xmlns:a16="http://schemas.microsoft.com/office/drawing/2014/main" id="{FDE1A490-7DCA-4DD0-BF27-055A8A77ABC3}"/>
               </a:ext>
             </a:extLst>
           </p:cNvPr>
@@ -3489,2023 +3438,140 @@
         </p:nvSpPr>
         <p:spPr>
           <a:xfrm>
-            <a:off x="5564666" y="1483916"/>
-            <a:ext cx="6692922" cy="369332"/>
+            <a:off x="8431237" y="4759695"/>
+            <a:ext cx="3760763" cy="1815882"/>
           </a:xfrm>
           <a:prstGeom prst="rect">
             <a:avLst/>
           </a:prstGeom>
         </p:spPr>
         <p:txBody>
-          <a:bodyPr wrap="none">
+          <a:bodyPr wrap="square">
             <a:spAutoFit/>
           </a:bodyPr>
           <a:lstStyle/>
           <a:p>
-            <a:r>
-              <a:rPr lang="es-ES" altLang="es-ES" dirty="0">
-                <a:latin typeface="Arial" panose="020B0604020202020204" pitchFamily="34" charset="0"/>
-              </a:rPr>
-              <a:t>Listar Cliente: Buscador, DNI=65, Fecha Descendente. Eliminar</a:t>
-            </a:r>
-            <a:endParaRPr lang="es-ES" dirty="0"/>
+            <a:pPr>
+              <a:buFontTx/>
+              <a:buChar char="▪"/>
+            </a:pPr>
+            <a:r>
+              <a:rPr lang="es-ES" sz="1600" dirty="0"/>
+              <a:t>Abraham </a:t>
+            </a:r>
+            <a:r>
+              <a:rPr lang="es-ES" sz="1600" dirty="0" err="1"/>
+              <a:t>Jezael</a:t>
+            </a:r>
+            <a:r>
+              <a:rPr lang="es-ES" sz="1600" dirty="0"/>
+              <a:t> Pérez Ramos</a:t>
+            </a:r>
+          </a:p>
+          <a:p>
+            <a:pPr>
+              <a:buFontTx/>
+              <a:buChar char="▪"/>
+            </a:pPr>
+            <a:endParaRPr lang="es-ES" sz="1600" dirty="0"/>
+          </a:p>
+          <a:p>
+            <a:pPr>
+              <a:buFontTx/>
+              <a:buChar char="▪"/>
+            </a:pPr>
+            <a:r>
+              <a:rPr lang="es-ES" sz="1600" dirty="0"/>
+              <a:t>Alejandro </a:t>
+            </a:r>
+            <a:r>
+              <a:rPr lang="es-ES" sz="1600" dirty="0" err="1"/>
+              <a:t>Panagiotidis</a:t>
+            </a:r>
+            <a:r>
+              <a:rPr lang="es-ES" sz="1600" dirty="0"/>
+              <a:t> Arrizabalaga</a:t>
+            </a:r>
+          </a:p>
+          <a:p>
+            <a:endParaRPr lang="es-ES" sz="1600" dirty="0"/>
+          </a:p>
+          <a:p>
+            <a:pPr>
+              <a:buFontTx/>
+              <a:buChar char="▪"/>
+            </a:pPr>
+            <a:r>
+              <a:rPr lang="es-ES" sz="1600" dirty="0"/>
+              <a:t>Berta Murcia Morales</a:t>
+            </a:r>
+          </a:p>
+          <a:p>
+            <a:pPr>
+              <a:buFontTx/>
+              <a:buChar char="▪"/>
+            </a:pPr>
+            <a:endParaRPr lang="es-ES" sz="1600" dirty="0"/>
+          </a:p>
+          <a:p>
+            <a:pPr>
+              <a:buFontTx/>
+              <a:buChar char="▪"/>
+            </a:pPr>
+            <a:r>
+              <a:rPr lang="es-ES" sz="1600" dirty="0"/>
+              <a:t>Daniel </a:t>
+            </a:r>
+            <a:r>
+              <a:rPr lang="es-ES" sz="1600" dirty="0" err="1"/>
+              <a:t>Allhoff</a:t>
+            </a:r>
+            <a:r>
+              <a:rPr lang="es-ES" sz="1600" dirty="0"/>
+              <a:t> Finn</a:t>
+            </a:r>
           </a:p>
         </p:txBody>
       </p:sp>
-      <p:sp>
-        <p:nvSpPr>
-          <p:cNvPr id="6" name="CuadroTexto 5">
+      <p:cxnSp>
+        <p:nvCxnSpPr>
+          <p:cNvPr id="4" name="Conector recto 3">
             <a:extLst>
               <a:ext uri="{FF2B5EF4-FFF2-40B4-BE49-F238E27FC236}">
-                <a16:creationId xmlns:a16="http://schemas.microsoft.com/office/drawing/2014/main" id="{AABA6C94-33E3-43D6-9A79-403F3A3D4888}"/>
+                <a16:creationId xmlns:a16="http://schemas.microsoft.com/office/drawing/2014/main" id="{1F058AF1-E755-40C8-A18F-DF5F9949622A}"/>
               </a:ext>
             </a:extLst>
           </p:cNvPr>
-          <p:cNvSpPr txBox="1"/>
+          <p:cNvCxnSpPr>
+            <a:cxnSpLocks/>
+          </p:cNvCxnSpPr>
           <p:nvPr/>
-        </p:nvSpPr>
+        </p:nvCxnSpPr>
         <p:spPr>
           <a:xfrm>
-            <a:off x="135904" y="2413337"/>
-            <a:ext cx="2054087" cy="1754326"/>
+            <a:off x="2729132" y="5259179"/>
+            <a:ext cx="0" cy="1043147"/>
           </a:xfrm>
-          <a:prstGeom prst="rect">
+          <a:prstGeom prst="line">
             <a:avLst/>
           </a:prstGeom>
-          <a:noFill/>
-          <a:ln>
-            <a:solidFill>
-              <a:schemeClr val="tx1"/>
-            </a:solidFill>
-          </a:ln>
+          <a:ln/>
         </p:spPr>
-        <p:txBody>
-          <a:bodyPr wrap="square" rtlCol="0">
-            <a:spAutoFit/>
-          </a:bodyPr>
-          <a:lstStyle/>
-          <a:p>
-            <a:pPr marL="285750" indent="-285750">
-              <a:buFont typeface="Wingdings" panose="05000000000000000000" pitchFamily="2" charset="2"/>
-              <a:buChar char="q"/>
-            </a:pPr>
-            <a:r>
-              <a:rPr lang="es-ES" dirty="0"/>
-              <a:t>Presentación</a:t>
-            </a:r>
-          </a:p>
-          <a:p>
-            <a:pPr marL="285750" indent="-285750">
-              <a:buFont typeface="Wingdings" panose="05000000000000000000" pitchFamily="2" charset="2"/>
-              <a:buChar char="q"/>
-            </a:pPr>
-            <a:r>
-              <a:rPr lang="es-ES" dirty="0"/>
-              <a:t>Objetivos</a:t>
-            </a:r>
-          </a:p>
-          <a:p>
-            <a:pPr marL="285750" indent="-285750">
-              <a:buFont typeface="Wingdings" panose="05000000000000000000" pitchFamily="2" charset="2"/>
-              <a:buChar char="q"/>
-            </a:pPr>
-            <a:r>
-              <a:rPr lang="es-ES" dirty="0"/>
-              <a:t>Funcionalidades</a:t>
-            </a:r>
-          </a:p>
-          <a:p>
-            <a:pPr marL="285750" indent="-285750">
-              <a:buFont typeface="Wingdings" panose="05000000000000000000" pitchFamily="2" charset="2"/>
-              <a:buChar char="q"/>
-            </a:pPr>
-            <a:r>
-              <a:rPr lang="es-ES" b="1" dirty="0"/>
-              <a:t>Demostración</a:t>
-            </a:r>
-            <a:endParaRPr lang="es-ES" dirty="0"/>
-          </a:p>
-          <a:p>
-            <a:pPr marL="285750" indent="-285750">
-              <a:buFont typeface="Wingdings" panose="05000000000000000000" pitchFamily="2" charset="2"/>
-              <a:buChar char="q"/>
-            </a:pPr>
-            <a:r>
-              <a:rPr lang="es-ES" dirty="0"/>
-              <a:t>Aspectos</a:t>
-            </a:r>
-          </a:p>
-          <a:p>
-            <a:pPr marL="285750" indent="-285750">
-              <a:buFont typeface="Wingdings" panose="05000000000000000000" pitchFamily="2" charset="2"/>
-              <a:buChar char="q"/>
-            </a:pPr>
-            <a:r>
-              <a:rPr lang="es-ES" dirty="0"/>
-              <a:t>Conclusiones</a:t>
-            </a:r>
-          </a:p>
-        </p:txBody>
-      </p:sp>
-      <p:pic>
-        <p:nvPicPr>
-          <p:cNvPr id="7" name="Imagen 6">
-            <a:extLst>
-              <a:ext uri="{FF2B5EF4-FFF2-40B4-BE49-F238E27FC236}">
-                <a16:creationId xmlns:a16="http://schemas.microsoft.com/office/drawing/2014/main" id="{D8060873-B2DB-4CAE-A833-B03F7DAF6200}"/>
-              </a:ext>
-            </a:extLst>
-          </p:cNvPr>
-          <p:cNvPicPr>
-            <a:picLocks noChangeAspect="1"/>
-          </p:cNvPicPr>
-          <p:nvPr/>
-        </p:nvPicPr>
-        <p:blipFill>
-          <a:blip r:embed="rId2"/>
-          <a:stretch>
-            <a:fillRect/>
-          </a:stretch>
-        </p:blipFill>
-        <p:spPr>
-          <a:xfrm>
-            <a:off x="2961239" y="1853248"/>
-            <a:ext cx="8734425" cy="3295650"/>
-          </a:xfrm>
-          <a:prstGeom prst="rect">
-            <a:avLst/>
-          </a:prstGeom>
-        </p:spPr>
-      </p:pic>
-      <p:pic>
-        <p:nvPicPr>
-          <p:cNvPr id="10" name="Imagen 9">
-            <a:extLst>
-              <a:ext uri="{FF2B5EF4-FFF2-40B4-BE49-F238E27FC236}">
-                <a16:creationId xmlns:a16="http://schemas.microsoft.com/office/drawing/2014/main" id="{1837B190-2CE1-4D17-8D06-DA697B042E46}"/>
-              </a:ext>
-            </a:extLst>
-          </p:cNvPr>
-          <p:cNvPicPr>
-            <a:picLocks noChangeAspect="1"/>
-          </p:cNvPicPr>
-          <p:nvPr/>
-        </p:nvPicPr>
-        <p:blipFill>
-          <a:blip r:embed="rId3"/>
-          <a:stretch>
-            <a:fillRect/>
-          </a:stretch>
-        </p:blipFill>
-        <p:spPr>
-          <a:xfrm>
-            <a:off x="3220277" y="5220485"/>
-            <a:ext cx="8216348" cy="1123886"/>
-          </a:xfrm>
-          <a:prstGeom prst="rect">
-            <a:avLst/>
-          </a:prstGeom>
-        </p:spPr>
-      </p:pic>
-    </p:spTree>
-    <p:extLst>
-      <p:ext uri="{BB962C8B-B14F-4D97-AF65-F5344CB8AC3E}">
-        <p14:creationId xmlns:p14="http://schemas.microsoft.com/office/powerpoint/2010/main" val="3310340125"/>
-      </p:ext>
-    </p:extLst>
-  </p:cSld>
-  <p:clrMapOvr>
-    <a:masterClrMapping/>
-  </p:clrMapOvr>
-  <p:transition spd="med"/>
-</p:sld>
-</file>
-
-<file path=ppt/slides/slide11.xml><?xml version="1.0" encoding="utf-8"?>
-<p:sld xmlns:a="http://schemas.openxmlformats.org/drawingml/2006/main" xmlns:r="http://schemas.openxmlformats.org/officeDocument/2006/relationships" xmlns:p="http://schemas.openxmlformats.org/presentationml/2006/main">
-  <p:cSld>
-    <p:spTree>
-      <p:nvGrpSpPr>
-        <p:cNvPr id="1" name=""/>
-        <p:cNvGrpSpPr/>
-        <p:nvPr/>
-      </p:nvGrpSpPr>
-      <p:grpSpPr>
-        <a:xfrm>
-          <a:off x="0" y="0"/>
-          <a:ext cx="0" cy="0"/>
-          <a:chOff x="0" y="0"/>
-          <a:chExt cx="0" cy="0"/>
-        </a:xfrm>
-      </p:grpSpPr>
-      <p:sp>
-        <p:nvSpPr>
-          <p:cNvPr id="2" name="Título 1">
-            <a:extLst>
-              <a:ext uri="{FF2B5EF4-FFF2-40B4-BE49-F238E27FC236}">
-                <a16:creationId xmlns:a16="http://schemas.microsoft.com/office/drawing/2014/main" id="{8FF62F15-7BD9-422B-A2EC-E3956A7F47B1}"/>
-              </a:ext>
-            </a:extLst>
-          </p:cNvPr>
-          <p:cNvSpPr>
-            <a:spLocks noGrp="1"/>
-          </p:cNvSpPr>
-          <p:nvPr>
-            <p:ph type="title"/>
-          </p:nvPr>
-        </p:nvSpPr>
-        <p:spPr/>
-        <p:txBody>
-          <a:bodyPr>
-            <a:normAutofit fontScale="90000"/>
-          </a:bodyPr>
-          <a:lstStyle/>
-          <a:p>
-            <a:r>
-              <a:rPr lang="es-ES" altLang="es-ES" sz="4400" dirty="0">
-                <a:latin typeface="Arial" panose="020B0604020202020204" pitchFamily="34" charset="0"/>
-              </a:rPr>
-              <a:t>Demostración funcional del proyecto.</a:t>
-            </a:r>
-            <a:br>
-              <a:rPr lang="es-ES" altLang="es-ES" sz="4400" dirty="0">
-                <a:latin typeface="Arial" panose="020B0604020202020204" pitchFamily="34" charset="0"/>
-              </a:rPr>
-            </a:br>
-            <a:endParaRPr lang="es-ES" dirty="0"/>
-          </a:p>
-        </p:txBody>
-      </p:sp>
-      <p:sp>
-        <p:nvSpPr>
-          <p:cNvPr id="5" name="Rectángulo 4">
-            <a:extLst>
-              <a:ext uri="{FF2B5EF4-FFF2-40B4-BE49-F238E27FC236}">
-                <a16:creationId xmlns:a16="http://schemas.microsoft.com/office/drawing/2014/main" id="{312FA200-B6E2-4364-88F2-EB6C379D3D77}"/>
-              </a:ext>
-            </a:extLst>
-          </p:cNvPr>
-          <p:cNvSpPr/>
-          <p:nvPr/>
-        </p:nvSpPr>
-        <p:spPr>
-          <a:xfrm>
-            <a:off x="5564666" y="1483916"/>
-            <a:ext cx="5602816" cy="369332"/>
-          </a:xfrm>
-          <a:prstGeom prst="rect">
-            <a:avLst/>
-          </a:prstGeom>
-        </p:spPr>
-        <p:txBody>
-          <a:bodyPr wrap="none">
-            <a:spAutoFit/>
-          </a:bodyPr>
-          <a:lstStyle/>
-          <a:p>
-            <a:r>
-              <a:rPr lang="es-ES" altLang="es-ES" dirty="0">
-                <a:latin typeface="Arial" panose="020B0604020202020204" pitchFamily="34" charset="0"/>
-              </a:rPr>
-              <a:t>Listar Cliente: Buscador, DNI=65, Fecha Ascendente</a:t>
-            </a:r>
-            <a:endParaRPr lang="es-ES" dirty="0"/>
-          </a:p>
-        </p:txBody>
-      </p:sp>
-      <p:sp>
-        <p:nvSpPr>
-          <p:cNvPr id="6" name="CuadroTexto 5">
-            <a:extLst>
-              <a:ext uri="{FF2B5EF4-FFF2-40B4-BE49-F238E27FC236}">
-                <a16:creationId xmlns:a16="http://schemas.microsoft.com/office/drawing/2014/main" id="{AABA6C94-33E3-43D6-9A79-403F3A3D4888}"/>
-              </a:ext>
-            </a:extLst>
-          </p:cNvPr>
-          <p:cNvSpPr txBox="1"/>
-          <p:nvPr/>
-        </p:nvSpPr>
-        <p:spPr>
-          <a:xfrm>
-            <a:off x="135904" y="2413337"/>
-            <a:ext cx="2054087" cy="1754326"/>
-          </a:xfrm>
-          <a:prstGeom prst="rect">
-            <a:avLst/>
-          </a:prstGeom>
-          <a:noFill/>
-          <a:ln>
-            <a:solidFill>
-              <a:schemeClr val="tx1"/>
-            </a:solidFill>
-          </a:ln>
-        </p:spPr>
-        <p:txBody>
-          <a:bodyPr wrap="square" rtlCol="0">
-            <a:spAutoFit/>
-          </a:bodyPr>
-          <a:lstStyle/>
-          <a:p>
-            <a:pPr marL="285750" indent="-285750">
-              <a:buFont typeface="Wingdings" panose="05000000000000000000" pitchFamily="2" charset="2"/>
-              <a:buChar char="q"/>
-            </a:pPr>
-            <a:r>
-              <a:rPr lang="es-ES" dirty="0"/>
-              <a:t>Presentación</a:t>
-            </a:r>
-          </a:p>
-          <a:p>
-            <a:pPr marL="285750" indent="-285750">
-              <a:buFont typeface="Wingdings" panose="05000000000000000000" pitchFamily="2" charset="2"/>
-              <a:buChar char="q"/>
-            </a:pPr>
-            <a:r>
-              <a:rPr lang="es-ES" dirty="0"/>
-              <a:t>Objetivos</a:t>
-            </a:r>
-          </a:p>
-          <a:p>
-            <a:pPr marL="285750" indent="-285750">
-              <a:buFont typeface="Wingdings" panose="05000000000000000000" pitchFamily="2" charset="2"/>
-              <a:buChar char="q"/>
-            </a:pPr>
-            <a:r>
-              <a:rPr lang="es-ES" dirty="0"/>
-              <a:t>Funcionalidades</a:t>
-            </a:r>
-          </a:p>
-          <a:p>
-            <a:pPr marL="285750" indent="-285750">
-              <a:buFont typeface="Wingdings" panose="05000000000000000000" pitchFamily="2" charset="2"/>
-              <a:buChar char="q"/>
-            </a:pPr>
-            <a:r>
-              <a:rPr lang="es-ES" b="1" dirty="0"/>
-              <a:t>Demostración</a:t>
-            </a:r>
-            <a:endParaRPr lang="es-ES" dirty="0"/>
-          </a:p>
-          <a:p>
-            <a:pPr marL="285750" indent="-285750">
-              <a:buFont typeface="Wingdings" panose="05000000000000000000" pitchFamily="2" charset="2"/>
-              <a:buChar char="q"/>
-            </a:pPr>
-            <a:r>
-              <a:rPr lang="es-ES" dirty="0"/>
-              <a:t>Aspectos</a:t>
-            </a:r>
-          </a:p>
-          <a:p>
-            <a:pPr marL="285750" indent="-285750">
-              <a:buFont typeface="Wingdings" panose="05000000000000000000" pitchFamily="2" charset="2"/>
-              <a:buChar char="q"/>
-            </a:pPr>
-            <a:r>
-              <a:rPr lang="es-ES" dirty="0"/>
-              <a:t>Conclusiones</a:t>
-            </a:r>
-          </a:p>
-        </p:txBody>
-      </p:sp>
-      <p:pic>
-        <p:nvPicPr>
-          <p:cNvPr id="4" name="Imagen 3">
-            <a:extLst>
-              <a:ext uri="{FF2B5EF4-FFF2-40B4-BE49-F238E27FC236}">
-                <a16:creationId xmlns:a16="http://schemas.microsoft.com/office/drawing/2014/main" id="{DB463CD2-F730-42C3-8E08-1DC27402456D}"/>
-              </a:ext>
-            </a:extLst>
-          </p:cNvPr>
-          <p:cNvPicPr>
-            <a:picLocks noChangeAspect="1"/>
-          </p:cNvPicPr>
-          <p:nvPr/>
-        </p:nvPicPr>
-        <p:blipFill>
-          <a:blip r:embed="rId2"/>
-          <a:stretch>
-            <a:fillRect/>
-          </a:stretch>
-        </p:blipFill>
-        <p:spPr>
-          <a:xfrm>
-            <a:off x="2823955" y="2249556"/>
-            <a:ext cx="8743950" cy="3657600"/>
-          </a:xfrm>
-          <a:prstGeom prst="rect">
-            <a:avLst/>
-          </a:prstGeom>
-        </p:spPr>
-      </p:pic>
-    </p:spTree>
-    <p:extLst>
-      <p:ext uri="{BB962C8B-B14F-4D97-AF65-F5344CB8AC3E}">
-        <p14:creationId xmlns:p14="http://schemas.microsoft.com/office/powerpoint/2010/main" val="4281170398"/>
-      </p:ext>
-    </p:extLst>
-  </p:cSld>
-  <p:clrMapOvr>
-    <a:masterClrMapping/>
-  </p:clrMapOvr>
-  <p:transition spd="med"/>
-</p:sld>
-</file>
-
-<file path=ppt/slides/slide12.xml><?xml version="1.0" encoding="utf-8"?>
-<p:sld xmlns:a="http://schemas.openxmlformats.org/drawingml/2006/main" xmlns:r="http://schemas.openxmlformats.org/officeDocument/2006/relationships" xmlns:p="http://schemas.openxmlformats.org/presentationml/2006/main">
-  <p:cSld>
-    <p:spTree>
-      <p:nvGrpSpPr>
-        <p:cNvPr id="1" name=""/>
-        <p:cNvGrpSpPr/>
-        <p:nvPr/>
-      </p:nvGrpSpPr>
-      <p:grpSpPr>
-        <a:xfrm>
-          <a:off x="0" y="0"/>
-          <a:ext cx="0" cy="0"/>
-          <a:chOff x="0" y="0"/>
-          <a:chExt cx="0" cy="0"/>
-        </a:xfrm>
-      </p:grpSpPr>
-      <p:sp>
-        <p:nvSpPr>
-          <p:cNvPr id="2" name="Título 1">
-            <a:extLst>
-              <a:ext uri="{FF2B5EF4-FFF2-40B4-BE49-F238E27FC236}">
-                <a16:creationId xmlns:a16="http://schemas.microsoft.com/office/drawing/2014/main" id="{8FF62F15-7BD9-422B-A2EC-E3956A7F47B1}"/>
-              </a:ext>
-            </a:extLst>
-          </p:cNvPr>
-          <p:cNvSpPr>
-            <a:spLocks noGrp="1"/>
-          </p:cNvSpPr>
-          <p:nvPr>
-            <p:ph type="title"/>
-          </p:nvPr>
-        </p:nvSpPr>
-        <p:spPr/>
-        <p:txBody>
-          <a:bodyPr>
-            <a:normAutofit fontScale="90000"/>
-          </a:bodyPr>
-          <a:lstStyle/>
-          <a:p>
-            <a:r>
-              <a:rPr lang="es-ES" altLang="es-ES" sz="4400" dirty="0">
-                <a:latin typeface="Arial" panose="020B0604020202020204" pitchFamily="34" charset="0"/>
-              </a:rPr>
-              <a:t>Demostración funcional del proyecto.</a:t>
-            </a:r>
-            <a:br>
-              <a:rPr lang="es-ES" altLang="es-ES" sz="4400" dirty="0">
-                <a:latin typeface="Arial" panose="020B0604020202020204" pitchFamily="34" charset="0"/>
-              </a:rPr>
-            </a:br>
-            <a:endParaRPr lang="es-ES" dirty="0"/>
-          </a:p>
-        </p:txBody>
-      </p:sp>
-      <p:sp>
-        <p:nvSpPr>
-          <p:cNvPr id="5" name="Rectángulo 4">
-            <a:extLst>
-              <a:ext uri="{FF2B5EF4-FFF2-40B4-BE49-F238E27FC236}">
-                <a16:creationId xmlns:a16="http://schemas.microsoft.com/office/drawing/2014/main" id="{312FA200-B6E2-4364-88F2-EB6C379D3D77}"/>
-              </a:ext>
-            </a:extLst>
-          </p:cNvPr>
-          <p:cNvSpPr/>
-          <p:nvPr/>
-        </p:nvSpPr>
-        <p:spPr>
-          <a:xfrm>
-            <a:off x="5564666" y="1483916"/>
-            <a:ext cx="2723823" cy="369332"/>
-          </a:xfrm>
-          <a:prstGeom prst="rect">
-            <a:avLst/>
-          </a:prstGeom>
-        </p:spPr>
-        <p:txBody>
-          <a:bodyPr wrap="none">
-            <a:spAutoFit/>
-          </a:bodyPr>
-          <a:lstStyle/>
-          <a:p>
-            <a:r>
-              <a:rPr lang="es-ES" altLang="es-ES" dirty="0">
-                <a:latin typeface="Arial" panose="020B0604020202020204" pitchFamily="34" charset="0"/>
-              </a:rPr>
-              <a:t>Crear y Modificar Cliente</a:t>
-            </a:r>
-            <a:endParaRPr lang="es-ES" dirty="0"/>
-          </a:p>
-        </p:txBody>
-      </p:sp>
-      <p:sp>
-        <p:nvSpPr>
-          <p:cNvPr id="6" name="CuadroTexto 5">
-            <a:extLst>
-              <a:ext uri="{FF2B5EF4-FFF2-40B4-BE49-F238E27FC236}">
-                <a16:creationId xmlns:a16="http://schemas.microsoft.com/office/drawing/2014/main" id="{7E93C880-2314-44D5-93BF-99221BD2874E}"/>
-              </a:ext>
-            </a:extLst>
-          </p:cNvPr>
-          <p:cNvSpPr txBox="1"/>
-          <p:nvPr/>
-        </p:nvSpPr>
-        <p:spPr>
-          <a:xfrm>
-            <a:off x="135904" y="2413337"/>
-            <a:ext cx="2054087" cy="1754326"/>
-          </a:xfrm>
-          <a:prstGeom prst="rect">
-            <a:avLst/>
-          </a:prstGeom>
-          <a:noFill/>
-          <a:ln>
-            <a:solidFill>
-              <a:schemeClr val="tx1"/>
-            </a:solidFill>
-          </a:ln>
-        </p:spPr>
-        <p:txBody>
-          <a:bodyPr wrap="square" rtlCol="0">
-            <a:spAutoFit/>
-          </a:bodyPr>
-          <a:lstStyle/>
-          <a:p>
-            <a:pPr marL="285750" indent="-285750">
-              <a:buFont typeface="Wingdings" panose="05000000000000000000" pitchFamily="2" charset="2"/>
-              <a:buChar char="q"/>
-            </a:pPr>
-            <a:r>
-              <a:rPr lang="es-ES" dirty="0"/>
-              <a:t>Presentación</a:t>
-            </a:r>
-          </a:p>
-          <a:p>
-            <a:pPr marL="285750" indent="-285750">
-              <a:buFont typeface="Wingdings" panose="05000000000000000000" pitchFamily="2" charset="2"/>
-              <a:buChar char="q"/>
-            </a:pPr>
-            <a:r>
-              <a:rPr lang="es-ES" dirty="0"/>
-              <a:t>Objetivos</a:t>
-            </a:r>
-          </a:p>
-          <a:p>
-            <a:pPr marL="285750" indent="-285750">
-              <a:buFont typeface="Wingdings" panose="05000000000000000000" pitchFamily="2" charset="2"/>
-              <a:buChar char="q"/>
-            </a:pPr>
-            <a:r>
-              <a:rPr lang="es-ES" dirty="0"/>
-              <a:t>Funcionalidades</a:t>
-            </a:r>
-          </a:p>
-          <a:p>
-            <a:pPr marL="285750" indent="-285750">
-              <a:buFont typeface="Wingdings" panose="05000000000000000000" pitchFamily="2" charset="2"/>
-              <a:buChar char="q"/>
-            </a:pPr>
-            <a:r>
-              <a:rPr lang="es-ES" b="1" dirty="0"/>
-              <a:t>Demostración</a:t>
-            </a:r>
-            <a:endParaRPr lang="es-ES" dirty="0"/>
-          </a:p>
-          <a:p>
-            <a:pPr marL="285750" indent="-285750">
-              <a:buFont typeface="Wingdings" panose="05000000000000000000" pitchFamily="2" charset="2"/>
-              <a:buChar char="q"/>
-            </a:pPr>
-            <a:r>
-              <a:rPr lang="es-ES" dirty="0"/>
-              <a:t>Aspectos</a:t>
-            </a:r>
-          </a:p>
-          <a:p>
-            <a:pPr marL="285750" indent="-285750">
-              <a:buFont typeface="Wingdings" panose="05000000000000000000" pitchFamily="2" charset="2"/>
-              <a:buChar char="q"/>
-            </a:pPr>
-            <a:r>
-              <a:rPr lang="es-ES" dirty="0"/>
-              <a:t>Conclusiones</a:t>
-            </a:r>
-          </a:p>
-        </p:txBody>
-      </p:sp>
-      <p:pic>
-        <p:nvPicPr>
-          <p:cNvPr id="7" name="Imagen 6">
-            <a:extLst>
-              <a:ext uri="{FF2B5EF4-FFF2-40B4-BE49-F238E27FC236}">
-                <a16:creationId xmlns:a16="http://schemas.microsoft.com/office/drawing/2014/main" id="{09FFCC4B-3B01-4C08-A09B-3DE6622108E0}"/>
-              </a:ext>
-            </a:extLst>
-          </p:cNvPr>
-          <p:cNvPicPr>
-            <a:picLocks noChangeAspect="1"/>
-          </p:cNvPicPr>
-          <p:nvPr/>
-        </p:nvPicPr>
-        <p:blipFill>
-          <a:blip r:embed="rId2"/>
-          <a:stretch>
-            <a:fillRect/>
-          </a:stretch>
-        </p:blipFill>
-        <p:spPr>
-          <a:xfrm>
-            <a:off x="2564127" y="2295317"/>
-            <a:ext cx="8724900" cy="3857625"/>
-          </a:xfrm>
-          <a:prstGeom prst="rect">
-            <a:avLst/>
-          </a:prstGeom>
-        </p:spPr>
-      </p:pic>
-    </p:spTree>
-    <p:extLst>
-      <p:ext uri="{BB962C8B-B14F-4D97-AF65-F5344CB8AC3E}">
-        <p14:creationId xmlns:p14="http://schemas.microsoft.com/office/powerpoint/2010/main" val="154651855"/>
-      </p:ext>
-    </p:extLst>
-  </p:cSld>
-  <p:clrMapOvr>
-    <a:masterClrMapping/>
-  </p:clrMapOvr>
-  <p:transition spd="med"/>
-</p:sld>
-</file>
-
-<file path=ppt/slides/slide13.xml><?xml version="1.0" encoding="utf-8"?>
-<p:sld xmlns:a="http://schemas.openxmlformats.org/drawingml/2006/main" xmlns:r="http://schemas.openxmlformats.org/officeDocument/2006/relationships" xmlns:p="http://schemas.openxmlformats.org/presentationml/2006/main">
-  <p:cSld>
-    <p:spTree>
-      <p:nvGrpSpPr>
-        <p:cNvPr id="1" name=""/>
-        <p:cNvGrpSpPr/>
-        <p:nvPr/>
-      </p:nvGrpSpPr>
-      <p:grpSpPr>
-        <a:xfrm>
-          <a:off x="0" y="0"/>
-          <a:ext cx="0" cy="0"/>
-          <a:chOff x="0" y="0"/>
-          <a:chExt cx="0" cy="0"/>
-        </a:xfrm>
-      </p:grpSpPr>
-      <p:sp>
-        <p:nvSpPr>
-          <p:cNvPr id="2" name="Título 1">
-            <a:extLst>
-              <a:ext uri="{FF2B5EF4-FFF2-40B4-BE49-F238E27FC236}">
-                <a16:creationId xmlns:a16="http://schemas.microsoft.com/office/drawing/2014/main" id="{8FF62F15-7BD9-422B-A2EC-E3956A7F47B1}"/>
-              </a:ext>
-            </a:extLst>
-          </p:cNvPr>
-          <p:cNvSpPr>
-            <a:spLocks noGrp="1"/>
-          </p:cNvSpPr>
-          <p:nvPr>
-            <p:ph type="title"/>
-          </p:nvPr>
-        </p:nvSpPr>
-        <p:spPr/>
-        <p:txBody>
-          <a:bodyPr>
-            <a:normAutofit fontScale="90000"/>
-          </a:bodyPr>
-          <a:lstStyle/>
-          <a:p>
-            <a:r>
-              <a:rPr lang="es-ES" altLang="es-ES" sz="4400" dirty="0">
-                <a:latin typeface="Arial" panose="020B0604020202020204" pitchFamily="34" charset="0"/>
-              </a:rPr>
-              <a:t>Demostración funcional del proyecto.</a:t>
-            </a:r>
-            <a:br>
-              <a:rPr lang="es-ES" altLang="es-ES" sz="4400" dirty="0">
-                <a:latin typeface="Arial" panose="020B0604020202020204" pitchFamily="34" charset="0"/>
-              </a:rPr>
-            </a:br>
-            <a:endParaRPr lang="es-ES" dirty="0"/>
-          </a:p>
-        </p:txBody>
-      </p:sp>
-      <p:sp>
-        <p:nvSpPr>
-          <p:cNvPr id="5" name="Rectángulo 4">
-            <a:extLst>
-              <a:ext uri="{FF2B5EF4-FFF2-40B4-BE49-F238E27FC236}">
-                <a16:creationId xmlns:a16="http://schemas.microsoft.com/office/drawing/2014/main" id="{312FA200-B6E2-4364-88F2-EB6C379D3D77}"/>
-              </a:ext>
-            </a:extLst>
-          </p:cNvPr>
-          <p:cNvSpPr/>
-          <p:nvPr/>
-        </p:nvSpPr>
-        <p:spPr>
-          <a:xfrm>
-            <a:off x="5564666" y="1483916"/>
-            <a:ext cx="3899337" cy="369332"/>
-          </a:xfrm>
-          <a:prstGeom prst="rect">
-            <a:avLst/>
-          </a:prstGeom>
-        </p:spPr>
-        <p:txBody>
-          <a:bodyPr wrap="none">
-            <a:spAutoFit/>
-          </a:bodyPr>
-          <a:lstStyle/>
-          <a:p>
-            <a:r>
-              <a:rPr lang="es-ES" altLang="es-ES" dirty="0">
-                <a:latin typeface="Arial" panose="020B0604020202020204" pitchFamily="34" charset="0"/>
-              </a:rPr>
-              <a:t>Crear y Modificar Cliente: Validación</a:t>
-            </a:r>
-            <a:endParaRPr lang="es-ES" dirty="0"/>
-          </a:p>
-        </p:txBody>
-      </p:sp>
-      <p:sp>
-        <p:nvSpPr>
-          <p:cNvPr id="6" name="CuadroTexto 5">
-            <a:extLst>
-              <a:ext uri="{FF2B5EF4-FFF2-40B4-BE49-F238E27FC236}">
-                <a16:creationId xmlns:a16="http://schemas.microsoft.com/office/drawing/2014/main" id="{7E93C880-2314-44D5-93BF-99221BD2874E}"/>
-              </a:ext>
-            </a:extLst>
-          </p:cNvPr>
-          <p:cNvSpPr txBox="1"/>
-          <p:nvPr/>
-        </p:nvSpPr>
-        <p:spPr>
-          <a:xfrm>
-            <a:off x="135904" y="2413337"/>
-            <a:ext cx="2054087" cy="1754326"/>
-          </a:xfrm>
-          <a:prstGeom prst="rect">
-            <a:avLst/>
-          </a:prstGeom>
-          <a:noFill/>
-          <a:ln>
-            <a:solidFill>
-              <a:schemeClr val="tx1"/>
-            </a:solidFill>
-          </a:ln>
-        </p:spPr>
-        <p:txBody>
-          <a:bodyPr wrap="square" rtlCol="0">
-            <a:spAutoFit/>
-          </a:bodyPr>
-          <a:lstStyle/>
-          <a:p>
-            <a:pPr marL="285750" indent="-285750">
-              <a:buFont typeface="Wingdings" panose="05000000000000000000" pitchFamily="2" charset="2"/>
-              <a:buChar char="q"/>
-            </a:pPr>
-            <a:r>
-              <a:rPr lang="es-ES" dirty="0"/>
-              <a:t>Presentación</a:t>
-            </a:r>
-          </a:p>
-          <a:p>
-            <a:pPr marL="285750" indent="-285750">
-              <a:buFont typeface="Wingdings" panose="05000000000000000000" pitchFamily="2" charset="2"/>
-              <a:buChar char="q"/>
-            </a:pPr>
-            <a:r>
-              <a:rPr lang="es-ES" dirty="0"/>
-              <a:t>Objetivos</a:t>
-            </a:r>
-          </a:p>
-          <a:p>
-            <a:pPr marL="285750" indent="-285750">
-              <a:buFont typeface="Wingdings" panose="05000000000000000000" pitchFamily="2" charset="2"/>
-              <a:buChar char="q"/>
-            </a:pPr>
-            <a:r>
-              <a:rPr lang="es-ES" dirty="0"/>
-              <a:t>Funcionalidades</a:t>
-            </a:r>
-          </a:p>
-          <a:p>
-            <a:pPr marL="285750" indent="-285750">
-              <a:buFont typeface="Wingdings" panose="05000000000000000000" pitchFamily="2" charset="2"/>
-              <a:buChar char="q"/>
-            </a:pPr>
-            <a:r>
-              <a:rPr lang="es-ES" b="1" dirty="0"/>
-              <a:t>Demostración</a:t>
-            </a:r>
-            <a:endParaRPr lang="es-ES" dirty="0"/>
-          </a:p>
-          <a:p>
-            <a:pPr marL="285750" indent="-285750">
-              <a:buFont typeface="Wingdings" panose="05000000000000000000" pitchFamily="2" charset="2"/>
-              <a:buChar char="q"/>
-            </a:pPr>
-            <a:r>
-              <a:rPr lang="es-ES" dirty="0"/>
-              <a:t>Aspectos</a:t>
-            </a:r>
-          </a:p>
-          <a:p>
-            <a:pPr marL="285750" indent="-285750">
-              <a:buFont typeface="Wingdings" panose="05000000000000000000" pitchFamily="2" charset="2"/>
-              <a:buChar char="q"/>
-            </a:pPr>
-            <a:r>
-              <a:rPr lang="es-ES" dirty="0"/>
-              <a:t>Conclusiones</a:t>
-            </a:r>
-          </a:p>
-        </p:txBody>
-      </p:sp>
-      <p:pic>
-        <p:nvPicPr>
-          <p:cNvPr id="4" name="Imagen 3">
-            <a:extLst>
-              <a:ext uri="{FF2B5EF4-FFF2-40B4-BE49-F238E27FC236}">
-                <a16:creationId xmlns:a16="http://schemas.microsoft.com/office/drawing/2014/main" id="{3D20370A-579B-46D4-933B-4E4530F7B0C4}"/>
-              </a:ext>
-            </a:extLst>
-          </p:cNvPr>
-          <p:cNvPicPr>
-            <a:picLocks noChangeAspect="1"/>
-          </p:cNvPicPr>
-          <p:nvPr/>
-        </p:nvPicPr>
-        <p:blipFill>
-          <a:blip r:embed="rId2"/>
-          <a:stretch>
-            <a:fillRect/>
-          </a:stretch>
-        </p:blipFill>
-        <p:spPr>
-          <a:xfrm>
-            <a:off x="2830374" y="1853248"/>
-            <a:ext cx="8810625" cy="4724400"/>
-          </a:xfrm>
-          <a:prstGeom prst="rect">
-            <a:avLst/>
-          </a:prstGeom>
-        </p:spPr>
-      </p:pic>
-    </p:spTree>
-    <p:extLst>
-      <p:ext uri="{BB962C8B-B14F-4D97-AF65-F5344CB8AC3E}">
-        <p14:creationId xmlns:p14="http://schemas.microsoft.com/office/powerpoint/2010/main" val="1966341265"/>
-      </p:ext>
-    </p:extLst>
-  </p:cSld>
-  <p:clrMapOvr>
-    <a:masterClrMapping/>
-  </p:clrMapOvr>
-  <p:transition spd="med"/>
-</p:sld>
-</file>
-
-<file path=ppt/slides/slide14.xml><?xml version="1.0" encoding="utf-8"?>
-<p:sld xmlns:a="http://schemas.openxmlformats.org/drawingml/2006/main" xmlns:r="http://schemas.openxmlformats.org/officeDocument/2006/relationships" xmlns:p="http://schemas.openxmlformats.org/presentationml/2006/main">
-  <p:cSld>
-    <p:spTree>
-      <p:nvGrpSpPr>
-        <p:cNvPr id="1" name=""/>
-        <p:cNvGrpSpPr/>
-        <p:nvPr/>
-      </p:nvGrpSpPr>
-      <p:grpSpPr>
-        <a:xfrm>
-          <a:off x="0" y="0"/>
-          <a:ext cx="0" cy="0"/>
-          <a:chOff x="0" y="0"/>
-          <a:chExt cx="0" cy="0"/>
-        </a:xfrm>
-      </p:grpSpPr>
-      <p:sp>
-        <p:nvSpPr>
-          <p:cNvPr id="137" name="Título 1"/>
-          <p:cNvSpPr txBox="1">
-            <a:spLocks noGrp="1"/>
-          </p:cNvSpPr>
-          <p:nvPr>
-            <p:ph type="title"/>
-          </p:nvPr>
-        </p:nvSpPr>
-        <p:spPr>
-          <a:xfrm>
-            <a:off x="1024128" y="585216"/>
-            <a:ext cx="9720072" cy="1499617"/>
-          </a:xfrm>
-          <a:prstGeom prst="rect">
-            <a:avLst/>
-          </a:prstGeom>
-        </p:spPr>
-        <p:txBody>
-          <a:bodyPr/>
-          <a:lstStyle/>
-          <a:p>
-            <a:pPr defTabSz="886968">
-              <a:defRPr sz="3783" spc="97">
-                <a:latin typeface="Arial"/>
-                <a:ea typeface="Arial"/>
-                <a:cs typeface="Arial"/>
-                <a:sym typeface="Arial"/>
-              </a:defRPr>
-            </a:pPr>
-            <a:r>
-              <a:t>Demostración funcional del proyecto.</a:t>
-            </a:r>
-            <a:br/>
-            <a:endParaRPr/>
-          </a:p>
-        </p:txBody>
-      </p:sp>
-      <p:sp>
-        <p:nvSpPr>
-          <p:cNvPr id="138" name="Rectángulo 4"/>
-          <p:cNvSpPr txBox="1"/>
-          <p:nvPr/>
-        </p:nvSpPr>
-        <p:spPr>
-          <a:xfrm>
-            <a:off x="5564666" y="1483916"/>
-            <a:ext cx="794629" cy="350662"/>
-          </a:xfrm>
-          <a:prstGeom prst="rect">
-            <a:avLst/>
-          </a:prstGeom>
-          <a:ln w="12700">
-            <a:miter lim="400000"/>
-          </a:ln>
-          <a:extLst>
-            <a:ext uri="{C572A759-6A51-4108-AA02-DFA0A04FC94B}">
-              <ma14:wrappingTextBoxFlag xmlns:ma14="http://schemas.microsoft.com/office/mac/drawingml/2011/main" xmlns:a14="http://schemas.microsoft.com/office/drawing/2010/main" xmlns:m="http://schemas.openxmlformats.org/officeDocument/2006/math" xmlns="" val="1"/>
-            </a:ext>
-          </a:extLst>
-        </p:spPr>
-        <p:txBody>
-          <a:bodyPr wrap="none" lIns="45719" rIns="45719">
-            <a:spAutoFit/>
-          </a:bodyPr>
-          <a:lstStyle>
-            <a:lvl1pPr>
-              <a:defRPr>
-                <a:latin typeface="Arial"/>
-                <a:ea typeface="Arial"/>
-                <a:cs typeface="Arial"/>
-                <a:sym typeface="Arial"/>
-              </a:defRPr>
-            </a:lvl1pPr>
-          </a:lstStyle>
-          <a:p>
-            <a:r>
-              <a:t>Vuelos</a:t>
-            </a:r>
-          </a:p>
-        </p:txBody>
-      </p:sp>
-      <p:pic>
-        <p:nvPicPr>
-          <p:cNvPr id="139" name="Marcador de contenido 4" descr="Marcador de contenido 4"/>
-          <p:cNvPicPr>
-            <a:picLocks noChangeAspect="1"/>
-          </p:cNvPicPr>
-          <p:nvPr/>
-        </p:nvPicPr>
-        <p:blipFill>
-          <a:blip r:embed="rId2">
-            <a:extLst/>
-          </a:blip>
-          <a:stretch>
-            <a:fillRect/>
-          </a:stretch>
-        </p:blipFill>
-        <p:spPr>
-          <a:xfrm>
-            <a:off x="2189990" y="1973404"/>
-            <a:ext cx="8936102" cy="3512996"/>
-          </a:xfrm>
-          <a:prstGeom prst="rect">
-            <a:avLst/>
-          </a:prstGeom>
-          <a:ln w="12700">
-            <a:miter lim="400000"/>
-          </a:ln>
-        </p:spPr>
-      </p:pic>
-      <p:sp>
-        <p:nvSpPr>
-          <p:cNvPr id="140" name="CuadroTexto 8"/>
-          <p:cNvSpPr txBox="1"/>
-          <p:nvPr/>
-        </p:nvSpPr>
-        <p:spPr>
-          <a:xfrm>
-            <a:off x="135903" y="2413336"/>
-            <a:ext cx="2054089" cy="1790066"/>
-          </a:xfrm>
-          <a:prstGeom prst="rect">
-            <a:avLst/>
-          </a:prstGeom>
-          <a:ln>
-            <a:solidFill>
-              <a:srgbClr val="2E2B21"/>
-            </a:solidFill>
-          </a:ln>
-          <a:extLst>
-            <a:ext uri="{C572A759-6A51-4108-AA02-DFA0A04FC94B}">
-              <ma14:wrappingTextBoxFlag xmlns:ma14="http://schemas.microsoft.com/office/mac/drawingml/2011/main" xmlns:a14="http://schemas.microsoft.com/office/drawing/2010/main" xmlns:m="http://schemas.openxmlformats.org/officeDocument/2006/math" xmlns="" val="1"/>
-            </a:ext>
-          </a:extLst>
-        </p:spPr>
-        <p:txBody>
-          <a:bodyPr lIns="45719" rIns="45719">
-            <a:spAutoFit/>
-          </a:bodyPr>
-          <a:lstStyle/>
-          <a:p>
-            <a:pPr marL="285750" indent="-285750">
-              <a:buSzPct val="100000"/>
-              <a:buChar char="❑"/>
-            </a:pPr>
-            <a:r>
-              <a:t>Presentación</a:t>
-            </a:r>
-          </a:p>
-          <a:p>
-            <a:pPr marL="285750" indent="-285750">
-              <a:buSzPct val="100000"/>
-              <a:buChar char="❑"/>
-            </a:pPr>
-            <a:r>
-              <a:t>Objetivos</a:t>
-            </a:r>
-          </a:p>
-          <a:p>
-            <a:pPr marL="285750" indent="-285750">
-              <a:buSzPct val="100000"/>
-              <a:buChar char="❑"/>
-            </a:pPr>
-            <a:r>
-              <a:t>Funcionalidades</a:t>
-            </a:r>
-          </a:p>
-          <a:p>
-            <a:pPr marL="285750" indent="-285750">
-              <a:buSzPct val="100000"/>
-              <a:buChar char="❑"/>
-              <a:defRPr b="1"/>
-            </a:pPr>
-            <a:r>
-              <a:t>Demostración</a:t>
-            </a:r>
-          </a:p>
-          <a:p>
-            <a:pPr marL="285750" indent="-285750">
-              <a:buSzPct val="100000"/>
-              <a:buChar char="❑"/>
-            </a:pPr>
-            <a:r>
-              <a:t>Aspectos</a:t>
-            </a:r>
-          </a:p>
-          <a:p>
-            <a:pPr marL="285750" indent="-285750">
-              <a:buSzPct val="100000"/>
-              <a:buChar char="❑"/>
-            </a:pPr>
-            <a:r>
-              <a:t>Conclusiones</a:t>
-            </a:r>
-          </a:p>
-        </p:txBody>
-      </p:sp>
-    </p:spTree>
-  </p:cSld>
-  <p:clrMapOvr>
-    <a:masterClrMapping/>
-  </p:clrMapOvr>
-  <p:transition spd="med"/>
-</p:sld>
-</file>
-
-<file path=ppt/slides/slide15.xml><?xml version="1.0" encoding="utf-8"?>
-<p:sld xmlns:a="http://schemas.openxmlformats.org/drawingml/2006/main" xmlns:r="http://schemas.openxmlformats.org/officeDocument/2006/relationships" xmlns:p="http://schemas.openxmlformats.org/presentationml/2006/main">
-  <p:cSld>
-    <p:spTree>
-      <p:nvGrpSpPr>
-        <p:cNvPr id="1" name=""/>
-        <p:cNvGrpSpPr/>
-        <p:nvPr/>
-      </p:nvGrpSpPr>
-      <p:grpSpPr>
-        <a:xfrm>
-          <a:off x="0" y="0"/>
-          <a:ext cx="0" cy="0"/>
-          <a:chOff x="0" y="0"/>
-          <a:chExt cx="0" cy="0"/>
-        </a:xfrm>
-      </p:grpSpPr>
-      <p:sp>
-        <p:nvSpPr>
-          <p:cNvPr id="142" name="Título 1"/>
-          <p:cNvSpPr txBox="1">
-            <a:spLocks noGrp="1"/>
-          </p:cNvSpPr>
-          <p:nvPr>
-            <p:ph type="title"/>
-          </p:nvPr>
-        </p:nvSpPr>
-        <p:spPr>
-          <a:xfrm>
-            <a:off x="1024128" y="585216"/>
-            <a:ext cx="9720072" cy="1499617"/>
-          </a:xfrm>
-          <a:prstGeom prst="rect">
-            <a:avLst/>
-          </a:prstGeom>
-        </p:spPr>
-        <p:txBody>
-          <a:bodyPr/>
-          <a:lstStyle/>
-          <a:p>
-            <a:pPr defTabSz="886968">
-              <a:defRPr sz="3783" spc="97">
-                <a:latin typeface="Arial"/>
-                <a:ea typeface="Arial"/>
-                <a:cs typeface="Arial"/>
-                <a:sym typeface="Arial"/>
-              </a:defRPr>
-            </a:pPr>
-            <a:r>
-              <a:rPr dirty="0" err="1"/>
-              <a:t>Demostración</a:t>
-            </a:r>
-            <a:r>
-              <a:rPr dirty="0"/>
-              <a:t> </a:t>
-            </a:r>
-            <a:r>
-              <a:rPr dirty="0" err="1"/>
-              <a:t>funcional</a:t>
-            </a:r>
-            <a:r>
-              <a:rPr dirty="0"/>
-              <a:t> del </a:t>
-            </a:r>
-            <a:r>
-              <a:rPr dirty="0" err="1"/>
-              <a:t>proyecto</a:t>
-            </a:r>
-            <a:r>
-              <a:rPr dirty="0"/>
-              <a:t>.</a:t>
-            </a:r>
-            <a:br>
-              <a:rPr dirty="0"/>
-            </a:br>
-            <a:endParaRPr dirty="0"/>
-          </a:p>
-        </p:txBody>
-      </p:sp>
-      <p:pic>
-        <p:nvPicPr>
-          <p:cNvPr id="144" name="Marcador de contenido 4"/>
-          <p:cNvPicPr>
-            <a:picLocks noChangeAspect="1"/>
-          </p:cNvPicPr>
-          <p:nvPr/>
-        </p:nvPicPr>
-        <p:blipFill>
-          <a:blip r:embed="rId2">
-            <a:extLst>
-              <a:ext uri="{28A0092B-C50C-407E-A947-70E740481C1C}">
-                <a14:useLocalDpi xmlns:a14="http://schemas.microsoft.com/office/drawing/2010/main" val="0"/>
-              </a:ext>
-            </a:extLst>
-          </a:blip>
-          <a:stretch>
-            <a:fillRect/>
-          </a:stretch>
-        </p:blipFill>
-        <p:spPr>
-          <a:xfrm>
-            <a:off x="2753621" y="1913597"/>
-            <a:ext cx="7110543" cy="2859571"/>
-          </a:xfrm>
-          <a:prstGeom prst="rect">
-            <a:avLst/>
-          </a:prstGeom>
-          <a:ln w="12700">
-            <a:miter lim="400000"/>
-          </a:ln>
-        </p:spPr>
-      </p:pic>
-      <p:sp>
-        <p:nvSpPr>
-          <p:cNvPr id="145" name="CuadroTexto 7"/>
-          <p:cNvSpPr txBox="1"/>
-          <p:nvPr/>
-        </p:nvSpPr>
-        <p:spPr>
-          <a:xfrm>
-            <a:off x="135903" y="2413336"/>
-            <a:ext cx="2054089" cy="1790066"/>
-          </a:xfrm>
-          <a:prstGeom prst="rect">
-            <a:avLst/>
-          </a:prstGeom>
-          <a:ln>
-            <a:solidFill>
-              <a:srgbClr val="2E2B21"/>
-            </a:solidFill>
-          </a:ln>
-          <a:extLst>
-            <a:ext uri="{C572A759-6A51-4108-AA02-DFA0A04FC94B}">
-              <ma14:wrappingTextBoxFlag xmlns:ma14="http://schemas.microsoft.com/office/mac/drawingml/2011/main" xmlns:a14="http://schemas.microsoft.com/office/drawing/2010/main" xmlns:m="http://schemas.openxmlformats.org/officeDocument/2006/math" xmlns="" val="1"/>
-            </a:ext>
-          </a:extLst>
-        </p:spPr>
-        <p:txBody>
-          <a:bodyPr lIns="45719" rIns="45719">
-            <a:spAutoFit/>
-          </a:bodyPr>
-          <a:lstStyle/>
-          <a:p>
-            <a:pPr marL="285750" indent="-285750">
-              <a:buSzPct val="100000"/>
-              <a:buChar char="❑"/>
-            </a:pPr>
-            <a:r>
-              <a:t>Presentación</a:t>
-            </a:r>
-          </a:p>
-          <a:p>
-            <a:pPr marL="285750" indent="-285750">
-              <a:buSzPct val="100000"/>
-              <a:buChar char="❑"/>
-            </a:pPr>
-            <a:r>
-              <a:t>Objetivos</a:t>
-            </a:r>
-          </a:p>
-          <a:p>
-            <a:pPr marL="285750" indent="-285750">
-              <a:buSzPct val="100000"/>
-              <a:buChar char="❑"/>
-            </a:pPr>
-            <a:r>
-              <a:t>Funcionalidades</a:t>
-            </a:r>
-          </a:p>
-          <a:p>
-            <a:pPr marL="285750" indent="-285750">
-              <a:buSzPct val="100000"/>
-              <a:buChar char="❑"/>
-              <a:defRPr b="1"/>
-            </a:pPr>
-            <a:r>
-              <a:t>Demostración</a:t>
-            </a:r>
-          </a:p>
-          <a:p>
-            <a:pPr marL="285750" indent="-285750">
-              <a:buSzPct val="100000"/>
-              <a:buChar char="❑"/>
-            </a:pPr>
-            <a:r>
-              <a:t>Aspectos</a:t>
-            </a:r>
-          </a:p>
-          <a:p>
-            <a:pPr marL="285750" indent="-285750">
-              <a:buSzPct val="100000"/>
-              <a:buChar char="❑"/>
-            </a:pPr>
-            <a:r>
-              <a:t>Conclusiones</a:t>
-            </a:r>
-          </a:p>
-        </p:txBody>
-      </p:sp>
-    </p:spTree>
-  </p:cSld>
-  <p:clrMapOvr>
-    <a:masterClrMapping/>
-  </p:clrMapOvr>
-  <p:transition spd="med"/>
-</p:sld>
-</file>
-
-<file path=ppt/slides/slide16.xml><?xml version="1.0" encoding="utf-8"?>
-<p:sld xmlns:a="http://schemas.openxmlformats.org/drawingml/2006/main" xmlns:r="http://schemas.openxmlformats.org/officeDocument/2006/relationships" xmlns:p="http://schemas.openxmlformats.org/presentationml/2006/main">
-  <p:cSld>
-    <p:spTree>
-      <p:nvGrpSpPr>
-        <p:cNvPr id="1" name=""/>
-        <p:cNvGrpSpPr/>
-        <p:nvPr/>
-      </p:nvGrpSpPr>
-      <p:grpSpPr>
-        <a:xfrm>
-          <a:off x="0" y="0"/>
-          <a:ext cx="0" cy="0"/>
-          <a:chOff x="0" y="0"/>
-          <a:chExt cx="0" cy="0"/>
-        </a:xfrm>
-      </p:grpSpPr>
-      <p:pic>
-        <p:nvPicPr>
-          <p:cNvPr id="148" name="Marcador de contenido 4"/>
-          <p:cNvPicPr>
-            <a:picLocks noChangeAspect="1"/>
-          </p:cNvPicPr>
-          <p:nvPr/>
-        </p:nvPicPr>
-        <p:blipFill>
-          <a:blip r:embed="rId2">
-            <a:extLst>
-              <a:ext uri="{28A0092B-C50C-407E-A947-70E740481C1C}">
-                <a14:useLocalDpi xmlns:a14="http://schemas.microsoft.com/office/drawing/2010/main" val="0"/>
-              </a:ext>
-            </a:extLst>
-          </a:blip>
-          <a:stretch>
-            <a:fillRect/>
-          </a:stretch>
-        </p:blipFill>
-        <p:spPr>
-          <a:xfrm>
-            <a:off x="2787325" y="1923341"/>
-            <a:ext cx="6617349" cy="3011318"/>
-          </a:xfrm>
-          <a:prstGeom prst="rect">
-            <a:avLst/>
-          </a:prstGeom>
-          <a:ln w="12700">
-            <a:miter lim="400000"/>
-          </a:ln>
-        </p:spPr>
-      </p:pic>
-      <p:sp>
-        <p:nvSpPr>
-          <p:cNvPr id="149" name="CuadroTexto 6"/>
-          <p:cNvSpPr txBox="1"/>
-          <p:nvPr/>
-        </p:nvSpPr>
-        <p:spPr>
-          <a:xfrm>
-            <a:off x="135903" y="2413336"/>
-            <a:ext cx="2054089" cy="1790066"/>
-          </a:xfrm>
-          <a:prstGeom prst="rect">
-            <a:avLst/>
-          </a:prstGeom>
-          <a:ln>
-            <a:solidFill>
-              <a:srgbClr val="2E2B21"/>
-            </a:solidFill>
-          </a:ln>
-          <a:extLst>
-            <a:ext uri="{C572A759-6A51-4108-AA02-DFA0A04FC94B}">
-              <ma14:wrappingTextBoxFlag xmlns:ma14="http://schemas.microsoft.com/office/mac/drawingml/2011/main" xmlns:a14="http://schemas.microsoft.com/office/drawing/2010/main" xmlns:m="http://schemas.openxmlformats.org/officeDocument/2006/math" xmlns="" val="1"/>
-            </a:ext>
-          </a:extLst>
-        </p:spPr>
-        <p:txBody>
-          <a:bodyPr lIns="45719" rIns="45719">
-            <a:spAutoFit/>
-          </a:bodyPr>
-          <a:lstStyle/>
-          <a:p>
-            <a:pPr marL="285750" indent="-285750">
-              <a:buSzPct val="100000"/>
-              <a:buChar char="❑"/>
-            </a:pPr>
-            <a:r>
-              <a:t>Presentación</a:t>
-            </a:r>
-          </a:p>
-          <a:p>
-            <a:pPr marL="285750" indent="-285750">
-              <a:buSzPct val="100000"/>
-              <a:buChar char="❑"/>
-            </a:pPr>
-            <a:r>
-              <a:t>Objetivos</a:t>
-            </a:r>
-          </a:p>
-          <a:p>
-            <a:pPr marL="285750" indent="-285750">
-              <a:buSzPct val="100000"/>
-              <a:buChar char="❑"/>
-            </a:pPr>
-            <a:r>
-              <a:t>Funcionalidades</a:t>
-            </a:r>
-          </a:p>
-          <a:p>
-            <a:pPr marL="285750" indent="-285750">
-              <a:buSzPct val="100000"/>
-              <a:buChar char="❑"/>
-              <a:defRPr b="1"/>
-            </a:pPr>
-            <a:r>
-              <a:t>Demostración</a:t>
-            </a:r>
-          </a:p>
-          <a:p>
-            <a:pPr marL="285750" indent="-285750">
-              <a:buSzPct val="100000"/>
-              <a:buChar char="❑"/>
-            </a:pPr>
-            <a:r>
-              <a:t>Aspectos</a:t>
-            </a:r>
-          </a:p>
-          <a:p>
-            <a:pPr marL="285750" indent="-285750">
-              <a:buSzPct val="100000"/>
-              <a:buChar char="❑"/>
-            </a:pPr>
-            <a:r>
-              <a:t>Conclusiones</a:t>
-            </a:r>
-          </a:p>
-        </p:txBody>
-      </p:sp>
-      <p:sp>
-        <p:nvSpPr>
-          <p:cNvPr id="6" name="Título 1">
-            <a:extLst>
-              <a:ext uri="{FF2B5EF4-FFF2-40B4-BE49-F238E27FC236}">
-                <a16:creationId xmlns:a16="http://schemas.microsoft.com/office/drawing/2014/main" id="{F0F8D5E1-01A6-48D4-BC54-8A6E037EC8C0}"/>
-              </a:ext>
-            </a:extLst>
-          </p:cNvPr>
-          <p:cNvSpPr txBox="1">
-            <a:spLocks noGrp="1"/>
-          </p:cNvSpPr>
-          <p:nvPr>
-            <p:ph type="title"/>
-          </p:nvPr>
-        </p:nvSpPr>
-        <p:spPr>
-          <a:xfrm>
-            <a:off x="1024128" y="585216"/>
-            <a:ext cx="9720072" cy="1499617"/>
-          </a:xfrm>
-          <a:prstGeom prst="rect">
-            <a:avLst/>
-          </a:prstGeom>
-        </p:spPr>
-        <p:txBody>
-          <a:bodyPr/>
-          <a:lstStyle/>
-          <a:p>
-            <a:pPr defTabSz="886968">
-              <a:defRPr sz="3783" spc="97">
-                <a:latin typeface="Arial"/>
-                <a:ea typeface="Arial"/>
-                <a:cs typeface="Arial"/>
-                <a:sym typeface="Arial"/>
-              </a:defRPr>
-            </a:pPr>
-            <a:r>
-              <a:rPr dirty="0" err="1"/>
-              <a:t>Demostración</a:t>
-            </a:r>
-            <a:r>
-              <a:rPr dirty="0"/>
-              <a:t> </a:t>
-            </a:r>
-            <a:r>
-              <a:rPr dirty="0" err="1"/>
-              <a:t>funcional</a:t>
-            </a:r>
-            <a:r>
-              <a:rPr dirty="0"/>
-              <a:t> del </a:t>
-            </a:r>
-            <a:r>
-              <a:rPr dirty="0" err="1"/>
-              <a:t>proyecto</a:t>
-            </a:r>
-            <a:r>
-              <a:rPr dirty="0"/>
-              <a:t>.</a:t>
-            </a:r>
-            <a:br>
-              <a:rPr dirty="0"/>
-            </a:br>
-            <a:endParaRPr dirty="0"/>
-          </a:p>
-        </p:txBody>
-      </p:sp>
-    </p:spTree>
-  </p:cSld>
-  <p:clrMapOvr>
-    <a:masterClrMapping/>
-  </p:clrMapOvr>
-  <p:transition spd="med"/>
-</p:sld>
-</file>
-
-<file path=ppt/slides/slide17.xml><?xml version="1.0" encoding="utf-8"?>
-<p:sld xmlns:a="http://schemas.openxmlformats.org/drawingml/2006/main" xmlns:r="http://schemas.openxmlformats.org/officeDocument/2006/relationships" xmlns:p="http://schemas.openxmlformats.org/presentationml/2006/main">
-  <p:cSld>
-    <p:spTree>
-      <p:nvGrpSpPr>
-        <p:cNvPr id="1" name=""/>
-        <p:cNvGrpSpPr/>
-        <p:nvPr/>
-      </p:nvGrpSpPr>
-      <p:grpSpPr>
-        <a:xfrm>
-          <a:off x="0" y="0"/>
-          <a:ext cx="0" cy="0"/>
-          <a:chOff x="0" y="0"/>
-          <a:chExt cx="0" cy="0"/>
-        </a:xfrm>
-      </p:grpSpPr>
-      <p:sp>
-        <p:nvSpPr>
-          <p:cNvPr id="152" name="CuadroTexto 6"/>
-          <p:cNvSpPr txBox="1"/>
-          <p:nvPr/>
-        </p:nvSpPr>
-        <p:spPr>
-          <a:xfrm>
-            <a:off x="135903" y="2413336"/>
-            <a:ext cx="2054089" cy="1790066"/>
-          </a:xfrm>
-          <a:prstGeom prst="rect">
-            <a:avLst/>
-          </a:prstGeom>
-          <a:ln>
-            <a:solidFill>
-              <a:srgbClr val="2E2B21"/>
-            </a:solidFill>
-          </a:ln>
-          <a:extLst>
-            <a:ext uri="{C572A759-6A51-4108-AA02-DFA0A04FC94B}">
-              <ma14:wrappingTextBoxFlag xmlns:ma14="http://schemas.microsoft.com/office/mac/drawingml/2011/main" xmlns:a14="http://schemas.microsoft.com/office/drawing/2010/main" xmlns:m="http://schemas.openxmlformats.org/officeDocument/2006/math" xmlns="" val="1"/>
-            </a:ext>
-          </a:extLst>
-        </p:spPr>
-        <p:txBody>
-          <a:bodyPr lIns="45719" rIns="45719">
-            <a:spAutoFit/>
-          </a:bodyPr>
-          <a:lstStyle/>
-          <a:p>
-            <a:pPr marL="285750" indent="-285750">
-              <a:buSzPct val="100000"/>
-              <a:buChar char="❑"/>
-            </a:pPr>
-            <a:r>
-              <a:t>Presentación</a:t>
-            </a:r>
-          </a:p>
-          <a:p>
-            <a:pPr marL="285750" indent="-285750">
-              <a:buSzPct val="100000"/>
-              <a:buChar char="❑"/>
-            </a:pPr>
-            <a:r>
-              <a:t>Objetivos</a:t>
-            </a:r>
-          </a:p>
-          <a:p>
-            <a:pPr marL="285750" indent="-285750">
-              <a:buSzPct val="100000"/>
-              <a:buChar char="❑"/>
-            </a:pPr>
-            <a:r>
-              <a:t>Funcionalidades</a:t>
-            </a:r>
-          </a:p>
-          <a:p>
-            <a:pPr marL="285750" indent="-285750">
-              <a:buSzPct val="100000"/>
-              <a:buChar char="❑"/>
-              <a:defRPr b="1"/>
-            </a:pPr>
-            <a:r>
-              <a:t>Demostración</a:t>
-            </a:r>
-          </a:p>
-          <a:p>
-            <a:pPr marL="285750" indent="-285750">
-              <a:buSzPct val="100000"/>
-              <a:buChar char="❑"/>
-            </a:pPr>
-            <a:r>
-              <a:t>Aspectos</a:t>
-            </a:r>
-          </a:p>
-          <a:p>
-            <a:pPr marL="285750" indent="-285750">
-              <a:buSzPct val="100000"/>
-              <a:buChar char="❑"/>
-            </a:pPr>
-            <a:r>
-              <a:t>Conclusiones</a:t>
-            </a:r>
-          </a:p>
-        </p:txBody>
-      </p:sp>
-      <p:pic>
-        <p:nvPicPr>
-          <p:cNvPr id="153" name="Marcador de contenido 3" descr="Marcador de contenido 3"/>
-          <p:cNvPicPr>
-            <a:picLocks noChangeAspect="1"/>
-          </p:cNvPicPr>
-          <p:nvPr/>
-        </p:nvPicPr>
-        <p:blipFill>
-          <a:blip r:embed="rId2">
-            <a:extLst/>
-          </a:blip>
-          <a:stretch>
-            <a:fillRect/>
-          </a:stretch>
-        </p:blipFill>
-        <p:spPr>
-          <a:xfrm>
-            <a:off x="2952924" y="539018"/>
-            <a:ext cx="8618292" cy="5941477"/>
-          </a:xfrm>
-          <a:prstGeom prst="rect">
-            <a:avLst/>
-          </a:prstGeom>
-          <a:ln w="12700">
-            <a:miter lim="400000"/>
-          </a:ln>
-        </p:spPr>
-      </p:pic>
-      <p:sp>
-        <p:nvSpPr>
-          <p:cNvPr id="154" name="Título 1"/>
-          <p:cNvSpPr txBox="1">
-            <a:spLocks noGrp="1"/>
-          </p:cNvSpPr>
-          <p:nvPr>
-            <p:ph type="title"/>
-          </p:nvPr>
-        </p:nvSpPr>
-        <p:spPr>
-          <a:xfrm>
-            <a:off x="830509" y="913720"/>
-            <a:ext cx="9821413" cy="1499617"/>
-          </a:xfrm>
-          <a:prstGeom prst="rect">
-            <a:avLst/>
-          </a:prstGeom>
-        </p:spPr>
-        <p:txBody>
-          <a:bodyPr/>
-          <a:lstStyle/>
-          <a:p>
-            <a:pPr>
-              <a:defRPr sz="4400">
-                <a:latin typeface="Arial"/>
-                <a:ea typeface="Arial"/>
-                <a:cs typeface="Arial"/>
-                <a:sym typeface="Arial"/>
-              </a:defRPr>
-            </a:pPr>
-            <a:r>
-              <a:t>Avión</a:t>
-            </a:r>
-            <a:br/>
-            <a:endParaRPr/>
-          </a:p>
-        </p:txBody>
-      </p:sp>
-    </p:spTree>
-  </p:cSld>
-  <p:clrMapOvr>
-    <a:masterClrMapping/>
-  </p:clrMapOvr>
-  <p:transition spd="med"/>
-</p:sld>
-</file>
-
-<file path=ppt/slides/slide18.xml><?xml version="1.0" encoding="utf-8"?>
-<p:sld xmlns:a="http://schemas.openxmlformats.org/drawingml/2006/main" xmlns:r="http://schemas.openxmlformats.org/officeDocument/2006/relationships" xmlns:p="http://schemas.openxmlformats.org/presentationml/2006/main">
-  <p:cSld>
-    <p:spTree>
-      <p:nvGrpSpPr>
-        <p:cNvPr id="1" name=""/>
-        <p:cNvGrpSpPr/>
-        <p:nvPr/>
-      </p:nvGrpSpPr>
-      <p:grpSpPr>
-        <a:xfrm>
-          <a:off x="0" y="0"/>
-          <a:ext cx="0" cy="0"/>
-          <a:chOff x="0" y="0"/>
-          <a:chExt cx="0" cy="0"/>
-        </a:xfrm>
-      </p:grpSpPr>
-      <p:sp>
-        <p:nvSpPr>
-          <p:cNvPr id="156" name="CuadroTexto 6"/>
-          <p:cNvSpPr txBox="1"/>
-          <p:nvPr/>
-        </p:nvSpPr>
-        <p:spPr>
-          <a:xfrm>
-            <a:off x="135903" y="2413336"/>
-            <a:ext cx="2054089" cy="1790066"/>
-          </a:xfrm>
-          <a:prstGeom prst="rect">
-            <a:avLst/>
-          </a:prstGeom>
-          <a:ln>
-            <a:solidFill>
-              <a:srgbClr val="2E2B21"/>
-            </a:solidFill>
-          </a:ln>
-          <a:extLst>
-            <a:ext uri="{C572A759-6A51-4108-AA02-DFA0A04FC94B}">
-              <ma14:wrappingTextBoxFlag xmlns:ma14="http://schemas.microsoft.com/office/mac/drawingml/2011/main" xmlns:a14="http://schemas.microsoft.com/office/drawing/2010/main" xmlns:m="http://schemas.openxmlformats.org/officeDocument/2006/math" xmlns="" val="1"/>
-            </a:ext>
-          </a:extLst>
-        </p:spPr>
-        <p:txBody>
-          <a:bodyPr lIns="45719" rIns="45719">
-            <a:spAutoFit/>
-          </a:bodyPr>
-          <a:lstStyle/>
-          <a:p>
-            <a:pPr marL="285750" indent="-285750">
-              <a:buSzPct val="100000"/>
-              <a:buChar char="❑"/>
-            </a:pPr>
-            <a:r>
-              <a:t>Presentación</a:t>
-            </a:r>
-          </a:p>
-          <a:p>
-            <a:pPr marL="285750" indent="-285750">
-              <a:buSzPct val="100000"/>
-              <a:buChar char="❑"/>
-            </a:pPr>
-            <a:r>
-              <a:t>Objetivos</a:t>
-            </a:r>
-          </a:p>
-          <a:p>
-            <a:pPr marL="285750" indent="-285750">
-              <a:buSzPct val="100000"/>
-              <a:buChar char="❑"/>
-            </a:pPr>
-            <a:r>
-              <a:t>Funcionalidades</a:t>
-            </a:r>
-          </a:p>
-          <a:p>
-            <a:pPr marL="285750" indent="-285750">
-              <a:buSzPct val="100000"/>
-              <a:buChar char="❑"/>
-              <a:defRPr b="1"/>
-            </a:pPr>
-            <a:r>
-              <a:t>Demostración</a:t>
-            </a:r>
-          </a:p>
-          <a:p>
-            <a:pPr marL="285750" indent="-285750">
-              <a:buSzPct val="100000"/>
-              <a:buChar char="❑"/>
-            </a:pPr>
-            <a:r>
-              <a:t>Aspectos</a:t>
-            </a:r>
-          </a:p>
-          <a:p>
-            <a:pPr marL="285750" indent="-285750">
-              <a:buSzPct val="100000"/>
-              <a:buChar char="❑"/>
-            </a:pPr>
-            <a:r>
-              <a:t>Conclusiones</a:t>
-            </a:r>
-          </a:p>
-        </p:txBody>
-      </p:sp>
-      <p:pic>
-        <p:nvPicPr>
-          <p:cNvPr id="157" name="Marcador de contenido 5" descr="Marcador de contenido 5"/>
-          <p:cNvPicPr>
-            <a:picLocks noChangeAspect="1"/>
-          </p:cNvPicPr>
-          <p:nvPr/>
-        </p:nvPicPr>
-        <p:blipFill>
-          <a:blip r:embed="rId2">
-            <a:extLst/>
-          </a:blip>
-          <a:stretch>
-            <a:fillRect/>
-          </a:stretch>
-        </p:blipFill>
-        <p:spPr>
-          <a:xfrm>
-            <a:off x="2613899" y="145492"/>
-            <a:ext cx="8417624" cy="3771665"/>
-          </a:xfrm>
-          <a:prstGeom prst="rect">
-            <a:avLst/>
-          </a:prstGeom>
-          <a:ln w="12700">
-            <a:miter lim="400000"/>
-          </a:ln>
-        </p:spPr>
-      </p:pic>
-      <p:pic>
-        <p:nvPicPr>
-          <p:cNvPr id="158" name="Marcador de contenido 3" descr="Marcador de contenido 3"/>
-          <p:cNvPicPr>
-            <a:picLocks noChangeAspect="1"/>
-          </p:cNvPicPr>
-          <p:nvPr/>
-        </p:nvPicPr>
-        <p:blipFill>
-          <a:blip r:embed="rId3">
-            <a:extLst/>
-          </a:blip>
-          <a:stretch>
-            <a:fillRect/>
-          </a:stretch>
-        </p:blipFill>
-        <p:spPr>
-          <a:xfrm>
-            <a:off x="3993160" y="4146879"/>
-            <a:ext cx="7038363" cy="1995530"/>
-          </a:xfrm>
-          <a:prstGeom prst="rect">
-            <a:avLst/>
-          </a:prstGeom>
-          <a:ln w="12700">
-            <a:miter lim="400000"/>
-          </a:ln>
-        </p:spPr>
-      </p:pic>
-    </p:spTree>
-  </p:cSld>
-  <p:clrMapOvr>
-    <a:masterClrMapping/>
-  </p:clrMapOvr>
-  <p:transition spd="med"/>
-</p:sld>
-</file>
-
-<file path=ppt/slides/slide19.xml><?xml version="1.0" encoding="utf-8"?>
-<p:sld xmlns:a="http://schemas.openxmlformats.org/drawingml/2006/main" xmlns:r="http://schemas.openxmlformats.org/officeDocument/2006/relationships" xmlns:p="http://schemas.openxmlformats.org/presentationml/2006/main">
-  <p:cSld>
-    <p:spTree>
-      <p:nvGrpSpPr>
-        <p:cNvPr id="1" name=""/>
-        <p:cNvGrpSpPr/>
-        <p:nvPr/>
-      </p:nvGrpSpPr>
-      <p:grpSpPr>
-        <a:xfrm>
-          <a:off x="0" y="0"/>
-          <a:ext cx="0" cy="0"/>
-          <a:chOff x="0" y="0"/>
-          <a:chExt cx="0" cy="0"/>
-        </a:xfrm>
-      </p:grpSpPr>
-      <p:sp>
-        <p:nvSpPr>
-          <p:cNvPr id="160" name="CuadroTexto 6"/>
-          <p:cNvSpPr txBox="1"/>
-          <p:nvPr/>
-        </p:nvSpPr>
-        <p:spPr>
-          <a:xfrm>
-            <a:off x="135903" y="2413336"/>
-            <a:ext cx="2054089" cy="1790066"/>
-          </a:xfrm>
-          <a:prstGeom prst="rect">
-            <a:avLst/>
-          </a:prstGeom>
-          <a:ln>
-            <a:solidFill>
-              <a:srgbClr val="2E2B21"/>
-            </a:solidFill>
-          </a:ln>
-          <a:extLst>
-            <a:ext uri="{C572A759-6A51-4108-AA02-DFA0A04FC94B}">
-              <ma14:wrappingTextBoxFlag xmlns:ma14="http://schemas.microsoft.com/office/mac/drawingml/2011/main" xmlns:a14="http://schemas.microsoft.com/office/drawing/2010/main" xmlns:m="http://schemas.openxmlformats.org/officeDocument/2006/math" xmlns="" val="1"/>
-            </a:ext>
-          </a:extLst>
-        </p:spPr>
-        <p:txBody>
-          <a:bodyPr lIns="45719" rIns="45719">
-            <a:spAutoFit/>
-          </a:bodyPr>
-          <a:lstStyle/>
-          <a:p>
-            <a:pPr marL="285750" indent="-285750">
-              <a:buSzPct val="100000"/>
-              <a:buChar char="❑"/>
-            </a:pPr>
-            <a:r>
-              <a:t>Presentación</a:t>
-            </a:r>
-          </a:p>
-          <a:p>
-            <a:pPr marL="285750" indent="-285750">
-              <a:buSzPct val="100000"/>
-              <a:buChar char="❑"/>
-            </a:pPr>
-            <a:r>
-              <a:t>Objetivos</a:t>
-            </a:r>
-          </a:p>
-          <a:p>
-            <a:pPr marL="285750" indent="-285750">
-              <a:buSzPct val="100000"/>
-              <a:buChar char="❑"/>
-            </a:pPr>
-            <a:r>
-              <a:t>Funcionalidades</a:t>
-            </a:r>
-          </a:p>
-          <a:p>
-            <a:pPr marL="285750" indent="-285750">
-              <a:buSzPct val="100000"/>
-              <a:buChar char="❑"/>
-              <a:defRPr b="1"/>
-            </a:pPr>
-            <a:r>
-              <a:t>Demostración</a:t>
-            </a:r>
-          </a:p>
-          <a:p>
-            <a:pPr marL="285750" indent="-285750">
-              <a:buSzPct val="100000"/>
-              <a:buChar char="❑"/>
-            </a:pPr>
-            <a:r>
-              <a:t>Aspectos</a:t>
-            </a:r>
-          </a:p>
-          <a:p>
-            <a:pPr marL="285750" indent="-285750">
-              <a:buSzPct val="100000"/>
-              <a:buChar char="❑"/>
-            </a:pPr>
-            <a:r>
-              <a:t>Conclusiones</a:t>
-            </a:r>
-          </a:p>
-        </p:txBody>
-      </p:sp>
-      <p:pic>
-        <p:nvPicPr>
-          <p:cNvPr id="161" name="Marcador de contenido 3" descr="Marcador de contenido 3"/>
-          <p:cNvPicPr>
-            <a:picLocks noChangeAspect="1"/>
-          </p:cNvPicPr>
-          <p:nvPr/>
-        </p:nvPicPr>
-        <p:blipFill>
-          <a:blip r:embed="rId2">
-            <a:extLst/>
-          </a:blip>
-          <a:stretch>
-            <a:fillRect/>
-          </a:stretch>
-        </p:blipFill>
-        <p:spPr>
-          <a:xfrm>
-            <a:off x="2391326" y="687198"/>
-            <a:ext cx="8694561" cy="5168317"/>
-          </a:xfrm>
-          <a:prstGeom prst="rect">
-            <a:avLst/>
-          </a:prstGeom>
-          <a:ln w="12700">
-            <a:miter lim="400000"/>
-          </a:ln>
-        </p:spPr>
-      </p:pic>
+        <p:style>
+          <a:lnRef idx="1">
+            <a:schemeClr val="accent2"/>
+          </a:lnRef>
+          <a:fillRef idx="0">
+            <a:schemeClr val="accent2"/>
+          </a:fillRef>
+          <a:effectRef idx="0">
+            <a:schemeClr val="accent2"/>
+          </a:effectRef>
+          <a:fontRef idx="minor">
+            <a:schemeClr val="tx1"/>
+          </a:fontRef>
+        </p:style>
+      </p:cxnSp>
     </p:spTree>
   </p:cSld>
   <p:clrMapOvr>
@@ -5589,7 +3655,8 @@
               <a:buAutoNum type="arabicPeriod"/>
             </a:pPr>
             <a:r>
-              <a:t>Presentación del proyecto y de los miembros. </a:t>
+              <a:rPr lang="es-ES" dirty="0"/>
+              <a:t>Diseño UML</a:t>
             </a:r>
           </a:p>
           <a:p>
@@ -5598,7 +3665,8 @@
               <a:buAutoNum type="arabicPeriod"/>
             </a:pPr>
             <a:r>
-              <a:t>Objetivo del proyecto.</a:t>
+              <a:rPr lang="es-ES" dirty="0"/>
+              <a:t>Funcionalidades</a:t>
             </a:r>
           </a:p>
           <a:p>
@@ -5607,7 +3675,28 @@
               <a:buAutoNum type="arabicPeriod"/>
             </a:pPr>
             <a:r>
-              <a:t>Funcionalidades que se van a presentar.</a:t>
+              <a:rPr dirty="0" err="1"/>
+              <a:t>Demostración</a:t>
+            </a:r>
+            <a:r>
+              <a:rPr dirty="0"/>
+              <a:t> </a:t>
+            </a:r>
+            <a:r>
+              <a:rPr dirty="0" err="1"/>
+              <a:t>funcional</a:t>
+            </a:r>
+            <a:r>
+              <a:rPr dirty="0"/>
+              <a:t> del </a:t>
+            </a:r>
+            <a:r>
+              <a:rPr dirty="0" err="1"/>
+              <a:t>proyecto</a:t>
+            </a:r>
+            <a:r>
+              <a:rPr dirty="0"/>
+              <a:t>.</a:t>
             </a:r>
           </a:p>
           <a:p>
@@ -5616,7 +3705,20 @@
               <a:buAutoNum type="arabicPeriod"/>
             </a:pPr>
             <a:r>
-              <a:t>Demostración funcional del proyecto.</a:t>
+              <a:rPr dirty="0" err="1"/>
+              <a:t>Aspectos</a:t>
+            </a:r>
+            <a:r>
+              <a:rPr dirty="0"/>
+              <a:t> a </a:t>
+            </a:r>
+            <a:r>
+              <a:rPr dirty="0" err="1"/>
+              <a:t>resaltar</a:t>
+            </a:r>
+            <a:r>
+              <a:rPr dirty="0"/>
+              <a:t>.</a:t>
             </a:r>
           </a:p>
           <a:p>
@@ -5625,16 +3727,12 @@
               <a:buAutoNum type="arabicPeriod"/>
             </a:pPr>
             <a:r>
-              <a:t>Aspectos a resaltar.</a:t>
-            </a:r>
-          </a:p>
-          <a:p>
-            <a:pPr marL="457200" indent="-457200">
-              <a:buFontTx/>
-              <a:buAutoNum type="arabicPeriod"/>
-            </a:pPr>
-            <a:r>
-              <a:t>Conclusiones.</a:t>
+              <a:rPr dirty="0" err="1"/>
+              <a:t>Conclusiones</a:t>
+            </a:r>
+            <a:r>
+              <a:rPr dirty="0"/>
+              <a:t>.</a:t>
             </a:r>
           </a:p>
         </p:txBody>
@@ -5648,7 +3746,7 @@
 </p:sld>
 </file>
 
-<file path=ppt/slides/slide20.xml><?xml version="1.0" encoding="utf-8"?>
+<file path=ppt/slides/slide3.xml><?xml version="1.0" encoding="utf-8"?>
 <p:sld xmlns:a="http://schemas.openxmlformats.org/drawingml/2006/main" xmlns:r="http://schemas.openxmlformats.org/officeDocument/2006/relationships" xmlns:p="http://schemas.openxmlformats.org/presentationml/2006/main">
   <p:cSld>
     <p:spTree>
@@ -5667,14 +3765,98 @@
       </p:grpSpPr>
       <p:sp>
         <p:nvSpPr>
-          <p:cNvPr id="163" name="CuadroTexto 6"/>
+          <p:cNvPr id="110" name="Título 1"/>
+          <p:cNvSpPr txBox="1">
+            <a:spLocks noGrp="1"/>
+          </p:cNvSpPr>
+          <p:nvPr>
+            <p:ph type="title"/>
+          </p:nvPr>
+        </p:nvSpPr>
+        <p:spPr>
+          <a:xfrm>
+            <a:off x="1024128" y="585216"/>
+            <a:ext cx="9720072" cy="1499617"/>
+          </a:xfrm>
+          <a:prstGeom prst="rect">
+            <a:avLst/>
+          </a:prstGeom>
+        </p:spPr>
+        <p:txBody>
+          <a:bodyPr/>
+          <a:lstStyle/>
+          <a:p>
+            <a:pPr defTabSz="886968">
+              <a:defRPr sz="3783" spc="97">
+                <a:solidFill>
+                  <a:srgbClr val="2E2B21"/>
+                </a:solidFill>
+                <a:latin typeface="Arial"/>
+                <a:ea typeface="Arial"/>
+                <a:cs typeface="Arial"/>
+                <a:sym typeface="Arial"/>
+              </a:defRPr>
+            </a:pPr>
+            <a:r>
+              <a:rPr lang="es-ES" dirty="0"/>
+              <a:t>Diseño </a:t>
+            </a:r>
+            <a:r>
+              <a:rPr lang="es-ES" dirty="0" err="1"/>
+              <a:t>uml</a:t>
+            </a:r>
+            <a:r>
+              <a:rPr dirty="0"/>
+              <a:t>. </a:t>
+            </a:r>
+            <a:br>
+              <a:rPr dirty="0"/>
+            </a:br>
+            <a:endParaRPr dirty="0"/>
+          </a:p>
+        </p:txBody>
+      </p:sp>
+      <p:sp>
+        <p:nvSpPr>
+          <p:cNvPr id="111" name="Marcador de contenido 2"/>
+          <p:cNvSpPr txBox="1">
+            <a:spLocks noGrp="1"/>
+          </p:cNvSpPr>
+          <p:nvPr>
+            <p:ph type="body" idx="1"/>
+          </p:nvPr>
+        </p:nvSpPr>
+        <p:spPr>
+          <a:xfrm>
+            <a:off x="2844331" y="2077302"/>
+            <a:ext cx="8946543" cy="4195483"/>
+          </a:xfrm>
+          <a:prstGeom prst="rect">
+            <a:avLst/>
+          </a:prstGeom>
+        </p:spPr>
+        <p:txBody>
+          <a:bodyPr/>
+          <a:lstStyle/>
+          <a:p>
+            <a:pPr>
+              <a:buFontTx/>
+              <a:buChar char="▪"/>
+            </a:pPr>
+            <a:endParaRPr dirty="0"/>
+          </a:p>
+        </p:txBody>
+      </p:sp>
+      <p:sp>
+        <p:nvSpPr>
+          <p:cNvPr id="112" name="CuadroTexto 5"/>
           <p:cNvSpPr txBox="1"/>
           <p:nvPr/>
         </p:nvSpPr>
         <p:spPr>
           <a:xfrm>
             <a:off x="135903" y="2413336"/>
-            <a:ext cx="2054089" cy="1790066"/>
+            <a:ext cx="2054089" cy="1477328"/>
           </a:xfrm>
           <a:prstGeom prst="rect">
             <a:avLst/>
@@ -5686,7 +3868,7 @@
           </a:ln>
           <a:extLst>
             <a:ext uri="{C572A759-6A51-4108-AA02-DFA0A04FC94B}">
-              <ma14:wrappingTextBoxFlag xmlns:ma14="http://schemas.microsoft.com/office/mac/drawingml/2011/main" xmlns:a14="http://schemas.microsoft.com/office/drawing/2010/main" xmlns:m="http://schemas.openxmlformats.org/officeDocument/2006/math" xmlns="" val="1"/>
+              <ma14:wrappingTextBoxFlag xmlns="" xmlns:m="http://schemas.openxmlformats.org/officeDocument/2006/math" xmlns:a14="http://schemas.microsoft.com/office/drawing/2010/main" xmlns:ma14="http://schemas.microsoft.com/office/mac/drawingml/2011/main" val="1"/>
             </a:ext>
           </a:extLst>
         </p:spPr>
@@ -5701,7 +3883,8 @@
               <a:buChar char="❑"/>
             </a:pPr>
             <a:r>
-              <a:t>Presentación</a:t>
+              <a:rPr lang="es-ES" b="1" dirty="0"/>
+              <a:t>UML</a:t>
             </a:r>
           </a:p>
           <a:p>
@@ -5710,8 +3893,10 @@
               <a:buChar char="❑"/>
             </a:pPr>
             <a:r>
-              <a:t>Objetivos</a:t>
-            </a:r>
+              <a:rPr lang="es-ES" dirty="0"/>
+              <a:t>Funcionalidades</a:t>
+            </a:r>
+            <a:endParaRPr dirty="0"/>
           </a:p>
           <a:p>
             <a:pPr marL="285750" indent="-285750">
@@ -5719,8 +3904,262 @@
               <a:buChar char="❑"/>
             </a:pPr>
             <a:r>
-              <a:t>Funcionalidades</a:t>
-            </a:r>
+              <a:rPr dirty="0" err="1"/>
+              <a:t>Demostración</a:t>
+            </a:r>
+            <a:endParaRPr dirty="0"/>
+          </a:p>
+          <a:p>
+            <a:pPr marL="285750" indent="-285750">
+              <a:buSzPct val="100000"/>
+              <a:buChar char="❑"/>
+            </a:pPr>
+            <a:r>
+              <a:rPr dirty="0" err="1"/>
+              <a:t>Aspectos</a:t>
+            </a:r>
+            <a:endParaRPr dirty="0"/>
+          </a:p>
+          <a:p>
+            <a:pPr marL="285750" indent="-285750">
+              <a:buSzPct val="100000"/>
+              <a:buChar char="❑"/>
+            </a:pPr>
+            <a:r>
+              <a:rPr dirty="0" err="1"/>
+              <a:t>Conclusiones</a:t>
+            </a:r>
+            <a:endParaRPr dirty="0"/>
+          </a:p>
+        </p:txBody>
+      </p:sp>
+    </p:spTree>
+    <p:extLst>
+      <p:ext uri="{BB962C8B-B14F-4D97-AF65-F5344CB8AC3E}">
+        <p14:creationId xmlns:p14="http://schemas.microsoft.com/office/powerpoint/2010/main" val="2444741124"/>
+      </p:ext>
+    </p:extLst>
+  </p:cSld>
+  <p:clrMapOvr>
+    <a:masterClrMapping/>
+  </p:clrMapOvr>
+  <p:transition spd="med"/>
+</p:sld>
+</file>
+
+<file path=ppt/slides/slide4.xml><?xml version="1.0" encoding="utf-8"?>
+<p:sld xmlns:a="http://schemas.openxmlformats.org/drawingml/2006/main" xmlns:r="http://schemas.openxmlformats.org/officeDocument/2006/relationships" xmlns:p="http://schemas.openxmlformats.org/presentationml/2006/main">
+  <p:cSld>
+    <p:spTree>
+      <p:nvGrpSpPr>
+        <p:cNvPr id="1" name=""/>
+        <p:cNvGrpSpPr/>
+        <p:nvPr/>
+      </p:nvGrpSpPr>
+      <p:grpSpPr>
+        <a:xfrm>
+          <a:off x="0" y="0"/>
+          <a:ext cx="0" cy="0"/>
+          <a:chOff x="0" y="0"/>
+          <a:chExt cx="0" cy="0"/>
+        </a:xfrm>
+      </p:grpSpPr>
+      <p:sp>
+        <p:nvSpPr>
+          <p:cNvPr id="118" name="Título 1"/>
+          <p:cNvSpPr txBox="1">
+            <a:spLocks noGrp="1"/>
+          </p:cNvSpPr>
+          <p:nvPr>
+            <p:ph type="title"/>
+          </p:nvPr>
+        </p:nvSpPr>
+        <p:spPr>
+          <a:xfrm>
+            <a:off x="1024128" y="585216"/>
+            <a:ext cx="9720072" cy="1499617"/>
+          </a:xfrm>
+          <a:prstGeom prst="rect">
+            <a:avLst/>
+          </a:prstGeom>
+        </p:spPr>
+        <p:txBody>
+          <a:bodyPr/>
+          <a:lstStyle/>
+          <a:p>
+            <a:pPr defTabSz="886968">
+              <a:defRPr sz="3783" spc="97">
+                <a:latin typeface="Arial"/>
+                <a:ea typeface="Arial"/>
+                <a:cs typeface="Arial"/>
+                <a:sym typeface="Arial"/>
+              </a:defRPr>
+            </a:pPr>
+            <a:r>
+              <a:t>Funcionalidades que se van a presentar.</a:t>
+            </a:r>
+            <a:br/>
+            <a:endParaRPr/>
+          </a:p>
+        </p:txBody>
+      </p:sp>
+      <p:sp>
+        <p:nvSpPr>
+          <p:cNvPr id="119" name="Marcador de contenido 2"/>
+          <p:cNvSpPr txBox="1">
+            <a:spLocks noGrp="1"/>
+          </p:cNvSpPr>
+          <p:nvPr>
+            <p:ph type="body" idx="1"/>
+          </p:nvPr>
+        </p:nvSpPr>
+        <p:spPr>
+          <a:xfrm>
+            <a:off x="2495549" y="1932824"/>
+            <a:ext cx="8945565" cy="4195763"/>
+          </a:xfrm>
+          <a:prstGeom prst="rect">
+            <a:avLst/>
+          </a:prstGeom>
+        </p:spPr>
+        <p:txBody>
+          <a:bodyPr>
+            <a:normAutofit/>
+          </a:bodyPr>
+          <a:lstStyle/>
+          <a:p>
+            <a:pPr>
+              <a:buFont typeface="Arial"/>
+              <a:buChar char="•"/>
+            </a:pPr>
+            <a:r>
+              <a:rPr lang="es-ES" dirty="0"/>
+              <a:t>Buscador de vuelos con carrusel</a:t>
+            </a:r>
+          </a:p>
+          <a:p>
+            <a:pPr>
+              <a:buFont typeface="Arial"/>
+              <a:buChar char="•"/>
+            </a:pPr>
+            <a:r>
+              <a:rPr lang="es-ES" dirty="0" err="1"/>
+              <a:t>Validadción</a:t>
+            </a:r>
+            <a:r>
+              <a:rPr lang="es-ES" dirty="0"/>
+              <a:t> y Autentificación de usuarios</a:t>
+            </a:r>
+            <a:endParaRPr dirty="0"/>
+          </a:p>
+          <a:p>
+            <a:pPr>
+              <a:buFont typeface="Arial"/>
+              <a:buChar char="•"/>
+            </a:pPr>
+            <a:r>
+              <a:rPr lang="es-ES" dirty="0"/>
+              <a:t>Comprar un vuelo</a:t>
+            </a:r>
+          </a:p>
+          <a:p>
+            <a:pPr>
+              <a:buFont typeface="Arial"/>
+              <a:buChar char="•"/>
+            </a:pPr>
+            <a:r>
+              <a:rPr lang="es-ES" dirty="0"/>
+              <a:t>Mejora del diseño</a:t>
+            </a:r>
+          </a:p>
+          <a:p>
+            <a:pPr>
+              <a:buFont typeface="Arial"/>
+              <a:buChar char="•"/>
+            </a:pPr>
+            <a:r>
+              <a:rPr lang="es-ES" dirty="0"/>
+              <a:t>Parte pública y privada</a:t>
+            </a:r>
+          </a:p>
+          <a:p>
+            <a:pPr>
+              <a:buFont typeface="Arial"/>
+              <a:buChar char="•"/>
+            </a:pPr>
+            <a:r>
+              <a:rPr lang="es-ES" dirty="0"/>
+              <a:t>Validación formularios</a:t>
+            </a:r>
+          </a:p>
+          <a:p>
+            <a:pPr>
+              <a:buFont typeface="Arial"/>
+              <a:buChar char="•"/>
+            </a:pPr>
+            <a:r>
+              <a:rPr lang="es-ES" dirty="0"/>
+              <a:t>Interfaz </a:t>
+            </a:r>
+            <a:r>
+              <a:rPr lang="es-ES" dirty="0" err="1"/>
+              <a:t>responsive</a:t>
+            </a:r>
+            <a:endParaRPr lang="es-ES" dirty="0"/>
+          </a:p>
+          <a:p>
+            <a:pPr>
+              <a:buFont typeface="Arial"/>
+              <a:buChar char="•"/>
+            </a:pPr>
+            <a:r>
+              <a:rPr lang="es-ES" dirty="0"/>
+              <a:t>Capa de servicios</a:t>
+            </a:r>
+            <a:endParaRPr dirty="0"/>
+          </a:p>
+        </p:txBody>
+      </p:sp>
+      <p:sp>
+        <p:nvSpPr>
+          <p:cNvPr id="120" name="CuadroTexto 7"/>
+          <p:cNvSpPr txBox="1"/>
+          <p:nvPr/>
+        </p:nvSpPr>
+        <p:spPr>
+          <a:xfrm>
+            <a:off x="135903" y="2413336"/>
+            <a:ext cx="2054089" cy="1477328"/>
+          </a:xfrm>
+          <a:prstGeom prst="rect">
+            <a:avLst/>
+          </a:prstGeom>
+          <a:ln>
+            <a:solidFill>
+              <a:srgbClr val="2E2B21"/>
+            </a:solidFill>
+          </a:ln>
+          <a:extLst>
+            <a:ext uri="{C572A759-6A51-4108-AA02-DFA0A04FC94B}">
+              <ma14:wrappingTextBoxFlag xmlns="" xmlns:m="http://schemas.openxmlformats.org/officeDocument/2006/math" xmlns:a14="http://schemas.microsoft.com/office/drawing/2010/main" xmlns:ma14="http://schemas.microsoft.com/office/mac/drawingml/2011/main" val="1"/>
+            </a:ext>
+          </a:extLst>
+        </p:spPr>
+        <p:txBody>
+          <a:bodyPr lIns="45719" rIns="45719">
+            <a:spAutoFit/>
+          </a:bodyPr>
+          <a:lstStyle/>
+          <a:p>
+            <a:pPr marL="285750" indent="-285750">
+              <a:buSzPct val="100000"/>
+              <a:buChar char="❑"/>
+            </a:pPr>
+            <a:r>
+              <a:rPr lang="es-ES" dirty="0"/>
+              <a:t>UML</a:t>
+            </a:r>
+            <a:endParaRPr dirty="0"/>
           </a:p>
           <a:p>
             <a:pPr marL="285750" indent="-285750">
@@ -5729,8 +4168,10 @@
               <a:defRPr b="1"/>
             </a:pPr>
             <a:r>
-              <a:t>Demostración</a:t>
-            </a:r>
+              <a:rPr dirty="0" err="1"/>
+              <a:t>Funcionalidades</a:t>
+            </a:r>
+            <a:endParaRPr dirty="0"/>
           </a:p>
           <a:p>
             <a:pPr marL="285750" indent="-285750">
@@ -5738,8 +4179,10 @@
               <a:buChar char="❑"/>
             </a:pPr>
             <a:r>
-              <a:t>Aspectos</a:t>
-            </a:r>
+              <a:rPr dirty="0" err="1"/>
+              <a:t>Demostración</a:t>
+            </a:r>
+            <a:endParaRPr dirty="0"/>
           </a:p>
           <a:p>
             <a:pPr marL="285750" indent="-285750">
@@ -5747,14 +4190,257 @@
               <a:buChar char="❑"/>
             </a:pPr>
             <a:r>
+              <a:rPr dirty="0" err="1"/>
+              <a:t>Aspectos</a:t>
+            </a:r>
+            <a:endParaRPr dirty="0"/>
+          </a:p>
+          <a:p>
+            <a:pPr marL="285750" indent="-285750">
+              <a:buSzPct val="100000"/>
+              <a:buChar char="❑"/>
+            </a:pPr>
+            <a:r>
+              <a:rPr dirty="0" err="1"/>
               <a:t>Conclusiones</a:t>
             </a:r>
+            <a:endParaRPr dirty="0"/>
+          </a:p>
+        </p:txBody>
+      </p:sp>
+    </p:spTree>
+  </p:cSld>
+  <p:clrMapOvr>
+    <a:masterClrMapping/>
+  </p:clrMapOvr>
+  <p:transition spd="med"/>
+</p:sld>
+</file>
+
+<file path=ppt/slides/slide5.xml><?xml version="1.0" encoding="utf-8"?>
+<p:sld xmlns:a="http://schemas.openxmlformats.org/drawingml/2006/main" xmlns:r="http://schemas.openxmlformats.org/officeDocument/2006/relationships" xmlns:p="http://schemas.openxmlformats.org/presentationml/2006/main">
+  <p:cSld>
+    <p:spTree>
+      <p:nvGrpSpPr>
+        <p:cNvPr id="1" name=""/>
+        <p:cNvGrpSpPr/>
+        <p:nvPr/>
+      </p:nvGrpSpPr>
+      <p:grpSpPr>
+        <a:xfrm>
+          <a:off x="0" y="0"/>
+          <a:ext cx="0" cy="0"/>
+          <a:chOff x="0" y="0"/>
+          <a:chExt cx="0" cy="0"/>
+        </a:xfrm>
+      </p:grpSpPr>
+      <p:sp>
+        <p:nvSpPr>
+          <p:cNvPr id="122" name="Título 1"/>
+          <p:cNvSpPr txBox="1">
+            <a:spLocks noGrp="1"/>
+          </p:cNvSpPr>
+          <p:nvPr>
+            <p:ph type="title"/>
+          </p:nvPr>
+        </p:nvSpPr>
+        <p:spPr>
+          <a:xfrm>
+            <a:off x="1024128" y="585216"/>
+            <a:ext cx="9720072" cy="1499617"/>
+          </a:xfrm>
+          <a:prstGeom prst="rect">
+            <a:avLst/>
+          </a:prstGeom>
+        </p:spPr>
+        <p:txBody>
+          <a:bodyPr/>
+          <a:lstStyle/>
+          <a:p>
+            <a:pPr defTabSz="886968">
+              <a:defRPr sz="3783" spc="97">
+                <a:latin typeface="Arial"/>
+                <a:ea typeface="Arial"/>
+                <a:cs typeface="Arial"/>
+                <a:sym typeface="Arial"/>
+              </a:defRPr>
+            </a:pPr>
+            <a:r>
+              <a:rPr dirty="0" err="1"/>
+              <a:t>Demostración</a:t>
+            </a:r>
+            <a:r>
+              <a:rPr dirty="0"/>
+              <a:t> </a:t>
+            </a:r>
+            <a:r>
+              <a:rPr dirty="0" err="1"/>
+              <a:t>funcional</a:t>
+            </a:r>
+            <a:r>
+              <a:rPr dirty="0"/>
+              <a:t> del </a:t>
+            </a:r>
+            <a:r>
+              <a:rPr dirty="0" err="1"/>
+              <a:t>proyecto</a:t>
+            </a:r>
+            <a:r>
+              <a:rPr dirty="0"/>
+              <a:t>.</a:t>
+            </a:r>
+            <a:br>
+              <a:rPr dirty="0"/>
+            </a:br>
+            <a:endParaRPr dirty="0"/>
+          </a:p>
+        </p:txBody>
+      </p:sp>
+      <p:sp>
+        <p:nvSpPr>
+          <p:cNvPr id="123" name="Rectángulo 4"/>
+          <p:cNvSpPr txBox="1"/>
+          <p:nvPr/>
+        </p:nvSpPr>
+        <p:spPr>
+          <a:xfrm>
+            <a:off x="5564666" y="1483916"/>
+            <a:ext cx="1718182" cy="350662"/>
+          </a:xfrm>
+          <a:prstGeom prst="rect">
+            <a:avLst/>
+          </a:prstGeom>
+          <a:ln w="12700">
+            <a:miter lim="400000"/>
+          </a:ln>
+          <a:extLst>
+            <a:ext uri="{C572A759-6A51-4108-AA02-DFA0A04FC94B}">
+              <ma14:wrappingTextBoxFlag xmlns="" xmlns:m="http://schemas.openxmlformats.org/officeDocument/2006/math" xmlns:a14="http://schemas.microsoft.com/office/drawing/2010/main" xmlns:ma14="http://schemas.microsoft.com/office/mac/drawingml/2011/main" val="1"/>
+            </a:ext>
+          </a:extLst>
+        </p:spPr>
+        <p:txBody>
+          <a:bodyPr wrap="none" lIns="45719" rIns="45719">
+            <a:spAutoFit/>
+          </a:bodyPr>
+          <a:lstStyle>
+            <a:lvl1pPr>
+              <a:defRPr>
+                <a:latin typeface="Arial"/>
+                <a:ea typeface="Arial"/>
+                <a:cs typeface="Arial"/>
+                <a:sym typeface="Arial"/>
+              </a:defRPr>
+            </a:lvl1pPr>
+          </a:lstStyle>
+          <a:p>
+            <a:r>
+              <a:rPr dirty="0" err="1"/>
+              <a:t>Página</a:t>
+            </a:r>
+            <a:r>
+              <a:rPr dirty="0"/>
+              <a:t> de </a:t>
+            </a:r>
+            <a:r>
+              <a:rPr dirty="0" err="1"/>
+              <a:t>inicio</a:t>
+            </a:r>
+            <a:endParaRPr dirty="0"/>
+          </a:p>
+        </p:txBody>
+      </p:sp>
+      <p:sp>
+        <p:nvSpPr>
+          <p:cNvPr id="124" name="CuadroTexto 5"/>
+          <p:cNvSpPr txBox="1"/>
+          <p:nvPr/>
+        </p:nvSpPr>
+        <p:spPr>
+          <a:xfrm>
+            <a:off x="135903" y="2413336"/>
+            <a:ext cx="2054089" cy="1477328"/>
+          </a:xfrm>
+          <a:prstGeom prst="rect">
+            <a:avLst/>
+          </a:prstGeom>
+          <a:ln>
+            <a:solidFill>
+              <a:srgbClr val="2E2B21"/>
+            </a:solidFill>
+          </a:ln>
+          <a:extLst>
+            <a:ext uri="{C572A759-6A51-4108-AA02-DFA0A04FC94B}">
+              <ma14:wrappingTextBoxFlag xmlns="" xmlns:m="http://schemas.openxmlformats.org/officeDocument/2006/math" xmlns:a14="http://schemas.microsoft.com/office/drawing/2010/main" xmlns:ma14="http://schemas.microsoft.com/office/mac/drawingml/2011/main" val="1"/>
+            </a:ext>
+          </a:extLst>
+        </p:spPr>
+        <p:txBody>
+          <a:bodyPr lIns="45719" rIns="45719">
+            <a:spAutoFit/>
+          </a:bodyPr>
+          <a:lstStyle/>
+          <a:p>
+            <a:pPr marL="285750" indent="-285750">
+              <a:buSzPct val="100000"/>
+              <a:buChar char="❑"/>
+            </a:pPr>
+            <a:r>
+              <a:rPr lang="es-ES" dirty="0"/>
+              <a:t>UML</a:t>
+            </a:r>
+            <a:endParaRPr dirty="0"/>
+          </a:p>
+          <a:p>
+            <a:pPr marL="285750" indent="-285750">
+              <a:buSzPct val="100000"/>
+              <a:buChar char="❑"/>
+            </a:pPr>
+            <a:r>
+              <a:rPr dirty="0" err="1"/>
+              <a:t>Funcionalidades</a:t>
+            </a:r>
+            <a:endParaRPr dirty="0"/>
+          </a:p>
+          <a:p>
+            <a:pPr marL="285750" indent="-285750">
+              <a:buSzPct val="100000"/>
+              <a:buChar char="❑"/>
+              <a:defRPr b="1"/>
+            </a:pPr>
+            <a:r>
+              <a:rPr dirty="0" err="1"/>
+              <a:t>Demostración</a:t>
+            </a:r>
+            <a:endParaRPr dirty="0"/>
+          </a:p>
+          <a:p>
+            <a:pPr marL="285750" indent="-285750">
+              <a:buSzPct val="100000"/>
+              <a:buChar char="❑"/>
+            </a:pPr>
+            <a:r>
+              <a:rPr dirty="0" err="1"/>
+              <a:t>Aspectos</a:t>
+            </a:r>
+            <a:endParaRPr dirty="0"/>
+          </a:p>
+          <a:p>
+            <a:pPr marL="285750" indent="-285750">
+              <a:buSzPct val="100000"/>
+              <a:buChar char="❑"/>
+            </a:pPr>
+            <a:r>
+              <a:rPr dirty="0" err="1"/>
+              <a:t>Conclusiones</a:t>
+            </a:r>
+            <a:endParaRPr dirty="0"/>
           </a:p>
         </p:txBody>
       </p:sp>
       <p:pic>
         <p:nvPicPr>
-          <p:cNvPr id="164" name="Marcador de contenido 5" descr="Marcador de contenido 5"/>
+          <p:cNvPr id="125" name="Captura de pantalla 2019-04-08 a las 10.39.53.png" descr="Captura de pantalla 2019-04-08 a las 10.39.53.png"/>
           <p:cNvPicPr>
             <a:picLocks noChangeAspect="1"/>
           </p:cNvPicPr>
@@ -5770,38 +4456,8 @@
         </p:blipFill>
         <p:spPr>
           <a:xfrm>
-            <a:off x="3192103" y="536704"/>
-            <a:ext cx="7444748" cy="3871711"/>
-          </a:xfrm>
-          <a:prstGeom prst="rect">
-            <a:avLst/>
-          </a:prstGeom>
-          <a:ln w="12700">
-            <a:miter lim="400000"/>
-          </a:ln>
-        </p:spPr>
-      </p:pic>
-      <p:pic>
-        <p:nvPicPr>
-          <p:cNvPr id="165" name="Marcador de contenido 3" descr="Marcador de contenido 3"/>
-          <p:cNvPicPr>
-            <a:picLocks noChangeAspect="1"/>
-          </p:cNvPicPr>
-          <p:nvPr/>
-        </p:nvPicPr>
-        <p:blipFill>
-          <a:blip r:embed="rId3">
-            <a:extLst/>
-          </a:blip>
-          <a:srcRect b="54917"/>
-          <a:stretch>
-            <a:fillRect/>
-          </a:stretch>
-        </p:blipFill>
-        <p:spPr>
-          <a:xfrm>
-            <a:off x="3768978" y="4661506"/>
-            <a:ext cx="6290998" cy="1362967"/>
+            <a:off x="3044571" y="2073158"/>
+            <a:ext cx="6758371" cy="4125750"/>
           </a:xfrm>
           <a:prstGeom prst="rect">
             <a:avLst/>
@@ -5820,839 +4476,7 @@
 </p:sld>
 </file>
 
-<file path=ppt/slides/slide21.xml><?xml version="1.0" encoding="utf-8"?>
-<p:sld xmlns:a="http://schemas.openxmlformats.org/drawingml/2006/main" xmlns:r="http://schemas.openxmlformats.org/officeDocument/2006/relationships" xmlns:p="http://schemas.openxmlformats.org/presentationml/2006/main">
-  <p:cSld>
-    <p:spTree>
-      <p:nvGrpSpPr>
-        <p:cNvPr id="1" name=""/>
-        <p:cNvGrpSpPr/>
-        <p:nvPr/>
-      </p:nvGrpSpPr>
-      <p:grpSpPr>
-        <a:xfrm>
-          <a:off x="0" y="0"/>
-          <a:ext cx="0" cy="0"/>
-          <a:chOff x="0" y="0"/>
-          <a:chExt cx="0" cy="0"/>
-        </a:xfrm>
-      </p:grpSpPr>
-      <p:sp>
-        <p:nvSpPr>
-          <p:cNvPr id="167" name="CuadroTexto 6"/>
-          <p:cNvSpPr txBox="1"/>
-          <p:nvPr/>
-        </p:nvSpPr>
-        <p:spPr>
-          <a:xfrm>
-            <a:off x="135903" y="2413336"/>
-            <a:ext cx="2054089" cy="1790066"/>
-          </a:xfrm>
-          <a:prstGeom prst="rect">
-            <a:avLst/>
-          </a:prstGeom>
-          <a:ln>
-            <a:solidFill>
-              <a:srgbClr val="2E2B21"/>
-            </a:solidFill>
-          </a:ln>
-          <a:extLst>
-            <a:ext uri="{C572A759-6A51-4108-AA02-DFA0A04FC94B}">
-              <ma14:wrappingTextBoxFlag xmlns:ma14="http://schemas.microsoft.com/office/mac/drawingml/2011/main" xmlns:a14="http://schemas.microsoft.com/office/drawing/2010/main" xmlns:m="http://schemas.openxmlformats.org/officeDocument/2006/math" xmlns="" val="1"/>
-            </a:ext>
-          </a:extLst>
-        </p:spPr>
-        <p:txBody>
-          <a:bodyPr lIns="45719" rIns="45719">
-            <a:spAutoFit/>
-          </a:bodyPr>
-          <a:lstStyle/>
-          <a:p>
-            <a:pPr marL="285750" indent="-285750">
-              <a:buSzPct val="100000"/>
-              <a:buChar char="❑"/>
-            </a:pPr>
-            <a:r>
-              <a:t>Presentación</a:t>
-            </a:r>
-          </a:p>
-          <a:p>
-            <a:pPr marL="285750" indent="-285750">
-              <a:buSzPct val="100000"/>
-              <a:buChar char="❑"/>
-            </a:pPr>
-            <a:r>
-              <a:t>Objetivos</a:t>
-            </a:r>
-          </a:p>
-          <a:p>
-            <a:pPr marL="285750" indent="-285750">
-              <a:buSzPct val="100000"/>
-              <a:buChar char="❑"/>
-            </a:pPr>
-            <a:r>
-              <a:t>Funcionalidades</a:t>
-            </a:r>
-          </a:p>
-          <a:p>
-            <a:pPr marL="285750" indent="-285750">
-              <a:buSzPct val="100000"/>
-              <a:buChar char="❑"/>
-              <a:defRPr b="1"/>
-            </a:pPr>
-            <a:r>
-              <a:t>Demostración</a:t>
-            </a:r>
-          </a:p>
-          <a:p>
-            <a:pPr marL="285750" indent="-285750">
-              <a:buSzPct val="100000"/>
-              <a:buChar char="❑"/>
-            </a:pPr>
-            <a:r>
-              <a:t>Aspectos</a:t>
-            </a:r>
-          </a:p>
-          <a:p>
-            <a:pPr marL="285750" indent="-285750">
-              <a:buSzPct val="100000"/>
-              <a:buChar char="❑"/>
-            </a:pPr>
-            <a:r>
-              <a:t>Conclusiones</a:t>
-            </a:r>
-          </a:p>
-        </p:txBody>
-      </p:sp>
-      <p:pic>
-        <p:nvPicPr>
-          <p:cNvPr id="168" name="Marcador de contenido 8" descr="Marcador de contenido 8"/>
-          <p:cNvPicPr>
-            <a:picLocks noChangeAspect="1"/>
-          </p:cNvPicPr>
-          <p:nvPr/>
-        </p:nvPicPr>
-        <p:blipFill>
-          <a:blip r:embed="rId2">
-            <a:extLst/>
-          </a:blip>
-          <a:stretch>
-            <a:fillRect/>
-          </a:stretch>
-        </p:blipFill>
-        <p:spPr>
-          <a:xfrm>
-            <a:off x="2213038" y="-19965"/>
-            <a:ext cx="7779848" cy="4464627"/>
-          </a:xfrm>
-          <a:prstGeom prst="rect">
-            <a:avLst/>
-          </a:prstGeom>
-          <a:ln w="12700">
-            <a:miter lim="400000"/>
-          </a:ln>
-        </p:spPr>
-      </p:pic>
-      <p:pic>
-        <p:nvPicPr>
-          <p:cNvPr id="169" name="Marcador de contenido 7" descr="Marcador de contenido 7"/>
-          <p:cNvPicPr>
-            <a:picLocks noChangeAspect="1"/>
-          </p:cNvPicPr>
-          <p:nvPr/>
-        </p:nvPicPr>
-        <p:blipFill>
-          <a:blip r:embed="rId3">
-            <a:extLst/>
-          </a:blip>
-          <a:stretch>
-            <a:fillRect/>
-          </a:stretch>
-        </p:blipFill>
-        <p:spPr>
-          <a:xfrm>
-            <a:off x="5348311" y="3655438"/>
-            <a:ext cx="6843690" cy="3202562"/>
-          </a:xfrm>
-          <a:prstGeom prst="rect">
-            <a:avLst/>
-          </a:prstGeom>
-          <a:ln w="12700">
-            <a:miter lim="400000"/>
-          </a:ln>
-        </p:spPr>
-      </p:pic>
-    </p:spTree>
-  </p:cSld>
-  <p:clrMapOvr>
-    <a:masterClrMapping/>
-  </p:clrMapOvr>
-  <p:transition spd="med"/>
-</p:sld>
-</file>
-
-<file path=ppt/slides/slide22.xml><?xml version="1.0" encoding="utf-8"?>
-<p:sld xmlns:a="http://schemas.openxmlformats.org/drawingml/2006/main" xmlns:r="http://schemas.openxmlformats.org/officeDocument/2006/relationships" xmlns:p="http://schemas.openxmlformats.org/presentationml/2006/main">
-  <p:cSld>
-    <p:spTree>
-      <p:nvGrpSpPr>
-        <p:cNvPr id="1" name=""/>
-        <p:cNvGrpSpPr/>
-        <p:nvPr/>
-      </p:nvGrpSpPr>
-      <p:grpSpPr>
-        <a:xfrm>
-          <a:off x="0" y="0"/>
-          <a:ext cx="0" cy="0"/>
-          <a:chOff x="0" y="0"/>
-          <a:chExt cx="0" cy="0"/>
-        </a:xfrm>
-      </p:grpSpPr>
-      <p:sp>
-        <p:nvSpPr>
-          <p:cNvPr id="171" name="TICKET"/>
-          <p:cNvSpPr txBox="1">
-            <a:spLocks noGrp="1"/>
-          </p:cNvSpPr>
-          <p:nvPr>
-            <p:ph type="title"/>
-          </p:nvPr>
-        </p:nvSpPr>
-        <p:spPr>
-          <a:xfrm>
-            <a:off x="1024127" y="533715"/>
-            <a:ext cx="9720073" cy="1499617"/>
-          </a:xfrm>
-          <a:prstGeom prst="rect">
-            <a:avLst/>
-          </a:prstGeom>
-        </p:spPr>
-        <p:txBody>
-          <a:bodyPr/>
-          <a:lstStyle>
-            <a:lvl1pPr>
-              <a:defRPr sz="4400" spc="112">
-                <a:latin typeface="Arial"/>
-                <a:ea typeface="Arial"/>
-                <a:cs typeface="Arial"/>
-                <a:sym typeface="Arial"/>
-              </a:defRPr>
-            </a:lvl1pPr>
-          </a:lstStyle>
-          <a:p>
-            <a:r>
-              <a:t>TICKET</a:t>
-            </a:r>
-          </a:p>
-        </p:txBody>
-      </p:sp>
-      <p:sp>
-        <p:nvSpPr>
-          <p:cNvPr id="172" name="CuadroTexto 5"/>
-          <p:cNvSpPr txBox="1"/>
-          <p:nvPr/>
-        </p:nvSpPr>
-        <p:spPr>
-          <a:xfrm>
-            <a:off x="135903" y="2413336"/>
-            <a:ext cx="2054089" cy="1790066"/>
-          </a:xfrm>
-          <a:prstGeom prst="rect">
-            <a:avLst/>
-          </a:prstGeom>
-          <a:ln>
-            <a:solidFill>
-              <a:srgbClr val="2E2B21"/>
-            </a:solidFill>
-          </a:ln>
-          <a:extLst>
-            <a:ext uri="{C572A759-6A51-4108-AA02-DFA0A04FC94B}">
-              <ma14:wrappingTextBoxFlag xmlns:ma14="http://schemas.microsoft.com/office/mac/drawingml/2011/main" xmlns:a14="http://schemas.microsoft.com/office/drawing/2010/main" xmlns:m="http://schemas.openxmlformats.org/officeDocument/2006/math" xmlns="" val="1"/>
-            </a:ext>
-          </a:extLst>
-        </p:spPr>
-        <p:txBody>
-          <a:bodyPr lIns="45719" rIns="45719">
-            <a:spAutoFit/>
-          </a:bodyPr>
-          <a:lstStyle/>
-          <a:p>
-            <a:pPr marL="285750" indent="-285750">
-              <a:buSzPct val="100000"/>
-              <a:buChar char="❑"/>
-            </a:pPr>
-            <a:r>
-              <a:t>Presentación</a:t>
-            </a:r>
-          </a:p>
-          <a:p>
-            <a:pPr marL="285750" indent="-285750">
-              <a:buSzPct val="100000"/>
-              <a:buChar char="❑"/>
-            </a:pPr>
-            <a:r>
-              <a:t>Objetivos</a:t>
-            </a:r>
-          </a:p>
-          <a:p>
-            <a:pPr marL="285750" indent="-285750">
-              <a:buSzPct val="100000"/>
-              <a:buChar char="❑"/>
-            </a:pPr>
-            <a:r>
-              <a:t>Funcionalidades</a:t>
-            </a:r>
-          </a:p>
-          <a:p>
-            <a:pPr marL="285750" indent="-285750">
-              <a:buSzPct val="100000"/>
-              <a:buChar char="❑"/>
-              <a:defRPr b="1"/>
-            </a:pPr>
-            <a:r>
-              <a:t>Demostración</a:t>
-            </a:r>
-          </a:p>
-          <a:p>
-            <a:pPr marL="285750" indent="-285750">
-              <a:buSzPct val="100000"/>
-              <a:buChar char="❑"/>
-            </a:pPr>
-            <a:r>
-              <a:t>Aspectos</a:t>
-            </a:r>
-          </a:p>
-          <a:p>
-            <a:pPr marL="285750" indent="-285750">
-              <a:buSzPct val="100000"/>
-              <a:buChar char="❑"/>
-            </a:pPr>
-            <a:r>
-              <a:t>Conclusiones</a:t>
-            </a:r>
-          </a:p>
-        </p:txBody>
-      </p:sp>
-      <p:sp>
-        <p:nvSpPr>
-          <p:cNvPr id="173" name="Rectángulo 4"/>
-          <p:cNvSpPr txBox="1"/>
-          <p:nvPr/>
-        </p:nvSpPr>
-        <p:spPr>
-          <a:xfrm>
-            <a:off x="5376993" y="1903016"/>
-            <a:ext cx="1438014" cy="350662"/>
-          </a:xfrm>
-          <a:prstGeom prst="rect">
-            <a:avLst/>
-          </a:prstGeom>
-          <a:ln w="12700">
-            <a:miter lim="400000"/>
-          </a:ln>
-          <a:extLst>
-            <a:ext uri="{C572A759-6A51-4108-AA02-DFA0A04FC94B}">
-              <ma14:wrappingTextBoxFlag xmlns:ma14="http://schemas.microsoft.com/office/mac/drawingml/2011/main" xmlns:a14="http://schemas.microsoft.com/office/drawing/2010/main" xmlns:m="http://schemas.openxmlformats.org/officeDocument/2006/math" xmlns="" val="1"/>
-            </a:ext>
-          </a:extLst>
-        </p:spPr>
-        <p:txBody>
-          <a:bodyPr wrap="none" lIns="45719" rIns="45719">
-            <a:spAutoFit/>
-          </a:bodyPr>
-          <a:lstStyle>
-            <a:lvl1pPr>
-              <a:defRPr>
-                <a:latin typeface="Arial"/>
-                <a:ea typeface="Arial"/>
-                <a:cs typeface="Arial"/>
-                <a:sym typeface="Arial"/>
-              </a:defRPr>
-            </a:lvl1pPr>
-          </a:lstStyle>
-          <a:p>
-            <a:r>
-              <a:t>Listar Tickets</a:t>
-            </a:r>
-          </a:p>
-        </p:txBody>
-      </p:sp>
-      <p:pic>
-        <p:nvPicPr>
-          <p:cNvPr id="174" name="Captura de pantalla 2019-04-08 a las 10.07.46.png" descr="Captura de pantalla 2019-04-08 a las 10.07.46.png"/>
-          <p:cNvPicPr>
-            <a:picLocks noChangeAspect="1"/>
-          </p:cNvPicPr>
-          <p:nvPr/>
-        </p:nvPicPr>
-        <p:blipFill>
-          <a:blip r:embed="rId2">
-            <a:extLst/>
-          </a:blip>
-          <a:srcRect l="1346" t="2690" r="8997" b="2690"/>
-          <a:stretch>
-            <a:fillRect/>
-          </a:stretch>
-        </p:blipFill>
-        <p:spPr>
-          <a:xfrm>
-            <a:off x="2280443" y="2323870"/>
-            <a:ext cx="7630920" cy="3550422"/>
-          </a:xfrm>
-          <a:prstGeom prst="rect">
-            <a:avLst/>
-          </a:prstGeom>
-          <a:ln w="12700">
-            <a:miter lim="400000"/>
-          </a:ln>
-        </p:spPr>
-      </p:pic>
-    </p:spTree>
-  </p:cSld>
-  <p:clrMapOvr>
-    <a:masterClrMapping/>
-  </p:clrMapOvr>
-  <p:transition spd="med"/>
-</p:sld>
-</file>
-
-<file path=ppt/slides/slide23.xml><?xml version="1.0" encoding="utf-8"?>
-<p:sld xmlns:a="http://schemas.openxmlformats.org/drawingml/2006/main" xmlns:r="http://schemas.openxmlformats.org/officeDocument/2006/relationships" xmlns:p="http://schemas.openxmlformats.org/presentationml/2006/main">
-  <p:cSld>
-    <p:spTree>
-      <p:nvGrpSpPr>
-        <p:cNvPr id="1" name=""/>
-        <p:cNvGrpSpPr/>
-        <p:nvPr/>
-      </p:nvGrpSpPr>
-      <p:grpSpPr>
-        <a:xfrm>
-          <a:off x="0" y="0"/>
-          <a:ext cx="0" cy="0"/>
-          <a:chOff x="0" y="0"/>
-          <a:chExt cx="0" cy="0"/>
-        </a:xfrm>
-      </p:grpSpPr>
-      <p:sp>
-        <p:nvSpPr>
-          <p:cNvPr id="176" name="Equipajes"/>
-          <p:cNvSpPr txBox="1">
-            <a:spLocks noGrp="1"/>
-          </p:cNvSpPr>
-          <p:nvPr>
-            <p:ph type="title"/>
-          </p:nvPr>
-        </p:nvSpPr>
-        <p:spPr>
-          <a:xfrm>
-            <a:off x="1024127" y="533715"/>
-            <a:ext cx="9720073" cy="1499617"/>
-          </a:xfrm>
-          <a:prstGeom prst="rect">
-            <a:avLst/>
-          </a:prstGeom>
-        </p:spPr>
-        <p:txBody>
-          <a:bodyPr/>
-          <a:lstStyle>
-            <a:lvl1pPr>
-              <a:defRPr sz="4400" spc="112">
-                <a:latin typeface="Arial"/>
-                <a:ea typeface="Arial"/>
-                <a:cs typeface="Arial"/>
-                <a:sym typeface="Arial"/>
-              </a:defRPr>
-            </a:lvl1pPr>
-          </a:lstStyle>
-          <a:p>
-            <a:r>
-              <a:t>Equipajes</a:t>
-            </a:r>
-          </a:p>
-        </p:txBody>
-      </p:sp>
-      <p:sp>
-        <p:nvSpPr>
-          <p:cNvPr id="177" name="CuadroTexto 5"/>
-          <p:cNvSpPr txBox="1"/>
-          <p:nvPr/>
-        </p:nvSpPr>
-        <p:spPr>
-          <a:xfrm>
-            <a:off x="135903" y="2413336"/>
-            <a:ext cx="2054089" cy="1790066"/>
-          </a:xfrm>
-          <a:prstGeom prst="rect">
-            <a:avLst/>
-          </a:prstGeom>
-          <a:ln>
-            <a:solidFill>
-              <a:srgbClr val="2E2B21"/>
-            </a:solidFill>
-          </a:ln>
-          <a:extLst>
-            <a:ext uri="{C572A759-6A51-4108-AA02-DFA0A04FC94B}">
-              <ma14:wrappingTextBoxFlag xmlns:ma14="http://schemas.microsoft.com/office/mac/drawingml/2011/main" xmlns:a14="http://schemas.microsoft.com/office/drawing/2010/main" xmlns:m="http://schemas.openxmlformats.org/officeDocument/2006/math" xmlns="" val="1"/>
-            </a:ext>
-          </a:extLst>
-        </p:spPr>
-        <p:txBody>
-          <a:bodyPr lIns="45719" rIns="45719">
-            <a:spAutoFit/>
-          </a:bodyPr>
-          <a:lstStyle/>
-          <a:p>
-            <a:pPr marL="285750" indent="-285750">
-              <a:buSzPct val="100000"/>
-              <a:buChar char="❑"/>
-            </a:pPr>
-            <a:r>
-              <a:t>Presentación</a:t>
-            </a:r>
-          </a:p>
-          <a:p>
-            <a:pPr marL="285750" indent="-285750">
-              <a:buSzPct val="100000"/>
-              <a:buChar char="❑"/>
-            </a:pPr>
-            <a:r>
-              <a:t>Objetivos</a:t>
-            </a:r>
-          </a:p>
-          <a:p>
-            <a:pPr marL="285750" indent="-285750">
-              <a:buSzPct val="100000"/>
-              <a:buChar char="❑"/>
-            </a:pPr>
-            <a:r>
-              <a:t>Funcionalidades</a:t>
-            </a:r>
-          </a:p>
-          <a:p>
-            <a:pPr marL="285750" indent="-285750">
-              <a:buSzPct val="100000"/>
-              <a:buChar char="❑"/>
-              <a:defRPr b="1"/>
-            </a:pPr>
-            <a:r>
-              <a:t>Demostración</a:t>
-            </a:r>
-          </a:p>
-          <a:p>
-            <a:pPr marL="285750" indent="-285750">
-              <a:buSzPct val="100000"/>
-              <a:buChar char="❑"/>
-            </a:pPr>
-            <a:r>
-              <a:t>Aspectos</a:t>
-            </a:r>
-          </a:p>
-          <a:p>
-            <a:pPr marL="285750" indent="-285750">
-              <a:buSzPct val="100000"/>
-              <a:buChar char="❑"/>
-            </a:pPr>
-            <a:r>
-              <a:t>Conclusiones</a:t>
-            </a:r>
-          </a:p>
-        </p:txBody>
-      </p:sp>
-      <p:sp>
-        <p:nvSpPr>
-          <p:cNvPr id="178" name="Rectángulo 4"/>
-          <p:cNvSpPr txBox="1"/>
-          <p:nvPr/>
-        </p:nvSpPr>
-        <p:spPr>
-          <a:xfrm>
-            <a:off x="5376993" y="1903016"/>
-            <a:ext cx="1730684" cy="350662"/>
-          </a:xfrm>
-          <a:prstGeom prst="rect">
-            <a:avLst/>
-          </a:prstGeom>
-          <a:ln w="12700">
-            <a:miter lim="400000"/>
-          </a:ln>
-          <a:extLst>
-            <a:ext uri="{C572A759-6A51-4108-AA02-DFA0A04FC94B}">
-              <ma14:wrappingTextBoxFlag xmlns:ma14="http://schemas.microsoft.com/office/mac/drawingml/2011/main" xmlns:a14="http://schemas.microsoft.com/office/drawing/2010/main" xmlns:m="http://schemas.openxmlformats.org/officeDocument/2006/math" xmlns="" val="1"/>
-            </a:ext>
-          </a:extLst>
-        </p:spPr>
-        <p:txBody>
-          <a:bodyPr wrap="none" lIns="45719" rIns="45719">
-            <a:spAutoFit/>
-          </a:bodyPr>
-          <a:lstStyle>
-            <a:lvl1pPr>
-              <a:defRPr>
-                <a:latin typeface="Arial"/>
-                <a:ea typeface="Arial"/>
-                <a:cs typeface="Arial"/>
-                <a:sym typeface="Arial"/>
-              </a:defRPr>
-            </a:lvl1pPr>
-          </a:lstStyle>
-          <a:p>
-            <a:r>
-              <a:t>Listar Equipajes</a:t>
-            </a:r>
-          </a:p>
-        </p:txBody>
-      </p:sp>
-      <p:pic>
-        <p:nvPicPr>
-          <p:cNvPr id="179" name="Captura de pantalla 2019-04-08 a las 10.08.39.png" descr="Captura de pantalla 2019-04-08 a las 10.08.39.png"/>
-          <p:cNvPicPr>
-            <a:picLocks noChangeAspect="1"/>
-          </p:cNvPicPr>
-          <p:nvPr/>
-        </p:nvPicPr>
-        <p:blipFill>
-          <a:blip r:embed="rId2">
-            <a:extLst/>
-          </a:blip>
-          <a:srcRect l="1187" r="14744"/>
-          <a:stretch>
-            <a:fillRect/>
-          </a:stretch>
-        </p:blipFill>
-        <p:spPr>
-          <a:xfrm>
-            <a:off x="2279642" y="2227335"/>
-            <a:ext cx="8171466" cy="2629003"/>
-          </a:xfrm>
-          <a:prstGeom prst="rect">
-            <a:avLst/>
-          </a:prstGeom>
-          <a:ln w="12700">
-            <a:miter lim="400000"/>
-          </a:ln>
-        </p:spPr>
-      </p:pic>
-      <p:pic>
-        <p:nvPicPr>
-          <p:cNvPr id="180" name="Captura de pantalla 2019-04-08 a las 10.08.05.png" descr="Captura de pantalla 2019-04-08 a las 10.08.05.png"/>
-          <p:cNvPicPr>
-            <a:picLocks noChangeAspect="1"/>
-          </p:cNvPicPr>
-          <p:nvPr/>
-        </p:nvPicPr>
-        <p:blipFill>
-          <a:blip r:embed="rId3">
-            <a:extLst/>
-          </a:blip>
-          <a:srcRect l="14561" t="20532" r="14561"/>
-          <a:stretch>
-            <a:fillRect/>
-          </a:stretch>
-        </p:blipFill>
-        <p:spPr>
-          <a:xfrm>
-            <a:off x="5638174" y="4606011"/>
-            <a:ext cx="6245703" cy="1915602"/>
-          </a:xfrm>
-          <a:prstGeom prst="rect">
-            <a:avLst/>
-          </a:prstGeom>
-          <a:ln w="12700">
-            <a:miter lim="400000"/>
-          </a:ln>
-        </p:spPr>
-      </p:pic>
-    </p:spTree>
-  </p:cSld>
-  <p:clrMapOvr>
-    <a:masterClrMapping/>
-  </p:clrMapOvr>
-  <p:transition spd="med"/>
-</p:sld>
-</file>
-
-<file path=ppt/slides/slide24.xml><?xml version="1.0" encoding="utf-8"?>
-<p:sld xmlns:a="http://schemas.openxmlformats.org/drawingml/2006/main" xmlns:r="http://schemas.openxmlformats.org/officeDocument/2006/relationships" xmlns:p="http://schemas.openxmlformats.org/presentationml/2006/main">
-  <p:cSld>
-    <p:spTree>
-      <p:nvGrpSpPr>
-        <p:cNvPr id="1" name=""/>
-        <p:cNvGrpSpPr/>
-        <p:nvPr/>
-      </p:nvGrpSpPr>
-      <p:grpSpPr>
-        <a:xfrm>
-          <a:off x="0" y="0"/>
-          <a:ext cx="0" cy="0"/>
-          <a:chOff x="0" y="0"/>
-          <a:chExt cx="0" cy="0"/>
-        </a:xfrm>
-      </p:grpSpPr>
-      <p:sp>
-        <p:nvSpPr>
-          <p:cNvPr id="182" name="CuadroTexto 6"/>
-          <p:cNvSpPr txBox="1"/>
-          <p:nvPr/>
-        </p:nvSpPr>
-        <p:spPr>
-          <a:xfrm>
-            <a:off x="135903" y="2413336"/>
-            <a:ext cx="2054089" cy="1790066"/>
-          </a:xfrm>
-          <a:prstGeom prst="rect">
-            <a:avLst/>
-          </a:prstGeom>
-          <a:ln>
-            <a:solidFill>
-              <a:srgbClr val="2E2B21"/>
-            </a:solidFill>
-          </a:ln>
-          <a:extLst>
-            <a:ext uri="{C572A759-6A51-4108-AA02-DFA0A04FC94B}">
-              <ma14:wrappingTextBoxFlag xmlns:ma14="http://schemas.microsoft.com/office/mac/drawingml/2011/main" xmlns:a14="http://schemas.microsoft.com/office/drawing/2010/main" xmlns:m="http://schemas.openxmlformats.org/officeDocument/2006/math" xmlns="" val="1"/>
-            </a:ext>
-          </a:extLst>
-        </p:spPr>
-        <p:txBody>
-          <a:bodyPr lIns="45719" rIns="45719">
-            <a:spAutoFit/>
-          </a:bodyPr>
-          <a:lstStyle/>
-          <a:p>
-            <a:pPr marL="285750" indent="-285750">
-              <a:buSzPct val="100000"/>
-              <a:buChar char="❑"/>
-            </a:pPr>
-            <a:r>
-              <a:t>Presentación</a:t>
-            </a:r>
-          </a:p>
-          <a:p>
-            <a:pPr marL="285750" indent="-285750">
-              <a:buSzPct val="100000"/>
-              <a:buChar char="❑"/>
-            </a:pPr>
-            <a:r>
-              <a:t>Objetivos</a:t>
-            </a:r>
-          </a:p>
-          <a:p>
-            <a:pPr marL="285750" indent="-285750">
-              <a:buSzPct val="100000"/>
-              <a:buChar char="❑"/>
-            </a:pPr>
-            <a:r>
-              <a:t>Funcionalidades</a:t>
-            </a:r>
-          </a:p>
-          <a:p>
-            <a:pPr marL="285750" indent="-285750">
-              <a:buSzPct val="100000"/>
-              <a:buChar char="❑"/>
-              <a:defRPr b="1"/>
-            </a:pPr>
-            <a:r>
-              <a:t>Demostración</a:t>
-            </a:r>
-          </a:p>
-          <a:p>
-            <a:pPr marL="285750" indent="-285750">
-              <a:buSzPct val="100000"/>
-              <a:buChar char="❑"/>
-            </a:pPr>
-            <a:r>
-              <a:t>Aspectos</a:t>
-            </a:r>
-          </a:p>
-          <a:p>
-            <a:pPr marL="285750" indent="-285750">
-              <a:buSzPct val="100000"/>
-              <a:buChar char="❑"/>
-            </a:pPr>
-            <a:r>
-              <a:t>Conclusiones</a:t>
-            </a:r>
-          </a:p>
-        </p:txBody>
-      </p:sp>
-      <p:pic>
-        <p:nvPicPr>
-          <p:cNvPr id="183" name="Marcador de contenido 3" descr="Marcador de contenido 3"/>
-          <p:cNvPicPr>
-            <a:picLocks noChangeAspect="1"/>
-          </p:cNvPicPr>
-          <p:nvPr/>
-        </p:nvPicPr>
-        <p:blipFill>
-          <a:blip r:embed="rId2">
-            <a:extLst/>
-          </a:blip>
-          <a:stretch>
-            <a:fillRect/>
-          </a:stretch>
-        </p:blipFill>
-        <p:spPr>
-          <a:xfrm>
-            <a:off x="2357686" y="1900490"/>
-            <a:ext cx="9698410" cy="3874667"/>
-          </a:xfrm>
-          <a:prstGeom prst="rect">
-            <a:avLst/>
-          </a:prstGeom>
-          <a:ln w="12700">
-            <a:miter lim="400000"/>
-          </a:ln>
-        </p:spPr>
-      </p:pic>
-      <p:sp>
-        <p:nvSpPr>
-          <p:cNvPr id="184" name="Título 1"/>
-          <p:cNvSpPr txBox="1">
-            <a:spLocks noGrp="1"/>
-          </p:cNvSpPr>
-          <p:nvPr>
-            <p:ph type="title"/>
-          </p:nvPr>
-        </p:nvSpPr>
-        <p:spPr>
-          <a:xfrm>
-            <a:off x="746619" y="913720"/>
-            <a:ext cx="9821413" cy="1499617"/>
-          </a:xfrm>
-          <a:prstGeom prst="rect">
-            <a:avLst/>
-          </a:prstGeom>
-        </p:spPr>
-        <p:txBody>
-          <a:bodyPr/>
-          <a:lstStyle/>
-          <a:p>
-            <a:pPr>
-              <a:defRPr sz="4400">
-                <a:latin typeface="Arial"/>
-                <a:ea typeface="Arial"/>
-                <a:cs typeface="Arial"/>
-                <a:sym typeface="Arial"/>
-              </a:defRPr>
-            </a:pPr>
-            <a:r>
-              <a:t>Tarjetas de embarque</a:t>
-            </a:r>
-            <a:br/>
-            <a:endParaRPr/>
-          </a:p>
-        </p:txBody>
-      </p:sp>
-    </p:spTree>
-  </p:cSld>
-  <p:clrMapOvr>
-    <a:masterClrMapping/>
-  </p:clrMapOvr>
-  <p:transition spd="med"/>
-</p:sld>
-</file>
-
-<file path=ppt/slides/slide25.xml><?xml version="1.0" encoding="utf-8"?>
+<file path=ppt/slides/slide6.xml><?xml version="1.0" encoding="utf-8"?>
 <p:sld xmlns:a="http://schemas.openxmlformats.org/drawingml/2006/main" xmlns:r="http://schemas.openxmlformats.org/officeDocument/2006/relationships" xmlns:p="http://schemas.openxmlformats.org/presentationml/2006/main">
   <p:cSld>
     <p:spTree>
@@ -6831,7 +4655,7 @@
         <p:spPr>
           <a:xfrm>
             <a:off x="135904" y="2413337"/>
-            <a:ext cx="2054087" cy="1754326"/>
+            <a:ext cx="2054087" cy="1477328"/>
           </a:xfrm>
           <a:prstGeom prst="rect">
             <a:avLst/>
@@ -6855,17 +4679,7 @@
             </a:pPr>
             <a:r>
               <a:rPr lang="es-ES" dirty="0"/>
-              <a:t>Presentación</a:t>
-            </a:r>
-          </a:p>
-          <a:p>
-            <a:pPr marL="285750" indent="-285750">
-              <a:buFont typeface="Wingdings" panose="05000000000000000000" pitchFamily="2" charset="2"/>
-              <a:buChar char="q"/>
-            </a:pPr>
-            <a:r>
-              <a:rPr lang="es-ES" dirty="0"/>
-              <a:t>Objetivos</a:t>
+              <a:t>UML</a:t>
             </a:r>
           </a:p>
           <a:p>
@@ -6984,7 +4798,7 @@
 </p:sld>
 </file>
 
-<file path=ppt/slides/slide26.xml><?xml version="1.0" encoding="utf-8"?>
+<file path=ppt/slides/slide7.xml><?xml version="1.0" encoding="utf-8"?>
 <p:sld xmlns:a="http://schemas.openxmlformats.org/drawingml/2006/main" xmlns:r="http://schemas.openxmlformats.org/officeDocument/2006/relationships" xmlns:p="http://schemas.openxmlformats.org/presentationml/2006/main">
   <p:cSld>
     <p:spTree>
@@ -7048,7 +4862,7 @@
         <p:spPr>
           <a:xfrm>
             <a:off x="135903" y="2413336"/>
-            <a:ext cx="2054089" cy="1790066"/>
+            <a:ext cx="2054089" cy="1477328"/>
           </a:xfrm>
           <a:prstGeom prst="rect">
             <a:avLst/>
@@ -7060,7 +4874,7 @@
           </a:ln>
           <a:extLst>
             <a:ext uri="{C572A759-6A51-4108-AA02-DFA0A04FC94B}">
-              <ma14:wrappingTextBoxFlag xmlns:ma14="http://schemas.microsoft.com/office/mac/drawingml/2011/main" xmlns:a14="http://schemas.microsoft.com/office/drawing/2010/main" xmlns:m="http://schemas.openxmlformats.org/officeDocument/2006/math" xmlns="" val="1"/>
+              <ma14:wrappingTextBoxFlag xmlns="" xmlns:m="http://schemas.openxmlformats.org/officeDocument/2006/math" xmlns:a14="http://schemas.microsoft.com/office/drawing/2010/main" xmlns:ma14="http://schemas.microsoft.com/office/mac/drawingml/2011/main" val="1"/>
             </a:ext>
           </a:extLst>
         </p:spPr>
@@ -7075,8 +4889,10 @@
               <a:buChar char="❑"/>
             </a:pPr>
             <a:r>
-              <a:t>Presentación</a:t>
-            </a:r>
+              <a:rPr lang="es-ES" dirty="0"/>
+              <a:t>UML</a:t>
+            </a:r>
+            <a:endParaRPr dirty="0"/>
           </a:p>
           <a:p>
             <a:pPr marL="285750" indent="-285750">
@@ -7084,8 +4900,10 @@
               <a:buChar char="❑"/>
             </a:pPr>
             <a:r>
-              <a:t>Objetivos</a:t>
-            </a:r>
+              <a:rPr dirty="0" err="1"/>
+              <a:t>Funcionalidades</a:t>
+            </a:r>
+            <a:endParaRPr dirty="0"/>
           </a:p>
           <a:p>
             <a:pPr marL="285750" indent="-285750">
@@ -7093,8 +4911,10 @@
               <a:buChar char="❑"/>
             </a:pPr>
             <a:r>
-              <a:t>Funcionalidades</a:t>
-            </a:r>
+              <a:rPr dirty="0" err="1"/>
+              <a:t>Demostración</a:t>
+            </a:r>
+            <a:endParaRPr dirty="0"/>
           </a:p>
           <a:p>
             <a:pPr marL="285750" indent="-285750">
@@ -7102,17 +4922,10 @@
               <a:buChar char="❑"/>
             </a:pPr>
             <a:r>
-              <a:t>Demostración</a:t>
-            </a:r>
-          </a:p>
-          <a:p>
-            <a:pPr marL="285750" indent="-285750">
-              <a:buSzPct val="100000"/>
-              <a:buChar char="❑"/>
-            </a:pPr>
-            <a:r>
+              <a:rPr dirty="0" err="1"/>
               <a:t>Aspectos</a:t>
             </a:r>
+            <a:endParaRPr dirty="0"/>
           </a:p>
           <a:p>
             <a:pPr marL="285750" indent="-285750">
@@ -7121,8 +4934,10 @@
               <a:defRPr b="1"/>
             </a:pPr>
             <a:r>
+              <a:rPr dirty="0" err="1"/>
               <a:t>Conclusiones</a:t>
             </a:r>
+            <a:endParaRPr dirty="0"/>
           </a:p>
         </p:txBody>
       </p:sp>
@@ -7147,7 +4962,7 @@
         </p:spPr>
         <p:txBody>
           <a:bodyPr>
-            <a:normAutofit lnSpcReduction="10000"/>
+            <a:normAutofit/>
           </a:bodyPr>
           <a:lstStyle/>
           <a:p>
@@ -7156,7 +4971,40 @@
               <a:buChar char="•"/>
             </a:pPr>
             <a:r>
-              <a:t> Fácil manejo de la plataforma escogida (Laravel).</a:t>
+              <a:rPr dirty="0"/>
+              <a:t> </a:t>
+            </a:r>
+            <a:r>
+              <a:rPr dirty="0" err="1"/>
+              <a:t>Fácil</a:t>
+            </a:r>
+            <a:r>
+              <a:rPr dirty="0"/>
+              <a:t> </a:t>
+            </a:r>
+            <a:r>
+              <a:rPr dirty="0" err="1"/>
+              <a:t>manejo</a:t>
+            </a:r>
+            <a:r>
+              <a:rPr dirty="0"/>
+              <a:t> de la </a:t>
+            </a:r>
+            <a:r>
+              <a:rPr dirty="0" err="1"/>
+              <a:t>plataforma</a:t>
+            </a:r>
+            <a:r>
+              <a:rPr dirty="0"/>
+              <a:t> </a:t>
+            </a:r>
+            <a:r>
+              <a:rPr dirty="0" err="1"/>
+              <a:t>escogida</a:t>
+            </a:r>
+            <a:r>
+              <a:rPr dirty="0"/>
+              <a:t> (Laravel).</a:t>
             </a:r>
           </a:p>
           <a:p>
@@ -7165,7 +5013,24 @@
               <a:buChar char="•"/>
             </a:pPr>
             <a:r>
-              <a:t> Integración entre Laravel, Visual Code y Github.</a:t>
+              <a:rPr dirty="0"/>
+              <a:t> </a:t>
+            </a:r>
+            <a:r>
+              <a:rPr dirty="0" err="1"/>
+              <a:t>Integración</a:t>
+            </a:r>
+            <a:r>
+              <a:rPr dirty="0"/>
+              <a:t> entre Laravel, Visual Code y </a:t>
+            </a:r>
+            <a:r>
+              <a:rPr dirty="0" err="1"/>
+              <a:t>Github</a:t>
+            </a:r>
+            <a:r>
+              <a:rPr dirty="0"/>
+              <a:t>.</a:t>
             </a:r>
           </a:p>
           <a:p>
@@ -7174,7 +5039,24 @@
               <a:buChar char="•"/>
             </a:pPr>
             <a:r>
-              <a:t> Buena organización de equipo.</a:t>
+              <a:rPr dirty="0"/>
+              <a:t> Buena </a:t>
+            </a:r>
+            <a:r>
+              <a:rPr dirty="0" err="1"/>
+              <a:t>organización</a:t>
+            </a:r>
+            <a:r>
+              <a:rPr dirty="0"/>
+              <a:t> de </a:t>
+            </a:r>
+            <a:r>
+              <a:rPr dirty="0" err="1"/>
+              <a:t>equipo</a:t>
+            </a:r>
+            <a:r>
+              <a:rPr dirty="0"/>
+              <a:t>.</a:t>
             </a:r>
           </a:p>
           <a:p>
@@ -7182,7 +5064,7 @@
               <a:buFont typeface="Arial"/>
               <a:buChar char="•"/>
             </a:pPr>
-            <a:endParaRPr/>
+            <a:endParaRPr dirty="0"/>
           </a:p>
           <a:p>
             <a:pPr>
@@ -7190,13 +5072,15 @@
               <a:buChar char="•"/>
             </a:pPr>
             <a:r>
+              <a:rPr dirty="0"/>
               <a:t> </a:t>
             </a:r>
             <a:r>
-              <a:rPr b="1"/>
+              <a:rPr b="1" dirty="0" err="1"/>
               <a:t>Problemas</a:t>
             </a:r>
             <a:r>
+              <a:rPr dirty="0"/>
               <a:t>:</a:t>
             </a:r>
           </a:p>
@@ -7206,15 +5090,21 @@
               <a:buChar char="•"/>
             </a:pPr>
             <a:r>
-              <a:t> Implementación migraciones de relaciones en la base de datos (Solucionado).</a:t>
-            </a:r>
+              <a:rPr dirty="0"/>
+              <a:t> </a:t>
+            </a:r>
+            <a:r>
+              <a:rPr lang="es-ES" dirty="0"/>
+              <a:t>Consultas entre diferentes tablas </a:t>
+            </a:r>
+            <a:endParaRPr dirty="0"/>
           </a:p>
           <a:p>
             <a:pPr marL="219455" lvl="1" indent="-91439">
               <a:buFont typeface="Arial"/>
               <a:buChar char="•"/>
             </a:pPr>
-            <a:endParaRPr/>
+            <a:endParaRPr dirty="0"/>
           </a:p>
           <a:p>
             <a:pPr>
@@ -7223,7 +5113,24 @@
               <a:defRPr b="1"/>
             </a:pPr>
             <a:r>
-              <a:t> Posibles mejoras :</a:t>
+              <a:rPr dirty="0"/>
+              <a:t> </a:t>
+            </a:r>
+            <a:r>
+              <a:rPr dirty="0" err="1"/>
+              <a:t>Posibles</a:t>
+            </a:r>
+            <a:r>
+              <a:rPr dirty="0"/>
+              <a:t> </a:t>
+            </a:r>
+            <a:r>
+              <a:rPr dirty="0" err="1"/>
+              <a:t>mejoras</a:t>
+            </a:r>
+            <a:r>
+              <a:rPr dirty="0"/>
+              <a:t> :</a:t>
             </a:r>
           </a:p>
           <a:p>
@@ -7232,1798 +5139,38 @@
               <a:buChar char="•"/>
             </a:pPr>
             <a:r>
-              <a:t> Mejorar estilo de la interfaz.</a:t>
-            </a:r>
+              <a:rPr dirty="0"/>
+              <a:t> </a:t>
+            </a:r>
+            <a:r>
+              <a:rPr dirty="0" err="1"/>
+              <a:t>Mejorar</a:t>
+            </a:r>
+            <a:r>
+              <a:rPr dirty="0"/>
+              <a:t> </a:t>
+            </a:r>
+            <a:r>
+              <a:rPr dirty="0" err="1"/>
+              <a:t>estilo</a:t>
+            </a:r>
+            <a:r>
+              <a:rPr dirty="0"/>
+              <a:t> de la </a:t>
+            </a:r>
+            <a:r>
+              <a:rPr dirty="0" err="1"/>
+              <a:t>interfaz</a:t>
+            </a:r>
+            <a:r>
+              <a:rPr dirty="0"/>
+              <a:t>.</a:t>
+            </a:r>
+            <a:endParaRPr lang="es-ES" dirty="0"/>
           </a:p>
         </p:txBody>
       </p:sp>
     </p:spTree>
-  </p:cSld>
-  <p:clrMapOvr>
-    <a:masterClrMapping/>
-  </p:clrMapOvr>
-  <p:transition spd="med"/>
-</p:sld>
-</file>
-
-<file path=ppt/slides/slide3.xml><?xml version="1.0" encoding="utf-8"?>
-<p:sld xmlns:a="http://schemas.openxmlformats.org/drawingml/2006/main" xmlns:r="http://schemas.openxmlformats.org/officeDocument/2006/relationships" xmlns:p="http://schemas.openxmlformats.org/presentationml/2006/main">
-  <p:cSld>
-    <p:spTree>
-      <p:nvGrpSpPr>
-        <p:cNvPr id="1" name=""/>
-        <p:cNvGrpSpPr/>
-        <p:nvPr/>
-      </p:nvGrpSpPr>
-      <p:grpSpPr>
-        <a:xfrm>
-          <a:off x="0" y="0"/>
-          <a:ext cx="0" cy="0"/>
-          <a:chOff x="0" y="0"/>
-          <a:chExt cx="0" cy="0"/>
-        </a:xfrm>
-      </p:grpSpPr>
-      <p:sp>
-        <p:nvSpPr>
-          <p:cNvPr id="110" name="Título 1"/>
-          <p:cNvSpPr txBox="1">
-            <a:spLocks noGrp="1"/>
-          </p:cNvSpPr>
-          <p:nvPr>
-            <p:ph type="title"/>
-          </p:nvPr>
-        </p:nvSpPr>
-        <p:spPr>
-          <a:xfrm>
-            <a:off x="1024128" y="585216"/>
-            <a:ext cx="9720072" cy="1499617"/>
-          </a:xfrm>
-          <a:prstGeom prst="rect">
-            <a:avLst/>
-          </a:prstGeom>
-        </p:spPr>
-        <p:txBody>
-          <a:bodyPr/>
-          <a:lstStyle/>
-          <a:p>
-            <a:pPr defTabSz="886968">
-              <a:defRPr sz="3783" spc="97">
-                <a:solidFill>
-                  <a:srgbClr val="2E2B21"/>
-                </a:solidFill>
-                <a:latin typeface="Arial"/>
-                <a:ea typeface="Arial"/>
-                <a:cs typeface="Arial"/>
-                <a:sym typeface="Arial"/>
-              </a:defRPr>
-            </a:pPr>
-            <a:r>
-              <a:t>Presentación del proyecto y de los miembros. </a:t>
-            </a:r>
-            <a:br/>
-            <a:endParaRPr/>
-          </a:p>
-        </p:txBody>
-      </p:sp>
-      <p:sp>
-        <p:nvSpPr>
-          <p:cNvPr id="111" name="Marcador de contenido 2"/>
-          <p:cNvSpPr txBox="1">
-            <a:spLocks noGrp="1"/>
-          </p:cNvSpPr>
-          <p:nvPr>
-            <p:ph type="body" idx="1"/>
-          </p:nvPr>
-        </p:nvSpPr>
-        <p:spPr>
-          <a:xfrm>
-            <a:off x="2844331" y="2077302"/>
-            <a:ext cx="8946543" cy="4195483"/>
-          </a:xfrm>
-          <a:prstGeom prst="rect">
-            <a:avLst/>
-          </a:prstGeom>
-        </p:spPr>
-        <p:txBody>
-          <a:bodyPr/>
-          <a:lstStyle/>
-          <a:p>
-            <a:pPr>
-              <a:buFontTx/>
-              <a:buChar char="▪"/>
-            </a:pPr>
-            <a:r>
-              <a:t>Abraham Jezael Pérez Ramos</a:t>
-            </a:r>
-          </a:p>
-          <a:p>
-            <a:pPr>
-              <a:buFontTx/>
-              <a:buChar char="▪"/>
-            </a:pPr>
-            <a:endParaRPr/>
-          </a:p>
-          <a:p>
-            <a:pPr>
-              <a:buFontTx/>
-              <a:buChar char="▪"/>
-            </a:pPr>
-            <a:r>
-              <a:t>Alejandro Panagiotidis Arrizabalaga</a:t>
-            </a:r>
-          </a:p>
-          <a:p>
-            <a:pPr>
-              <a:buFontTx/>
-              <a:buChar char="▪"/>
-            </a:pPr>
-            <a:endParaRPr/>
-          </a:p>
-          <a:p>
-            <a:pPr>
-              <a:buFontTx/>
-              <a:buChar char="▪"/>
-            </a:pPr>
-            <a:r>
-              <a:t>Berta Murcia Morales</a:t>
-            </a:r>
-          </a:p>
-          <a:p>
-            <a:pPr>
-              <a:buFontTx/>
-              <a:buChar char="▪"/>
-            </a:pPr>
-            <a:endParaRPr/>
-          </a:p>
-          <a:p>
-            <a:pPr>
-              <a:buFontTx/>
-              <a:buChar char="▪"/>
-            </a:pPr>
-            <a:r>
-              <a:t>Daniel Allhoff Finn</a:t>
-            </a:r>
-          </a:p>
-        </p:txBody>
-      </p:sp>
-      <p:sp>
-        <p:nvSpPr>
-          <p:cNvPr id="112" name="CuadroTexto 5"/>
-          <p:cNvSpPr txBox="1"/>
-          <p:nvPr/>
-        </p:nvSpPr>
-        <p:spPr>
-          <a:xfrm>
-            <a:off x="135903" y="2413336"/>
-            <a:ext cx="2054089" cy="1790066"/>
-          </a:xfrm>
-          <a:prstGeom prst="rect">
-            <a:avLst/>
-          </a:prstGeom>
-          <a:ln>
-            <a:solidFill>
-              <a:srgbClr val="2E2B21"/>
-            </a:solidFill>
-          </a:ln>
-          <a:extLst>
-            <a:ext uri="{C572A759-6A51-4108-AA02-DFA0A04FC94B}">
-              <ma14:wrappingTextBoxFlag xmlns:ma14="http://schemas.microsoft.com/office/mac/drawingml/2011/main" xmlns:a14="http://schemas.microsoft.com/office/drawing/2010/main" xmlns:m="http://schemas.openxmlformats.org/officeDocument/2006/math" xmlns="" val="1"/>
-            </a:ext>
-          </a:extLst>
-        </p:spPr>
-        <p:txBody>
-          <a:bodyPr lIns="45719" rIns="45719">
-            <a:spAutoFit/>
-          </a:bodyPr>
-          <a:lstStyle/>
-          <a:p>
-            <a:pPr marL="285750" indent="-285750">
-              <a:buSzPct val="100000"/>
-              <a:buChar char="❑"/>
-              <a:defRPr b="1"/>
-            </a:pPr>
-            <a:r>
-              <a:t>Presentación</a:t>
-            </a:r>
-          </a:p>
-          <a:p>
-            <a:pPr marL="285750" indent="-285750">
-              <a:buSzPct val="100000"/>
-              <a:buChar char="❑"/>
-            </a:pPr>
-            <a:r>
-              <a:t>Objetivos</a:t>
-            </a:r>
-          </a:p>
-          <a:p>
-            <a:pPr marL="285750" indent="-285750">
-              <a:buSzPct val="100000"/>
-              <a:buChar char="❑"/>
-            </a:pPr>
-            <a:r>
-              <a:t>Funcionalidades</a:t>
-            </a:r>
-          </a:p>
-          <a:p>
-            <a:pPr marL="285750" indent="-285750">
-              <a:buSzPct val="100000"/>
-              <a:buChar char="❑"/>
-            </a:pPr>
-            <a:r>
-              <a:t>Demostración</a:t>
-            </a:r>
-          </a:p>
-          <a:p>
-            <a:pPr marL="285750" indent="-285750">
-              <a:buSzPct val="100000"/>
-              <a:buChar char="❑"/>
-            </a:pPr>
-            <a:r>
-              <a:t>Aspectos</a:t>
-            </a:r>
-          </a:p>
-          <a:p>
-            <a:pPr marL="285750" indent="-285750">
-              <a:buSzPct val="100000"/>
-              <a:buChar char="❑"/>
-            </a:pPr>
-            <a:r>
-              <a:t>Conclusiones</a:t>
-            </a:r>
-          </a:p>
-        </p:txBody>
-      </p:sp>
-    </p:spTree>
-  </p:cSld>
-  <p:clrMapOvr>
-    <a:masterClrMapping/>
-  </p:clrMapOvr>
-  <p:transition spd="med"/>
-</p:sld>
-</file>
-
-<file path=ppt/slides/slide4.xml><?xml version="1.0" encoding="utf-8"?>
-<p:sld xmlns:a="http://schemas.openxmlformats.org/drawingml/2006/main" xmlns:r="http://schemas.openxmlformats.org/officeDocument/2006/relationships" xmlns:p="http://schemas.openxmlformats.org/presentationml/2006/main">
-  <p:cSld>
-    <p:spTree>
-      <p:nvGrpSpPr>
-        <p:cNvPr id="1" name=""/>
-        <p:cNvGrpSpPr/>
-        <p:nvPr/>
-      </p:nvGrpSpPr>
-      <p:grpSpPr>
-        <a:xfrm>
-          <a:off x="0" y="0"/>
-          <a:ext cx="0" cy="0"/>
-          <a:chOff x="0" y="0"/>
-          <a:chExt cx="0" cy="0"/>
-        </a:xfrm>
-      </p:grpSpPr>
-      <p:sp>
-        <p:nvSpPr>
-          <p:cNvPr id="114" name="Título 1"/>
-          <p:cNvSpPr txBox="1">
-            <a:spLocks noGrp="1"/>
-          </p:cNvSpPr>
-          <p:nvPr>
-            <p:ph type="title"/>
-          </p:nvPr>
-        </p:nvSpPr>
-        <p:spPr>
-          <a:xfrm>
-            <a:off x="973328" y="678203"/>
-            <a:ext cx="9720072" cy="1210642"/>
-          </a:xfrm>
-          <a:prstGeom prst="rect">
-            <a:avLst/>
-          </a:prstGeom>
-        </p:spPr>
-        <p:txBody>
-          <a:bodyPr/>
-          <a:lstStyle/>
-          <a:p>
-            <a:pPr defTabSz="905255">
-              <a:defRPr sz="4356" spc="99">
-                <a:latin typeface="Arial"/>
-                <a:ea typeface="Arial"/>
-                <a:cs typeface="Arial"/>
-                <a:sym typeface="Arial"/>
-              </a:defRPr>
-            </a:pPr>
-            <a:r>
-              <a:t>Objetivo del proyecto.</a:t>
-            </a:r>
-            <a:br/>
-            <a:endParaRPr/>
-          </a:p>
-        </p:txBody>
-      </p:sp>
-      <p:sp>
-        <p:nvSpPr>
-          <p:cNvPr id="115" name="CuadroTexto 5"/>
-          <p:cNvSpPr txBox="1"/>
-          <p:nvPr/>
-        </p:nvSpPr>
-        <p:spPr>
-          <a:xfrm>
-            <a:off x="135903" y="2413336"/>
-            <a:ext cx="2054089" cy="1790066"/>
-          </a:xfrm>
-          <a:prstGeom prst="rect">
-            <a:avLst/>
-          </a:prstGeom>
-          <a:ln>
-            <a:solidFill>
-              <a:srgbClr val="2E2B21"/>
-            </a:solidFill>
-          </a:ln>
-          <a:extLst>
-            <a:ext uri="{C572A759-6A51-4108-AA02-DFA0A04FC94B}">
-              <ma14:wrappingTextBoxFlag xmlns:ma14="http://schemas.microsoft.com/office/mac/drawingml/2011/main" xmlns:a14="http://schemas.microsoft.com/office/drawing/2010/main" xmlns:m="http://schemas.openxmlformats.org/officeDocument/2006/math" xmlns="" val="1"/>
-            </a:ext>
-          </a:extLst>
-        </p:spPr>
-        <p:txBody>
-          <a:bodyPr lIns="45719" rIns="45719">
-            <a:spAutoFit/>
-          </a:bodyPr>
-          <a:lstStyle/>
-          <a:p>
-            <a:pPr marL="285750" indent="-285750">
-              <a:buSzPct val="100000"/>
-              <a:buChar char="❑"/>
-            </a:pPr>
-            <a:r>
-              <a:t>Presentación</a:t>
-            </a:r>
-          </a:p>
-          <a:p>
-            <a:pPr marL="285750" indent="-285750">
-              <a:buSzPct val="100000"/>
-              <a:buChar char="❑"/>
-              <a:defRPr b="1"/>
-            </a:pPr>
-            <a:r>
-              <a:t>Objetivos</a:t>
-            </a:r>
-          </a:p>
-          <a:p>
-            <a:pPr marL="285750" indent="-285750">
-              <a:buSzPct val="100000"/>
-              <a:buChar char="❑"/>
-            </a:pPr>
-            <a:r>
-              <a:t>Funcionalidades</a:t>
-            </a:r>
-          </a:p>
-          <a:p>
-            <a:pPr marL="285750" indent="-285750">
-              <a:buSzPct val="100000"/>
-              <a:buChar char="❑"/>
-            </a:pPr>
-            <a:r>
-              <a:t>Demostración</a:t>
-            </a:r>
-          </a:p>
-          <a:p>
-            <a:pPr marL="285750" indent="-285750">
-              <a:buSzPct val="100000"/>
-              <a:buChar char="❑"/>
-            </a:pPr>
-            <a:r>
-              <a:t>Aspectos</a:t>
-            </a:r>
-          </a:p>
-          <a:p>
-            <a:pPr marL="285750" indent="-285750">
-              <a:buSzPct val="100000"/>
-              <a:buChar char="❑"/>
-            </a:pPr>
-            <a:r>
-              <a:t>Conclusiones</a:t>
-            </a:r>
-          </a:p>
-        </p:txBody>
-      </p:sp>
-      <p:sp>
-        <p:nvSpPr>
-          <p:cNvPr id="116" name="Marcador de contenido 2"/>
-          <p:cNvSpPr txBox="1">
-            <a:spLocks noGrp="1"/>
-          </p:cNvSpPr>
-          <p:nvPr>
-            <p:ph type="body" idx="1"/>
-          </p:nvPr>
-        </p:nvSpPr>
-        <p:spPr>
-          <a:xfrm>
-            <a:off x="2381249" y="1852613"/>
-            <a:ext cx="8945565" cy="4195763"/>
-          </a:xfrm>
-          <a:prstGeom prst="rect">
-            <a:avLst/>
-          </a:prstGeom>
-        </p:spPr>
-        <p:txBody>
-          <a:bodyPr/>
-          <a:lstStyle/>
-          <a:p>
-            <a:pPr>
-              <a:buFont typeface="Arial"/>
-              <a:buChar char="•"/>
-            </a:pPr>
-            <a:r>
-              <a:t> Desarrollo de aplicación/página web sobre una aerolínea.</a:t>
-            </a:r>
-          </a:p>
-          <a:p>
-            <a:pPr>
-              <a:buFont typeface="Arial"/>
-              <a:buChar char="•"/>
-            </a:pPr>
-            <a:r>
-              <a:t> Implementar parte pública y parte privada a la aplicación/página web.</a:t>
-            </a:r>
-          </a:p>
-          <a:p>
-            <a:pPr marL="219455" lvl="1" indent="-91439">
-              <a:buFont typeface="Arial"/>
-              <a:buChar char="•"/>
-              <a:defRPr b="1"/>
-            </a:pPr>
-            <a:r>
-              <a:t> Parte pública:</a:t>
-            </a:r>
-          </a:p>
-          <a:p>
-            <a:pPr marL="402336" lvl="2" indent="-91440">
-              <a:buFont typeface="Arial"/>
-              <a:buChar char="•"/>
-            </a:pPr>
-            <a:r>
-              <a:t> Consulta de vuelos disponibles.</a:t>
-            </a:r>
-          </a:p>
-          <a:p>
-            <a:pPr marL="219455" lvl="1" indent="-91439">
-              <a:buFont typeface="Arial"/>
-              <a:buChar char="•"/>
-              <a:defRPr b="1"/>
-            </a:pPr>
-            <a:r>
-              <a:t> Parte privada:</a:t>
-            </a:r>
-          </a:p>
-          <a:p>
-            <a:pPr marL="402336" lvl="2" indent="-91440">
-              <a:buFont typeface="Arial"/>
-              <a:buChar char="•"/>
-            </a:pPr>
-            <a:r>
-              <a:t> Consulta de vuelos adquiridos y ademas datos relacionados con la compra.</a:t>
-            </a:r>
-          </a:p>
-          <a:p>
-            <a:pPr marL="402336" lvl="2" indent="-91440">
-              <a:buFont typeface="Arial"/>
-              <a:buChar char="•"/>
-            </a:pPr>
-            <a:r>
-              <a:t> Permitir la gestión de los datos usados por la empresa (Clientes, Aviones, Equipajes, entre otros).</a:t>
-            </a:r>
-          </a:p>
-        </p:txBody>
-      </p:sp>
-    </p:spTree>
-  </p:cSld>
-  <p:clrMapOvr>
-    <a:masterClrMapping/>
-  </p:clrMapOvr>
-  <p:transition spd="med"/>
-</p:sld>
-</file>
-
-<file path=ppt/slides/slide5.xml><?xml version="1.0" encoding="utf-8"?>
-<p:sld xmlns:a="http://schemas.openxmlformats.org/drawingml/2006/main" xmlns:r="http://schemas.openxmlformats.org/officeDocument/2006/relationships" xmlns:p="http://schemas.openxmlformats.org/presentationml/2006/main">
-  <p:cSld>
-    <p:spTree>
-      <p:nvGrpSpPr>
-        <p:cNvPr id="1" name=""/>
-        <p:cNvGrpSpPr/>
-        <p:nvPr/>
-      </p:nvGrpSpPr>
-      <p:grpSpPr>
-        <a:xfrm>
-          <a:off x="0" y="0"/>
-          <a:ext cx="0" cy="0"/>
-          <a:chOff x="0" y="0"/>
-          <a:chExt cx="0" cy="0"/>
-        </a:xfrm>
-      </p:grpSpPr>
-      <p:sp>
-        <p:nvSpPr>
-          <p:cNvPr id="118" name="Título 1"/>
-          <p:cNvSpPr txBox="1">
-            <a:spLocks noGrp="1"/>
-          </p:cNvSpPr>
-          <p:nvPr>
-            <p:ph type="title"/>
-          </p:nvPr>
-        </p:nvSpPr>
-        <p:spPr>
-          <a:xfrm>
-            <a:off x="1024128" y="585216"/>
-            <a:ext cx="9720072" cy="1499617"/>
-          </a:xfrm>
-          <a:prstGeom prst="rect">
-            <a:avLst/>
-          </a:prstGeom>
-        </p:spPr>
-        <p:txBody>
-          <a:bodyPr/>
-          <a:lstStyle/>
-          <a:p>
-            <a:pPr defTabSz="886968">
-              <a:defRPr sz="3783" spc="97">
-                <a:latin typeface="Arial"/>
-                <a:ea typeface="Arial"/>
-                <a:cs typeface="Arial"/>
-                <a:sym typeface="Arial"/>
-              </a:defRPr>
-            </a:pPr>
-            <a:r>
-              <a:t>Funcionalidades que se van a presentar.</a:t>
-            </a:r>
-            <a:br/>
-            <a:endParaRPr/>
-          </a:p>
-        </p:txBody>
-      </p:sp>
-      <p:sp>
-        <p:nvSpPr>
-          <p:cNvPr id="119" name="Marcador de contenido 2"/>
-          <p:cNvSpPr txBox="1">
-            <a:spLocks noGrp="1"/>
-          </p:cNvSpPr>
-          <p:nvPr>
-            <p:ph type="body" idx="1"/>
-          </p:nvPr>
-        </p:nvSpPr>
-        <p:spPr>
-          <a:xfrm>
-            <a:off x="2495549" y="1932824"/>
-            <a:ext cx="8945565" cy="4195763"/>
-          </a:xfrm>
-          <a:prstGeom prst="rect">
-            <a:avLst/>
-          </a:prstGeom>
-        </p:spPr>
-        <p:txBody>
-          <a:bodyPr/>
-          <a:lstStyle/>
-          <a:p>
-            <a:pPr>
-              <a:buFont typeface="Arial"/>
-              <a:buChar char="•"/>
-            </a:pPr>
-            <a:r>
-              <a:rPr dirty="0" err="1"/>
-              <a:t>Listados</a:t>
-            </a:r>
-            <a:r>
-              <a:rPr dirty="0"/>
-              <a:t> de </a:t>
-            </a:r>
-            <a:r>
-              <a:rPr dirty="0" err="1"/>
-              <a:t>todos</a:t>
-            </a:r>
-            <a:r>
-              <a:rPr dirty="0"/>
-              <a:t> </a:t>
-            </a:r>
-            <a:r>
-              <a:rPr dirty="0" err="1"/>
-              <a:t>objetos</a:t>
-            </a:r>
-            <a:r>
-              <a:rPr dirty="0"/>
-              <a:t>: </a:t>
-            </a:r>
-            <a:r>
-              <a:rPr dirty="0" err="1"/>
-              <a:t>aviones</a:t>
-            </a:r>
-            <a:r>
-              <a:rPr dirty="0"/>
-              <a:t>, </a:t>
-            </a:r>
-            <a:r>
-              <a:rPr dirty="0" err="1"/>
-              <a:t>clientes</a:t>
-            </a:r>
-            <a:r>
-              <a:rPr dirty="0"/>
-              <a:t>, </a:t>
-            </a:r>
-            <a:r>
-              <a:rPr dirty="0" err="1"/>
-              <a:t>vuelos</a:t>
-            </a:r>
-            <a:r>
-              <a:rPr dirty="0"/>
-              <a:t>….</a:t>
-            </a:r>
-            <a:r>
-              <a:rPr dirty="0" err="1"/>
-              <a:t>etc</a:t>
-            </a:r>
-            <a:endParaRPr dirty="0"/>
-          </a:p>
-          <a:p>
-            <a:pPr>
-              <a:buFont typeface="Arial"/>
-              <a:buChar char="•"/>
-            </a:pPr>
-            <a:r>
-              <a:rPr dirty="0" err="1"/>
-              <a:t>Borrar</a:t>
-            </a:r>
-            <a:r>
-              <a:rPr dirty="0"/>
-              <a:t> </a:t>
-            </a:r>
-            <a:r>
-              <a:rPr dirty="0" err="1"/>
-              <a:t>cualquier</a:t>
-            </a:r>
-            <a:r>
-              <a:rPr dirty="0"/>
-              <a:t> </a:t>
-            </a:r>
-            <a:r>
-              <a:rPr dirty="0" err="1"/>
-              <a:t>objeto</a:t>
-            </a:r>
-            <a:endParaRPr dirty="0"/>
-          </a:p>
-          <a:p>
-            <a:pPr>
-              <a:buFont typeface="Arial"/>
-              <a:buChar char="•"/>
-            </a:pPr>
-            <a:r>
-              <a:rPr dirty="0" err="1"/>
-              <a:t>Crear</a:t>
-            </a:r>
-            <a:r>
-              <a:rPr dirty="0"/>
-              <a:t> y </a:t>
-            </a:r>
-            <a:r>
-              <a:rPr dirty="0" err="1"/>
-              <a:t>modificar</a:t>
-            </a:r>
-            <a:r>
-              <a:rPr dirty="0"/>
-              <a:t> para 3 </a:t>
-            </a:r>
-            <a:r>
-              <a:rPr dirty="0" err="1"/>
-              <a:t>tipos</a:t>
-            </a:r>
-            <a:r>
-              <a:rPr dirty="0"/>
-              <a:t> </a:t>
-            </a:r>
-            <a:r>
-              <a:rPr dirty="0" err="1"/>
-              <a:t>distintos</a:t>
-            </a:r>
-            <a:r>
-              <a:rPr dirty="0"/>
-              <a:t>: ticket, </a:t>
-            </a:r>
-            <a:r>
-              <a:rPr dirty="0" err="1"/>
-              <a:t>vuelo</a:t>
-            </a:r>
-            <a:r>
-              <a:rPr dirty="0"/>
-              <a:t> y </a:t>
-            </a:r>
-            <a:r>
-              <a:rPr dirty="0" err="1"/>
-              <a:t>cliente</a:t>
-            </a:r>
-            <a:endParaRPr dirty="0"/>
-          </a:p>
-          <a:p>
-            <a:pPr>
-              <a:buFont typeface="Arial"/>
-              <a:buChar char="•"/>
-            </a:pPr>
-            <a:r>
-              <a:rPr dirty="0" err="1"/>
-              <a:t>Paginación</a:t>
-            </a:r>
-            <a:endParaRPr dirty="0"/>
-          </a:p>
-          <a:p>
-            <a:pPr>
-              <a:buFont typeface="Arial"/>
-              <a:buChar char="•"/>
-            </a:pPr>
-            <a:r>
-              <a:rPr dirty="0" err="1"/>
-              <a:t>Ordenar</a:t>
-            </a:r>
-            <a:r>
-              <a:rPr dirty="0"/>
-              <a:t> </a:t>
-            </a:r>
-            <a:r>
-              <a:rPr dirty="0" err="1"/>
-              <a:t>listados</a:t>
-            </a:r>
-            <a:r>
-              <a:rPr dirty="0"/>
-              <a:t> por </a:t>
-            </a:r>
-            <a:r>
-              <a:rPr dirty="0" err="1"/>
-              <a:t>algún</a:t>
-            </a:r>
-            <a:r>
-              <a:rPr dirty="0"/>
-              <a:t> campo</a:t>
-            </a:r>
-          </a:p>
-          <a:p>
-            <a:pPr>
-              <a:buFont typeface="Arial"/>
-              <a:buChar char="•"/>
-            </a:pPr>
-            <a:r>
-              <a:rPr dirty="0" err="1"/>
-              <a:t>Realizar</a:t>
-            </a:r>
-            <a:r>
-              <a:rPr dirty="0"/>
-              <a:t> </a:t>
-            </a:r>
-            <a:r>
-              <a:rPr dirty="0" err="1"/>
-              <a:t>búsqueda</a:t>
-            </a:r>
-            <a:r>
-              <a:rPr dirty="0"/>
-              <a:t> con 2 </a:t>
-            </a:r>
-            <a:r>
-              <a:rPr dirty="0" err="1"/>
-              <a:t>criterios</a:t>
-            </a:r>
-            <a:r>
-              <a:rPr dirty="0"/>
-              <a:t> </a:t>
-            </a:r>
-            <a:r>
-              <a:rPr dirty="0" err="1"/>
-              <a:t>distintos</a:t>
-            </a:r>
-            <a:r>
-              <a:rPr dirty="0"/>
-              <a:t>.</a:t>
-            </a:r>
-          </a:p>
-        </p:txBody>
-      </p:sp>
-      <p:sp>
-        <p:nvSpPr>
-          <p:cNvPr id="120" name="CuadroTexto 7"/>
-          <p:cNvSpPr txBox="1"/>
-          <p:nvPr/>
-        </p:nvSpPr>
-        <p:spPr>
-          <a:xfrm>
-            <a:off x="135903" y="2413336"/>
-            <a:ext cx="2054089" cy="1790066"/>
-          </a:xfrm>
-          <a:prstGeom prst="rect">
-            <a:avLst/>
-          </a:prstGeom>
-          <a:ln>
-            <a:solidFill>
-              <a:srgbClr val="2E2B21"/>
-            </a:solidFill>
-          </a:ln>
-          <a:extLst>
-            <a:ext uri="{C572A759-6A51-4108-AA02-DFA0A04FC94B}">
-              <ma14:wrappingTextBoxFlag xmlns:ma14="http://schemas.microsoft.com/office/mac/drawingml/2011/main" xmlns:a14="http://schemas.microsoft.com/office/drawing/2010/main" xmlns:m="http://schemas.openxmlformats.org/officeDocument/2006/math" xmlns="" val="1"/>
-            </a:ext>
-          </a:extLst>
-        </p:spPr>
-        <p:txBody>
-          <a:bodyPr lIns="45719" rIns="45719">
-            <a:spAutoFit/>
-          </a:bodyPr>
-          <a:lstStyle/>
-          <a:p>
-            <a:pPr marL="285750" indent="-285750">
-              <a:buSzPct val="100000"/>
-              <a:buChar char="❑"/>
-            </a:pPr>
-            <a:r>
-              <a:t>Presentación</a:t>
-            </a:r>
-          </a:p>
-          <a:p>
-            <a:pPr marL="285750" indent="-285750">
-              <a:buSzPct val="100000"/>
-              <a:buChar char="❑"/>
-            </a:pPr>
-            <a:r>
-              <a:t>Objetivos</a:t>
-            </a:r>
-          </a:p>
-          <a:p>
-            <a:pPr marL="285750" indent="-285750">
-              <a:buSzPct val="100000"/>
-              <a:buChar char="❑"/>
-              <a:defRPr b="1"/>
-            </a:pPr>
-            <a:r>
-              <a:t>Funcionalidades</a:t>
-            </a:r>
-          </a:p>
-          <a:p>
-            <a:pPr marL="285750" indent="-285750">
-              <a:buSzPct val="100000"/>
-              <a:buChar char="❑"/>
-            </a:pPr>
-            <a:r>
-              <a:t>Demostración</a:t>
-            </a:r>
-          </a:p>
-          <a:p>
-            <a:pPr marL="285750" indent="-285750">
-              <a:buSzPct val="100000"/>
-              <a:buChar char="❑"/>
-            </a:pPr>
-            <a:r>
-              <a:t>Aspectos</a:t>
-            </a:r>
-          </a:p>
-          <a:p>
-            <a:pPr marL="285750" indent="-285750">
-              <a:buSzPct val="100000"/>
-              <a:buChar char="❑"/>
-            </a:pPr>
-            <a:r>
-              <a:t>Conclusiones</a:t>
-            </a:r>
-          </a:p>
-        </p:txBody>
-      </p:sp>
-    </p:spTree>
-  </p:cSld>
-  <p:clrMapOvr>
-    <a:masterClrMapping/>
-  </p:clrMapOvr>
-  <p:transition spd="med"/>
-</p:sld>
-</file>
-
-<file path=ppt/slides/slide6.xml><?xml version="1.0" encoding="utf-8"?>
-<p:sld xmlns:a="http://schemas.openxmlformats.org/drawingml/2006/main" xmlns:r="http://schemas.openxmlformats.org/officeDocument/2006/relationships" xmlns:p="http://schemas.openxmlformats.org/presentationml/2006/main">
-  <p:cSld>
-    <p:spTree>
-      <p:nvGrpSpPr>
-        <p:cNvPr id="1" name=""/>
-        <p:cNvGrpSpPr/>
-        <p:nvPr/>
-      </p:nvGrpSpPr>
-      <p:grpSpPr>
-        <a:xfrm>
-          <a:off x="0" y="0"/>
-          <a:ext cx="0" cy="0"/>
-          <a:chOff x="0" y="0"/>
-          <a:chExt cx="0" cy="0"/>
-        </a:xfrm>
-      </p:grpSpPr>
-      <p:sp>
-        <p:nvSpPr>
-          <p:cNvPr id="122" name="Título 1"/>
-          <p:cNvSpPr txBox="1">
-            <a:spLocks noGrp="1"/>
-          </p:cNvSpPr>
-          <p:nvPr>
-            <p:ph type="title"/>
-          </p:nvPr>
-        </p:nvSpPr>
-        <p:spPr>
-          <a:xfrm>
-            <a:off x="1024128" y="585216"/>
-            <a:ext cx="9720072" cy="1499617"/>
-          </a:xfrm>
-          <a:prstGeom prst="rect">
-            <a:avLst/>
-          </a:prstGeom>
-        </p:spPr>
-        <p:txBody>
-          <a:bodyPr/>
-          <a:lstStyle/>
-          <a:p>
-            <a:pPr defTabSz="886968">
-              <a:defRPr sz="3783" spc="97">
-                <a:latin typeface="Arial"/>
-                <a:ea typeface="Arial"/>
-                <a:cs typeface="Arial"/>
-                <a:sym typeface="Arial"/>
-              </a:defRPr>
-            </a:pPr>
-            <a:r>
-              <a:t>Demostración funcional del proyecto.</a:t>
-            </a:r>
-            <a:br/>
-            <a:endParaRPr/>
-          </a:p>
-        </p:txBody>
-      </p:sp>
-      <p:sp>
-        <p:nvSpPr>
-          <p:cNvPr id="123" name="Rectángulo 4"/>
-          <p:cNvSpPr txBox="1"/>
-          <p:nvPr/>
-        </p:nvSpPr>
-        <p:spPr>
-          <a:xfrm>
-            <a:off x="5564666" y="1483916"/>
-            <a:ext cx="1718182" cy="350662"/>
-          </a:xfrm>
-          <a:prstGeom prst="rect">
-            <a:avLst/>
-          </a:prstGeom>
-          <a:ln w="12700">
-            <a:miter lim="400000"/>
-          </a:ln>
-          <a:extLst>
-            <a:ext uri="{C572A759-6A51-4108-AA02-DFA0A04FC94B}">
-              <ma14:wrappingTextBoxFlag xmlns:ma14="http://schemas.microsoft.com/office/mac/drawingml/2011/main" xmlns:a14="http://schemas.microsoft.com/office/drawing/2010/main" xmlns:m="http://schemas.openxmlformats.org/officeDocument/2006/math" xmlns="" val="1"/>
-            </a:ext>
-          </a:extLst>
-        </p:spPr>
-        <p:txBody>
-          <a:bodyPr wrap="none" lIns="45719" rIns="45719">
-            <a:spAutoFit/>
-          </a:bodyPr>
-          <a:lstStyle>
-            <a:lvl1pPr>
-              <a:defRPr>
-                <a:latin typeface="Arial"/>
-                <a:ea typeface="Arial"/>
-                <a:cs typeface="Arial"/>
-                <a:sym typeface="Arial"/>
-              </a:defRPr>
-            </a:lvl1pPr>
-          </a:lstStyle>
-          <a:p>
-            <a:r>
-              <a:t>Página de inicio</a:t>
-            </a:r>
-          </a:p>
-        </p:txBody>
-      </p:sp>
-      <p:sp>
-        <p:nvSpPr>
-          <p:cNvPr id="124" name="CuadroTexto 5"/>
-          <p:cNvSpPr txBox="1"/>
-          <p:nvPr/>
-        </p:nvSpPr>
-        <p:spPr>
-          <a:xfrm>
-            <a:off x="135903" y="2413336"/>
-            <a:ext cx="2054089" cy="1790066"/>
-          </a:xfrm>
-          <a:prstGeom prst="rect">
-            <a:avLst/>
-          </a:prstGeom>
-          <a:ln>
-            <a:solidFill>
-              <a:srgbClr val="2E2B21"/>
-            </a:solidFill>
-          </a:ln>
-          <a:extLst>
-            <a:ext uri="{C572A759-6A51-4108-AA02-DFA0A04FC94B}">
-              <ma14:wrappingTextBoxFlag xmlns:ma14="http://schemas.microsoft.com/office/mac/drawingml/2011/main" xmlns:a14="http://schemas.microsoft.com/office/drawing/2010/main" xmlns:m="http://schemas.openxmlformats.org/officeDocument/2006/math" xmlns="" val="1"/>
-            </a:ext>
-          </a:extLst>
-        </p:spPr>
-        <p:txBody>
-          <a:bodyPr lIns="45719" rIns="45719">
-            <a:spAutoFit/>
-          </a:bodyPr>
-          <a:lstStyle/>
-          <a:p>
-            <a:pPr marL="285750" indent="-285750">
-              <a:buSzPct val="100000"/>
-              <a:buChar char="❑"/>
-            </a:pPr>
-            <a:r>
-              <a:t>Presentación</a:t>
-            </a:r>
-          </a:p>
-          <a:p>
-            <a:pPr marL="285750" indent="-285750">
-              <a:buSzPct val="100000"/>
-              <a:buChar char="❑"/>
-            </a:pPr>
-            <a:r>
-              <a:t>Objetivos</a:t>
-            </a:r>
-          </a:p>
-          <a:p>
-            <a:pPr marL="285750" indent="-285750">
-              <a:buSzPct val="100000"/>
-              <a:buChar char="❑"/>
-            </a:pPr>
-            <a:r>
-              <a:t>Funcionalidades</a:t>
-            </a:r>
-          </a:p>
-          <a:p>
-            <a:pPr marL="285750" indent="-285750">
-              <a:buSzPct val="100000"/>
-              <a:buChar char="❑"/>
-              <a:defRPr b="1"/>
-            </a:pPr>
-            <a:r>
-              <a:t>Demostración</a:t>
-            </a:r>
-          </a:p>
-          <a:p>
-            <a:pPr marL="285750" indent="-285750">
-              <a:buSzPct val="100000"/>
-              <a:buChar char="❑"/>
-            </a:pPr>
-            <a:r>
-              <a:t>Aspectos</a:t>
-            </a:r>
-          </a:p>
-          <a:p>
-            <a:pPr marL="285750" indent="-285750">
-              <a:buSzPct val="100000"/>
-              <a:buChar char="❑"/>
-            </a:pPr>
-            <a:r>
-              <a:t>Conclusiones</a:t>
-            </a:r>
-          </a:p>
-        </p:txBody>
-      </p:sp>
-      <p:pic>
-        <p:nvPicPr>
-          <p:cNvPr id="125" name="Captura de pantalla 2019-04-08 a las 10.39.53.png" descr="Captura de pantalla 2019-04-08 a las 10.39.53.png"/>
-          <p:cNvPicPr>
-            <a:picLocks noChangeAspect="1"/>
-          </p:cNvPicPr>
-          <p:nvPr/>
-        </p:nvPicPr>
-        <p:blipFill>
-          <a:blip r:embed="rId2">
-            <a:extLst/>
-          </a:blip>
-          <a:stretch>
-            <a:fillRect/>
-          </a:stretch>
-        </p:blipFill>
-        <p:spPr>
-          <a:xfrm>
-            <a:off x="3044571" y="2073158"/>
-            <a:ext cx="6758371" cy="4125750"/>
-          </a:xfrm>
-          <a:prstGeom prst="rect">
-            <a:avLst/>
-          </a:prstGeom>
-          <a:ln w="12700">
-            <a:miter lim="400000"/>
-          </a:ln>
-        </p:spPr>
-      </p:pic>
-    </p:spTree>
-  </p:cSld>
-  <p:clrMapOvr>
-    <a:masterClrMapping/>
-  </p:clrMapOvr>
-  <p:transition spd="med"/>
-</p:sld>
-</file>
-
-<file path=ppt/slides/slide7.xml><?xml version="1.0" encoding="utf-8"?>
-<p:sld xmlns:a="http://schemas.openxmlformats.org/drawingml/2006/main" xmlns:r="http://schemas.openxmlformats.org/officeDocument/2006/relationships" xmlns:p="http://schemas.openxmlformats.org/presentationml/2006/main">
-  <p:cSld>
-    <p:spTree>
-      <p:nvGrpSpPr>
-        <p:cNvPr id="1" name=""/>
-        <p:cNvGrpSpPr/>
-        <p:nvPr/>
-      </p:nvGrpSpPr>
-      <p:grpSpPr>
-        <a:xfrm>
-          <a:off x="0" y="0"/>
-          <a:ext cx="0" cy="0"/>
-          <a:chOff x="0" y="0"/>
-          <a:chExt cx="0" cy="0"/>
-        </a:xfrm>
-      </p:grpSpPr>
-      <p:sp>
-        <p:nvSpPr>
-          <p:cNvPr id="2" name="Título 1">
-            <a:extLst>
-              <a:ext uri="{FF2B5EF4-FFF2-40B4-BE49-F238E27FC236}">
-                <a16:creationId xmlns:a16="http://schemas.microsoft.com/office/drawing/2014/main" id="{8FF62F15-7BD9-422B-A2EC-E3956A7F47B1}"/>
-              </a:ext>
-            </a:extLst>
-          </p:cNvPr>
-          <p:cNvSpPr>
-            <a:spLocks noGrp="1"/>
-          </p:cNvSpPr>
-          <p:nvPr>
-            <p:ph type="title"/>
-          </p:nvPr>
-        </p:nvSpPr>
-        <p:spPr/>
-        <p:txBody>
-          <a:bodyPr>
-            <a:normAutofit fontScale="90000"/>
-          </a:bodyPr>
-          <a:lstStyle/>
-          <a:p>
-            <a:r>
-              <a:rPr lang="es-ES" altLang="es-ES" sz="4400" dirty="0">
-                <a:latin typeface="Arial" panose="020B0604020202020204" pitchFamily="34" charset="0"/>
-              </a:rPr>
-              <a:t>Demostración funcional del proyecto.</a:t>
-            </a:r>
-            <a:br>
-              <a:rPr lang="es-ES" altLang="es-ES" sz="4400" dirty="0">
-                <a:latin typeface="Arial" panose="020B0604020202020204" pitchFamily="34" charset="0"/>
-              </a:rPr>
-            </a:br>
-            <a:endParaRPr lang="es-ES" dirty="0"/>
-          </a:p>
-        </p:txBody>
-      </p:sp>
-      <p:sp>
-        <p:nvSpPr>
-          <p:cNvPr id="5" name="Rectángulo 4">
-            <a:extLst>
-              <a:ext uri="{FF2B5EF4-FFF2-40B4-BE49-F238E27FC236}">
-                <a16:creationId xmlns:a16="http://schemas.microsoft.com/office/drawing/2014/main" id="{312FA200-B6E2-4364-88F2-EB6C379D3D77}"/>
-              </a:ext>
-            </a:extLst>
-          </p:cNvPr>
-          <p:cNvSpPr/>
-          <p:nvPr/>
-        </p:nvSpPr>
-        <p:spPr>
-          <a:xfrm>
-            <a:off x="5564666" y="1483916"/>
-            <a:ext cx="1531188" cy="369332"/>
-          </a:xfrm>
-          <a:prstGeom prst="rect">
-            <a:avLst/>
-          </a:prstGeom>
-        </p:spPr>
-        <p:txBody>
-          <a:bodyPr wrap="none">
-            <a:spAutoFit/>
-          </a:bodyPr>
-          <a:lstStyle/>
-          <a:p>
-            <a:r>
-              <a:rPr lang="es-ES" altLang="es-ES" dirty="0">
-                <a:latin typeface="Arial" panose="020B0604020202020204" pitchFamily="34" charset="0"/>
-              </a:rPr>
-              <a:t>Listar Cliente</a:t>
-            </a:r>
-            <a:endParaRPr lang="es-ES" dirty="0"/>
-          </a:p>
-        </p:txBody>
-      </p:sp>
-      <p:sp>
-        <p:nvSpPr>
-          <p:cNvPr id="6" name="CuadroTexto 5">
-            <a:extLst>
-              <a:ext uri="{FF2B5EF4-FFF2-40B4-BE49-F238E27FC236}">
-                <a16:creationId xmlns:a16="http://schemas.microsoft.com/office/drawing/2014/main" id="{AABA6C94-33E3-43D6-9A79-403F3A3D4888}"/>
-              </a:ext>
-            </a:extLst>
-          </p:cNvPr>
-          <p:cNvSpPr txBox="1"/>
-          <p:nvPr/>
-        </p:nvSpPr>
-        <p:spPr>
-          <a:xfrm>
-            <a:off x="135904" y="2413337"/>
-            <a:ext cx="2054087" cy="1754326"/>
-          </a:xfrm>
-          <a:prstGeom prst="rect">
-            <a:avLst/>
-          </a:prstGeom>
-          <a:noFill/>
-          <a:ln>
-            <a:solidFill>
-              <a:schemeClr val="tx1"/>
-            </a:solidFill>
-          </a:ln>
-        </p:spPr>
-        <p:txBody>
-          <a:bodyPr wrap="square" rtlCol="0">
-            <a:spAutoFit/>
-          </a:bodyPr>
-          <a:lstStyle/>
-          <a:p>
-            <a:pPr marL="285750" indent="-285750">
-              <a:buFont typeface="Wingdings" panose="05000000000000000000" pitchFamily="2" charset="2"/>
-              <a:buChar char="q"/>
-            </a:pPr>
-            <a:r>
-              <a:rPr lang="es-ES" dirty="0"/>
-              <a:t>Presentación</a:t>
-            </a:r>
-          </a:p>
-          <a:p>
-            <a:pPr marL="285750" indent="-285750">
-              <a:buFont typeface="Wingdings" panose="05000000000000000000" pitchFamily="2" charset="2"/>
-              <a:buChar char="q"/>
-            </a:pPr>
-            <a:r>
-              <a:rPr lang="es-ES" dirty="0"/>
-              <a:t>Objetivos</a:t>
-            </a:r>
-          </a:p>
-          <a:p>
-            <a:pPr marL="285750" indent="-285750">
-              <a:buFont typeface="Wingdings" panose="05000000000000000000" pitchFamily="2" charset="2"/>
-              <a:buChar char="q"/>
-            </a:pPr>
-            <a:r>
-              <a:rPr lang="es-ES" dirty="0"/>
-              <a:t>Funcionalidades</a:t>
-            </a:r>
-          </a:p>
-          <a:p>
-            <a:pPr marL="285750" indent="-285750">
-              <a:buFont typeface="Wingdings" panose="05000000000000000000" pitchFamily="2" charset="2"/>
-              <a:buChar char="q"/>
-            </a:pPr>
-            <a:r>
-              <a:rPr lang="es-ES" b="1" dirty="0"/>
-              <a:t>Demostración</a:t>
-            </a:r>
-            <a:endParaRPr lang="es-ES" dirty="0"/>
-          </a:p>
-          <a:p>
-            <a:pPr marL="285750" indent="-285750">
-              <a:buFont typeface="Wingdings" panose="05000000000000000000" pitchFamily="2" charset="2"/>
-              <a:buChar char="q"/>
-            </a:pPr>
-            <a:r>
-              <a:rPr lang="es-ES" dirty="0"/>
-              <a:t>Aspectos</a:t>
-            </a:r>
-          </a:p>
-          <a:p>
-            <a:pPr marL="285750" indent="-285750">
-              <a:buFont typeface="Wingdings" panose="05000000000000000000" pitchFamily="2" charset="2"/>
-              <a:buChar char="q"/>
-            </a:pPr>
-            <a:r>
-              <a:rPr lang="es-ES" dirty="0"/>
-              <a:t>Conclusiones</a:t>
-            </a:r>
-          </a:p>
-        </p:txBody>
-      </p:sp>
-      <p:pic>
-        <p:nvPicPr>
-          <p:cNvPr id="11" name="Marcador de contenido 10">
-            <a:extLst>
-              <a:ext uri="{FF2B5EF4-FFF2-40B4-BE49-F238E27FC236}">
-                <a16:creationId xmlns:a16="http://schemas.microsoft.com/office/drawing/2014/main" id="{3FDC33AF-EFF4-4F7B-B3F3-D41879025853}"/>
-              </a:ext>
-            </a:extLst>
-          </p:cNvPr>
-          <p:cNvPicPr>
-            <a:picLocks noGrp="1" noChangeAspect="1"/>
-          </p:cNvPicPr>
-          <p:nvPr>
-            <p:ph idx="1"/>
-          </p:nvPr>
-        </p:nvPicPr>
-        <p:blipFill>
-          <a:blip r:embed="rId2"/>
-          <a:stretch>
-            <a:fillRect/>
-          </a:stretch>
-        </p:blipFill>
-        <p:spPr>
-          <a:xfrm>
-            <a:off x="2305877" y="1987826"/>
-            <a:ext cx="8613913" cy="4320899"/>
-          </a:xfrm>
-        </p:spPr>
-      </p:pic>
-    </p:spTree>
-    <p:extLst>
-      <p:ext uri="{BB962C8B-B14F-4D97-AF65-F5344CB8AC3E}">
-        <p14:creationId xmlns:p14="http://schemas.microsoft.com/office/powerpoint/2010/main" val="3720470230"/>
-      </p:ext>
-    </p:extLst>
-  </p:cSld>
-  <p:clrMapOvr>
-    <a:masterClrMapping/>
-  </p:clrMapOvr>
-  <p:transition spd="med"/>
-</p:sld>
-</file>
-
-<file path=ppt/slides/slide8.xml><?xml version="1.0" encoding="utf-8"?>
-<p:sld xmlns:a="http://schemas.openxmlformats.org/drawingml/2006/main" xmlns:r="http://schemas.openxmlformats.org/officeDocument/2006/relationships" xmlns:p="http://schemas.openxmlformats.org/presentationml/2006/main">
-  <p:cSld>
-    <p:spTree>
-      <p:nvGrpSpPr>
-        <p:cNvPr id="1" name=""/>
-        <p:cNvGrpSpPr/>
-        <p:nvPr/>
-      </p:nvGrpSpPr>
-      <p:grpSpPr>
-        <a:xfrm>
-          <a:off x="0" y="0"/>
-          <a:ext cx="0" cy="0"/>
-          <a:chOff x="0" y="0"/>
-          <a:chExt cx="0" cy="0"/>
-        </a:xfrm>
-      </p:grpSpPr>
-      <p:sp>
-        <p:nvSpPr>
-          <p:cNvPr id="2" name="Título 1">
-            <a:extLst>
-              <a:ext uri="{FF2B5EF4-FFF2-40B4-BE49-F238E27FC236}">
-                <a16:creationId xmlns:a16="http://schemas.microsoft.com/office/drawing/2014/main" id="{8FF62F15-7BD9-422B-A2EC-E3956A7F47B1}"/>
-              </a:ext>
-            </a:extLst>
-          </p:cNvPr>
-          <p:cNvSpPr>
-            <a:spLocks noGrp="1"/>
-          </p:cNvSpPr>
-          <p:nvPr>
-            <p:ph type="title"/>
-          </p:nvPr>
-        </p:nvSpPr>
-        <p:spPr/>
-        <p:txBody>
-          <a:bodyPr>
-            <a:normAutofit fontScale="90000"/>
-          </a:bodyPr>
-          <a:lstStyle/>
-          <a:p>
-            <a:r>
-              <a:rPr lang="es-ES" altLang="es-ES" sz="4400" dirty="0">
-                <a:latin typeface="Arial" panose="020B0604020202020204" pitchFamily="34" charset="0"/>
-              </a:rPr>
-              <a:t>Demostración funcional del proyecto.</a:t>
-            </a:r>
-            <a:br>
-              <a:rPr lang="es-ES" altLang="es-ES" sz="4400" dirty="0">
-                <a:latin typeface="Arial" panose="020B0604020202020204" pitchFamily="34" charset="0"/>
-              </a:rPr>
-            </a:br>
-            <a:endParaRPr lang="es-ES" dirty="0"/>
-          </a:p>
-        </p:txBody>
-      </p:sp>
-      <p:sp>
-        <p:nvSpPr>
-          <p:cNvPr id="5" name="Rectángulo 4">
-            <a:extLst>
-              <a:ext uri="{FF2B5EF4-FFF2-40B4-BE49-F238E27FC236}">
-                <a16:creationId xmlns:a16="http://schemas.microsoft.com/office/drawing/2014/main" id="{312FA200-B6E2-4364-88F2-EB6C379D3D77}"/>
-              </a:ext>
-            </a:extLst>
-          </p:cNvPr>
-          <p:cNvSpPr/>
-          <p:nvPr/>
-        </p:nvSpPr>
-        <p:spPr>
-          <a:xfrm>
-            <a:off x="5564666" y="1483916"/>
-            <a:ext cx="3749809" cy="369332"/>
-          </a:xfrm>
-          <a:prstGeom prst="rect">
-            <a:avLst/>
-          </a:prstGeom>
-        </p:spPr>
-        <p:txBody>
-          <a:bodyPr wrap="none">
-            <a:spAutoFit/>
-          </a:bodyPr>
-          <a:lstStyle/>
-          <a:p>
-            <a:r>
-              <a:rPr lang="es-ES" altLang="es-ES" dirty="0">
-                <a:latin typeface="Arial" panose="020B0604020202020204" pitchFamily="34" charset="0"/>
-              </a:rPr>
-              <a:t>Listar Cliente: Nombre Ascendente</a:t>
-            </a:r>
-            <a:endParaRPr lang="es-ES" dirty="0"/>
-          </a:p>
-        </p:txBody>
-      </p:sp>
-      <p:sp>
-        <p:nvSpPr>
-          <p:cNvPr id="6" name="CuadroTexto 5">
-            <a:extLst>
-              <a:ext uri="{FF2B5EF4-FFF2-40B4-BE49-F238E27FC236}">
-                <a16:creationId xmlns:a16="http://schemas.microsoft.com/office/drawing/2014/main" id="{AABA6C94-33E3-43D6-9A79-403F3A3D4888}"/>
-              </a:ext>
-            </a:extLst>
-          </p:cNvPr>
-          <p:cNvSpPr txBox="1"/>
-          <p:nvPr/>
-        </p:nvSpPr>
-        <p:spPr>
-          <a:xfrm>
-            <a:off x="135904" y="2413337"/>
-            <a:ext cx="2054087" cy="1754326"/>
-          </a:xfrm>
-          <a:prstGeom prst="rect">
-            <a:avLst/>
-          </a:prstGeom>
-          <a:noFill/>
-          <a:ln>
-            <a:solidFill>
-              <a:schemeClr val="tx1"/>
-            </a:solidFill>
-          </a:ln>
-        </p:spPr>
-        <p:txBody>
-          <a:bodyPr wrap="square" rtlCol="0">
-            <a:spAutoFit/>
-          </a:bodyPr>
-          <a:lstStyle/>
-          <a:p>
-            <a:pPr marL="285750" indent="-285750">
-              <a:buFont typeface="Wingdings" panose="05000000000000000000" pitchFamily="2" charset="2"/>
-              <a:buChar char="q"/>
-            </a:pPr>
-            <a:r>
-              <a:rPr lang="es-ES" dirty="0"/>
-              <a:t>Presentación</a:t>
-            </a:r>
-          </a:p>
-          <a:p>
-            <a:pPr marL="285750" indent="-285750">
-              <a:buFont typeface="Wingdings" panose="05000000000000000000" pitchFamily="2" charset="2"/>
-              <a:buChar char="q"/>
-            </a:pPr>
-            <a:r>
-              <a:rPr lang="es-ES" dirty="0"/>
-              <a:t>Objetivos</a:t>
-            </a:r>
-          </a:p>
-          <a:p>
-            <a:pPr marL="285750" indent="-285750">
-              <a:buFont typeface="Wingdings" panose="05000000000000000000" pitchFamily="2" charset="2"/>
-              <a:buChar char="q"/>
-            </a:pPr>
-            <a:r>
-              <a:rPr lang="es-ES" dirty="0"/>
-              <a:t>Funcionalidades</a:t>
-            </a:r>
-          </a:p>
-          <a:p>
-            <a:pPr marL="285750" indent="-285750">
-              <a:buFont typeface="Wingdings" panose="05000000000000000000" pitchFamily="2" charset="2"/>
-              <a:buChar char="q"/>
-            </a:pPr>
-            <a:r>
-              <a:rPr lang="es-ES" b="1" dirty="0"/>
-              <a:t>Demostración</a:t>
-            </a:r>
-            <a:endParaRPr lang="es-ES" dirty="0"/>
-          </a:p>
-          <a:p>
-            <a:pPr marL="285750" indent="-285750">
-              <a:buFont typeface="Wingdings" panose="05000000000000000000" pitchFamily="2" charset="2"/>
-              <a:buChar char="q"/>
-            </a:pPr>
-            <a:r>
-              <a:rPr lang="es-ES" dirty="0"/>
-              <a:t>Aspectos</a:t>
-            </a:r>
-          </a:p>
-          <a:p>
-            <a:pPr marL="285750" indent="-285750">
-              <a:buFont typeface="Wingdings" panose="05000000000000000000" pitchFamily="2" charset="2"/>
-              <a:buChar char="q"/>
-            </a:pPr>
-            <a:r>
-              <a:rPr lang="es-ES" dirty="0"/>
-              <a:t>Conclusiones</a:t>
-            </a:r>
-          </a:p>
-        </p:txBody>
-      </p:sp>
-      <p:pic>
-        <p:nvPicPr>
-          <p:cNvPr id="4" name="Imagen 3">
-            <a:extLst>
-              <a:ext uri="{FF2B5EF4-FFF2-40B4-BE49-F238E27FC236}">
-                <a16:creationId xmlns:a16="http://schemas.microsoft.com/office/drawing/2014/main" id="{FE9A8A67-2B50-4296-96A5-BB9492B775D8}"/>
-              </a:ext>
-            </a:extLst>
-          </p:cNvPr>
-          <p:cNvPicPr>
-            <a:picLocks noChangeAspect="1"/>
-          </p:cNvPicPr>
-          <p:nvPr/>
-        </p:nvPicPr>
-        <p:blipFill>
-          <a:blip r:embed="rId2"/>
-          <a:stretch>
-            <a:fillRect/>
-          </a:stretch>
-        </p:blipFill>
-        <p:spPr>
-          <a:xfrm>
-            <a:off x="2282756" y="2084832"/>
-            <a:ext cx="9115425" cy="4229100"/>
-          </a:xfrm>
-          <a:prstGeom prst="rect">
-            <a:avLst/>
-          </a:prstGeom>
-        </p:spPr>
-      </p:pic>
-    </p:spTree>
-    <p:extLst>
-      <p:ext uri="{BB962C8B-B14F-4D97-AF65-F5344CB8AC3E}">
-        <p14:creationId xmlns:p14="http://schemas.microsoft.com/office/powerpoint/2010/main" val="4078549304"/>
-      </p:ext>
-    </p:extLst>
-  </p:cSld>
-  <p:clrMapOvr>
-    <a:masterClrMapping/>
-  </p:clrMapOvr>
-  <p:transition spd="med"/>
-</p:sld>
-</file>
-
-<file path=ppt/slides/slide9.xml><?xml version="1.0" encoding="utf-8"?>
-<p:sld xmlns:a="http://schemas.openxmlformats.org/drawingml/2006/main" xmlns:r="http://schemas.openxmlformats.org/officeDocument/2006/relationships" xmlns:p="http://schemas.openxmlformats.org/presentationml/2006/main">
-  <p:cSld>
-    <p:spTree>
-      <p:nvGrpSpPr>
-        <p:cNvPr id="1" name=""/>
-        <p:cNvGrpSpPr/>
-        <p:nvPr/>
-      </p:nvGrpSpPr>
-      <p:grpSpPr>
-        <a:xfrm>
-          <a:off x="0" y="0"/>
-          <a:ext cx="0" cy="0"/>
-          <a:chOff x="0" y="0"/>
-          <a:chExt cx="0" cy="0"/>
-        </a:xfrm>
-      </p:grpSpPr>
-      <p:sp>
-        <p:nvSpPr>
-          <p:cNvPr id="2" name="Título 1">
-            <a:extLst>
-              <a:ext uri="{FF2B5EF4-FFF2-40B4-BE49-F238E27FC236}">
-                <a16:creationId xmlns:a16="http://schemas.microsoft.com/office/drawing/2014/main" id="{8FF62F15-7BD9-422B-A2EC-E3956A7F47B1}"/>
-              </a:ext>
-            </a:extLst>
-          </p:cNvPr>
-          <p:cNvSpPr>
-            <a:spLocks noGrp="1"/>
-          </p:cNvSpPr>
-          <p:nvPr>
-            <p:ph type="title"/>
-          </p:nvPr>
-        </p:nvSpPr>
-        <p:spPr/>
-        <p:txBody>
-          <a:bodyPr>
-            <a:normAutofit fontScale="90000"/>
-          </a:bodyPr>
-          <a:lstStyle/>
-          <a:p>
-            <a:r>
-              <a:rPr lang="es-ES" altLang="es-ES" sz="4400" dirty="0">
-                <a:latin typeface="Arial" panose="020B0604020202020204" pitchFamily="34" charset="0"/>
-              </a:rPr>
-              <a:t>Demostración funcional del proyecto.</a:t>
-            </a:r>
-            <a:br>
-              <a:rPr lang="es-ES" altLang="es-ES" sz="4400" dirty="0">
-                <a:latin typeface="Arial" panose="020B0604020202020204" pitchFamily="34" charset="0"/>
-              </a:rPr>
-            </a:br>
-            <a:endParaRPr lang="es-ES" dirty="0"/>
-          </a:p>
-        </p:txBody>
-      </p:sp>
-      <p:sp>
-        <p:nvSpPr>
-          <p:cNvPr id="5" name="Rectángulo 4">
-            <a:extLst>
-              <a:ext uri="{FF2B5EF4-FFF2-40B4-BE49-F238E27FC236}">
-                <a16:creationId xmlns:a16="http://schemas.microsoft.com/office/drawing/2014/main" id="{312FA200-B6E2-4364-88F2-EB6C379D3D77}"/>
-              </a:ext>
-            </a:extLst>
-          </p:cNvPr>
-          <p:cNvSpPr/>
-          <p:nvPr/>
-        </p:nvSpPr>
-        <p:spPr>
-          <a:xfrm>
-            <a:off x="5564666" y="1483916"/>
-            <a:ext cx="3768980" cy="369332"/>
-          </a:xfrm>
-          <a:prstGeom prst="rect">
-            <a:avLst/>
-          </a:prstGeom>
-        </p:spPr>
-        <p:txBody>
-          <a:bodyPr wrap="none">
-            <a:spAutoFit/>
-          </a:bodyPr>
-          <a:lstStyle/>
-          <a:p>
-            <a:r>
-              <a:rPr lang="es-ES" altLang="es-ES" dirty="0">
-                <a:latin typeface="Arial" panose="020B0604020202020204" pitchFamily="34" charset="0"/>
-              </a:rPr>
-              <a:t>Listar Cliente: Buscador: Nombre=j</a:t>
-            </a:r>
-            <a:endParaRPr lang="es-ES" dirty="0"/>
-          </a:p>
-        </p:txBody>
-      </p:sp>
-      <p:sp>
-        <p:nvSpPr>
-          <p:cNvPr id="6" name="CuadroTexto 5">
-            <a:extLst>
-              <a:ext uri="{FF2B5EF4-FFF2-40B4-BE49-F238E27FC236}">
-                <a16:creationId xmlns:a16="http://schemas.microsoft.com/office/drawing/2014/main" id="{AABA6C94-33E3-43D6-9A79-403F3A3D4888}"/>
-              </a:ext>
-            </a:extLst>
-          </p:cNvPr>
-          <p:cNvSpPr txBox="1"/>
-          <p:nvPr/>
-        </p:nvSpPr>
-        <p:spPr>
-          <a:xfrm>
-            <a:off x="135904" y="2413337"/>
-            <a:ext cx="2054087" cy="1754326"/>
-          </a:xfrm>
-          <a:prstGeom prst="rect">
-            <a:avLst/>
-          </a:prstGeom>
-          <a:noFill/>
-          <a:ln>
-            <a:solidFill>
-              <a:schemeClr val="tx1"/>
-            </a:solidFill>
-          </a:ln>
-        </p:spPr>
-        <p:txBody>
-          <a:bodyPr wrap="square" rtlCol="0">
-            <a:spAutoFit/>
-          </a:bodyPr>
-          <a:lstStyle/>
-          <a:p>
-            <a:pPr marL="285750" indent="-285750">
-              <a:buFont typeface="Wingdings" panose="05000000000000000000" pitchFamily="2" charset="2"/>
-              <a:buChar char="q"/>
-            </a:pPr>
-            <a:r>
-              <a:rPr lang="es-ES" dirty="0"/>
-              <a:t>Presentación</a:t>
-            </a:r>
-          </a:p>
-          <a:p>
-            <a:pPr marL="285750" indent="-285750">
-              <a:buFont typeface="Wingdings" panose="05000000000000000000" pitchFamily="2" charset="2"/>
-              <a:buChar char="q"/>
-            </a:pPr>
-            <a:r>
-              <a:rPr lang="es-ES" dirty="0"/>
-              <a:t>Objetivos</a:t>
-            </a:r>
-          </a:p>
-          <a:p>
-            <a:pPr marL="285750" indent="-285750">
-              <a:buFont typeface="Wingdings" panose="05000000000000000000" pitchFamily="2" charset="2"/>
-              <a:buChar char="q"/>
-            </a:pPr>
-            <a:r>
-              <a:rPr lang="es-ES" dirty="0"/>
-              <a:t>Funcionalidades</a:t>
-            </a:r>
-          </a:p>
-          <a:p>
-            <a:pPr marL="285750" indent="-285750">
-              <a:buFont typeface="Wingdings" panose="05000000000000000000" pitchFamily="2" charset="2"/>
-              <a:buChar char="q"/>
-            </a:pPr>
-            <a:r>
-              <a:rPr lang="es-ES" b="1" dirty="0"/>
-              <a:t>Demostración</a:t>
-            </a:r>
-            <a:endParaRPr lang="es-ES" dirty="0"/>
-          </a:p>
-          <a:p>
-            <a:pPr marL="285750" indent="-285750">
-              <a:buFont typeface="Wingdings" panose="05000000000000000000" pitchFamily="2" charset="2"/>
-              <a:buChar char="q"/>
-            </a:pPr>
-            <a:r>
-              <a:rPr lang="es-ES" dirty="0"/>
-              <a:t>Aspectos</a:t>
-            </a:r>
-          </a:p>
-          <a:p>
-            <a:pPr marL="285750" indent="-285750">
-              <a:buFont typeface="Wingdings" panose="05000000000000000000" pitchFamily="2" charset="2"/>
-              <a:buChar char="q"/>
-            </a:pPr>
-            <a:r>
-              <a:rPr lang="es-ES" dirty="0"/>
-              <a:t>Conclusiones</a:t>
-            </a:r>
-          </a:p>
-        </p:txBody>
-      </p:sp>
-      <p:pic>
-        <p:nvPicPr>
-          <p:cNvPr id="4" name="Imagen 3">
-            <a:extLst>
-              <a:ext uri="{FF2B5EF4-FFF2-40B4-BE49-F238E27FC236}">
-                <a16:creationId xmlns:a16="http://schemas.microsoft.com/office/drawing/2014/main" id="{DB463CD2-F730-42C3-8E08-1DC27402456D}"/>
-              </a:ext>
-            </a:extLst>
-          </p:cNvPr>
-          <p:cNvPicPr>
-            <a:picLocks noChangeAspect="1"/>
-          </p:cNvPicPr>
-          <p:nvPr/>
-        </p:nvPicPr>
-        <p:blipFill>
-          <a:blip r:embed="rId2"/>
-          <a:stretch>
-            <a:fillRect/>
-          </a:stretch>
-        </p:blipFill>
-        <p:spPr>
-          <a:xfrm>
-            <a:off x="2823955" y="2249556"/>
-            <a:ext cx="8743950" cy="3657600"/>
-          </a:xfrm>
-          <a:prstGeom prst="rect">
-            <a:avLst/>
-          </a:prstGeom>
-        </p:spPr>
-      </p:pic>
-    </p:spTree>
-    <p:extLst>
-      <p:ext uri="{BB962C8B-B14F-4D97-AF65-F5344CB8AC3E}">
-        <p14:creationId xmlns:p14="http://schemas.microsoft.com/office/powerpoint/2010/main" val="2559233053"/>
-      </p:ext>
-    </p:extLst>
   </p:cSld>
   <p:clrMapOvr>
     <a:masterClrMapping/>

--- a/AIRDSS.pptx
+++ b/AIRDSS.pptx
@@ -4524,124 +4524,6 @@
       </p:sp>
       <p:sp>
         <p:nvSpPr>
-          <p:cNvPr id="3" name="Marcador de contenido 2">
-            <a:extLst>
-              <a:ext uri="{FF2B5EF4-FFF2-40B4-BE49-F238E27FC236}">
-                <a16:creationId xmlns:a16="http://schemas.microsoft.com/office/drawing/2014/main" id="{4385F995-2760-4091-A3CB-24ACD965BE59}"/>
-              </a:ext>
-            </a:extLst>
-          </p:cNvPr>
-          <p:cNvSpPr>
-            <a:spLocks noGrp="1"/>
-          </p:cNvSpPr>
-          <p:nvPr>
-            <p:ph idx="1"/>
-          </p:nvPr>
-        </p:nvSpPr>
-        <p:spPr>
-          <a:xfrm>
-            <a:off x="2189991" y="1853248"/>
-            <a:ext cx="8946541" cy="4195481"/>
-          </a:xfrm>
-        </p:spPr>
-        <p:txBody>
-          <a:bodyPr>
-            <a:normAutofit fontScale="92500" lnSpcReduction="10000"/>
-          </a:bodyPr>
-          <a:lstStyle/>
-          <a:p>
-            <a:r>
-              <a:rPr lang="es-ES" dirty="0"/>
-              <a:t>Uso de </a:t>
-            </a:r>
-            <a:r>
-              <a:rPr lang="es-ES" dirty="0" err="1"/>
-              <a:t>session</a:t>
-            </a:r>
-            <a:r>
-              <a:rPr lang="es-ES" dirty="0"/>
-              <a:t>.</a:t>
-            </a:r>
-          </a:p>
-          <a:p>
-            <a:endParaRPr lang="es-ES" dirty="0"/>
-          </a:p>
-          <a:p>
-            <a:r>
-              <a:rPr lang="es-ES" dirty="0"/>
-              <a:t>Uso de </a:t>
-            </a:r>
-            <a:r>
-              <a:rPr lang="es-ES" dirty="0" err="1"/>
-              <a:t>ninjamock</a:t>
-            </a:r>
-            <a:r>
-              <a:rPr lang="es-ES" dirty="0"/>
-              <a:t>.</a:t>
-            </a:r>
-          </a:p>
-          <a:p>
-            <a:pPr marL="0" indent="0">
-              <a:buNone/>
-            </a:pPr>
-            <a:endParaRPr lang="es-ES" dirty="0"/>
-          </a:p>
-          <a:p>
-            <a:r>
-              <a:rPr lang="es-ES" dirty="0"/>
-              <a:t>Metodologías de organización:</a:t>
-            </a:r>
-          </a:p>
-          <a:p>
-            <a:pPr lvl="1"/>
-            <a:r>
-              <a:rPr lang="es-ES" dirty="0"/>
-              <a:t>Uso de </a:t>
-            </a:r>
-            <a:r>
-              <a:rPr lang="es-ES" dirty="0" err="1"/>
-              <a:t>trello</a:t>
-            </a:r>
-            <a:endParaRPr lang="es-ES" dirty="0"/>
-          </a:p>
-          <a:p>
-            <a:pPr marL="0" indent="0">
-              <a:buNone/>
-            </a:pPr>
-            <a:endParaRPr lang="es-ES" dirty="0"/>
-          </a:p>
-          <a:p>
-            <a:r>
-              <a:rPr lang="es-ES" dirty="0"/>
-              <a:t>Control de versiones:</a:t>
-            </a:r>
-          </a:p>
-          <a:p>
-            <a:pPr lvl="1"/>
-            <a:r>
-              <a:rPr lang="es-ES" dirty="0"/>
-              <a:t>La tradicional: por comandos.</a:t>
-            </a:r>
-          </a:p>
-          <a:p>
-            <a:pPr lvl="1"/>
-            <a:r>
-              <a:rPr lang="es-ES" dirty="0"/>
-              <a:t>La que nos ofrece VSC(Visual Studio </a:t>
-            </a:r>
-            <a:r>
-              <a:rPr lang="es-ES" dirty="0" err="1"/>
-              <a:t>Code</a:t>
-            </a:r>
-            <a:r>
-              <a:rPr lang="es-ES" dirty="0"/>
-              <a:t>).</a:t>
-            </a:r>
-          </a:p>
-        </p:txBody>
-      </p:sp>
-      <p:sp>
-        <p:nvSpPr>
           <p:cNvPr id="5" name="CuadroTexto 4">
             <a:extLst>
               <a:ext uri="{FF2B5EF4-FFF2-40B4-BE49-F238E27FC236}">
@@ -4724,66 +4606,129 @@
           </a:p>
         </p:txBody>
       </p:sp>
-      <p:pic>
-        <p:nvPicPr>
-          <p:cNvPr id="4" name="Imagen 3">
+      <p:sp>
+        <p:nvSpPr>
+          <p:cNvPr id="8" name="Marcador de texto 7">
             <a:extLst>
               <a:ext uri="{FF2B5EF4-FFF2-40B4-BE49-F238E27FC236}">
-                <a16:creationId xmlns:a16="http://schemas.microsoft.com/office/drawing/2014/main" id="{C1277353-BE1E-4E91-BB9B-360EBA303211}"/>
+                <a16:creationId xmlns:a16="http://schemas.microsoft.com/office/drawing/2014/main" id="{9FD5B537-1BD9-402F-B27C-A11A4569434D}"/>
               </a:ext>
             </a:extLst>
           </p:cNvPr>
-          <p:cNvPicPr>
-            <a:picLocks noChangeAspect="1"/>
-          </p:cNvPicPr>
-          <p:nvPr/>
-        </p:nvPicPr>
-        <p:blipFill>
-          <a:blip r:embed="rId2"/>
-          <a:stretch>
-            <a:fillRect/>
-          </a:stretch>
-        </p:blipFill>
+          <p:cNvSpPr>
+            <a:spLocks noGrp="1"/>
+          </p:cNvSpPr>
+          <p:nvPr>
+            <p:ph type="body" idx="1"/>
+          </p:nvPr>
+        </p:nvSpPr>
         <p:spPr>
           <a:xfrm>
-            <a:off x="8148221" y="2577201"/>
-            <a:ext cx="3907875" cy="4023709"/>
+            <a:off x="2321169" y="2286000"/>
+            <a:ext cx="8423031" cy="4023360"/>
           </a:xfrm>
-          <a:prstGeom prst="rect">
-            <a:avLst/>
-          </a:prstGeom>
         </p:spPr>
-      </p:pic>
-      <p:pic>
-        <p:nvPicPr>
-          <p:cNvPr id="6" name="Imagen 5">
-            <a:extLst>
-              <a:ext uri="{FF2B5EF4-FFF2-40B4-BE49-F238E27FC236}">
-                <a16:creationId xmlns:a16="http://schemas.microsoft.com/office/drawing/2014/main" id="{1B559CD6-9550-471A-ACF9-B0ADCDDC181D}"/>
-              </a:ext>
-            </a:extLst>
-          </p:cNvPr>
-          <p:cNvPicPr>
-            <a:picLocks noChangeAspect="1"/>
-          </p:cNvPicPr>
-          <p:nvPr/>
-        </p:nvPicPr>
-        <p:blipFill>
-          <a:blip r:embed="rId3"/>
-          <a:stretch>
-            <a:fillRect/>
-          </a:stretch>
-        </p:blipFill>
-        <p:spPr>
-          <a:xfrm>
-            <a:off x="5286375" y="2587752"/>
-            <a:ext cx="1619250" cy="390525"/>
-          </a:xfrm>
-          <a:prstGeom prst="rect">
-            <a:avLst/>
-          </a:prstGeom>
-        </p:spPr>
-      </p:pic>
+        <p:txBody>
+          <a:bodyPr/>
+          <a:lstStyle/>
+          <a:p>
+            <a:pPr lvl="0">
+              <a:buFont typeface="Arial" panose="020B0604020202020204" pitchFamily="34" charset="0"/>
+              <a:buChar char="•"/>
+            </a:pPr>
+            <a:r>
+              <a:rPr lang="es-ES" dirty="0"/>
+              <a:t>Abrir página web desde el móvil.</a:t>
+            </a:r>
+          </a:p>
+          <a:p>
+            <a:pPr lvl="0">
+              <a:buFont typeface="Arial" panose="020B0604020202020204" pitchFamily="34" charset="0"/>
+              <a:buChar char="•"/>
+            </a:pPr>
+            <a:r>
+              <a:rPr lang="es-ES" dirty="0"/>
+              <a:t>Capa de servicios y UML</a:t>
+            </a:r>
+          </a:p>
+          <a:p>
+            <a:pPr lvl="0">
+              <a:buFont typeface="Arial" panose="020B0604020202020204" pitchFamily="34" charset="0"/>
+              <a:buChar char="•"/>
+            </a:pPr>
+            <a:r>
+              <a:rPr lang="es-ES" dirty="0"/>
+              <a:t>Notificaciones al administrador</a:t>
+            </a:r>
+          </a:p>
+          <a:p>
+            <a:pPr lvl="0">
+              <a:buFont typeface="Arial" panose="020B0604020202020204" pitchFamily="34" charset="0"/>
+              <a:buChar char="•"/>
+            </a:pPr>
+            <a:r>
+              <a:rPr lang="es-ES" dirty="0"/>
+              <a:t>Correo de reseteo de contraseñas</a:t>
+            </a:r>
+          </a:p>
+          <a:p>
+            <a:pPr lvl="0">
+              <a:buFont typeface="Arial" panose="020B0604020202020204" pitchFamily="34" charset="0"/>
+              <a:buChar char="•"/>
+            </a:pPr>
+            <a:r>
+              <a:rPr lang="es-ES" dirty="0"/>
+              <a:t>Middleware para controlar el acceso a los usuarios a diferentes páginas o secciones de las mismas.</a:t>
+            </a:r>
+          </a:p>
+          <a:p>
+            <a:pPr lvl="0">
+              <a:buFont typeface="Arial" panose="020B0604020202020204" pitchFamily="34" charset="0"/>
+              <a:buChar char="•"/>
+            </a:pPr>
+            <a:r>
+              <a:rPr lang="es-ES" dirty="0"/>
+              <a:t>Validación de </a:t>
+            </a:r>
+            <a:r>
+              <a:rPr lang="es-ES" dirty="0" err="1"/>
+              <a:t>dni</a:t>
+            </a:r>
+            <a:r>
+              <a:rPr lang="es-ES" dirty="0"/>
+              <a:t>.</a:t>
+            </a:r>
+          </a:p>
+          <a:p>
+            <a:pPr lvl="0">
+              <a:buFont typeface="Arial" panose="020B0604020202020204" pitchFamily="34" charset="0"/>
+              <a:buChar char="•"/>
+            </a:pPr>
+            <a:r>
+              <a:rPr lang="es-ES" dirty="0"/>
+              <a:t>Buscador de vuelos con carrusel de fotografías.</a:t>
+            </a:r>
+          </a:p>
+          <a:p>
+            <a:pPr lvl="0">
+              <a:buFont typeface="Arial" panose="020B0604020202020204" pitchFamily="34" charset="0"/>
+              <a:buChar char="•"/>
+            </a:pPr>
+            <a:r>
+              <a:rPr lang="es-ES" dirty="0"/>
+              <a:t>En contacto geolocalización integrada con Google </a:t>
+            </a:r>
+            <a:r>
+              <a:rPr lang="es-ES" dirty="0" err="1"/>
+              <a:t>maps</a:t>
+            </a:r>
+            <a:endParaRPr lang="es-ES" dirty="0"/>
+          </a:p>
+          <a:p>
+            <a:endParaRPr lang="es-ES" dirty="0"/>
+          </a:p>
+        </p:txBody>
+      </p:sp>
     </p:spTree>
     <p:extLst>
       <p:ext uri="{BB962C8B-B14F-4D97-AF65-F5344CB8AC3E}">

--- a/AIRDSS.pptx
+++ b/AIRDSS.pptx
@@ -5,7 +5,7 @@
     <p:sldMasterId id="2147483648" r:id="rId1"/>
   </p:sldMasterIdLst>
   <p:notesMasterIdLst>
-    <p:notesMasterId r:id="rId9"/>
+    <p:notesMasterId r:id="rId14"/>
   </p:notesMasterIdLst>
   <p:sldIdLst>
     <p:sldId id="256" r:id="rId2"/>
@@ -13,8 +13,13 @@
     <p:sldId id="278" r:id="rId4"/>
     <p:sldId id="260" r:id="rId5"/>
     <p:sldId id="261" r:id="rId6"/>
-    <p:sldId id="277" r:id="rId7"/>
-    <p:sldId id="276" r:id="rId8"/>
+    <p:sldId id="279" r:id="rId7"/>
+    <p:sldId id="280" r:id="rId8"/>
+    <p:sldId id="281" r:id="rId9"/>
+    <p:sldId id="282" r:id="rId10"/>
+    <p:sldId id="283" r:id="rId11"/>
+    <p:sldId id="277" r:id="rId12"/>
+    <p:sldId id="276" r:id="rId13"/>
   </p:sldIdLst>
   <p:sldSz cx="12192000" cy="6858000"/>
   <p:notesSz cx="6858000" cy="9144000"/>
@@ -3581,6 +3586,1651 @@
 </p:sld>
 </file>
 
+<file path=ppt/slides/slide10.xml><?xml version="1.0" encoding="utf-8"?>
+<p:sld xmlns:a="http://schemas.openxmlformats.org/drawingml/2006/main" xmlns:r="http://schemas.openxmlformats.org/officeDocument/2006/relationships" xmlns:p="http://schemas.openxmlformats.org/presentationml/2006/main">
+  <p:cSld>
+    <p:spTree>
+      <p:nvGrpSpPr>
+        <p:cNvPr id="1" name=""/>
+        <p:cNvGrpSpPr/>
+        <p:nvPr/>
+      </p:nvGrpSpPr>
+      <p:grpSpPr>
+        <a:xfrm>
+          <a:off x="0" y="0"/>
+          <a:ext cx="0" cy="0"/>
+          <a:chOff x="0" y="0"/>
+          <a:chExt cx="0" cy="0"/>
+        </a:xfrm>
+      </p:grpSpPr>
+      <p:sp>
+        <p:nvSpPr>
+          <p:cNvPr id="122" name="Título 1"/>
+          <p:cNvSpPr txBox="1">
+            <a:spLocks noGrp="1"/>
+          </p:cNvSpPr>
+          <p:nvPr>
+            <p:ph type="title"/>
+          </p:nvPr>
+        </p:nvSpPr>
+        <p:spPr>
+          <a:xfrm>
+            <a:off x="1024128" y="585216"/>
+            <a:ext cx="9720072" cy="1499617"/>
+          </a:xfrm>
+          <a:prstGeom prst="rect">
+            <a:avLst/>
+          </a:prstGeom>
+        </p:spPr>
+        <p:txBody>
+          <a:bodyPr/>
+          <a:lstStyle/>
+          <a:p>
+            <a:pPr defTabSz="886968">
+              <a:defRPr sz="3783" spc="97">
+                <a:latin typeface="Arial"/>
+                <a:ea typeface="Arial"/>
+                <a:cs typeface="Arial"/>
+                <a:sym typeface="Arial"/>
+              </a:defRPr>
+            </a:pPr>
+            <a:r>
+              <a:rPr dirty="0" err="1"/>
+              <a:t>Demostración</a:t>
+            </a:r>
+            <a:r>
+              <a:rPr dirty="0"/>
+              <a:t> </a:t>
+            </a:r>
+            <a:r>
+              <a:rPr dirty="0" err="1"/>
+              <a:t>funcional</a:t>
+            </a:r>
+            <a:r>
+              <a:rPr dirty="0"/>
+              <a:t> del </a:t>
+            </a:r>
+            <a:r>
+              <a:rPr dirty="0" err="1"/>
+              <a:t>proyecto</a:t>
+            </a:r>
+            <a:r>
+              <a:rPr dirty="0"/>
+              <a:t>.</a:t>
+            </a:r>
+            <a:br>
+              <a:rPr dirty="0"/>
+            </a:br>
+            <a:endParaRPr dirty="0"/>
+          </a:p>
+        </p:txBody>
+      </p:sp>
+      <p:sp>
+        <p:nvSpPr>
+          <p:cNvPr id="123" name="Rectángulo 4"/>
+          <p:cNvSpPr txBox="1"/>
+          <p:nvPr/>
+        </p:nvSpPr>
+        <p:spPr>
+          <a:xfrm>
+            <a:off x="5564666" y="1483916"/>
+            <a:ext cx="900244" cy="369332"/>
+          </a:xfrm>
+          <a:prstGeom prst="rect">
+            <a:avLst/>
+          </a:prstGeom>
+          <a:ln w="12700">
+            <a:miter lim="400000"/>
+          </a:ln>
+          <a:extLst>
+            <a:ext uri="{C572A759-6A51-4108-AA02-DFA0A04FC94B}">
+              <ma14:wrappingTextBoxFlag xmlns="" xmlns:m="http://schemas.openxmlformats.org/officeDocument/2006/math" xmlns:a14="http://schemas.microsoft.com/office/drawing/2010/main" xmlns:ma14="http://schemas.microsoft.com/office/mac/drawingml/2011/main" val="1"/>
+            </a:ext>
+          </a:extLst>
+        </p:spPr>
+        <p:txBody>
+          <a:bodyPr wrap="none" lIns="45719" rIns="45719">
+            <a:spAutoFit/>
+          </a:bodyPr>
+          <a:lstStyle>
+            <a:lvl1pPr>
+              <a:defRPr>
+                <a:latin typeface="Arial"/>
+                <a:ea typeface="Arial"/>
+                <a:cs typeface="Arial"/>
+                <a:sym typeface="Arial"/>
+              </a:defRPr>
+            </a:lvl1pPr>
+          </a:lstStyle>
+          <a:p>
+            <a:r>
+              <a:rPr lang="es-ES" dirty="0"/>
+              <a:t>Mi perfil</a:t>
+            </a:r>
+            <a:endParaRPr dirty="0"/>
+          </a:p>
+        </p:txBody>
+      </p:sp>
+      <p:sp>
+        <p:nvSpPr>
+          <p:cNvPr id="9" name="CuadroTexto 5">
+            <a:extLst>
+              <a:ext uri="{FF2B5EF4-FFF2-40B4-BE49-F238E27FC236}">
+                <a16:creationId xmlns:a16="http://schemas.microsoft.com/office/drawing/2014/main" id="{32E4E81B-0198-4264-983A-EFF3D96CCFE4}"/>
+              </a:ext>
+            </a:extLst>
+          </p:cNvPr>
+          <p:cNvSpPr txBox="1"/>
+          <p:nvPr/>
+        </p:nvSpPr>
+        <p:spPr>
+          <a:xfrm>
+            <a:off x="227331" y="2498332"/>
+            <a:ext cx="2054089" cy="1477328"/>
+          </a:xfrm>
+          <a:prstGeom prst="rect">
+            <a:avLst/>
+          </a:prstGeom>
+          <a:ln>
+            <a:solidFill>
+              <a:srgbClr val="2E2B21"/>
+            </a:solidFill>
+          </a:ln>
+          <a:extLst>
+            <a:ext uri="{C572A759-6A51-4108-AA02-DFA0A04FC94B}">
+              <ma14:wrappingTextBoxFlag xmlns="" xmlns:m="http://schemas.openxmlformats.org/officeDocument/2006/math" xmlns:a14="http://schemas.microsoft.com/office/drawing/2010/main" xmlns:ma14="http://schemas.microsoft.com/office/mac/drawingml/2011/main" val="1"/>
+            </a:ext>
+          </a:extLst>
+        </p:spPr>
+        <p:txBody>
+          <a:bodyPr lIns="45719" rIns="45719">
+            <a:spAutoFit/>
+          </a:bodyPr>
+          <a:lstStyle/>
+          <a:p>
+            <a:pPr marL="285750" indent="-285750">
+              <a:buSzPct val="100000"/>
+              <a:buChar char="❑"/>
+            </a:pPr>
+            <a:r>
+              <a:rPr lang="es-ES" dirty="0"/>
+              <a:t>UML</a:t>
+            </a:r>
+            <a:endParaRPr dirty="0"/>
+          </a:p>
+          <a:p>
+            <a:pPr marL="285750" indent="-285750">
+              <a:buSzPct val="100000"/>
+              <a:buChar char="❑"/>
+            </a:pPr>
+            <a:r>
+              <a:rPr dirty="0" err="1"/>
+              <a:t>Funcionalidades</a:t>
+            </a:r>
+            <a:endParaRPr dirty="0"/>
+          </a:p>
+          <a:p>
+            <a:pPr marL="285750" indent="-285750">
+              <a:buSzPct val="100000"/>
+              <a:buChar char="❑"/>
+              <a:defRPr b="1"/>
+            </a:pPr>
+            <a:r>
+              <a:rPr dirty="0" err="1"/>
+              <a:t>Demostración</a:t>
+            </a:r>
+            <a:endParaRPr dirty="0"/>
+          </a:p>
+          <a:p>
+            <a:pPr marL="285750" indent="-285750">
+              <a:buSzPct val="100000"/>
+              <a:buChar char="❑"/>
+            </a:pPr>
+            <a:r>
+              <a:rPr dirty="0" err="1"/>
+              <a:t>Aspectos</a:t>
+            </a:r>
+            <a:endParaRPr dirty="0"/>
+          </a:p>
+          <a:p>
+            <a:pPr marL="285750" indent="-285750">
+              <a:buSzPct val="100000"/>
+              <a:buChar char="❑"/>
+            </a:pPr>
+            <a:r>
+              <a:rPr dirty="0" err="1"/>
+              <a:t>Conclusiones</a:t>
+            </a:r>
+            <a:endParaRPr dirty="0"/>
+          </a:p>
+        </p:txBody>
+      </p:sp>
+      <p:pic>
+        <p:nvPicPr>
+          <p:cNvPr id="4" name="Imagen 3">
+            <a:extLst>
+              <a:ext uri="{FF2B5EF4-FFF2-40B4-BE49-F238E27FC236}">
+                <a16:creationId xmlns:a16="http://schemas.microsoft.com/office/drawing/2014/main" id="{3585F9CA-84B4-4647-8A47-399E5C587C9B}"/>
+              </a:ext>
+            </a:extLst>
+          </p:cNvPr>
+          <p:cNvPicPr>
+            <a:picLocks noChangeAspect="1"/>
+          </p:cNvPicPr>
+          <p:nvPr/>
+        </p:nvPicPr>
+        <p:blipFill>
+          <a:blip r:embed="rId2">
+            <a:extLst>
+              <a:ext uri="{28A0092B-C50C-407E-A947-70E740481C1C}">
+                <a14:useLocalDpi xmlns:a14="http://schemas.microsoft.com/office/drawing/2010/main" val="0"/>
+              </a:ext>
+            </a:extLst>
+          </a:blip>
+          <a:stretch>
+            <a:fillRect/>
+          </a:stretch>
+        </p:blipFill>
+        <p:spPr>
+          <a:xfrm>
+            <a:off x="4200525" y="2405634"/>
+            <a:ext cx="3790950" cy="3867150"/>
+          </a:xfrm>
+          <a:prstGeom prst="rect">
+            <a:avLst/>
+          </a:prstGeom>
+        </p:spPr>
+      </p:pic>
+    </p:spTree>
+    <p:extLst>
+      <p:ext uri="{BB962C8B-B14F-4D97-AF65-F5344CB8AC3E}">
+        <p14:creationId xmlns:p14="http://schemas.microsoft.com/office/powerpoint/2010/main" val="1478250187"/>
+      </p:ext>
+    </p:extLst>
+  </p:cSld>
+  <p:clrMapOvr>
+    <a:masterClrMapping/>
+  </p:clrMapOvr>
+  <p:transition spd="med"/>
+</p:sld>
+</file>
+
+<file path=ppt/slides/slide11.xml><?xml version="1.0" encoding="utf-8"?>
+<p:sld xmlns:a="http://schemas.openxmlformats.org/drawingml/2006/main" xmlns:r="http://schemas.openxmlformats.org/officeDocument/2006/relationships" xmlns:p="http://schemas.openxmlformats.org/presentationml/2006/main">
+  <p:cSld>
+    <p:spTree>
+      <p:nvGrpSpPr>
+        <p:cNvPr id="1" name=""/>
+        <p:cNvGrpSpPr/>
+        <p:nvPr/>
+      </p:nvGrpSpPr>
+      <p:grpSpPr>
+        <a:xfrm>
+          <a:off x="0" y="0"/>
+          <a:ext cx="0" cy="0"/>
+          <a:chOff x="0" y="0"/>
+          <a:chExt cx="0" cy="0"/>
+        </a:xfrm>
+      </p:grpSpPr>
+      <p:sp>
+        <p:nvSpPr>
+          <p:cNvPr id="2" name="Título 1">
+            <a:extLst>
+              <a:ext uri="{FF2B5EF4-FFF2-40B4-BE49-F238E27FC236}">
+                <a16:creationId xmlns:a16="http://schemas.microsoft.com/office/drawing/2014/main" id="{AC7DBC01-8ECE-41C5-8E3F-384133D4DA41}"/>
+              </a:ext>
+            </a:extLst>
+          </p:cNvPr>
+          <p:cNvSpPr>
+            <a:spLocks noGrp="1"/>
+          </p:cNvSpPr>
+          <p:nvPr>
+            <p:ph type="title"/>
+          </p:nvPr>
+        </p:nvSpPr>
+        <p:spPr/>
+        <p:txBody>
+          <a:bodyPr/>
+          <a:lstStyle/>
+          <a:p>
+            <a:r>
+              <a:rPr lang="es-ES" sz="4400" dirty="0"/>
+              <a:t>Aspectos a resaltar:</a:t>
+            </a:r>
+            <a:endParaRPr lang="es-ES" dirty="0"/>
+          </a:p>
+        </p:txBody>
+      </p:sp>
+      <p:sp>
+        <p:nvSpPr>
+          <p:cNvPr id="5" name="CuadroTexto 4">
+            <a:extLst>
+              <a:ext uri="{FF2B5EF4-FFF2-40B4-BE49-F238E27FC236}">
+                <a16:creationId xmlns:a16="http://schemas.microsoft.com/office/drawing/2014/main" id="{C68EC0AD-0AEE-4F4E-AEE1-28A128CF2A1A}"/>
+              </a:ext>
+            </a:extLst>
+          </p:cNvPr>
+          <p:cNvSpPr txBox="1"/>
+          <p:nvPr/>
+        </p:nvSpPr>
+        <p:spPr>
+          <a:xfrm>
+            <a:off x="135904" y="2413337"/>
+            <a:ext cx="2054087" cy="1477328"/>
+          </a:xfrm>
+          <a:prstGeom prst="rect">
+            <a:avLst/>
+          </a:prstGeom>
+          <a:noFill/>
+          <a:ln>
+            <a:solidFill>
+              <a:schemeClr val="tx1"/>
+            </a:solidFill>
+          </a:ln>
+        </p:spPr>
+        <p:txBody>
+          <a:bodyPr wrap="square" rtlCol="0">
+            <a:spAutoFit/>
+          </a:bodyPr>
+          <a:lstStyle/>
+          <a:p>
+            <a:pPr marL="285750" indent="-285750">
+              <a:buFont typeface="Wingdings" panose="05000000000000000000" pitchFamily="2" charset="2"/>
+              <a:buChar char="q"/>
+            </a:pPr>
+            <a:r>
+              <a:rPr lang="es-ES" dirty="0"/>
+              <a:t>UML</a:t>
+            </a:r>
+          </a:p>
+          <a:p>
+            <a:pPr marL="285750" indent="-285750">
+              <a:buFont typeface="Wingdings" panose="05000000000000000000" pitchFamily="2" charset="2"/>
+              <a:buChar char="q"/>
+            </a:pPr>
+            <a:r>
+              <a:rPr lang="es-ES" dirty="0"/>
+              <a:t>Funcionalidades</a:t>
+            </a:r>
+          </a:p>
+          <a:p>
+            <a:pPr marL="285750" indent="-285750">
+              <a:buFont typeface="Wingdings" panose="05000000000000000000" pitchFamily="2" charset="2"/>
+              <a:buChar char="q"/>
+            </a:pPr>
+            <a:r>
+              <a:rPr lang="es-ES" dirty="0"/>
+              <a:t>Demostración</a:t>
+            </a:r>
+          </a:p>
+          <a:p>
+            <a:pPr marL="285750" indent="-285750">
+              <a:buFont typeface="Wingdings" panose="05000000000000000000" pitchFamily="2" charset="2"/>
+              <a:buChar char="q"/>
+            </a:pPr>
+            <a:r>
+              <a:rPr lang="es-ES" b="1" dirty="0"/>
+              <a:t>Aspectos</a:t>
+            </a:r>
+          </a:p>
+          <a:p>
+            <a:pPr marL="285750" indent="-285750">
+              <a:buFont typeface="Wingdings" panose="05000000000000000000" pitchFamily="2" charset="2"/>
+              <a:buChar char="q"/>
+            </a:pPr>
+            <a:r>
+              <a:rPr lang="es-ES" dirty="0"/>
+              <a:t>Conclusiones</a:t>
+            </a:r>
+          </a:p>
+        </p:txBody>
+      </p:sp>
+      <p:sp>
+        <p:nvSpPr>
+          <p:cNvPr id="8" name="Marcador de texto 7">
+            <a:extLst>
+              <a:ext uri="{FF2B5EF4-FFF2-40B4-BE49-F238E27FC236}">
+                <a16:creationId xmlns:a16="http://schemas.microsoft.com/office/drawing/2014/main" id="{9FD5B537-1BD9-402F-B27C-A11A4569434D}"/>
+              </a:ext>
+            </a:extLst>
+          </p:cNvPr>
+          <p:cNvSpPr>
+            <a:spLocks noGrp="1"/>
+          </p:cNvSpPr>
+          <p:nvPr>
+            <p:ph type="body" idx="1"/>
+          </p:nvPr>
+        </p:nvSpPr>
+        <p:spPr>
+          <a:xfrm>
+            <a:off x="2321169" y="2286000"/>
+            <a:ext cx="8423031" cy="4023360"/>
+          </a:xfrm>
+        </p:spPr>
+        <p:txBody>
+          <a:bodyPr/>
+          <a:lstStyle/>
+          <a:p>
+            <a:pPr lvl="0">
+              <a:buFont typeface="Arial" panose="020B0604020202020204" pitchFamily="34" charset="0"/>
+              <a:buChar char="•"/>
+            </a:pPr>
+            <a:r>
+              <a:rPr lang="es-ES" dirty="0"/>
+              <a:t>Abrir página web desde el móvil.</a:t>
+            </a:r>
+          </a:p>
+          <a:p>
+            <a:pPr lvl="0">
+              <a:buFont typeface="Arial" panose="020B0604020202020204" pitchFamily="34" charset="0"/>
+              <a:buChar char="•"/>
+            </a:pPr>
+            <a:r>
+              <a:rPr lang="es-ES" dirty="0"/>
+              <a:t>Capa de servicios y UML</a:t>
+            </a:r>
+          </a:p>
+          <a:p>
+            <a:pPr lvl="0">
+              <a:buFont typeface="Arial" panose="020B0604020202020204" pitchFamily="34" charset="0"/>
+              <a:buChar char="•"/>
+            </a:pPr>
+            <a:r>
+              <a:rPr lang="es-ES" dirty="0"/>
+              <a:t>Notificaciones al administrador</a:t>
+            </a:r>
+          </a:p>
+          <a:p>
+            <a:pPr lvl="0">
+              <a:buFont typeface="Arial" panose="020B0604020202020204" pitchFamily="34" charset="0"/>
+              <a:buChar char="•"/>
+            </a:pPr>
+            <a:r>
+              <a:rPr lang="es-ES" dirty="0"/>
+              <a:t>Correo de reseteo de contraseñas</a:t>
+            </a:r>
+          </a:p>
+          <a:p>
+            <a:pPr lvl="0">
+              <a:buFont typeface="Arial" panose="020B0604020202020204" pitchFamily="34" charset="0"/>
+              <a:buChar char="•"/>
+            </a:pPr>
+            <a:r>
+              <a:rPr lang="es-ES" dirty="0"/>
+              <a:t>Middleware para controlar el acceso a los usuarios a diferentes páginas o secciones de las mismas.</a:t>
+            </a:r>
+          </a:p>
+          <a:p>
+            <a:pPr lvl="0">
+              <a:buFont typeface="Arial" panose="020B0604020202020204" pitchFamily="34" charset="0"/>
+              <a:buChar char="•"/>
+            </a:pPr>
+            <a:r>
+              <a:rPr lang="es-ES" dirty="0"/>
+              <a:t>Validación de </a:t>
+            </a:r>
+            <a:r>
+              <a:rPr lang="es-ES" dirty="0" err="1"/>
+              <a:t>dni</a:t>
+            </a:r>
+            <a:r>
+              <a:rPr lang="es-ES" dirty="0"/>
+              <a:t>.</a:t>
+            </a:r>
+          </a:p>
+          <a:p>
+            <a:pPr lvl="0">
+              <a:buFont typeface="Arial" panose="020B0604020202020204" pitchFamily="34" charset="0"/>
+              <a:buChar char="•"/>
+            </a:pPr>
+            <a:r>
+              <a:rPr lang="es-ES" dirty="0"/>
+              <a:t>Buscador de vuelos con carrusel de fotografías.</a:t>
+            </a:r>
+          </a:p>
+          <a:p>
+            <a:pPr lvl="0">
+              <a:buFont typeface="Arial" panose="020B0604020202020204" pitchFamily="34" charset="0"/>
+              <a:buChar char="•"/>
+            </a:pPr>
+            <a:r>
+              <a:rPr lang="es-ES" dirty="0"/>
+              <a:t>En contacto geolocalización integrada con Google </a:t>
+            </a:r>
+            <a:r>
+              <a:rPr lang="es-ES" dirty="0" err="1"/>
+              <a:t>maps</a:t>
+            </a:r>
+            <a:endParaRPr lang="es-ES" dirty="0"/>
+          </a:p>
+          <a:p>
+            <a:endParaRPr lang="es-ES" dirty="0"/>
+          </a:p>
+        </p:txBody>
+      </p:sp>
+    </p:spTree>
+    <p:extLst>
+      <p:ext uri="{BB962C8B-B14F-4D97-AF65-F5344CB8AC3E}">
+        <p14:creationId xmlns:p14="http://schemas.microsoft.com/office/powerpoint/2010/main" val="1696344510"/>
+      </p:ext>
+    </p:extLst>
+  </p:cSld>
+  <p:clrMapOvr>
+    <a:masterClrMapping/>
+  </p:clrMapOvr>
+  <p:transition spd="med"/>
+</p:sld>
+</file>
+
+<file path=ppt/slides/slide12.xml><?xml version="1.0" encoding="utf-8"?>
+<p:sld xmlns:a="http://schemas.openxmlformats.org/drawingml/2006/main" xmlns:r="http://schemas.openxmlformats.org/officeDocument/2006/relationships" xmlns:p="http://schemas.openxmlformats.org/presentationml/2006/main">
+  <p:cSld>
+    <p:spTree>
+      <p:nvGrpSpPr>
+        <p:cNvPr id="1" name=""/>
+        <p:cNvGrpSpPr/>
+        <p:nvPr/>
+      </p:nvGrpSpPr>
+      <p:grpSpPr>
+        <a:xfrm>
+          <a:off x="0" y="0"/>
+          <a:ext cx="0" cy="0"/>
+          <a:chOff x="0" y="0"/>
+          <a:chExt cx="0" cy="0"/>
+        </a:xfrm>
+      </p:grpSpPr>
+      <p:sp>
+        <p:nvSpPr>
+          <p:cNvPr id="190" name="Título 1"/>
+          <p:cNvSpPr txBox="1">
+            <a:spLocks noGrp="1"/>
+          </p:cNvSpPr>
+          <p:nvPr>
+            <p:ph type="title"/>
+          </p:nvPr>
+        </p:nvSpPr>
+        <p:spPr>
+          <a:xfrm>
+            <a:off x="1024128" y="585216"/>
+            <a:ext cx="9720072" cy="1499617"/>
+          </a:xfrm>
+          <a:prstGeom prst="rect">
+            <a:avLst/>
+          </a:prstGeom>
+        </p:spPr>
+        <p:txBody>
+          <a:bodyPr/>
+          <a:lstStyle>
+            <a:lvl1pPr>
+              <a:defRPr sz="4400">
+                <a:latin typeface="Arial"/>
+                <a:ea typeface="Arial"/>
+                <a:cs typeface="Arial"/>
+                <a:sym typeface="Arial"/>
+              </a:defRPr>
+            </a:lvl1pPr>
+          </a:lstStyle>
+          <a:p>
+            <a:r>
+              <a:rPr dirty="0" err="1"/>
+              <a:t>Conclusiones</a:t>
+            </a:r>
+            <a:r>
+              <a:rPr dirty="0"/>
+              <a:t>.</a:t>
+            </a:r>
+          </a:p>
+        </p:txBody>
+      </p:sp>
+      <p:sp>
+        <p:nvSpPr>
+          <p:cNvPr id="191" name="CuadroTexto 4"/>
+          <p:cNvSpPr txBox="1"/>
+          <p:nvPr/>
+        </p:nvSpPr>
+        <p:spPr>
+          <a:xfrm>
+            <a:off x="135903" y="2413336"/>
+            <a:ext cx="2054089" cy="1477328"/>
+          </a:xfrm>
+          <a:prstGeom prst="rect">
+            <a:avLst/>
+          </a:prstGeom>
+          <a:ln>
+            <a:solidFill>
+              <a:srgbClr val="2E2B21"/>
+            </a:solidFill>
+          </a:ln>
+          <a:extLst>
+            <a:ext uri="{C572A759-6A51-4108-AA02-DFA0A04FC94B}">
+              <ma14:wrappingTextBoxFlag xmlns="" xmlns:m="http://schemas.openxmlformats.org/officeDocument/2006/math" xmlns:a14="http://schemas.microsoft.com/office/drawing/2010/main" xmlns:ma14="http://schemas.microsoft.com/office/mac/drawingml/2011/main" val="1"/>
+            </a:ext>
+          </a:extLst>
+        </p:spPr>
+        <p:txBody>
+          <a:bodyPr lIns="45719" rIns="45719">
+            <a:spAutoFit/>
+          </a:bodyPr>
+          <a:lstStyle/>
+          <a:p>
+            <a:pPr marL="285750" indent="-285750">
+              <a:buSzPct val="100000"/>
+              <a:buChar char="❑"/>
+            </a:pPr>
+            <a:r>
+              <a:rPr lang="es-ES" dirty="0"/>
+              <a:t>UML</a:t>
+            </a:r>
+            <a:endParaRPr dirty="0"/>
+          </a:p>
+          <a:p>
+            <a:pPr marL="285750" indent="-285750">
+              <a:buSzPct val="100000"/>
+              <a:buChar char="❑"/>
+            </a:pPr>
+            <a:r>
+              <a:rPr dirty="0" err="1"/>
+              <a:t>Funcionalidades</a:t>
+            </a:r>
+            <a:endParaRPr dirty="0"/>
+          </a:p>
+          <a:p>
+            <a:pPr marL="285750" indent="-285750">
+              <a:buSzPct val="100000"/>
+              <a:buChar char="❑"/>
+            </a:pPr>
+            <a:r>
+              <a:rPr dirty="0" err="1"/>
+              <a:t>Demostración</a:t>
+            </a:r>
+            <a:endParaRPr dirty="0"/>
+          </a:p>
+          <a:p>
+            <a:pPr marL="285750" indent="-285750">
+              <a:buSzPct val="100000"/>
+              <a:buChar char="❑"/>
+            </a:pPr>
+            <a:r>
+              <a:rPr dirty="0" err="1"/>
+              <a:t>Aspectos</a:t>
+            </a:r>
+            <a:endParaRPr dirty="0"/>
+          </a:p>
+          <a:p>
+            <a:pPr marL="285750" indent="-285750">
+              <a:buSzPct val="100000"/>
+              <a:buChar char="❑"/>
+              <a:defRPr b="1"/>
+            </a:pPr>
+            <a:r>
+              <a:rPr dirty="0" err="1"/>
+              <a:t>Conclusiones</a:t>
+            </a:r>
+            <a:endParaRPr dirty="0"/>
+          </a:p>
+        </p:txBody>
+      </p:sp>
+      <p:sp>
+        <p:nvSpPr>
+          <p:cNvPr id="192" name="Marcador de contenido 2"/>
+          <p:cNvSpPr txBox="1">
+            <a:spLocks noGrp="1"/>
+          </p:cNvSpPr>
+          <p:nvPr>
+            <p:ph type="body" idx="1"/>
+          </p:nvPr>
+        </p:nvSpPr>
+        <p:spPr>
+          <a:xfrm>
+            <a:off x="2190749" y="1852614"/>
+            <a:ext cx="8945565" cy="1576386"/>
+          </a:xfrm>
+          <a:prstGeom prst="rect">
+            <a:avLst/>
+          </a:prstGeom>
+        </p:spPr>
+        <p:txBody>
+          <a:bodyPr>
+            <a:normAutofit fontScale="92500" lnSpcReduction="10000"/>
+          </a:bodyPr>
+          <a:lstStyle/>
+          <a:p>
+            <a:pPr>
+              <a:buFont typeface="Arial"/>
+              <a:buChar char="•"/>
+            </a:pPr>
+            <a:r>
+              <a:rPr dirty="0"/>
+              <a:t> </a:t>
+            </a:r>
+            <a:r>
+              <a:rPr dirty="0" err="1"/>
+              <a:t>Fácil</a:t>
+            </a:r>
+            <a:r>
+              <a:rPr dirty="0"/>
+              <a:t> </a:t>
+            </a:r>
+            <a:r>
+              <a:rPr dirty="0" err="1"/>
+              <a:t>manejo</a:t>
+            </a:r>
+            <a:r>
+              <a:rPr dirty="0"/>
+              <a:t> de la </a:t>
+            </a:r>
+            <a:r>
+              <a:rPr dirty="0" err="1"/>
+              <a:t>plataforma</a:t>
+            </a:r>
+            <a:r>
+              <a:rPr dirty="0"/>
+              <a:t> </a:t>
+            </a:r>
+            <a:r>
+              <a:rPr dirty="0" err="1"/>
+              <a:t>escogida</a:t>
+            </a:r>
+            <a:r>
+              <a:rPr dirty="0"/>
+              <a:t> (Laravel)</a:t>
+            </a:r>
+            <a:r>
+              <a:rPr lang="es-ES" dirty="0"/>
+              <a:t> y gran documentación</a:t>
+            </a:r>
+            <a:r>
+              <a:rPr dirty="0"/>
+              <a:t>.</a:t>
+            </a:r>
+          </a:p>
+          <a:p>
+            <a:pPr>
+              <a:buFont typeface="Arial"/>
+              <a:buChar char="•"/>
+            </a:pPr>
+            <a:r>
+              <a:rPr dirty="0"/>
+              <a:t> </a:t>
+            </a:r>
+            <a:r>
+              <a:rPr dirty="0" err="1"/>
+              <a:t>Integración</a:t>
+            </a:r>
+            <a:r>
+              <a:rPr dirty="0"/>
+              <a:t> entre Laravel, Visual Code y </a:t>
+            </a:r>
+            <a:r>
+              <a:rPr dirty="0" err="1"/>
+              <a:t>Github</a:t>
+            </a:r>
+            <a:r>
+              <a:rPr dirty="0"/>
+              <a:t>.</a:t>
+            </a:r>
+          </a:p>
+          <a:p>
+            <a:pPr>
+              <a:buFont typeface="Arial"/>
+              <a:buChar char="•"/>
+            </a:pPr>
+            <a:r>
+              <a:rPr dirty="0"/>
+              <a:t> Buena </a:t>
+            </a:r>
+            <a:r>
+              <a:rPr dirty="0" err="1"/>
+              <a:t>organización</a:t>
+            </a:r>
+            <a:r>
+              <a:rPr lang="es-ES" dirty="0"/>
+              <a:t> y comunicación</a:t>
+            </a:r>
+            <a:r>
+              <a:rPr dirty="0"/>
+              <a:t> de</a:t>
+            </a:r>
+            <a:r>
+              <a:rPr lang="es-ES" dirty="0"/>
+              <a:t>l</a:t>
+            </a:r>
+            <a:r>
+              <a:rPr dirty="0"/>
+              <a:t> </a:t>
+            </a:r>
+            <a:r>
+              <a:rPr dirty="0" err="1"/>
+              <a:t>equipo</a:t>
+            </a:r>
+            <a:r>
+              <a:rPr lang="es-ES" dirty="0"/>
+              <a:t> </a:t>
+            </a:r>
+            <a:r>
+              <a:rPr dirty="0"/>
+              <a:t>.</a:t>
+            </a:r>
+            <a:endParaRPr lang="es-ES" dirty="0"/>
+          </a:p>
+          <a:p>
+            <a:pPr>
+              <a:buFont typeface="Arial"/>
+              <a:buChar char="•"/>
+            </a:pPr>
+            <a:r>
+              <a:rPr lang="es-ES" dirty="0"/>
+              <a:t> </a:t>
+            </a:r>
+            <a:r>
+              <a:rPr lang="es-ES"/>
+              <a:t>Buena etodología </a:t>
+            </a:r>
+            <a:r>
+              <a:rPr lang="es-ES" dirty="0"/>
+              <a:t>de trabajo utilizada en las prácticas </a:t>
+            </a:r>
+          </a:p>
+          <a:p>
+            <a:pPr marL="0" indent="0">
+              <a:buNone/>
+            </a:pPr>
+            <a:endParaRPr dirty="0"/>
+          </a:p>
+          <a:p>
+            <a:pPr>
+              <a:buFont typeface="Arial"/>
+              <a:buChar char="•"/>
+            </a:pPr>
+            <a:endParaRPr dirty="0"/>
+          </a:p>
+        </p:txBody>
+      </p:sp>
+      <p:sp>
+        <p:nvSpPr>
+          <p:cNvPr id="7" name="Marcador de contenido 2">
+            <a:extLst>
+              <a:ext uri="{FF2B5EF4-FFF2-40B4-BE49-F238E27FC236}">
+                <a16:creationId xmlns:a16="http://schemas.microsoft.com/office/drawing/2014/main" id="{3957B8EA-D80D-4B07-9253-1F7E6C282644}"/>
+              </a:ext>
+            </a:extLst>
+          </p:cNvPr>
+          <p:cNvSpPr txBox="1">
+            <a:spLocks/>
+          </p:cNvSpPr>
+          <p:nvPr/>
+        </p:nvSpPr>
+        <p:spPr>
+          <a:xfrm>
+            <a:off x="2189992" y="3647652"/>
+            <a:ext cx="3905251" cy="2920553"/>
+          </a:xfrm>
+          <a:prstGeom prst="rect">
+            <a:avLst/>
+          </a:prstGeom>
+          <a:ln w="12700">
+            <a:miter lim="400000"/>
+          </a:ln>
+          <a:extLst>
+            <a:ext uri="{C572A759-6A51-4108-AA02-DFA0A04FC94B}">
+              <ma14:wrappingTextBoxFlag xmlns="" xmlns:m="http://schemas.openxmlformats.org/officeDocument/2006/math" xmlns:a14="http://schemas.microsoft.com/office/drawing/2010/main" xmlns:ma14="http://schemas.microsoft.com/office/mac/drawingml/2011/main" val="1"/>
+            </a:ext>
+          </a:extLst>
+        </p:spPr>
+        <p:txBody>
+          <a:bodyPr lIns="45719" rIns="45719">
+            <a:normAutofit/>
+          </a:bodyPr>
+          <a:lstStyle>
+            <a:lvl1pPr marL="91439" marR="0" indent="-91439" algn="l" defTabSz="914400" rtl="0" latinLnBrk="0">
+              <a:lnSpc>
+                <a:spcPct val="90000"/>
+              </a:lnSpc>
+              <a:spcBef>
+                <a:spcPts val="1200"/>
+              </a:spcBef>
+              <a:spcAft>
+                <a:spcPts val="0"/>
+              </a:spcAft>
+              <a:buClr>
+                <a:schemeClr val="accent2"/>
+              </a:buClr>
+              <a:buSzPct val="100000"/>
+              <a:buFont typeface="Tw Cen MT"/>
+              <a:buChar char=" "/>
+              <a:tabLst/>
+              <a:defRPr sz="2200" b="0" i="0" u="none" strike="noStrike" cap="none" spc="0" baseline="0">
+                <a:ln>
+                  <a:noFill/>
+                </a:ln>
+                <a:solidFill>
+                  <a:srgbClr val="2E2B21"/>
+                </a:solidFill>
+                <a:uFillTx/>
+                <a:latin typeface="Tw Cen MT"/>
+                <a:ea typeface="Tw Cen MT"/>
+                <a:cs typeface="Tw Cen MT"/>
+                <a:sym typeface="Tw Cen MT"/>
+              </a:defRPr>
+            </a:lvl1pPr>
+            <a:lvl2pPr marL="295655" marR="0" indent="-167639" algn="l" defTabSz="914400" rtl="0" latinLnBrk="0">
+              <a:lnSpc>
+                <a:spcPct val="90000"/>
+              </a:lnSpc>
+              <a:spcBef>
+                <a:spcPts val="1200"/>
+              </a:spcBef>
+              <a:spcAft>
+                <a:spcPts val="0"/>
+              </a:spcAft>
+              <a:buClr>
+                <a:schemeClr val="accent2"/>
+              </a:buClr>
+              <a:buSzPct val="100000"/>
+              <a:buFont typeface="Tw Cen MT"/>
+              <a:buChar char=""/>
+              <a:tabLst/>
+              <a:defRPr sz="2200" b="0" i="0" u="none" strike="noStrike" cap="none" spc="0" baseline="0">
+                <a:ln>
+                  <a:noFill/>
+                </a:ln>
+                <a:solidFill>
+                  <a:srgbClr val="2E2B21"/>
+                </a:solidFill>
+                <a:uFillTx/>
+                <a:latin typeface="Tw Cen MT"/>
+                <a:ea typeface="Tw Cen MT"/>
+                <a:cs typeface="Tw Cen MT"/>
+                <a:sym typeface="Tw Cen MT"/>
+              </a:defRPr>
+            </a:lvl2pPr>
+            <a:lvl3pPr marL="526433" marR="0" indent="-215537" algn="l" defTabSz="914400" rtl="0" latinLnBrk="0">
+              <a:lnSpc>
+                <a:spcPct val="90000"/>
+              </a:lnSpc>
+              <a:spcBef>
+                <a:spcPts val="1200"/>
+              </a:spcBef>
+              <a:spcAft>
+                <a:spcPts val="0"/>
+              </a:spcAft>
+              <a:buClr>
+                <a:schemeClr val="accent2"/>
+              </a:buClr>
+              <a:buSzPct val="100000"/>
+              <a:buFont typeface="Tw Cen MT"/>
+              <a:buChar char=""/>
+              <a:tabLst/>
+              <a:defRPr sz="2200" b="0" i="0" u="none" strike="noStrike" cap="none" spc="0" baseline="0">
+                <a:ln>
+                  <a:noFill/>
+                </a:ln>
+                <a:solidFill>
+                  <a:srgbClr val="2E2B21"/>
+                </a:solidFill>
+                <a:uFillTx/>
+                <a:latin typeface="Tw Cen MT"/>
+                <a:ea typeface="Tw Cen MT"/>
+                <a:cs typeface="Tw Cen MT"/>
+                <a:sym typeface="Tw Cen MT"/>
+              </a:defRPr>
+            </a:lvl3pPr>
+            <a:lvl4pPr marL="672737" marR="0" indent="-215537" algn="l" defTabSz="914400" rtl="0" latinLnBrk="0">
+              <a:lnSpc>
+                <a:spcPct val="90000"/>
+              </a:lnSpc>
+              <a:spcBef>
+                <a:spcPts val="1200"/>
+              </a:spcBef>
+              <a:spcAft>
+                <a:spcPts val="0"/>
+              </a:spcAft>
+              <a:buClr>
+                <a:schemeClr val="accent2"/>
+              </a:buClr>
+              <a:buSzPct val="100000"/>
+              <a:buFont typeface="Tw Cen MT"/>
+              <a:buChar char=""/>
+              <a:tabLst/>
+              <a:defRPr sz="2200" b="0" i="0" u="none" strike="noStrike" cap="none" spc="0" baseline="0">
+                <a:ln>
+                  <a:noFill/>
+                </a:ln>
+                <a:solidFill>
+                  <a:srgbClr val="2E2B21"/>
+                </a:solidFill>
+                <a:uFillTx/>
+                <a:latin typeface="Tw Cen MT"/>
+                <a:ea typeface="Tw Cen MT"/>
+                <a:cs typeface="Tw Cen MT"/>
+                <a:sym typeface="Tw Cen MT"/>
+              </a:defRPr>
+            </a:lvl4pPr>
+            <a:lvl5pPr marL="855617" marR="0" indent="-215537" algn="l" defTabSz="914400" rtl="0" latinLnBrk="0">
+              <a:lnSpc>
+                <a:spcPct val="90000"/>
+              </a:lnSpc>
+              <a:spcBef>
+                <a:spcPts val="1200"/>
+              </a:spcBef>
+              <a:spcAft>
+                <a:spcPts val="0"/>
+              </a:spcAft>
+              <a:buClr>
+                <a:schemeClr val="accent2"/>
+              </a:buClr>
+              <a:buSzPct val="100000"/>
+              <a:buFont typeface="Tw Cen MT"/>
+              <a:buChar char=""/>
+              <a:tabLst/>
+              <a:defRPr sz="2200" b="0" i="0" u="none" strike="noStrike" cap="none" spc="0" baseline="0">
+                <a:ln>
+                  <a:noFill/>
+                </a:ln>
+                <a:solidFill>
+                  <a:srgbClr val="2E2B21"/>
+                </a:solidFill>
+                <a:uFillTx/>
+                <a:latin typeface="Tw Cen MT"/>
+                <a:ea typeface="Tw Cen MT"/>
+                <a:cs typeface="Tw Cen MT"/>
+                <a:sym typeface="Tw Cen MT"/>
+              </a:defRPr>
+            </a:lvl5pPr>
+            <a:lvl6pPr marL="992777" marR="0" indent="-215537" algn="l" defTabSz="914400" rtl="0" latinLnBrk="0">
+              <a:lnSpc>
+                <a:spcPct val="90000"/>
+              </a:lnSpc>
+              <a:spcBef>
+                <a:spcPts val="1200"/>
+              </a:spcBef>
+              <a:spcAft>
+                <a:spcPts val="0"/>
+              </a:spcAft>
+              <a:buClr>
+                <a:schemeClr val="accent2"/>
+              </a:buClr>
+              <a:buSzPct val="100000"/>
+              <a:buFont typeface="Tw Cen MT"/>
+              <a:buChar char=""/>
+              <a:tabLst/>
+              <a:defRPr sz="2200" b="0" i="0" u="none" strike="noStrike" cap="none" spc="0" baseline="0">
+                <a:ln>
+                  <a:noFill/>
+                </a:ln>
+                <a:solidFill>
+                  <a:srgbClr val="2E2B21"/>
+                </a:solidFill>
+                <a:uFillTx/>
+                <a:latin typeface="Tw Cen MT"/>
+                <a:ea typeface="Tw Cen MT"/>
+                <a:cs typeface="Tw Cen MT"/>
+                <a:sym typeface="Tw Cen MT"/>
+              </a:defRPr>
+            </a:lvl6pPr>
+            <a:lvl7pPr marL="1139081" marR="0" indent="-215537" algn="l" defTabSz="914400" rtl="0" latinLnBrk="0">
+              <a:lnSpc>
+                <a:spcPct val="90000"/>
+              </a:lnSpc>
+              <a:spcBef>
+                <a:spcPts val="1200"/>
+              </a:spcBef>
+              <a:spcAft>
+                <a:spcPts val="0"/>
+              </a:spcAft>
+              <a:buClr>
+                <a:schemeClr val="accent2"/>
+              </a:buClr>
+              <a:buSzPct val="100000"/>
+              <a:buFont typeface="Tw Cen MT"/>
+              <a:buChar char=""/>
+              <a:tabLst/>
+              <a:defRPr sz="2200" b="0" i="0" u="none" strike="noStrike" cap="none" spc="0" baseline="0">
+                <a:ln>
+                  <a:noFill/>
+                </a:ln>
+                <a:solidFill>
+                  <a:srgbClr val="2E2B21"/>
+                </a:solidFill>
+                <a:uFillTx/>
+                <a:latin typeface="Tw Cen MT"/>
+                <a:ea typeface="Tw Cen MT"/>
+                <a:cs typeface="Tw Cen MT"/>
+                <a:sym typeface="Tw Cen MT"/>
+              </a:defRPr>
+            </a:lvl7pPr>
+            <a:lvl8pPr marL="1294529" marR="0" indent="-215537" algn="l" defTabSz="914400" rtl="0" latinLnBrk="0">
+              <a:lnSpc>
+                <a:spcPct val="90000"/>
+              </a:lnSpc>
+              <a:spcBef>
+                <a:spcPts val="1200"/>
+              </a:spcBef>
+              <a:spcAft>
+                <a:spcPts val="0"/>
+              </a:spcAft>
+              <a:buClr>
+                <a:schemeClr val="accent2"/>
+              </a:buClr>
+              <a:buSzPct val="100000"/>
+              <a:buFont typeface="Tw Cen MT"/>
+              <a:buChar char=""/>
+              <a:tabLst/>
+              <a:defRPr sz="2200" b="0" i="0" u="none" strike="noStrike" cap="none" spc="0" baseline="0">
+                <a:ln>
+                  <a:noFill/>
+                </a:ln>
+                <a:solidFill>
+                  <a:srgbClr val="2E2B21"/>
+                </a:solidFill>
+                <a:uFillTx/>
+                <a:latin typeface="Tw Cen MT"/>
+                <a:ea typeface="Tw Cen MT"/>
+                <a:cs typeface="Tw Cen MT"/>
+                <a:sym typeface="Tw Cen MT"/>
+              </a:defRPr>
+            </a:lvl8pPr>
+            <a:lvl9pPr marL="1440833" marR="0" indent="-215537" algn="l" defTabSz="914400" rtl="0" latinLnBrk="0">
+              <a:lnSpc>
+                <a:spcPct val="90000"/>
+              </a:lnSpc>
+              <a:spcBef>
+                <a:spcPts val="1200"/>
+              </a:spcBef>
+              <a:spcAft>
+                <a:spcPts val="0"/>
+              </a:spcAft>
+              <a:buClr>
+                <a:schemeClr val="accent2"/>
+              </a:buClr>
+              <a:buSzPct val="100000"/>
+              <a:buFont typeface="Tw Cen MT"/>
+              <a:buChar char=""/>
+              <a:tabLst/>
+              <a:defRPr sz="2200" b="0" i="0" u="none" strike="noStrike" cap="none" spc="0" baseline="0">
+                <a:ln>
+                  <a:noFill/>
+                </a:ln>
+                <a:solidFill>
+                  <a:srgbClr val="2E2B21"/>
+                </a:solidFill>
+                <a:uFillTx/>
+                <a:latin typeface="Tw Cen MT"/>
+                <a:ea typeface="Tw Cen MT"/>
+                <a:cs typeface="Tw Cen MT"/>
+                <a:sym typeface="Tw Cen MT"/>
+              </a:defRPr>
+            </a:lvl9pPr>
+          </a:lstStyle>
+          <a:p>
+            <a:pPr hangingPunct="1">
+              <a:buFont typeface="Arial"/>
+              <a:buChar char="•"/>
+            </a:pPr>
+            <a:r>
+              <a:rPr lang="es-ES" dirty="0"/>
+              <a:t> </a:t>
+            </a:r>
+            <a:r>
+              <a:rPr lang="es-ES" b="1" dirty="0"/>
+              <a:t>Problemas</a:t>
+            </a:r>
+            <a:r>
+              <a:rPr lang="es-ES" dirty="0"/>
+              <a:t>:</a:t>
+            </a:r>
+          </a:p>
+          <a:p>
+            <a:pPr marL="219455" lvl="1" indent="-91439" hangingPunct="1">
+              <a:buFont typeface="Arial"/>
+              <a:buChar char="•"/>
+            </a:pPr>
+            <a:r>
+              <a:rPr lang="es-ES" dirty="0"/>
+              <a:t> Consultas entre diferentes tablas</a:t>
+            </a:r>
+          </a:p>
+          <a:p>
+            <a:pPr marL="219455" lvl="1" indent="-91439" hangingPunct="1">
+              <a:buFont typeface="Arial"/>
+              <a:buChar char="•"/>
+            </a:pPr>
+            <a:r>
+              <a:rPr lang="es-ES" dirty="0"/>
+              <a:t> </a:t>
+            </a:r>
+            <a:r>
+              <a:rPr lang="es-ES" dirty="0" err="1"/>
+              <a:t>Value</a:t>
+            </a:r>
+            <a:r>
+              <a:rPr lang="es-ES" dirty="0"/>
+              <a:t> del </a:t>
+            </a:r>
+            <a:r>
+              <a:rPr lang="es-ES" dirty="0" err="1"/>
+              <a:t>option</a:t>
+            </a:r>
+            <a:r>
+              <a:rPr lang="es-ES" dirty="0"/>
+              <a:t> del </a:t>
+            </a:r>
+            <a:r>
+              <a:rPr lang="es-ES" dirty="0" err="1"/>
+              <a:t>select</a:t>
+            </a:r>
+            <a:endParaRPr lang="es-ES" dirty="0"/>
+          </a:p>
+          <a:p>
+            <a:pPr marL="219455" lvl="1" indent="-91439" hangingPunct="1">
+              <a:buFont typeface="Arial"/>
+              <a:buChar char="•"/>
+            </a:pPr>
+            <a:r>
+              <a:rPr lang="es-ES" dirty="0"/>
+              <a:t>Grupos de rutas(Middleware)</a:t>
+            </a:r>
+          </a:p>
+          <a:p>
+            <a:pPr marL="219455" lvl="1" indent="-91439" hangingPunct="1">
+              <a:buFont typeface="Arial"/>
+              <a:buChar char="•"/>
+            </a:pPr>
+            <a:r>
+              <a:rPr lang="es-ES" dirty="0"/>
+              <a:t>Fechas</a:t>
+            </a:r>
+          </a:p>
+        </p:txBody>
+      </p:sp>
+      <p:sp>
+        <p:nvSpPr>
+          <p:cNvPr id="8" name="Marcador de contenido 2">
+            <a:extLst>
+              <a:ext uri="{FF2B5EF4-FFF2-40B4-BE49-F238E27FC236}">
+                <a16:creationId xmlns:a16="http://schemas.microsoft.com/office/drawing/2014/main" id="{C951198A-3A8A-4065-A35E-FFE6AF844232}"/>
+              </a:ext>
+            </a:extLst>
+          </p:cNvPr>
+          <p:cNvSpPr txBox="1">
+            <a:spLocks/>
+          </p:cNvSpPr>
+          <p:nvPr/>
+        </p:nvSpPr>
+        <p:spPr>
+          <a:xfrm>
+            <a:off x="6663531" y="3647651"/>
+            <a:ext cx="3905251" cy="2920553"/>
+          </a:xfrm>
+          <a:prstGeom prst="rect">
+            <a:avLst/>
+          </a:prstGeom>
+          <a:ln w="12700">
+            <a:miter lim="400000"/>
+          </a:ln>
+          <a:extLst>
+            <a:ext uri="{C572A759-6A51-4108-AA02-DFA0A04FC94B}">
+              <ma14:wrappingTextBoxFlag xmlns="" xmlns:m="http://schemas.openxmlformats.org/officeDocument/2006/math" xmlns:a14="http://schemas.microsoft.com/office/drawing/2010/main" xmlns:ma14="http://schemas.microsoft.com/office/mac/drawingml/2011/main" val="1"/>
+            </a:ext>
+          </a:extLst>
+        </p:spPr>
+        <p:txBody>
+          <a:bodyPr lIns="45719" rIns="45719">
+            <a:normAutofit fontScale="92500"/>
+          </a:bodyPr>
+          <a:lstStyle>
+            <a:lvl1pPr marL="91439" marR="0" indent="-91439" algn="l" defTabSz="914400" rtl="0" latinLnBrk="0">
+              <a:lnSpc>
+                <a:spcPct val="90000"/>
+              </a:lnSpc>
+              <a:spcBef>
+                <a:spcPts val="1200"/>
+              </a:spcBef>
+              <a:spcAft>
+                <a:spcPts val="0"/>
+              </a:spcAft>
+              <a:buClr>
+                <a:schemeClr val="accent2"/>
+              </a:buClr>
+              <a:buSzPct val="100000"/>
+              <a:buFont typeface="Tw Cen MT"/>
+              <a:buChar char=" "/>
+              <a:tabLst/>
+              <a:defRPr sz="2200" b="0" i="0" u="none" strike="noStrike" cap="none" spc="0" baseline="0">
+                <a:ln>
+                  <a:noFill/>
+                </a:ln>
+                <a:solidFill>
+                  <a:srgbClr val="2E2B21"/>
+                </a:solidFill>
+                <a:uFillTx/>
+                <a:latin typeface="Tw Cen MT"/>
+                <a:ea typeface="Tw Cen MT"/>
+                <a:cs typeface="Tw Cen MT"/>
+                <a:sym typeface="Tw Cen MT"/>
+              </a:defRPr>
+            </a:lvl1pPr>
+            <a:lvl2pPr marL="295655" marR="0" indent="-167639" algn="l" defTabSz="914400" rtl="0" latinLnBrk="0">
+              <a:lnSpc>
+                <a:spcPct val="90000"/>
+              </a:lnSpc>
+              <a:spcBef>
+                <a:spcPts val="1200"/>
+              </a:spcBef>
+              <a:spcAft>
+                <a:spcPts val="0"/>
+              </a:spcAft>
+              <a:buClr>
+                <a:schemeClr val="accent2"/>
+              </a:buClr>
+              <a:buSzPct val="100000"/>
+              <a:buFont typeface="Tw Cen MT"/>
+              <a:buChar char=""/>
+              <a:tabLst/>
+              <a:defRPr sz="2200" b="0" i="0" u="none" strike="noStrike" cap="none" spc="0" baseline="0">
+                <a:ln>
+                  <a:noFill/>
+                </a:ln>
+                <a:solidFill>
+                  <a:srgbClr val="2E2B21"/>
+                </a:solidFill>
+                <a:uFillTx/>
+                <a:latin typeface="Tw Cen MT"/>
+                <a:ea typeface="Tw Cen MT"/>
+                <a:cs typeface="Tw Cen MT"/>
+                <a:sym typeface="Tw Cen MT"/>
+              </a:defRPr>
+            </a:lvl2pPr>
+            <a:lvl3pPr marL="526433" marR="0" indent="-215537" algn="l" defTabSz="914400" rtl="0" latinLnBrk="0">
+              <a:lnSpc>
+                <a:spcPct val="90000"/>
+              </a:lnSpc>
+              <a:spcBef>
+                <a:spcPts val="1200"/>
+              </a:spcBef>
+              <a:spcAft>
+                <a:spcPts val="0"/>
+              </a:spcAft>
+              <a:buClr>
+                <a:schemeClr val="accent2"/>
+              </a:buClr>
+              <a:buSzPct val="100000"/>
+              <a:buFont typeface="Tw Cen MT"/>
+              <a:buChar char=""/>
+              <a:tabLst/>
+              <a:defRPr sz="2200" b="0" i="0" u="none" strike="noStrike" cap="none" spc="0" baseline="0">
+                <a:ln>
+                  <a:noFill/>
+                </a:ln>
+                <a:solidFill>
+                  <a:srgbClr val="2E2B21"/>
+                </a:solidFill>
+                <a:uFillTx/>
+                <a:latin typeface="Tw Cen MT"/>
+                <a:ea typeface="Tw Cen MT"/>
+                <a:cs typeface="Tw Cen MT"/>
+                <a:sym typeface="Tw Cen MT"/>
+              </a:defRPr>
+            </a:lvl3pPr>
+            <a:lvl4pPr marL="672737" marR="0" indent="-215537" algn="l" defTabSz="914400" rtl="0" latinLnBrk="0">
+              <a:lnSpc>
+                <a:spcPct val="90000"/>
+              </a:lnSpc>
+              <a:spcBef>
+                <a:spcPts val="1200"/>
+              </a:spcBef>
+              <a:spcAft>
+                <a:spcPts val="0"/>
+              </a:spcAft>
+              <a:buClr>
+                <a:schemeClr val="accent2"/>
+              </a:buClr>
+              <a:buSzPct val="100000"/>
+              <a:buFont typeface="Tw Cen MT"/>
+              <a:buChar char=""/>
+              <a:tabLst/>
+              <a:defRPr sz="2200" b="0" i="0" u="none" strike="noStrike" cap="none" spc="0" baseline="0">
+                <a:ln>
+                  <a:noFill/>
+                </a:ln>
+                <a:solidFill>
+                  <a:srgbClr val="2E2B21"/>
+                </a:solidFill>
+                <a:uFillTx/>
+                <a:latin typeface="Tw Cen MT"/>
+                <a:ea typeface="Tw Cen MT"/>
+                <a:cs typeface="Tw Cen MT"/>
+                <a:sym typeface="Tw Cen MT"/>
+              </a:defRPr>
+            </a:lvl4pPr>
+            <a:lvl5pPr marL="855617" marR="0" indent="-215537" algn="l" defTabSz="914400" rtl="0" latinLnBrk="0">
+              <a:lnSpc>
+                <a:spcPct val="90000"/>
+              </a:lnSpc>
+              <a:spcBef>
+                <a:spcPts val="1200"/>
+              </a:spcBef>
+              <a:spcAft>
+                <a:spcPts val="0"/>
+              </a:spcAft>
+              <a:buClr>
+                <a:schemeClr val="accent2"/>
+              </a:buClr>
+              <a:buSzPct val="100000"/>
+              <a:buFont typeface="Tw Cen MT"/>
+              <a:buChar char=""/>
+              <a:tabLst/>
+              <a:defRPr sz="2200" b="0" i="0" u="none" strike="noStrike" cap="none" spc="0" baseline="0">
+                <a:ln>
+                  <a:noFill/>
+                </a:ln>
+                <a:solidFill>
+                  <a:srgbClr val="2E2B21"/>
+                </a:solidFill>
+                <a:uFillTx/>
+                <a:latin typeface="Tw Cen MT"/>
+                <a:ea typeface="Tw Cen MT"/>
+                <a:cs typeface="Tw Cen MT"/>
+                <a:sym typeface="Tw Cen MT"/>
+              </a:defRPr>
+            </a:lvl5pPr>
+            <a:lvl6pPr marL="992777" marR="0" indent="-215537" algn="l" defTabSz="914400" rtl="0" latinLnBrk="0">
+              <a:lnSpc>
+                <a:spcPct val="90000"/>
+              </a:lnSpc>
+              <a:spcBef>
+                <a:spcPts val="1200"/>
+              </a:spcBef>
+              <a:spcAft>
+                <a:spcPts val="0"/>
+              </a:spcAft>
+              <a:buClr>
+                <a:schemeClr val="accent2"/>
+              </a:buClr>
+              <a:buSzPct val="100000"/>
+              <a:buFont typeface="Tw Cen MT"/>
+              <a:buChar char=""/>
+              <a:tabLst/>
+              <a:defRPr sz="2200" b="0" i="0" u="none" strike="noStrike" cap="none" spc="0" baseline="0">
+                <a:ln>
+                  <a:noFill/>
+                </a:ln>
+                <a:solidFill>
+                  <a:srgbClr val="2E2B21"/>
+                </a:solidFill>
+                <a:uFillTx/>
+                <a:latin typeface="Tw Cen MT"/>
+                <a:ea typeface="Tw Cen MT"/>
+                <a:cs typeface="Tw Cen MT"/>
+                <a:sym typeface="Tw Cen MT"/>
+              </a:defRPr>
+            </a:lvl6pPr>
+            <a:lvl7pPr marL="1139081" marR="0" indent="-215537" algn="l" defTabSz="914400" rtl="0" latinLnBrk="0">
+              <a:lnSpc>
+                <a:spcPct val="90000"/>
+              </a:lnSpc>
+              <a:spcBef>
+                <a:spcPts val="1200"/>
+              </a:spcBef>
+              <a:spcAft>
+                <a:spcPts val="0"/>
+              </a:spcAft>
+              <a:buClr>
+                <a:schemeClr val="accent2"/>
+              </a:buClr>
+              <a:buSzPct val="100000"/>
+              <a:buFont typeface="Tw Cen MT"/>
+              <a:buChar char=""/>
+              <a:tabLst/>
+              <a:defRPr sz="2200" b="0" i="0" u="none" strike="noStrike" cap="none" spc="0" baseline="0">
+                <a:ln>
+                  <a:noFill/>
+                </a:ln>
+                <a:solidFill>
+                  <a:srgbClr val="2E2B21"/>
+                </a:solidFill>
+                <a:uFillTx/>
+                <a:latin typeface="Tw Cen MT"/>
+                <a:ea typeface="Tw Cen MT"/>
+                <a:cs typeface="Tw Cen MT"/>
+                <a:sym typeface="Tw Cen MT"/>
+              </a:defRPr>
+            </a:lvl7pPr>
+            <a:lvl8pPr marL="1294529" marR="0" indent="-215537" algn="l" defTabSz="914400" rtl="0" latinLnBrk="0">
+              <a:lnSpc>
+                <a:spcPct val="90000"/>
+              </a:lnSpc>
+              <a:spcBef>
+                <a:spcPts val="1200"/>
+              </a:spcBef>
+              <a:spcAft>
+                <a:spcPts val="0"/>
+              </a:spcAft>
+              <a:buClr>
+                <a:schemeClr val="accent2"/>
+              </a:buClr>
+              <a:buSzPct val="100000"/>
+              <a:buFont typeface="Tw Cen MT"/>
+              <a:buChar char=""/>
+              <a:tabLst/>
+              <a:defRPr sz="2200" b="0" i="0" u="none" strike="noStrike" cap="none" spc="0" baseline="0">
+                <a:ln>
+                  <a:noFill/>
+                </a:ln>
+                <a:solidFill>
+                  <a:srgbClr val="2E2B21"/>
+                </a:solidFill>
+                <a:uFillTx/>
+                <a:latin typeface="Tw Cen MT"/>
+                <a:ea typeface="Tw Cen MT"/>
+                <a:cs typeface="Tw Cen MT"/>
+                <a:sym typeface="Tw Cen MT"/>
+              </a:defRPr>
+            </a:lvl8pPr>
+            <a:lvl9pPr marL="1440833" marR="0" indent="-215537" algn="l" defTabSz="914400" rtl="0" latinLnBrk="0">
+              <a:lnSpc>
+                <a:spcPct val="90000"/>
+              </a:lnSpc>
+              <a:spcBef>
+                <a:spcPts val="1200"/>
+              </a:spcBef>
+              <a:spcAft>
+                <a:spcPts val="0"/>
+              </a:spcAft>
+              <a:buClr>
+                <a:schemeClr val="accent2"/>
+              </a:buClr>
+              <a:buSzPct val="100000"/>
+              <a:buFont typeface="Tw Cen MT"/>
+              <a:buChar char=""/>
+              <a:tabLst/>
+              <a:defRPr sz="2200" b="0" i="0" u="none" strike="noStrike" cap="none" spc="0" baseline="0">
+                <a:ln>
+                  <a:noFill/>
+                </a:ln>
+                <a:solidFill>
+                  <a:srgbClr val="2E2B21"/>
+                </a:solidFill>
+                <a:uFillTx/>
+                <a:latin typeface="Tw Cen MT"/>
+                <a:ea typeface="Tw Cen MT"/>
+                <a:cs typeface="Tw Cen MT"/>
+                <a:sym typeface="Tw Cen MT"/>
+              </a:defRPr>
+            </a:lvl9pPr>
+          </a:lstStyle>
+          <a:p>
+            <a:pPr hangingPunct="1">
+              <a:buFont typeface="Arial"/>
+              <a:buChar char="•"/>
+              <a:defRPr b="1"/>
+            </a:pPr>
+            <a:r>
+              <a:rPr lang="es-ES" b="1" dirty="0"/>
+              <a:t> Posibles mejoras :</a:t>
+            </a:r>
+          </a:p>
+          <a:p>
+            <a:pPr marL="219455" lvl="1" indent="-91439" hangingPunct="1">
+              <a:buFont typeface="Arial"/>
+              <a:buChar char="•"/>
+            </a:pPr>
+            <a:r>
+              <a:rPr lang="es-ES" dirty="0"/>
+              <a:t> Mejorar estilo de la interfaz.</a:t>
+            </a:r>
+          </a:p>
+          <a:p>
+            <a:pPr marL="219455" lvl="1" indent="-91439" hangingPunct="1">
+              <a:buFont typeface="Arial"/>
+              <a:buChar char="•"/>
+            </a:pPr>
+            <a:r>
+              <a:rPr lang="es-ES" dirty="0"/>
+              <a:t> Añadir más opciones al buscador</a:t>
+            </a:r>
+          </a:p>
+          <a:p>
+            <a:pPr marL="219455" lvl="1" indent="-91439" hangingPunct="1">
+              <a:buFont typeface="Arial"/>
+              <a:buChar char="•"/>
+            </a:pPr>
+            <a:r>
+              <a:rPr lang="es-ES" dirty="0"/>
+              <a:t> Ofrecer ofertas de vuelos</a:t>
+            </a:r>
+          </a:p>
+          <a:p>
+            <a:pPr marL="219455" lvl="1" indent="-91439" hangingPunct="1">
+              <a:buFont typeface="Arial"/>
+              <a:buChar char="•"/>
+            </a:pPr>
+            <a:r>
+              <a:rPr lang="es-ES" dirty="0"/>
+              <a:t> Roles y usuarios</a:t>
+            </a:r>
+          </a:p>
+          <a:p>
+            <a:pPr marL="219455" lvl="1" indent="-91439" hangingPunct="1">
+              <a:buFont typeface="Arial"/>
+              <a:buChar char="•"/>
+            </a:pPr>
+            <a:r>
+              <a:rPr lang="es-ES" dirty="0"/>
+              <a:t> Reasignar a pasajeros por    cancelación de vuelos</a:t>
+            </a:r>
+          </a:p>
+        </p:txBody>
+      </p:sp>
+    </p:spTree>
+  </p:cSld>
+  <p:clrMapOvr>
+    <a:masterClrMapping/>
+  </p:clrMapOvr>
+  <p:transition spd="med"/>
+</p:sld>
+</file>
+
 <file path=ppt/slides/slide2.xml><?xml version="1.0" encoding="utf-8"?>
 <p:sld xmlns:a="http://schemas.openxmlformats.org/drawingml/2006/main" xmlns:r="http://schemas.openxmlformats.org/officeDocument/2006/relationships" xmlns:p="http://schemas.openxmlformats.org/presentationml/2006/main">
   <p:cSld>
@@ -4305,7 +5955,7 @@
         <p:spPr>
           <a:xfrm>
             <a:off x="5564666" y="1483916"/>
-            <a:ext cx="1718182" cy="350662"/>
+            <a:ext cx="1797926" cy="369332"/>
           </a:xfrm>
           <a:prstGeom prst="rect">
             <a:avLst/>
@@ -4335,16 +5985,8 @@
           </a:lstStyle>
           <a:p>
             <a:r>
-              <a:rPr dirty="0" err="1"/>
-              <a:t>Página</a:t>
-            </a:r>
-            <a:r>
-              <a:rPr dirty="0"/>
-              <a:t> de </a:t>
-            </a:r>
-            <a:r>
-              <a:rPr dirty="0" err="1"/>
-              <a:t>inicio</a:t>
+              <a:rPr lang="es-ES" dirty="0"/>
+              <a:t>Buscador vuelos</a:t>
             </a:r>
             <a:endParaRPr dirty="0"/>
           </a:p>
@@ -4358,7 +6000,7 @@
         </p:nvSpPr>
         <p:spPr>
           <a:xfrm>
-            <a:off x="135903" y="2413336"/>
+            <a:off x="213264" y="1834578"/>
             <a:ext cx="2054089" cy="1477328"/>
           </a:xfrm>
           <a:prstGeom prst="rect">
@@ -4440,7 +6082,13 @@
       </p:sp>
       <p:pic>
         <p:nvPicPr>
-          <p:cNvPr id="125" name="Captura de pantalla 2019-04-08 a las 10.39.53.png" descr="Captura de pantalla 2019-04-08 a las 10.39.53.png"/>
+          <p:cNvPr id="3" name="Imagen 2">
+            <a:extLst>
+              <a:ext uri="{FF2B5EF4-FFF2-40B4-BE49-F238E27FC236}">
+                <a16:creationId xmlns:a16="http://schemas.microsoft.com/office/drawing/2014/main" id="{01003D0B-C013-4802-A14C-FD6F5B273DDE}"/>
+              </a:ext>
+            </a:extLst>
+          </p:cNvPr>
           <p:cNvPicPr>
             <a:picLocks noChangeAspect="1"/>
           </p:cNvPicPr>
@@ -4448,7 +6096,11 @@
         </p:nvPicPr>
         <p:blipFill>
           <a:blip r:embed="rId2">
-            <a:extLst/>
+            <a:extLst>
+              <a:ext uri="{28A0092B-C50C-407E-A947-70E740481C1C}">
+                <a14:useLocalDpi xmlns:a14="http://schemas.microsoft.com/office/drawing/2010/main" val="0"/>
+              </a:ext>
+            </a:extLst>
           </a:blip>
           <a:stretch>
             <a:fillRect/>
@@ -4456,15 +6108,12 @@
         </p:blipFill>
         <p:spPr>
           <a:xfrm>
-            <a:off x="3044571" y="2073158"/>
-            <a:ext cx="6758371" cy="4125750"/>
+            <a:off x="104775" y="3429000"/>
+            <a:ext cx="11982450" cy="3238500"/>
           </a:xfrm>
           <a:prstGeom prst="rect">
             <a:avLst/>
           </a:prstGeom>
-          <a:ln w="12700">
-            <a:miter lim="400000"/>
-          </a:ln>
         </p:spPr>
       </p:pic>
     </p:spTree>
@@ -4495,244 +6144,152 @@
       </p:grpSpPr>
       <p:sp>
         <p:nvSpPr>
-          <p:cNvPr id="2" name="Título 1">
-            <a:extLst>
-              <a:ext uri="{FF2B5EF4-FFF2-40B4-BE49-F238E27FC236}">
-                <a16:creationId xmlns:a16="http://schemas.microsoft.com/office/drawing/2014/main" id="{AC7DBC01-8ECE-41C5-8E3F-384133D4DA41}"/>
-              </a:ext>
-            </a:extLst>
-          </p:cNvPr>
-          <p:cNvSpPr>
+          <p:cNvPr id="122" name="Título 1"/>
+          <p:cNvSpPr txBox="1">
             <a:spLocks noGrp="1"/>
           </p:cNvSpPr>
           <p:nvPr>
             <p:ph type="title"/>
           </p:nvPr>
         </p:nvSpPr>
-        <p:spPr/>
+        <p:spPr>
+          <a:xfrm>
+            <a:off x="1024128" y="585216"/>
+            <a:ext cx="9720072" cy="1499617"/>
+          </a:xfrm>
+          <a:prstGeom prst="rect">
+            <a:avLst/>
+          </a:prstGeom>
+        </p:spPr>
         <p:txBody>
           <a:bodyPr/>
           <a:lstStyle/>
           <a:p>
-            <a:r>
-              <a:rPr lang="es-ES" sz="4400" dirty="0"/>
-              <a:t>Aspectos a resaltar:</a:t>
-            </a:r>
-            <a:endParaRPr lang="es-ES" dirty="0"/>
+            <a:pPr defTabSz="886968">
+              <a:defRPr sz="3783" spc="97">
+                <a:latin typeface="Arial"/>
+                <a:ea typeface="Arial"/>
+                <a:cs typeface="Arial"/>
+                <a:sym typeface="Arial"/>
+              </a:defRPr>
+            </a:pPr>
+            <a:r>
+              <a:rPr dirty="0" err="1"/>
+              <a:t>Demostración</a:t>
+            </a:r>
+            <a:r>
+              <a:rPr dirty="0"/>
+              <a:t> </a:t>
+            </a:r>
+            <a:r>
+              <a:rPr dirty="0" err="1"/>
+              <a:t>funcional</a:t>
+            </a:r>
+            <a:r>
+              <a:rPr dirty="0"/>
+              <a:t> del </a:t>
+            </a:r>
+            <a:r>
+              <a:rPr dirty="0" err="1"/>
+              <a:t>proyecto</a:t>
+            </a:r>
+            <a:r>
+              <a:rPr dirty="0"/>
+              <a:t>.</a:t>
+            </a:r>
+            <a:br>
+              <a:rPr dirty="0"/>
+            </a:br>
+            <a:endParaRPr dirty="0"/>
           </a:p>
         </p:txBody>
       </p:sp>
       <p:sp>
         <p:nvSpPr>
-          <p:cNvPr id="5" name="CuadroTexto 4">
-            <a:extLst>
-              <a:ext uri="{FF2B5EF4-FFF2-40B4-BE49-F238E27FC236}">
-                <a16:creationId xmlns:a16="http://schemas.microsoft.com/office/drawing/2014/main" id="{C68EC0AD-0AEE-4F4E-AEE1-28A128CF2A1A}"/>
-              </a:ext>
-            </a:extLst>
-          </p:cNvPr>
+          <p:cNvPr id="123" name="Rectángulo 4"/>
           <p:cNvSpPr txBox="1"/>
           <p:nvPr/>
         </p:nvSpPr>
         <p:spPr>
           <a:xfrm>
-            <a:off x="135904" y="2413337"/>
-            <a:ext cx="2054087" cy="1477328"/>
+            <a:off x="5564666" y="1483916"/>
+            <a:ext cx="1797926" cy="369332"/>
           </a:xfrm>
           <a:prstGeom prst="rect">
             <a:avLst/>
           </a:prstGeom>
-          <a:noFill/>
-          <a:ln>
-            <a:solidFill>
-              <a:schemeClr val="tx1"/>
-            </a:solidFill>
+          <a:ln w="12700">
+            <a:miter lim="400000"/>
           </a:ln>
+          <a:extLst>
+            <a:ext uri="{C572A759-6A51-4108-AA02-DFA0A04FC94B}">
+              <ma14:wrappingTextBoxFlag xmlns="" xmlns:m="http://schemas.openxmlformats.org/officeDocument/2006/math" xmlns:a14="http://schemas.microsoft.com/office/drawing/2010/main" xmlns:ma14="http://schemas.microsoft.com/office/mac/drawingml/2011/main" val="1"/>
+            </a:ext>
+          </a:extLst>
         </p:spPr>
         <p:txBody>
-          <a:bodyPr wrap="square" rtlCol="0">
+          <a:bodyPr wrap="none" lIns="45719" rIns="45719">
             <a:spAutoFit/>
           </a:bodyPr>
-          <a:lstStyle/>
-          <a:p>
-            <a:pPr marL="285750" indent="-285750">
-              <a:buFont typeface="Wingdings" panose="05000000000000000000" pitchFamily="2" charset="2"/>
-              <a:buChar char="q"/>
-            </a:pPr>
+          <a:lstStyle>
+            <a:lvl1pPr>
+              <a:defRPr>
+                <a:latin typeface="Arial"/>
+                <a:ea typeface="Arial"/>
+                <a:cs typeface="Arial"/>
+                <a:sym typeface="Arial"/>
+              </a:defRPr>
+            </a:lvl1pPr>
+          </a:lstStyle>
+          <a:p>
             <a:r>
               <a:rPr lang="es-ES" dirty="0"/>
-              <a:t>UML</a:t>
-            </a:r>
-          </a:p>
-          <a:p>
-            <a:pPr marL="285750" indent="-285750">
-              <a:buFont typeface="Wingdings" panose="05000000000000000000" pitchFamily="2" charset="2"/>
-              <a:buChar char="q"/>
-            </a:pPr>
-            <a:r>
-              <a:rPr lang="es-ES" dirty="0"/>
-              <a:t>Funcionalidades</a:t>
-            </a:r>
-          </a:p>
-          <a:p>
-            <a:pPr marL="285750" indent="-285750">
-              <a:buFont typeface="Wingdings" panose="05000000000000000000" pitchFamily="2" charset="2"/>
-              <a:buChar char="q"/>
-            </a:pPr>
-            <a:r>
-              <a:rPr lang="es-ES" dirty="0"/>
-              <a:t>Demostración</a:t>
-            </a:r>
-          </a:p>
-          <a:p>
-            <a:pPr marL="285750" indent="-285750">
-              <a:buFont typeface="Wingdings" panose="05000000000000000000" pitchFamily="2" charset="2"/>
-              <a:buChar char="q"/>
-            </a:pPr>
-            <a:r>
-              <a:rPr lang="es-ES" b="1" dirty="0"/>
-              <a:t>Aspectos</a:t>
-            </a:r>
-          </a:p>
-          <a:p>
-            <a:pPr marL="285750" indent="-285750">
-              <a:buFont typeface="Wingdings" panose="05000000000000000000" pitchFamily="2" charset="2"/>
-              <a:buChar char="q"/>
-            </a:pPr>
-            <a:r>
-              <a:rPr lang="es-ES" dirty="0"/>
-              <a:t>Conclusiones</a:t>
-            </a:r>
+              <a:t>Buscador vuelos</a:t>
+            </a:r>
+            <a:endParaRPr dirty="0"/>
           </a:p>
         </p:txBody>
       </p:sp>
-      <p:sp>
-        <p:nvSpPr>
-          <p:cNvPr id="8" name="Marcador de texto 7">
+      <p:pic>
+        <p:nvPicPr>
+          <p:cNvPr id="6" name="Imagen 5">
             <a:extLst>
               <a:ext uri="{FF2B5EF4-FFF2-40B4-BE49-F238E27FC236}">
-                <a16:creationId xmlns:a16="http://schemas.microsoft.com/office/drawing/2014/main" id="{9FD5B537-1BD9-402F-B27C-A11A4569434D}"/>
+                <a16:creationId xmlns:a16="http://schemas.microsoft.com/office/drawing/2014/main" id="{A3B77471-D63B-4A35-9984-B4AD96EDB204}"/>
               </a:ext>
             </a:extLst>
           </p:cNvPr>
-          <p:cNvSpPr>
-            <a:spLocks noGrp="1"/>
-          </p:cNvSpPr>
-          <p:nvPr>
-            <p:ph type="body" idx="1"/>
-          </p:nvPr>
-        </p:nvSpPr>
+          <p:cNvPicPr>
+            <a:picLocks noChangeAspect="1"/>
+          </p:cNvPicPr>
+          <p:nvPr/>
+        </p:nvPicPr>
+        <p:blipFill>
+          <a:blip r:embed="rId2">
+            <a:extLst>
+              <a:ext uri="{28A0092B-C50C-407E-A947-70E740481C1C}">
+                <a14:useLocalDpi xmlns:a14="http://schemas.microsoft.com/office/drawing/2010/main" val="0"/>
+              </a:ext>
+            </a:extLst>
+          </a:blip>
+          <a:stretch>
+            <a:fillRect/>
+          </a:stretch>
+        </p:blipFill>
         <p:spPr>
           <a:xfrm>
-            <a:off x="2321169" y="2286000"/>
-            <a:ext cx="8423031" cy="4023360"/>
+            <a:off x="574614" y="2084833"/>
+            <a:ext cx="11042772" cy="4707334"/>
           </a:xfrm>
+          <a:prstGeom prst="rect">
+            <a:avLst/>
+          </a:prstGeom>
         </p:spPr>
-        <p:txBody>
-          <a:bodyPr/>
-          <a:lstStyle/>
-          <a:p>
-            <a:pPr lvl="0">
-              <a:buFont typeface="Arial" panose="020B0604020202020204" pitchFamily="34" charset="0"/>
-              <a:buChar char="•"/>
-            </a:pPr>
-            <a:r>
-              <a:rPr lang="es-ES" dirty="0"/>
-              <a:t>Abrir página web desde el móvil.</a:t>
-            </a:r>
-          </a:p>
-          <a:p>
-            <a:pPr lvl="0">
-              <a:buFont typeface="Arial" panose="020B0604020202020204" pitchFamily="34" charset="0"/>
-              <a:buChar char="•"/>
-            </a:pPr>
-            <a:r>
-              <a:rPr lang="es-ES" dirty="0"/>
-              <a:t>Capa de servicios y UML</a:t>
-            </a:r>
-          </a:p>
-          <a:p>
-            <a:pPr lvl="0">
-              <a:buFont typeface="Arial" panose="020B0604020202020204" pitchFamily="34" charset="0"/>
-              <a:buChar char="•"/>
-            </a:pPr>
-            <a:r>
-              <a:rPr lang="es-ES" dirty="0"/>
-              <a:t>Notificaciones al administrador</a:t>
-            </a:r>
-          </a:p>
-          <a:p>
-            <a:pPr lvl="0">
-              <a:buFont typeface="Arial" panose="020B0604020202020204" pitchFamily="34" charset="0"/>
-              <a:buChar char="•"/>
-            </a:pPr>
-            <a:r>
-              <a:rPr lang="es-ES" dirty="0"/>
-              <a:t>Correo de reseteo de contraseñas</a:t>
-            </a:r>
-          </a:p>
-          <a:p>
-            <a:pPr lvl="0">
-              <a:buFont typeface="Arial" panose="020B0604020202020204" pitchFamily="34" charset="0"/>
-              <a:buChar char="•"/>
-            </a:pPr>
-            <a:r>
-              <a:rPr lang="es-ES" dirty="0"/>
-              <a:t>Middleware para controlar el acceso a los usuarios a diferentes páginas o secciones de las mismas.</a:t>
-            </a:r>
-          </a:p>
-          <a:p>
-            <a:pPr lvl="0">
-              <a:buFont typeface="Arial" panose="020B0604020202020204" pitchFamily="34" charset="0"/>
-              <a:buChar char="•"/>
-            </a:pPr>
-            <a:r>
-              <a:rPr lang="es-ES" dirty="0"/>
-              <a:t>Validación de </a:t>
-            </a:r>
-            <a:r>
-              <a:rPr lang="es-ES" dirty="0" err="1"/>
-              <a:t>dni</a:t>
-            </a:r>
-            <a:r>
-              <a:rPr lang="es-ES" dirty="0"/>
-              <a:t>.</a:t>
-            </a:r>
-          </a:p>
-          <a:p>
-            <a:pPr lvl="0">
-              <a:buFont typeface="Arial" panose="020B0604020202020204" pitchFamily="34" charset="0"/>
-              <a:buChar char="•"/>
-            </a:pPr>
-            <a:r>
-              <a:rPr lang="es-ES" dirty="0"/>
-              <a:t>Buscador de vuelos con carrusel de fotografías.</a:t>
-            </a:r>
-          </a:p>
-          <a:p>
-            <a:pPr lvl="0">
-              <a:buFont typeface="Arial" panose="020B0604020202020204" pitchFamily="34" charset="0"/>
-              <a:buChar char="•"/>
-            </a:pPr>
-            <a:r>
-              <a:rPr lang="es-ES" dirty="0"/>
-              <a:t>En contacto geolocalización integrada con Google </a:t>
-            </a:r>
-            <a:r>
-              <a:rPr lang="es-ES" dirty="0" err="1"/>
-              <a:t>maps</a:t>
-            </a:r>
-            <a:endParaRPr lang="es-ES" dirty="0"/>
-          </a:p>
-          <a:p>
-            <a:endParaRPr lang="es-ES" dirty="0"/>
-          </a:p>
-        </p:txBody>
-      </p:sp>
+      </p:pic>
     </p:spTree>
     <p:extLst>
       <p:ext uri="{BB962C8B-B14F-4D97-AF65-F5344CB8AC3E}">
-        <p14:creationId xmlns:p14="http://schemas.microsoft.com/office/powerpoint/2010/main" val="1696344510"/>
+        <p14:creationId xmlns:p14="http://schemas.microsoft.com/office/powerpoint/2010/main" val="647747788"/>
       </p:ext>
     </p:extLst>
   </p:cSld>
@@ -4762,7 +6319,7 @@
       </p:grpSpPr>
       <p:sp>
         <p:nvSpPr>
-          <p:cNvPr id="190" name="Título 1"/>
+          <p:cNvPr id="122" name="Título 1"/>
           <p:cNvSpPr txBox="1">
             <a:spLocks noGrp="1"/>
           </p:cNvSpPr>
@@ -4781,9 +6338,77 @@
         </p:spPr>
         <p:txBody>
           <a:bodyPr/>
+          <a:lstStyle/>
+          <a:p>
+            <a:pPr defTabSz="886968">
+              <a:defRPr sz="3783" spc="97">
+                <a:latin typeface="Arial"/>
+                <a:ea typeface="Arial"/>
+                <a:cs typeface="Arial"/>
+                <a:sym typeface="Arial"/>
+              </a:defRPr>
+            </a:pPr>
+            <a:r>
+              <a:rPr dirty="0" err="1"/>
+              <a:t>Demostración</a:t>
+            </a:r>
+            <a:r>
+              <a:rPr dirty="0"/>
+              <a:t> </a:t>
+            </a:r>
+            <a:r>
+              <a:rPr dirty="0" err="1"/>
+              <a:t>funcional</a:t>
+            </a:r>
+            <a:r>
+              <a:rPr dirty="0"/>
+              <a:t> del </a:t>
+            </a:r>
+            <a:r>
+              <a:rPr dirty="0" err="1"/>
+              <a:t>proyecto</a:t>
+            </a:r>
+            <a:r>
+              <a:rPr dirty="0"/>
+              <a:t>.</a:t>
+            </a:r>
+            <a:br>
+              <a:rPr dirty="0"/>
+            </a:br>
+            <a:endParaRPr dirty="0"/>
+          </a:p>
+        </p:txBody>
+      </p:sp>
+      <p:sp>
+        <p:nvSpPr>
+          <p:cNvPr id="123" name="Rectángulo 4"/>
+          <p:cNvSpPr txBox="1"/>
+          <p:nvPr/>
+        </p:nvSpPr>
+        <p:spPr>
+          <a:xfrm>
+            <a:off x="5564666" y="1483916"/>
+            <a:ext cx="1015661" cy="369332"/>
+          </a:xfrm>
+          <a:prstGeom prst="rect">
+            <a:avLst/>
+          </a:prstGeom>
+          <a:ln w="12700">
+            <a:miter lim="400000"/>
+          </a:ln>
+          <a:extLst>
+            <a:ext uri="{C572A759-6A51-4108-AA02-DFA0A04FC94B}">
+              <ma14:wrappingTextBoxFlag xmlns="" xmlns:m="http://schemas.openxmlformats.org/officeDocument/2006/math" xmlns:a14="http://schemas.microsoft.com/office/drawing/2010/main" xmlns:ma14="http://schemas.microsoft.com/office/mac/drawingml/2011/main" val="1"/>
+            </a:ext>
+          </a:extLst>
+        </p:spPr>
+        <p:txBody>
+          <a:bodyPr wrap="none" lIns="45719" rIns="45719">
+            <a:spAutoFit/>
+          </a:bodyPr>
           <a:lstStyle>
             <a:lvl1pPr>
-              <a:defRPr sz="4400">
+              <a:defRPr>
                 <a:latin typeface="Arial"/>
                 <a:ea typeface="Arial"/>
                 <a:cs typeface="Arial"/>
@@ -4793,20 +6418,239 @@
           </a:lstStyle>
           <a:p>
             <a:r>
-              <a:t>Conclusiones.</a:t>
-            </a:r>
+              <a:rPr lang="es-ES" dirty="0"/>
+              <a:t>Contacto</a:t>
+            </a:r>
+            <a:endParaRPr dirty="0"/>
+          </a:p>
+        </p:txBody>
+      </p:sp>
+      <p:pic>
+        <p:nvPicPr>
+          <p:cNvPr id="3" name="Imagen 2">
+            <a:extLst>
+              <a:ext uri="{FF2B5EF4-FFF2-40B4-BE49-F238E27FC236}">
+                <a16:creationId xmlns:a16="http://schemas.microsoft.com/office/drawing/2014/main" id="{D06672E2-9361-4AA2-8D31-17CCE77C1A31}"/>
+              </a:ext>
+            </a:extLst>
+          </p:cNvPr>
+          <p:cNvPicPr>
+            <a:picLocks noChangeAspect="1"/>
+          </p:cNvPicPr>
+          <p:nvPr/>
+        </p:nvPicPr>
+        <p:blipFill>
+          <a:blip r:embed="rId2">
+            <a:extLst>
+              <a:ext uri="{28A0092B-C50C-407E-A947-70E740481C1C}">
+                <a14:useLocalDpi xmlns:a14="http://schemas.microsoft.com/office/drawing/2010/main" val="0"/>
+              </a:ext>
+            </a:extLst>
+          </a:blip>
+          <a:stretch>
+            <a:fillRect/>
+          </a:stretch>
+        </p:blipFill>
+        <p:spPr>
+          <a:xfrm>
+            <a:off x="0" y="2569590"/>
+            <a:ext cx="12192000" cy="3519827"/>
+          </a:xfrm>
+          <a:prstGeom prst="rect">
+            <a:avLst/>
+          </a:prstGeom>
+        </p:spPr>
+      </p:pic>
+    </p:spTree>
+    <p:extLst>
+      <p:ext uri="{BB962C8B-B14F-4D97-AF65-F5344CB8AC3E}">
+        <p14:creationId xmlns:p14="http://schemas.microsoft.com/office/powerpoint/2010/main" val="592811907"/>
+      </p:ext>
+    </p:extLst>
+  </p:cSld>
+  <p:clrMapOvr>
+    <a:masterClrMapping/>
+  </p:clrMapOvr>
+  <p:transition spd="med"/>
+</p:sld>
+</file>
+
+<file path=ppt/slides/slide8.xml><?xml version="1.0" encoding="utf-8"?>
+<p:sld xmlns:a="http://schemas.openxmlformats.org/drawingml/2006/main" xmlns:r="http://schemas.openxmlformats.org/officeDocument/2006/relationships" xmlns:p="http://schemas.openxmlformats.org/presentationml/2006/main">
+  <p:cSld>
+    <p:spTree>
+      <p:nvGrpSpPr>
+        <p:cNvPr id="1" name=""/>
+        <p:cNvGrpSpPr/>
+        <p:nvPr/>
+      </p:nvGrpSpPr>
+      <p:grpSpPr>
+        <a:xfrm>
+          <a:off x="0" y="0"/>
+          <a:ext cx="0" cy="0"/>
+          <a:chOff x="0" y="0"/>
+          <a:chExt cx="0" cy="0"/>
+        </a:xfrm>
+      </p:grpSpPr>
+      <p:sp>
+        <p:nvSpPr>
+          <p:cNvPr id="122" name="Título 1"/>
+          <p:cNvSpPr txBox="1">
+            <a:spLocks noGrp="1"/>
+          </p:cNvSpPr>
+          <p:nvPr>
+            <p:ph type="title"/>
+          </p:nvPr>
+        </p:nvSpPr>
+        <p:spPr>
+          <a:xfrm>
+            <a:off x="1024128" y="585216"/>
+            <a:ext cx="9720072" cy="1499617"/>
+          </a:xfrm>
+          <a:prstGeom prst="rect">
+            <a:avLst/>
+          </a:prstGeom>
+        </p:spPr>
+        <p:txBody>
+          <a:bodyPr/>
+          <a:lstStyle/>
+          <a:p>
+            <a:pPr defTabSz="886968">
+              <a:defRPr sz="3783" spc="97">
+                <a:latin typeface="Arial"/>
+                <a:ea typeface="Arial"/>
+                <a:cs typeface="Arial"/>
+                <a:sym typeface="Arial"/>
+              </a:defRPr>
+            </a:pPr>
+            <a:r>
+              <a:rPr dirty="0" err="1"/>
+              <a:t>Demostración</a:t>
+            </a:r>
+            <a:r>
+              <a:rPr dirty="0"/>
+              <a:t> </a:t>
+            </a:r>
+            <a:r>
+              <a:rPr dirty="0" err="1"/>
+              <a:t>funcional</a:t>
+            </a:r>
+            <a:r>
+              <a:rPr dirty="0"/>
+              <a:t> del </a:t>
+            </a:r>
+            <a:r>
+              <a:rPr dirty="0" err="1"/>
+              <a:t>proyecto</a:t>
+            </a:r>
+            <a:r>
+              <a:rPr dirty="0"/>
+              <a:t>.</a:t>
+            </a:r>
+            <a:br>
+              <a:rPr dirty="0"/>
+            </a:br>
+            <a:endParaRPr dirty="0"/>
           </a:p>
         </p:txBody>
       </p:sp>
       <p:sp>
         <p:nvSpPr>
-          <p:cNvPr id="191" name="CuadroTexto 4"/>
+          <p:cNvPr id="123" name="Rectángulo 4"/>
           <p:cNvSpPr txBox="1"/>
           <p:nvPr/>
         </p:nvSpPr>
         <p:spPr>
           <a:xfrm>
-            <a:off x="135903" y="2413336"/>
+            <a:off x="5564666" y="1483916"/>
+            <a:ext cx="1015661" cy="369332"/>
+          </a:xfrm>
+          <a:prstGeom prst="rect">
+            <a:avLst/>
+          </a:prstGeom>
+          <a:ln w="12700">
+            <a:miter lim="400000"/>
+          </a:ln>
+          <a:extLst>
+            <a:ext uri="{C572A759-6A51-4108-AA02-DFA0A04FC94B}">
+              <ma14:wrappingTextBoxFlag xmlns="" xmlns:m="http://schemas.openxmlformats.org/officeDocument/2006/math" xmlns:a14="http://schemas.microsoft.com/office/drawing/2010/main" xmlns:ma14="http://schemas.microsoft.com/office/mac/drawingml/2011/main" val="1"/>
+            </a:ext>
+          </a:extLst>
+        </p:spPr>
+        <p:txBody>
+          <a:bodyPr wrap="none" lIns="45719" rIns="45719">
+            <a:spAutoFit/>
+          </a:bodyPr>
+          <a:lstStyle>
+            <a:lvl1pPr>
+              <a:defRPr>
+                <a:latin typeface="Arial"/>
+                <a:ea typeface="Arial"/>
+                <a:cs typeface="Arial"/>
+                <a:sym typeface="Arial"/>
+              </a:defRPr>
+            </a:lvl1pPr>
+          </a:lstStyle>
+          <a:p>
+            <a:r>
+              <a:rPr lang="es-ES" dirty="0"/>
+              <a:t>Contacto</a:t>
+            </a:r>
+            <a:endParaRPr dirty="0"/>
+          </a:p>
+        </p:txBody>
+      </p:sp>
+      <p:pic>
+        <p:nvPicPr>
+          <p:cNvPr id="4" name="Imagen 3">
+            <a:extLst>
+              <a:ext uri="{FF2B5EF4-FFF2-40B4-BE49-F238E27FC236}">
+                <a16:creationId xmlns:a16="http://schemas.microsoft.com/office/drawing/2014/main" id="{419CB6A4-0D94-42DF-A2BD-08A9AD330532}"/>
+              </a:ext>
+            </a:extLst>
+          </p:cNvPr>
+          <p:cNvPicPr>
+            <a:picLocks noChangeAspect="1"/>
+          </p:cNvPicPr>
+          <p:nvPr/>
+        </p:nvPicPr>
+        <p:blipFill>
+          <a:blip r:embed="rId2">
+            <a:extLst>
+              <a:ext uri="{28A0092B-C50C-407E-A947-70E740481C1C}">
+                <a14:useLocalDpi xmlns:a14="http://schemas.microsoft.com/office/drawing/2010/main" val="0"/>
+              </a:ext>
+            </a:extLst>
+          </a:blip>
+          <a:stretch>
+            <a:fillRect/>
+          </a:stretch>
+        </p:blipFill>
+        <p:spPr>
+          <a:xfrm>
+            <a:off x="2560320" y="2084833"/>
+            <a:ext cx="8915400" cy="4106416"/>
+          </a:xfrm>
+          <a:prstGeom prst="rect">
+            <a:avLst/>
+          </a:prstGeom>
+        </p:spPr>
+      </p:pic>
+      <p:sp>
+        <p:nvSpPr>
+          <p:cNvPr id="7" name="CuadroTexto 5">
+            <a:extLst>
+              <a:ext uri="{FF2B5EF4-FFF2-40B4-BE49-F238E27FC236}">
+                <a16:creationId xmlns:a16="http://schemas.microsoft.com/office/drawing/2014/main" id="{5E7DFD3E-34AC-422B-8E40-12ADA37C2F1D}"/>
+              </a:ext>
+            </a:extLst>
+          </p:cNvPr>
+          <p:cNvSpPr txBox="1"/>
+          <p:nvPr/>
+        </p:nvSpPr>
+        <p:spPr>
+          <a:xfrm>
+            <a:off x="227331" y="2498332"/>
             <a:ext cx="2054089" cy="1477328"/>
           </a:xfrm>
           <a:prstGeom prst="rect">
@@ -4854,6 +6698,7 @@
             <a:pPr marL="285750" indent="-285750">
               <a:buSzPct val="100000"/>
               <a:buChar char="❑"/>
+              <a:defRPr b="1"/>
             </a:pPr>
             <a:r>
               <a:rPr dirty="0" err="1"/>
@@ -4876,7 +6721,6 @@
             <a:pPr marL="285750" indent="-285750">
               <a:buSzPct val="100000"/>
               <a:buChar char="❑"/>
-              <a:defRPr b="1"/>
             </a:pPr>
             <a:r>
               <a:rPr dirty="0" err="1"/>
@@ -4886,236 +6730,281 @@
           </a:p>
         </p:txBody>
       </p:sp>
+    </p:spTree>
+    <p:extLst>
+      <p:ext uri="{BB962C8B-B14F-4D97-AF65-F5344CB8AC3E}">
+        <p14:creationId xmlns:p14="http://schemas.microsoft.com/office/powerpoint/2010/main" val="1422319079"/>
+      </p:ext>
+    </p:extLst>
+  </p:cSld>
+  <p:clrMapOvr>
+    <a:masterClrMapping/>
+  </p:clrMapOvr>
+  <p:transition spd="med"/>
+</p:sld>
+</file>
+
+<file path=ppt/slides/slide9.xml><?xml version="1.0" encoding="utf-8"?>
+<p:sld xmlns:a="http://schemas.openxmlformats.org/drawingml/2006/main" xmlns:r="http://schemas.openxmlformats.org/officeDocument/2006/relationships" xmlns:p="http://schemas.openxmlformats.org/presentationml/2006/main">
+  <p:cSld>
+    <p:spTree>
+      <p:nvGrpSpPr>
+        <p:cNvPr id="1" name=""/>
+        <p:cNvGrpSpPr/>
+        <p:nvPr/>
+      </p:nvGrpSpPr>
+      <p:grpSpPr>
+        <a:xfrm>
+          <a:off x="0" y="0"/>
+          <a:ext cx="0" cy="0"/>
+          <a:chOff x="0" y="0"/>
+          <a:chExt cx="0" cy="0"/>
+        </a:xfrm>
+      </p:grpSpPr>
       <p:sp>
         <p:nvSpPr>
-          <p:cNvPr id="192" name="Marcador de contenido 2"/>
+          <p:cNvPr id="122" name="Título 1"/>
           <p:cNvSpPr txBox="1">
             <a:spLocks noGrp="1"/>
           </p:cNvSpPr>
           <p:nvPr>
-            <p:ph type="body" idx="1"/>
+            <p:ph type="title"/>
           </p:nvPr>
         </p:nvSpPr>
         <p:spPr>
           <a:xfrm>
-            <a:off x="2190749" y="1852613"/>
-            <a:ext cx="8945565" cy="4195763"/>
+            <a:off x="1024128" y="585216"/>
+            <a:ext cx="9720072" cy="1499617"/>
           </a:xfrm>
           <a:prstGeom prst="rect">
             <a:avLst/>
           </a:prstGeom>
         </p:spPr>
         <p:txBody>
-          <a:bodyPr>
-            <a:normAutofit/>
+          <a:bodyPr/>
+          <a:lstStyle/>
+          <a:p>
+            <a:pPr defTabSz="886968">
+              <a:defRPr sz="3783" spc="97">
+                <a:latin typeface="Arial"/>
+                <a:ea typeface="Arial"/>
+                <a:cs typeface="Arial"/>
+                <a:sym typeface="Arial"/>
+              </a:defRPr>
+            </a:pPr>
+            <a:r>
+              <a:rPr dirty="0" err="1"/>
+              <a:t>Demostración</a:t>
+            </a:r>
+            <a:r>
+              <a:rPr dirty="0"/>
+              <a:t> </a:t>
+            </a:r>
+            <a:r>
+              <a:rPr dirty="0" err="1"/>
+              <a:t>funcional</a:t>
+            </a:r>
+            <a:r>
+              <a:rPr dirty="0"/>
+              <a:t> del </a:t>
+            </a:r>
+            <a:r>
+              <a:rPr dirty="0" err="1"/>
+              <a:t>proyecto</a:t>
+            </a:r>
+            <a:r>
+              <a:rPr dirty="0"/>
+              <a:t>.</a:t>
+            </a:r>
+            <a:br>
+              <a:rPr dirty="0"/>
+            </a:br>
+            <a:endParaRPr dirty="0"/>
+          </a:p>
+        </p:txBody>
+      </p:sp>
+      <p:sp>
+        <p:nvSpPr>
+          <p:cNvPr id="123" name="Rectángulo 4"/>
+          <p:cNvSpPr txBox="1"/>
+          <p:nvPr/>
+        </p:nvSpPr>
+        <p:spPr>
+          <a:xfrm>
+            <a:off x="5564666" y="1483916"/>
+            <a:ext cx="900244" cy="369332"/>
+          </a:xfrm>
+          <a:prstGeom prst="rect">
+            <a:avLst/>
+          </a:prstGeom>
+          <a:ln w="12700">
+            <a:miter lim="400000"/>
+          </a:ln>
+          <a:extLst>
+            <a:ext uri="{C572A759-6A51-4108-AA02-DFA0A04FC94B}">
+              <ma14:wrappingTextBoxFlag xmlns="" xmlns:m="http://schemas.openxmlformats.org/officeDocument/2006/math" xmlns:a14="http://schemas.microsoft.com/office/drawing/2010/main" xmlns:ma14="http://schemas.microsoft.com/office/mac/drawingml/2011/main" val="1"/>
+            </a:ext>
+          </a:extLst>
+        </p:spPr>
+        <p:txBody>
+          <a:bodyPr wrap="none" lIns="45719" rIns="45719">
+            <a:spAutoFit/>
+          </a:bodyPr>
+          <a:lstStyle>
+            <a:lvl1pPr>
+              <a:defRPr>
+                <a:latin typeface="Arial"/>
+                <a:ea typeface="Arial"/>
+                <a:cs typeface="Arial"/>
+                <a:sym typeface="Arial"/>
+              </a:defRPr>
+            </a:lvl1pPr>
+          </a:lstStyle>
+          <a:p>
+            <a:r>
+              <a:rPr lang="es-ES" dirty="0"/>
+              <a:t>Mi perfil</a:t>
+            </a:r>
+            <a:endParaRPr dirty="0"/>
+          </a:p>
+        </p:txBody>
+      </p:sp>
+      <p:pic>
+        <p:nvPicPr>
+          <p:cNvPr id="3" name="Imagen 2">
+            <a:extLst>
+              <a:ext uri="{FF2B5EF4-FFF2-40B4-BE49-F238E27FC236}">
+                <a16:creationId xmlns:a16="http://schemas.microsoft.com/office/drawing/2014/main" id="{0AB50705-24B9-40EF-BA72-D81E290E0619}"/>
+              </a:ext>
+            </a:extLst>
+          </p:cNvPr>
+          <p:cNvPicPr>
+            <a:picLocks noChangeAspect="1"/>
+          </p:cNvPicPr>
+          <p:nvPr/>
+        </p:nvPicPr>
+        <p:blipFill>
+          <a:blip r:embed="rId2">
+            <a:extLst>
+              <a:ext uri="{28A0092B-C50C-407E-A947-70E740481C1C}">
+                <a14:useLocalDpi xmlns:a14="http://schemas.microsoft.com/office/drawing/2010/main" val="0"/>
+              </a:ext>
+            </a:extLst>
+          </a:blip>
+          <a:stretch>
+            <a:fillRect/>
+          </a:stretch>
+        </p:blipFill>
+        <p:spPr>
+          <a:xfrm>
+            <a:off x="2663409" y="2248852"/>
+            <a:ext cx="7934325" cy="3457575"/>
+          </a:xfrm>
+          <a:prstGeom prst="rect">
+            <a:avLst/>
+          </a:prstGeom>
+        </p:spPr>
+      </p:pic>
+      <p:sp>
+        <p:nvSpPr>
+          <p:cNvPr id="9" name="CuadroTexto 5">
+            <a:extLst>
+              <a:ext uri="{FF2B5EF4-FFF2-40B4-BE49-F238E27FC236}">
+                <a16:creationId xmlns:a16="http://schemas.microsoft.com/office/drawing/2014/main" id="{32E4E81B-0198-4264-983A-EFF3D96CCFE4}"/>
+              </a:ext>
+            </a:extLst>
+          </p:cNvPr>
+          <p:cNvSpPr txBox="1"/>
+          <p:nvPr/>
+        </p:nvSpPr>
+        <p:spPr>
+          <a:xfrm>
+            <a:off x="227331" y="2498332"/>
+            <a:ext cx="2054089" cy="1477328"/>
+          </a:xfrm>
+          <a:prstGeom prst="rect">
+            <a:avLst/>
+          </a:prstGeom>
+          <a:ln>
+            <a:solidFill>
+              <a:srgbClr val="2E2B21"/>
+            </a:solidFill>
+          </a:ln>
+          <a:extLst>
+            <a:ext uri="{C572A759-6A51-4108-AA02-DFA0A04FC94B}">
+              <ma14:wrappingTextBoxFlag xmlns="" xmlns:m="http://schemas.openxmlformats.org/officeDocument/2006/math" xmlns:a14="http://schemas.microsoft.com/office/drawing/2010/main" xmlns:ma14="http://schemas.microsoft.com/office/mac/drawingml/2011/main" val="1"/>
+            </a:ext>
+          </a:extLst>
+        </p:spPr>
+        <p:txBody>
+          <a:bodyPr lIns="45719" rIns="45719">
+            <a:spAutoFit/>
           </a:bodyPr>
           <a:lstStyle/>
           <a:p>
-            <a:pPr>
-              <a:buFont typeface="Arial"/>
-              <a:buChar char="•"/>
-            </a:pPr>
-            <a:r>
-              <a:rPr dirty="0"/>
-              <a:t> </a:t>
-            </a:r>
+            <a:pPr marL="285750" indent="-285750">
+              <a:buSzPct val="100000"/>
+              <a:buChar char="❑"/>
+            </a:pPr>
+            <a:r>
+              <a:rPr lang="es-ES" dirty="0"/>
+              <a:t>UML</a:t>
+            </a:r>
+            <a:endParaRPr dirty="0"/>
+          </a:p>
+          <a:p>
+            <a:pPr marL="285750" indent="-285750">
+              <a:buSzPct val="100000"/>
+              <a:buChar char="❑"/>
+            </a:pPr>
             <a:r>
               <a:rPr dirty="0" err="1"/>
-              <a:t>Fácil</a:t>
-            </a:r>
-            <a:r>
-              <a:rPr dirty="0"/>
-              <a:t> </a:t>
-            </a:r>
+              <a:t>Funcionalidades</a:t>
+            </a:r>
+            <a:endParaRPr dirty="0"/>
+          </a:p>
+          <a:p>
+            <a:pPr marL="285750" indent="-285750">
+              <a:buSzPct val="100000"/>
+              <a:buChar char="❑"/>
+              <a:defRPr b="1"/>
+            </a:pPr>
             <a:r>
               <a:rPr dirty="0" err="1"/>
-              <a:t>manejo</a:t>
-            </a:r>
-            <a:r>
-              <a:rPr dirty="0"/>
-              <a:t> de la </a:t>
-            </a:r>
+              <a:t>Demostración</a:t>
+            </a:r>
+            <a:endParaRPr dirty="0"/>
+          </a:p>
+          <a:p>
+            <a:pPr marL="285750" indent="-285750">
+              <a:buSzPct val="100000"/>
+              <a:buChar char="❑"/>
+            </a:pPr>
             <a:r>
               <a:rPr dirty="0" err="1"/>
-              <a:t>plataforma</a:t>
-            </a:r>
-            <a:r>
-              <a:rPr dirty="0"/>
-              <a:t> </a:t>
-            </a:r>
+              <a:t>Aspectos</a:t>
+            </a:r>
+            <a:endParaRPr dirty="0"/>
+          </a:p>
+          <a:p>
+            <a:pPr marL="285750" indent="-285750">
+              <a:buSzPct val="100000"/>
+              <a:buChar char="❑"/>
+            </a:pPr>
             <a:r>
               <a:rPr dirty="0" err="1"/>
-              <a:t>escogida</a:t>
-            </a:r>
-            <a:r>
-              <a:rPr dirty="0"/>
-              <a:t> (Laravel).</a:t>
-            </a:r>
-          </a:p>
-          <a:p>
-            <a:pPr>
-              <a:buFont typeface="Arial"/>
-              <a:buChar char="•"/>
-            </a:pPr>
-            <a:r>
-              <a:rPr dirty="0"/>
-              <a:t> </a:t>
-            </a:r>
-            <a:r>
-              <a:rPr dirty="0" err="1"/>
-              <a:t>Integración</a:t>
-            </a:r>
-            <a:r>
-              <a:rPr dirty="0"/>
-              <a:t> entre Laravel, Visual Code y </a:t>
-            </a:r>
-            <a:r>
-              <a:rPr dirty="0" err="1"/>
-              <a:t>Github</a:t>
-            </a:r>
-            <a:r>
-              <a:rPr dirty="0"/>
-              <a:t>.</a:t>
-            </a:r>
-          </a:p>
-          <a:p>
-            <a:pPr>
-              <a:buFont typeface="Arial"/>
-              <a:buChar char="•"/>
-            </a:pPr>
-            <a:r>
-              <a:rPr dirty="0"/>
-              <a:t> Buena </a:t>
-            </a:r>
-            <a:r>
-              <a:rPr dirty="0" err="1"/>
-              <a:t>organización</a:t>
-            </a:r>
-            <a:r>
-              <a:rPr dirty="0"/>
-              <a:t> de </a:t>
-            </a:r>
-            <a:r>
-              <a:rPr dirty="0" err="1"/>
-              <a:t>equipo</a:t>
-            </a:r>
-            <a:r>
-              <a:rPr dirty="0"/>
-              <a:t>.</a:t>
-            </a:r>
-          </a:p>
-          <a:p>
-            <a:pPr>
-              <a:buFont typeface="Arial"/>
-              <a:buChar char="•"/>
-            </a:pPr>
+              <a:t>Conclusiones</a:t>
+            </a:r>
             <a:endParaRPr dirty="0"/>
-          </a:p>
-          <a:p>
-            <a:pPr>
-              <a:buFont typeface="Arial"/>
-              <a:buChar char="•"/>
-            </a:pPr>
-            <a:r>
-              <a:rPr dirty="0"/>
-              <a:t> </a:t>
-            </a:r>
-            <a:r>
-              <a:rPr b="1" dirty="0" err="1"/>
-              <a:t>Problemas</a:t>
-            </a:r>
-            <a:r>
-              <a:rPr dirty="0"/>
-              <a:t>:</a:t>
-            </a:r>
-          </a:p>
-          <a:p>
-            <a:pPr marL="219455" lvl="1" indent="-91439">
-              <a:buFont typeface="Arial"/>
-              <a:buChar char="•"/>
-            </a:pPr>
-            <a:r>
-              <a:rPr dirty="0"/>
-              <a:t> </a:t>
-            </a:r>
-            <a:r>
-              <a:rPr lang="es-ES" dirty="0"/>
-              <a:t>Consultas entre diferentes tablas </a:t>
-            </a:r>
-            <a:endParaRPr dirty="0"/>
-          </a:p>
-          <a:p>
-            <a:pPr marL="219455" lvl="1" indent="-91439">
-              <a:buFont typeface="Arial"/>
-              <a:buChar char="•"/>
-            </a:pPr>
-            <a:endParaRPr dirty="0"/>
-          </a:p>
-          <a:p>
-            <a:pPr>
-              <a:buFont typeface="Arial"/>
-              <a:buChar char="•"/>
-              <a:defRPr b="1"/>
-            </a:pPr>
-            <a:r>
-              <a:rPr dirty="0"/>
-              <a:t> </a:t>
-            </a:r>
-            <a:r>
-              <a:rPr dirty="0" err="1"/>
-              <a:t>Posibles</a:t>
-            </a:r>
-            <a:r>
-              <a:rPr dirty="0"/>
-              <a:t> </a:t>
-            </a:r>
-            <a:r>
-              <a:rPr dirty="0" err="1"/>
-              <a:t>mejoras</a:t>
-            </a:r>
-            <a:r>
-              <a:rPr dirty="0"/>
-              <a:t> :</a:t>
-            </a:r>
-          </a:p>
-          <a:p>
-            <a:pPr marL="219455" lvl="1" indent="-91439">
-              <a:buFont typeface="Arial"/>
-              <a:buChar char="•"/>
-            </a:pPr>
-            <a:r>
-              <a:rPr dirty="0"/>
-              <a:t> </a:t>
-            </a:r>
-            <a:r>
-              <a:rPr dirty="0" err="1"/>
-              <a:t>Mejorar</a:t>
-            </a:r>
-            <a:r>
-              <a:rPr dirty="0"/>
-              <a:t> </a:t>
-            </a:r>
-            <a:r>
-              <a:rPr dirty="0" err="1"/>
-              <a:t>estilo</a:t>
-            </a:r>
-            <a:r>
-              <a:rPr dirty="0"/>
-              <a:t> de la </a:t>
-            </a:r>
-            <a:r>
-              <a:rPr dirty="0" err="1"/>
-              <a:t>interfaz</a:t>
-            </a:r>
-            <a:r>
-              <a:rPr dirty="0"/>
-              <a:t>.</a:t>
-            </a:r>
-            <a:endParaRPr lang="es-ES" dirty="0"/>
           </a:p>
         </p:txBody>
       </p:sp>
     </p:spTree>
+    <p:extLst>
+      <p:ext uri="{BB962C8B-B14F-4D97-AF65-F5344CB8AC3E}">
+        <p14:creationId xmlns:p14="http://schemas.microsoft.com/office/powerpoint/2010/main" val="907569077"/>
+      </p:ext>
+    </p:extLst>
   </p:cSld>
   <p:clrMapOvr>
     <a:masterClrMapping/>

--- a/AIRDSS.pptx
+++ b/AIRDSS.pptx
@@ -5,7 +5,7 @@
     <p:sldMasterId id="2147483648" r:id="rId1"/>
   </p:sldMasterIdLst>
   <p:notesMasterIdLst>
-    <p:notesMasterId r:id="rId14"/>
+    <p:notesMasterId r:id="rId18"/>
   </p:notesMasterIdLst>
   <p:sldIdLst>
     <p:sldId id="256" r:id="rId2"/>
@@ -19,7 +19,11 @@
     <p:sldId id="282" r:id="rId10"/>
     <p:sldId id="283" r:id="rId11"/>
     <p:sldId id="277" r:id="rId12"/>
-    <p:sldId id="276" r:id="rId13"/>
+    <p:sldId id="284" r:id="rId13"/>
+    <p:sldId id="285" r:id="rId14"/>
+    <p:sldId id="286" r:id="rId15"/>
+    <p:sldId id="287" r:id="rId16"/>
+    <p:sldId id="276" r:id="rId17"/>
   </p:sldIdLst>
   <p:sldSz cx="12192000" cy="6858000"/>
   <p:notesSz cx="6858000" cy="9144000"/>
@@ -2357,7 +2361,7 @@
           </a:ln>
           <a:extLst>
             <a:ext uri="{C572A759-6A51-4108-AA02-DFA0A04FC94B}">
-              <ma14:wrappingTextBoxFlag xmlns="" xmlns:m="http://schemas.openxmlformats.org/officeDocument/2006/math" xmlns:a14="http://schemas.microsoft.com/office/drawing/2010/main" xmlns:ma14="http://schemas.microsoft.com/office/mac/drawingml/2011/main" val="1"/>
+              <ma14:wrappingTextBoxFlag xmlns:ma14="http://schemas.microsoft.com/office/mac/drawingml/2011/main" xmlns:a14="http://schemas.microsoft.com/office/drawing/2010/main" xmlns:m="http://schemas.openxmlformats.org/officeDocument/2006/math" xmlns="" val="1"/>
             </a:ext>
           </a:extLst>
         </p:spPr>
@@ -2396,7 +2400,7 @@
           </a:ln>
           <a:extLst>
             <a:ext uri="{C572A759-6A51-4108-AA02-DFA0A04FC94B}">
-              <ma14:wrappingTextBoxFlag xmlns="" xmlns:m="http://schemas.openxmlformats.org/officeDocument/2006/math" xmlns:a14="http://schemas.microsoft.com/office/drawing/2010/main" xmlns:ma14="http://schemas.microsoft.com/office/mac/drawingml/2011/main" val="1"/>
+              <ma14:wrappingTextBoxFlag xmlns:ma14="http://schemas.microsoft.com/office/mac/drawingml/2011/main" xmlns:a14="http://schemas.microsoft.com/office/drawing/2010/main" xmlns:m="http://schemas.openxmlformats.org/officeDocument/2006/math" xmlns="" val="1"/>
             </a:ext>
           </a:extLst>
         </p:spPr>
@@ -3684,7 +3688,7 @@
           </a:ln>
           <a:extLst>
             <a:ext uri="{C572A759-6A51-4108-AA02-DFA0A04FC94B}">
-              <ma14:wrappingTextBoxFlag xmlns="" xmlns:m="http://schemas.openxmlformats.org/officeDocument/2006/math" xmlns:a14="http://schemas.microsoft.com/office/drawing/2010/main" xmlns:ma14="http://schemas.microsoft.com/office/mac/drawingml/2011/main" val="1"/>
+              <ma14:wrappingTextBoxFlag xmlns:ma14="http://schemas.microsoft.com/office/mac/drawingml/2011/main" xmlns:a14="http://schemas.microsoft.com/office/drawing/2010/main" xmlns:m="http://schemas.openxmlformats.org/officeDocument/2006/math" xmlns="" val="1"/>
             </a:ext>
           </a:extLst>
         </p:spPr>
@@ -3738,7 +3742,7 @@
           </a:ln>
           <a:extLst>
             <a:ext uri="{C572A759-6A51-4108-AA02-DFA0A04FC94B}">
-              <ma14:wrappingTextBoxFlag xmlns="" xmlns:m="http://schemas.openxmlformats.org/officeDocument/2006/math" xmlns:a14="http://schemas.microsoft.com/office/drawing/2010/main" xmlns:ma14="http://schemas.microsoft.com/office/mac/drawingml/2011/main" val="1"/>
+              <ma14:wrappingTextBoxFlag xmlns:ma14="http://schemas.microsoft.com/office/mac/drawingml/2011/main" xmlns:a14="http://schemas.microsoft.com/office/drawing/2010/main" xmlns:m="http://schemas.openxmlformats.org/officeDocument/2006/math" xmlns="" val="1"/>
             </a:ext>
           </a:extLst>
         </p:spPr>
@@ -4139,6 +4143,5213 @@
           <a:chExt cx="0" cy="0"/>
         </a:xfrm>
       </p:grpSpPr>
+      <p:pic>
+        <p:nvPicPr>
+          <p:cNvPr id="4" name="Imagen 3">
+            <a:extLst>
+              <a:ext uri="{FF2B5EF4-FFF2-40B4-BE49-F238E27FC236}">
+                <a16:creationId xmlns:a16="http://schemas.microsoft.com/office/drawing/2014/main" id="{8DECDC1B-210C-4392-814E-28F31A3A0656}"/>
+              </a:ext>
+            </a:extLst>
+          </p:cNvPr>
+          <p:cNvPicPr>
+            <a:picLocks noChangeAspect="1"/>
+          </p:cNvPicPr>
+          <p:nvPr/>
+        </p:nvPicPr>
+        <p:blipFill rotWithShape="1">
+          <a:blip r:embed="rId2"/>
+          <a:srcRect l="27305" r="25947"/>
+          <a:stretch/>
+        </p:blipFill>
+        <p:spPr>
+          <a:xfrm>
+            <a:off x="5504156" y="-7826"/>
+            <a:ext cx="6687844" cy="6522926"/>
+          </a:xfrm>
+          <a:prstGeom prst="rect">
+            <a:avLst/>
+          </a:prstGeom>
+        </p:spPr>
+      </p:pic>
+      <p:sp>
+        <p:nvSpPr>
+          <p:cNvPr id="5" name="Marcador de texto 2">
+            <a:extLst>
+              <a:ext uri="{FF2B5EF4-FFF2-40B4-BE49-F238E27FC236}">
+                <a16:creationId xmlns:a16="http://schemas.microsoft.com/office/drawing/2014/main" id="{06DFD303-D564-4456-ACCD-33487523FA76}"/>
+              </a:ext>
+            </a:extLst>
+          </p:cNvPr>
+          <p:cNvSpPr txBox="1">
+            <a:spLocks/>
+          </p:cNvSpPr>
+          <p:nvPr/>
+        </p:nvSpPr>
+        <p:spPr>
+          <a:xfrm>
+            <a:off x="227978" y="120038"/>
+            <a:ext cx="4781987" cy="2159557"/>
+          </a:xfrm>
+          <a:prstGeom prst="rect">
+            <a:avLst/>
+          </a:prstGeom>
+        </p:spPr>
+        <p:style>
+          <a:lnRef idx="1">
+            <a:schemeClr val="accent2"/>
+          </a:lnRef>
+          <a:fillRef idx="2">
+            <a:schemeClr val="accent2"/>
+          </a:fillRef>
+          <a:effectRef idx="1">
+            <a:schemeClr val="accent2"/>
+          </a:effectRef>
+          <a:fontRef idx="minor">
+            <a:schemeClr val="dk1"/>
+          </a:fontRef>
+        </p:style>
+        <p:txBody>
+          <a:bodyPr>
+            <a:normAutofit lnSpcReduction="10000"/>
+          </a:bodyPr>
+          <a:lstStyle>
+            <a:lvl1pPr marL="91439" marR="0" indent="-91439" algn="l" defTabSz="914400" rtl="0" latinLnBrk="0">
+              <a:lnSpc>
+                <a:spcPct val="90000"/>
+              </a:lnSpc>
+              <a:spcBef>
+                <a:spcPts val="1200"/>
+              </a:spcBef>
+              <a:spcAft>
+                <a:spcPts val="0"/>
+              </a:spcAft>
+              <a:buClr>
+                <a:schemeClr val="accent2"/>
+              </a:buClr>
+              <a:buSzPct val="100000"/>
+              <a:buFont typeface="Tw Cen MT"/>
+              <a:buChar char=" "/>
+              <a:tabLst/>
+              <a:defRPr sz="2200" b="0" i="0" u="none" strike="noStrike" cap="none" spc="0" baseline="0">
+                <a:ln>
+                  <a:noFill/>
+                </a:ln>
+                <a:solidFill>
+                  <a:schemeClr val="dk1"/>
+                </a:solidFill>
+                <a:uFillTx/>
+                <a:latin typeface="+mn-lt"/>
+                <a:ea typeface="+mn-ea"/>
+                <a:cs typeface="+mn-cs"/>
+                <a:sym typeface="Tw Cen MT"/>
+              </a:defRPr>
+            </a:lvl1pPr>
+            <a:lvl2pPr marL="295655" marR="0" indent="-167639" algn="l" defTabSz="914400" rtl="0" latinLnBrk="0">
+              <a:lnSpc>
+                <a:spcPct val="90000"/>
+              </a:lnSpc>
+              <a:spcBef>
+                <a:spcPts val="1200"/>
+              </a:spcBef>
+              <a:spcAft>
+                <a:spcPts val="0"/>
+              </a:spcAft>
+              <a:buClr>
+                <a:schemeClr val="accent2"/>
+              </a:buClr>
+              <a:buSzPct val="100000"/>
+              <a:buFont typeface="Tw Cen MT"/>
+              <a:buChar char=""/>
+              <a:tabLst/>
+              <a:defRPr sz="2200" b="0" i="0" u="none" strike="noStrike" cap="none" spc="0" baseline="0">
+                <a:ln>
+                  <a:noFill/>
+                </a:ln>
+                <a:solidFill>
+                  <a:schemeClr val="dk1"/>
+                </a:solidFill>
+                <a:uFillTx/>
+                <a:latin typeface="+mn-lt"/>
+                <a:ea typeface="+mn-ea"/>
+                <a:cs typeface="+mn-cs"/>
+                <a:sym typeface="Tw Cen MT"/>
+              </a:defRPr>
+            </a:lvl2pPr>
+            <a:lvl3pPr marL="526433" marR="0" indent="-215537" algn="l" defTabSz="914400" rtl="0" latinLnBrk="0">
+              <a:lnSpc>
+                <a:spcPct val="90000"/>
+              </a:lnSpc>
+              <a:spcBef>
+                <a:spcPts val="1200"/>
+              </a:spcBef>
+              <a:spcAft>
+                <a:spcPts val="0"/>
+              </a:spcAft>
+              <a:buClr>
+                <a:schemeClr val="accent2"/>
+              </a:buClr>
+              <a:buSzPct val="100000"/>
+              <a:buFont typeface="Tw Cen MT"/>
+              <a:buChar char=""/>
+              <a:tabLst/>
+              <a:defRPr sz="2200" b="0" i="0" u="none" strike="noStrike" cap="none" spc="0" baseline="0">
+                <a:ln>
+                  <a:noFill/>
+                </a:ln>
+                <a:solidFill>
+                  <a:schemeClr val="dk1"/>
+                </a:solidFill>
+                <a:uFillTx/>
+                <a:latin typeface="+mn-lt"/>
+                <a:ea typeface="+mn-ea"/>
+                <a:cs typeface="+mn-cs"/>
+                <a:sym typeface="Tw Cen MT"/>
+              </a:defRPr>
+            </a:lvl3pPr>
+            <a:lvl4pPr marL="672737" marR="0" indent="-215537" algn="l" defTabSz="914400" rtl="0" latinLnBrk="0">
+              <a:lnSpc>
+                <a:spcPct val="90000"/>
+              </a:lnSpc>
+              <a:spcBef>
+                <a:spcPts val="1200"/>
+              </a:spcBef>
+              <a:spcAft>
+                <a:spcPts val="0"/>
+              </a:spcAft>
+              <a:buClr>
+                <a:schemeClr val="accent2"/>
+              </a:buClr>
+              <a:buSzPct val="100000"/>
+              <a:buFont typeface="Tw Cen MT"/>
+              <a:buChar char=""/>
+              <a:tabLst/>
+              <a:defRPr sz="2200" b="0" i="0" u="none" strike="noStrike" cap="none" spc="0" baseline="0">
+                <a:ln>
+                  <a:noFill/>
+                </a:ln>
+                <a:solidFill>
+                  <a:schemeClr val="dk1"/>
+                </a:solidFill>
+                <a:uFillTx/>
+                <a:latin typeface="+mn-lt"/>
+                <a:ea typeface="+mn-ea"/>
+                <a:cs typeface="+mn-cs"/>
+                <a:sym typeface="Tw Cen MT"/>
+              </a:defRPr>
+            </a:lvl4pPr>
+            <a:lvl5pPr marL="855617" marR="0" indent="-215537" algn="l" defTabSz="914400" rtl="0" latinLnBrk="0">
+              <a:lnSpc>
+                <a:spcPct val="90000"/>
+              </a:lnSpc>
+              <a:spcBef>
+                <a:spcPts val="1200"/>
+              </a:spcBef>
+              <a:spcAft>
+                <a:spcPts val="0"/>
+              </a:spcAft>
+              <a:buClr>
+                <a:schemeClr val="accent2"/>
+              </a:buClr>
+              <a:buSzPct val="100000"/>
+              <a:buFont typeface="Tw Cen MT"/>
+              <a:buChar char=""/>
+              <a:tabLst/>
+              <a:defRPr sz="2200" b="0" i="0" u="none" strike="noStrike" cap="none" spc="0" baseline="0">
+                <a:ln>
+                  <a:noFill/>
+                </a:ln>
+                <a:solidFill>
+                  <a:schemeClr val="dk1"/>
+                </a:solidFill>
+                <a:uFillTx/>
+                <a:latin typeface="+mn-lt"/>
+                <a:ea typeface="+mn-ea"/>
+                <a:cs typeface="+mn-cs"/>
+                <a:sym typeface="Tw Cen MT"/>
+              </a:defRPr>
+            </a:lvl5pPr>
+            <a:lvl6pPr marL="992777" marR="0" indent="-215537" algn="l" defTabSz="914400" rtl="0" latinLnBrk="0">
+              <a:lnSpc>
+                <a:spcPct val="90000"/>
+              </a:lnSpc>
+              <a:spcBef>
+                <a:spcPts val="1200"/>
+              </a:spcBef>
+              <a:spcAft>
+                <a:spcPts val="0"/>
+              </a:spcAft>
+              <a:buClr>
+                <a:schemeClr val="accent2"/>
+              </a:buClr>
+              <a:buSzPct val="100000"/>
+              <a:buFont typeface="Tw Cen MT"/>
+              <a:buChar char=""/>
+              <a:tabLst/>
+              <a:defRPr sz="2200" b="0" i="0" u="none" strike="noStrike" cap="none" spc="0" baseline="0">
+                <a:ln>
+                  <a:noFill/>
+                </a:ln>
+                <a:solidFill>
+                  <a:schemeClr val="dk1"/>
+                </a:solidFill>
+                <a:uFillTx/>
+                <a:latin typeface="+mn-lt"/>
+                <a:ea typeface="+mn-ea"/>
+                <a:cs typeface="+mn-cs"/>
+                <a:sym typeface="Tw Cen MT"/>
+              </a:defRPr>
+            </a:lvl6pPr>
+            <a:lvl7pPr marL="1139081" marR="0" indent="-215537" algn="l" defTabSz="914400" rtl="0" latinLnBrk="0">
+              <a:lnSpc>
+                <a:spcPct val="90000"/>
+              </a:lnSpc>
+              <a:spcBef>
+                <a:spcPts val="1200"/>
+              </a:spcBef>
+              <a:spcAft>
+                <a:spcPts val="0"/>
+              </a:spcAft>
+              <a:buClr>
+                <a:schemeClr val="accent2"/>
+              </a:buClr>
+              <a:buSzPct val="100000"/>
+              <a:buFont typeface="Tw Cen MT"/>
+              <a:buChar char=""/>
+              <a:tabLst/>
+              <a:defRPr sz="2200" b="0" i="0" u="none" strike="noStrike" cap="none" spc="0" baseline="0">
+                <a:ln>
+                  <a:noFill/>
+                </a:ln>
+                <a:solidFill>
+                  <a:schemeClr val="dk1"/>
+                </a:solidFill>
+                <a:uFillTx/>
+                <a:latin typeface="+mn-lt"/>
+                <a:ea typeface="+mn-ea"/>
+                <a:cs typeface="+mn-cs"/>
+                <a:sym typeface="Tw Cen MT"/>
+              </a:defRPr>
+            </a:lvl7pPr>
+            <a:lvl8pPr marL="1294529" marR="0" indent="-215537" algn="l" defTabSz="914400" rtl="0" latinLnBrk="0">
+              <a:lnSpc>
+                <a:spcPct val="90000"/>
+              </a:lnSpc>
+              <a:spcBef>
+                <a:spcPts val="1200"/>
+              </a:spcBef>
+              <a:spcAft>
+                <a:spcPts val="0"/>
+              </a:spcAft>
+              <a:buClr>
+                <a:schemeClr val="accent2"/>
+              </a:buClr>
+              <a:buSzPct val="100000"/>
+              <a:buFont typeface="Tw Cen MT"/>
+              <a:buChar char=""/>
+              <a:tabLst/>
+              <a:defRPr sz="2200" b="0" i="0" u="none" strike="noStrike" cap="none" spc="0" baseline="0">
+                <a:ln>
+                  <a:noFill/>
+                </a:ln>
+                <a:solidFill>
+                  <a:schemeClr val="dk1"/>
+                </a:solidFill>
+                <a:uFillTx/>
+                <a:latin typeface="+mn-lt"/>
+                <a:ea typeface="+mn-ea"/>
+                <a:cs typeface="+mn-cs"/>
+                <a:sym typeface="Tw Cen MT"/>
+              </a:defRPr>
+            </a:lvl8pPr>
+            <a:lvl9pPr marL="1440833" marR="0" indent="-215537" algn="l" defTabSz="914400" rtl="0" latinLnBrk="0">
+              <a:lnSpc>
+                <a:spcPct val="90000"/>
+              </a:lnSpc>
+              <a:spcBef>
+                <a:spcPts val="1200"/>
+              </a:spcBef>
+              <a:spcAft>
+                <a:spcPts val="0"/>
+              </a:spcAft>
+              <a:buClr>
+                <a:schemeClr val="accent2"/>
+              </a:buClr>
+              <a:buSzPct val="100000"/>
+              <a:buFont typeface="Tw Cen MT"/>
+              <a:buChar char=""/>
+              <a:tabLst/>
+              <a:defRPr sz="2200" b="0" i="0" u="none" strike="noStrike" cap="none" spc="0" baseline="0">
+                <a:ln>
+                  <a:noFill/>
+                </a:ln>
+                <a:solidFill>
+                  <a:schemeClr val="dk1"/>
+                </a:solidFill>
+                <a:uFillTx/>
+                <a:latin typeface="+mn-lt"/>
+                <a:ea typeface="+mn-ea"/>
+                <a:cs typeface="+mn-cs"/>
+                <a:sym typeface="Tw Cen MT"/>
+              </a:defRPr>
+            </a:lvl9pPr>
+          </a:lstStyle>
+          <a:p>
+            <a:pPr hangingPunct="1">
+              <a:lnSpc>
+                <a:spcPct val="30000"/>
+              </a:lnSpc>
+            </a:pPr>
+            <a:endParaRPr lang="es-ES" sz="1200" b="1" i="1" dirty="0">
+              <a:latin typeface="Consolas" panose="020B0609020204030204" pitchFamily="49" charset="0"/>
+            </a:endParaRPr>
+          </a:p>
+          <a:p>
+            <a:pPr hangingPunct="1">
+              <a:lnSpc>
+                <a:spcPct val="30000"/>
+              </a:lnSpc>
+            </a:pPr>
+            <a:r>
+              <a:rPr lang="es-ES" sz="1200" b="1" i="1" dirty="0" err="1">
+                <a:latin typeface="Consolas" panose="020B0609020204030204" pitchFamily="49" charset="0"/>
+              </a:rPr>
+              <a:t>class</a:t>
+            </a:r>
+            <a:r>
+              <a:rPr lang="es-ES" sz="1200" b="1" dirty="0">
+                <a:latin typeface="Consolas" panose="020B0609020204030204" pitchFamily="49" charset="0"/>
+              </a:rPr>
+              <a:t> </a:t>
+            </a:r>
+            <a:r>
+              <a:rPr lang="es-ES" sz="1200" b="1" u="sng" dirty="0" err="1">
+                <a:latin typeface="Consolas" panose="020B0609020204030204" pitchFamily="49" charset="0"/>
+              </a:rPr>
+              <a:t>AvisosAdminServices</a:t>
+            </a:r>
+            <a:endParaRPr lang="es-ES" sz="1200" b="1" dirty="0">
+              <a:latin typeface="Consolas" panose="020B0609020204030204" pitchFamily="49" charset="0"/>
+            </a:endParaRPr>
+          </a:p>
+          <a:p>
+            <a:pPr hangingPunct="1">
+              <a:lnSpc>
+                <a:spcPct val="30000"/>
+              </a:lnSpc>
+            </a:pPr>
+            <a:r>
+              <a:rPr lang="es-ES" sz="1200" b="1" dirty="0">
+                <a:latin typeface="Consolas" panose="020B0609020204030204" pitchFamily="49" charset="0"/>
+              </a:rPr>
+              <a:t>{</a:t>
+            </a:r>
+          </a:p>
+          <a:p>
+            <a:pPr hangingPunct="1">
+              <a:lnSpc>
+                <a:spcPct val="30000"/>
+              </a:lnSpc>
+            </a:pPr>
+            <a:r>
+              <a:rPr lang="es-ES" sz="1200" b="1" dirty="0">
+                <a:latin typeface="Consolas" panose="020B0609020204030204" pitchFamily="49" charset="0"/>
+              </a:rPr>
+              <a:t>// función que cancela un vuelo aleatoriamente</a:t>
+            </a:r>
+          </a:p>
+          <a:p>
+            <a:pPr marL="358794" lvl="2" indent="0" hangingPunct="1">
+              <a:lnSpc>
+                <a:spcPct val="30000"/>
+              </a:lnSpc>
+              <a:buNone/>
+            </a:pPr>
+            <a:r>
+              <a:rPr lang="es-ES" sz="1200" b="1" dirty="0" err="1">
+                <a:latin typeface="Consolas" panose="020B0609020204030204" pitchFamily="49" charset="0"/>
+              </a:rPr>
+              <a:t>static</a:t>
+            </a:r>
+            <a:r>
+              <a:rPr lang="es-ES" sz="1200" b="1" dirty="0">
+                <a:latin typeface="Consolas" panose="020B0609020204030204" pitchFamily="49" charset="0"/>
+              </a:rPr>
+              <a:t> </a:t>
+            </a:r>
+            <a:r>
+              <a:rPr lang="es-ES" sz="1200" b="1" dirty="0" err="1">
+                <a:latin typeface="Consolas" panose="020B0609020204030204" pitchFamily="49" charset="0"/>
+              </a:rPr>
+              <a:t>public</a:t>
+            </a:r>
+            <a:r>
+              <a:rPr lang="es-ES" sz="1200" b="1" dirty="0">
+                <a:latin typeface="Consolas" panose="020B0609020204030204" pitchFamily="49" charset="0"/>
+              </a:rPr>
+              <a:t> </a:t>
+            </a:r>
+            <a:r>
+              <a:rPr lang="es-ES" sz="1200" b="1" i="1" dirty="0" err="1">
+                <a:latin typeface="Consolas" panose="020B0609020204030204" pitchFamily="49" charset="0"/>
+              </a:rPr>
+              <a:t>function</a:t>
+            </a:r>
+            <a:r>
+              <a:rPr lang="es-ES" sz="1200" b="1" dirty="0">
+                <a:latin typeface="Consolas" panose="020B0609020204030204" pitchFamily="49" charset="0"/>
+              </a:rPr>
+              <a:t> </a:t>
+            </a:r>
+            <a:r>
+              <a:rPr lang="es-ES" sz="1200" b="1" dirty="0" err="1">
+                <a:latin typeface="Consolas" panose="020B0609020204030204" pitchFamily="49" charset="0"/>
+              </a:rPr>
+              <a:t>notificarCancelacionAvion</a:t>
+            </a:r>
+            <a:r>
+              <a:rPr lang="es-ES" sz="1200" b="1" dirty="0">
+                <a:latin typeface="Consolas" panose="020B0609020204030204" pitchFamily="49" charset="0"/>
+              </a:rPr>
+              <a:t>()</a:t>
+            </a:r>
+          </a:p>
+          <a:p>
+            <a:pPr marL="358794" lvl="2" indent="0" hangingPunct="1">
+              <a:lnSpc>
+                <a:spcPct val="30000"/>
+              </a:lnSpc>
+              <a:buNone/>
+            </a:pPr>
+            <a:r>
+              <a:rPr lang="es-ES" sz="1200" b="1" dirty="0">
+                <a:latin typeface="Consolas" panose="020B0609020204030204" pitchFamily="49" charset="0"/>
+              </a:rPr>
+              <a:t>{</a:t>
+            </a:r>
+          </a:p>
+          <a:p>
+            <a:pPr marL="687978" lvl="4" indent="0" hangingPunct="1">
+              <a:lnSpc>
+                <a:spcPct val="30000"/>
+              </a:lnSpc>
+              <a:buNone/>
+            </a:pPr>
+            <a:r>
+              <a:rPr lang="es-ES" sz="1200" b="1" dirty="0">
+                <a:latin typeface="Consolas" panose="020B0609020204030204" pitchFamily="49" charset="0"/>
+              </a:rPr>
+              <a:t>$</a:t>
+            </a:r>
+            <a:r>
+              <a:rPr lang="es-ES" sz="1200" b="1" dirty="0" err="1">
+                <a:latin typeface="Consolas" panose="020B0609020204030204" pitchFamily="49" charset="0"/>
+              </a:rPr>
+              <a:t>max</a:t>
+            </a:r>
+            <a:r>
+              <a:rPr lang="es-ES" sz="1200" b="1" dirty="0">
+                <a:latin typeface="Consolas" panose="020B0609020204030204" pitchFamily="49" charset="0"/>
+              </a:rPr>
+              <a:t> = </a:t>
+            </a:r>
+            <a:r>
+              <a:rPr lang="es-ES" sz="1200" b="1" i="1" dirty="0">
+                <a:latin typeface="Consolas" panose="020B0609020204030204" pitchFamily="49" charset="0"/>
+              </a:rPr>
+              <a:t>F</a:t>
+            </a:r>
+            <a:r>
+              <a:rPr lang="es-ES" sz="1200" b="1" dirty="0">
+                <a:latin typeface="Consolas" panose="020B0609020204030204" pitchFamily="49" charset="0"/>
+              </a:rPr>
+              <a:t>::totalVuelos();</a:t>
+            </a:r>
+          </a:p>
+          <a:p>
+            <a:pPr marL="687978" lvl="4" indent="0" hangingPunct="1">
+              <a:lnSpc>
+                <a:spcPct val="30000"/>
+              </a:lnSpc>
+              <a:buNone/>
+            </a:pPr>
+            <a:r>
+              <a:rPr lang="es-ES" sz="1200" b="1" dirty="0">
+                <a:latin typeface="Consolas" panose="020B0609020204030204" pitchFamily="49" charset="0"/>
+              </a:rPr>
+              <a:t>$id = rand(1,$max);</a:t>
+            </a:r>
+          </a:p>
+          <a:p>
+            <a:pPr marL="687978" lvl="4" indent="0" hangingPunct="1">
+              <a:lnSpc>
+                <a:spcPct val="30000"/>
+              </a:lnSpc>
+              <a:buNone/>
+            </a:pPr>
+            <a:r>
+              <a:rPr lang="es-ES" sz="1200" b="1" i="1" dirty="0" err="1">
+                <a:latin typeface="Consolas" panose="020B0609020204030204" pitchFamily="49" charset="0"/>
+              </a:rPr>
+              <a:t>Util</a:t>
+            </a:r>
+            <a:r>
+              <a:rPr lang="es-ES" sz="1200" b="1" dirty="0">
+                <a:latin typeface="Consolas" panose="020B0609020204030204" pitchFamily="49" charset="0"/>
+              </a:rPr>
+              <a:t>::</a:t>
+            </a:r>
+            <a:r>
+              <a:rPr lang="es-ES" sz="1200" b="1" dirty="0" err="1">
+                <a:latin typeface="Consolas" panose="020B0609020204030204" pitchFamily="49" charset="0"/>
+              </a:rPr>
+              <a:t>cancelarVuelo</a:t>
+            </a:r>
+            <a:r>
+              <a:rPr lang="es-ES" sz="1200" b="1" dirty="0">
+                <a:latin typeface="Consolas" panose="020B0609020204030204" pitchFamily="49" charset="0"/>
+              </a:rPr>
+              <a:t>($id);</a:t>
+            </a:r>
+          </a:p>
+          <a:p>
+            <a:pPr marL="358794" lvl="2" indent="0" hangingPunct="1">
+              <a:lnSpc>
+                <a:spcPct val="30000"/>
+              </a:lnSpc>
+              <a:buNone/>
+            </a:pPr>
+            <a:r>
+              <a:rPr lang="es-ES" sz="1200" b="1" dirty="0">
+                <a:latin typeface="Consolas" panose="020B0609020204030204" pitchFamily="49" charset="0"/>
+              </a:rPr>
+              <a:t>} </a:t>
+            </a:r>
+          </a:p>
+          <a:p>
+            <a:pPr hangingPunct="1">
+              <a:lnSpc>
+                <a:spcPct val="30000"/>
+              </a:lnSpc>
+            </a:pPr>
+            <a:r>
+              <a:rPr lang="es-ES" sz="1200" b="1" dirty="0">
+                <a:latin typeface="Consolas" panose="020B0609020204030204" pitchFamily="49" charset="0"/>
+              </a:rPr>
+              <a:t>}</a:t>
+            </a:r>
+          </a:p>
+        </p:txBody>
+      </p:sp>
+      <p:sp>
+        <p:nvSpPr>
+          <p:cNvPr id="6" name="CuadroTexto 5">
+            <a:extLst>
+              <a:ext uri="{FF2B5EF4-FFF2-40B4-BE49-F238E27FC236}">
+                <a16:creationId xmlns:a16="http://schemas.microsoft.com/office/drawing/2014/main" id="{EBC0F1C1-9059-48BA-AF2B-2AFEA250CDA2}"/>
+              </a:ext>
+            </a:extLst>
+          </p:cNvPr>
+          <p:cNvSpPr txBox="1"/>
+          <p:nvPr/>
+        </p:nvSpPr>
+        <p:spPr>
+          <a:xfrm>
+            <a:off x="227978" y="2426254"/>
+            <a:ext cx="3953405" cy="1738814"/>
+          </a:xfrm>
+          <a:prstGeom prst="rect">
+            <a:avLst/>
+          </a:prstGeom>
+        </p:spPr>
+        <p:style>
+          <a:lnRef idx="1">
+            <a:schemeClr val="accent2"/>
+          </a:lnRef>
+          <a:fillRef idx="2">
+            <a:schemeClr val="accent2"/>
+          </a:fillRef>
+          <a:effectRef idx="1">
+            <a:schemeClr val="accent2"/>
+          </a:effectRef>
+          <a:fontRef idx="minor">
+            <a:schemeClr val="dk1"/>
+          </a:fontRef>
+        </p:style>
+        <p:txBody>
+          <a:bodyPr>
+            <a:normAutofit fontScale="92500" lnSpcReduction="20000"/>
+          </a:bodyPr>
+          <a:lstStyle>
+            <a:defPPr marL="0" marR="0" indent="0" algn="l" defTabSz="914400" rtl="0" fontAlgn="auto" latinLnBrk="1" hangingPunct="0">
+              <a:lnSpc>
+                <a:spcPct val="100000"/>
+              </a:lnSpc>
+              <a:spcBef>
+                <a:spcPts val="0"/>
+              </a:spcBef>
+              <a:spcAft>
+                <a:spcPts val="0"/>
+              </a:spcAft>
+              <a:buClrTx/>
+              <a:buSzTx/>
+              <a:buFontTx/>
+              <a:buNone/>
+              <a:tabLst/>
+              <a:defRPr kumimoji="0" sz="1800" b="0" i="0" u="none" strike="noStrike" cap="none" spc="0" normalizeH="0" baseline="0">
+                <a:ln>
+                  <a:noFill/>
+                </a:ln>
+                <a:solidFill>
+                  <a:srgbClr val="000000"/>
+                </a:solidFill>
+                <a:effectLst/>
+                <a:uFillTx/>
+              </a:defRPr>
+            </a:defPPr>
+            <a:lvl1pPr marL="91439" indent="-91439" defTabSz="914400" hangingPunct="1">
+              <a:lnSpc>
+                <a:spcPct val="90000"/>
+              </a:lnSpc>
+              <a:spcBef>
+                <a:spcPts val="1200"/>
+              </a:spcBef>
+              <a:buClr>
+                <a:schemeClr val="accent2"/>
+              </a:buClr>
+              <a:buSzPct val="100000"/>
+              <a:buFont typeface="Tw Cen MT"/>
+              <a:buChar char=" "/>
+              <a:defRPr sz="1500" i="1">
+                <a:solidFill>
+                  <a:schemeClr val="dk1"/>
+                </a:solidFill>
+                <a:latin typeface="Consolas" panose="020B0609020204030204" pitchFamily="49" charset="0"/>
+                <a:ea typeface="+mn-ea"/>
+                <a:cs typeface="+mn-cs"/>
+              </a:defRPr>
+            </a:lvl1pPr>
+            <a:lvl2pPr marL="295655" indent="-167639" defTabSz="914400">
+              <a:lnSpc>
+                <a:spcPct val="90000"/>
+              </a:lnSpc>
+              <a:spcBef>
+                <a:spcPts val="1200"/>
+              </a:spcBef>
+              <a:buClr>
+                <a:schemeClr val="accent2"/>
+              </a:buClr>
+              <a:buSzPct val="100000"/>
+              <a:buFont typeface="Tw Cen MT"/>
+              <a:buChar char=""/>
+              <a:defRPr sz="2200">
+                <a:solidFill>
+                  <a:schemeClr val="dk1"/>
+                </a:solidFill>
+                <a:latin typeface="+mn-lt"/>
+                <a:ea typeface="+mn-ea"/>
+                <a:cs typeface="+mn-cs"/>
+              </a:defRPr>
+            </a:lvl2pPr>
+            <a:lvl3pPr marL="358794" lvl="2" indent="0" defTabSz="914400" hangingPunct="1">
+              <a:lnSpc>
+                <a:spcPct val="90000"/>
+              </a:lnSpc>
+              <a:spcBef>
+                <a:spcPts val="1200"/>
+              </a:spcBef>
+              <a:buClr>
+                <a:schemeClr val="accent2"/>
+              </a:buClr>
+              <a:buSzPct val="100000"/>
+              <a:buFont typeface="Tw Cen MT"/>
+              <a:defRPr sz="1500">
+                <a:solidFill>
+                  <a:schemeClr val="dk1"/>
+                </a:solidFill>
+                <a:latin typeface="Consolas" panose="020B0609020204030204" pitchFamily="49" charset="0"/>
+                <a:ea typeface="+mn-ea"/>
+                <a:cs typeface="+mn-cs"/>
+              </a:defRPr>
+            </a:lvl3pPr>
+            <a:lvl4pPr marL="672737" indent="-215537" defTabSz="914400">
+              <a:lnSpc>
+                <a:spcPct val="90000"/>
+              </a:lnSpc>
+              <a:spcBef>
+                <a:spcPts val="1200"/>
+              </a:spcBef>
+              <a:buClr>
+                <a:schemeClr val="accent2"/>
+              </a:buClr>
+              <a:buSzPct val="100000"/>
+              <a:buFont typeface="Tw Cen MT"/>
+              <a:buChar char=""/>
+              <a:defRPr sz="2200">
+                <a:solidFill>
+                  <a:schemeClr val="dk1"/>
+                </a:solidFill>
+                <a:latin typeface="+mn-lt"/>
+                <a:ea typeface="+mn-ea"/>
+                <a:cs typeface="+mn-cs"/>
+              </a:defRPr>
+            </a:lvl4pPr>
+            <a:lvl5pPr marL="687978" lvl="4" indent="0" defTabSz="914400" hangingPunct="1">
+              <a:lnSpc>
+                <a:spcPct val="90000"/>
+              </a:lnSpc>
+              <a:spcBef>
+                <a:spcPts val="1200"/>
+              </a:spcBef>
+              <a:buClr>
+                <a:schemeClr val="accent2"/>
+              </a:buClr>
+              <a:buSzPct val="100000"/>
+              <a:buFont typeface="Tw Cen MT"/>
+              <a:defRPr sz="1500">
+                <a:solidFill>
+                  <a:schemeClr val="dk1"/>
+                </a:solidFill>
+                <a:latin typeface="Consolas" panose="020B0609020204030204" pitchFamily="49" charset="0"/>
+                <a:ea typeface="+mn-ea"/>
+                <a:cs typeface="+mn-cs"/>
+              </a:defRPr>
+            </a:lvl5pPr>
+            <a:lvl6pPr marL="992777" indent="-215537" defTabSz="914400">
+              <a:lnSpc>
+                <a:spcPct val="90000"/>
+              </a:lnSpc>
+              <a:spcBef>
+                <a:spcPts val="1200"/>
+              </a:spcBef>
+              <a:buClr>
+                <a:schemeClr val="accent2"/>
+              </a:buClr>
+              <a:buSzPct val="100000"/>
+              <a:buFont typeface="Tw Cen MT"/>
+              <a:buChar char=""/>
+              <a:defRPr sz="2200">
+                <a:solidFill>
+                  <a:schemeClr val="dk1"/>
+                </a:solidFill>
+                <a:latin typeface="+mn-lt"/>
+                <a:ea typeface="+mn-ea"/>
+                <a:cs typeface="+mn-cs"/>
+              </a:defRPr>
+            </a:lvl6pPr>
+            <a:lvl7pPr marL="1139081" indent="-215537" defTabSz="914400">
+              <a:lnSpc>
+                <a:spcPct val="90000"/>
+              </a:lnSpc>
+              <a:spcBef>
+                <a:spcPts val="1200"/>
+              </a:spcBef>
+              <a:buClr>
+                <a:schemeClr val="accent2"/>
+              </a:buClr>
+              <a:buSzPct val="100000"/>
+              <a:buFont typeface="Tw Cen MT"/>
+              <a:buChar char=""/>
+              <a:defRPr sz="2200">
+                <a:solidFill>
+                  <a:schemeClr val="dk1"/>
+                </a:solidFill>
+                <a:latin typeface="+mn-lt"/>
+                <a:ea typeface="+mn-ea"/>
+                <a:cs typeface="+mn-cs"/>
+              </a:defRPr>
+            </a:lvl7pPr>
+            <a:lvl8pPr marL="1294529" indent="-215537" defTabSz="914400">
+              <a:lnSpc>
+                <a:spcPct val="90000"/>
+              </a:lnSpc>
+              <a:spcBef>
+                <a:spcPts val="1200"/>
+              </a:spcBef>
+              <a:buClr>
+                <a:schemeClr val="accent2"/>
+              </a:buClr>
+              <a:buSzPct val="100000"/>
+              <a:buFont typeface="Tw Cen MT"/>
+              <a:buChar char=""/>
+              <a:defRPr sz="2200">
+                <a:solidFill>
+                  <a:schemeClr val="dk1"/>
+                </a:solidFill>
+                <a:latin typeface="+mn-lt"/>
+                <a:ea typeface="+mn-ea"/>
+                <a:cs typeface="+mn-cs"/>
+              </a:defRPr>
+            </a:lvl8pPr>
+            <a:lvl9pPr marL="1440833" indent="-215537" defTabSz="914400">
+              <a:lnSpc>
+                <a:spcPct val="90000"/>
+              </a:lnSpc>
+              <a:spcBef>
+                <a:spcPts val="1200"/>
+              </a:spcBef>
+              <a:buClr>
+                <a:schemeClr val="accent2"/>
+              </a:buClr>
+              <a:buSzPct val="100000"/>
+              <a:buFont typeface="Tw Cen MT"/>
+              <a:buChar char=""/>
+              <a:defRPr sz="2200">
+                <a:solidFill>
+                  <a:schemeClr val="dk1"/>
+                </a:solidFill>
+                <a:latin typeface="+mn-lt"/>
+                <a:ea typeface="+mn-ea"/>
+                <a:cs typeface="+mn-cs"/>
+              </a:defRPr>
+            </a:lvl9pPr>
+          </a:lstStyle>
+          <a:p>
+            <a:pPr marL="0" indent="0">
+              <a:lnSpc>
+                <a:spcPct val="30000"/>
+              </a:lnSpc>
+              <a:buNone/>
+            </a:pPr>
+            <a:endParaRPr lang="es-ES" sz="1200" b="1" dirty="0"/>
+          </a:p>
+          <a:p>
+            <a:pPr marL="0" indent="0">
+              <a:lnSpc>
+                <a:spcPct val="30000"/>
+              </a:lnSpc>
+              <a:buNone/>
+            </a:pPr>
+            <a:r>
+              <a:rPr lang="es-ES" sz="1300" b="1" dirty="0" err="1"/>
+              <a:t>class</a:t>
+            </a:r>
+            <a:r>
+              <a:rPr lang="es-ES" sz="1300" b="1" dirty="0"/>
+              <a:t> </a:t>
+            </a:r>
+            <a:r>
+              <a:rPr lang="es-ES" sz="1300" b="1" dirty="0" err="1"/>
+              <a:t>Util</a:t>
+            </a:r>
+            <a:endParaRPr lang="es-ES" sz="1300" b="1" dirty="0"/>
+          </a:p>
+          <a:p>
+            <a:pPr marL="0" indent="0">
+              <a:lnSpc>
+                <a:spcPct val="30000"/>
+              </a:lnSpc>
+              <a:buNone/>
+            </a:pPr>
+            <a:r>
+              <a:rPr lang="es-ES" sz="1300" b="1" dirty="0"/>
+              <a:t>{</a:t>
+            </a:r>
+          </a:p>
+          <a:p>
+            <a:pPr marL="191155" lvl="2">
+              <a:lnSpc>
+                <a:spcPct val="30000"/>
+              </a:lnSpc>
+            </a:pPr>
+            <a:r>
+              <a:rPr lang="es-ES" sz="1300" b="1" dirty="0" err="1"/>
+              <a:t>static</a:t>
+            </a:r>
+            <a:r>
+              <a:rPr lang="es-ES" sz="1300" b="1" dirty="0"/>
+              <a:t> </a:t>
+            </a:r>
+            <a:r>
+              <a:rPr lang="es-ES" sz="1300" b="1" dirty="0" err="1"/>
+              <a:t>public</a:t>
+            </a:r>
+            <a:r>
+              <a:rPr lang="es-ES" sz="1300" b="1" dirty="0"/>
+              <a:t> </a:t>
+            </a:r>
+            <a:r>
+              <a:rPr lang="es-ES" sz="1300" b="1" dirty="0" err="1"/>
+              <a:t>function</a:t>
+            </a:r>
+            <a:r>
+              <a:rPr lang="es-ES" sz="1300" b="1" dirty="0"/>
+              <a:t> </a:t>
+            </a:r>
+            <a:r>
+              <a:rPr lang="es-ES" sz="1300" b="1" dirty="0" err="1"/>
+              <a:t>cancelarVuelo</a:t>
+            </a:r>
+            <a:r>
+              <a:rPr lang="es-ES" sz="1300" b="1" dirty="0"/>
+              <a:t>($id)</a:t>
+            </a:r>
+          </a:p>
+          <a:p>
+            <a:pPr marL="191155" lvl="2">
+              <a:lnSpc>
+                <a:spcPct val="30000"/>
+              </a:lnSpc>
+            </a:pPr>
+            <a:r>
+              <a:rPr lang="es-ES" sz="1300" b="1" dirty="0"/>
+              <a:t>{</a:t>
+            </a:r>
+          </a:p>
+          <a:p>
+            <a:pPr marL="304802" lvl="4">
+              <a:lnSpc>
+                <a:spcPct val="30000"/>
+              </a:lnSpc>
+            </a:pPr>
+            <a:r>
+              <a:rPr lang="es-ES" sz="1300" b="1" dirty="0"/>
+              <a:t>$</a:t>
+            </a:r>
+            <a:r>
+              <a:rPr lang="es-ES" sz="1300" b="1" dirty="0" err="1"/>
+              <a:t>flight</a:t>
+            </a:r>
+            <a:r>
+              <a:rPr lang="es-ES" sz="1300" b="1" dirty="0"/>
+              <a:t> = Flight::</a:t>
+            </a:r>
+            <a:r>
+              <a:rPr lang="es-ES" sz="1300" b="1" dirty="0" err="1"/>
+              <a:t>findOrFail</a:t>
+            </a:r>
+            <a:r>
+              <a:rPr lang="es-ES" sz="1300" b="1" dirty="0"/>
+              <a:t>($id);</a:t>
+            </a:r>
+          </a:p>
+          <a:p>
+            <a:pPr marL="304802" lvl="4">
+              <a:lnSpc>
+                <a:spcPct val="30000"/>
+              </a:lnSpc>
+            </a:pPr>
+            <a:br>
+              <a:rPr lang="es-ES" sz="1300" b="1" dirty="0"/>
+            </a:br>
+            <a:r>
+              <a:rPr lang="es-ES" sz="1300" b="1" dirty="0"/>
+              <a:t>$</a:t>
+            </a:r>
+            <a:r>
+              <a:rPr lang="es-ES" sz="1300" b="1" dirty="0" err="1"/>
+              <a:t>flight</a:t>
+            </a:r>
+            <a:r>
+              <a:rPr lang="es-ES" sz="1300" b="1" dirty="0"/>
+              <a:t>-&gt;cancelado = 1;</a:t>
+            </a:r>
+          </a:p>
+          <a:p>
+            <a:pPr marL="304802" lvl="4">
+              <a:lnSpc>
+                <a:spcPct val="30000"/>
+              </a:lnSpc>
+            </a:pPr>
+            <a:r>
+              <a:rPr lang="es-ES" sz="1300" b="1" dirty="0"/>
+              <a:t>$</a:t>
+            </a:r>
+            <a:r>
+              <a:rPr lang="es-ES" sz="1300" b="1" dirty="0" err="1"/>
+              <a:t>flight</a:t>
+            </a:r>
+            <a:r>
+              <a:rPr lang="es-ES" sz="1300" b="1" dirty="0"/>
+              <a:t>-&gt;</a:t>
+            </a:r>
+            <a:r>
+              <a:rPr lang="es-ES" sz="1300" b="1" dirty="0" err="1"/>
+              <a:t>save</a:t>
+            </a:r>
+            <a:r>
+              <a:rPr lang="es-ES" sz="1300" b="1" dirty="0"/>
+              <a:t>();</a:t>
+            </a:r>
+          </a:p>
+          <a:p>
+            <a:pPr marL="191155" lvl="2">
+              <a:lnSpc>
+                <a:spcPct val="30000"/>
+              </a:lnSpc>
+            </a:pPr>
+            <a:r>
+              <a:rPr lang="es-ES" sz="1300" b="1" dirty="0"/>
+              <a:t>}</a:t>
+            </a:r>
+          </a:p>
+          <a:p>
+            <a:pPr marL="0" indent="0">
+              <a:lnSpc>
+                <a:spcPct val="30000"/>
+              </a:lnSpc>
+              <a:buNone/>
+            </a:pPr>
+            <a:r>
+              <a:rPr lang="es-ES" sz="1300" b="1" dirty="0"/>
+              <a:t>}</a:t>
+            </a:r>
+          </a:p>
+        </p:txBody>
+      </p:sp>
+      <p:sp>
+        <p:nvSpPr>
+          <p:cNvPr id="7" name="CuadroTexto 6">
+            <a:extLst>
+              <a:ext uri="{FF2B5EF4-FFF2-40B4-BE49-F238E27FC236}">
+                <a16:creationId xmlns:a16="http://schemas.microsoft.com/office/drawing/2014/main" id="{F51CF630-608E-496C-B567-225147D80DA6}"/>
+              </a:ext>
+            </a:extLst>
+          </p:cNvPr>
+          <p:cNvSpPr txBox="1"/>
+          <p:nvPr/>
+        </p:nvSpPr>
+        <p:spPr>
+          <a:xfrm>
+            <a:off x="227978" y="4311728"/>
+            <a:ext cx="4680125" cy="1200327"/>
+          </a:xfrm>
+          <a:prstGeom prst="rect">
+            <a:avLst/>
+          </a:prstGeom>
+          <a:ln/>
+        </p:spPr>
+        <p:style>
+          <a:lnRef idx="1">
+            <a:schemeClr val="accent2"/>
+          </a:lnRef>
+          <a:fillRef idx="2">
+            <a:schemeClr val="accent2"/>
+          </a:fillRef>
+          <a:effectRef idx="1">
+            <a:schemeClr val="accent2"/>
+          </a:effectRef>
+          <a:fontRef idx="minor">
+            <a:schemeClr val="dk1"/>
+          </a:fontRef>
+        </p:style>
+        <p:txBody>
+          <a:bodyPr rot="0" spcFirstLastPara="1" vertOverflow="overflow" horzOverflow="overflow" vert="horz" wrap="none" lIns="45719" tIns="45719" rIns="45719" bIns="45719" numCol="1" spcCol="38100" rtlCol="0" anchor="t">
+            <a:spAutoFit/>
+          </a:bodyPr>
+          <a:lstStyle/>
+          <a:p>
+            <a:r>
+              <a:rPr lang="es-ES" sz="1200" b="1" dirty="0">
+                <a:latin typeface="Consolas" panose="020B0609020204030204" pitchFamily="49" charset="0"/>
+              </a:rPr>
+              <a:t>// busca de entre todos los vuelos cual está cancelado</a:t>
+            </a:r>
+          </a:p>
+          <a:p>
+            <a:r>
+              <a:rPr lang="es-ES" sz="1200" b="1" dirty="0" err="1">
+                <a:latin typeface="Consolas" panose="020B0609020204030204" pitchFamily="49" charset="0"/>
+              </a:rPr>
+              <a:t>static</a:t>
+            </a:r>
+            <a:r>
+              <a:rPr lang="es-ES" sz="1200" b="1" dirty="0">
+                <a:latin typeface="Consolas" panose="020B0609020204030204" pitchFamily="49" charset="0"/>
+              </a:rPr>
+              <a:t> </a:t>
+            </a:r>
+            <a:r>
+              <a:rPr lang="es-ES" sz="1200" b="1" dirty="0" err="1">
+                <a:latin typeface="Consolas" panose="020B0609020204030204" pitchFamily="49" charset="0"/>
+              </a:rPr>
+              <a:t>public</a:t>
+            </a:r>
+            <a:r>
+              <a:rPr lang="es-ES" sz="1200" b="1" dirty="0">
+                <a:latin typeface="Consolas" panose="020B0609020204030204" pitchFamily="49" charset="0"/>
+              </a:rPr>
+              <a:t> </a:t>
+            </a:r>
+            <a:r>
+              <a:rPr lang="es-ES" sz="1200" b="1" i="1" dirty="0" err="1">
+                <a:latin typeface="Consolas" panose="020B0609020204030204" pitchFamily="49" charset="0"/>
+              </a:rPr>
+              <a:t>function</a:t>
+            </a:r>
+            <a:r>
+              <a:rPr lang="es-ES" sz="1200" b="1" dirty="0">
+                <a:latin typeface="Consolas" panose="020B0609020204030204" pitchFamily="49" charset="0"/>
+              </a:rPr>
+              <a:t> </a:t>
+            </a:r>
+            <a:r>
+              <a:rPr lang="es-ES" sz="1200" b="1" dirty="0" err="1">
+                <a:latin typeface="Consolas" panose="020B0609020204030204" pitchFamily="49" charset="0"/>
+              </a:rPr>
+              <a:t>allFlight</a:t>
+            </a:r>
+            <a:r>
+              <a:rPr lang="es-ES" sz="1200" b="1" dirty="0">
+                <a:latin typeface="Consolas" panose="020B0609020204030204" pitchFamily="49" charset="0"/>
+              </a:rPr>
+              <a:t>()</a:t>
+            </a:r>
+          </a:p>
+          <a:p>
+            <a:r>
+              <a:rPr lang="es-ES" sz="1200" b="1" dirty="0">
+                <a:latin typeface="Consolas" panose="020B0609020204030204" pitchFamily="49" charset="0"/>
+              </a:rPr>
+              <a:t>{</a:t>
+            </a:r>
+          </a:p>
+          <a:p>
+            <a:pPr lvl="1"/>
+            <a:r>
+              <a:rPr lang="es-ES" sz="1200" b="1" dirty="0">
+                <a:latin typeface="Consolas" panose="020B0609020204030204" pitchFamily="49" charset="0"/>
+              </a:rPr>
+              <a:t>$</a:t>
+            </a:r>
+            <a:r>
+              <a:rPr lang="es-ES" sz="1200" b="1" dirty="0" err="1">
+                <a:latin typeface="Consolas" panose="020B0609020204030204" pitchFamily="49" charset="0"/>
+              </a:rPr>
+              <a:t>flight</a:t>
+            </a:r>
+            <a:r>
+              <a:rPr lang="es-ES" sz="1200" b="1" dirty="0">
+                <a:latin typeface="Consolas" panose="020B0609020204030204" pitchFamily="49" charset="0"/>
+              </a:rPr>
+              <a:t> = </a:t>
+            </a:r>
+            <a:r>
+              <a:rPr lang="es-ES" sz="1200" b="1" i="1" dirty="0">
+                <a:latin typeface="Consolas" panose="020B0609020204030204" pitchFamily="49" charset="0"/>
+              </a:rPr>
+              <a:t>F</a:t>
+            </a:r>
+            <a:r>
+              <a:rPr lang="es-ES" sz="1200" b="1" dirty="0">
+                <a:latin typeface="Consolas" panose="020B0609020204030204" pitchFamily="49" charset="0"/>
+              </a:rPr>
+              <a:t>::all()-&gt;where('cancelado', '=', 1);</a:t>
+            </a:r>
+          </a:p>
+          <a:p>
+            <a:pPr lvl="1"/>
+            <a:r>
+              <a:rPr lang="es-ES" sz="1200" b="1" dirty="0" err="1">
+                <a:latin typeface="Consolas" panose="020B0609020204030204" pitchFamily="49" charset="0"/>
+              </a:rPr>
+              <a:t>return</a:t>
+            </a:r>
+            <a:r>
+              <a:rPr lang="es-ES" sz="1200" b="1" dirty="0">
+                <a:latin typeface="Consolas" panose="020B0609020204030204" pitchFamily="49" charset="0"/>
+              </a:rPr>
+              <a:t> $</a:t>
+            </a:r>
+            <a:r>
+              <a:rPr lang="es-ES" sz="1200" b="1" dirty="0" err="1">
+                <a:latin typeface="Consolas" panose="020B0609020204030204" pitchFamily="49" charset="0"/>
+              </a:rPr>
+              <a:t>flight</a:t>
+            </a:r>
+            <a:r>
+              <a:rPr lang="es-ES" sz="1200" b="1" dirty="0">
+                <a:latin typeface="Consolas" panose="020B0609020204030204" pitchFamily="49" charset="0"/>
+              </a:rPr>
+              <a:t>;</a:t>
+            </a:r>
+          </a:p>
+          <a:p>
+            <a:r>
+              <a:rPr lang="es-ES" sz="1200" b="1" dirty="0">
+                <a:latin typeface="Consolas" panose="020B0609020204030204" pitchFamily="49" charset="0"/>
+              </a:rPr>
+              <a:t>}</a:t>
+            </a:r>
+          </a:p>
+        </p:txBody>
+      </p:sp>
+      <p:sp>
+        <p:nvSpPr>
+          <p:cNvPr id="8" name="CuadroTexto 7">
+            <a:extLst>
+              <a:ext uri="{FF2B5EF4-FFF2-40B4-BE49-F238E27FC236}">
+                <a16:creationId xmlns:a16="http://schemas.microsoft.com/office/drawing/2014/main" id="{BA40A9C2-BD1C-4F47-BC5C-7744F38DDDD5}"/>
+              </a:ext>
+            </a:extLst>
+          </p:cNvPr>
+          <p:cNvSpPr txBox="1"/>
+          <p:nvPr/>
+        </p:nvSpPr>
+        <p:spPr>
+          <a:xfrm>
+            <a:off x="227978" y="5722301"/>
+            <a:ext cx="7137646" cy="1015661"/>
+          </a:xfrm>
+          <a:prstGeom prst="rect">
+            <a:avLst/>
+          </a:prstGeom>
+          <a:ln/>
+        </p:spPr>
+        <p:style>
+          <a:lnRef idx="1">
+            <a:schemeClr val="accent2"/>
+          </a:lnRef>
+          <a:fillRef idx="2">
+            <a:schemeClr val="accent2"/>
+          </a:fillRef>
+          <a:effectRef idx="1">
+            <a:schemeClr val="accent2"/>
+          </a:effectRef>
+          <a:fontRef idx="minor">
+            <a:schemeClr val="dk1"/>
+          </a:fontRef>
+        </p:style>
+        <p:txBody>
+          <a:bodyPr rot="0" spcFirstLastPara="1" vertOverflow="overflow" horzOverflow="overflow" vert="horz" wrap="square" lIns="45719" tIns="45719" rIns="45719" bIns="45719" numCol="1" spcCol="38100" rtlCol="0" anchor="t">
+            <a:spAutoFit/>
+          </a:bodyPr>
+          <a:lstStyle/>
+          <a:p>
+            <a:r>
+              <a:rPr lang="es-ES" sz="1200" b="1" dirty="0">
+                <a:latin typeface="Consolas" panose="020B0609020204030204" pitchFamily="49" charset="0"/>
+              </a:rPr>
+              <a:t>@</a:t>
+            </a:r>
+            <a:r>
+              <a:rPr lang="es-ES" sz="1200" b="1" dirty="0" err="1">
+                <a:latin typeface="Consolas" panose="020B0609020204030204" pitchFamily="49" charset="0"/>
+              </a:rPr>
+              <a:t>foreach</a:t>
+            </a:r>
+            <a:r>
+              <a:rPr lang="es-ES" sz="1200" b="1" dirty="0">
+                <a:latin typeface="Consolas" panose="020B0609020204030204" pitchFamily="49" charset="0"/>
+              </a:rPr>
+              <a:t> ($</a:t>
+            </a:r>
+            <a:r>
+              <a:rPr lang="es-ES" sz="1200" b="1" dirty="0" err="1">
+                <a:latin typeface="Consolas" panose="020B0609020204030204" pitchFamily="49" charset="0"/>
+              </a:rPr>
+              <a:t>flights</a:t>
+            </a:r>
+            <a:r>
+              <a:rPr lang="es-ES" sz="1200" b="1" dirty="0">
+                <a:latin typeface="Consolas" panose="020B0609020204030204" pitchFamily="49" charset="0"/>
+              </a:rPr>
+              <a:t>-&gt;</a:t>
+            </a:r>
+            <a:r>
+              <a:rPr lang="es-ES" sz="1200" b="1" dirty="0" err="1">
+                <a:latin typeface="Consolas" panose="020B0609020204030204" pitchFamily="49" charset="0"/>
+              </a:rPr>
+              <a:t>all</a:t>
+            </a:r>
+            <a:r>
+              <a:rPr lang="es-ES" sz="1200" b="1" dirty="0">
+                <a:latin typeface="Consolas" panose="020B0609020204030204" pitchFamily="49" charset="0"/>
+              </a:rPr>
+              <a:t>() as $</a:t>
+            </a:r>
+            <a:r>
+              <a:rPr lang="es-ES" sz="1200" b="1" dirty="0" err="1">
+                <a:latin typeface="Consolas" panose="020B0609020204030204" pitchFamily="49" charset="0"/>
+              </a:rPr>
+              <a:t>flight</a:t>
+            </a:r>
+            <a:r>
+              <a:rPr lang="es-ES" sz="1200" b="1" dirty="0">
+                <a:latin typeface="Consolas" panose="020B0609020204030204" pitchFamily="49" charset="0"/>
+              </a:rPr>
+              <a:t>)</a:t>
+            </a:r>
+          </a:p>
+          <a:p>
+            <a:r>
+              <a:rPr lang="es-ES" sz="1200" b="1" dirty="0">
+                <a:latin typeface="Consolas" panose="020B0609020204030204" pitchFamily="49" charset="0"/>
+              </a:rPr>
+              <a:t>	&lt;</a:t>
+            </a:r>
+            <a:r>
+              <a:rPr lang="es-ES" sz="1200" b="1" dirty="0" err="1">
+                <a:latin typeface="Consolas" panose="020B0609020204030204" pitchFamily="49" charset="0"/>
+              </a:rPr>
+              <a:t>strong</a:t>
+            </a:r>
+            <a:r>
+              <a:rPr lang="es-ES" sz="1200" b="1" dirty="0">
+                <a:latin typeface="Consolas" panose="020B0609020204030204" pitchFamily="49" charset="0"/>
+              </a:rPr>
+              <a:t>&gt;ATENCIÓN,&lt;/</a:t>
+            </a:r>
+            <a:r>
+              <a:rPr lang="es-ES" sz="1200" b="1" dirty="0" err="1">
+                <a:latin typeface="Consolas" panose="020B0609020204030204" pitchFamily="49" charset="0"/>
+              </a:rPr>
+              <a:t>strong</a:t>
+            </a:r>
+            <a:r>
+              <a:rPr lang="es-ES" sz="1200" b="1" dirty="0">
+                <a:latin typeface="Consolas" panose="020B0609020204030204" pitchFamily="49" charset="0"/>
+              </a:rPr>
+              <a:t>&gt; </a:t>
+            </a:r>
+          </a:p>
+          <a:p>
+            <a:r>
+              <a:rPr lang="es-ES" sz="1200" b="1" dirty="0">
+                <a:latin typeface="Consolas" panose="020B0609020204030204" pitchFamily="49" charset="0"/>
+              </a:rPr>
+              <a:t>	&lt;p&gt;El vuelo {{$</a:t>
+            </a:r>
+            <a:r>
+              <a:rPr lang="es-ES" sz="1200" b="1" dirty="0" err="1">
+                <a:latin typeface="Consolas" panose="020B0609020204030204" pitchFamily="49" charset="0"/>
+              </a:rPr>
+              <a:t>flight</a:t>
+            </a:r>
+            <a:r>
+              <a:rPr lang="es-ES" sz="1200" b="1" dirty="0">
+                <a:latin typeface="Consolas" panose="020B0609020204030204" pitchFamily="49" charset="0"/>
+              </a:rPr>
+              <a:t>-&gt;id}}, {{$</a:t>
+            </a:r>
+            <a:r>
+              <a:rPr lang="es-ES" sz="1200" b="1" dirty="0" err="1">
+                <a:latin typeface="Consolas" panose="020B0609020204030204" pitchFamily="49" charset="0"/>
+              </a:rPr>
+              <a:t>flight</a:t>
+            </a:r>
+            <a:r>
+              <a:rPr lang="es-ES" sz="1200" b="1" dirty="0">
+                <a:latin typeface="Consolas" panose="020B0609020204030204" pitchFamily="49" charset="0"/>
+              </a:rPr>
+              <a:t>-&gt;</a:t>
+            </a:r>
+            <a:r>
+              <a:rPr lang="es-ES" sz="1200" b="1" dirty="0" err="1">
+                <a:latin typeface="Consolas" panose="020B0609020204030204" pitchFamily="49" charset="0"/>
+              </a:rPr>
+              <a:t>fecha_salida</a:t>
+            </a:r>
+            <a:r>
+              <a:rPr lang="es-ES" sz="1200" b="1" dirty="0">
+                <a:latin typeface="Consolas" panose="020B0609020204030204" pitchFamily="49" charset="0"/>
+              </a:rPr>
+              <a:t>}}, se ha cancelado. Debe</a:t>
+            </a:r>
+          </a:p>
+          <a:p>
+            <a:r>
+              <a:rPr lang="es-ES" sz="1200" b="1" dirty="0">
+                <a:latin typeface="Consolas" panose="020B0609020204030204" pitchFamily="49" charset="0"/>
+              </a:rPr>
+              <a:t>	informar a los pasajeros de la cancelación y posibilidades de reubicación.&lt;/p&gt;</a:t>
+            </a:r>
+          </a:p>
+          <a:p>
+            <a:r>
+              <a:rPr lang="es-ES" sz="1200" b="1" dirty="0">
+                <a:latin typeface="Consolas" panose="020B0609020204030204" pitchFamily="49" charset="0"/>
+              </a:rPr>
+              <a:t>@</a:t>
+            </a:r>
+            <a:r>
+              <a:rPr lang="es-ES" sz="1200" b="1" dirty="0" err="1">
+                <a:latin typeface="Consolas" panose="020B0609020204030204" pitchFamily="49" charset="0"/>
+              </a:rPr>
+              <a:t>endforeach</a:t>
+            </a:r>
+            <a:endParaRPr lang="es-ES" sz="1200" b="1" dirty="0">
+              <a:latin typeface="Consolas" panose="020B0609020204030204" pitchFamily="49" charset="0"/>
+            </a:endParaRPr>
+          </a:p>
+        </p:txBody>
+      </p:sp>
+    </p:spTree>
+    <p:extLst>
+      <p:ext uri="{BB962C8B-B14F-4D97-AF65-F5344CB8AC3E}">
+        <p14:creationId xmlns:p14="http://schemas.microsoft.com/office/powerpoint/2010/main" val="1061306069"/>
+      </p:ext>
+    </p:extLst>
+  </p:cSld>
+  <p:clrMapOvr>
+    <a:masterClrMapping/>
+  </p:clrMapOvr>
+  <p:transition spd="med"/>
+</p:sld>
+</file>
+
+<file path=ppt/slides/slide13.xml><?xml version="1.0" encoding="utf-8"?>
+<p:sld xmlns:a="http://schemas.openxmlformats.org/drawingml/2006/main" xmlns:r="http://schemas.openxmlformats.org/officeDocument/2006/relationships" xmlns:p="http://schemas.openxmlformats.org/presentationml/2006/main">
+  <p:cSld>
+    <p:spTree>
+      <p:nvGrpSpPr>
+        <p:cNvPr id="1" name=""/>
+        <p:cNvGrpSpPr/>
+        <p:nvPr/>
+      </p:nvGrpSpPr>
+      <p:grpSpPr>
+        <a:xfrm>
+          <a:off x="0" y="0"/>
+          <a:ext cx="0" cy="0"/>
+          <a:chOff x="0" y="0"/>
+          <a:chExt cx="0" cy="0"/>
+        </a:xfrm>
+      </p:grpSpPr>
+      <p:pic>
+        <p:nvPicPr>
+          <p:cNvPr id="4" name="Imagen 3" descr="Imagen que contiene captura de pantalla&#10;&#10;Descripción generada automáticamente">
+            <a:extLst>
+              <a:ext uri="{FF2B5EF4-FFF2-40B4-BE49-F238E27FC236}">
+                <a16:creationId xmlns:a16="http://schemas.microsoft.com/office/drawing/2014/main" id="{E3285937-BA2F-4FFB-A4A8-7676CD88FDDF}"/>
+              </a:ext>
+            </a:extLst>
+          </p:cNvPr>
+          <p:cNvPicPr>
+            <a:picLocks noChangeAspect="1"/>
+          </p:cNvPicPr>
+          <p:nvPr/>
+        </p:nvPicPr>
+        <p:blipFill>
+          <a:blip r:embed="rId2">
+            <a:extLst>
+              <a:ext uri="{28A0092B-C50C-407E-A947-70E740481C1C}">
+                <a14:useLocalDpi xmlns:a14="http://schemas.microsoft.com/office/drawing/2010/main" val="0"/>
+              </a:ext>
+            </a:extLst>
+          </a:blip>
+          <a:stretch>
+            <a:fillRect/>
+          </a:stretch>
+        </p:blipFill>
+        <p:spPr>
+          <a:xfrm>
+            <a:off x="1162947" y="-26633"/>
+            <a:ext cx="11036035" cy="6626354"/>
+          </a:xfrm>
+          <a:prstGeom prst="rect">
+            <a:avLst/>
+          </a:prstGeom>
+        </p:spPr>
+      </p:pic>
+      <p:sp>
+        <p:nvSpPr>
+          <p:cNvPr id="5" name="Marcador de texto 2">
+            <a:extLst>
+              <a:ext uri="{FF2B5EF4-FFF2-40B4-BE49-F238E27FC236}">
+                <a16:creationId xmlns:a16="http://schemas.microsoft.com/office/drawing/2014/main" id="{4FC1FAEF-ABEA-42F4-A739-2ECD57894E08}"/>
+              </a:ext>
+            </a:extLst>
+          </p:cNvPr>
+          <p:cNvSpPr txBox="1">
+            <a:spLocks/>
+          </p:cNvSpPr>
+          <p:nvPr/>
+        </p:nvSpPr>
+        <p:spPr>
+          <a:xfrm>
+            <a:off x="222663" y="1135490"/>
+            <a:ext cx="3068478" cy="2072937"/>
+          </a:xfrm>
+          <a:prstGeom prst="rect">
+            <a:avLst/>
+          </a:prstGeom>
+          <a:ln/>
+        </p:spPr>
+        <p:style>
+          <a:lnRef idx="1">
+            <a:schemeClr val="accent2"/>
+          </a:lnRef>
+          <a:fillRef idx="2">
+            <a:schemeClr val="accent2"/>
+          </a:fillRef>
+          <a:effectRef idx="1">
+            <a:schemeClr val="accent2"/>
+          </a:effectRef>
+          <a:fontRef idx="minor">
+            <a:schemeClr val="dk1"/>
+          </a:fontRef>
+        </p:style>
+        <p:txBody>
+          <a:bodyPr/>
+          <a:lstStyle>
+            <a:lvl1pPr marL="91439" marR="0" indent="-91439" algn="l" defTabSz="914400" rtl="0" latinLnBrk="0">
+              <a:lnSpc>
+                <a:spcPct val="90000"/>
+              </a:lnSpc>
+              <a:spcBef>
+                <a:spcPts val="1200"/>
+              </a:spcBef>
+              <a:spcAft>
+                <a:spcPts val="0"/>
+              </a:spcAft>
+              <a:buClr>
+                <a:schemeClr val="accent2"/>
+              </a:buClr>
+              <a:buSzPct val="100000"/>
+              <a:buFont typeface="Tw Cen MT"/>
+              <a:buChar char=" "/>
+              <a:tabLst/>
+              <a:defRPr sz="2200" b="0" i="0" u="none" strike="noStrike" cap="none" spc="0" baseline="0">
+                <a:ln>
+                  <a:noFill/>
+                </a:ln>
+                <a:solidFill>
+                  <a:srgbClr val="2E2B21"/>
+                </a:solidFill>
+                <a:uFillTx/>
+                <a:latin typeface="Tw Cen MT"/>
+                <a:ea typeface="Tw Cen MT"/>
+                <a:cs typeface="Tw Cen MT"/>
+                <a:sym typeface="Tw Cen MT"/>
+              </a:defRPr>
+            </a:lvl1pPr>
+            <a:lvl2pPr marL="295655" marR="0" indent="-167639" algn="l" defTabSz="914400" rtl="0" latinLnBrk="0">
+              <a:lnSpc>
+                <a:spcPct val="90000"/>
+              </a:lnSpc>
+              <a:spcBef>
+                <a:spcPts val="1200"/>
+              </a:spcBef>
+              <a:spcAft>
+                <a:spcPts val="0"/>
+              </a:spcAft>
+              <a:buClr>
+                <a:schemeClr val="accent2"/>
+              </a:buClr>
+              <a:buSzPct val="100000"/>
+              <a:buFont typeface="Tw Cen MT"/>
+              <a:buChar char=""/>
+              <a:tabLst/>
+              <a:defRPr sz="2200" b="0" i="0" u="none" strike="noStrike" cap="none" spc="0" baseline="0">
+                <a:ln>
+                  <a:noFill/>
+                </a:ln>
+                <a:solidFill>
+                  <a:srgbClr val="2E2B21"/>
+                </a:solidFill>
+                <a:uFillTx/>
+                <a:latin typeface="Tw Cen MT"/>
+                <a:ea typeface="Tw Cen MT"/>
+                <a:cs typeface="Tw Cen MT"/>
+                <a:sym typeface="Tw Cen MT"/>
+              </a:defRPr>
+            </a:lvl2pPr>
+            <a:lvl3pPr marL="526433" marR="0" indent="-215537" algn="l" defTabSz="914400" rtl="0" latinLnBrk="0">
+              <a:lnSpc>
+                <a:spcPct val="90000"/>
+              </a:lnSpc>
+              <a:spcBef>
+                <a:spcPts val="1200"/>
+              </a:spcBef>
+              <a:spcAft>
+                <a:spcPts val="0"/>
+              </a:spcAft>
+              <a:buClr>
+                <a:schemeClr val="accent2"/>
+              </a:buClr>
+              <a:buSzPct val="100000"/>
+              <a:buFont typeface="Tw Cen MT"/>
+              <a:buChar char=""/>
+              <a:tabLst/>
+              <a:defRPr sz="2200" b="0" i="0" u="none" strike="noStrike" cap="none" spc="0" baseline="0">
+                <a:ln>
+                  <a:noFill/>
+                </a:ln>
+                <a:solidFill>
+                  <a:srgbClr val="2E2B21"/>
+                </a:solidFill>
+                <a:uFillTx/>
+                <a:latin typeface="Tw Cen MT"/>
+                <a:ea typeface="Tw Cen MT"/>
+                <a:cs typeface="Tw Cen MT"/>
+                <a:sym typeface="Tw Cen MT"/>
+              </a:defRPr>
+            </a:lvl3pPr>
+            <a:lvl4pPr marL="672737" marR="0" indent="-215537" algn="l" defTabSz="914400" rtl="0" latinLnBrk="0">
+              <a:lnSpc>
+                <a:spcPct val="90000"/>
+              </a:lnSpc>
+              <a:spcBef>
+                <a:spcPts val="1200"/>
+              </a:spcBef>
+              <a:spcAft>
+                <a:spcPts val="0"/>
+              </a:spcAft>
+              <a:buClr>
+                <a:schemeClr val="accent2"/>
+              </a:buClr>
+              <a:buSzPct val="100000"/>
+              <a:buFont typeface="Tw Cen MT"/>
+              <a:buChar char=""/>
+              <a:tabLst/>
+              <a:defRPr sz="2200" b="0" i="0" u="none" strike="noStrike" cap="none" spc="0" baseline="0">
+                <a:ln>
+                  <a:noFill/>
+                </a:ln>
+                <a:solidFill>
+                  <a:srgbClr val="2E2B21"/>
+                </a:solidFill>
+                <a:uFillTx/>
+                <a:latin typeface="Tw Cen MT"/>
+                <a:ea typeface="Tw Cen MT"/>
+                <a:cs typeface="Tw Cen MT"/>
+                <a:sym typeface="Tw Cen MT"/>
+              </a:defRPr>
+            </a:lvl4pPr>
+            <a:lvl5pPr marL="855617" marR="0" indent="-215537" algn="l" defTabSz="914400" rtl="0" latinLnBrk="0">
+              <a:lnSpc>
+                <a:spcPct val="90000"/>
+              </a:lnSpc>
+              <a:spcBef>
+                <a:spcPts val="1200"/>
+              </a:spcBef>
+              <a:spcAft>
+                <a:spcPts val="0"/>
+              </a:spcAft>
+              <a:buClr>
+                <a:schemeClr val="accent2"/>
+              </a:buClr>
+              <a:buSzPct val="100000"/>
+              <a:buFont typeface="Tw Cen MT"/>
+              <a:buChar char=""/>
+              <a:tabLst/>
+              <a:defRPr sz="2200" b="0" i="0" u="none" strike="noStrike" cap="none" spc="0" baseline="0">
+                <a:ln>
+                  <a:noFill/>
+                </a:ln>
+                <a:solidFill>
+                  <a:srgbClr val="2E2B21"/>
+                </a:solidFill>
+                <a:uFillTx/>
+                <a:latin typeface="Tw Cen MT"/>
+                <a:ea typeface="Tw Cen MT"/>
+                <a:cs typeface="Tw Cen MT"/>
+                <a:sym typeface="Tw Cen MT"/>
+              </a:defRPr>
+            </a:lvl5pPr>
+            <a:lvl6pPr marL="992777" marR="0" indent="-215537" algn="l" defTabSz="914400" rtl="0" latinLnBrk="0">
+              <a:lnSpc>
+                <a:spcPct val="90000"/>
+              </a:lnSpc>
+              <a:spcBef>
+                <a:spcPts val="1200"/>
+              </a:spcBef>
+              <a:spcAft>
+                <a:spcPts val="0"/>
+              </a:spcAft>
+              <a:buClr>
+                <a:schemeClr val="accent2"/>
+              </a:buClr>
+              <a:buSzPct val="100000"/>
+              <a:buFont typeface="Tw Cen MT"/>
+              <a:buChar char=""/>
+              <a:tabLst/>
+              <a:defRPr sz="2200" b="0" i="0" u="none" strike="noStrike" cap="none" spc="0" baseline="0">
+                <a:ln>
+                  <a:noFill/>
+                </a:ln>
+                <a:solidFill>
+                  <a:srgbClr val="2E2B21"/>
+                </a:solidFill>
+                <a:uFillTx/>
+                <a:latin typeface="Tw Cen MT"/>
+                <a:ea typeface="Tw Cen MT"/>
+                <a:cs typeface="Tw Cen MT"/>
+                <a:sym typeface="Tw Cen MT"/>
+              </a:defRPr>
+            </a:lvl6pPr>
+            <a:lvl7pPr marL="1139081" marR="0" indent="-215537" algn="l" defTabSz="914400" rtl="0" latinLnBrk="0">
+              <a:lnSpc>
+                <a:spcPct val="90000"/>
+              </a:lnSpc>
+              <a:spcBef>
+                <a:spcPts val="1200"/>
+              </a:spcBef>
+              <a:spcAft>
+                <a:spcPts val="0"/>
+              </a:spcAft>
+              <a:buClr>
+                <a:schemeClr val="accent2"/>
+              </a:buClr>
+              <a:buSzPct val="100000"/>
+              <a:buFont typeface="Tw Cen MT"/>
+              <a:buChar char=""/>
+              <a:tabLst/>
+              <a:defRPr sz="2200" b="0" i="0" u="none" strike="noStrike" cap="none" spc="0" baseline="0">
+                <a:ln>
+                  <a:noFill/>
+                </a:ln>
+                <a:solidFill>
+                  <a:srgbClr val="2E2B21"/>
+                </a:solidFill>
+                <a:uFillTx/>
+                <a:latin typeface="Tw Cen MT"/>
+                <a:ea typeface="Tw Cen MT"/>
+                <a:cs typeface="Tw Cen MT"/>
+                <a:sym typeface="Tw Cen MT"/>
+              </a:defRPr>
+            </a:lvl7pPr>
+            <a:lvl8pPr marL="1294529" marR="0" indent="-215537" algn="l" defTabSz="914400" rtl="0" latinLnBrk="0">
+              <a:lnSpc>
+                <a:spcPct val="90000"/>
+              </a:lnSpc>
+              <a:spcBef>
+                <a:spcPts val="1200"/>
+              </a:spcBef>
+              <a:spcAft>
+                <a:spcPts val="0"/>
+              </a:spcAft>
+              <a:buClr>
+                <a:schemeClr val="accent2"/>
+              </a:buClr>
+              <a:buSzPct val="100000"/>
+              <a:buFont typeface="Tw Cen MT"/>
+              <a:buChar char=""/>
+              <a:tabLst/>
+              <a:defRPr sz="2200" b="0" i="0" u="none" strike="noStrike" cap="none" spc="0" baseline="0">
+                <a:ln>
+                  <a:noFill/>
+                </a:ln>
+                <a:solidFill>
+                  <a:srgbClr val="2E2B21"/>
+                </a:solidFill>
+                <a:uFillTx/>
+                <a:latin typeface="Tw Cen MT"/>
+                <a:ea typeface="Tw Cen MT"/>
+                <a:cs typeface="Tw Cen MT"/>
+                <a:sym typeface="Tw Cen MT"/>
+              </a:defRPr>
+            </a:lvl8pPr>
+            <a:lvl9pPr marL="1440833" marR="0" indent="-215537" algn="l" defTabSz="914400" rtl="0" latinLnBrk="0">
+              <a:lnSpc>
+                <a:spcPct val="90000"/>
+              </a:lnSpc>
+              <a:spcBef>
+                <a:spcPts val="1200"/>
+              </a:spcBef>
+              <a:spcAft>
+                <a:spcPts val="0"/>
+              </a:spcAft>
+              <a:buClr>
+                <a:schemeClr val="accent2"/>
+              </a:buClr>
+              <a:buSzPct val="100000"/>
+              <a:buFont typeface="Tw Cen MT"/>
+              <a:buChar char=""/>
+              <a:tabLst/>
+              <a:defRPr sz="2200" b="0" i="0" u="none" strike="noStrike" cap="none" spc="0" baseline="0">
+                <a:ln>
+                  <a:noFill/>
+                </a:ln>
+                <a:solidFill>
+                  <a:srgbClr val="2E2B21"/>
+                </a:solidFill>
+                <a:uFillTx/>
+                <a:latin typeface="Tw Cen MT"/>
+                <a:ea typeface="Tw Cen MT"/>
+                <a:cs typeface="Tw Cen MT"/>
+                <a:sym typeface="Tw Cen MT"/>
+              </a:defRPr>
+            </a:lvl9pPr>
+          </a:lstStyle>
+          <a:p>
+            <a:pPr hangingPunct="1"/>
+            <a:r>
+              <a:rPr lang="es-ES" sz="1400" dirty="0">
+                <a:solidFill>
+                  <a:schemeClr val="tx1"/>
+                </a:solidFill>
+                <a:latin typeface="Consolas" panose="020B0609020204030204" pitchFamily="49" charset="0"/>
+              </a:rPr>
+              <a:t>MAIL_DRIVER=</a:t>
+            </a:r>
+            <a:r>
+              <a:rPr lang="es-ES" sz="1400" dirty="0" err="1">
+                <a:solidFill>
+                  <a:schemeClr val="tx1"/>
+                </a:solidFill>
+                <a:latin typeface="Consolas" panose="020B0609020204030204" pitchFamily="49" charset="0"/>
+              </a:rPr>
+              <a:t>smtp</a:t>
+            </a:r>
+            <a:endParaRPr lang="es-ES" sz="1400" dirty="0">
+              <a:solidFill>
+                <a:schemeClr val="tx1"/>
+              </a:solidFill>
+              <a:latin typeface="Consolas" panose="020B0609020204030204" pitchFamily="49" charset="0"/>
+            </a:endParaRPr>
+          </a:p>
+          <a:p>
+            <a:pPr hangingPunct="1"/>
+            <a:r>
+              <a:rPr lang="es-ES" sz="1400" dirty="0">
+                <a:solidFill>
+                  <a:schemeClr val="tx1"/>
+                </a:solidFill>
+                <a:latin typeface="Consolas" panose="020B0609020204030204" pitchFamily="49" charset="0"/>
+              </a:rPr>
+              <a:t>MAIL_HOST=smtp.mailtrap.io</a:t>
+            </a:r>
+          </a:p>
+          <a:p>
+            <a:pPr hangingPunct="1"/>
+            <a:r>
+              <a:rPr lang="es-ES" sz="1400" dirty="0">
+                <a:solidFill>
+                  <a:schemeClr val="tx1"/>
+                </a:solidFill>
+                <a:latin typeface="Consolas" panose="020B0609020204030204" pitchFamily="49" charset="0"/>
+              </a:rPr>
+              <a:t>MAIL_PORT=2525</a:t>
+            </a:r>
+          </a:p>
+          <a:p>
+            <a:pPr hangingPunct="1"/>
+            <a:r>
+              <a:rPr lang="es-ES" sz="1400" dirty="0">
+                <a:solidFill>
+                  <a:schemeClr val="tx1"/>
+                </a:solidFill>
+                <a:latin typeface="Consolas" panose="020B0609020204030204" pitchFamily="49" charset="0"/>
+              </a:rPr>
+              <a:t>MAIL_USERNAME=0253c56344b868</a:t>
+            </a:r>
+          </a:p>
+          <a:p>
+            <a:pPr hangingPunct="1"/>
+            <a:r>
+              <a:rPr lang="es-ES" sz="1400" dirty="0">
+                <a:solidFill>
+                  <a:schemeClr val="tx1"/>
+                </a:solidFill>
+                <a:latin typeface="Consolas" panose="020B0609020204030204" pitchFamily="49" charset="0"/>
+              </a:rPr>
+              <a:t>MAIL_PASSWORD=b72bb25378c83c</a:t>
+            </a:r>
+          </a:p>
+          <a:p>
+            <a:pPr hangingPunct="1"/>
+            <a:r>
+              <a:rPr lang="es-ES" sz="1400" dirty="0">
+                <a:solidFill>
+                  <a:schemeClr val="tx1"/>
+                </a:solidFill>
+                <a:latin typeface="Consolas" panose="020B0609020204030204" pitchFamily="49" charset="0"/>
+              </a:rPr>
+              <a:t>MAIL_ENCRYPTION=</a:t>
+            </a:r>
+            <a:r>
+              <a:rPr lang="es-ES" sz="1400" dirty="0" err="1">
+                <a:solidFill>
+                  <a:schemeClr val="tx1"/>
+                </a:solidFill>
+                <a:latin typeface="Consolas" panose="020B0609020204030204" pitchFamily="49" charset="0"/>
+              </a:rPr>
+              <a:t>tls</a:t>
+            </a:r>
+            <a:endParaRPr lang="es-ES" sz="1400" dirty="0">
+              <a:solidFill>
+                <a:schemeClr val="tx1"/>
+              </a:solidFill>
+              <a:latin typeface="Consolas" panose="020B0609020204030204" pitchFamily="49" charset="0"/>
+            </a:endParaRPr>
+          </a:p>
+          <a:p>
+            <a:pPr hangingPunct="1"/>
+            <a:endParaRPr lang="es-ES" dirty="0">
+              <a:latin typeface="Consolas" panose="020B0609020204030204" pitchFamily="49" charset="0"/>
+            </a:endParaRPr>
+          </a:p>
+        </p:txBody>
+      </p:sp>
+      <p:pic>
+        <p:nvPicPr>
+          <p:cNvPr id="6" name="Imagen 5">
+            <a:extLst>
+              <a:ext uri="{FF2B5EF4-FFF2-40B4-BE49-F238E27FC236}">
+                <a16:creationId xmlns:a16="http://schemas.microsoft.com/office/drawing/2014/main" id="{566D1EC5-905A-4E14-99C4-655E9FC8D7D5}"/>
+              </a:ext>
+            </a:extLst>
+          </p:cNvPr>
+          <p:cNvPicPr>
+            <a:picLocks noChangeAspect="1"/>
+          </p:cNvPicPr>
+          <p:nvPr/>
+        </p:nvPicPr>
+        <p:blipFill>
+          <a:blip r:embed="rId3"/>
+          <a:stretch>
+            <a:fillRect/>
+          </a:stretch>
+        </p:blipFill>
+        <p:spPr>
+          <a:xfrm>
+            <a:off x="371729" y="3286543"/>
+            <a:ext cx="5838825" cy="2333625"/>
+          </a:xfrm>
+          <a:prstGeom prst="rect">
+            <a:avLst/>
+          </a:prstGeom>
+        </p:spPr>
+      </p:pic>
+      <p:pic>
+        <p:nvPicPr>
+          <p:cNvPr id="7" name="Imagen 6">
+            <a:extLst>
+              <a:ext uri="{FF2B5EF4-FFF2-40B4-BE49-F238E27FC236}">
+                <a16:creationId xmlns:a16="http://schemas.microsoft.com/office/drawing/2014/main" id="{A9A79EE3-588C-477A-99AA-D0F1BA919194}"/>
+              </a:ext>
+            </a:extLst>
+          </p:cNvPr>
+          <p:cNvPicPr>
+            <a:picLocks noChangeAspect="1"/>
+          </p:cNvPicPr>
+          <p:nvPr/>
+        </p:nvPicPr>
+        <p:blipFill>
+          <a:blip r:embed="rId4"/>
+          <a:stretch>
+            <a:fillRect/>
+          </a:stretch>
+        </p:blipFill>
+        <p:spPr>
+          <a:xfrm>
+            <a:off x="580192" y="5412788"/>
+            <a:ext cx="5829300" cy="1409700"/>
+          </a:xfrm>
+          <a:prstGeom prst="rect">
+            <a:avLst/>
+          </a:prstGeom>
+        </p:spPr>
+      </p:pic>
+    </p:spTree>
+    <p:extLst>
+      <p:ext uri="{BB962C8B-B14F-4D97-AF65-F5344CB8AC3E}">
+        <p14:creationId xmlns:p14="http://schemas.microsoft.com/office/powerpoint/2010/main" val="3126754366"/>
+      </p:ext>
+    </p:extLst>
+  </p:cSld>
+  <p:clrMapOvr>
+    <a:masterClrMapping/>
+  </p:clrMapOvr>
+  <p:transition spd="med"/>
+</p:sld>
+</file>
+
+<file path=ppt/slides/slide14.xml><?xml version="1.0" encoding="utf-8"?>
+<p:sld xmlns:a="http://schemas.openxmlformats.org/drawingml/2006/main" xmlns:r="http://schemas.openxmlformats.org/officeDocument/2006/relationships" xmlns:p="http://schemas.openxmlformats.org/presentationml/2006/main">
+  <p:cSld>
+    <p:spTree>
+      <p:nvGrpSpPr>
+        <p:cNvPr id="1" name=""/>
+        <p:cNvGrpSpPr/>
+        <p:nvPr/>
+      </p:nvGrpSpPr>
+      <p:grpSpPr>
+        <a:xfrm>
+          <a:off x="0" y="0"/>
+          <a:ext cx="0" cy="0"/>
+          <a:chOff x="0" y="0"/>
+          <a:chExt cx="0" cy="0"/>
+        </a:xfrm>
+      </p:grpSpPr>
+      <p:sp>
+        <p:nvSpPr>
+          <p:cNvPr id="4" name="Rectángulo 3">
+            <a:extLst>
+              <a:ext uri="{FF2B5EF4-FFF2-40B4-BE49-F238E27FC236}">
+                <a16:creationId xmlns:a16="http://schemas.microsoft.com/office/drawing/2014/main" id="{4ACA9D94-FDD9-49B2-A1AC-E215353394AC}"/>
+              </a:ext>
+            </a:extLst>
+          </p:cNvPr>
+          <p:cNvSpPr/>
+          <p:nvPr/>
+        </p:nvSpPr>
+        <p:spPr>
+          <a:xfrm>
+            <a:off x="2954355" y="5581058"/>
+            <a:ext cx="5249415" cy="923330"/>
+          </a:xfrm>
+          <a:prstGeom prst="rect">
+            <a:avLst/>
+          </a:prstGeom>
+        </p:spPr>
+        <p:style>
+          <a:lnRef idx="1">
+            <a:schemeClr val="accent4"/>
+          </a:lnRef>
+          <a:fillRef idx="2">
+            <a:schemeClr val="accent4"/>
+          </a:fillRef>
+          <a:effectRef idx="1">
+            <a:schemeClr val="accent4"/>
+          </a:effectRef>
+          <a:fontRef idx="minor">
+            <a:schemeClr val="dk1"/>
+          </a:fontRef>
+        </p:style>
+        <p:txBody>
+          <a:bodyPr wrap="square">
+            <a:spAutoFit/>
+          </a:bodyPr>
+          <a:lstStyle/>
+          <a:p>
+            <a:r>
+              <a:rPr lang="en-US" i="1" dirty="0">
+                <a:solidFill>
+                  <a:srgbClr val="9966B8"/>
+                </a:solidFill>
+                <a:latin typeface="Droid Sans Mono"/>
+              </a:rPr>
+              <a:t>Route</a:t>
+            </a:r>
+            <a:r>
+              <a:rPr lang="en-US" dirty="0">
+                <a:solidFill>
+                  <a:srgbClr val="225588"/>
+                </a:solidFill>
+                <a:latin typeface="Droid Sans Mono"/>
+              </a:rPr>
+              <a:t>::</a:t>
+            </a:r>
+            <a:r>
+              <a:rPr lang="en-US" dirty="0">
+                <a:solidFill>
+                  <a:schemeClr val="tx1"/>
+                </a:solidFill>
+                <a:latin typeface="Droid Sans Mono"/>
+              </a:rPr>
+              <a:t>group</a:t>
+            </a:r>
+            <a:r>
+              <a:rPr lang="en-US" dirty="0">
+                <a:solidFill>
+                  <a:srgbClr val="6688CC"/>
+                </a:solidFill>
+                <a:latin typeface="Droid Sans Mono"/>
+              </a:rPr>
+              <a:t>([</a:t>
+            </a:r>
+            <a:r>
+              <a:rPr lang="en-US" dirty="0">
+                <a:solidFill>
+                  <a:srgbClr val="22AA44"/>
+                </a:solidFill>
+                <a:latin typeface="Droid Sans Mono"/>
+              </a:rPr>
+              <a:t>'middleware'</a:t>
+            </a:r>
+            <a:r>
+              <a:rPr lang="en-US" dirty="0">
+                <a:solidFill>
+                  <a:srgbClr val="6688CC"/>
+                </a:solidFill>
+                <a:latin typeface="Droid Sans Mono"/>
+              </a:rPr>
+              <a:t> </a:t>
+            </a:r>
+            <a:r>
+              <a:rPr lang="en-US" dirty="0">
+                <a:solidFill>
+                  <a:srgbClr val="225588"/>
+                </a:solidFill>
+                <a:latin typeface="Droid Sans Mono"/>
+              </a:rPr>
+              <a:t>=&gt;</a:t>
+            </a:r>
+            <a:r>
+              <a:rPr lang="en-US" dirty="0">
+                <a:solidFill>
+                  <a:srgbClr val="6688CC"/>
+                </a:solidFill>
+                <a:latin typeface="Droid Sans Mono"/>
+              </a:rPr>
+              <a:t> </a:t>
+            </a:r>
+            <a:r>
+              <a:rPr lang="en-US" dirty="0">
+                <a:solidFill>
+                  <a:srgbClr val="22AA44"/>
+                </a:solidFill>
+                <a:latin typeface="Droid Sans Mono"/>
+              </a:rPr>
+              <a:t>'auth'</a:t>
+            </a:r>
+            <a:r>
+              <a:rPr lang="en-US" dirty="0">
+                <a:solidFill>
+                  <a:srgbClr val="6688CC"/>
+                </a:solidFill>
+                <a:latin typeface="Droid Sans Mono"/>
+              </a:rPr>
+              <a:t>], </a:t>
+            </a:r>
+            <a:r>
+              <a:rPr lang="en-US" i="1" dirty="0">
+                <a:solidFill>
+                  <a:srgbClr val="9966B8"/>
+                </a:solidFill>
+                <a:latin typeface="Droid Sans Mono"/>
+              </a:rPr>
+              <a:t>function</a:t>
+            </a:r>
+            <a:r>
+              <a:rPr lang="en-US" dirty="0">
+                <a:solidFill>
+                  <a:srgbClr val="6688CC"/>
+                </a:solidFill>
+                <a:latin typeface="Droid Sans Mono"/>
+              </a:rPr>
+              <a:t>() {</a:t>
+            </a:r>
+          </a:p>
+          <a:p>
+            <a:r>
+              <a:rPr lang="en-US" dirty="0">
+                <a:solidFill>
+                  <a:srgbClr val="6688CC"/>
+                </a:solidFill>
+                <a:latin typeface="Droid Sans Mono"/>
+              </a:rPr>
+              <a:t>	…</a:t>
+            </a:r>
+          </a:p>
+          <a:p>
+            <a:r>
+              <a:rPr lang="en-US" dirty="0">
+                <a:solidFill>
+                  <a:srgbClr val="6688CC"/>
+                </a:solidFill>
+                <a:latin typeface="Droid Sans Mono"/>
+              </a:rPr>
+              <a:t>} </a:t>
+            </a:r>
+            <a:endParaRPr lang="en-US" dirty="0">
+              <a:solidFill>
+                <a:srgbClr val="BBBBBB"/>
+              </a:solidFill>
+              <a:latin typeface="Droid Sans Mono"/>
+            </a:endParaRPr>
+          </a:p>
+        </p:txBody>
+      </p:sp>
+      <p:sp>
+        <p:nvSpPr>
+          <p:cNvPr id="5" name="CuadroTexto 4">
+            <a:extLst>
+              <a:ext uri="{FF2B5EF4-FFF2-40B4-BE49-F238E27FC236}">
+                <a16:creationId xmlns:a16="http://schemas.microsoft.com/office/drawing/2014/main" id="{328403F1-31BA-4AE5-BEE9-64EF03D8B81A}"/>
+              </a:ext>
+            </a:extLst>
+          </p:cNvPr>
+          <p:cNvSpPr txBox="1"/>
+          <p:nvPr/>
+        </p:nvSpPr>
+        <p:spPr>
+          <a:xfrm>
+            <a:off x="135904" y="2413337"/>
+            <a:ext cx="2054087" cy="1477328"/>
+          </a:xfrm>
+          <a:prstGeom prst="rect">
+            <a:avLst/>
+          </a:prstGeom>
+          <a:noFill/>
+          <a:ln>
+            <a:solidFill>
+              <a:schemeClr val="tx1"/>
+            </a:solidFill>
+          </a:ln>
+        </p:spPr>
+        <p:txBody>
+          <a:bodyPr wrap="square" rtlCol="0">
+            <a:spAutoFit/>
+          </a:bodyPr>
+          <a:lstStyle/>
+          <a:p>
+            <a:pPr marL="285750" indent="-285750">
+              <a:buFont typeface="Wingdings" panose="05000000000000000000" pitchFamily="2" charset="2"/>
+              <a:buChar char="q"/>
+            </a:pPr>
+            <a:r>
+              <a:rPr lang="es-ES" dirty="0"/>
+              <a:t>UML</a:t>
+            </a:r>
+          </a:p>
+          <a:p>
+            <a:pPr marL="285750" indent="-285750">
+              <a:buFont typeface="Wingdings" panose="05000000000000000000" pitchFamily="2" charset="2"/>
+              <a:buChar char="q"/>
+            </a:pPr>
+            <a:r>
+              <a:rPr lang="es-ES" dirty="0"/>
+              <a:t>Funcionalidades</a:t>
+            </a:r>
+          </a:p>
+          <a:p>
+            <a:pPr marL="285750" indent="-285750">
+              <a:buFont typeface="Wingdings" panose="05000000000000000000" pitchFamily="2" charset="2"/>
+              <a:buChar char="q"/>
+            </a:pPr>
+            <a:r>
+              <a:rPr lang="es-ES" dirty="0"/>
+              <a:t>Demostración</a:t>
+            </a:r>
+          </a:p>
+          <a:p>
+            <a:pPr marL="285750" indent="-285750">
+              <a:buFont typeface="Wingdings" panose="05000000000000000000" pitchFamily="2" charset="2"/>
+              <a:buChar char="q"/>
+            </a:pPr>
+            <a:r>
+              <a:rPr lang="es-ES" b="1" dirty="0"/>
+              <a:t>Aspectos</a:t>
+            </a:r>
+          </a:p>
+          <a:p>
+            <a:pPr marL="285750" indent="-285750">
+              <a:buFont typeface="Wingdings" panose="05000000000000000000" pitchFamily="2" charset="2"/>
+              <a:buChar char="q"/>
+            </a:pPr>
+            <a:r>
+              <a:rPr lang="es-ES" dirty="0"/>
+              <a:t>Conclusiones</a:t>
+            </a:r>
+          </a:p>
+        </p:txBody>
+      </p:sp>
+      <p:sp>
+        <p:nvSpPr>
+          <p:cNvPr id="6" name="Rectángulo 5">
+            <a:extLst>
+              <a:ext uri="{FF2B5EF4-FFF2-40B4-BE49-F238E27FC236}">
+                <a16:creationId xmlns:a16="http://schemas.microsoft.com/office/drawing/2014/main" id="{7392909B-24D7-4E84-87BB-B37F2FA6FD44}"/>
+              </a:ext>
+            </a:extLst>
+          </p:cNvPr>
+          <p:cNvSpPr/>
+          <p:nvPr/>
+        </p:nvSpPr>
+        <p:spPr>
+          <a:xfrm>
+            <a:off x="2954355" y="723827"/>
+            <a:ext cx="5357557" cy="923330"/>
+          </a:xfrm>
+          <a:prstGeom prst="rect">
+            <a:avLst/>
+          </a:prstGeom>
+        </p:spPr>
+        <p:style>
+          <a:lnRef idx="1">
+            <a:schemeClr val="accent4"/>
+          </a:lnRef>
+          <a:fillRef idx="2">
+            <a:schemeClr val="accent4"/>
+          </a:fillRef>
+          <a:effectRef idx="1">
+            <a:schemeClr val="accent4"/>
+          </a:effectRef>
+          <a:fontRef idx="minor">
+            <a:schemeClr val="dk1"/>
+          </a:fontRef>
+        </p:style>
+        <p:txBody>
+          <a:bodyPr wrap="none">
+            <a:spAutoFit/>
+          </a:bodyPr>
+          <a:lstStyle/>
+          <a:p>
+            <a:r>
+              <a:rPr lang="en-US" i="1" dirty="0">
+                <a:solidFill>
+                  <a:srgbClr val="9966B8"/>
+                </a:solidFill>
+                <a:latin typeface="Droid Sans Mono"/>
+              </a:rPr>
+              <a:t>Route</a:t>
+            </a:r>
+            <a:r>
+              <a:rPr lang="en-US" dirty="0">
+                <a:solidFill>
+                  <a:srgbClr val="225588"/>
+                </a:solidFill>
+                <a:latin typeface="Droid Sans Mono"/>
+              </a:rPr>
+              <a:t>::</a:t>
+            </a:r>
+            <a:r>
+              <a:rPr lang="en-US" dirty="0">
+                <a:solidFill>
+                  <a:schemeClr val="tx1"/>
+                </a:solidFill>
+                <a:latin typeface="Droid Sans Mono"/>
+              </a:rPr>
+              <a:t>group</a:t>
+            </a:r>
+            <a:r>
+              <a:rPr lang="en-US" dirty="0">
+                <a:solidFill>
+                  <a:srgbClr val="6688CC"/>
+                </a:solidFill>
+                <a:latin typeface="Droid Sans Mono"/>
+              </a:rPr>
+              <a:t>([</a:t>
+            </a:r>
+            <a:r>
+              <a:rPr lang="en-US" dirty="0">
+                <a:solidFill>
+                  <a:srgbClr val="22AA44"/>
+                </a:solidFill>
+                <a:latin typeface="Droid Sans Mono"/>
+              </a:rPr>
+              <a:t>'middleware'</a:t>
+            </a:r>
+            <a:r>
+              <a:rPr lang="en-US" dirty="0">
+                <a:solidFill>
+                  <a:srgbClr val="6688CC"/>
+                </a:solidFill>
+                <a:latin typeface="Droid Sans Mono"/>
+              </a:rPr>
+              <a:t> </a:t>
+            </a:r>
+            <a:r>
+              <a:rPr lang="en-US" dirty="0">
+                <a:solidFill>
+                  <a:srgbClr val="225588"/>
+                </a:solidFill>
+                <a:latin typeface="Droid Sans Mono"/>
+              </a:rPr>
+              <a:t>=&gt;</a:t>
+            </a:r>
+            <a:r>
+              <a:rPr lang="en-US" dirty="0">
+                <a:solidFill>
+                  <a:srgbClr val="6688CC"/>
+                </a:solidFill>
+                <a:latin typeface="Droid Sans Mono"/>
+              </a:rPr>
+              <a:t> </a:t>
+            </a:r>
+            <a:r>
+              <a:rPr lang="en-US" dirty="0">
+                <a:solidFill>
+                  <a:srgbClr val="22AA44"/>
+                </a:solidFill>
+                <a:latin typeface="Droid Sans Mono"/>
+              </a:rPr>
+              <a:t>'admin'</a:t>
+            </a:r>
+            <a:r>
+              <a:rPr lang="en-US" dirty="0">
+                <a:solidFill>
+                  <a:srgbClr val="6688CC"/>
+                </a:solidFill>
+                <a:latin typeface="Droid Sans Mono"/>
+              </a:rPr>
+              <a:t>], </a:t>
+            </a:r>
+            <a:r>
+              <a:rPr lang="en-US" i="1" dirty="0">
+                <a:solidFill>
+                  <a:srgbClr val="9966B8"/>
+                </a:solidFill>
+                <a:latin typeface="Droid Sans Mono"/>
+              </a:rPr>
+              <a:t>function</a:t>
+            </a:r>
+            <a:r>
+              <a:rPr lang="en-US" dirty="0">
+                <a:solidFill>
+                  <a:srgbClr val="6688CC"/>
+                </a:solidFill>
+                <a:latin typeface="Droid Sans Mono"/>
+              </a:rPr>
+              <a:t>() {</a:t>
+            </a:r>
+          </a:p>
+          <a:p>
+            <a:r>
+              <a:rPr lang="en-US" dirty="0">
+                <a:solidFill>
+                  <a:srgbClr val="6688CC"/>
+                </a:solidFill>
+                <a:latin typeface="Droid Sans Mono"/>
+              </a:rPr>
+              <a:t>	…</a:t>
+            </a:r>
+          </a:p>
+          <a:p>
+            <a:r>
+              <a:rPr lang="en-US" dirty="0">
+                <a:solidFill>
+                  <a:srgbClr val="6688CC"/>
+                </a:solidFill>
+                <a:latin typeface="Droid Sans Mono"/>
+              </a:rPr>
+              <a:t>}</a:t>
+            </a:r>
+            <a:endParaRPr lang="en-US" dirty="0">
+              <a:solidFill>
+                <a:srgbClr val="BBBBBB"/>
+              </a:solidFill>
+              <a:latin typeface="Droid Sans Mono"/>
+            </a:endParaRPr>
+          </a:p>
+        </p:txBody>
+      </p:sp>
+      <p:sp>
+        <p:nvSpPr>
+          <p:cNvPr id="7" name="Rectángulo 6">
+            <a:extLst>
+              <a:ext uri="{FF2B5EF4-FFF2-40B4-BE49-F238E27FC236}">
+                <a16:creationId xmlns:a16="http://schemas.microsoft.com/office/drawing/2014/main" id="{FDEAD27F-A744-4F5A-9B57-A4B7E6A879CB}"/>
+              </a:ext>
+            </a:extLst>
+          </p:cNvPr>
+          <p:cNvSpPr/>
+          <p:nvPr/>
+        </p:nvSpPr>
+        <p:spPr>
+          <a:xfrm>
+            <a:off x="2900285" y="5042474"/>
+            <a:ext cx="6989439" cy="369332"/>
+          </a:xfrm>
+          <a:prstGeom prst="rect">
+            <a:avLst/>
+          </a:prstGeom>
+        </p:spPr>
+        <p:txBody>
+          <a:bodyPr wrap="square">
+            <a:spAutoFit/>
+          </a:bodyPr>
+          <a:lstStyle/>
+          <a:p>
+            <a:r>
+              <a:rPr lang="es-ES" b="1" dirty="0">
+                <a:solidFill>
+                  <a:schemeClr val="tx1"/>
+                </a:solidFill>
+                <a:latin typeface="Droid Sans Mono"/>
+              </a:rPr>
+              <a:t>Rutas para usuarios autenticados (administrador y clientes):</a:t>
+            </a:r>
+          </a:p>
+        </p:txBody>
+      </p:sp>
+      <p:sp>
+        <p:nvSpPr>
+          <p:cNvPr id="8" name="Rectángulo 7">
+            <a:extLst>
+              <a:ext uri="{FF2B5EF4-FFF2-40B4-BE49-F238E27FC236}">
+                <a16:creationId xmlns:a16="http://schemas.microsoft.com/office/drawing/2014/main" id="{DF1274D3-B1EA-4823-86C0-BDC896BFD0CD}"/>
+              </a:ext>
+            </a:extLst>
+          </p:cNvPr>
+          <p:cNvSpPr/>
+          <p:nvPr/>
+        </p:nvSpPr>
+        <p:spPr>
+          <a:xfrm>
+            <a:off x="2900285" y="341580"/>
+            <a:ext cx="4033176" cy="369332"/>
+          </a:xfrm>
+          <a:prstGeom prst="rect">
+            <a:avLst/>
+          </a:prstGeom>
+        </p:spPr>
+        <p:txBody>
+          <a:bodyPr wrap="square">
+            <a:spAutoFit/>
+          </a:bodyPr>
+          <a:lstStyle/>
+          <a:p>
+            <a:r>
+              <a:rPr lang="es-ES" b="1" dirty="0">
+                <a:solidFill>
+                  <a:schemeClr val="tx1"/>
+                </a:solidFill>
+                <a:latin typeface="Droid Sans Mono"/>
+              </a:rPr>
+              <a:t>Rutas para usuario administrador</a:t>
+            </a:r>
+          </a:p>
+        </p:txBody>
+      </p:sp>
+      <p:sp>
+        <p:nvSpPr>
+          <p:cNvPr id="9" name="CuadroTexto 8">
+            <a:extLst>
+              <a:ext uri="{FF2B5EF4-FFF2-40B4-BE49-F238E27FC236}">
+                <a16:creationId xmlns:a16="http://schemas.microsoft.com/office/drawing/2014/main" id="{3BD2BF70-E2B4-436A-AFF3-746119A253C7}"/>
+              </a:ext>
+            </a:extLst>
+          </p:cNvPr>
+          <p:cNvSpPr txBox="1"/>
+          <p:nvPr/>
+        </p:nvSpPr>
+        <p:spPr>
+          <a:xfrm>
+            <a:off x="2954355" y="1755033"/>
+            <a:ext cx="7140360" cy="3108541"/>
+          </a:xfrm>
+          <a:prstGeom prst="rect">
+            <a:avLst/>
+          </a:prstGeom>
+          <a:ln/>
+        </p:spPr>
+        <p:style>
+          <a:lnRef idx="1">
+            <a:schemeClr val="accent4"/>
+          </a:lnRef>
+          <a:fillRef idx="2">
+            <a:schemeClr val="accent4"/>
+          </a:fillRef>
+          <a:effectRef idx="1">
+            <a:schemeClr val="accent4"/>
+          </a:effectRef>
+          <a:fontRef idx="minor">
+            <a:schemeClr val="dk1"/>
+          </a:fontRef>
+        </p:style>
+        <p:txBody>
+          <a:bodyPr rot="0" spcFirstLastPara="1" vertOverflow="overflow" horzOverflow="overflow" vert="horz" wrap="square" lIns="45719" tIns="45719" rIns="45719" bIns="45719" numCol="1" spcCol="38100" rtlCol="0" anchor="t">
+            <a:spAutoFit/>
+          </a:bodyPr>
+          <a:lstStyle/>
+          <a:p>
+            <a:r>
+              <a:rPr lang="es-ES" sz="1400" dirty="0">
+                <a:solidFill>
+                  <a:srgbClr val="6688CC"/>
+                </a:solidFill>
+                <a:latin typeface="Droid Sans Mono"/>
+              </a:rPr>
+              <a:t>&lt;?</a:t>
+            </a:r>
+            <a:r>
+              <a:rPr lang="es-ES" sz="1400" dirty="0" err="1">
+                <a:solidFill>
+                  <a:srgbClr val="6688CC"/>
+                </a:solidFill>
+                <a:latin typeface="Droid Sans Mono"/>
+              </a:rPr>
+              <a:t>php</a:t>
+            </a:r>
+            <a:br>
+              <a:rPr lang="es-ES" sz="1400" dirty="0">
+                <a:solidFill>
+                  <a:srgbClr val="BBBBBB"/>
+                </a:solidFill>
+                <a:latin typeface="Droid Sans Mono"/>
+              </a:rPr>
+            </a:br>
+            <a:r>
+              <a:rPr lang="es-ES" sz="1400" dirty="0" err="1">
+                <a:solidFill>
+                  <a:srgbClr val="225588"/>
+                </a:solidFill>
+                <a:latin typeface="Droid Sans Mono"/>
+              </a:rPr>
+              <a:t>namespace</a:t>
+            </a:r>
+            <a:r>
+              <a:rPr lang="es-ES" sz="1400" dirty="0">
+                <a:solidFill>
+                  <a:srgbClr val="6688CC"/>
+                </a:solidFill>
+                <a:latin typeface="Droid Sans Mono"/>
+              </a:rPr>
+              <a:t> </a:t>
+            </a:r>
+            <a:r>
+              <a:rPr lang="es-ES" sz="1400" u="sng" dirty="0">
+                <a:solidFill>
+                  <a:schemeClr val="tx1"/>
+                </a:solidFill>
+                <a:latin typeface="Droid Sans Mono"/>
+              </a:rPr>
+              <a:t>App\Http\Middleware</a:t>
+            </a:r>
+            <a:r>
+              <a:rPr lang="es-ES" sz="1400" dirty="0">
+                <a:solidFill>
+                  <a:srgbClr val="6688CC"/>
+                </a:solidFill>
+                <a:latin typeface="Droid Sans Mono"/>
+              </a:rPr>
+              <a:t>;</a:t>
+            </a:r>
+            <a:br>
+              <a:rPr lang="es-ES" sz="1400" dirty="0">
+                <a:solidFill>
+                  <a:srgbClr val="BBBBBB"/>
+                </a:solidFill>
+                <a:latin typeface="Droid Sans Mono"/>
+              </a:rPr>
+            </a:br>
+            <a:r>
+              <a:rPr lang="es-ES" sz="1400" dirty="0">
+                <a:solidFill>
+                  <a:srgbClr val="225588"/>
+                </a:solidFill>
+                <a:latin typeface="Droid Sans Mono"/>
+              </a:rPr>
+              <a:t>use</a:t>
+            </a:r>
+            <a:r>
+              <a:rPr lang="es-ES" sz="1400" dirty="0">
+                <a:solidFill>
+                  <a:srgbClr val="6688CC"/>
+                </a:solidFill>
+                <a:latin typeface="Droid Sans Mono"/>
+              </a:rPr>
+              <a:t> </a:t>
+            </a:r>
+            <a:r>
+              <a:rPr lang="es-ES" sz="1400" i="1" dirty="0" err="1">
+                <a:solidFill>
+                  <a:srgbClr val="9966B8"/>
+                </a:solidFill>
+                <a:latin typeface="Droid Sans Mono"/>
+              </a:rPr>
+              <a:t>Closure</a:t>
+            </a:r>
+            <a:r>
+              <a:rPr lang="es-ES" sz="1400" dirty="0">
+                <a:solidFill>
+                  <a:srgbClr val="6688CC"/>
+                </a:solidFill>
+                <a:latin typeface="Droid Sans Mono"/>
+              </a:rPr>
+              <a:t>;</a:t>
+            </a:r>
+            <a:br>
+              <a:rPr lang="es-ES" sz="1400" dirty="0">
+                <a:solidFill>
+                  <a:srgbClr val="BBBBBB"/>
+                </a:solidFill>
+                <a:latin typeface="Droid Sans Mono"/>
+              </a:rPr>
+            </a:br>
+            <a:r>
+              <a:rPr lang="es-ES" sz="1400" i="1" dirty="0" err="1">
+                <a:solidFill>
+                  <a:srgbClr val="9966B8"/>
+                </a:solidFill>
+                <a:latin typeface="Droid Sans Mono"/>
+              </a:rPr>
+              <a:t>class</a:t>
+            </a:r>
+            <a:r>
+              <a:rPr lang="es-ES" sz="1400" dirty="0">
+                <a:solidFill>
+                  <a:srgbClr val="6688CC"/>
+                </a:solidFill>
+                <a:latin typeface="Droid Sans Mono"/>
+              </a:rPr>
+              <a:t> </a:t>
+            </a:r>
+            <a:r>
+              <a:rPr lang="es-ES" sz="1400" u="sng" dirty="0" err="1">
+                <a:solidFill>
+                  <a:schemeClr val="tx1"/>
+                </a:solidFill>
+                <a:latin typeface="Droid Sans Mono"/>
+              </a:rPr>
+              <a:t>AdminMiddleware</a:t>
+            </a:r>
+            <a:endParaRPr lang="es-ES" sz="1400" dirty="0">
+              <a:solidFill>
+                <a:schemeClr val="tx1"/>
+              </a:solidFill>
+              <a:latin typeface="Droid Sans Mono"/>
+            </a:endParaRPr>
+          </a:p>
+          <a:p>
+            <a:r>
+              <a:rPr lang="es-ES" sz="1400" dirty="0">
+                <a:solidFill>
+                  <a:srgbClr val="6688CC"/>
+                </a:solidFill>
+                <a:latin typeface="Droid Sans Mono"/>
+              </a:rPr>
+              <a:t>{</a:t>
+            </a:r>
+            <a:endParaRPr lang="es-ES" sz="1400" dirty="0">
+              <a:solidFill>
+                <a:srgbClr val="BBBBBB"/>
+              </a:solidFill>
+              <a:latin typeface="Droid Sans Mono"/>
+            </a:endParaRPr>
+          </a:p>
+          <a:p>
+            <a:r>
+              <a:rPr lang="es-ES" sz="1400" dirty="0">
+                <a:solidFill>
+                  <a:srgbClr val="384887"/>
+                </a:solidFill>
+                <a:latin typeface="Droid Sans Mono"/>
+              </a:rPr>
+              <a:t>	…</a:t>
+            </a:r>
+            <a:endParaRPr lang="es-ES" sz="1400" dirty="0">
+              <a:solidFill>
+                <a:srgbClr val="BBBBBB"/>
+              </a:solidFill>
+              <a:latin typeface="Droid Sans Mono"/>
+            </a:endParaRPr>
+          </a:p>
+          <a:p>
+            <a:pPr lvl="1"/>
+            <a:r>
+              <a:rPr lang="es-ES" sz="1400" dirty="0" err="1">
+                <a:solidFill>
+                  <a:srgbClr val="225588"/>
+                </a:solidFill>
+                <a:latin typeface="Droid Sans Mono"/>
+              </a:rPr>
+              <a:t>public</a:t>
+            </a:r>
+            <a:r>
+              <a:rPr lang="es-ES" sz="1400" dirty="0">
+                <a:solidFill>
+                  <a:srgbClr val="6688CC"/>
+                </a:solidFill>
+                <a:latin typeface="Droid Sans Mono"/>
+              </a:rPr>
+              <a:t> </a:t>
+            </a:r>
+            <a:r>
+              <a:rPr lang="es-ES" sz="1400" i="1" dirty="0" err="1">
+                <a:solidFill>
+                  <a:srgbClr val="9966B8"/>
+                </a:solidFill>
+                <a:latin typeface="Droid Sans Mono"/>
+              </a:rPr>
+              <a:t>function</a:t>
+            </a:r>
+            <a:r>
+              <a:rPr lang="es-ES" sz="1400" dirty="0">
+                <a:solidFill>
+                  <a:srgbClr val="6688CC"/>
+                </a:solidFill>
+                <a:latin typeface="Droid Sans Mono"/>
+              </a:rPr>
+              <a:t> </a:t>
+            </a:r>
+            <a:r>
+              <a:rPr lang="es-ES" sz="1400" dirty="0" err="1">
+                <a:solidFill>
+                  <a:schemeClr val="tx1"/>
+                </a:solidFill>
+                <a:latin typeface="Droid Sans Mono"/>
+              </a:rPr>
+              <a:t>handle</a:t>
+            </a:r>
+            <a:r>
+              <a:rPr lang="es-ES" sz="1400" dirty="0">
+                <a:solidFill>
+                  <a:srgbClr val="6688CC"/>
+                </a:solidFill>
+                <a:latin typeface="Droid Sans Mono"/>
+              </a:rPr>
+              <a:t>($</a:t>
+            </a:r>
+            <a:r>
+              <a:rPr lang="es-ES" sz="1400" dirty="0" err="1">
+                <a:solidFill>
+                  <a:srgbClr val="6688CC"/>
+                </a:solidFill>
+                <a:latin typeface="Droid Sans Mono"/>
+              </a:rPr>
+              <a:t>request</a:t>
+            </a:r>
+            <a:r>
+              <a:rPr lang="es-ES" sz="1400" dirty="0">
+                <a:solidFill>
+                  <a:srgbClr val="6688CC"/>
+                </a:solidFill>
+                <a:latin typeface="Droid Sans Mono"/>
+              </a:rPr>
+              <a:t>, </a:t>
+            </a:r>
+            <a:r>
+              <a:rPr lang="es-ES" sz="1400" i="1" dirty="0" err="1">
+                <a:solidFill>
+                  <a:srgbClr val="9966B8"/>
+                </a:solidFill>
+                <a:latin typeface="Droid Sans Mono"/>
+              </a:rPr>
+              <a:t>Closure</a:t>
+            </a:r>
+            <a:r>
+              <a:rPr lang="es-ES" sz="1400" dirty="0">
+                <a:solidFill>
+                  <a:srgbClr val="6688CC"/>
+                </a:solidFill>
+                <a:latin typeface="Droid Sans Mono"/>
+              </a:rPr>
+              <a:t> $</a:t>
+            </a:r>
+            <a:r>
+              <a:rPr lang="es-ES" sz="1400" dirty="0" err="1">
+                <a:solidFill>
+                  <a:srgbClr val="6688CC"/>
+                </a:solidFill>
+                <a:latin typeface="Droid Sans Mono"/>
+              </a:rPr>
+              <a:t>next</a:t>
+            </a:r>
+            <a:r>
+              <a:rPr lang="es-ES" sz="1400" dirty="0">
+                <a:solidFill>
+                  <a:srgbClr val="6688CC"/>
+                </a:solidFill>
+                <a:latin typeface="Droid Sans Mono"/>
+              </a:rPr>
+              <a:t>)</a:t>
+            </a:r>
+            <a:endParaRPr lang="es-ES" sz="1400" dirty="0">
+              <a:solidFill>
+                <a:srgbClr val="BBBBBB"/>
+              </a:solidFill>
+              <a:latin typeface="Droid Sans Mono"/>
+            </a:endParaRPr>
+          </a:p>
+          <a:p>
+            <a:pPr lvl="1"/>
+            <a:r>
+              <a:rPr lang="es-ES" sz="1400" dirty="0">
+                <a:solidFill>
+                  <a:srgbClr val="6688CC"/>
+                </a:solidFill>
+                <a:latin typeface="Droid Sans Mono"/>
+              </a:rPr>
+              <a:t>{</a:t>
+            </a:r>
+            <a:endParaRPr lang="es-ES" sz="1400" dirty="0">
+              <a:solidFill>
+                <a:srgbClr val="BBBBBB"/>
+              </a:solidFill>
+              <a:latin typeface="Droid Sans Mono"/>
+            </a:endParaRPr>
+          </a:p>
+          <a:p>
+            <a:pPr lvl="2"/>
+            <a:r>
+              <a:rPr lang="es-ES" sz="1400" dirty="0" err="1">
+                <a:solidFill>
+                  <a:srgbClr val="225588"/>
+                </a:solidFill>
+                <a:latin typeface="Droid Sans Mono"/>
+              </a:rPr>
+              <a:t>if</a:t>
+            </a:r>
+            <a:r>
+              <a:rPr lang="es-ES" sz="1400" dirty="0">
+                <a:solidFill>
+                  <a:srgbClr val="6688CC"/>
+                </a:solidFill>
+                <a:latin typeface="Droid Sans Mono"/>
+              </a:rPr>
+              <a:t> (</a:t>
+            </a:r>
+            <a:r>
+              <a:rPr lang="es-ES" sz="1400" dirty="0" err="1">
+                <a:solidFill>
+                  <a:schemeClr val="tx1"/>
+                </a:solidFill>
+                <a:latin typeface="Droid Sans Mono"/>
+              </a:rPr>
+              <a:t>auth</a:t>
+            </a:r>
+            <a:r>
+              <a:rPr lang="es-ES" sz="1400" dirty="0">
+                <a:solidFill>
+                  <a:srgbClr val="6688CC"/>
+                </a:solidFill>
+                <a:latin typeface="Droid Sans Mono"/>
+              </a:rPr>
+              <a:t>()</a:t>
+            </a:r>
+            <a:r>
+              <a:rPr lang="es-ES" sz="1400" dirty="0">
+                <a:solidFill>
+                  <a:srgbClr val="225588"/>
+                </a:solidFill>
+                <a:latin typeface="Droid Sans Mono"/>
+              </a:rPr>
+              <a:t>-&gt;</a:t>
+            </a:r>
+            <a:r>
+              <a:rPr lang="es-ES" sz="1400" dirty="0" err="1">
+                <a:solidFill>
+                  <a:schemeClr val="tx1"/>
+                </a:solidFill>
+                <a:latin typeface="Droid Sans Mono"/>
+              </a:rPr>
+              <a:t>check</a:t>
+            </a:r>
+            <a:r>
+              <a:rPr lang="es-ES" sz="1400" dirty="0">
+                <a:solidFill>
+                  <a:srgbClr val="6688CC"/>
+                </a:solidFill>
+                <a:latin typeface="Droid Sans Mono"/>
+              </a:rPr>
+              <a:t>() </a:t>
+            </a:r>
+            <a:r>
+              <a:rPr lang="es-ES" sz="1400" dirty="0">
+                <a:solidFill>
+                  <a:srgbClr val="225588"/>
+                </a:solidFill>
+                <a:latin typeface="Droid Sans Mono"/>
+              </a:rPr>
+              <a:t>&amp;&amp;</a:t>
+            </a:r>
+            <a:r>
+              <a:rPr lang="es-ES" sz="1400" dirty="0">
+                <a:solidFill>
+                  <a:srgbClr val="6688CC"/>
+                </a:solidFill>
+                <a:latin typeface="Droid Sans Mono"/>
+              </a:rPr>
+              <a:t> </a:t>
+            </a:r>
+            <a:r>
+              <a:rPr lang="es-ES" sz="1400" dirty="0" err="1">
+                <a:solidFill>
+                  <a:schemeClr val="tx1"/>
+                </a:solidFill>
+                <a:latin typeface="Droid Sans Mono"/>
+              </a:rPr>
+              <a:t>auth</a:t>
+            </a:r>
+            <a:r>
+              <a:rPr lang="es-ES" sz="1400" dirty="0">
+                <a:solidFill>
+                  <a:srgbClr val="6688CC"/>
+                </a:solidFill>
+                <a:latin typeface="Droid Sans Mono"/>
+              </a:rPr>
+              <a:t>()</a:t>
+            </a:r>
+            <a:r>
+              <a:rPr lang="es-ES" sz="1400" dirty="0">
+                <a:solidFill>
+                  <a:srgbClr val="225588"/>
+                </a:solidFill>
+                <a:latin typeface="Droid Sans Mono"/>
+              </a:rPr>
+              <a:t>-&gt;</a:t>
+            </a:r>
+            <a:r>
+              <a:rPr lang="es-ES" sz="1400" dirty="0" err="1">
+                <a:solidFill>
+                  <a:schemeClr val="tx1"/>
+                </a:solidFill>
+                <a:latin typeface="Droid Sans Mono"/>
+              </a:rPr>
+              <a:t>user</a:t>
+            </a:r>
+            <a:r>
+              <a:rPr lang="es-ES" sz="1400" dirty="0">
+                <a:solidFill>
+                  <a:srgbClr val="6688CC"/>
+                </a:solidFill>
+                <a:latin typeface="Droid Sans Mono"/>
+              </a:rPr>
+              <a:t>()</a:t>
+            </a:r>
+            <a:r>
+              <a:rPr lang="es-ES" sz="1400" dirty="0">
+                <a:solidFill>
+                  <a:srgbClr val="225588"/>
+                </a:solidFill>
+                <a:latin typeface="Droid Sans Mono"/>
+              </a:rPr>
+              <a:t>-&gt;</a:t>
+            </a:r>
+            <a:r>
+              <a:rPr lang="es-ES" sz="1400" dirty="0" err="1">
+                <a:solidFill>
+                  <a:srgbClr val="6688CC"/>
+                </a:solidFill>
+                <a:latin typeface="Droid Sans Mono"/>
+              </a:rPr>
+              <a:t>esAdmin</a:t>
+            </a:r>
+            <a:r>
+              <a:rPr lang="es-ES" sz="1400" dirty="0">
+                <a:solidFill>
+                  <a:srgbClr val="6688CC"/>
+                </a:solidFill>
+                <a:latin typeface="Droid Sans Mono"/>
+              </a:rPr>
+              <a:t>)</a:t>
+            </a:r>
+            <a:endParaRPr lang="es-ES" sz="1400" dirty="0">
+              <a:solidFill>
+                <a:srgbClr val="BBBBBB"/>
+              </a:solidFill>
+              <a:latin typeface="Droid Sans Mono"/>
+            </a:endParaRPr>
+          </a:p>
+          <a:p>
+            <a:pPr lvl="2"/>
+            <a:r>
+              <a:rPr lang="es-ES" sz="1400" dirty="0">
+                <a:solidFill>
+                  <a:srgbClr val="225588"/>
+                </a:solidFill>
+                <a:latin typeface="Droid Sans Mono"/>
+              </a:rPr>
+              <a:t>	</a:t>
+            </a:r>
+            <a:r>
+              <a:rPr lang="es-ES" sz="1400" dirty="0" err="1">
+                <a:solidFill>
+                  <a:srgbClr val="225588"/>
+                </a:solidFill>
+                <a:latin typeface="Droid Sans Mono"/>
+              </a:rPr>
+              <a:t>return</a:t>
+            </a:r>
+            <a:r>
+              <a:rPr lang="es-ES" sz="1400" dirty="0">
+                <a:solidFill>
+                  <a:srgbClr val="6688CC"/>
+                </a:solidFill>
+                <a:latin typeface="Droid Sans Mono"/>
+              </a:rPr>
+              <a:t> $</a:t>
+            </a:r>
+            <a:r>
+              <a:rPr lang="es-ES" sz="1400" dirty="0" err="1">
+                <a:solidFill>
+                  <a:srgbClr val="6688CC"/>
+                </a:solidFill>
+                <a:latin typeface="Droid Sans Mono"/>
+              </a:rPr>
+              <a:t>next</a:t>
+            </a:r>
+            <a:r>
+              <a:rPr lang="es-ES" sz="1400" dirty="0">
+                <a:solidFill>
+                  <a:srgbClr val="6688CC"/>
+                </a:solidFill>
+                <a:latin typeface="Droid Sans Mono"/>
+              </a:rPr>
+              <a:t>($</a:t>
+            </a:r>
+            <a:r>
+              <a:rPr lang="es-ES" sz="1400" dirty="0" err="1">
+                <a:solidFill>
+                  <a:srgbClr val="6688CC"/>
+                </a:solidFill>
+                <a:latin typeface="Droid Sans Mono"/>
+              </a:rPr>
+              <a:t>request</a:t>
+            </a:r>
+            <a:r>
+              <a:rPr lang="es-ES" sz="1400" dirty="0">
+                <a:solidFill>
+                  <a:srgbClr val="6688CC"/>
+                </a:solidFill>
+                <a:latin typeface="Droid Sans Mono"/>
+              </a:rPr>
+              <a:t>);</a:t>
+            </a:r>
+            <a:endParaRPr lang="es-ES" sz="1400" dirty="0">
+              <a:solidFill>
+                <a:srgbClr val="BBBBBB"/>
+              </a:solidFill>
+              <a:latin typeface="Droid Sans Mono"/>
+            </a:endParaRPr>
+          </a:p>
+          <a:p>
+            <a:pPr lvl="2"/>
+            <a:br>
+              <a:rPr lang="es-ES" sz="1400" dirty="0">
+                <a:solidFill>
+                  <a:srgbClr val="BBBBBB"/>
+                </a:solidFill>
+                <a:latin typeface="Droid Sans Mono"/>
+              </a:rPr>
+            </a:br>
+            <a:r>
+              <a:rPr lang="es-ES" sz="1400" dirty="0">
+                <a:solidFill>
+                  <a:srgbClr val="BBBBBB"/>
+                </a:solidFill>
+                <a:latin typeface="Droid Sans Mono"/>
+              </a:rPr>
+              <a:t>		</a:t>
+            </a:r>
+            <a:r>
+              <a:rPr lang="es-ES" sz="1400" dirty="0" err="1">
+                <a:solidFill>
+                  <a:srgbClr val="225588"/>
+                </a:solidFill>
+                <a:latin typeface="Droid Sans Mono"/>
+              </a:rPr>
+              <a:t>return</a:t>
+            </a:r>
+            <a:r>
+              <a:rPr lang="es-ES" sz="1400" dirty="0">
+                <a:solidFill>
+                  <a:srgbClr val="6688CC"/>
+                </a:solidFill>
+                <a:latin typeface="Droid Sans Mono"/>
+              </a:rPr>
+              <a:t> </a:t>
+            </a:r>
+            <a:r>
+              <a:rPr lang="es-ES" sz="1400" dirty="0" err="1">
+                <a:solidFill>
+                  <a:schemeClr val="tx1"/>
+                </a:solidFill>
+                <a:latin typeface="Droid Sans Mono"/>
+              </a:rPr>
+              <a:t>redirect</a:t>
+            </a:r>
+            <a:r>
+              <a:rPr lang="es-ES" sz="1400" dirty="0">
+                <a:solidFill>
+                  <a:srgbClr val="6688CC"/>
+                </a:solidFill>
+                <a:latin typeface="Droid Sans Mono"/>
+              </a:rPr>
+              <a:t>(</a:t>
+            </a:r>
+            <a:r>
+              <a:rPr lang="es-ES" sz="1400" dirty="0">
+                <a:solidFill>
+                  <a:srgbClr val="22AA44"/>
+                </a:solidFill>
+                <a:latin typeface="Droid Sans Mono"/>
+              </a:rPr>
+              <a:t>'/</a:t>
+            </a:r>
+            <a:r>
+              <a:rPr lang="es-ES" sz="1400" dirty="0" err="1">
+                <a:solidFill>
+                  <a:srgbClr val="22AA44"/>
+                </a:solidFill>
+                <a:latin typeface="Droid Sans Mono"/>
+              </a:rPr>
+              <a:t>login</a:t>
+            </a:r>
+            <a:r>
+              <a:rPr lang="es-ES" sz="1400" dirty="0">
+                <a:solidFill>
+                  <a:srgbClr val="22AA44"/>
+                </a:solidFill>
+                <a:latin typeface="Droid Sans Mono"/>
+              </a:rPr>
+              <a:t>’</a:t>
+            </a:r>
+            <a:r>
+              <a:rPr lang="es-ES" sz="1400" dirty="0">
+                <a:solidFill>
+                  <a:srgbClr val="6688CC"/>
+                </a:solidFill>
+                <a:latin typeface="Droid Sans Mono"/>
+              </a:rPr>
+              <a:t>);</a:t>
+            </a:r>
+            <a:endParaRPr lang="es-ES" sz="1400" dirty="0">
+              <a:solidFill>
+                <a:srgbClr val="BBBBBB"/>
+              </a:solidFill>
+              <a:latin typeface="Droid Sans Mono"/>
+            </a:endParaRPr>
+          </a:p>
+          <a:p>
+            <a:pPr lvl="1"/>
+            <a:r>
+              <a:rPr lang="es-ES" sz="1400" dirty="0">
+                <a:solidFill>
+                  <a:srgbClr val="6688CC"/>
+                </a:solidFill>
+                <a:latin typeface="Droid Sans Mono"/>
+              </a:rPr>
+              <a:t>}</a:t>
+            </a:r>
+            <a:endParaRPr lang="es-ES" sz="1400" dirty="0">
+              <a:solidFill>
+                <a:srgbClr val="BBBBBB"/>
+              </a:solidFill>
+              <a:latin typeface="Droid Sans Mono"/>
+            </a:endParaRPr>
+          </a:p>
+          <a:p>
+            <a:r>
+              <a:rPr lang="es-ES" sz="1400" dirty="0">
+                <a:solidFill>
+                  <a:srgbClr val="6688CC"/>
+                </a:solidFill>
+                <a:latin typeface="Droid Sans Mono"/>
+              </a:rPr>
+              <a:t>}</a:t>
+            </a:r>
+            <a:endParaRPr lang="es-ES" sz="1400" dirty="0">
+              <a:solidFill>
+                <a:srgbClr val="BBBBBB"/>
+              </a:solidFill>
+              <a:latin typeface="Droid Sans Mono"/>
+            </a:endParaRPr>
+          </a:p>
+        </p:txBody>
+      </p:sp>
+    </p:spTree>
+    <p:extLst>
+      <p:ext uri="{BB962C8B-B14F-4D97-AF65-F5344CB8AC3E}">
+        <p14:creationId xmlns:p14="http://schemas.microsoft.com/office/powerpoint/2010/main" val="3814049372"/>
+      </p:ext>
+    </p:extLst>
+  </p:cSld>
+  <p:clrMapOvr>
+    <a:masterClrMapping/>
+  </p:clrMapOvr>
+  <p:transition spd="med"/>
+</p:sld>
+</file>
+
+<file path=ppt/slides/slide15.xml><?xml version="1.0" encoding="utf-8"?>
+<p:sld xmlns:a="http://schemas.openxmlformats.org/drawingml/2006/main" xmlns:r="http://schemas.openxmlformats.org/officeDocument/2006/relationships" xmlns:p="http://schemas.openxmlformats.org/presentationml/2006/main">
+  <p:cSld>
+    <p:spTree>
+      <p:nvGrpSpPr>
+        <p:cNvPr id="1" name=""/>
+        <p:cNvGrpSpPr/>
+        <p:nvPr/>
+      </p:nvGrpSpPr>
+      <p:grpSpPr>
+        <a:xfrm>
+          <a:off x="0" y="0"/>
+          <a:ext cx="0" cy="0"/>
+          <a:chOff x="0" y="0"/>
+          <a:chExt cx="0" cy="0"/>
+        </a:xfrm>
+      </p:grpSpPr>
+      <p:pic>
+        <p:nvPicPr>
+          <p:cNvPr id="2" name="Imagen 1">
+            <a:extLst>
+              <a:ext uri="{FF2B5EF4-FFF2-40B4-BE49-F238E27FC236}">
+                <a16:creationId xmlns:a16="http://schemas.microsoft.com/office/drawing/2014/main" id="{D66B0922-DA57-4DEF-AC3B-1907392BA3E5}"/>
+              </a:ext>
+            </a:extLst>
+          </p:cNvPr>
+          <p:cNvPicPr>
+            <a:picLocks noChangeAspect="1"/>
+          </p:cNvPicPr>
+          <p:nvPr/>
+        </p:nvPicPr>
+        <p:blipFill>
+          <a:blip r:embed="rId2"/>
+          <a:stretch>
+            <a:fillRect/>
+          </a:stretch>
+        </p:blipFill>
+        <p:spPr>
+          <a:xfrm>
+            <a:off x="7151426" y="154757"/>
+            <a:ext cx="4543425" cy="6353175"/>
+          </a:xfrm>
+          <a:prstGeom prst="rect">
+            <a:avLst/>
+          </a:prstGeom>
+        </p:spPr>
+      </p:pic>
+      <p:sp>
+        <p:nvSpPr>
+          <p:cNvPr id="3" name="CuadroTexto 2">
+            <a:extLst>
+              <a:ext uri="{FF2B5EF4-FFF2-40B4-BE49-F238E27FC236}">
+                <a16:creationId xmlns:a16="http://schemas.microsoft.com/office/drawing/2014/main" id="{F1B8E5BA-5561-4251-9ADC-53A58667A8C7}"/>
+              </a:ext>
+            </a:extLst>
+          </p:cNvPr>
+          <p:cNvSpPr txBox="1"/>
+          <p:nvPr/>
+        </p:nvSpPr>
+        <p:spPr>
+          <a:xfrm>
+            <a:off x="497149" y="4476609"/>
+            <a:ext cx="6258758" cy="2031323"/>
+          </a:xfrm>
+          <a:prstGeom prst="rect">
+            <a:avLst/>
+          </a:prstGeom>
+          <a:ln/>
+        </p:spPr>
+        <p:style>
+          <a:lnRef idx="1">
+            <a:schemeClr val="accent4"/>
+          </a:lnRef>
+          <a:fillRef idx="2">
+            <a:schemeClr val="accent4"/>
+          </a:fillRef>
+          <a:effectRef idx="1">
+            <a:schemeClr val="accent4"/>
+          </a:effectRef>
+          <a:fontRef idx="minor">
+            <a:schemeClr val="dk1"/>
+          </a:fontRef>
+        </p:style>
+        <p:txBody>
+          <a:bodyPr rot="0" spcFirstLastPara="1" vertOverflow="overflow" horzOverflow="overflow" vert="horz" wrap="square" lIns="45719" tIns="45719" rIns="45719" bIns="45719" numCol="1" spcCol="38100" rtlCol="0" anchor="t">
+            <a:spAutoFit/>
+          </a:bodyPr>
+          <a:lstStyle/>
+          <a:p>
+            <a:r>
+              <a:rPr lang="es-ES" sz="1400" dirty="0" err="1">
+                <a:solidFill>
+                  <a:srgbClr val="225588"/>
+                </a:solidFill>
+                <a:latin typeface="Droid Sans Mono"/>
+              </a:rPr>
+              <a:t>return</a:t>
+            </a:r>
+            <a:r>
+              <a:rPr lang="es-ES" sz="1400" dirty="0">
+                <a:solidFill>
+                  <a:srgbClr val="6688CC"/>
+                </a:solidFill>
+                <a:latin typeface="Droid Sans Mono"/>
+              </a:rPr>
+              <a:t> </a:t>
+            </a:r>
+            <a:r>
+              <a:rPr lang="es-ES" sz="1400" i="1" dirty="0" err="1">
+                <a:solidFill>
+                  <a:srgbClr val="9966B8"/>
+                </a:solidFill>
+                <a:latin typeface="Droid Sans Mono"/>
+              </a:rPr>
+              <a:t>Validator</a:t>
+            </a:r>
+            <a:r>
+              <a:rPr lang="es-ES" sz="1400" dirty="0">
+                <a:solidFill>
+                  <a:srgbClr val="225588"/>
+                </a:solidFill>
+                <a:latin typeface="Droid Sans Mono"/>
+              </a:rPr>
+              <a:t>::</a:t>
+            </a:r>
+            <a:r>
+              <a:rPr lang="es-ES" sz="1400" dirty="0" err="1">
+                <a:solidFill>
+                  <a:schemeClr val="tx1"/>
+                </a:solidFill>
+                <a:latin typeface="Droid Sans Mono"/>
+              </a:rPr>
+              <a:t>make</a:t>
+            </a:r>
+            <a:r>
+              <a:rPr lang="es-ES" sz="1400" dirty="0">
+                <a:solidFill>
+                  <a:srgbClr val="6688CC"/>
+                </a:solidFill>
+                <a:latin typeface="Droid Sans Mono"/>
+              </a:rPr>
+              <a:t>($data, [				</a:t>
+            </a:r>
+            <a:r>
+              <a:rPr lang="es-ES" sz="1400" dirty="0" err="1">
+                <a:solidFill>
+                  <a:schemeClr val="tx1"/>
+                </a:solidFill>
+                <a:latin typeface="Droid Sans Mono"/>
+              </a:rPr>
+              <a:t>RegisterController.php</a:t>
+            </a:r>
+            <a:endParaRPr lang="es-ES" sz="1400" dirty="0">
+              <a:solidFill>
+                <a:srgbClr val="BBBBBB"/>
+              </a:solidFill>
+              <a:latin typeface="Droid Sans Mono"/>
+            </a:endParaRPr>
+          </a:p>
+          <a:p>
+            <a:pPr lvl="1"/>
+            <a:r>
+              <a:rPr lang="es-ES" sz="1400" dirty="0">
+                <a:solidFill>
+                  <a:srgbClr val="22AA44"/>
+                </a:solidFill>
+                <a:latin typeface="Droid Sans Mono"/>
+              </a:rPr>
+              <a:t>'</a:t>
+            </a:r>
+            <a:r>
+              <a:rPr lang="es-ES" sz="1400" dirty="0" err="1">
+                <a:solidFill>
+                  <a:srgbClr val="22AA44"/>
+                </a:solidFill>
+                <a:latin typeface="Droid Sans Mono"/>
+              </a:rPr>
+              <a:t>name</a:t>
+            </a:r>
+            <a:r>
+              <a:rPr lang="es-ES" sz="1400" dirty="0">
+                <a:solidFill>
+                  <a:srgbClr val="22AA44"/>
+                </a:solidFill>
+                <a:latin typeface="Droid Sans Mono"/>
+              </a:rPr>
+              <a:t>'</a:t>
+            </a:r>
+            <a:r>
+              <a:rPr lang="es-ES" sz="1400" dirty="0">
+                <a:solidFill>
+                  <a:srgbClr val="6688CC"/>
+                </a:solidFill>
+                <a:latin typeface="Droid Sans Mono"/>
+              </a:rPr>
+              <a:t> </a:t>
+            </a:r>
+            <a:r>
+              <a:rPr lang="es-ES" sz="1400" dirty="0">
+                <a:solidFill>
+                  <a:srgbClr val="225588"/>
+                </a:solidFill>
+                <a:latin typeface="Droid Sans Mono"/>
+              </a:rPr>
+              <a:t>=&gt;</a:t>
+            </a:r>
+            <a:r>
+              <a:rPr lang="es-ES" sz="1400" dirty="0">
+                <a:solidFill>
+                  <a:srgbClr val="6688CC"/>
+                </a:solidFill>
+                <a:latin typeface="Droid Sans Mono"/>
+              </a:rPr>
+              <a:t> [</a:t>
+            </a:r>
+            <a:r>
+              <a:rPr lang="es-ES" sz="1400" dirty="0">
+                <a:solidFill>
+                  <a:srgbClr val="22AA44"/>
+                </a:solidFill>
+                <a:latin typeface="Droid Sans Mono"/>
+              </a:rPr>
+              <a:t>'</a:t>
+            </a:r>
+            <a:r>
+              <a:rPr lang="es-ES" sz="1400" dirty="0" err="1">
+                <a:solidFill>
+                  <a:srgbClr val="22AA44"/>
+                </a:solidFill>
+                <a:latin typeface="Droid Sans Mono"/>
+              </a:rPr>
+              <a:t>required</a:t>
+            </a:r>
+            <a:r>
+              <a:rPr lang="es-ES" sz="1400" dirty="0">
+                <a:solidFill>
+                  <a:srgbClr val="22AA44"/>
+                </a:solidFill>
+                <a:latin typeface="Droid Sans Mono"/>
+              </a:rPr>
+              <a:t>'</a:t>
+            </a:r>
+            <a:r>
+              <a:rPr lang="es-ES" sz="1400" dirty="0">
+                <a:solidFill>
+                  <a:srgbClr val="6688CC"/>
+                </a:solidFill>
+                <a:latin typeface="Droid Sans Mono"/>
+              </a:rPr>
+              <a:t>, </a:t>
+            </a:r>
+            <a:r>
+              <a:rPr lang="es-ES" sz="1400" dirty="0">
+                <a:solidFill>
+                  <a:srgbClr val="22AA44"/>
+                </a:solidFill>
+                <a:latin typeface="Droid Sans Mono"/>
+              </a:rPr>
+              <a:t>'</a:t>
+            </a:r>
+            <a:r>
+              <a:rPr lang="es-ES" sz="1400" dirty="0" err="1">
+                <a:solidFill>
+                  <a:srgbClr val="22AA44"/>
+                </a:solidFill>
+                <a:latin typeface="Droid Sans Mono"/>
+              </a:rPr>
+              <a:t>string</a:t>
+            </a:r>
+            <a:r>
+              <a:rPr lang="es-ES" sz="1400" dirty="0">
+                <a:solidFill>
+                  <a:srgbClr val="22AA44"/>
+                </a:solidFill>
+                <a:latin typeface="Droid Sans Mono"/>
+              </a:rPr>
+              <a:t>'</a:t>
+            </a:r>
+            <a:r>
+              <a:rPr lang="es-ES" sz="1400" dirty="0">
+                <a:solidFill>
+                  <a:srgbClr val="6688CC"/>
+                </a:solidFill>
+                <a:latin typeface="Droid Sans Mono"/>
+              </a:rPr>
+              <a:t>, </a:t>
+            </a:r>
+            <a:r>
+              <a:rPr lang="es-ES" sz="1400" dirty="0">
+                <a:solidFill>
+                  <a:srgbClr val="22AA44"/>
+                </a:solidFill>
+                <a:latin typeface="Droid Sans Mono"/>
+              </a:rPr>
+              <a:t>'max:255'</a:t>
+            </a:r>
+            <a:r>
+              <a:rPr lang="es-ES" sz="1400" dirty="0">
+                <a:solidFill>
+                  <a:srgbClr val="6688CC"/>
+                </a:solidFill>
+                <a:latin typeface="Droid Sans Mono"/>
+              </a:rPr>
+              <a:t>],</a:t>
+            </a:r>
+            <a:endParaRPr lang="es-ES" sz="1400" dirty="0">
+              <a:solidFill>
+                <a:srgbClr val="BBBBBB"/>
+              </a:solidFill>
+              <a:latin typeface="Droid Sans Mono"/>
+            </a:endParaRPr>
+          </a:p>
+          <a:p>
+            <a:pPr lvl="1"/>
+            <a:r>
+              <a:rPr lang="es-ES" sz="1400" dirty="0">
+                <a:solidFill>
+                  <a:srgbClr val="22AA44"/>
+                </a:solidFill>
+                <a:latin typeface="Droid Sans Mono"/>
+              </a:rPr>
+              <a:t>'apellidos'</a:t>
+            </a:r>
+            <a:r>
+              <a:rPr lang="es-ES" sz="1400" dirty="0">
+                <a:solidFill>
+                  <a:srgbClr val="6688CC"/>
+                </a:solidFill>
+                <a:latin typeface="Droid Sans Mono"/>
+              </a:rPr>
+              <a:t> </a:t>
+            </a:r>
+            <a:r>
+              <a:rPr lang="es-ES" sz="1400" dirty="0">
+                <a:solidFill>
+                  <a:srgbClr val="225588"/>
+                </a:solidFill>
+                <a:latin typeface="Droid Sans Mono"/>
+              </a:rPr>
+              <a:t>=&gt;</a:t>
+            </a:r>
+            <a:r>
+              <a:rPr lang="es-ES" sz="1400" dirty="0">
+                <a:solidFill>
+                  <a:srgbClr val="6688CC"/>
+                </a:solidFill>
+                <a:latin typeface="Droid Sans Mono"/>
+              </a:rPr>
+              <a:t> [</a:t>
+            </a:r>
+            <a:r>
+              <a:rPr lang="es-ES" sz="1400" dirty="0">
+                <a:solidFill>
+                  <a:srgbClr val="22AA44"/>
+                </a:solidFill>
+                <a:latin typeface="Droid Sans Mono"/>
+              </a:rPr>
+              <a:t>'</a:t>
+            </a:r>
+            <a:r>
+              <a:rPr lang="es-ES" sz="1400" dirty="0" err="1">
+                <a:solidFill>
+                  <a:srgbClr val="22AA44"/>
+                </a:solidFill>
+                <a:latin typeface="Droid Sans Mono"/>
+              </a:rPr>
+              <a:t>required</a:t>
+            </a:r>
+            <a:r>
+              <a:rPr lang="es-ES" sz="1400" dirty="0">
+                <a:solidFill>
+                  <a:srgbClr val="22AA44"/>
+                </a:solidFill>
+                <a:latin typeface="Droid Sans Mono"/>
+              </a:rPr>
+              <a:t>'</a:t>
+            </a:r>
+            <a:r>
+              <a:rPr lang="es-ES" sz="1400" dirty="0">
+                <a:solidFill>
+                  <a:srgbClr val="6688CC"/>
+                </a:solidFill>
+                <a:latin typeface="Droid Sans Mono"/>
+              </a:rPr>
+              <a:t>, </a:t>
+            </a:r>
+            <a:r>
+              <a:rPr lang="es-ES" sz="1400" dirty="0">
+                <a:solidFill>
+                  <a:srgbClr val="22AA44"/>
+                </a:solidFill>
+                <a:latin typeface="Droid Sans Mono"/>
+              </a:rPr>
+              <a:t>'</a:t>
+            </a:r>
+            <a:r>
+              <a:rPr lang="es-ES" sz="1400" dirty="0" err="1">
+                <a:solidFill>
+                  <a:srgbClr val="22AA44"/>
+                </a:solidFill>
+                <a:latin typeface="Droid Sans Mono"/>
+              </a:rPr>
+              <a:t>string</a:t>
+            </a:r>
+            <a:r>
+              <a:rPr lang="es-ES" sz="1400" dirty="0">
+                <a:solidFill>
+                  <a:srgbClr val="22AA44"/>
+                </a:solidFill>
+                <a:latin typeface="Droid Sans Mono"/>
+              </a:rPr>
+              <a:t>'</a:t>
+            </a:r>
+            <a:r>
+              <a:rPr lang="es-ES" sz="1400" dirty="0">
+                <a:solidFill>
+                  <a:srgbClr val="6688CC"/>
+                </a:solidFill>
+                <a:latin typeface="Droid Sans Mono"/>
+              </a:rPr>
+              <a:t>, </a:t>
+            </a:r>
+            <a:r>
+              <a:rPr lang="es-ES" sz="1400" dirty="0">
+                <a:solidFill>
+                  <a:srgbClr val="22AA44"/>
+                </a:solidFill>
+                <a:latin typeface="Droid Sans Mono"/>
+              </a:rPr>
+              <a:t>'max:255'</a:t>
+            </a:r>
+            <a:r>
+              <a:rPr lang="es-ES" sz="1400" dirty="0">
+                <a:solidFill>
+                  <a:srgbClr val="6688CC"/>
+                </a:solidFill>
+                <a:latin typeface="Droid Sans Mono"/>
+              </a:rPr>
+              <a:t>,],</a:t>
+            </a:r>
+            <a:endParaRPr lang="es-ES" sz="1400" dirty="0">
+              <a:solidFill>
+                <a:srgbClr val="BBBBBB"/>
+              </a:solidFill>
+              <a:latin typeface="Droid Sans Mono"/>
+            </a:endParaRPr>
+          </a:p>
+          <a:p>
+            <a:pPr lvl="1"/>
+            <a:r>
+              <a:rPr lang="es-ES" sz="1400" dirty="0">
+                <a:solidFill>
+                  <a:srgbClr val="22AA44"/>
+                </a:solidFill>
+                <a:latin typeface="Droid Sans Mono"/>
+              </a:rPr>
+              <a:t>'email'</a:t>
+            </a:r>
+            <a:r>
+              <a:rPr lang="es-ES" sz="1400" dirty="0">
+                <a:solidFill>
+                  <a:srgbClr val="6688CC"/>
+                </a:solidFill>
+                <a:latin typeface="Droid Sans Mono"/>
+              </a:rPr>
+              <a:t> </a:t>
+            </a:r>
+            <a:r>
+              <a:rPr lang="es-ES" sz="1400" dirty="0">
+                <a:solidFill>
+                  <a:srgbClr val="225588"/>
+                </a:solidFill>
+                <a:latin typeface="Droid Sans Mono"/>
+              </a:rPr>
+              <a:t>=&gt;</a:t>
+            </a:r>
+            <a:r>
+              <a:rPr lang="es-ES" sz="1400" dirty="0">
+                <a:solidFill>
+                  <a:srgbClr val="6688CC"/>
+                </a:solidFill>
+                <a:latin typeface="Droid Sans Mono"/>
+              </a:rPr>
+              <a:t> [</a:t>
+            </a:r>
+            <a:r>
+              <a:rPr lang="es-ES" sz="1400" dirty="0">
+                <a:solidFill>
+                  <a:srgbClr val="22AA44"/>
+                </a:solidFill>
+                <a:latin typeface="Droid Sans Mono"/>
+              </a:rPr>
+              <a:t>'</a:t>
+            </a:r>
+            <a:r>
+              <a:rPr lang="es-ES" sz="1400" dirty="0" err="1">
+                <a:solidFill>
+                  <a:srgbClr val="22AA44"/>
+                </a:solidFill>
+                <a:latin typeface="Droid Sans Mono"/>
+              </a:rPr>
+              <a:t>required</a:t>
+            </a:r>
+            <a:r>
+              <a:rPr lang="es-ES" sz="1400" dirty="0">
+                <a:solidFill>
+                  <a:srgbClr val="22AA44"/>
+                </a:solidFill>
+                <a:latin typeface="Droid Sans Mono"/>
+              </a:rPr>
+              <a:t>'</a:t>
+            </a:r>
+            <a:r>
+              <a:rPr lang="es-ES" sz="1400" dirty="0">
+                <a:solidFill>
+                  <a:srgbClr val="6688CC"/>
+                </a:solidFill>
+                <a:latin typeface="Droid Sans Mono"/>
+              </a:rPr>
+              <a:t>, </a:t>
+            </a:r>
+            <a:r>
+              <a:rPr lang="es-ES" sz="1400" dirty="0">
+                <a:solidFill>
+                  <a:srgbClr val="22AA44"/>
+                </a:solidFill>
+                <a:latin typeface="Droid Sans Mono"/>
+              </a:rPr>
+              <a:t>'</a:t>
+            </a:r>
+            <a:r>
+              <a:rPr lang="es-ES" sz="1400" dirty="0" err="1">
+                <a:solidFill>
+                  <a:srgbClr val="22AA44"/>
+                </a:solidFill>
+                <a:latin typeface="Droid Sans Mono"/>
+              </a:rPr>
+              <a:t>string</a:t>
+            </a:r>
+            <a:r>
+              <a:rPr lang="es-ES" sz="1400" dirty="0">
+                <a:solidFill>
+                  <a:srgbClr val="22AA44"/>
+                </a:solidFill>
+                <a:latin typeface="Droid Sans Mono"/>
+              </a:rPr>
+              <a:t>'</a:t>
+            </a:r>
+            <a:r>
+              <a:rPr lang="es-ES" sz="1400" dirty="0">
+                <a:solidFill>
+                  <a:srgbClr val="6688CC"/>
+                </a:solidFill>
+                <a:latin typeface="Droid Sans Mono"/>
+              </a:rPr>
+              <a:t>, </a:t>
+            </a:r>
+            <a:r>
+              <a:rPr lang="es-ES" sz="1400" dirty="0">
+                <a:solidFill>
+                  <a:srgbClr val="22AA44"/>
+                </a:solidFill>
+                <a:latin typeface="Droid Sans Mono"/>
+              </a:rPr>
+              <a:t>'email'</a:t>
+            </a:r>
+            <a:r>
+              <a:rPr lang="es-ES" sz="1400" dirty="0">
+                <a:solidFill>
+                  <a:srgbClr val="6688CC"/>
+                </a:solidFill>
+                <a:latin typeface="Droid Sans Mono"/>
+              </a:rPr>
+              <a:t>, </a:t>
+            </a:r>
+            <a:r>
+              <a:rPr lang="es-ES" sz="1400" dirty="0">
+                <a:solidFill>
+                  <a:srgbClr val="22AA44"/>
+                </a:solidFill>
+                <a:latin typeface="Droid Sans Mono"/>
+              </a:rPr>
+              <a:t>'max:255'</a:t>
+            </a:r>
+            <a:r>
+              <a:rPr lang="es-ES" sz="1400" dirty="0">
+                <a:solidFill>
+                  <a:srgbClr val="6688CC"/>
+                </a:solidFill>
+                <a:latin typeface="Droid Sans Mono"/>
+              </a:rPr>
+              <a:t>, </a:t>
+            </a:r>
+            <a:r>
+              <a:rPr lang="es-ES" sz="1400" dirty="0">
+                <a:solidFill>
+                  <a:srgbClr val="22AA44"/>
+                </a:solidFill>
+                <a:latin typeface="Droid Sans Mono"/>
+              </a:rPr>
+              <a:t>'</a:t>
+            </a:r>
+            <a:r>
+              <a:rPr lang="es-ES" sz="1400" dirty="0" err="1">
+                <a:solidFill>
+                  <a:srgbClr val="22AA44"/>
+                </a:solidFill>
+                <a:latin typeface="Droid Sans Mono"/>
+              </a:rPr>
+              <a:t>unique:users</a:t>
+            </a:r>
+            <a:r>
+              <a:rPr lang="es-ES" sz="1400" dirty="0">
+                <a:solidFill>
+                  <a:srgbClr val="22AA44"/>
+                </a:solidFill>
+                <a:latin typeface="Droid Sans Mono"/>
+              </a:rPr>
+              <a:t>'</a:t>
+            </a:r>
+            <a:r>
+              <a:rPr lang="es-ES" sz="1400" dirty="0">
+                <a:solidFill>
+                  <a:srgbClr val="6688CC"/>
+                </a:solidFill>
+                <a:latin typeface="Droid Sans Mono"/>
+              </a:rPr>
+              <a:t>],</a:t>
+            </a:r>
+            <a:endParaRPr lang="es-ES" sz="1400" dirty="0">
+              <a:solidFill>
+                <a:srgbClr val="BBBBBB"/>
+              </a:solidFill>
+              <a:latin typeface="Droid Sans Mono"/>
+            </a:endParaRPr>
+          </a:p>
+          <a:p>
+            <a:pPr lvl="1"/>
+            <a:r>
+              <a:rPr lang="es-ES" sz="1400" dirty="0">
+                <a:solidFill>
+                  <a:srgbClr val="22AA44"/>
+                </a:solidFill>
+                <a:latin typeface="Droid Sans Mono"/>
+              </a:rPr>
+              <a:t>'</a:t>
+            </a:r>
+            <a:r>
+              <a:rPr lang="es-ES" sz="1400" dirty="0" err="1">
+                <a:solidFill>
+                  <a:srgbClr val="22AA44"/>
+                </a:solidFill>
+                <a:latin typeface="Droid Sans Mono"/>
+              </a:rPr>
+              <a:t>password</a:t>
+            </a:r>
+            <a:r>
+              <a:rPr lang="es-ES" sz="1400" dirty="0">
+                <a:solidFill>
+                  <a:srgbClr val="22AA44"/>
+                </a:solidFill>
+                <a:latin typeface="Droid Sans Mono"/>
+              </a:rPr>
+              <a:t>'</a:t>
+            </a:r>
+            <a:r>
+              <a:rPr lang="es-ES" sz="1400" dirty="0">
+                <a:solidFill>
+                  <a:srgbClr val="6688CC"/>
+                </a:solidFill>
+                <a:latin typeface="Droid Sans Mono"/>
+              </a:rPr>
+              <a:t> </a:t>
+            </a:r>
+            <a:r>
+              <a:rPr lang="es-ES" sz="1400" dirty="0">
+                <a:solidFill>
+                  <a:srgbClr val="225588"/>
+                </a:solidFill>
+                <a:latin typeface="Droid Sans Mono"/>
+              </a:rPr>
+              <a:t>=&gt;</a:t>
+            </a:r>
+            <a:r>
+              <a:rPr lang="es-ES" sz="1400" dirty="0">
+                <a:solidFill>
+                  <a:srgbClr val="6688CC"/>
+                </a:solidFill>
+                <a:latin typeface="Droid Sans Mono"/>
+              </a:rPr>
+              <a:t> [</a:t>
+            </a:r>
+            <a:r>
+              <a:rPr lang="es-ES" sz="1400" dirty="0">
+                <a:solidFill>
+                  <a:srgbClr val="22AA44"/>
+                </a:solidFill>
+                <a:latin typeface="Droid Sans Mono"/>
+              </a:rPr>
+              <a:t>'</a:t>
+            </a:r>
+            <a:r>
+              <a:rPr lang="es-ES" sz="1400" dirty="0" err="1">
+                <a:solidFill>
+                  <a:srgbClr val="22AA44"/>
+                </a:solidFill>
+                <a:latin typeface="Droid Sans Mono"/>
+              </a:rPr>
+              <a:t>required</a:t>
+            </a:r>
+            <a:r>
+              <a:rPr lang="es-ES" sz="1400" dirty="0">
+                <a:solidFill>
+                  <a:srgbClr val="22AA44"/>
+                </a:solidFill>
+                <a:latin typeface="Droid Sans Mono"/>
+              </a:rPr>
+              <a:t>'</a:t>
+            </a:r>
+            <a:r>
+              <a:rPr lang="es-ES" sz="1400" dirty="0">
+                <a:solidFill>
+                  <a:srgbClr val="6688CC"/>
+                </a:solidFill>
+                <a:latin typeface="Droid Sans Mono"/>
+              </a:rPr>
+              <a:t>, </a:t>
+            </a:r>
+            <a:r>
+              <a:rPr lang="es-ES" sz="1400" dirty="0">
+                <a:solidFill>
+                  <a:srgbClr val="22AA44"/>
+                </a:solidFill>
+                <a:latin typeface="Droid Sans Mono"/>
+              </a:rPr>
+              <a:t>'</a:t>
+            </a:r>
+            <a:r>
+              <a:rPr lang="es-ES" sz="1400" dirty="0" err="1">
+                <a:solidFill>
+                  <a:srgbClr val="22AA44"/>
+                </a:solidFill>
+                <a:latin typeface="Droid Sans Mono"/>
+              </a:rPr>
+              <a:t>string</a:t>
+            </a:r>
+            <a:r>
+              <a:rPr lang="es-ES" sz="1400" dirty="0">
+                <a:solidFill>
+                  <a:srgbClr val="22AA44"/>
+                </a:solidFill>
+                <a:latin typeface="Droid Sans Mono"/>
+              </a:rPr>
+              <a:t>'</a:t>
+            </a:r>
+            <a:r>
+              <a:rPr lang="es-ES" sz="1400" dirty="0">
+                <a:solidFill>
+                  <a:srgbClr val="6688CC"/>
+                </a:solidFill>
+                <a:latin typeface="Droid Sans Mono"/>
+              </a:rPr>
+              <a:t>, </a:t>
+            </a:r>
+            <a:r>
+              <a:rPr lang="es-ES" sz="1400" dirty="0">
+                <a:solidFill>
+                  <a:srgbClr val="22AA44"/>
+                </a:solidFill>
+                <a:latin typeface="Droid Sans Mono"/>
+              </a:rPr>
+              <a:t>'min:6'</a:t>
+            </a:r>
+            <a:r>
+              <a:rPr lang="es-ES" sz="1400" dirty="0">
+                <a:solidFill>
+                  <a:srgbClr val="6688CC"/>
+                </a:solidFill>
+                <a:latin typeface="Droid Sans Mono"/>
+              </a:rPr>
+              <a:t>, </a:t>
+            </a:r>
+            <a:r>
+              <a:rPr lang="es-ES" sz="1400" dirty="0">
+                <a:solidFill>
+                  <a:srgbClr val="22AA44"/>
+                </a:solidFill>
+                <a:latin typeface="Droid Sans Mono"/>
+              </a:rPr>
+              <a:t>'</a:t>
+            </a:r>
+            <a:r>
+              <a:rPr lang="es-ES" sz="1400" dirty="0" err="1">
+                <a:solidFill>
+                  <a:srgbClr val="22AA44"/>
+                </a:solidFill>
+                <a:latin typeface="Droid Sans Mono"/>
+              </a:rPr>
+              <a:t>confirmed</a:t>
+            </a:r>
+            <a:r>
+              <a:rPr lang="es-ES" sz="1400" dirty="0">
+                <a:solidFill>
+                  <a:srgbClr val="22AA44"/>
+                </a:solidFill>
+                <a:latin typeface="Droid Sans Mono"/>
+              </a:rPr>
+              <a:t>'</a:t>
+            </a:r>
+            <a:r>
+              <a:rPr lang="es-ES" sz="1400" dirty="0">
+                <a:solidFill>
+                  <a:srgbClr val="6688CC"/>
+                </a:solidFill>
+                <a:latin typeface="Droid Sans Mono"/>
+              </a:rPr>
+              <a:t>],</a:t>
+            </a:r>
+            <a:endParaRPr lang="es-ES" sz="1400" dirty="0">
+              <a:solidFill>
+                <a:srgbClr val="BBBBBB"/>
+              </a:solidFill>
+              <a:latin typeface="Droid Sans Mono"/>
+            </a:endParaRPr>
+          </a:p>
+          <a:p>
+            <a:pPr lvl="1"/>
+            <a:r>
+              <a:rPr lang="es-ES" sz="1400" dirty="0">
+                <a:solidFill>
+                  <a:schemeClr val="bg1"/>
+                </a:solidFill>
+                <a:highlight>
+                  <a:srgbClr val="008080"/>
+                </a:highlight>
+                <a:latin typeface="Droid Sans Mono"/>
+              </a:rPr>
+              <a:t>'</a:t>
+            </a:r>
+            <a:r>
+              <a:rPr lang="es-ES" sz="1400" dirty="0" err="1">
+                <a:solidFill>
+                  <a:schemeClr val="bg1"/>
+                </a:solidFill>
+                <a:highlight>
+                  <a:srgbClr val="008080"/>
+                </a:highlight>
+                <a:latin typeface="Droid Sans Mono"/>
+              </a:rPr>
+              <a:t>dni</a:t>
+            </a:r>
+            <a:r>
+              <a:rPr lang="es-ES" sz="1400" dirty="0">
+                <a:solidFill>
+                  <a:schemeClr val="bg1"/>
+                </a:solidFill>
+                <a:highlight>
+                  <a:srgbClr val="008080"/>
+                </a:highlight>
+                <a:latin typeface="Droid Sans Mono"/>
+              </a:rPr>
+              <a:t>' =&gt; ['</a:t>
+            </a:r>
+            <a:r>
+              <a:rPr lang="es-ES" sz="1400" dirty="0" err="1">
+                <a:solidFill>
+                  <a:schemeClr val="bg1"/>
+                </a:solidFill>
+                <a:highlight>
+                  <a:srgbClr val="008080"/>
+                </a:highlight>
+                <a:latin typeface="Droid Sans Mono"/>
+              </a:rPr>
+              <a:t>required</a:t>
+            </a:r>
+            <a:r>
+              <a:rPr lang="es-ES" sz="1400" dirty="0">
+                <a:solidFill>
+                  <a:schemeClr val="bg1"/>
+                </a:solidFill>
+                <a:highlight>
+                  <a:srgbClr val="008080"/>
+                </a:highlight>
+                <a:latin typeface="Droid Sans Mono"/>
+              </a:rPr>
+              <a:t>', '</a:t>
+            </a:r>
+            <a:r>
+              <a:rPr lang="es-ES" sz="1400" dirty="0" err="1">
+                <a:solidFill>
+                  <a:schemeClr val="bg1"/>
+                </a:solidFill>
+                <a:highlight>
+                  <a:srgbClr val="008080"/>
+                </a:highlight>
+                <a:latin typeface="Droid Sans Mono"/>
+              </a:rPr>
+              <a:t>nif</a:t>
+            </a:r>
+            <a:r>
+              <a:rPr lang="es-ES" sz="1400" dirty="0">
+                <a:solidFill>
+                  <a:schemeClr val="bg1"/>
+                </a:solidFill>
+                <a:highlight>
+                  <a:srgbClr val="008080"/>
+                </a:highlight>
+                <a:latin typeface="Droid Sans Mono"/>
+              </a:rPr>
+              <a:t>'],</a:t>
+            </a:r>
+          </a:p>
+          <a:p>
+            <a:pPr lvl="1"/>
+            <a:r>
+              <a:rPr lang="es-ES" sz="1400" dirty="0">
+                <a:solidFill>
+                  <a:srgbClr val="22AA44"/>
+                </a:solidFill>
+                <a:latin typeface="Droid Sans Mono"/>
+              </a:rPr>
+              <a:t>'</a:t>
+            </a:r>
+            <a:r>
+              <a:rPr lang="es-ES" sz="1400" dirty="0" err="1">
+                <a:solidFill>
+                  <a:srgbClr val="22AA44"/>
+                </a:solidFill>
+                <a:latin typeface="Droid Sans Mono"/>
+              </a:rPr>
+              <a:t>fechaNto</a:t>
+            </a:r>
+            <a:r>
+              <a:rPr lang="es-ES" sz="1400" dirty="0">
+                <a:solidFill>
+                  <a:srgbClr val="22AA44"/>
+                </a:solidFill>
+                <a:latin typeface="Droid Sans Mono"/>
+              </a:rPr>
+              <a:t>'</a:t>
+            </a:r>
+            <a:r>
+              <a:rPr lang="es-ES" sz="1400" dirty="0">
+                <a:solidFill>
+                  <a:srgbClr val="6688CC"/>
+                </a:solidFill>
+                <a:latin typeface="Droid Sans Mono"/>
+              </a:rPr>
+              <a:t> </a:t>
+            </a:r>
+            <a:r>
+              <a:rPr lang="es-ES" sz="1400" dirty="0">
+                <a:solidFill>
+                  <a:srgbClr val="225588"/>
+                </a:solidFill>
+                <a:latin typeface="Droid Sans Mono"/>
+              </a:rPr>
+              <a:t>=&gt;</a:t>
+            </a:r>
+            <a:r>
+              <a:rPr lang="es-ES" sz="1400" dirty="0">
+                <a:solidFill>
+                  <a:srgbClr val="6688CC"/>
+                </a:solidFill>
+                <a:latin typeface="Droid Sans Mono"/>
+              </a:rPr>
+              <a:t> [</a:t>
+            </a:r>
+            <a:r>
+              <a:rPr lang="es-ES" sz="1400" dirty="0">
+                <a:solidFill>
+                  <a:srgbClr val="22AA44"/>
+                </a:solidFill>
+                <a:latin typeface="Droid Sans Mono"/>
+              </a:rPr>
+              <a:t>'</a:t>
+            </a:r>
+            <a:r>
+              <a:rPr lang="es-ES" sz="1400" dirty="0" err="1">
+                <a:solidFill>
+                  <a:srgbClr val="22AA44"/>
+                </a:solidFill>
+                <a:latin typeface="Droid Sans Mono"/>
+              </a:rPr>
+              <a:t>required</a:t>
+            </a:r>
+            <a:r>
+              <a:rPr lang="es-ES" sz="1400" dirty="0">
+                <a:solidFill>
+                  <a:srgbClr val="22AA44"/>
+                </a:solidFill>
+                <a:latin typeface="Droid Sans Mono"/>
+              </a:rPr>
+              <a:t>'</a:t>
+            </a:r>
+            <a:r>
+              <a:rPr lang="es-ES" sz="1400" dirty="0">
+                <a:solidFill>
+                  <a:srgbClr val="6688CC"/>
+                </a:solidFill>
+                <a:latin typeface="Droid Sans Mono"/>
+              </a:rPr>
+              <a:t>, </a:t>
+            </a:r>
+            <a:r>
+              <a:rPr lang="es-ES" sz="1400" dirty="0">
+                <a:solidFill>
+                  <a:srgbClr val="22AA44"/>
+                </a:solidFill>
+                <a:latin typeface="Droid Sans Mono"/>
+              </a:rPr>
+              <a:t>'date'</a:t>
+            </a:r>
+            <a:r>
+              <a:rPr lang="es-ES" sz="1400" dirty="0">
+                <a:solidFill>
+                  <a:srgbClr val="6688CC"/>
+                </a:solidFill>
+                <a:latin typeface="Droid Sans Mono"/>
+              </a:rPr>
+              <a:t>],</a:t>
+            </a:r>
+            <a:endParaRPr lang="es-ES" sz="1400" dirty="0">
+              <a:solidFill>
+                <a:srgbClr val="BBBBBB"/>
+              </a:solidFill>
+              <a:latin typeface="Droid Sans Mono"/>
+            </a:endParaRPr>
+          </a:p>
+          <a:p>
+            <a:pPr lvl="1"/>
+            <a:r>
+              <a:rPr lang="es-ES" sz="1400" dirty="0">
+                <a:solidFill>
+                  <a:srgbClr val="22AA44"/>
+                </a:solidFill>
+                <a:latin typeface="Droid Sans Mono"/>
+              </a:rPr>
+              <a:t>'</a:t>
+            </a:r>
+            <a:r>
+              <a:rPr lang="es-ES" sz="1400" dirty="0" err="1">
+                <a:solidFill>
+                  <a:srgbClr val="22AA44"/>
+                </a:solidFill>
+                <a:latin typeface="Droid Sans Mono"/>
+              </a:rPr>
+              <a:t>telefono</a:t>
+            </a:r>
+            <a:r>
+              <a:rPr lang="es-ES" sz="1400" dirty="0">
+                <a:solidFill>
+                  <a:srgbClr val="22AA44"/>
+                </a:solidFill>
+                <a:latin typeface="Droid Sans Mono"/>
+              </a:rPr>
+              <a:t>'</a:t>
+            </a:r>
+            <a:r>
+              <a:rPr lang="es-ES" sz="1400" dirty="0">
+                <a:solidFill>
+                  <a:srgbClr val="6688CC"/>
+                </a:solidFill>
+                <a:latin typeface="Droid Sans Mono"/>
+              </a:rPr>
+              <a:t> </a:t>
+            </a:r>
+            <a:r>
+              <a:rPr lang="es-ES" sz="1400" dirty="0">
+                <a:solidFill>
+                  <a:srgbClr val="225588"/>
+                </a:solidFill>
+                <a:latin typeface="Droid Sans Mono"/>
+              </a:rPr>
+              <a:t>=&gt;</a:t>
+            </a:r>
+            <a:r>
+              <a:rPr lang="es-ES" sz="1400" dirty="0">
+                <a:solidFill>
+                  <a:srgbClr val="6688CC"/>
+                </a:solidFill>
+                <a:latin typeface="Droid Sans Mono"/>
+              </a:rPr>
+              <a:t> [</a:t>
+            </a:r>
+            <a:r>
+              <a:rPr lang="es-ES" sz="1400" dirty="0">
+                <a:solidFill>
+                  <a:srgbClr val="22AA44"/>
+                </a:solidFill>
+                <a:latin typeface="Droid Sans Mono"/>
+              </a:rPr>
+              <a:t>'</a:t>
+            </a:r>
+            <a:r>
+              <a:rPr lang="es-ES" sz="1400" dirty="0" err="1">
+                <a:solidFill>
+                  <a:srgbClr val="22AA44"/>
+                </a:solidFill>
+                <a:latin typeface="Droid Sans Mono"/>
+              </a:rPr>
+              <a:t>required</a:t>
+            </a:r>
+            <a:r>
+              <a:rPr lang="es-ES" sz="1400" dirty="0">
+                <a:solidFill>
+                  <a:srgbClr val="22AA44"/>
+                </a:solidFill>
+                <a:latin typeface="Droid Sans Mono"/>
+              </a:rPr>
+              <a:t>'</a:t>
+            </a:r>
+            <a:r>
+              <a:rPr lang="es-ES" sz="1400" dirty="0">
+                <a:solidFill>
+                  <a:srgbClr val="6688CC"/>
+                </a:solidFill>
+                <a:latin typeface="Droid Sans Mono"/>
+              </a:rPr>
+              <a:t>, </a:t>
+            </a:r>
+            <a:r>
+              <a:rPr lang="es-ES" sz="1400" dirty="0">
+                <a:solidFill>
+                  <a:srgbClr val="22AA44"/>
+                </a:solidFill>
+                <a:latin typeface="Droid Sans Mono"/>
+              </a:rPr>
+              <a:t>'</a:t>
+            </a:r>
+            <a:r>
+              <a:rPr lang="es-ES" sz="1400" dirty="0" err="1">
+                <a:solidFill>
+                  <a:srgbClr val="22AA44"/>
+                </a:solidFill>
+                <a:latin typeface="Droid Sans Mono"/>
+              </a:rPr>
+              <a:t>numeric</a:t>
+            </a:r>
+            <a:r>
+              <a:rPr lang="es-ES" sz="1400" dirty="0">
+                <a:solidFill>
+                  <a:srgbClr val="22AA44"/>
+                </a:solidFill>
+                <a:latin typeface="Droid Sans Mono"/>
+              </a:rPr>
+              <a:t>'</a:t>
+            </a:r>
+            <a:r>
+              <a:rPr lang="es-ES" sz="1400" dirty="0">
+                <a:solidFill>
+                  <a:srgbClr val="6688CC"/>
+                </a:solidFill>
+                <a:latin typeface="Droid Sans Mono"/>
+              </a:rPr>
+              <a:t>]</a:t>
+            </a:r>
+            <a:endParaRPr lang="es-ES" sz="1400" dirty="0">
+              <a:solidFill>
+                <a:srgbClr val="BBBBBB"/>
+              </a:solidFill>
+              <a:latin typeface="Droid Sans Mono"/>
+            </a:endParaRPr>
+          </a:p>
+          <a:p>
+            <a:r>
+              <a:rPr lang="es-ES" sz="1400" dirty="0">
+                <a:solidFill>
+                  <a:srgbClr val="6688CC"/>
+                </a:solidFill>
+                <a:latin typeface="Droid Sans Mono"/>
+              </a:rPr>
+              <a:t>]);</a:t>
+            </a:r>
+            <a:endParaRPr lang="es-ES" sz="1400" dirty="0">
+              <a:solidFill>
+                <a:srgbClr val="BBBBBB"/>
+              </a:solidFill>
+              <a:latin typeface="Droid Sans Mono"/>
+            </a:endParaRPr>
+          </a:p>
+        </p:txBody>
+      </p:sp>
+      <p:sp>
+        <p:nvSpPr>
+          <p:cNvPr id="4" name="CuadroTexto 3">
+            <a:extLst>
+              <a:ext uri="{FF2B5EF4-FFF2-40B4-BE49-F238E27FC236}">
+                <a16:creationId xmlns:a16="http://schemas.microsoft.com/office/drawing/2014/main" id="{26AB5813-200A-4C50-AE04-B9DFA5F62F74}"/>
+              </a:ext>
+            </a:extLst>
+          </p:cNvPr>
+          <p:cNvSpPr txBox="1"/>
+          <p:nvPr/>
+        </p:nvSpPr>
+        <p:spPr>
+          <a:xfrm>
+            <a:off x="497149" y="1279938"/>
+            <a:ext cx="5761607" cy="1600436"/>
+          </a:xfrm>
+          <a:prstGeom prst="rect">
+            <a:avLst/>
+          </a:prstGeom>
+          <a:ln/>
+        </p:spPr>
+        <p:style>
+          <a:lnRef idx="1">
+            <a:schemeClr val="accent4"/>
+          </a:lnRef>
+          <a:fillRef idx="2">
+            <a:schemeClr val="accent4"/>
+          </a:fillRef>
+          <a:effectRef idx="1">
+            <a:schemeClr val="accent4"/>
+          </a:effectRef>
+          <a:fontRef idx="minor">
+            <a:schemeClr val="dk1"/>
+          </a:fontRef>
+        </p:style>
+        <p:txBody>
+          <a:bodyPr rot="0" spcFirstLastPara="1" vertOverflow="overflow" horzOverflow="overflow" vert="horz" wrap="square" lIns="45719" tIns="45719" rIns="45719" bIns="45719" numCol="1" spcCol="38100" rtlCol="0" anchor="t">
+            <a:spAutoFit/>
+          </a:bodyPr>
+          <a:lstStyle/>
+          <a:p>
+            <a:r>
+              <a:rPr lang="es-ES" sz="1400" i="1" dirty="0">
+                <a:solidFill>
+                  <a:srgbClr val="9966B8"/>
+                </a:solidFill>
+                <a:latin typeface="Droid Sans Mono"/>
+              </a:rPr>
+              <a:t>"</a:t>
+            </a:r>
+            <a:r>
+              <a:rPr lang="es-ES" sz="1400" i="1" dirty="0" err="1">
+                <a:solidFill>
+                  <a:srgbClr val="9966B8"/>
+                </a:solidFill>
+                <a:latin typeface="Droid Sans Mono"/>
+              </a:rPr>
+              <a:t>require</a:t>
+            </a:r>
+            <a:r>
+              <a:rPr lang="es-ES" sz="1400" i="1" dirty="0">
+                <a:solidFill>
+                  <a:srgbClr val="9966B8"/>
+                </a:solidFill>
+                <a:latin typeface="Droid Sans Mono"/>
+              </a:rPr>
+              <a:t>"</a:t>
+            </a:r>
+            <a:r>
+              <a:rPr lang="es-ES" sz="1400" dirty="0">
+                <a:solidFill>
+                  <a:schemeClr val="tx1"/>
+                </a:solidFill>
+                <a:latin typeface="Droid Sans Mono"/>
+              </a:rPr>
+              <a:t>: {								</a:t>
+            </a:r>
+            <a:r>
+              <a:rPr lang="es-ES" sz="1400" i="1" dirty="0" err="1">
+                <a:solidFill>
+                  <a:schemeClr val="tx1"/>
+                </a:solidFill>
+                <a:latin typeface="Droid Sans Mono"/>
+              </a:rPr>
+              <a:t>composer.json</a:t>
+            </a:r>
+            <a:endParaRPr lang="es-ES" sz="1400" i="1" dirty="0">
+              <a:solidFill>
+                <a:schemeClr val="tx1"/>
+              </a:solidFill>
+              <a:latin typeface="Droid Sans Mono"/>
+            </a:endParaRPr>
+          </a:p>
+          <a:p>
+            <a:pPr lvl="1"/>
+            <a:r>
+              <a:rPr lang="es-ES" sz="1400" i="1" dirty="0">
+                <a:solidFill>
+                  <a:srgbClr val="9966B8"/>
+                </a:solidFill>
+                <a:latin typeface="Droid Sans Mono"/>
+              </a:rPr>
+              <a:t>"</a:t>
+            </a:r>
+            <a:r>
+              <a:rPr lang="es-ES" sz="1400" i="1" dirty="0" err="1">
+                <a:solidFill>
+                  <a:srgbClr val="9966B8"/>
+                </a:solidFill>
+                <a:latin typeface="Droid Sans Mono"/>
+              </a:rPr>
+              <a:t>php</a:t>
+            </a:r>
+            <a:r>
+              <a:rPr lang="es-ES" sz="1400" i="1" dirty="0">
+                <a:solidFill>
+                  <a:srgbClr val="9966B8"/>
+                </a:solidFill>
+                <a:latin typeface="Droid Sans Mono"/>
+              </a:rPr>
+              <a:t>"</a:t>
+            </a:r>
+            <a:r>
+              <a:rPr lang="es-ES" sz="1400" dirty="0">
+                <a:solidFill>
+                  <a:srgbClr val="BBBBBB"/>
+                </a:solidFill>
+                <a:latin typeface="Droid Sans Mono"/>
+              </a:rPr>
+              <a:t>: </a:t>
+            </a:r>
+            <a:r>
+              <a:rPr lang="es-ES" sz="1400" dirty="0">
+                <a:solidFill>
+                  <a:srgbClr val="22AA44"/>
+                </a:solidFill>
+                <a:latin typeface="Droid Sans Mono"/>
+              </a:rPr>
+              <a:t>"^7.1.3"</a:t>
+            </a:r>
+            <a:r>
+              <a:rPr lang="es-ES" sz="1400" dirty="0">
+                <a:solidFill>
+                  <a:srgbClr val="BBBBBB"/>
+                </a:solidFill>
+                <a:latin typeface="Droid Sans Mono"/>
+              </a:rPr>
+              <a:t>,</a:t>
+            </a:r>
+          </a:p>
+          <a:p>
+            <a:pPr lvl="1"/>
+            <a:r>
+              <a:rPr lang="es-ES" sz="1400" i="1" dirty="0">
+                <a:solidFill>
+                  <a:srgbClr val="9966B8"/>
+                </a:solidFill>
+                <a:latin typeface="Droid Sans Mono"/>
+              </a:rPr>
+              <a:t>"</a:t>
+            </a:r>
+            <a:r>
+              <a:rPr lang="es-ES" sz="1400" i="1" dirty="0" err="1">
+                <a:solidFill>
+                  <a:srgbClr val="9966B8"/>
+                </a:solidFill>
+                <a:latin typeface="Droid Sans Mono"/>
+              </a:rPr>
+              <a:t>fideloper</a:t>
+            </a:r>
+            <a:r>
+              <a:rPr lang="es-ES" sz="1400" i="1" dirty="0">
+                <a:solidFill>
+                  <a:srgbClr val="9966B8"/>
+                </a:solidFill>
+                <a:latin typeface="Droid Sans Mono"/>
+              </a:rPr>
+              <a:t>/proxy"</a:t>
+            </a:r>
+            <a:r>
+              <a:rPr lang="es-ES" sz="1400" dirty="0">
+                <a:solidFill>
+                  <a:srgbClr val="BBBBBB"/>
+                </a:solidFill>
+                <a:latin typeface="Droid Sans Mono"/>
+              </a:rPr>
+              <a:t>: </a:t>
+            </a:r>
+            <a:r>
+              <a:rPr lang="es-ES" sz="1400" dirty="0">
+                <a:solidFill>
+                  <a:srgbClr val="22AA44"/>
+                </a:solidFill>
+                <a:latin typeface="Droid Sans Mono"/>
+              </a:rPr>
+              <a:t>"^4.0"</a:t>
+            </a:r>
+            <a:r>
+              <a:rPr lang="es-ES" sz="1400" dirty="0">
+                <a:solidFill>
+                  <a:srgbClr val="BBBBBB"/>
+                </a:solidFill>
+                <a:latin typeface="Droid Sans Mono"/>
+              </a:rPr>
+              <a:t>,</a:t>
+            </a:r>
+          </a:p>
+          <a:p>
+            <a:pPr lvl="1"/>
+            <a:r>
+              <a:rPr lang="es-ES" sz="1400" i="1" dirty="0">
+                <a:solidFill>
+                  <a:srgbClr val="9966B8"/>
+                </a:solidFill>
+                <a:latin typeface="Droid Sans Mono"/>
+              </a:rPr>
+              <a:t>"</a:t>
+            </a:r>
+            <a:r>
+              <a:rPr lang="es-ES" sz="1400" i="1" dirty="0" err="1">
+                <a:solidFill>
+                  <a:srgbClr val="9966B8"/>
+                </a:solidFill>
+                <a:latin typeface="Droid Sans Mono"/>
+              </a:rPr>
+              <a:t>laravel</a:t>
+            </a:r>
+            <a:r>
+              <a:rPr lang="es-ES" sz="1400" i="1" dirty="0">
+                <a:solidFill>
+                  <a:srgbClr val="9966B8"/>
+                </a:solidFill>
+                <a:latin typeface="Droid Sans Mono"/>
+              </a:rPr>
+              <a:t>/</a:t>
+            </a:r>
+            <a:r>
+              <a:rPr lang="es-ES" sz="1400" i="1" dirty="0" err="1">
+                <a:solidFill>
+                  <a:srgbClr val="9966B8"/>
+                </a:solidFill>
+                <a:latin typeface="Droid Sans Mono"/>
+              </a:rPr>
+              <a:t>framework</a:t>
+            </a:r>
+            <a:r>
+              <a:rPr lang="es-ES" sz="1400" i="1" dirty="0">
+                <a:solidFill>
+                  <a:srgbClr val="9966B8"/>
+                </a:solidFill>
+                <a:latin typeface="Droid Sans Mono"/>
+              </a:rPr>
+              <a:t>"</a:t>
+            </a:r>
+            <a:r>
+              <a:rPr lang="es-ES" sz="1400" dirty="0">
+                <a:solidFill>
+                  <a:srgbClr val="BBBBBB"/>
+                </a:solidFill>
+                <a:latin typeface="Droid Sans Mono"/>
+              </a:rPr>
+              <a:t>: </a:t>
+            </a:r>
+            <a:r>
+              <a:rPr lang="es-ES" sz="1400" dirty="0">
+                <a:solidFill>
+                  <a:srgbClr val="22AA44"/>
+                </a:solidFill>
+                <a:latin typeface="Droid Sans Mono"/>
+              </a:rPr>
+              <a:t>"5.7.*"</a:t>
+            </a:r>
+            <a:r>
+              <a:rPr lang="es-ES" sz="1400" dirty="0">
+                <a:solidFill>
+                  <a:srgbClr val="BBBBBB"/>
+                </a:solidFill>
+                <a:latin typeface="Droid Sans Mono"/>
+              </a:rPr>
+              <a:t>,</a:t>
+            </a:r>
+          </a:p>
+          <a:p>
+            <a:pPr lvl="1"/>
+            <a:r>
+              <a:rPr lang="es-ES" sz="1400" i="1" dirty="0">
+                <a:solidFill>
+                  <a:srgbClr val="9966B8"/>
+                </a:solidFill>
+                <a:latin typeface="Droid Sans Mono"/>
+              </a:rPr>
+              <a:t>"</a:t>
+            </a:r>
+            <a:r>
+              <a:rPr lang="es-ES" sz="1400" i="1" dirty="0" err="1">
+                <a:solidFill>
+                  <a:srgbClr val="9966B8"/>
+                </a:solidFill>
+                <a:latin typeface="Droid Sans Mono"/>
+              </a:rPr>
+              <a:t>laravel</a:t>
+            </a:r>
+            <a:r>
+              <a:rPr lang="es-ES" sz="1400" i="1" dirty="0">
+                <a:solidFill>
+                  <a:srgbClr val="9966B8"/>
+                </a:solidFill>
+                <a:latin typeface="Droid Sans Mono"/>
+              </a:rPr>
+              <a:t>/</a:t>
+            </a:r>
+            <a:r>
+              <a:rPr lang="es-ES" sz="1400" i="1" dirty="0" err="1">
+                <a:solidFill>
+                  <a:srgbClr val="9966B8"/>
+                </a:solidFill>
+                <a:latin typeface="Droid Sans Mono"/>
+              </a:rPr>
+              <a:t>tinker</a:t>
+            </a:r>
+            <a:r>
+              <a:rPr lang="es-ES" sz="1400" i="1" dirty="0">
+                <a:solidFill>
+                  <a:srgbClr val="9966B8"/>
+                </a:solidFill>
+                <a:latin typeface="Droid Sans Mono"/>
+              </a:rPr>
+              <a:t>"</a:t>
+            </a:r>
+            <a:r>
+              <a:rPr lang="es-ES" sz="1400" dirty="0">
+                <a:solidFill>
+                  <a:srgbClr val="BBBBBB"/>
+                </a:solidFill>
+                <a:latin typeface="Droid Sans Mono"/>
+              </a:rPr>
+              <a:t>: </a:t>
+            </a:r>
+            <a:r>
+              <a:rPr lang="es-ES" sz="1400" dirty="0">
+                <a:solidFill>
+                  <a:srgbClr val="22AA44"/>
+                </a:solidFill>
+                <a:latin typeface="Droid Sans Mono"/>
+              </a:rPr>
+              <a:t>"^1.0"</a:t>
+            </a:r>
+            <a:r>
+              <a:rPr lang="es-ES" sz="1400" dirty="0">
+                <a:solidFill>
+                  <a:srgbClr val="BBBBBB"/>
+                </a:solidFill>
+                <a:latin typeface="Droid Sans Mono"/>
+              </a:rPr>
+              <a:t>,</a:t>
+            </a:r>
+          </a:p>
+          <a:p>
+            <a:pPr lvl="1"/>
+            <a:r>
+              <a:rPr lang="es-ES" sz="1400" i="1" dirty="0">
+                <a:solidFill>
+                  <a:schemeClr val="bg1"/>
+                </a:solidFill>
+                <a:highlight>
+                  <a:srgbClr val="008080"/>
+                </a:highlight>
+                <a:latin typeface="Droid Sans Mono"/>
+              </a:rPr>
+              <a:t>"</a:t>
+            </a:r>
+            <a:r>
+              <a:rPr lang="es-ES" sz="1400" i="1" dirty="0" err="1">
+                <a:solidFill>
+                  <a:schemeClr val="bg1"/>
+                </a:solidFill>
+                <a:highlight>
+                  <a:srgbClr val="008080"/>
+                </a:highlight>
+                <a:latin typeface="Droid Sans Mono"/>
+              </a:rPr>
+              <a:t>mpijierro</a:t>
+            </a:r>
+            <a:r>
+              <a:rPr lang="es-ES" sz="1400" i="1" dirty="0">
+                <a:solidFill>
+                  <a:schemeClr val="bg1"/>
+                </a:solidFill>
+                <a:highlight>
+                  <a:srgbClr val="008080"/>
+                </a:highlight>
+                <a:latin typeface="Droid Sans Mono"/>
+              </a:rPr>
+              <a:t>/</a:t>
+            </a:r>
+            <a:r>
+              <a:rPr lang="es-ES" sz="1400" i="1" dirty="0" err="1">
+                <a:solidFill>
+                  <a:schemeClr val="bg1"/>
+                </a:solidFill>
+                <a:highlight>
+                  <a:srgbClr val="008080"/>
+                </a:highlight>
+                <a:latin typeface="Droid Sans Mono"/>
+              </a:rPr>
+              <a:t>identity</a:t>
+            </a:r>
+            <a:r>
+              <a:rPr lang="es-ES" sz="1400" i="1" dirty="0">
+                <a:solidFill>
+                  <a:schemeClr val="bg1"/>
+                </a:solidFill>
+                <a:highlight>
+                  <a:srgbClr val="008080"/>
+                </a:highlight>
+                <a:latin typeface="Droid Sans Mono"/>
+              </a:rPr>
+              <a:t>"</a:t>
+            </a:r>
+            <a:r>
+              <a:rPr lang="es-ES" sz="1400" dirty="0">
+                <a:solidFill>
+                  <a:schemeClr val="bg1"/>
+                </a:solidFill>
+                <a:highlight>
+                  <a:srgbClr val="008080"/>
+                </a:highlight>
+                <a:latin typeface="Droid Sans Mono"/>
+              </a:rPr>
+              <a:t>: "</a:t>
+            </a:r>
+            <a:r>
+              <a:rPr lang="es-ES" sz="1400" dirty="0" err="1">
+                <a:solidFill>
+                  <a:schemeClr val="bg1"/>
+                </a:solidFill>
+                <a:highlight>
+                  <a:srgbClr val="008080"/>
+                </a:highlight>
+                <a:latin typeface="Droid Sans Mono"/>
+              </a:rPr>
+              <a:t>dev</a:t>
+            </a:r>
+            <a:r>
+              <a:rPr lang="es-ES" sz="1400" dirty="0">
+                <a:solidFill>
+                  <a:schemeClr val="bg1"/>
+                </a:solidFill>
+                <a:highlight>
+                  <a:srgbClr val="008080"/>
+                </a:highlight>
+                <a:latin typeface="Droid Sans Mono"/>
+              </a:rPr>
+              <a:t>-master"</a:t>
+            </a:r>
+          </a:p>
+          <a:p>
+            <a:r>
+              <a:rPr lang="es-ES" sz="1400" dirty="0">
+                <a:solidFill>
+                  <a:schemeClr val="tx1"/>
+                </a:solidFill>
+                <a:latin typeface="Droid Sans Mono"/>
+              </a:rPr>
+              <a:t>},</a:t>
+            </a:r>
+          </a:p>
+        </p:txBody>
+      </p:sp>
+      <p:sp>
+        <p:nvSpPr>
+          <p:cNvPr id="5" name="CuadroTexto 4">
+            <a:extLst>
+              <a:ext uri="{FF2B5EF4-FFF2-40B4-BE49-F238E27FC236}">
+                <a16:creationId xmlns:a16="http://schemas.microsoft.com/office/drawing/2014/main" id="{14B71C58-60A5-45C6-A091-400C9618FFCE}"/>
+              </a:ext>
+            </a:extLst>
+          </p:cNvPr>
+          <p:cNvSpPr txBox="1"/>
+          <p:nvPr/>
+        </p:nvSpPr>
+        <p:spPr>
+          <a:xfrm>
+            <a:off x="497149" y="3093717"/>
+            <a:ext cx="5832629" cy="1169549"/>
+          </a:xfrm>
+          <a:prstGeom prst="rect">
+            <a:avLst/>
+          </a:prstGeom>
+          <a:ln/>
+        </p:spPr>
+        <p:style>
+          <a:lnRef idx="1">
+            <a:schemeClr val="accent4"/>
+          </a:lnRef>
+          <a:fillRef idx="2">
+            <a:schemeClr val="accent4"/>
+          </a:fillRef>
+          <a:effectRef idx="1">
+            <a:schemeClr val="accent4"/>
+          </a:effectRef>
+          <a:fontRef idx="minor">
+            <a:schemeClr val="dk1"/>
+          </a:fontRef>
+        </p:style>
+        <p:txBody>
+          <a:bodyPr rot="0" spcFirstLastPara="1" vertOverflow="overflow" horzOverflow="overflow" vert="horz" wrap="square" lIns="45719" tIns="45719" rIns="45719" bIns="45719" numCol="1" spcCol="38100" rtlCol="0" anchor="t">
+            <a:spAutoFit/>
+          </a:bodyPr>
+          <a:lstStyle/>
+          <a:p>
+            <a:r>
+              <a:rPr lang="es-ES" sz="1400" dirty="0">
+                <a:solidFill>
+                  <a:srgbClr val="22AA44"/>
+                </a:solidFill>
+                <a:latin typeface="Droid Sans Mono"/>
+              </a:rPr>
+              <a:t>'</a:t>
+            </a:r>
+            <a:r>
+              <a:rPr lang="es-ES" sz="1400" dirty="0" err="1">
+                <a:solidFill>
+                  <a:srgbClr val="22AA44"/>
+                </a:solidFill>
+                <a:latin typeface="Droid Sans Mono"/>
+              </a:rPr>
+              <a:t>providers</a:t>
+            </a:r>
+            <a:r>
+              <a:rPr lang="es-ES" sz="1400" dirty="0">
+                <a:solidFill>
+                  <a:srgbClr val="22AA44"/>
+                </a:solidFill>
+                <a:latin typeface="Droid Sans Mono"/>
+              </a:rPr>
+              <a:t>'</a:t>
+            </a:r>
+            <a:r>
+              <a:rPr lang="es-ES" sz="1400" dirty="0">
+                <a:solidFill>
+                  <a:srgbClr val="6688CC"/>
+                </a:solidFill>
+                <a:latin typeface="Droid Sans Mono"/>
+              </a:rPr>
+              <a:t> </a:t>
+            </a:r>
+            <a:r>
+              <a:rPr lang="es-ES" sz="1400" dirty="0">
+                <a:solidFill>
+                  <a:srgbClr val="225588"/>
+                </a:solidFill>
+                <a:latin typeface="Droid Sans Mono"/>
+              </a:rPr>
+              <a:t>=&gt;</a:t>
+            </a:r>
+            <a:r>
+              <a:rPr lang="es-ES" sz="1400" dirty="0">
+                <a:solidFill>
+                  <a:srgbClr val="6688CC"/>
+                </a:solidFill>
+                <a:latin typeface="Droid Sans Mono"/>
+              </a:rPr>
+              <a:t> [								</a:t>
+            </a:r>
+            <a:r>
+              <a:rPr lang="es-ES" sz="1400" dirty="0" err="1">
+                <a:solidFill>
+                  <a:schemeClr val="tx1"/>
+                </a:solidFill>
+                <a:latin typeface="Droid Sans Mono"/>
+              </a:rPr>
+              <a:t>app.php</a:t>
+            </a:r>
+            <a:endParaRPr lang="es-ES" sz="1400" dirty="0">
+              <a:solidFill>
+                <a:srgbClr val="BBBBBB"/>
+              </a:solidFill>
+              <a:latin typeface="Droid Sans Mono"/>
+            </a:endParaRPr>
+          </a:p>
+          <a:p>
+            <a:r>
+              <a:rPr lang="es-ES" sz="1400" dirty="0">
+                <a:solidFill>
+                  <a:srgbClr val="6688CC"/>
+                </a:solidFill>
+                <a:latin typeface="Droid Sans Mono"/>
+              </a:rPr>
+              <a:t>	…</a:t>
+            </a:r>
+          </a:p>
+          <a:p>
+            <a:r>
+              <a:rPr lang="es-ES" sz="1400" dirty="0">
+                <a:solidFill>
+                  <a:srgbClr val="6688CC"/>
+                </a:solidFill>
+                <a:latin typeface="Droid Sans Mono"/>
+              </a:rPr>
+              <a:t>	\</a:t>
+            </a:r>
+            <a:r>
+              <a:rPr lang="es-ES" sz="1400" dirty="0" err="1">
+                <a:solidFill>
+                  <a:srgbClr val="6688CC"/>
+                </a:solidFill>
+                <a:latin typeface="Droid Sans Mono"/>
+              </a:rPr>
+              <a:t>MPijierro</a:t>
+            </a:r>
+            <a:r>
+              <a:rPr lang="es-ES" sz="1400" dirty="0">
+                <a:solidFill>
+                  <a:srgbClr val="6688CC"/>
+                </a:solidFill>
+                <a:latin typeface="Droid Sans Mono"/>
+              </a:rPr>
+              <a:t>\</a:t>
+            </a:r>
+            <a:r>
+              <a:rPr lang="es-ES" sz="1400" dirty="0" err="1">
+                <a:solidFill>
+                  <a:srgbClr val="6688CC"/>
+                </a:solidFill>
+                <a:latin typeface="Droid Sans Mono"/>
+              </a:rPr>
+              <a:t>Identity</a:t>
+            </a:r>
+            <a:r>
+              <a:rPr lang="es-ES" sz="1400" dirty="0">
+                <a:solidFill>
+                  <a:srgbClr val="6688CC"/>
+                </a:solidFill>
+                <a:latin typeface="Droid Sans Mono"/>
+              </a:rPr>
+              <a:t>\</a:t>
+            </a:r>
+            <a:r>
+              <a:rPr lang="es-ES" sz="1400" i="1" dirty="0" err="1">
+                <a:solidFill>
+                  <a:srgbClr val="9966B8"/>
+                </a:solidFill>
+                <a:latin typeface="Droid Sans Mono"/>
+              </a:rPr>
+              <a:t>IdentityServiceProvider</a:t>
+            </a:r>
+            <a:r>
+              <a:rPr lang="es-ES" sz="1400" dirty="0">
+                <a:solidFill>
+                  <a:srgbClr val="225588"/>
+                </a:solidFill>
+                <a:latin typeface="Droid Sans Mono"/>
+              </a:rPr>
+              <a:t>::</a:t>
+            </a:r>
+            <a:r>
+              <a:rPr lang="es-ES" sz="1400" dirty="0" err="1">
+                <a:solidFill>
+                  <a:srgbClr val="225588"/>
+                </a:solidFill>
+                <a:latin typeface="Droid Sans Mono"/>
+              </a:rPr>
+              <a:t>class</a:t>
+            </a:r>
+            <a:r>
+              <a:rPr lang="es-ES" sz="1400" dirty="0">
+                <a:solidFill>
+                  <a:srgbClr val="6688CC"/>
+                </a:solidFill>
+                <a:latin typeface="Droid Sans Mono"/>
+              </a:rPr>
+              <a:t>,</a:t>
+            </a:r>
+            <a:endParaRPr lang="es-ES" sz="1400" dirty="0">
+              <a:solidFill>
+                <a:srgbClr val="BBBBBB"/>
+              </a:solidFill>
+              <a:latin typeface="Droid Sans Mono"/>
+            </a:endParaRPr>
+          </a:p>
+          <a:p>
+            <a:br>
+              <a:rPr lang="es-ES" sz="1400" dirty="0">
+                <a:solidFill>
+                  <a:srgbClr val="BBBBBB"/>
+                </a:solidFill>
+                <a:latin typeface="Droid Sans Mono"/>
+              </a:rPr>
+            </a:br>
+            <a:r>
+              <a:rPr lang="es-ES" sz="1400" dirty="0">
+                <a:solidFill>
+                  <a:srgbClr val="6688CC"/>
+                </a:solidFill>
+                <a:latin typeface="Droid Sans Mono"/>
+              </a:rPr>
+              <a:t>],</a:t>
+            </a:r>
+            <a:endParaRPr lang="es-ES" sz="1400" dirty="0">
+              <a:solidFill>
+                <a:srgbClr val="BBBBBB"/>
+              </a:solidFill>
+              <a:latin typeface="Droid Sans Mono"/>
+            </a:endParaRPr>
+          </a:p>
+        </p:txBody>
+      </p:sp>
+    </p:spTree>
+    <p:extLst>
+      <p:ext uri="{BB962C8B-B14F-4D97-AF65-F5344CB8AC3E}">
+        <p14:creationId xmlns:p14="http://schemas.microsoft.com/office/powerpoint/2010/main" val="34732074"/>
+      </p:ext>
+    </p:extLst>
+  </p:cSld>
+  <p:clrMapOvr>
+    <a:masterClrMapping/>
+  </p:clrMapOvr>
+  <p:transition spd="med"/>
+</p:sld>
+</file>
+
+<file path=ppt/slides/slide16.xml><?xml version="1.0" encoding="utf-8"?>
+<p:sld xmlns:a="http://schemas.openxmlformats.org/drawingml/2006/main" xmlns:r="http://schemas.openxmlformats.org/officeDocument/2006/relationships" xmlns:p="http://schemas.openxmlformats.org/presentationml/2006/main">
+  <p:cSld>
+    <p:spTree>
+      <p:nvGrpSpPr>
+        <p:cNvPr id="1" name=""/>
+        <p:cNvGrpSpPr/>
+        <p:nvPr/>
+      </p:nvGrpSpPr>
+      <p:grpSpPr>
+        <a:xfrm>
+          <a:off x="0" y="0"/>
+          <a:ext cx="0" cy="0"/>
+          <a:chOff x="0" y="0"/>
+          <a:chExt cx="0" cy="0"/>
+        </a:xfrm>
+      </p:grpSpPr>
       <p:sp>
         <p:nvSpPr>
           <p:cNvPr id="190" name="Título 1"/>
@@ -4203,7 +9414,7 @@
           </a:ln>
           <a:extLst>
             <a:ext uri="{C572A759-6A51-4108-AA02-DFA0A04FC94B}">
-              <ma14:wrappingTextBoxFlag xmlns="" xmlns:m="http://schemas.openxmlformats.org/officeDocument/2006/math" xmlns:a14="http://schemas.microsoft.com/office/drawing/2010/main" xmlns:ma14="http://schemas.microsoft.com/office/mac/drawingml/2011/main" val="1"/>
+              <ma14:wrappingTextBoxFlag xmlns:ma14="http://schemas.microsoft.com/office/mac/drawingml/2011/main" xmlns:a14="http://schemas.microsoft.com/office/drawing/2010/main" xmlns:m="http://schemas.openxmlformats.org/officeDocument/2006/math" xmlns="" val="1"/>
             </a:ext>
           </a:extLst>
         </p:spPr>
@@ -4473,7 +9684,7 @@
           </a:ln>
           <a:extLst>
             <a:ext uri="{C572A759-6A51-4108-AA02-DFA0A04FC94B}">
-              <ma14:wrappingTextBoxFlag xmlns="" xmlns:m="http://schemas.openxmlformats.org/officeDocument/2006/math" xmlns:a14="http://schemas.microsoft.com/office/drawing/2010/main" xmlns:ma14="http://schemas.microsoft.com/office/mac/drawingml/2011/main" val="1"/>
+              <ma14:wrappingTextBoxFlag xmlns:ma14="http://schemas.microsoft.com/office/mac/drawingml/2011/main" xmlns:a14="http://schemas.microsoft.com/office/drawing/2010/main" xmlns:m="http://schemas.openxmlformats.org/officeDocument/2006/math" xmlns="" val="1"/>
             </a:ext>
           </a:extLst>
         </p:spPr>
@@ -4870,7 +10081,7 @@
           </a:ln>
           <a:extLst>
             <a:ext uri="{C572A759-6A51-4108-AA02-DFA0A04FC94B}">
-              <ma14:wrappingTextBoxFlag xmlns="" xmlns:m="http://schemas.openxmlformats.org/officeDocument/2006/math" xmlns:a14="http://schemas.microsoft.com/office/drawing/2010/main" xmlns:ma14="http://schemas.microsoft.com/office/mac/drawingml/2011/main" val="1"/>
+              <ma14:wrappingTextBoxFlag xmlns:ma14="http://schemas.microsoft.com/office/mac/drawingml/2011/main" xmlns:a14="http://schemas.microsoft.com/office/drawing/2010/main" xmlns:m="http://schemas.openxmlformats.org/officeDocument/2006/math" xmlns="" val="1"/>
             </a:ext>
           </a:extLst>
         </p:spPr>
@@ -5518,7 +10729,7 @@
           </a:ln>
           <a:extLst>
             <a:ext uri="{C572A759-6A51-4108-AA02-DFA0A04FC94B}">
-              <ma14:wrappingTextBoxFlag xmlns="" xmlns:m="http://schemas.openxmlformats.org/officeDocument/2006/math" xmlns:a14="http://schemas.microsoft.com/office/drawing/2010/main" xmlns:ma14="http://schemas.microsoft.com/office/mac/drawingml/2011/main" val="1"/>
+              <ma14:wrappingTextBoxFlag xmlns:ma14="http://schemas.microsoft.com/office/mac/drawingml/2011/main" xmlns:a14="http://schemas.microsoft.com/office/drawing/2010/main" xmlns:m="http://schemas.openxmlformats.org/officeDocument/2006/math" xmlns="" val="1"/>
             </a:ext>
           </a:extLst>
         </p:spPr>
@@ -5693,12 +10904,8 @@
               <a:buChar char="•"/>
             </a:pPr>
             <a:r>
-              <a:rPr lang="es-ES" dirty="0" err="1"/>
-              <a:t>Validadción</a:t>
-            </a:r>
-            <a:r>
               <a:rPr lang="es-ES" dirty="0"/>
-              <a:t> y Autentificación de usuarios</a:t>
+              <a:t>Validación y Autentificación de usuarios</a:t>
             </a:r>
             <a:endParaRPr dirty="0"/>
           </a:p>
@@ -5791,7 +10998,7 @@
           </a:ln>
           <a:extLst>
             <a:ext uri="{C572A759-6A51-4108-AA02-DFA0A04FC94B}">
-              <ma14:wrappingTextBoxFlag xmlns="" xmlns:m="http://schemas.openxmlformats.org/officeDocument/2006/math" xmlns:a14="http://schemas.microsoft.com/office/drawing/2010/main" xmlns:ma14="http://schemas.microsoft.com/office/mac/drawingml/2011/main" val="1"/>
+              <ma14:wrappingTextBoxFlag xmlns:ma14="http://schemas.microsoft.com/office/mac/drawingml/2011/main" xmlns:a14="http://schemas.microsoft.com/office/drawing/2010/main" xmlns:m="http://schemas.openxmlformats.org/officeDocument/2006/math" xmlns="" val="1"/>
             </a:ext>
           </a:extLst>
         </p:spPr>
@@ -5965,7 +11172,7 @@
           </a:ln>
           <a:extLst>
             <a:ext uri="{C572A759-6A51-4108-AA02-DFA0A04FC94B}">
-              <ma14:wrappingTextBoxFlag xmlns="" xmlns:m="http://schemas.openxmlformats.org/officeDocument/2006/math" xmlns:a14="http://schemas.microsoft.com/office/drawing/2010/main" xmlns:ma14="http://schemas.microsoft.com/office/mac/drawingml/2011/main" val="1"/>
+              <ma14:wrappingTextBoxFlag xmlns:ma14="http://schemas.microsoft.com/office/mac/drawingml/2011/main" xmlns:a14="http://schemas.microsoft.com/office/drawing/2010/main" xmlns:m="http://schemas.openxmlformats.org/officeDocument/2006/math" xmlns="" val="1"/>
             </a:ext>
           </a:extLst>
         </p:spPr>
@@ -6013,7 +11220,7 @@
           </a:ln>
           <a:extLst>
             <a:ext uri="{C572A759-6A51-4108-AA02-DFA0A04FC94B}">
-              <ma14:wrappingTextBoxFlag xmlns="" xmlns:m="http://schemas.openxmlformats.org/officeDocument/2006/math" xmlns:a14="http://schemas.microsoft.com/office/drawing/2010/main" xmlns:ma14="http://schemas.microsoft.com/office/mac/drawingml/2011/main" val="1"/>
+              <ma14:wrappingTextBoxFlag xmlns:ma14="http://schemas.microsoft.com/office/mac/drawingml/2011/main" xmlns:a14="http://schemas.microsoft.com/office/drawing/2010/main" xmlns:m="http://schemas.openxmlformats.org/officeDocument/2006/math" xmlns="" val="1"/>
             </a:ext>
           </a:extLst>
         </p:spPr>
@@ -6223,7 +11430,7 @@
           </a:ln>
           <a:extLst>
             <a:ext uri="{C572A759-6A51-4108-AA02-DFA0A04FC94B}">
-              <ma14:wrappingTextBoxFlag xmlns="" xmlns:m="http://schemas.openxmlformats.org/officeDocument/2006/math" xmlns:a14="http://schemas.microsoft.com/office/drawing/2010/main" xmlns:ma14="http://schemas.microsoft.com/office/mac/drawingml/2011/main" val="1"/>
+              <ma14:wrappingTextBoxFlag xmlns:ma14="http://schemas.microsoft.com/office/mac/drawingml/2011/main" xmlns:a14="http://schemas.microsoft.com/office/drawing/2010/main" xmlns:m="http://schemas.openxmlformats.org/officeDocument/2006/math" xmlns="" val="1"/>
             </a:ext>
           </a:extLst>
         </p:spPr>
@@ -6398,7 +11605,7 @@
           </a:ln>
           <a:extLst>
             <a:ext uri="{C572A759-6A51-4108-AA02-DFA0A04FC94B}">
-              <ma14:wrappingTextBoxFlag xmlns="" xmlns:m="http://schemas.openxmlformats.org/officeDocument/2006/math" xmlns:a14="http://schemas.microsoft.com/office/drawing/2010/main" xmlns:ma14="http://schemas.microsoft.com/office/mac/drawingml/2011/main" val="1"/>
+              <ma14:wrappingTextBoxFlag xmlns:ma14="http://schemas.microsoft.com/office/mac/drawingml/2011/main" xmlns:a14="http://schemas.microsoft.com/office/drawing/2010/main" xmlns:m="http://schemas.openxmlformats.org/officeDocument/2006/math" xmlns="" val="1"/>
             </a:ext>
           </a:extLst>
         </p:spPr>
@@ -6573,7 +11780,7 @@
           </a:ln>
           <a:extLst>
             <a:ext uri="{C572A759-6A51-4108-AA02-DFA0A04FC94B}">
-              <ma14:wrappingTextBoxFlag xmlns="" xmlns:m="http://schemas.openxmlformats.org/officeDocument/2006/math" xmlns:a14="http://schemas.microsoft.com/office/drawing/2010/main" xmlns:ma14="http://schemas.microsoft.com/office/mac/drawingml/2011/main" val="1"/>
+              <ma14:wrappingTextBoxFlag xmlns:ma14="http://schemas.microsoft.com/office/mac/drawingml/2011/main" xmlns:a14="http://schemas.microsoft.com/office/drawing/2010/main" xmlns:m="http://schemas.openxmlformats.org/officeDocument/2006/math" xmlns="" val="1"/>
             </a:ext>
           </a:extLst>
         </p:spPr>
@@ -6663,7 +11870,7 @@
           </a:ln>
           <a:extLst>
             <a:ext uri="{C572A759-6A51-4108-AA02-DFA0A04FC94B}">
-              <ma14:wrappingTextBoxFlag xmlns="" xmlns:m="http://schemas.openxmlformats.org/officeDocument/2006/math" xmlns:a14="http://schemas.microsoft.com/office/drawing/2010/main" xmlns:ma14="http://schemas.microsoft.com/office/mac/drawingml/2011/main" val="1"/>
+              <ma14:wrappingTextBoxFlag xmlns:ma14="http://schemas.microsoft.com/office/mac/drawingml/2011/main" xmlns:a14="http://schemas.microsoft.com/office/drawing/2010/main" xmlns:m="http://schemas.openxmlformats.org/officeDocument/2006/math" xmlns="" val="1"/>
             </a:ext>
           </a:extLst>
         </p:spPr>
@@ -6842,7 +12049,7 @@
           </a:ln>
           <a:extLst>
             <a:ext uri="{C572A759-6A51-4108-AA02-DFA0A04FC94B}">
-              <ma14:wrappingTextBoxFlag xmlns="" xmlns:m="http://schemas.openxmlformats.org/officeDocument/2006/math" xmlns:a14="http://schemas.microsoft.com/office/drawing/2010/main" xmlns:ma14="http://schemas.microsoft.com/office/mac/drawingml/2011/main" val="1"/>
+              <ma14:wrappingTextBoxFlag xmlns:ma14="http://schemas.microsoft.com/office/mac/drawingml/2011/main" xmlns:a14="http://schemas.microsoft.com/office/drawing/2010/main" xmlns:m="http://schemas.openxmlformats.org/officeDocument/2006/math" xmlns="" val="1"/>
             </a:ext>
           </a:extLst>
         </p:spPr>
@@ -6932,7 +12139,7 @@
           </a:ln>
           <a:extLst>
             <a:ext uri="{C572A759-6A51-4108-AA02-DFA0A04FC94B}">
-              <ma14:wrappingTextBoxFlag xmlns="" xmlns:m="http://schemas.openxmlformats.org/officeDocument/2006/math" xmlns:a14="http://schemas.microsoft.com/office/drawing/2010/main" xmlns:ma14="http://schemas.microsoft.com/office/mac/drawingml/2011/main" val="1"/>
+              <ma14:wrappingTextBoxFlag xmlns:ma14="http://schemas.microsoft.com/office/mac/drawingml/2011/main" xmlns:a14="http://schemas.microsoft.com/office/drawing/2010/main" xmlns:m="http://schemas.openxmlformats.org/officeDocument/2006/math" xmlns="" val="1"/>
             </a:ext>
           </a:extLst>
         </p:spPr>

--- a/AIRDSS.pptx
+++ b/AIRDSS.pptx
@@ -5,7 +5,7 @@
     <p:sldMasterId id="2147483648" r:id="rId1"/>
   </p:sldMasterIdLst>
   <p:notesMasterIdLst>
-    <p:notesMasterId r:id="rId18"/>
+    <p:notesMasterId r:id="rId23"/>
   </p:notesMasterIdLst>
   <p:sldIdLst>
     <p:sldId id="256" r:id="rId2"/>
@@ -14,16 +14,21 @@
     <p:sldId id="260" r:id="rId5"/>
     <p:sldId id="261" r:id="rId6"/>
     <p:sldId id="279" r:id="rId7"/>
-    <p:sldId id="280" r:id="rId8"/>
-    <p:sldId id="281" r:id="rId9"/>
-    <p:sldId id="282" r:id="rId10"/>
-    <p:sldId id="283" r:id="rId11"/>
-    <p:sldId id="277" r:id="rId12"/>
-    <p:sldId id="284" r:id="rId13"/>
-    <p:sldId id="285" r:id="rId14"/>
-    <p:sldId id="286" r:id="rId15"/>
-    <p:sldId id="287" r:id="rId16"/>
-    <p:sldId id="276" r:id="rId17"/>
+    <p:sldId id="288" r:id="rId8"/>
+    <p:sldId id="290" r:id="rId9"/>
+    <p:sldId id="293" r:id="rId10"/>
+    <p:sldId id="291" r:id="rId11"/>
+    <p:sldId id="292" r:id="rId12"/>
+    <p:sldId id="280" r:id="rId13"/>
+    <p:sldId id="281" r:id="rId14"/>
+    <p:sldId id="282" r:id="rId15"/>
+    <p:sldId id="283" r:id="rId16"/>
+    <p:sldId id="277" r:id="rId17"/>
+    <p:sldId id="284" r:id="rId18"/>
+    <p:sldId id="285" r:id="rId19"/>
+    <p:sldId id="286" r:id="rId20"/>
+    <p:sldId id="287" r:id="rId21"/>
+    <p:sldId id="276" r:id="rId22"/>
   </p:sldIdLst>
   <p:sldSz cx="12192000" cy="6858000"/>
   <p:notesSz cx="6858000" cy="9144000"/>
@@ -3677,6 +3682,1416 @@
         </p:nvSpPr>
         <p:spPr>
           <a:xfrm>
+            <a:off x="4304037" y="1715501"/>
+            <a:ext cx="3978010" cy="369332"/>
+          </a:xfrm>
+          <a:prstGeom prst="rect">
+            <a:avLst/>
+          </a:prstGeom>
+          <a:ln w="12700">
+            <a:miter lim="400000"/>
+          </a:ln>
+          <a:extLst>
+            <a:ext uri="{C572A759-6A51-4108-AA02-DFA0A04FC94B}">
+              <ma14:wrappingTextBoxFlag xmlns:ma14="http://schemas.microsoft.com/office/mac/drawingml/2011/main" xmlns:a14="http://schemas.microsoft.com/office/drawing/2010/main" xmlns:m="http://schemas.openxmlformats.org/officeDocument/2006/math" xmlns="" val="1"/>
+            </a:ext>
+          </a:extLst>
+        </p:spPr>
+        <p:txBody>
+          <a:bodyPr wrap="none" lIns="45719" rIns="45719">
+            <a:spAutoFit/>
+          </a:bodyPr>
+          <a:lstStyle>
+            <a:lvl1pPr>
+              <a:defRPr>
+                <a:latin typeface="Arial"/>
+                <a:ea typeface="Arial"/>
+                <a:cs typeface="Arial"/>
+                <a:sym typeface="Arial"/>
+              </a:defRPr>
+            </a:lvl1pPr>
+          </a:lstStyle>
+          <a:p>
+            <a:r>
+              <a:rPr lang="es-ES" dirty="0"/>
+              <a:t>Lógica de capa de servicio de compra</a:t>
+            </a:r>
+            <a:endParaRPr dirty="0"/>
+          </a:p>
+        </p:txBody>
+      </p:sp>
+      <p:sp>
+        <p:nvSpPr>
+          <p:cNvPr id="5" name="CuadroTexto 4">
+            <a:extLst>
+              <a:ext uri="{FF2B5EF4-FFF2-40B4-BE49-F238E27FC236}">
+                <a16:creationId xmlns:a16="http://schemas.microsoft.com/office/drawing/2014/main" id="{7EE5A81F-5F5A-4E7F-955D-02F1E31BC485}"/>
+              </a:ext>
+            </a:extLst>
+          </p:cNvPr>
+          <p:cNvSpPr txBox="1"/>
+          <p:nvPr/>
+        </p:nvSpPr>
+        <p:spPr>
+          <a:xfrm>
+            <a:off x="1278383" y="2352583"/>
+            <a:ext cx="9357065" cy="2862320"/>
+          </a:xfrm>
+          <a:prstGeom prst="rect">
+            <a:avLst/>
+          </a:prstGeom>
+          <a:noFill/>
+          <a:ln w="12700" cap="flat">
+            <a:noFill/>
+            <a:miter lim="400000"/>
+          </a:ln>
+          <a:effectLst/>
+          <a:sp3d/>
+        </p:spPr>
+        <p:style>
+          <a:lnRef idx="0">
+            <a:scrgbClr r="0" g="0" b="0"/>
+          </a:lnRef>
+          <a:fillRef idx="0">
+            <a:scrgbClr r="0" g="0" b="0"/>
+          </a:fillRef>
+          <a:effectRef idx="0">
+            <a:scrgbClr r="0" g="0" b="0"/>
+          </a:effectRef>
+          <a:fontRef idx="none"/>
+        </p:style>
+        <p:txBody>
+          <a:bodyPr rot="0" spcFirstLastPara="1" vertOverflow="overflow" horzOverflow="overflow" vert="horz" wrap="square" lIns="45719" tIns="45719" rIns="45719" bIns="45719" numCol="1" spcCol="38100" rtlCol="0" anchor="t">
+            <a:spAutoFit/>
+          </a:bodyPr>
+          <a:lstStyle/>
+          <a:p>
+            <a:pPr marR="0" algn="l" defTabSz="457200" rtl="0" fontAlgn="auto" latinLnBrk="0" hangingPunct="0">
+              <a:lnSpc>
+                <a:spcPct val="100000"/>
+              </a:lnSpc>
+              <a:spcBef>
+                <a:spcPts val="0"/>
+              </a:spcBef>
+              <a:spcAft>
+                <a:spcPts val="0"/>
+              </a:spcAft>
+              <a:buClrTx/>
+              <a:buSzTx/>
+              <a:tabLst/>
+            </a:pPr>
+            <a:r>
+              <a:rPr kumimoji="0" lang="es-ES" sz="1800" b="0" i="0" u="none" strike="noStrike" cap="none" spc="0" normalizeH="0" baseline="0" dirty="0">
+                <a:ln>
+                  <a:noFill/>
+                </a:ln>
+                <a:solidFill>
+                  <a:srgbClr val="2E2B21"/>
+                </a:solidFill>
+                <a:effectLst/>
+                <a:uFillTx/>
+                <a:latin typeface="Tw Cen MT"/>
+                <a:ea typeface="Tw Cen MT"/>
+                <a:cs typeface="Tw Cen MT"/>
+                <a:sym typeface="Tw Cen MT"/>
+              </a:rPr>
+              <a:t>Llamada a capa de servicios con </a:t>
+            </a:r>
+            <a:r>
+              <a:rPr lang="es-ES" dirty="0"/>
+              <a:t>transacciones </a:t>
+            </a:r>
+            <a:r>
+              <a:rPr kumimoji="0" lang="es-ES" sz="1800" b="0" i="0" u="none" strike="noStrike" cap="none" spc="0" normalizeH="0" baseline="0" dirty="0">
+                <a:ln>
+                  <a:noFill/>
+                </a:ln>
+                <a:solidFill>
+                  <a:srgbClr val="2E2B21"/>
+                </a:solidFill>
+                <a:effectLst/>
+                <a:uFillTx/>
+                <a:latin typeface="Tw Cen MT"/>
+                <a:ea typeface="Tw Cen MT"/>
+                <a:cs typeface="Tw Cen MT"/>
+                <a:sym typeface="Tw Cen MT"/>
+              </a:rPr>
+              <a:t>para efectuar compra:</a:t>
+            </a:r>
+          </a:p>
+          <a:p>
+            <a:pPr marL="285750" marR="0" indent="-285750" algn="l" defTabSz="457200" rtl="0" fontAlgn="auto" latinLnBrk="0" hangingPunct="0">
+              <a:lnSpc>
+                <a:spcPct val="100000"/>
+              </a:lnSpc>
+              <a:spcBef>
+                <a:spcPts val="0"/>
+              </a:spcBef>
+              <a:spcAft>
+                <a:spcPts val="0"/>
+              </a:spcAft>
+              <a:buClrTx/>
+              <a:buSzTx/>
+              <a:buFont typeface="Arial" panose="020B0604020202020204" pitchFamily="34" charset="0"/>
+              <a:buChar char="•"/>
+              <a:tabLst/>
+            </a:pPr>
+            <a:r>
+              <a:rPr lang="es-ES" dirty="0"/>
+              <a:t>Se pasa id del vuelo, del cliente, si tiene paquete y el asiento.</a:t>
+            </a:r>
+          </a:p>
+          <a:p>
+            <a:pPr marL="285750" marR="0" indent="-285750" algn="l" defTabSz="457200" rtl="0" fontAlgn="auto" latinLnBrk="0" hangingPunct="0">
+              <a:lnSpc>
+                <a:spcPct val="100000"/>
+              </a:lnSpc>
+              <a:spcBef>
+                <a:spcPts val="0"/>
+              </a:spcBef>
+              <a:spcAft>
+                <a:spcPts val="0"/>
+              </a:spcAft>
+              <a:buClrTx/>
+              <a:buSzTx/>
+              <a:buFont typeface="Arial" panose="020B0604020202020204" pitchFamily="34" charset="0"/>
+              <a:buChar char="•"/>
+              <a:tabLst/>
+            </a:pPr>
+            <a:r>
+              <a:rPr kumimoji="0" lang="es-ES" sz="1800" b="0" i="0" u="none" strike="noStrike" cap="none" spc="0" normalizeH="0" baseline="0" dirty="0">
+                <a:ln>
+                  <a:noFill/>
+                </a:ln>
+                <a:solidFill>
+                  <a:srgbClr val="2E2B21"/>
+                </a:solidFill>
+                <a:effectLst/>
+                <a:uFillTx/>
+                <a:latin typeface="Tw Cen MT"/>
+                <a:ea typeface="Tw Cen MT"/>
+                <a:cs typeface="Tw Cen MT"/>
+                <a:sym typeface="Tw Cen MT"/>
+              </a:rPr>
+              <a:t>Comprobación de si los datos son correctos: vuelo y cliente existe, asiento no ocupado.</a:t>
+            </a:r>
+          </a:p>
+          <a:p>
+            <a:pPr marL="285750" marR="0" indent="-285750" algn="l" defTabSz="457200" rtl="0" fontAlgn="auto" latinLnBrk="0" hangingPunct="0">
+              <a:lnSpc>
+                <a:spcPct val="100000"/>
+              </a:lnSpc>
+              <a:spcBef>
+                <a:spcPts val="0"/>
+              </a:spcBef>
+              <a:spcAft>
+                <a:spcPts val="0"/>
+              </a:spcAft>
+              <a:buClrTx/>
+              <a:buSzTx/>
+              <a:buFont typeface="Arial" panose="020B0604020202020204" pitchFamily="34" charset="0"/>
+              <a:buChar char="•"/>
+              <a:tabLst/>
+            </a:pPr>
+            <a:r>
+              <a:rPr lang="es-ES" dirty="0"/>
+              <a:t>Se simula la compra.</a:t>
+            </a:r>
+          </a:p>
+          <a:p>
+            <a:pPr marL="285750" marR="0" indent="-285750" algn="l" defTabSz="457200" rtl="0" fontAlgn="auto" latinLnBrk="0" hangingPunct="0">
+              <a:lnSpc>
+                <a:spcPct val="100000"/>
+              </a:lnSpc>
+              <a:spcBef>
+                <a:spcPts val="0"/>
+              </a:spcBef>
+              <a:spcAft>
+                <a:spcPts val="0"/>
+              </a:spcAft>
+              <a:buClrTx/>
+              <a:buSzTx/>
+              <a:buFont typeface="Arial" panose="020B0604020202020204" pitchFamily="34" charset="0"/>
+              <a:buChar char="•"/>
+              <a:tabLst/>
+            </a:pPr>
+            <a:r>
+              <a:rPr kumimoji="0" lang="es-ES" sz="1800" b="0" i="0" u="none" strike="noStrike" cap="none" spc="0" normalizeH="0" baseline="0" dirty="0">
+                <a:ln>
+                  <a:noFill/>
+                </a:ln>
+                <a:solidFill>
+                  <a:srgbClr val="2E2B21"/>
+                </a:solidFill>
+                <a:effectLst/>
+                <a:uFillTx/>
+                <a:latin typeface="Tw Cen MT"/>
+                <a:ea typeface="Tw Cen MT"/>
+                <a:cs typeface="Tw Cen MT"/>
+                <a:sym typeface="Tw Cen MT"/>
+              </a:rPr>
+              <a:t>Inserción de los nuevos datos: </a:t>
+            </a:r>
+            <a:r>
+              <a:rPr lang="es-ES" dirty="0"/>
+              <a:t>se crea ticket y un </a:t>
+            </a:r>
+            <a:r>
+              <a:rPr lang="es-ES" dirty="0" err="1"/>
+              <a:t>boardingPass</a:t>
+            </a:r>
+            <a:r>
+              <a:rPr lang="es-ES" dirty="0"/>
+              <a:t>, actualización de cliente y </a:t>
+            </a:r>
+            <a:r>
+              <a:rPr lang="es-ES" dirty="0" err="1"/>
+              <a:t>flight</a:t>
+            </a:r>
+            <a:r>
+              <a:rPr lang="es-ES" dirty="0"/>
+              <a:t>.</a:t>
+            </a:r>
+          </a:p>
+          <a:p>
+            <a:pPr marL="285750" marR="0" indent="-285750" algn="l" defTabSz="457200" rtl="0" fontAlgn="auto" latinLnBrk="0" hangingPunct="0">
+              <a:lnSpc>
+                <a:spcPct val="100000"/>
+              </a:lnSpc>
+              <a:spcBef>
+                <a:spcPts val="0"/>
+              </a:spcBef>
+              <a:spcAft>
+                <a:spcPts val="0"/>
+              </a:spcAft>
+              <a:buClrTx/>
+              <a:buSzTx/>
+              <a:buFont typeface="Arial" panose="020B0604020202020204" pitchFamily="34" charset="0"/>
+              <a:buChar char="•"/>
+              <a:tabLst/>
+            </a:pPr>
+            <a:r>
+              <a:rPr lang="es-ES" dirty="0"/>
+              <a:t>Se devuelve el ticket</a:t>
+            </a:r>
+          </a:p>
+          <a:p>
+            <a:pPr marR="0" algn="l" defTabSz="457200" rtl="0" fontAlgn="auto" latinLnBrk="0" hangingPunct="0">
+              <a:lnSpc>
+                <a:spcPct val="100000"/>
+              </a:lnSpc>
+              <a:spcBef>
+                <a:spcPts val="0"/>
+              </a:spcBef>
+              <a:spcAft>
+                <a:spcPts val="0"/>
+              </a:spcAft>
+              <a:buClrTx/>
+              <a:buSzTx/>
+              <a:tabLst/>
+            </a:pPr>
+            <a:endParaRPr kumimoji="0" lang="es-ES" sz="1800" b="0" i="0" u="none" strike="noStrike" cap="none" spc="0" normalizeH="0" baseline="0" dirty="0">
+              <a:ln>
+                <a:noFill/>
+              </a:ln>
+              <a:solidFill>
+                <a:srgbClr val="2E2B21"/>
+              </a:solidFill>
+              <a:effectLst/>
+              <a:uFillTx/>
+              <a:latin typeface="Tw Cen MT"/>
+              <a:ea typeface="Tw Cen MT"/>
+              <a:cs typeface="Tw Cen MT"/>
+              <a:sym typeface="Tw Cen MT"/>
+            </a:endParaRPr>
+          </a:p>
+          <a:p>
+            <a:pPr marR="0" algn="l" defTabSz="457200" rtl="0" fontAlgn="auto" latinLnBrk="0" hangingPunct="0">
+              <a:lnSpc>
+                <a:spcPct val="100000"/>
+              </a:lnSpc>
+              <a:spcBef>
+                <a:spcPts val="0"/>
+              </a:spcBef>
+              <a:spcAft>
+                <a:spcPts val="0"/>
+              </a:spcAft>
+              <a:buClrTx/>
+              <a:buSzTx/>
+              <a:tabLst/>
+            </a:pPr>
+            <a:r>
+              <a:rPr lang="es-ES" dirty="0"/>
+              <a:t>Si falla alguna cosa:</a:t>
+            </a:r>
+          </a:p>
+          <a:p>
+            <a:pPr marL="285750" marR="0" indent="-285750" algn="l" defTabSz="457200" rtl="0" fontAlgn="auto" latinLnBrk="0" hangingPunct="0">
+              <a:lnSpc>
+                <a:spcPct val="100000"/>
+              </a:lnSpc>
+              <a:spcBef>
+                <a:spcPts val="0"/>
+              </a:spcBef>
+              <a:spcAft>
+                <a:spcPts val="0"/>
+              </a:spcAft>
+              <a:buClrTx/>
+              <a:buSzTx/>
+              <a:buFont typeface="Arial" panose="020B0604020202020204" pitchFamily="34" charset="0"/>
+              <a:buChar char="•"/>
+              <a:tabLst/>
+            </a:pPr>
+            <a:r>
+              <a:rPr lang="es-ES" dirty="0"/>
+              <a:t>Se realiza un </a:t>
+            </a:r>
+            <a:r>
+              <a:rPr lang="es-ES" dirty="0" err="1"/>
+              <a:t>rollBack</a:t>
+            </a:r>
+            <a:r>
+              <a:rPr lang="es-ES" dirty="0"/>
+              <a:t> de las transacciones y se devuelve ticket nulo.</a:t>
+            </a:r>
+            <a:endParaRPr kumimoji="0" lang="es-ES" sz="1800" b="0" i="0" u="none" strike="noStrike" cap="none" spc="0" normalizeH="0" baseline="0" dirty="0">
+              <a:ln>
+                <a:noFill/>
+              </a:ln>
+              <a:solidFill>
+                <a:srgbClr val="2E2B21"/>
+              </a:solidFill>
+              <a:effectLst/>
+              <a:uFillTx/>
+              <a:latin typeface="Tw Cen MT"/>
+              <a:ea typeface="Tw Cen MT"/>
+              <a:cs typeface="Tw Cen MT"/>
+              <a:sym typeface="Tw Cen MT"/>
+            </a:endParaRPr>
+          </a:p>
+          <a:p>
+            <a:pPr marL="285750" marR="0" indent="-285750" algn="l" defTabSz="457200" rtl="0" fontAlgn="auto" latinLnBrk="0" hangingPunct="0">
+              <a:lnSpc>
+                <a:spcPct val="100000"/>
+              </a:lnSpc>
+              <a:spcBef>
+                <a:spcPts val="0"/>
+              </a:spcBef>
+              <a:spcAft>
+                <a:spcPts val="0"/>
+              </a:spcAft>
+              <a:buClrTx/>
+              <a:buSzTx/>
+              <a:buFont typeface="Arial" panose="020B0604020202020204" pitchFamily="34" charset="0"/>
+              <a:buChar char="•"/>
+              <a:tabLst/>
+            </a:pPr>
+            <a:endParaRPr kumimoji="0" lang="es-ES" sz="1800" b="0" i="0" u="none" strike="noStrike" cap="none" spc="0" normalizeH="0" baseline="0" dirty="0">
+              <a:ln>
+                <a:noFill/>
+              </a:ln>
+              <a:solidFill>
+                <a:srgbClr val="2E2B21"/>
+              </a:solidFill>
+              <a:effectLst/>
+              <a:uFillTx/>
+              <a:latin typeface="Tw Cen MT"/>
+              <a:ea typeface="Tw Cen MT"/>
+              <a:cs typeface="Tw Cen MT"/>
+              <a:sym typeface="Tw Cen MT"/>
+            </a:endParaRPr>
+          </a:p>
+        </p:txBody>
+      </p:sp>
+    </p:spTree>
+    <p:extLst>
+      <p:ext uri="{BB962C8B-B14F-4D97-AF65-F5344CB8AC3E}">
+        <p14:creationId xmlns:p14="http://schemas.microsoft.com/office/powerpoint/2010/main" val="668929490"/>
+      </p:ext>
+    </p:extLst>
+  </p:cSld>
+  <p:clrMapOvr>
+    <a:masterClrMapping/>
+  </p:clrMapOvr>
+  <p:transition spd="med"/>
+</p:sld>
+</file>
+
+<file path=ppt/slides/slide11.xml><?xml version="1.0" encoding="utf-8"?>
+<p:sld xmlns:a="http://schemas.openxmlformats.org/drawingml/2006/main" xmlns:r="http://schemas.openxmlformats.org/officeDocument/2006/relationships" xmlns:p="http://schemas.openxmlformats.org/presentationml/2006/main">
+  <p:cSld>
+    <p:spTree>
+      <p:nvGrpSpPr>
+        <p:cNvPr id="1" name=""/>
+        <p:cNvGrpSpPr/>
+        <p:nvPr/>
+      </p:nvGrpSpPr>
+      <p:grpSpPr>
+        <a:xfrm>
+          <a:off x="0" y="0"/>
+          <a:ext cx="0" cy="0"/>
+          <a:chOff x="0" y="0"/>
+          <a:chExt cx="0" cy="0"/>
+        </a:xfrm>
+      </p:grpSpPr>
+      <p:sp>
+        <p:nvSpPr>
+          <p:cNvPr id="122" name="Título 1"/>
+          <p:cNvSpPr txBox="1">
+            <a:spLocks noGrp="1"/>
+          </p:cNvSpPr>
+          <p:nvPr>
+            <p:ph type="title"/>
+          </p:nvPr>
+        </p:nvSpPr>
+        <p:spPr>
+          <a:xfrm>
+            <a:off x="1024128" y="585216"/>
+            <a:ext cx="9720072" cy="1499617"/>
+          </a:xfrm>
+          <a:prstGeom prst="rect">
+            <a:avLst/>
+          </a:prstGeom>
+        </p:spPr>
+        <p:txBody>
+          <a:bodyPr/>
+          <a:lstStyle/>
+          <a:p>
+            <a:pPr defTabSz="886968">
+              <a:defRPr sz="3783" spc="97">
+                <a:latin typeface="Arial"/>
+                <a:ea typeface="Arial"/>
+                <a:cs typeface="Arial"/>
+                <a:sym typeface="Arial"/>
+              </a:defRPr>
+            </a:pPr>
+            <a:r>
+              <a:rPr dirty="0" err="1"/>
+              <a:t>Demostración</a:t>
+            </a:r>
+            <a:r>
+              <a:rPr dirty="0"/>
+              <a:t> </a:t>
+            </a:r>
+            <a:r>
+              <a:rPr dirty="0" err="1"/>
+              <a:t>funcional</a:t>
+            </a:r>
+            <a:r>
+              <a:rPr dirty="0"/>
+              <a:t> del </a:t>
+            </a:r>
+            <a:r>
+              <a:rPr dirty="0" err="1"/>
+              <a:t>proyecto</a:t>
+            </a:r>
+            <a:r>
+              <a:rPr dirty="0"/>
+              <a:t>.</a:t>
+            </a:r>
+            <a:br>
+              <a:rPr dirty="0"/>
+            </a:br>
+            <a:endParaRPr dirty="0"/>
+          </a:p>
+        </p:txBody>
+      </p:sp>
+      <p:sp>
+        <p:nvSpPr>
+          <p:cNvPr id="123" name="Rectángulo 4"/>
+          <p:cNvSpPr txBox="1"/>
+          <p:nvPr/>
+        </p:nvSpPr>
+        <p:spPr>
+          <a:xfrm>
+            <a:off x="5113681" y="1900167"/>
+            <a:ext cx="1964638" cy="369332"/>
+          </a:xfrm>
+          <a:prstGeom prst="rect">
+            <a:avLst/>
+          </a:prstGeom>
+          <a:ln w="12700">
+            <a:miter lim="400000"/>
+          </a:ln>
+          <a:extLst>
+            <a:ext uri="{C572A759-6A51-4108-AA02-DFA0A04FC94B}">
+              <ma14:wrappingTextBoxFlag xmlns:ma14="http://schemas.microsoft.com/office/mac/drawingml/2011/main" xmlns:a14="http://schemas.microsoft.com/office/drawing/2010/main" xmlns:m="http://schemas.openxmlformats.org/officeDocument/2006/math" xmlns="" val="1"/>
+            </a:ext>
+          </a:extLst>
+        </p:spPr>
+        <p:txBody>
+          <a:bodyPr wrap="none" lIns="45719" rIns="45719">
+            <a:spAutoFit/>
+          </a:bodyPr>
+          <a:lstStyle>
+            <a:lvl1pPr>
+              <a:defRPr>
+                <a:latin typeface="Arial"/>
+                <a:ea typeface="Arial"/>
+                <a:cs typeface="Arial"/>
+                <a:sym typeface="Arial"/>
+              </a:defRPr>
+            </a:lvl1pPr>
+          </a:lstStyle>
+          <a:p>
+            <a:r>
+              <a:rPr lang="es-ES" dirty="0"/>
+              <a:t>Resultado compra</a:t>
+            </a:r>
+            <a:endParaRPr dirty="0"/>
+          </a:p>
+        </p:txBody>
+      </p:sp>
+      <p:pic>
+        <p:nvPicPr>
+          <p:cNvPr id="3" name="Imagen 2">
+            <a:extLst>
+              <a:ext uri="{FF2B5EF4-FFF2-40B4-BE49-F238E27FC236}">
+                <a16:creationId xmlns:a16="http://schemas.microsoft.com/office/drawing/2014/main" id="{7E46925E-EFB6-4EA9-B330-0A9CF6E8838D}"/>
+              </a:ext>
+            </a:extLst>
+          </p:cNvPr>
+          <p:cNvPicPr>
+            <a:picLocks noChangeAspect="1"/>
+          </p:cNvPicPr>
+          <p:nvPr/>
+        </p:nvPicPr>
+        <p:blipFill>
+          <a:blip r:embed="rId2">
+            <a:extLst>
+              <a:ext uri="{28A0092B-C50C-407E-A947-70E740481C1C}">
+                <a14:useLocalDpi xmlns:a14="http://schemas.microsoft.com/office/drawing/2010/main" val="0"/>
+              </a:ext>
+            </a:extLst>
+          </a:blip>
+          <a:stretch>
+            <a:fillRect/>
+          </a:stretch>
+        </p:blipFill>
+        <p:spPr>
+          <a:xfrm>
+            <a:off x="3336236" y="2510430"/>
+            <a:ext cx="5395239" cy="2262738"/>
+          </a:xfrm>
+          <a:prstGeom prst="rect">
+            <a:avLst/>
+          </a:prstGeom>
+        </p:spPr>
+      </p:pic>
+    </p:spTree>
+    <p:extLst>
+      <p:ext uri="{BB962C8B-B14F-4D97-AF65-F5344CB8AC3E}">
+        <p14:creationId xmlns:p14="http://schemas.microsoft.com/office/powerpoint/2010/main" val="955578192"/>
+      </p:ext>
+    </p:extLst>
+  </p:cSld>
+  <p:clrMapOvr>
+    <a:masterClrMapping/>
+  </p:clrMapOvr>
+  <p:transition spd="med"/>
+</p:sld>
+</file>
+
+<file path=ppt/slides/slide12.xml><?xml version="1.0" encoding="utf-8"?>
+<p:sld xmlns:a="http://schemas.openxmlformats.org/drawingml/2006/main" xmlns:r="http://schemas.openxmlformats.org/officeDocument/2006/relationships" xmlns:p="http://schemas.openxmlformats.org/presentationml/2006/main">
+  <p:cSld>
+    <p:spTree>
+      <p:nvGrpSpPr>
+        <p:cNvPr id="1" name=""/>
+        <p:cNvGrpSpPr/>
+        <p:nvPr/>
+      </p:nvGrpSpPr>
+      <p:grpSpPr>
+        <a:xfrm>
+          <a:off x="0" y="0"/>
+          <a:ext cx="0" cy="0"/>
+          <a:chOff x="0" y="0"/>
+          <a:chExt cx="0" cy="0"/>
+        </a:xfrm>
+      </p:grpSpPr>
+      <p:sp>
+        <p:nvSpPr>
+          <p:cNvPr id="122" name="Título 1"/>
+          <p:cNvSpPr txBox="1">
+            <a:spLocks noGrp="1"/>
+          </p:cNvSpPr>
+          <p:nvPr>
+            <p:ph type="title"/>
+          </p:nvPr>
+        </p:nvSpPr>
+        <p:spPr>
+          <a:xfrm>
+            <a:off x="1024128" y="585216"/>
+            <a:ext cx="9720072" cy="1499617"/>
+          </a:xfrm>
+          <a:prstGeom prst="rect">
+            <a:avLst/>
+          </a:prstGeom>
+        </p:spPr>
+        <p:txBody>
+          <a:bodyPr/>
+          <a:lstStyle/>
+          <a:p>
+            <a:pPr defTabSz="886968">
+              <a:defRPr sz="3783" spc="97">
+                <a:latin typeface="Arial"/>
+                <a:ea typeface="Arial"/>
+                <a:cs typeface="Arial"/>
+                <a:sym typeface="Arial"/>
+              </a:defRPr>
+            </a:pPr>
+            <a:r>
+              <a:rPr dirty="0" err="1"/>
+              <a:t>Demostración</a:t>
+            </a:r>
+            <a:r>
+              <a:rPr dirty="0"/>
+              <a:t> </a:t>
+            </a:r>
+            <a:r>
+              <a:rPr dirty="0" err="1"/>
+              <a:t>funcional</a:t>
+            </a:r>
+            <a:r>
+              <a:rPr dirty="0"/>
+              <a:t> del </a:t>
+            </a:r>
+            <a:r>
+              <a:rPr dirty="0" err="1"/>
+              <a:t>proyecto</a:t>
+            </a:r>
+            <a:r>
+              <a:rPr dirty="0"/>
+              <a:t>.</a:t>
+            </a:r>
+            <a:br>
+              <a:rPr dirty="0"/>
+            </a:br>
+            <a:endParaRPr dirty="0"/>
+          </a:p>
+        </p:txBody>
+      </p:sp>
+      <p:sp>
+        <p:nvSpPr>
+          <p:cNvPr id="123" name="Rectángulo 4"/>
+          <p:cNvSpPr txBox="1"/>
+          <p:nvPr/>
+        </p:nvSpPr>
+        <p:spPr>
+          <a:xfrm>
+            <a:off x="5564666" y="1483916"/>
+            <a:ext cx="1015661" cy="369332"/>
+          </a:xfrm>
+          <a:prstGeom prst="rect">
+            <a:avLst/>
+          </a:prstGeom>
+          <a:ln w="12700">
+            <a:miter lim="400000"/>
+          </a:ln>
+          <a:extLst>
+            <a:ext uri="{C572A759-6A51-4108-AA02-DFA0A04FC94B}">
+              <ma14:wrappingTextBoxFlag xmlns:ma14="http://schemas.microsoft.com/office/mac/drawingml/2011/main" xmlns:a14="http://schemas.microsoft.com/office/drawing/2010/main" xmlns:m="http://schemas.openxmlformats.org/officeDocument/2006/math" xmlns="" val="1"/>
+            </a:ext>
+          </a:extLst>
+        </p:spPr>
+        <p:txBody>
+          <a:bodyPr wrap="none" lIns="45719" rIns="45719">
+            <a:spAutoFit/>
+          </a:bodyPr>
+          <a:lstStyle>
+            <a:lvl1pPr>
+              <a:defRPr>
+                <a:latin typeface="Arial"/>
+                <a:ea typeface="Arial"/>
+                <a:cs typeface="Arial"/>
+                <a:sym typeface="Arial"/>
+              </a:defRPr>
+            </a:lvl1pPr>
+          </a:lstStyle>
+          <a:p>
+            <a:r>
+              <a:rPr lang="es-ES" dirty="0"/>
+              <a:t>Contacto</a:t>
+            </a:r>
+            <a:endParaRPr dirty="0"/>
+          </a:p>
+        </p:txBody>
+      </p:sp>
+      <p:pic>
+        <p:nvPicPr>
+          <p:cNvPr id="3" name="Imagen 2">
+            <a:extLst>
+              <a:ext uri="{FF2B5EF4-FFF2-40B4-BE49-F238E27FC236}">
+                <a16:creationId xmlns:a16="http://schemas.microsoft.com/office/drawing/2014/main" id="{D06672E2-9361-4AA2-8D31-17CCE77C1A31}"/>
+              </a:ext>
+            </a:extLst>
+          </p:cNvPr>
+          <p:cNvPicPr>
+            <a:picLocks noChangeAspect="1"/>
+          </p:cNvPicPr>
+          <p:nvPr/>
+        </p:nvPicPr>
+        <p:blipFill>
+          <a:blip r:embed="rId2">
+            <a:extLst>
+              <a:ext uri="{28A0092B-C50C-407E-A947-70E740481C1C}">
+                <a14:useLocalDpi xmlns:a14="http://schemas.microsoft.com/office/drawing/2010/main" val="0"/>
+              </a:ext>
+            </a:extLst>
+          </a:blip>
+          <a:stretch>
+            <a:fillRect/>
+          </a:stretch>
+        </p:blipFill>
+        <p:spPr>
+          <a:xfrm>
+            <a:off x="0" y="2569590"/>
+            <a:ext cx="12192000" cy="3519827"/>
+          </a:xfrm>
+          <a:prstGeom prst="rect">
+            <a:avLst/>
+          </a:prstGeom>
+        </p:spPr>
+      </p:pic>
+    </p:spTree>
+    <p:extLst>
+      <p:ext uri="{BB962C8B-B14F-4D97-AF65-F5344CB8AC3E}">
+        <p14:creationId xmlns:p14="http://schemas.microsoft.com/office/powerpoint/2010/main" val="592811907"/>
+      </p:ext>
+    </p:extLst>
+  </p:cSld>
+  <p:clrMapOvr>
+    <a:masterClrMapping/>
+  </p:clrMapOvr>
+  <p:transition spd="med"/>
+</p:sld>
+</file>
+
+<file path=ppt/slides/slide13.xml><?xml version="1.0" encoding="utf-8"?>
+<p:sld xmlns:a="http://schemas.openxmlformats.org/drawingml/2006/main" xmlns:r="http://schemas.openxmlformats.org/officeDocument/2006/relationships" xmlns:p="http://schemas.openxmlformats.org/presentationml/2006/main">
+  <p:cSld>
+    <p:spTree>
+      <p:nvGrpSpPr>
+        <p:cNvPr id="1" name=""/>
+        <p:cNvGrpSpPr/>
+        <p:nvPr/>
+      </p:nvGrpSpPr>
+      <p:grpSpPr>
+        <a:xfrm>
+          <a:off x="0" y="0"/>
+          <a:ext cx="0" cy="0"/>
+          <a:chOff x="0" y="0"/>
+          <a:chExt cx="0" cy="0"/>
+        </a:xfrm>
+      </p:grpSpPr>
+      <p:sp>
+        <p:nvSpPr>
+          <p:cNvPr id="122" name="Título 1"/>
+          <p:cNvSpPr txBox="1">
+            <a:spLocks noGrp="1"/>
+          </p:cNvSpPr>
+          <p:nvPr>
+            <p:ph type="title"/>
+          </p:nvPr>
+        </p:nvSpPr>
+        <p:spPr>
+          <a:xfrm>
+            <a:off x="1024128" y="585216"/>
+            <a:ext cx="9720072" cy="1499617"/>
+          </a:xfrm>
+          <a:prstGeom prst="rect">
+            <a:avLst/>
+          </a:prstGeom>
+        </p:spPr>
+        <p:txBody>
+          <a:bodyPr/>
+          <a:lstStyle/>
+          <a:p>
+            <a:pPr defTabSz="886968">
+              <a:defRPr sz="3783" spc="97">
+                <a:latin typeface="Arial"/>
+                <a:ea typeface="Arial"/>
+                <a:cs typeface="Arial"/>
+                <a:sym typeface="Arial"/>
+              </a:defRPr>
+            </a:pPr>
+            <a:r>
+              <a:rPr dirty="0" err="1"/>
+              <a:t>Demostración</a:t>
+            </a:r>
+            <a:r>
+              <a:rPr dirty="0"/>
+              <a:t> </a:t>
+            </a:r>
+            <a:r>
+              <a:rPr dirty="0" err="1"/>
+              <a:t>funcional</a:t>
+            </a:r>
+            <a:r>
+              <a:rPr dirty="0"/>
+              <a:t> del </a:t>
+            </a:r>
+            <a:r>
+              <a:rPr dirty="0" err="1"/>
+              <a:t>proyecto</a:t>
+            </a:r>
+            <a:r>
+              <a:rPr dirty="0"/>
+              <a:t>.</a:t>
+            </a:r>
+            <a:br>
+              <a:rPr dirty="0"/>
+            </a:br>
+            <a:endParaRPr dirty="0"/>
+          </a:p>
+        </p:txBody>
+      </p:sp>
+      <p:sp>
+        <p:nvSpPr>
+          <p:cNvPr id="123" name="Rectángulo 4"/>
+          <p:cNvSpPr txBox="1"/>
+          <p:nvPr/>
+        </p:nvSpPr>
+        <p:spPr>
+          <a:xfrm>
+            <a:off x="5564666" y="1483916"/>
+            <a:ext cx="1015661" cy="369332"/>
+          </a:xfrm>
+          <a:prstGeom prst="rect">
+            <a:avLst/>
+          </a:prstGeom>
+          <a:ln w="12700">
+            <a:miter lim="400000"/>
+          </a:ln>
+          <a:extLst>
+            <a:ext uri="{C572A759-6A51-4108-AA02-DFA0A04FC94B}">
+              <ma14:wrappingTextBoxFlag xmlns:ma14="http://schemas.microsoft.com/office/mac/drawingml/2011/main" xmlns:a14="http://schemas.microsoft.com/office/drawing/2010/main" xmlns:m="http://schemas.openxmlformats.org/officeDocument/2006/math" xmlns="" val="1"/>
+            </a:ext>
+          </a:extLst>
+        </p:spPr>
+        <p:txBody>
+          <a:bodyPr wrap="none" lIns="45719" rIns="45719">
+            <a:spAutoFit/>
+          </a:bodyPr>
+          <a:lstStyle>
+            <a:lvl1pPr>
+              <a:defRPr>
+                <a:latin typeface="Arial"/>
+                <a:ea typeface="Arial"/>
+                <a:cs typeface="Arial"/>
+                <a:sym typeface="Arial"/>
+              </a:defRPr>
+            </a:lvl1pPr>
+          </a:lstStyle>
+          <a:p>
+            <a:r>
+              <a:rPr lang="es-ES" dirty="0"/>
+              <a:t>Contacto</a:t>
+            </a:r>
+            <a:endParaRPr dirty="0"/>
+          </a:p>
+        </p:txBody>
+      </p:sp>
+      <p:pic>
+        <p:nvPicPr>
+          <p:cNvPr id="4" name="Imagen 3">
+            <a:extLst>
+              <a:ext uri="{FF2B5EF4-FFF2-40B4-BE49-F238E27FC236}">
+                <a16:creationId xmlns:a16="http://schemas.microsoft.com/office/drawing/2014/main" id="{419CB6A4-0D94-42DF-A2BD-08A9AD330532}"/>
+              </a:ext>
+            </a:extLst>
+          </p:cNvPr>
+          <p:cNvPicPr>
+            <a:picLocks noChangeAspect="1"/>
+          </p:cNvPicPr>
+          <p:nvPr/>
+        </p:nvPicPr>
+        <p:blipFill>
+          <a:blip r:embed="rId2">
+            <a:extLst>
+              <a:ext uri="{28A0092B-C50C-407E-A947-70E740481C1C}">
+                <a14:useLocalDpi xmlns:a14="http://schemas.microsoft.com/office/drawing/2010/main" val="0"/>
+              </a:ext>
+            </a:extLst>
+          </a:blip>
+          <a:stretch>
+            <a:fillRect/>
+          </a:stretch>
+        </p:blipFill>
+        <p:spPr>
+          <a:xfrm>
+            <a:off x="2560320" y="2084833"/>
+            <a:ext cx="8915400" cy="4106416"/>
+          </a:xfrm>
+          <a:prstGeom prst="rect">
+            <a:avLst/>
+          </a:prstGeom>
+        </p:spPr>
+      </p:pic>
+      <p:sp>
+        <p:nvSpPr>
+          <p:cNvPr id="7" name="CuadroTexto 5">
+            <a:extLst>
+              <a:ext uri="{FF2B5EF4-FFF2-40B4-BE49-F238E27FC236}">
+                <a16:creationId xmlns:a16="http://schemas.microsoft.com/office/drawing/2014/main" id="{5E7DFD3E-34AC-422B-8E40-12ADA37C2F1D}"/>
+              </a:ext>
+            </a:extLst>
+          </p:cNvPr>
+          <p:cNvSpPr txBox="1"/>
+          <p:nvPr/>
+        </p:nvSpPr>
+        <p:spPr>
+          <a:xfrm>
+            <a:off x="227331" y="2498332"/>
+            <a:ext cx="2054089" cy="1477328"/>
+          </a:xfrm>
+          <a:prstGeom prst="rect">
+            <a:avLst/>
+          </a:prstGeom>
+          <a:ln>
+            <a:solidFill>
+              <a:srgbClr val="2E2B21"/>
+            </a:solidFill>
+          </a:ln>
+          <a:extLst>
+            <a:ext uri="{C572A759-6A51-4108-AA02-DFA0A04FC94B}">
+              <ma14:wrappingTextBoxFlag xmlns:ma14="http://schemas.microsoft.com/office/mac/drawingml/2011/main" xmlns:a14="http://schemas.microsoft.com/office/drawing/2010/main" xmlns:m="http://schemas.openxmlformats.org/officeDocument/2006/math" xmlns="" val="1"/>
+            </a:ext>
+          </a:extLst>
+        </p:spPr>
+        <p:txBody>
+          <a:bodyPr lIns="45719" rIns="45719">
+            <a:spAutoFit/>
+          </a:bodyPr>
+          <a:lstStyle/>
+          <a:p>
+            <a:pPr marL="285750" indent="-285750">
+              <a:buSzPct val="100000"/>
+              <a:buChar char="❑"/>
+            </a:pPr>
+            <a:r>
+              <a:rPr lang="es-ES" dirty="0"/>
+              <a:t>UML</a:t>
+            </a:r>
+            <a:endParaRPr dirty="0"/>
+          </a:p>
+          <a:p>
+            <a:pPr marL="285750" indent="-285750">
+              <a:buSzPct val="100000"/>
+              <a:buChar char="❑"/>
+            </a:pPr>
+            <a:r>
+              <a:rPr dirty="0" err="1"/>
+              <a:t>Funcionalidades</a:t>
+            </a:r>
+            <a:endParaRPr dirty="0"/>
+          </a:p>
+          <a:p>
+            <a:pPr marL="285750" indent="-285750">
+              <a:buSzPct val="100000"/>
+              <a:buChar char="❑"/>
+              <a:defRPr b="1"/>
+            </a:pPr>
+            <a:r>
+              <a:rPr dirty="0" err="1"/>
+              <a:t>Demostración</a:t>
+            </a:r>
+            <a:endParaRPr dirty="0"/>
+          </a:p>
+          <a:p>
+            <a:pPr marL="285750" indent="-285750">
+              <a:buSzPct val="100000"/>
+              <a:buChar char="❑"/>
+            </a:pPr>
+            <a:r>
+              <a:rPr dirty="0" err="1"/>
+              <a:t>Aspectos</a:t>
+            </a:r>
+            <a:endParaRPr dirty="0"/>
+          </a:p>
+          <a:p>
+            <a:pPr marL="285750" indent="-285750">
+              <a:buSzPct val="100000"/>
+              <a:buChar char="❑"/>
+            </a:pPr>
+            <a:r>
+              <a:rPr dirty="0" err="1"/>
+              <a:t>Conclusiones</a:t>
+            </a:r>
+            <a:endParaRPr dirty="0"/>
+          </a:p>
+        </p:txBody>
+      </p:sp>
+    </p:spTree>
+    <p:extLst>
+      <p:ext uri="{BB962C8B-B14F-4D97-AF65-F5344CB8AC3E}">
+        <p14:creationId xmlns:p14="http://schemas.microsoft.com/office/powerpoint/2010/main" val="1422319079"/>
+      </p:ext>
+    </p:extLst>
+  </p:cSld>
+  <p:clrMapOvr>
+    <a:masterClrMapping/>
+  </p:clrMapOvr>
+  <p:transition spd="med"/>
+</p:sld>
+</file>
+
+<file path=ppt/slides/slide14.xml><?xml version="1.0" encoding="utf-8"?>
+<p:sld xmlns:a="http://schemas.openxmlformats.org/drawingml/2006/main" xmlns:r="http://schemas.openxmlformats.org/officeDocument/2006/relationships" xmlns:p="http://schemas.openxmlformats.org/presentationml/2006/main">
+  <p:cSld>
+    <p:spTree>
+      <p:nvGrpSpPr>
+        <p:cNvPr id="1" name=""/>
+        <p:cNvGrpSpPr/>
+        <p:nvPr/>
+      </p:nvGrpSpPr>
+      <p:grpSpPr>
+        <a:xfrm>
+          <a:off x="0" y="0"/>
+          <a:ext cx="0" cy="0"/>
+          <a:chOff x="0" y="0"/>
+          <a:chExt cx="0" cy="0"/>
+        </a:xfrm>
+      </p:grpSpPr>
+      <p:sp>
+        <p:nvSpPr>
+          <p:cNvPr id="122" name="Título 1"/>
+          <p:cNvSpPr txBox="1">
+            <a:spLocks noGrp="1"/>
+          </p:cNvSpPr>
+          <p:nvPr>
+            <p:ph type="title"/>
+          </p:nvPr>
+        </p:nvSpPr>
+        <p:spPr>
+          <a:xfrm>
+            <a:off x="1024128" y="585216"/>
+            <a:ext cx="9720072" cy="1499617"/>
+          </a:xfrm>
+          <a:prstGeom prst="rect">
+            <a:avLst/>
+          </a:prstGeom>
+        </p:spPr>
+        <p:txBody>
+          <a:bodyPr/>
+          <a:lstStyle/>
+          <a:p>
+            <a:pPr defTabSz="886968">
+              <a:defRPr sz="3783" spc="97">
+                <a:latin typeface="Arial"/>
+                <a:ea typeface="Arial"/>
+                <a:cs typeface="Arial"/>
+                <a:sym typeface="Arial"/>
+              </a:defRPr>
+            </a:pPr>
+            <a:r>
+              <a:rPr dirty="0" err="1"/>
+              <a:t>Demostración</a:t>
+            </a:r>
+            <a:r>
+              <a:rPr dirty="0"/>
+              <a:t> </a:t>
+            </a:r>
+            <a:r>
+              <a:rPr dirty="0" err="1"/>
+              <a:t>funcional</a:t>
+            </a:r>
+            <a:r>
+              <a:rPr dirty="0"/>
+              <a:t> del </a:t>
+            </a:r>
+            <a:r>
+              <a:rPr dirty="0" err="1"/>
+              <a:t>proyecto</a:t>
+            </a:r>
+            <a:r>
+              <a:rPr dirty="0"/>
+              <a:t>.</a:t>
+            </a:r>
+            <a:br>
+              <a:rPr dirty="0"/>
+            </a:br>
+            <a:endParaRPr dirty="0"/>
+          </a:p>
+        </p:txBody>
+      </p:sp>
+      <p:sp>
+        <p:nvSpPr>
+          <p:cNvPr id="123" name="Rectángulo 4"/>
+          <p:cNvSpPr txBox="1"/>
+          <p:nvPr/>
+        </p:nvSpPr>
+        <p:spPr>
+          <a:xfrm>
+            <a:off x="5564666" y="1483916"/>
+            <a:ext cx="900244" cy="369332"/>
+          </a:xfrm>
+          <a:prstGeom prst="rect">
+            <a:avLst/>
+          </a:prstGeom>
+          <a:ln w="12700">
+            <a:miter lim="400000"/>
+          </a:ln>
+          <a:extLst>
+            <a:ext uri="{C572A759-6A51-4108-AA02-DFA0A04FC94B}">
+              <ma14:wrappingTextBoxFlag xmlns:ma14="http://schemas.microsoft.com/office/mac/drawingml/2011/main" xmlns:a14="http://schemas.microsoft.com/office/drawing/2010/main" xmlns:m="http://schemas.openxmlformats.org/officeDocument/2006/math" xmlns="" val="1"/>
+            </a:ext>
+          </a:extLst>
+        </p:spPr>
+        <p:txBody>
+          <a:bodyPr wrap="none" lIns="45719" rIns="45719">
+            <a:spAutoFit/>
+          </a:bodyPr>
+          <a:lstStyle>
+            <a:lvl1pPr>
+              <a:defRPr>
+                <a:latin typeface="Arial"/>
+                <a:ea typeface="Arial"/>
+                <a:cs typeface="Arial"/>
+                <a:sym typeface="Arial"/>
+              </a:defRPr>
+            </a:lvl1pPr>
+          </a:lstStyle>
+          <a:p>
+            <a:r>
+              <a:rPr lang="es-ES" dirty="0"/>
+              <a:t>Mi perfil</a:t>
+            </a:r>
+            <a:endParaRPr dirty="0"/>
+          </a:p>
+        </p:txBody>
+      </p:sp>
+      <p:pic>
+        <p:nvPicPr>
+          <p:cNvPr id="3" name="Imagen 2">
+            <a:extLst>
+              <a:ext uri="{FF2B5EF4-FFF2-40B4-BE49-F238E27FC236}">
+                <a16:creationId xmlns:a16="http://schemas.microsoft.com/office/drawing/2014/main" id="{0AB50705-24B9-40EF-BA72-D81E290E0619}"/>
+              </a:ext>
+            </a:extLst>
+          </p:cNvPr>
+          <p:cNvPicPr>
+            <a:picLocks noChangeAspect="1"/>
+          </p:cNvPicPr>
+          <p:nvPr/>
+        </p:nvPicPr>
+        <p:blipFill>
+          <a:blip r:embed="rId2">
+            <a:extLst>
+              <a:ext uri="{28A0092B-C50C-407E-A947-70E740481C1C}">
+                <a14:useLocalDpi xmlns:a14="http://schemas.microsoft.com/office/drawing/2010/main" val="0"/>
+              </a:ext>
+            </a:extLst>
+          </a:blip>
+          <a:stretch>
+            <a:fillRect/>
+          </a:stretch>
+        </p:blipFill>
+        <p:spPr>
+          <a:xfrm>
+            <a:off x="2663409" y="2248852"/>
+            <a:ext cx="7934325" cy="3457575"/>
+          </a:xfrm>
+          <a:prstGeom prst="rect">
+            <a:avLst/>
+          </a:prstGeom>
+        </p:spPr>
+      </p:pic>
+      <p:sp>
+        <p:nvSpPr>
+          <p:cNvPr id="9" name="CuadroTexto 5">
+            <a:extLst>
+              <a:ext uri="{FF2B5EF4-FFF2-40B4-BE49-F238E27FC236}">
+                <a16:creationId xmlns:a16="http://schemas.microsoft.com/office/drawing/2014/main" id="{32E4E81B-0198-4264-983A-EFF3D96CCFE4}"/>
+              </a:ext>
+            </a:extLst>
+          </p:cNvPr>
+          <p:cNvSpPr txBox="1"/>
+          <p:nvPr/>
+        </p:nvSpPr>
+        <p:spPr>
+          <a:xfrm>
+            <a:off x="227331" y="2498332"/>
+            <a:ext cx="2054089" cy="1477328"/>
+          </a:xfrm>
+          <a:prstGeom prst="rect">
+            <a:avLst/>
+          </a:prstGeom>
+          <a:ln>
+            <a:solidFill>
+              <a:srgbClr val="2E2B21"/>
+            </a:solidFill>
+          </a:ln>
+          <a:extLst>
+            <a:ext uri="{C572A759-6A51-4108-AA02-DFA0A04FC94B}">
+              <ma14:wrappingTextBoxFlag xmlns:ma14="http://schemas.microsoft.com/office/mac/drawingml/2011/main" xmlns:a14="http://schemas.microsoft.com/office/drawing/2010/main" xmlns:m="http://schemas.openxmlformats.org/officeDocument/2006/math" xmlns="" val="1"/>
+            </a:ext>
+          </a:extLst>
+        </p:spPr>
+        <p:txBody>
+          <a:bodyPr lIns="45719" rIns="45719">
+            <a:spAutoFit/>
+          </a:bodyPr>
+          <a:lstStyle/>
+          <a:p>
+            <a:pPr marL="285750" indent="-285750">
+              <a:buSzPct val="100000"/>
+              <a:buChar char="❑"/>
+            </a:pPr>
+            <a:r>
+              <a:rPr lang="es-ES" dirty="0"/>
+              <a:t>UML</a:t>
+            </a:r>
+            <a:endParaRPr dirty="0"/>
+          </a:p>
+          <a:p>
+            <a:pPr marL="285750" indent="-285750">
+              <a:buSzPct val="100000"/>
+              <a:buChar char="❑"/>
+            </a:pPr>
+            <a:r>
+              <a:rPr dirty="0" err="1"/>
+              <a:t>Funcionalidades</a:t>
+            </a:r>
+            <a:endParaRPr dirty="0"/>
+          </a:p>
+          <a:p>
+            <a:pPr marL="285750" indent="-285750">
+              <a:buSzPct val="100000"/>
+              <a:buChar char="❑"/>
+              <a:defRPr b="1"/>
+            </a:pPr>
+            <a:r>
+              <a:rPr dirty="0" err="1"/>
+              <a:t>Demostración</a:t>
+            </a:r>
+            <a:endParaRPr dirty="0"/>
+          </a:p>
+          <a:p>
+            <a:pPr marL="285750" indent="-285750">
+              <a:buSzPct val="100000"/>
+              <a:buChar char="❑"/>
+            </a:pPr>
+            <a:r>
+              <a:rPr dirty="0" err="1"/>
+              <a:t>Aspectos</a:t>
+            </a:r>
+            <a:endParaRPr dirty="0"/>
+          </a:p>
+          <a:p>
+            <a:pPr marL="285750" indent="-285750">
+              <a:buSzPct val="100000"/>
+              <a:buChar char="❑"/>
+            </a:pPr>
+            <a:r>
+              <a:rPr dirty="0" err="1"/>
+              <a:t>Conclusiones</a:t>
+            </a:r>
+            <a:endParaRPr dirty="0"/>
+          </a:p>
+        </p:txBody>
+      </p:sp>
+    </p:spTree>
+    <p:extLst>
+      <p:ext uri="{BB962C8B-B14F-4D97-AF65-F5344CB8AC3E}">
+        <p14:creationId xmlns:p14="http://schemas.microsoft.com/office/powerpoint/2010/main" val="907569077"/>
+      </p:ext>
+    </p:extLst>
+  </p:cSld>
+  <p:clrMapOvr>
+    <a:masterClrMapping/>
+  </p:clrMapOvr>
+  <p:transition spd="med"/>
+</p:sld>
+</file>
+
+<file path=ppt/slides/slide15.xml><?xml version="1.0" encoding="utf-8"?>
+<p:sld xmlns:a="http://schemas.openxmlformats.org/drawingml/2006/main" xmlns:r="http://schemas.openxmlformats.org/officeDocument/2006/relationships" xmlns:p="http://schemas.openxmlformats.org/presentationml/2006/main">
+  <p:cSld>
+    <p:spTree>
+      <p:nvGrpSpPr>
+        <p:cNvPr id="1" name=""/>
+        <p:cNvGrpSpPr/>
+        <p:nvPr/>
+      </p:nvGrpSpPr>
+      <p:grpSpPr>
+        <a:xfrm>
+          <a:off x="0" y="0"/>
+          <a:ext cx="0" cy="0"/>
+          <a:chOff x="0" y="0"/>
+          <a:chExt cx="0" cy="0"/>
+        </a:xfrm>
+      </p:grpSpPr>
+      <p:sp>
+        <p:nvSpPr>
+          <p:cNvPr id="122" name="Título 1"/>
+          <p:cNvSpPr txBox="1">
+            <a:spLocks noGrp="1"/>
+          </p:cNvSpPr>
+          <p:nvPr>
+            <p:ph type="title"/>
+          </p:nvPr>
+        </p:nvSpPr>
+        <p:spPr>
+          <a:xfrm>
+            <a:off x="1024128" y="585216"/>
+            <a:ext cx="9720072" cy="1499617"/>
+          </a:xfrm>
+          <a:prstGeom prst="rect">
+            <a:avLst/>
+          </a:prstGeom>
+        </p:spPr>
+        <p:txBody>
+          <a:bodyPr/>
+          <a:lstStyle/>
+          <a:p>
+            <a:pPr defTabSz="886968">
+              <a:defRPr sz="3783" spc="97">
+                <a:latin typeface="Arial"/>
+                <a:ea typeface="Arial"/>
+                <a:cs typeface="Arial"/>
+                <a:sym typeface="Arial"/>
+              </a:defRPr>
+            </a:pPr>
+            <a:r>
+              <a:rPr dirty="0" err="1"/>
+              <a:t>Demostración</a:t>
+            </a:r>
+            <a:r>
+              <a:rPr dirty="0"/>
+              <a:t> </a:t>
+            </a:r>
+            <a:r>
+              <a:rPr dirty="0" err="1"/>
+              <a:t>funcional</a:t>
+            </a:r>
+            <a:r>
+              <a:rPr dirty="0"/>
+              <a:t> del </a:t>
+            </a:r>
+            <a:r>
+              <a:rPr dirty="0" err="1"/>
+              <a:t>proyecto</a:t>
+            </a:r>
+            <a:r>
+              <a:rPr dirty="0"/>
+              <a:t>.</a:t>
+            </a:r>
+            <a:br>
+              <a:rPr dirty="0"/>
+            </a:br>
+            <a:endParaRPr dirty="0"/>
+          </a:p>
+        </p:txBody>
+      </p:sp>
+      <p:sp>
+        <p:nvSpPr>
+          <p:cNvPr id="123" name="Rectángulo 4"/>
+          <p:cNvSpPr txBox="1"/>
+          <p:nvPr/>
+        </p:nvSpPr>
+        <p:spPr>
+          <a:xfrm>
             <a:off x="5564666" y="1483916"/>
             <a:ext cx="900244" cy="369332"/>
           </a:xfrm>
@@ -3859,7 +5274,7 @@
 </p:sld>
 </file>
 
-<file path=ppt/slides/slide11.xml><?xml version="1.0" encoding="utf-8"?>
+<file path=ppt/slides/slide16.xml><?xml version="1.0" encoding="utf-8"?>
 <p:sld xmlns:a="http://schemas.openxmlformats.org/drawingml/2006/main" xmlns:r="http://schemas.openxmlformats.org/officeDocument/2006/relationships" xmlns:p="http://schemas.openxmlformats.org/presentationml/2006/main">
   <p:cSld>
     <p:spTree>
@@ -4126,7 +5541,7 @@
 </p:sld>
 </file>
 
-<file path=ppt/slides/slide12.xml><?xml version="1.0" encoding="utf-8"?>
+<file path=ppt/slides/slide17.xml><?xml version="1.0" encoding="utf-8"?>
 <p:sld xmlns:a="http://schemas.openxmlformats.org/drawingml/2006/main" xmlns:r="http://schemas.openxmlformats.org/officeDocument/2006/relationships" xmlns:p="http://schemas.openxmlformats.org/presentationml/2006/main">
   <p:cSld>
     <p:spTree>
@@ -5588,7 +7003,7 @@
 </p:sld>
 </file>
 
-<file path=ppt/slides/slide13.xml><?xml version="1.0" encoding="utf-8"?>
+<file path=ppt/slides/slide18.xml><?xml version="1.0" encoding="utf-8"?>
 <p:sld xmlns:a="http://schemas.openxmlformats.org/drawingml/2006/main" xmlns:r="http://schemas.openxmlformats.org/officeDocument/2006/relationships" xmlns:p="http://schemas.openxmlformats.org/presentationml/2006/main">
   <p:cSld>
     <p:spTree>
@@ -6146,7 +7561,7 @@
 </p:sld>
 </file>
 
-<file path=ppt/slides/slide14.xml><?xml version="1.0" encoding="utf-8"?>
+<file path=ppt/slides/slide19.xml><?xml version="1.0" encoding="utf-8"?>
 <p:sld xmlns:a="http://schemas.openxmlformats.org/drawingml/2006/main" xmlns:r="http://schemas.openxmlformats.org/officeDocument/2006/relationships" xmlns:p="http://schemas.openxmlformats.org/presentationml/2006/main">
   <p:cSld>
     <p:spTree>
@@ -7427,7 +8842,172 @@
 </p:sld>
 </file>
 
-<file path=ppt/slides/slide15.xml><?xml version="1.0" encoding="utf-8"?>
+<file path=ppt/slides/slide2.xml><?xml version="1.0" encoding="utf-8"?>
+<p:sld xmlns:a="http://schemas.openxmlformats.org/drawingml/2006/main" xmlns:r="http://schemas.openxmlformats.org/officeDocument/2006/relationships" xmlns:p="http://schemas.openxmlformats.org/presentationml/2006/main">
+  <p:cSld>
+    <p:spTree>
+      <p:nvGrpSpPr>
+        <p:cNvPr id="1" name=""/>
+        <p:cNvGrpSpPr/>
+        <p:nvPr/>
+      </p:nvGrpSpPr>
+      <p:grpSpPr>
+        <a:xfrm>
+          <a:off x="0" y="0"/>
+          <a:ext cx="0" cy="0"/>
+          <a:chOff x="0" y="0"/>
+          <a:chExt cx="0" cy="0"/>
+        </a:xfrm>
+      </p:grpSpPr>
+      <p:sp>
+        <p:nvSpPr>
+          <p:cNvPr id="107" name="Título 1"/>
+          <p:cNvSpPr txBox="1">
+            <a:spLocks noGrp="1"/>
+          </p:cNvSpPr>
+          <p:nvPr>
+            <p:ph type="title"/>
+          </p:nvPr>
+        </p:nvSpPr>
+        <p:spPr>
+          <a:xfrm>
+            <a:off x="1024128" y="585216"/>
+            <a:ext cx="9720072" cy="1499617"/>
+          </a:xfrm>
+          <a:prstGeom prst="rect">
+            <a:avLst/>
+          </a:prstGeom>
+        </p:spPr>
+        <p:txBody>
+          <a:bodyPr/>
+          <a:lstStyle/>
+          <a:p>
+            <a:r>
+              <a:t>Índice</a:t>
+            </a:r>
+          </a:p>
+        </p:txBody>
+      </p:sp>
+      <p:sp>
+        <p:nvSpPr>
+          <p:cNvPr id="108" name="Marcador de contenido 2"/>
+          <p:cNvSpPr txBox="1">
+            <a:spLocks noGrp="1"/>
+          </p:cNvSpPr>
+          <p:nvPr>
+            <p:ph type="body" idx="1"/>
+          </p:nvPr>
+        </p:nvSpPr>
+        <p:spPr>
+          <a:xfrm>
+            <a:off x="1024127" y="2285999"/>
+            <a:ext cx="9720073" cy="4023361"/>
+          </a:xfrm>
+          <a:prstGeom prst="rect">
+            <a:avLst/>
+          </a:prstGeom>
+        </p:spPr>
+        <p:txBody>
+          <a:bodyPr/>
+          <a:lstStyle/>
+          <a:p>
+            <a:pPr marL="457200" indent="-457200">
+              <a:buFontTx/>
+              <a:buAutoNum type="arabicPeriod"/>
+            </a:pPr>
+            <a:r>
+              <a:rPr lang="es-ES" dirty="0"/>
+              <a:t>Diseño UML</a:t>
+            </a:r>
+          </a:p>
+          <a:p>
+            <a:pPr marL="457200" indent="-457200">
+              <a:buFontTx/>
+              <a:buAutoNum type="arabicPeriod"/>
+            </a:pPr>
+            <a:r>
+              <a:rPr lang="es-ES" dirty="0"/>
+              <a:t>Funcionalidades</a:t>
+            </a:r>
+          </a:p>
+          <a:p>
+            <a:pPr marL="457200" indent="-457200">
+              <a:buFontTx/>
+              <a:buAutoNum type="arabicPeriod"/>
+            </a:pPr>
+            <a:r>
+              <a:rPr dirty="0" err="1"/>
+              <a:t>Demostración</a:t>
+            </a:r>
+            <a:r>
+              <a:rPr dirty="0"/>
+              <a:t> </a:t>
+            </a:r>
+            <a:r>
+              <a:rPr dirty="0" err="1"/>
+              <a:t>funcional</a:t>
+            </a:r>
+            <a:r>
+              <a:rPr dirty="0"/>
+              <a:t> del </a:t>
+            </a:r>
+            <a:r>
+              <a:rPr dirty="0" err="1"/>
+              <a:t>proyecto</a:t>
+            </a:r>
+            <a:r>
+              <a:rPr dirty="0"/>
+              <a:t>.</a:t>
+            </a:r>
+          </a:p>
+          <a:p>
+            <a:pPr marL="457200" indent="-457200">
+              <a:buFontTx/>
+              <a:buAutoNum type="arabicPeriod"/>
+            </a:pPr>
+            <a:r>
+              <a:rPr dirty="0" err="1"/>
+              <a:t>Aspectos</a:t>
+            </a:r>
+            <a:r>
+              <a:rPr dirty="0"/>
+              <a:t> a </a:t>
+            </a:r>
+            <a:r>
+              <a:rPr dirty="0" err="1"/>
+              <a:t>resaltar</a:t>
+            </a:r>
+            <a:r>
+              <a:rPr dirty="0"/>
+              <a:t>.</a:t>
+            </a:r>
+          </a:p>
+          <a:p>
+            <a:pPr marL="457200" indent="-457200">
+              <a:buFontTx/>
+              <a:buAutoNum type="arabicPeriod"/>
+            </a:pPr>
+            <a:r>
+              <a:rPr dirty="0" err="1"/>
+              <a:t>Conclusiones</a:t>
+            </a:r>
+            <a:r>
+              <a:rPr dirty="0"/>
+              <a:t>.</a:t>
+            </a:r>
+          </a:p>
+        </p:txBody>
+      </p:sp>
+    </p:spTree>
+  </p:cSld>
+  <p:clrMapOvr>
+    <a:masterClrMapping/>
+  </p:clrMapOvr>
+  <p:transition spd="med"/>
+</p:sld>
+</file>
+
+<file path=ppt/slides/slide20.xml><?xml version="1.0" encoding="utf-8"?>
 <p:sld xmlns:a="http://schemas.openxmlformats.org/drawingml/2006/main" xmlns:r="http://schemas.openxmlformats.org/officeDocument/2006/relationships" xmlns:p="http://schemas.openxmlformats.org/presentationml/2006/main">
   <p:cSld>
     <p:spTree>
@@ -9333,7 +10913,7 @@
 </p:sld>
 </file>
 
-<file path=ppt/slides/slide16.xml><?xml version="1.0" encoding="utf-8"?>
+<file path=ppt/slides/slide21.xml><?xml version="1.0" encoding="utf-8"?>
 <p:sld xmlns:a="http://schemas.openxmlformats.org/drawingml/2006/main" xmlns:r="http://schemas.openxmlformats.org/officeDocument/2006/relationships" xmlns:p="http://schemas.openxmlformats.org/presentationml/2006/main">
   <p:cSld>
     <p:spTree>
@@ -10442,171 +12022,6 @@
 </p:sld>
 </file>
 
-<file path=ppt/slides/slide2.xml><?xml version="1.0" encoding="utf-8"?>
-<p:sld xmlns:a="http://schemas.openxmlformats.org/drawingml/2006/main" xmlns:r="http://schemas.openxmlformats.org/officeDocument/2006/relationships" xmlns:p="http://schemas.openxmlformats.org/presentationml/2006/main">
-  <p:cSld>
-    <p:spTree>
-      <p:nvGrpSpPr>
-        <p:cNvPr id="1" name=""/>
-        <p:cNvGrpSpPr/>
-        <p:nvPr/>
-      </p:nvGrpSpPr>
-      <p:grpSpPr>
-        <a:xfrm>
-          <a:off x="0" y="0"/>
-          <a:ext cx="0" cy="0"/>
-          <a:chOff x="0" y="0"/>
-          <a:chExt cx="0" cy="0"/>
-        </a:xfrm>
-      </p:grpSpPr>
-      <p:sp>
-        <p:nvSpPr>
-          <p:cNvPr id="107" name="Título 1"/>
-          <p:cNvSpPr txBox="1">
-            <a:spLocks noGrp="1"/>
-          </p:cNvSpPr>
-          <p:nvPr>
-            <p:ph type="title"/>
-          </p:nvPr>
-        </p:nvSpPr>
-        <p:spPr>
-          <a:xfrm>
-            <a:off x="1024128" y="585216"/>
-            <a:ext cx="9720072" cy="1499617"/>
-          </a:xfrm>
-          <a:prstGeom prst="rect">
-            <a:avLst/>
-          </a:prstGeom>
-        </p:spPr>
-        <p:txBody>
-          <a:bodyPr/>
-          <a:lstStyle/>
-          <a:p>
-            <a:r>
-              <a:t>Índice</a:t>
-            </a:r>
-          </a:p>
-        </p:txBody>
-      </p:sp>
-      <p:sp>
-        <p:nvSpPr>
-          <p:cNvPr id="108" name="Marcador de contenido 2"/>
-          <p:cNvSpPr txBox="1">
-            <a:spLocks noGrp="1"/>
-          </p:cNvSpPr>
-          <p:nvPr>
-            <p:ph type="body" idx="1"/>
-          </p:nvPr>
-        </p:nvSpPr>
-        <p:spPr>
-          <a:xfrm>
-            <a:off x="1024127" y="2285999"/>
-            <a:ext cx="9720073" cy="4023361"/>
-          </a:xfrm>
-          <a:prstGeom prst="rect">
-            <a:avLst/>
-          </a:prstGeom>
-        </p:spPr>
-        <p:txBody>
-          <a:bodyPr/>
-          <a:lstStyle/>
-          <a:p>
-            <a:pPr marL="457200" indent="-457200">
-              <a:buFontTx/>
-              <a:buAutoNum type="arabicPeriod"/>
-            </a:pPr>
-            <a:r>
-              <a:rPr lang="es-ES" dirty="0"/>
-              <a:t>Diseño UML</a:t>
-            </a:r>
-          </a:p>
-          <a:p>
-            <a:pPr marL="457200" indent="-457200">
-              <a:buFontTx/>
-              <a:buAutoNum type="arabicPeriod"/>
-            </a:pPr>
-            <a:r>
-              <a:rPr lang="es-ES" dirty="0"/>
-              <a:t>Funcionalidades</a:t>
-            </a:r>
-          </a:p>
-          <a:p>
-            <a:pPr marL="457200" indent="-457200">
-              <a:buFontTx/>
-              <a:buAutoNum type="arabicPeriod"/>
-            </a:pPr>
-            <a:r>
-              <a:rPr dirty="0" err="1"/>
-              <a:t>Demostración</a:t>
-            </a:r>
-            <a:r>
-              <a:rPr dirty="0"/>
-              <a:t> </a:t>
-            </a:r>
-            <a:r>
-              <a:rPr dirty="0" err="1"/>
-              <a:t>funcional</a:t>
-            </a:r>
-            <a:r>
-              <a:rPr dirty="0"/>
-              <a:t> del </a:t>
-            </a:r>
-            <a:r>
-              <a:rPr dirty="0" err="1"/>
-              <a:t>proyecto</a:t>
-            </a:r>
-            <a:r>
-              <a:rPr dirty="0"/>
-              <a:t>.</a:t>
-            </a:r>
-          </a:p>
-          <a:p>
-            <a:pPr marL="457200" indent="-457200">
-              <a:buFontTx/>
-              <a:buAutoNum type="arabicPeriod"/>
-            </a:pPr>
-            <a:r>
-              <a:rPr dirty="0" err="1"/>
-              <a:t>Aspectos</a:t>
-            </a:r>
-            <a:r>
-              <a:rPr dirty="0"/>
-              <a:t> a </a:t>
-            </a:r>
-            <a:r>
-              <a:rPr dirty="0" err="1"/>
-              <a:t>resaltar</a:t>
-            </a:r>
-            <a:r>
-              <a:rPr dirty="0"/>
-              <a:t>.</a:t>
-            </a:r>
-          </a:p>
-          <a:p>
-            <a:pPr marL="457200" indent="-457200">
-              <a:buFontTx/>
-              <a:buAutoNum type="arabicPeriod"/>
-            </a:pPr>
-            <a:r>
-              <a:rPr dirty="0" err="1"/>
-              <a:t>Conclusiones</a:t>
-            </a:r>
-            <a:r>
-              <a:rPr dirty="0"/>
-              <a:t>.</a:t>
-            </a:r>
-          </a:p>
-        </p:txBody>
-      </p:sp>
-    </p:spTree>
-  </p:cSld>
-  <p:clrMapOvr>
-    <a:masterClrMapping/>
-  </p:clrMapOvr>
-  <p:transition spd="med"/>
-</p:sld>
-</file>
-
 <file path=ppt/slides/slide3.xml><?xml version="1.0" encoding="utf-8"?>
 <p:sld xmlns:a="http://schemas.openxmlformats.org/drawingml/2006/main" xmlns:r="http://schemas.openxmlformats.org/officeDocument/2006/relationships" xmlns:p="http://schemas.openxmlformats.org/presentationml/2006/main">
   <p:cSld>
@@ -10679,37 +12094,6 @@
       </p:sp>
       <p:sp>
         <p:nvSpPr>
-          <p:cNvPr id="111" name="Marcador de contenido 2"/>
-          <p:cNvSpPr txBox="1">
-            <a:spLocks noGrp="1"/>
-          </p:cNvSpPr>
-          <p:nvPr>
-            <p:ph type="body" idx="1"/>
-          </p:nvPr>
-        </p:nvSpPr>
-        <p:spPr>
-          <a:xfrm>
-            <a:off x="2844331" y="2077302"/>
-            <a:ext cx="8946543" cy="4195483"/>
-          </a:xfrm>
-          <a:prstGeom prst="rect">
-            <a:avLst/>
-          </a:prstGeom>
-        </p:spPr>
-        <p:txBody>
-          <a:bodyPr/>
-          <a:lstStyle/>
-          <a:p>
-            <a:pPr>
-              <a:buFontTx/>
-              <a:buChar char="▪"/>
-            </a:pPr>
-            <a:endParaRPr dirty="0"/>
-          </a:p>
-        </p:txBody>
-      </p:sp>
-      <p:sp>
-        <p:nvSpPr>
           <p:cNvPr id="112" name="CuadroTexto 5"/>
           <p:cNvSpPr txBox="1"/>
           <p:nvPr/>
@@ -10794,6 +12178,42 @@
           </a:p>
         </p:txBody>
       </p:sp>
+      <p:pic>
+        <p:nvPicPr>
+          <p:cNvPr id="5" name="Imagen 4">
+            <a:extLst>
+              <a:ext uri="{FF2B5EF4-FFF2-40B4-BE49-F238E27FC236}">
+                <a16:creationId xmlns:a16="http://schemas.microsoft.com/office/drawing/2014/main" id="{60564AB2-B562-4086-ADC8-AD8B869F1FBF}"/>
+              </a:ext>
+            </a:extLst>
+          </p:cNvPr>
+          <p:cNvPicPr>
+            <a:picLocks noChangeAspect="1"/>
+          </p:cNvPicPr>
+          <p:nvPr/>
+        </p:nvPicPr>
+        <p:blipFill>
+          <a:blip r:embed="rId2">
+            <a:extLst>
+              <a:ext uri="{28A0092B-C50C-407E-A947-70E740481C1C}">
+                <a14:useLocalDpi xmlns:a14="http://schemas.microsoft.com/office/drawing/2010/main" val="0"/>
+              </a:ext>
+            </a:extLst>
+          </a:blip>
+          <a:stretch>
+            <a:fillRect/>
+          </a:stretch>
+        </p:blipFill>
+        <p:spPr>
+          <a:xfrm>
+            <a:off x="4810539" y="373530"/>
+            <a:ext cx="6838122" cy="6119832"/>
+          </a:xfrm>
+          <a:prstGeom prst="rect">
+            <a:avLst/>
+          </a:prstGeom>
+        </p:spPr>
+      </p:pic>
     </p:spTree>
     <p:extLst>
       <p:ext uri="{BB962C8B-B14F-4D97-AF65-F5344CB8AC3E}">
@@ -11595,7 +13015,7 @@
         <p:spPr>
           <a:xfrm>
             <a:off x="5564666" y="1483916"/>
-            <a:ext cx="1015661" cy="369332"/>
+            <a:ext cx="1720982" cy="369332"/>
           </a:xfrm>
           <a:prstGeom prst="rect">
             <a:avLst/>
@@ -11626,7 +13046,7 @@
           <a:p>
             <a:r>
               <a:rPr lang="es-ES" dirty="0"/>
-              <a:t>Contacto</a:t>
+              <a:t>Comprar vuelos</a:t>
             </a:r>
             <a:endParaRPr dirty="0"/>
           </a:p>
@@ -11637,7 +13057,7 @@
           <p:cNvPr id="3" name="Imagen 2">
             <a:extLst>
               <a:ext uri="{FF2B5EF4-FFF2-40B4-BE49-F238E27FC236}">
-                <a16:creationId xmlns:a16="http://schemas.microsoft.com/office/drawing/2014/main" id="{D06672E2-9361-4AA2-8D31-17CCE77C1A31}"/>
+                <a16:creationId xmlns:a16="http://schemas.microsoft.com/office/drawing/2014/main" id="{7E46925E-EFB6-4EA9-B330-0A9CF6E8838D}"/>
               </a:ext>
             </a:extLst>
           </p:cNvPr>
@@ -11660,8 +13080,8 @@
         </p:blipFill>
         <p:spPr>
           <a:xfrm>
-            <a:off x="0" y="2569590"/>
-            <a:ext cx="12192000" cy="3519827"/>
+            <a:off x="3223252" y="2084833"/>
+            <a:ext cx="5321824" cy="3871610"/>
           </a:xfrm>
           <a:prstGeom prst="rect">
             <a:avLst/>
@@ -11671,7 +13091,7 @@
     </p:spTree>
     <p:extLst>
       <p:ext uri="{BB962C8B-B14F-4D97-AF65-F5344CB8AC3E}">
-        <p14:creationId xmlns:p14="http://schemas.microsoft.com/office/powerpoint/2010/main" val="592811907"/>
+        <p14:creationId xmlns:p14="http://schemas.microsoft.com/office/powerpoint/2010/main" val="1888852912"/>
       </p:ext>
     </p:extLst>
   </p:cSld>
@@ -11770,7 +13190,7 @@
         <p:spPr>
           <a:xfrm>
             <a:off x="5564666" y="1483916"/>
-            <a:ext cx="1015661" cy="369332"/>
+            <a:ext cx="2503247" cy="369332"/>
           </a:xfrm>
           <a:prstGeom prst="rect">
             <a:avLst/>
@@ -11801,7 +13221,7 @@
           <a:p>
             <a:r>
               <a:rPr lang="es-ES" dirty="0"/>
-              <a:t>Contacto</a:t>
+              <a:t>Configuración del vuelo</a:t>
             </a:r>
             <a:endParaRPr dirty="0"/>
           </a:p>
@@ -11809,10 +13229,10 @@
       </p:sp>
       <p:pic>
         <p:nvPicPr>
-          <p:cNvPr id="4" name="Imagen 3">
+          <p:cNvPr id="3" name="Imagen 2">
             <a:extLst>
               <a:ext uri="{FF2B5EF4-FFF2-40B4-BE49-F238E27FC236}">
-                <a16:creationId xmlns:a16="http://schemas.microsoft.com/office/drawing/2014/main" id="{419CB6A4-0D94-42DF-A2BD-08A9AD330532}"/>
+                <a16:creationId xmlns:a16="http://schemas.microsoft.com/office/drawing/2014/main" id="{7E46925E-EFB6-4EA9-B330-0A9CF6E8838D}"/>
               </a:ext>
             </a:extLst>
           </p:cNvPr>
@@ -11835,112 +13255,18 @@
         </p:blipFill>
         <p:spPr>
           <a:xfrm>
-            <a:off x="2560320" y="2084833"/>
-            <a:ext cx="8915400" cy="4106416"/>
+            <a:off x="3742696" y="2084833"/>
+            <a:ext cx="4336202" cy="3871610"/>
           </a:xfrm>
           <a:prstGeom prst="rect">
             <a:avLst/>
           </a:prstGeom>
         </p:spPr>
       </p:pic>
-      <p:sp>
-        <p:nvSpPr>
-          <p:cNvPr id="7" name="CuadroTexto 5">
-            <a:extLst>
-              <a:ext uri="{FF2B5EF4-FFF2-40B4-BE49-F238E27FC236}">
-                <a16:creationId xmlns:a16="http://schemas.microsoft.com/office/drawing/2014/main" id="{5E7DFD3E-34AC-422B-8E40-12ADA37C2F1D}"/>
-              </a:ext>
-            </a:extLst>
-          </p:cNvPr>
-          <p:cNvSpPr txBox="1"/>
-          <p:nvPr/>
-        </p:nvSpPr>
-        <p:spPr>
-          <a:xfrm>
-            <a:off x="227331" y="2498332"/>
-            <a:ext cx="2054089" cy="1477328"/>
-          </a:xfrm>
-          <a:prstGeom prst="rect">
-            <a:avLst/>
-          </a:prstGeom>
-          <a:ln>
-            <a:solidFill>
-              <a:srgbClr val="2E2B21"/>
-            </a:solidFill>
-          </a:ln>
-          <a:extLst>
-            <a:ext uri="{C572A759-6A51-4108-AA02-DFA0A04FC94B}">
-              <ma14:wrappingTextBoxFlag xmlns:ma14="http://schemas.microsoft.com/office/mac/drawingml/2011/main" xmlns:a14="http://schemas.microsoft.com/office/drawing/2010/main" xmlns:m="http://schemas.openxmlformats.org/officeDocument/2006/math" xmlns="" val="1"/>
-            </a:ext>
-          </a:extLst>
-        </p:spPr>
-        <p:txBody>
-          <a:bodyPr lIns="45719" rIns="45719">
-            <a:spAutoFit/>
-          </a:bodyPr>
-          <a:lstStyle/>
-          <a:p>
-            <a:pPr marL="285750" indent="-285750">
-              <a:buSzPct val="100000"/>
-              <a:buChar char="❑"/>
-            </a:pPr>
-            <a:r>
-              <a:rPr lang="es-ES" dirty="0"/>
-              <a:t>UML</a:t>
-            </a:r>
-            <a:endParaRPr dirty="0"/>
-          </a:p>
-          <a:p>
-            <a:pPr marL="285750" indent="-285750">
-              <a:buSzPct val="100000"/>
-              <a:buChar char="❑"/>
-            </a:pPr>
-            <a:r>
-              <a:rPr dirty="0" err="1"/>
-              <a:t>Funcionalidades</a:t>
-            </a:r>
-            <a:endParaRPr dirty="0"/>
-          </a:p>
-          <a:p>
-            <a:pPr marL="285750" indent="-285750">
-              <a:buSzPct val="100000"/>
-              <a:buChar char="❑"/>
-              <a:defRPr b="1"/>
-            </a:pPr>
-            <a:r>
-              <a:rPr dirty="0" err="1"/>
-              <a:t>Demostración</a:t>
-            </a:r>
-            <a:endParaRPr dirty="0"/>
-          </a:p>
-          <a:p>
-            <a:pPr marL="285750" indent="-285750">
-              <a:buSzPct val="100000"/>
-              <a:buChar char="❑"/>
-            </a:pPr>
-            <a:r>
-              <a:rPr dirty="0" err="1"/>
-              <a:t>Aspectos</a:t>
-            </a:r>
-            <a:endParaRPr dirty="0"/>
-          </a:p>
-          <a:p>
-            <a:pPr marL="285750" indent="-285750">
-              <a:buSzPct val="100000"/>
-              <a:buChar char="❑"/>
-            </a:pPr>
-            <a:r>
-              <a:rPr dirty="0" err="1"/>
-              <a:t>Conclusiones</a:t>
-            </a:r>
-            <a:endParaRPr dirty="0"/>
-          </a:p>
-        </p:txBody>
-      </p:sp>
     </p:spTree>
     <p:extLst>
       <p:ext uri="{BB962C8B-B14F-4D97-AF65-F5344CB8AC3E}">
-        <p14:creationId xmlns:p14="http://schemas.microsoft.com/office/powerpoint/2010/main" val="1422319079"/>
+        <p14:creationId xmlns:p14="http://schemas.microsoft.com/office/powerpoint/2010/main" val="3705986620"/>
       </p:ext>
     </p:extLst>
   </p:cSld>
@@ -12039,7 +13365,7 @@
         <p:spPr>
           <a:xfrm>
             <a:off x="5564666" y="1483916"/>
-            <a:ext cx="900244" cy="369332"/>
+            <a:ext cx="1323437" cy="369332"/>
           </a:xfrm>
           <a:prstGeom prst="rect">
             <a:avLst/>
@@ -12070,7 +13396,7 @@
           <a:p>
             <a:r>
               <a:rPr lang="es-ES" dirty="0"/>
-              <a:t>Mi perfil</a:t>
+              <a:t>Pagar vuelo</a:t>
             </a:r>
             <a:endParaRPr dirty="0"/>
           </a:p>
@@ -12081,7 +13407,7 @@
           <p:cNvPr id="3" name="Imagen 2">
             <a:extLst>
               <a:ext uri="{FF2B5EF4-FFF2-40B4-BE49-F238E27FC236}">
-                <a16:creationId xmlns:a16="http://schemas.microsoft.com/office/drawing/2014/main" id="{0AB50705-24B9-40EF-BA72-D81E290E0619}"/>
+                <a16:creationId xmlns:a16="http://schemas.microsoft.com/office/drawing/2014/main" id="{7E46925E-EFB6-4EA9-B330-0A9CF6E8838D}"/>
               </a:ext>
             </a:extLst>
           </p:cNvPr>
@@ -12104,112 +13430,54 @@
         </p:blipFill>
         <p:spPr>
           <a:xfrm>
-            <a:off x="2663409" y="2248852"/>
-            <a:ext cx="7934325" cy="3457575"/>
+            <a:off x="3159868" y="2084832"/>
+            <a:ext cx="3265289" cy="3871610"/>
           </a:xfrm>
           <a:prstGeom prst="rect">
             <a:avLst/>
           </a:prstGeom>
         </p:spPr>
       </p:pic>
-      <p:sp>
-        <p:nvSpPr>
-          <p:cNvPr id="9" name="CuadroTexto 5">
+      <p:pic>
+        <p:nvPicPr>
+          <p:cNvPr id="4" name="Imagen 3">
             <a:extLst>
               <a:ext uri="{FF2B5EF4-FFF2-40B4-BE49-F238E27FC236}">
-                <a16:creationId xmlns:a16="http://schemas.microsoft.com/office/drawing/2014/main" id="{32E4E81B-0198-4264-983A-EFF3D96CCFE4}"/>
+                <a16:creationId xmlns:a16="http://schemas.microsoft.com/office/drawing/2014/main" id="{6F38AD6E-4B42-429E-9C12-29C5D8DD5366}"/>
               </a:ext>
             </a:extLst>
           </p:cNvPr>
-          <p:cNvSpPr txBox="1"/>
+          <p:cNvPicPr>
+            <a:picLocks noChangeAspect="1"/>
+          </p:cNvPicPr>
           <p:nvPr/>
-        </p:nvSpPr>
+        </p:nvPicPr>
+        <p:blipFill>
+          <a:blip r:embed="rId3">
+            <a:extLst>
+              <a:ext uri="{28A0092B-C50C-407E-A947-70E740481C1C}">
+                <a14:useLocalDpi xmlns:a14="http://schemas.microsoft.com/office/drawing/2010/main" val="0"/>
+              </a:ext>
+            </a:extLst>
+          </a:blip>
+          <a:stretch>
+            <a:fillRect/>
+          </a:stretch>
+        </p:blipFill>
         <p:spPr>
           <a:xfrm>
-            <a:off x="227331" y="2498332"/>
-            <a:ext cx="2054089" cy="1477328"/>
+            <a:off x="6529943" y="3806295"/>
+            <a:ext cx="3372321" cy="428685"/>
           </a:xfrm>
           <a:prstGeom prst="rect">
             <a:avLst/>
           </a:prstGeom>
-          <a:ln>
-            <a:solidFill>
-              <a:srgbClr val="2E2B21"/>
-            </a:solidFill>
-          </a:ln>
-          <a:extLst>
-            <a:ext uri="{C572A759-6A51-4108-AA02-DFA0A04FC94B}">
-              <ma14:wrappingTextBoxFlag xmlns:ma14="http://schemas.microsoft.com/office/mac/drawingml/2011/main" xmlns:a14="http://schemas.microsoft.com/office/drawing/2010/main" xmlns:m="http://schemas.openxmlformats.org/officeDocument/2006/math" xmlns="" val="1"/>
-            </a:ext>
-          </a:extLst>
         </p:spPr>
-        <p:txBody>
-          <a:bodyPr lIns="45719" rIns="45719">
-            <a:spAutoFit/>
-          </a:bodyPr>
-          <a:lstStyle/>
-          <a:p>
-            <a:pPr marL="285750" indent="-285750">
-              <a:buSzPct val="100000"/>
-              <a:buChar char="❑"/>
-            </a:pPr>
-            <a:r>
-              <a:rPr lang="es-ES" dirty="0"/>
-              <a:t>UML</a:t>
-            </a:r>
-            <a:endParaRPr dirty="0"/>
-          </a:p>
-          <a:p>
-            <a:pPr marL="285750" indent="-285750">
-              <a:buSzPct val="100000"/>
-              <a:buChar char="❑"/>
-            </a:pPr>
-            <a:r>
-              <a:rPr dirty="0" err="1"/>
-              <a:t>Funcionalidades</a:t>
-            </a:r>
-            <a:endParaRPr dirty="0"/>
-          </a:p>
-          <a:p>
-            <a:pPr marL="285750" indent="-285750">
-              <a:buSzPct val="100000"/>
-              <a:buChar char="❑"/>
-              <a:defRPr b="1"/>
-            </a:pPr>
-            <a:r>
-              <a:rPr dirty="0" err="1"/>
-              <a:t>Demostración</a:t>
-            </a:r>
-            <a:endParaRPr dirty="0"/>
-          </a:p>
-          <a:p>
-            <a:pPr marL="285750" indent="-285750">
-              <a:buSzPct val="100000"/>
-              <a:buChar char="❑"/>
-            </a:pPr>
-            <a:r>
-              <a:rPr dirty="0" err="1"/>
-              <a:t>Aspectos</a:t>
-            </a:r>
-            <a:endParaRPr dirty="0"/>
-          </a:p>
-          <a:p>
-            <a:pPr marL="285750" indent="-285750">
-              <a:buSzPct val="100000"/>
-              <a:buChar char="❑"/>
-            </a:pPr>
-            <a:r>
-              <a:rPr dirty="0" err="1"/>
-              <a:t>Conclusiones</a:t>
-            </a:r>
-            <a:endParaRPr dirty="0"/>
-          </a:p>
-        </p:txBody>
-      </p:sp>
+      </p:pic>
     </p:spTree>
     <p:extLst>
       <p:ext uri="{BB962C8B-B14F-4D97-AF65-F5344CB8AC3E}">
-        <p14:creationId xmlns:p14="http://schemas.microsoft.com/office/powerpoint/2010/main" val="907569077"/>
+        <p14:creationId xmlns:p14="http://schemas.microsoft.com/office/powerpoint/2010/main" val="2409828802"/>
       </p:ext>
     </p:extLst>
   </p:cSld>

--- a/AIRDSS.pptx
+++ b/AIRDSS.pptx
@@ -131,6 +131,11 @@
       </a:defRPr>
     </a:lvl9pPr>
   </p:defaultTextStyle>
+  <p:extLst>
+    <p:ext uri="{EFAFB233-063F-42B5-8137-9DF3F51BA10A}">
+      <p15:sldGuideLst xmlns:p15="http://schemas.microsoft.com/office/powerpoint/2012/main"/>
+    </p:ext>
+  </p:extLst>
 </p:presentation>
 </file>
 
@@ -18454,7 +18459,7 @@
               <a:buChar char="•"/>
             </a:pPr>
             <a:r>
-              <a:rPr lang="es-ES" sz="2000" b="0" strike="noStrike" spc="-1">
+              <a:rPr lang="es-ES" sz="2000" b="0" strike="noStrike" spc="-1" dirty="0">
                 <a:solidFill>
                   <a:srgbClr val="2E2B21"/>
                 </a:solidFill>
@@ -18463,7 +18468,7 @@
               </a:rPr>
               <a:t> Fácil manejo de la plataforma escogida (Laravel) y gran documentación.</a:t>
             </a:r>
-            <a:endParaRPr lang="es-ES" sz="2000" b="0" strike="noStrike" spc="-1">
+            <a:endParaRPr lang="es-ES" sz="2000" b="0" strike="noStrike" spc="-1" dirty="0">
               <a:solidFill>
                 <a:srgbClr val="2E2B21"/>
               </a:solidFill>
@@ -18485,16 +18490,56 @@
               <a:buChar char="•"/>
             </a:pPr>
             <a:r>
-              <a:rPr lang="es-ES" sz="2000" b="0" strike="noStrike" spc="-1">
+              <a:rPr lang="es-ES" sz="2000" b="0" strike="noStrike" spc="-1" dirty="0">
                 <a:solidFill>
                   <a:srgbClr val="2E2B21"/>
                 </a:solidFill>
                 <a:latin typeface="Tw Cen MT"/>
                 <a:ea typeface="Tw Cen MT"/>
               </a:rPr>
-              <a:t> Integración entre Laravel, Visual Code y Github.</a:t>
-            </a:r>
-            <a:endParaRPr lang="es-ES" sz="2000" b="0" strike="noStrike" spc="-1">
+              <a:t> Integración entre Laravel, Visual </a:t>
+            </a:r>
+            <a:r>
+              <a:rPr lang="es-ES" sz="2000" b="0" strike="noStrike" spc="-1" dirty="0" err="1">
+                <a:solidFill>
+                  <a:srgbClr val="2E2B21"/>
+                </a:solidFill>
+                <a:latin typeface="Tw Cen MT"/>
+                <a:ea typeface="Tw Cen MT"/>
+              </a:rPr>
+              <a:t>Code</a:t>
+            </a:r>
+            <a:r>
+              <a:rPr lang="es-ES" sz="2000" b="0" strike="noStrike" spc="-1" dirty="0">
+                <a:solidFill>
+                  <a:srgbClr val="2E2B21"/>
+                </a:solidFill>
+                <a:latin typeface="Tw Cen MT"/>
+                <a:ea typeface="Tw Cen MT"/>
+              </a:rPr>
+              <a:t> y </a:t>
+            </a:r>
+            <a:r>
+              <a:rPr lang="es-ES" sz="2000" b="0" strike="noStrike" spc="-1" dirty="0" err="1">
+                <a:solidFill>
+                  <a:srgbClr val="2E2B21"/>
+                </a:solidFill>
+                <a:latin typeface="Tw Cen MT"/>
+                <a:ea typeface="Tw Cen MT"/>
+              </a:rPr>
+              <a:t>Github</a:t>
+            </a:r>
+            <a:r>
+              <a:rPr lang="es-ES" sz="2000" b="0" strike="noStrike" spc="-1" dirty="0">
+                <a:solidFill>
+                  <a:srgbClr val="2E2B21"/>
+                </a:solidFill>
+                <a:latin typeface="Tw Cen MT"/>
+                <a:ea typeface="Tw Cen MT"/>
+              </a:rPr>
+              <a:t>.</a:t>
+            </a:r>
+            <a:endParaRPr lang="es-ES" sz="2000" b="0" strike="noStrike" spc="-1" dirty="0">
               <a:solidFill>
                 <a:srgbClr val="2E2B21"/>
               </a:solidFill>
@@ -18516,7 +18561,7 @@
               <a:buChar char="•"/>
             </a:pPr>
             <a:r>
-              <a:rPr lang="es-ES" sz="2000" b="0" strike="noStrike" spc="-1">
+              <a:rPr lang="es-ES" sz="2000" b="0" strike="noStrike" spc="-1" dirty="0">
                 <a:solidFill>
                   <a:srgbClr val="2E2B21"/>
                 </a:solidFill>
@@ -18525,7 +18570,7 @@
               </a:rPr>
               <a:t> Buena organización y comunicación del equipo .</a:t>
             </a:r>
-            <a:endParaRPr lang="es-ES" sz="2000" b="0" strike="noStrike" spc="-1">
+            <a:endParaRPr lang="es-ES" sz="2000" b="0" strike="noStrike" spc="-1" dirty="0">
               <a:solidFill>
                 <a:srgbClr val="2E2B21"/>
               </a:solidFill>
@@ -18547,16 +18592,16 @@
               <a:buChar char="•"/>
             </a:pPr>
             <a:r>
-              <a:rPr lang="es-ES" sz="2000" b="0" strike="noStrike" spc="-1">
+              <a:rPr lang="es-ES" sz="2000" b="0" strike="noStrike" spc="-1" dirty="0">
                 <a:solidFill>
                   <a:srgbClr val="2E2B21"/>
                 </a:solidFill>
                 <a:latin typeface="Tw Cen MT"/>
                 <a:ea typeface="Tw Cen MT"/>
               </a:rPr>
-              <a:t> Buena etodología de trabajo utilizada en las prácticas </a:t>
-            </a:r>
-            <a:endParaRPr lang="es-ES" sz="2000" b="0" strike="noStrike" spc="-1">
+              <a:t> Buena metodología de trabajo utilizada en las prácticas </a:t>
+            </a:r>
+            <a:endParaRPr lang="es-ES" sz="2000" b="0" strike="noStrike" spc="-1" dirty="0">
               <a:solidFill>
                 <a:srgbClr val="2E2B21"/>
               </a:solidFill>
@@ -18598,7 +18643,7 @@
         </p:style>
         <p:txBody>
           <a:bodyPr lIns="45720" rIns="45720">
-            <a:normAutofit/>
+            <a:normAutofit lnSpcReduction="10000"/>
           </a:bodyPr>
           <a:lstStyle/>
           <a:p>
@@ -18616,7 +18661,7 @@
               <a:buChar char="•"/>
             </a:pPr>
             <a:r>
-              <a:rPr lang="es-ES" sz="2200" b="0" strike="noStrike" spc="-1">
+              <a:rPr lang="es-ES" sz="2200" b="0" strike="noStrike" spc="-1" dirty="0">
                 <a:solidFill>
                   <a:srgbClr val="2E2B21"/>
                 </a:solidFill>
@@ -18626,7 +18671,7 @@
               <a:t> </a:t>
             </a:r>
             <a:r>
-              <a:rPr lang="es-ES" sz="2200" b="1" strike="noStrike" spc="-1">
+              <a:rPr lang="es-ES" sz="2200" b="1" strike="noStrike" spc="-1" dirty="0">
                 <a:solidFill>
                   <a:srgbClr val="2E2B21"/>
                 </a:solidFill>
@@ -18636,7 +18681,7 @@
               <a:t>Problemas</a:t>
             </a:r>
             <a:r>
-              <a:rPr lang="es-ES" sz="2200" b="0" strike="noStrike" spc="-1">
+              <a:rPr lang="es-ES" sz="2200" b="0" strike="noStrike" spc="-1" dirty="0">
                 <a:solidFill>
                   <a:srgbClr val="2E2B21"/>
                 </a:solidFill>
@@ -18645,7 +18690,7 @@
               </a:rPr>
               <a:t>:</a:t>
             </a:r>
-            <a:endParaRPr lang="es-ES" sz="2200" b="0" strike="noStrike" spc="-1">
+            <a:endParaRPr lang="es-ES" sz="2200" b="0" strike="noStrike" spc="-1" dirty="0">
               <a:latin typeface="Arial"/>
             </a:endParaRPr>
           </a:p>
@@ -18664,7 +18709,7 @@
               <a:buChar char="•"/>
             </a:pPr>
             <a:r>
-              <a:rPr lang="es-ES" sz="2200" b="0" strike="noStrike" spc="-1">
+              <a:rPr lang="es-ES" sz="2200" b="0" strike="noStrike" spc="-1" dirty="0">
                 <a:solidFill>
                   <a:srgbClr val="2E2B21"/>
                 </a:solidFill>
@@ -18673,7 +18718,7 @@
               </a:rPr>
               <a:t> Consultas entre diferentes tablas</a:t>
             </a:r>
-            <a:endParaRPr lang="es-ES" sz="2200" b="0" strike="noStrike" spc="-1">
+            <a:endParaRPr lang="es-ES" sz="2200" b="0" strike="noStrike" spc="-1" dirty="0">
               <a:latin typeface="Arial"/>
             </a:endParaRPr>
           </a:p>
@@ -18692,16 +18737,66 @@
               <a:buChar char="•"/>
             </a:pPr>
             <a:r>
-              <a:rPr lang="es-ES" sz="2200" b="0" strike="noStrike" spc="-1">
+              <a:rPr lang="es-ES" sz="2200" b="0" strike="noStrike" spc="-1" dirty="0">
                 <a:solidFill>
                   <a:srgbClr val="2E2B21"/>
                 </a:solidFill>
                 <a:latin typeface="Tw Cen MT"/>
                 <a:ea typeface="Tw Cen MT"/>
               </a:rPr>
-              <a:t> Value del option del select</a:t>
-            </a:r>
-            <a:endParaRPr lang="es-ES" sz="2200" b="0" strike="noStrike" spc="-1">
+              <a:t> </a:t>
+            </a:r>
+            <a:r>
+              <a:rPr lang="es-ES" sz="2200" b="0" strike="noStrike" spc="-1" dirty="0" err="1">
+                <a:solidFill>
+                  <a:srgbClr val="2E2B21"/>
+                </a:solidFill>
+                <a:latin typeface="Tw Cen MT"/>
+                <a:ea typeface="Tw Cen MT"/>
+              </a:rPr>
+              <a:t>Value</a:t>
+            </a:r>
+            <a:r>
+              <a:rPr lang="es-ES" sz="2200" b="0" strike="noStrike" spc="-1" dirty="0">
+                <a:solidFill>
+                  <a:srgbClr val="2E2B21"/>
+                </a:solidFill>
+                <a:latin typeface="Tw Cen MT"/>
+                <a:ea typeface="Tw Cen MT"/>
+              </a:rPr>
+              <a:t> del </a:t>
+            </a:r>
+            <a:r>
+              <a:rPr lang="es-ES" sz="2200" b="0" strike="noStrike" spc="-1" dirty="0" err="1">
+                <a:solidFill>
+                  <a:srgbClr val="2E2B21"/>
+                </a:solidFill>
+                <a:latin typeface="Tw Cen MT"/>
+                <a:ea typeface="Tw Cen MT"/>
+              </a:rPr>
+              <a:t>option</a:t>
+            </a:r>
+            <a:r>
+              <a:rPr lang="es-ES" sz="2200" b="0" strike="noStrike" spc="-1" dirty="0">
+                <a:solidFill>
+                  <a:srgbClr val="2E2B21"/>
+                </a:solidFill>
+                <a:latin typeface="Tw Cen MT"/>
+                <a:ea typeface="Tw Cen MT"/>
+              </a:rPr>
+              <a:t> del </a:t>
+            </a:r>
+            <a:r>
+              <a:rPr lang="es-ES" sz="2200" b="0" strike="noStrike" spc="-1" dirty="0" err="1">
+                <a:solidFill>
+                  <a:srgbClr val="2E2B21"/>
+                </a:solidFill>
+                <a:latin typeface="Tw Cen MT"/>
+                <a:ea typeface="Tw Cen MT"/>
+              </a:rPr>
+              <a:t>select</a:t>
+            </a:r>
+            <a:endParaRPr lang="es-ES" sz="2200" b="0" strike="noStrike" spc="-1" dirty="0">
               <a:latin typeface="Arial"/>
             </a:endParaRPr>
           </a:p>
@@ -18720,16 +18815,16 @@
               <a:buChar char="•"/>
             </a:pPr>
             <a:r>
-              <a:rPr lang="es-ES" sz="2200" b="0" strike="noStrike" spc="-1">
+              <a:rPr lang="es-ES" sz="2200" b="0" strike="noStrike" spc="-1" dirty="0">
                 <a:solidFill>
                   <a:srgbClr val="2E2B21"/>
                 </a:solidFill>
                 <a:latin typeface="Tw Cen MT"/>
                 <a:ea typeface="Tw Cen MT"/>
               </a:rPr>
-              <a:t>Grupos de rutas(Middleware)</a:t>
-            </a:r>
-            <a:endParaRPr lang="es-ES" sz="2200" b="0" strike="noStrike" spc="-1">
+              <a:t> Grupos de rutas(Middleware)</a:t>
+            </a:r>
+            <a:endParaRPr lang="es-ES" sz="2200" b="0" strike="noStrike" spc="-1" dirty="0">
               <a:latin typeface="Arial"/>
             </a:endParaRPr>
           </a:p>
@@ -18748,16 +18843,40 @@
               <a:buChar char="•"/>
             </a:pPr>
             <a:r>
-              <a:rPr lang="es-ES" sz="2200" b="0" strike="noStrike" spc="-1">
+              <a:rPr lang="es-ES" sz="2200" b="0" strike="noStrike" spc="-1" dirty="0">
                 <a:solidFill>
                   <a:srgbClr val="2E2B21"/>
                 </a:solidFill>
                 <a:latin typeface="Tw Cen MT"/>
                 <a:ea typeface="Tw Cen MT"/>
               </a:rPr>
-              <a:t>Fechas</a:t>
-            </a:r>
-            <a:endParaRPr lang="es-ES" sz="2200" b="0" strike="noStrike" spc="-1">
+              <a:t> Fechas</a:t>
+            </a:r>
+          </a:p>
+          <a:p>
+            <a:pPr marL="219600" lvl="1" indent="-91080">
+              <a:lnSpc>
+                <a:spcPct val="90000"/>
+              </a:lnSpc>
+              <a:spcBef>
+                <a:spcPts val="1199"/>
+              </a:spcBef>
+              <a:buClr>
+                <a:srgbClr val="2E2B21"/>
+              </a:buClr>
+              <a:buFont typeface="Arial"/>
+              <a:buChar char="•"/>
+            </a:pPr>
+            <a:r>
+              <a:rPr lang="es-ES" sz="2200" spc="-1" dirty="0">
+                <a:solidFill>
+                  <a:srgbClr val="2E2B21"/>
+                </a:solidFill>
+                <a:latin typeface="Tw Cen MT"/>
+              </a:rPr>
+              <a:t> Reseteo de contraseña</a:t>
+            </a:r>
+            <a:endParaRPr lang="es-ES" sz="2200" b="0" strike="noStrike" spc="-1" dirty="0">
               <a:latin typeface="Arial"/>
             </a:endParaRPr>
           </a:p>
